--- a/amplitude_sensing_penning.pptx
+++ b/amplitude_sensing_penning.pptx
@@ -5,15 +5,20 @@
     <p:sldMasterId id="2147483648" r:id="rId1"/>
     <p:sldMasterId id="2147483660" r:id="rId2"/>
   </p:sldMasterIdLst>
+  <p:notesMasterIdLst>
+    <p:notesMasterId r:id="rId13"/>
+  </p:notesMasterIdLst>
   <p:sldIdLst>
     <p:sldId id="267" r:id="rId3"/>
     <p:sldId id="258" r:id="rId4"/>
     <p:sldId id="259" r:id="rId5"/>
-    <p:sldId id="266" r:id="rId6"/>
-    <p:sldId id="260" r:id="rId7"/>
+    <p:sldId id="260" r:id="rId6"/>
+    <p:sldId id="269" r:id="rId7"/>
     <p:sldId id="268" r:id="rId8"/>
-    <p:sldId id="261" r:id="rId9"/>
-    <p:sldId id="264" r:id="rId10"/>
+    <p:sldId id="270" r:id="rId9"/>
+    <p:sldId id="261" r:id="rId10"/>
+    <p:sldId id="264" r:id="rId11"/>
+    <p:sldId id="271" r:id="rId12"/>
   </p:sldIdLst>
   <p:sldSz cx="12192000" cy="6858000"/>
   <p:notesSz cx="6858000" cy="9144000"/>
@@ -118,6 +123,668 @@
     </p:ext>
   </p:extLst>
 </p:presentation>
+</file>
+
+<file path=ppt/commentAuthors.xml><?xml version="1.0" encoding="utf-8"?>
+<p:cmAuthorLst xmlns:a="http://schemas.openxmlformats.org/drawingml/2006/main" xmlns:r="http://schemas.openxmlformats.org/officeDocument/2006/relationships" xmlns:p="http://schemas.openxmlformats.org/presentationml/2006/main">
+  <p:cmAuthor id="1" name="Gilmore, Kevin A. (Assoc)" initials="GKA(" lastIdx="1" clrIdx="0">
+    <p:extLst>
+      <p:ext uri="{19B8F6BF-5375-455C-9EA6-DF929625EA0E}">
+        <p15:presenceInfo xmlns:p15="http://schemas.microsoft.com/office/powerpoint/2012/main" userId="S-1-5-21-1908027396-2059629336-315576832-88138" providerId="AD"/>
+      </p:ext>
+    </p:extLst>
+  </p:cmAuthor>
+</p:cmAuthorLst>
+</file>
+
+<file path=ppt/notesMasters/notesMaster1.xml><?xml version="1.0" encoding="utf-8"?>
+<p:notesMaster xmlns:a="http://schemas.openxmlformats.org/drawingml/2006/main" xmlns:r="http://schemas.openxmlformats.org/officeDocument/2006/relationships" xmlns:p="http://schemas.openxmlformats.org/presentationml/2006/main">
+  <p:cSld>
+    <p:bg>
+      <p:bgRef idx="1001">
+        <a:schemeClr val="bg1"/>
+      </p:bgRef>
+    </p:bg>
+    <p:spTree>
+      <p:nvGrpSpPr>
+        <p:cNvPr id="1" name=""/>
+        <p:cNvGrpSpPr/>
+        <p:nvPr/>
+      </p:nvGrpSpPr>
+      <p:grpSpPr>
+        <a:xfrm>
+          <a:off x="0" y="0"/>
+          <a:ext cx="0" cy="0"/>
+          <a:chOff x="0" y="0"/>
+          <a:chExt cx="0" cy="0"/>
+        </a:xfrm>
+      </p:grpSpPr>
+      <p:sp>
+        <p:nvSpPr>
+          <p:cNvPr id="2" name="Header Placeholder 1"/>
+          <p:cNvSpPr>
+            <a:spLocks noGrp="1"/>
+          </p:cNvSpPr>
+          <p:nvPr>
+            <p:ph type="hdr" sz="quarter"/>
+          </p:nvPr>
+        </p:nvSpPr>
+        <p:spPr>
+          <a:xfrm>
+            <a:off x="0" y="0"/>
+            <a:ext cx="2971800" cy="458788"/>
+          </a:xfrm>
+          <a:prstGeom prst="rect">
+            <a:avLst/>
+          </a:prstGeom>
+        </p:spPr>
+        <p:txBody>
+          <a:bodyPr vert="horz" lIns="91440" tIns="45720" rIns="91440" bIns="45720" rtlCol="0"/>
+          <a:lstStyle>
+            <a:lvl1pPr algn="l">
+              <a:defRPr sz="1200"/>
+            </a:lvl1pPr>
+          </a:lstStyle>
+          <a:p>
+            <a:endParaRPr lang="en-US"/>
+          </a:p>
+        </p:txBody>
+      </p:sp>
+      <p:sp>
+        <p:nvSpPr>
+          <p:cNvPr id="3" name="Date Placeholder 2"/>
+          <p:cNvSpPr>
+            <a:spLocks noGrp="1"/>
+          </p:cNvSpPr>
+          <p:nvPr>
+            <p:ph type="dt" idx="1"/>
+          </p:nvPr>
+        </p:nvSpPr>
+        <p:spPr>
+          <a:xfrm>
+            <a:off x="3884613" y="0"/>
+            <a:ext cx="2971800" cy="458788"/>
+          </a:xfrm>
+          <a:prstGeom prst="rect">
+            <a:avLst/>
+          </a:prstGeom>
+        </p:spPr>
+        <p:txBody>
+          <a:bodyPr vert="horz" lIns="91440" tIns="45720" rIns="91440" bIns="45720" rtlCol="0"/>
+          <a:lstStyle>
+            <a:lvl1pPr algn="r">
+              <a:defRPr sz="1200"/>
+            </a:lvl1pPr>
+          </a:lstStyle>
+          <a:p>
+            <a:fld id="{03F6027F-D680-46C2-8DDF-389BA132DFC8}" type="datetimeFigureOut">
+              <a:rPr lang="en-US" smtClean="0"/>
+              <a:t>2/3/2017</a:t>
+            </a:fld>
+            <a:endParaRPr lang="en-US"/>
+          </a:p>
+        </p:txBody>
+      </p:sp>
+      <p:sp>
+        <p:nvSpPr>
+          <p:cNvPr id="4" name="Slide Image Placeholder 3"/>
+          <p:cNvSpPr>
+            <a:spLocks noGrp="1" noRot="1" noChangeAspect="1"/>
+          </p:cNvSpPr>
+          <p:nvPr>
+            <p:ph type="sldImg" idx="2"/>
+          </p:nvPr>
+        </p:nvSpPr>
+        <p:spPr>
+          <a:xfrm>
+            <a:off x="685800" y="1143000"/>
+            <a:ext cx="5486400" cy="3086100"/>
+          </a:xfrm>
+          <a:prstGeom prst="rect">
+            <a:avLst/>
+          </a:prstGeom>
+          <a:noFill/>
+          <a:ln w="12700">
+            <a:solidFill>
+              <a:prstClr val="black"/>
+            </a:solidFill>
+          </a:ln>
+        </p:spPr>
+        <p:txBody>
+          <a:bodyPr vert="horz" lIns="91440" tIns="45720" rIns="91440" bIns="45720" rtlCol="0" anchor="ctr"/>
+          <a:lstStyle/>
+          <a:p>
+            <a:endParaRPr lang="en-US"/>
+          </a:p>
+        </p:txBody>
+      </p:sp>
+      <p:sp>
+        <p:nvSpPr>
+          <p:cNvPr id="5" name="Notes Placeholder 4"/>
+          <p:cNvSpPr>
+            <a:spLocks noGrp="1"/>
+          </p:cNvSpPr>
+          <p:nvPr>
+            <p:ph type="body" sz="quarter" idx="3"/>
+          </p:nvPr>
+        </p:nvSpPr>
+        <p:spPr>
+          <a:xfrm>
+            <a:off x="685800" y="4400550"/>
+            <a:ext cx="5486400" cy="3600450"/>
+          </a:xfrm>
+          <a:prstGeom prst="rect">
+            <a:avLst/>
+          </a:prstGeom>
+        </p:spPr>
+        <p:txBody>
+          <a:bodyPr vert="horz" lIns="91440" tIns="45720" rIns="91440" bIns="45720" rtlCol="0"/>
+          <a:lstStyle/>
+          <a:p>
+            <a:pPr lvl="0"/>
+            <a:r>
+              <a:rPr lang="en-US"/>
+              <a:t>Edit Master text styles</a:t>
+            </a:r>
+          </a:p>
+          <a:p>
+            <a:pPr lvl="1"/>
+            <a:r>
+              <a:rPr lang="en-US"/>
+              <a:t>Second level</a:t>
+            </a:r>
+          </a:p>
+          <a:p>
+            <a:pPr lvl="2"/>
+            <a:r>
+              <a:rPr lang="en-US"/>
+              <a:t>Third level</a:t>
+            </a:r>
+          </a:p>
+          <a:p>
+            <a:pPr lvl="3"/>
+            <a:r>
+              <a:rPr lang="en-US"/>
+              <a:t>Fourth level</a:t>
+            </a:r>
+          </a:p>
+          <a:p>
+            <a:pPr lvl="4"/>
+            <a:r>
+              <a:rPr lang="en-US"/>
+              <a:t>Fifth level</a:t>
+            </a:r>
+            <a:endParaRPr lang="en-US"/>
+          </a:p>
+        </p:txBody>
+      </p:sp>
+      <p:sp>
+        <p:nvSpPr>
+          <p:cNvPr id="6" name="Footer Placeholder 5"/>
+          <p:cNvSpPr>
+            <a:spLocks noGrp="1"/>
+          </p:cNvSpPr>
+          <p:nvPr>
+            <p:ph type="ftr" sz="quarter" idx="4"/>
+          </p:nvPr>
+        </p:nvSpPr>
+        <p:spPr>
+          <a:xfrm>
+            <a:off x="0" y="8685213"/>
+            <a:ext cx="2971800" cy="458787"/>
+          </a:xfrm>
+          <a:prstGeom prst="rect">
+            <a:avLst/>
+          </a:prstGeom>
+        </p:spPr>
+        <p:txBody>
+          <a:bodyPr vert="horz" lIns="91440" tIns="45720" rIns="91440" bIns="45720" rtlCol="0" anchor="b"/>
+          <a:lstStyle>
+            <a:lvl1pPr algn="l">
+              <a:defRPr sz="1200"/>
+            </a:lvl1pPr>
+          </a:lstStyle>
+          <a:p>
+            <a:endParaRPr lang="en-US"/>
+          </a:p>
+        </p:txBody>
+      </p:sp>
+      <p:sp>
+        <p:nvSpPr>
+          <p:cNvPr id="7" name="Slide Number Placeholder 6"/>
+          <p:cNvSpPr>
+            <a:spLocks noGrp="1"/>
+          </p:cNvSpPr>
+          <p:nvPr>
+            <p:ph type="sldNum" sz="quarter" idx="5"/>
+          </p:nvPr>
+        </p:nvSpPr>
+        <p:spPr>
+          <a:xfrm>
+            <a:off x="3884613" y="8685213"/>
+            <a:ext cx="2971800" cy="458787"/>
+          </a:xfrm>
+          <a:prstGeom prst="rect">
+            <a:avLst/>
+          </a:prstGeom>
+        </p:spPr>
+        <p:txBody>
+          <a:bodyPr vert="horz" lIns="91440" tIns="45720" rIns="91440" bIns="45720" rtlCol="0" anchor="b"/>
+          <a:lstStyle>
+            <a:lvl1pPr algn="r">
+              <a:defRPr sz="1200"/>
+            </a:lvl1pPr>
+          </a:lstStyle>
+          <a:p>
+            <a:fld id="{84FDC1DB-3CE3-40ED-99EE-197F06FEF5F0}" type="slidenum">
+              <a:rPr lang="en-US" smtClean="0"/>
+              <a:t>‹#›</a:t>
+            </a:fld>
+            <a:endParaRPr lang="en-US"/>
+          </a:p>
+        </p:txBody>
+      </p:sp>
+    </p:spTree>
+    <p:extLst>
+      <p:ext uri="{BB962C8B-B14F-4D97-AF65-F5344CB8AC3E}">
+        <p14:creationId xmlns:p14="http://schemas.microsoft.com/office/powerpoint/2010/main" val="1904586994"/>
+      </p:ext>
+    </p:extLst>
+  </p:cSld>
+  <p:clrMap bg1="lt1" tx1="dk1" bg2="lt2" tx2="dk2" accent1="accent1" accent2="accent2" accent3="accent3" accent4="accent4" accent5="accent5" accent6="accent6" hlink="hlink" folHlink="folHlink"/>
+  <p:notesStyle>
+    <a:lvl1pPr marL="0" algn="l" defTabSz="914400" rtl="0" eaLnBrk="1" latinLnBrk="0" hangingPunct="1">
+      <a:defRPr sz="1200" kern="1200">
+        <a:solidFill>
+          <a:schemeClr val="tx1"/>
+        </a:solidFill>
+        <a:latin typeface="+mn-lt"/>
+        <a:ea typeface="+mn-ea"/>
+        <a:cs typeface="+mn-cs"/>
+      </a:defRPr>
+    </a:lvl1pPr>
+    <a:lvl2pPr marL="457200" algn="l" defTabSz="914400" rtl="0" eaLnBrk="1" latinLnBrk="0" hangingPunct="1">
+      <a:defRPr sz="1200" kern="1200">
+        <a:solidFill>
+          <a:schemeClr val="tx1"/>
+        </a:solidFill>
+        <a:latin typeface="+mn-lt"/>
+        <a:ea typeface="+mn-ea"/>
+        <a:cs typeface="+mn-cs"/>
+      </a:defRPr>
+    </a:lvl2pPr>
+    <a:lvl3pPr marL="914400" algn="l" defTabSz="914400" rtl="0" eaLnBrk="1" latinLnBrk="0" hangingPunct="1">
+      <a:defRPr sz="1200" kern="1200">
+        <a:solidFill>
+          <a:schemeClr val="tx1"/>
+        </a:solidFill>
+        <a:latin typeface="+mn-lt"/>
+        <a:ea typeface="+mn-ea"/>
+        <a:cs typeface="+mn-cs"/>
+      </a:defRPr>
+    </a:lvl3pPr>
+    <a:lvl4pPr marL="1371600" algn="l" defTabSz="914400" rtl="0" eaLnBrk="1" latinLnBrk="0" hangingPunct="1">
+      <a:defRPr sz="1200" kern="1200">
+        <a:solidFill>
+          <a:schemeClr val="tx1"/>
+        </a:solidFill>
+        <a:latin typeface="+mn-lt"/>
+        <a:ea typeface="+mn-ea"/>
+        <a:cs typeface="+mn-cs"/>
+      </a:defRPr>
+    </a:lvl4pPr>
+    <a:lvl5pPr marL="1828800" algn="l" defTabSz="914400" rtl="0" eaLnBrk="1" latinLnBrk="0" hangingPunct="1">
+      <a:defRPr sz="1200" kern="1200">
+        <a:solidFill>
+          <a:schemeClr val="tx1"/>
+        </a:solidFill>
+        <a:latin typeface="+mn-lt"/>
+        <a:ea typeface="+mn-ea"/>
+        <a:cs typeface="+mn-cs"/>
+      </a:defRPr>
+    </a:lvl5pPr>
+    <a:lvl6pPr marL="2286000" algn="l" defTabSz="914400" rtl="0" eaLnBrk="1" latinLnBrk="0" hangingPunct="1">
+      <a:defRPr sz="1200" kern="1200">
+        <a:solidFill>
+          <a:schemeClr val="tx1"/>
+        </a:solidFill>
+        <a:latin typeface="+mn-lt"/>
+        <a:ea typeface="+mn-ea"/>
+        <a:cs typeface="+mn-cs"/>
+      </a:defRPr>
+    </a:lvl6pPr>
+    <a:lvl7pPr marL="2743200" algn="l" defTabSz="914400" rtl="0" eaLnBrk="1" latinLnBrk="0" hangingPunct="1">
+      <a:defRPr sz="1200" kern="1200">
+        <a:solidFill>
+          <a:schemeClr val="tx1"/>
+        </a:solidFill>
+        <a:latin typeface="+mn-lt"/>
+        <a:ea typeface="+mn-ea"/>
+        <a:cs typeface="+mn-cs"/>
+      </a:defRPr>
+    </a:lvl7pPr>
+    <a:lvl8pPr marL="3200400" algn="l" defTabSz="914400" rtl="0" eaLnBrk="1" latinLnBrk="0" hangingPunct="1">
+      <a:defRPr sz="1200" kern="1200">
+        <a:solidFill>
+          <a:schemeClr val="tx1"/>
+        </a:solidFill>
+        <a:latin typeface="+mn-lt"/>
+        <a:ea typeface="+mn-ea"/>
+        <a:cs typeface="+mn-cs"/>
+      </a:defRPr>
+    </a:lvl8pPr>
+    <a:lvl9pPr marL="3657600" algn="l" defTabSz="914400" rtl="0" eaLnBrk="1" latinLnBrk="0" hangingPunct="1">
+      <a:defRPr sz="1200" kern="1200">
+        <a:solidFill>
+          <a:schemeClr val="tx1"/>
+        </a:solidFill>
+        <a:latin typeface="+mn-lt"/>
+        <a:ea typeface="+mn-ea"/>
+        <a:cs typeface="+mn-cs"/>
+      </a:defRPr>
+    </a:lvl9pPr>
+  </p:notesStyle>
+</p:notesMaster>
+</file>
+
+<file path=ppt/notesSlides/notesSlide1.xml><?xml version="1.0" encoding="utf-8"?>
+<p:notes xmlns:a="http://schemas.openxmlformats.org/drawingml/2006/main" xmlns:r="http://schemas.openxmlformats.org/officeDocument/2006/relationships" xmlns:p="http://schemas.openxmlformats.org/presentationml/2006/main">
+  <p:cSld>
+    <p:spTree>
+      <p:nvGrpSpPr>
+        <p:cNvPr id="1" name=""/>
+        <p:cNvGrpSpPr/>
+        <p:nvPr/>
+      </p:nvGrpSpPr>
+      <p:grpSpPr>
+        <a:xfrm>
+          <a:off x="0" y="0"/>
+          <a:ext cx="0" cy="0"/>
+          <a:chOff x="0" y="0"/>
+          <a:chExt cx="0" cy="0"/>
+        </a:xfrm>
+      </p:grpSpPr>
+      <p:sp>
+        <p:nvSpPr>
+          <p:cNvPr id="2" name="Slide Image Placeholder 1"/>
+          <p:cNvSpPr>
+            <a:spLocks noGrp="1" noRot="1" noChangeAspect="1"/>
+          </p:cNvSpPr>
+          <p:nvPr>
+            <p:ph type="sldImg"/>
+          </p:nvPr>
+        </p:nvSpPr>
+        <p:spPr/>
+      </p:sp>
+      <p:sp>
+        <p:nvSpPr>
+          <p:cNvPr id="3" name="Notes Placeholder 2"/>
+          <p:cNvSpPr>
+            <a:spLocks noGrp="1"/>
+          </p:cNvSpPr>
+          <p:nvPr>
+            <p:ph type="body" idx="1"/>
+          </p:nvPr>
+        </p:nvSpPr>
+        <p:spPr/>
+        <p:txBody>
+          <a:bodyPr/>
+          <a:lstStyle/>
+          <a:p>
+            <a:r>
+              <a:rPr lang="en-US" dirty="0"/>
+              <a:t>Drumhead</a:t>
+            </a:r>
+            <a:r>
+              <a:rPr lang="en-US" baseline="0" dirty="0"/>
+              <a:t> modes of 2D crystal in Penning trap analogous to cavity </a:t>
+            </a:r>
+            <a:r>
+              <a:rPr lang="en-US" baseline="0" dirty="0" err="1"/>
+              <a:t>optomechanics</a:t>
+            </a:r>
+            <a:r>
+              <a:rPr lang="en-US" baseline="0" dirty="0"/>
+              <a:t> experiments. With cavity – oscillator pairing, motion of mechanical oscillator shifts frequency of cavity, which is read out.</a:t>
+            </a:r>
+            <a:endParaRPr lang="en-US" dirty="0"/>
+          </a:p>
+        </p:txBody>
+      </p:sp>
+      <p:sp>
+        <p:nvSpPr>
+          <p:cNvPr id="4" name="Slide Number Placeholder 3"/>
+          <p:cNvSpPr>
+            <a:spLocks noGrp="1"/>
+          </p:cNvSpPr>
+          <p:nvPr>
+            <p:ph type="sldNum" sz="quarter" idx="10"/>
+          </p:nvPr>
+        </p:nvSpPr>
+        <p:spPr/>
+        <p:txBody>
+          <a:bodyPr/>
+          <a:lstStyle/>
+          <a:p>
+            <a:fld id="{84FDC1DB-3CE3-40ED-99EE-197F06FEF5F0}" type="slidenum">
+              <a:rPr lang="en-US" smtClean="0"/>
+              <a:t>1</a:t>
+            </a:fld>
+            <a:endParaRPr lang="en-US"/>
+          </a:p>
+        </p:txBody>
+      </p:sp>
+    </p:spTree>
+    <p:extLst>
+      <p:ext uri="{BB962C8B-B14F-4D97-AF65-F5344CB8AC3E}">
+        <p14:creationId xmlns:p14="http://schemas.microsoft.com/office/powerpoint/2010/main" val="866808667"/>
+      </p:ext>
+    </p:extLst>
+  </p:cSld>
+  <p:clrMapOvr>
+    <a:masterClrMapping/>
+  </p:clrMapOvr>
+</p:notes>
+</file>
+
+<file path=ppt/notesSlides/notesSlide2.xml><?xml version="1.0" encoding="utf-8"?>
+<p:notes xmlns:a="http://schemas.openxmlformats.org/drawingml/2006/main" xmlns:r="http://schemas.openxmlformats.org/officeDocument/2006/relationships" xmlns:p="http://schemas.openxmlformats.org/presentationml/2006/main">
+  <p:cSld>
+    <p:spTree>
+      <p:nvGrpSpPr>
+        <p:cNvPr id="1" name=""/>
+        <p:cNvGrpSpPr/>
+        <p:nvPr/>
+      </p:nvGrpSpPr>
+      <p:grpSpPr>
+        <a:xfrm>
+          <a:off x="0" y="0"/>
+          <a:ext cx="0" cy="0"/>
+          <a:chOff x="0" y="0"/>
+          <a:chExt cx="0" cy="0"/>
+        </a:xfrm>
+      </p:grpSpPr>
+      <p:sp>
+        <p:nvSpPr>
+          <p:cNvPr id="2" name="Slide Image Placeholder 1"/>
+          <p:cNvSpPr>
+            <a:spLocks noGrp="1" noRot="1" noChangeAspect="1"/>
+          </p:cNvSpPr>
+          <p:nvPr>
+            <p:ph type="sldImg"/>
+          </p:nvPr>
+        </p:nvSpPr>
+        <p:spPr/>
+      </p:sp>
+      <p:sp>
+        <p:nvSpPr>
+          <p:cNvPr id="3" name="Notes Placeholder 2"/>
+          <p:cNvSpPr>
+            <a:spLocks noGrp="1"/>
+          </p:cNvSpPr>
+          <p:nvPr>
+            <p:ph type="body" idx="1"/>
+          </p:nvPr>
+        </p:nvSpPr>
+        <p:spPr/>
+        <p:txBody>
+          <a:bodyPr/>
+          <a:lstStyle/>
+          <a:p>
+            <a:r>
+              <a:rPr lang="en-US" dirty="0"/>
+              <a:t>Like</a:t>
+            </a:r>
+            <a:r>
+              <a:rPr lang="en-US" baseline="0" dirty="0"/>
+              <a:t> the cavity-mechanical oscillator, due to the spin-motion coupling induced by the ODF, qubit frequency sees a shift – hence precession. The qubit frequency shift evaluated at </a:t>
+            </a:r>
+            <a:r>
+              <a:rPr lang="en-US" baseline="0" dirty="0" err="1"/>
+              <a:t>Z_c</a:t>
+            </a:r>
+            <a:r>
+              <a:rPr lang="en-US" baseline="0" dirty="0"/>
+              <a:t> = 2 nm (zero point </a:t>
+            </a:r>
+            <a:r>
+              <a:rPr lang="en-US" baseline="0" dirty="0" err="1"/>
+              <a:t>fluc</a:t>
+            </a:r>
+            <a:r>
+              <a:rPr lang="en-US" baseline="0" dirty="0"/>
+              <a:t> of COM mode for 100 ions) is the equivalent of the vacuum </a:t>
+            </a:r>
+            <a:r>
+              <a:rPr lang="en-US" baseline="0" dirty="0" err="1"/>
+              <a:t>optomechanical</a:t>
+            </a:r>
+            <a:r>
+              <a:rPr lang="en-US" baseline="0" dirty="0"/>
+              <a:t> coupling strength/</a:t>
+            </a:r>
+            <a:endParaRPr lang="en-US" dirty="0"/>
+          </a:p>
+        </p:txBody>
+      </p:sp>
+      <p:sp>
+        <p:nvSpPr>
+          <p:cNvPr id="4" name="Slide Number Placeholder 3"/>
+          <p:cNvSpPr>
+            <a:spLocks noGrp="1"/>
+          </p:cNvSpPr>
+          <p:nvPr>
+            <p:ph type="sldNum" sz="quarter" idx="10"/>
+          </p:nvPr>
+        </p:nvSpPr>
+        <p:spPr/>
+        <p:txBody>
+          <a:bodyPr/>
+          <a:lstStyle/>
+          <a:p>
+            <a:fld id="{84FDC1DB-3CE3-40ED-99EE-197F06FEF5F0}" type="slidenum">
+              <a:rPr lang="en-US" smtClean="0"/>
+              <a:t>2</a:t>
+            </a:fld>
+            <a:endParaRPr lang="en-US"/>
+          </a:p>
+        </p:txBody>
+      </p:sp>
+    </p:spTree>
+    <p:extLst>
+      <p:ext uri="{BB962C8B-B14F-4D97-AF65-F5344CB8AC3E}">
+        <p14:creationId xmlns:p14="http://schemas.microsoft.com/office/powerpoint/2010/main" val="4182706408"/>
+      </p:ext>
+    </p:extLst>
+  </p:cSld>
+  <p:clrMapOvr>
+    <a:masterClrMapping/>
+  </p:clrMapOvr>
+</p:notes>
+</file>
+
+<file path=ppt/notesSlides/notesSlide3.xml><?xml version="1.0" encoding="utf-8"?>
+<p:notes xmlns:a="http://schemas.openxmlformats.org/drawingml/2006/main" xmlns:r="http://schemas.openxmlformats.org/officeDocument/2006/relationships" xmlns:p="http://schemas.openxmlformats.org/presentationml/2006/main">
+  <p:cSld>
+    <p:spTree>
+      <p:nvGrpSpPr>
+        <p:cNvPr id="1" name=""/>
+        <p:cNvGrpSpPr/>
+        <p:nvPr/>
+      </p:nvGrpSpPr>
+      <p:grpSpPr>
+        <a:xfrm>
+          <a:off x="0" y="0"/>
+          <a:ext cx="0" cy="0"/>
+          <a:chOff x="0" y="0"/>
+          <a:chExt cx="0" cy="0"/>
+        </a:xfrm>
+      </p:grpSpPr>
+      <p:sp>
+        <p:nvSpPr>
+          <p:cNvPr id="2" name="Slide Image Placeholder 1"/>
+          <p:cNvSpPr>
+            <a:spLocks noGrp="1" noRot="1" noChangeAspect="1"/>
+          </p:cNvSpPr>
+          <p:nvPr>
+            <p:ph type="sldImg"/>
+          </p:nvPr>
+        </p:nvSpPr>
+        <p:spPr/>
+      </p:sp>
+      <p:sp>
+        <p:nvSpPr>
+          <p:cNvPr id="3" name="Notes Placeholder 2"/>
+          <p:cNvSpPr>
+            <a:spLocks noGrp="1"/>
+          </p:cNvSpPr>
+          <p:nvPr>
+            <p:ph type="body" idx="1"/>
+          </p:nvPr>
+        </p:nvSpPr>
+        <p:spPr/>
+        <p:txBody>
+          <a:bodyPr/>
+          <a:lstStyle/>
+          <a:p>
+            <a:endParaRPr lang="en-US" dirty="0"/>
+          </a:p>
+        </p:txBody>
+      </p:sp>
+      <p:sp>
+        <p:nvSpPr>
+          <p:cNvPr id="4" name="Slide Number Placeholder 3"/>
+          <p:cNvSpPr>
+            <a:spLocks noGrp="1"/>
+          </p:cNvSpPr>
+          <p:nvPr>
+            <p:ph type="sldNum" sz="quarter" idx="10"/>
+          </p:nvPr>
+        </p:nvSpPr>
+        <p:spPr/>
+        <p:txBody>
+          <a:bodyPr/>
+          <a:lstStyle/>
+          <a:p>
+            <a:fld id="{84FDC1DB-3CE3-40ED-99EE-197F06FEF5F0}" type="slidenum">
+              <a:rPr lang="en-US" smtClean="0"/>
+              <a:t>4</a:t>
+            </a:fld>
+            <a:endParaRPr lang="en-US"/>
+          </a:p>
+        </p:txBody>
+      </p:sp>
+    </p:spTree>
+    <p:extLst>
+      <p:ext uri="{BB962C8B-B14F-4D97-AF65-F5344CB8AC3E}">
+        <p14:creationId xmlns:p14="http://schemas.microsoft.com/office/powerpoint/2010/main" val="33188724"/>
+      </p:ext>
+    </p:extLst>
+  </p:cSld>
+  <p:clrMapOvr>
+    <a:masterClrMapping/>
+  </p:clrMapOvr>
+</p:notes>
 </file>
 
 <file path=ppt/slideLayouts/slideLayout1.xml><?xml version="1.0" encoding="utf-8"?>
@@ -5798,24 +6465,84 @@
           <a:chExt cx="0" cy="0"/>
         </a:xfrm>
       </p:grpSpPr>
+      <p:sp>
+        <p:nvSpPr>
+          <p:cNvPr id="65" name="TextBox 64"/>
+          <p:cNvSpPr txBox="1"/>
+          <p:nvPr/>
+        </p:nvSpPr>
+        <p:spPr>
+          <a:xfrm>
+            <a:off x="23278" y="378654"/>
+            <a:ext cx="12192000" cy="584775"/>
+          </a:xfrm>
+          <a:prstGeom prst="rect">
+            <a:avLst/>
+          </a:prstGeom>
+          <a:noFill/>
+        </p:spPr>
+        <p:txBody>
+          <a:bodyPr wrap="square" rtlCol="0">
+            <a:spAutoFit/>
+          </a:bodyPr>
+          <a:lstStyle/>
+          <a:p>
+            <a:pPr algn="ctr"/>
+            <a:r>
+              <a:rPr lang="en-US" sz="3200" dirty="0"/>
+              <a:t>Sensing with a trapped-ion mechanical oscillator</a:t>
+            </a:r>
+          </a:p>
+        </p:txBody>
+      </p:sp>
       <p:pic>
         <p:nvPicPr>
-          <p:cNvPr id="2" name="Picture 1"/>
+          <p:cNvPr id="3" name="Picture 2"/>
           <p:cNvPicPr>
             <a:picLocks noChangeAspect="1"/>
           </p:cNvPicPr>
           <p:nvPr/>
         </p:nvPicPr>
         <p:blipFill>
-          <a:blip r:embed="rId2"/>
+          <a:blip r:embed="rId3">
+            <a:extLst>
+              <a:ext uri="{28A0092B-C50C-407E-A947-70E740481C1C}">
+                <a14:useLocalDpi xmlns:a14="http://schemas.microsoft.com/office/drawing/2010/main" val="0"/>
+              </a:ext>
+            </a:extLst>
+          </a:blip>
           <a:stretch>
             <a:fillRect/>
           </a:stretch>
         </p:blipFill>
         <p:spPr>
           <a:xfrm>
-            <a:off x="6991968" y="911864"/>
-            <a:ext cx="3312928" cy="3312928"/>
+            <a:off x="9486370" y="2321586"/>
+            <a:ext cx="1224522" cy="3191179"/>
+          </a:xfrm>
+          <a:prstGeom prst="rect">
+            <a:avLst/>
+          </a:prstGeom>
+        </p:spPr>
+      </p:pic>
+      <p:pic>
+        <p:nvPicPr>
+          <p:cNvPr id="70" name="Picture 69"/>
+          <p:cNvPicPr>
+            <a:picLocks noChangeAspect="1"/>
+          </p:cNvPicPr>
+          <p:nvPr/>
+        </p:nvPicPr>
+        <p:blipFill>
+          <a:blip r:embed="rId4"/>
+          <a:stretch>
+            <a:fillRect/>
+          </a:stretch>
+        </p:blipFill>
+        <p:spPr>
+          <a:xfrm>
+            <a:off x="1570204" y="1398134"/>
+            <a:ext cx="4056268" cy="1437100"/>
           </a:xfrm>
           <a:prstGeom prst="rect">
             <a:avLst/>
@@ -5824,94 +6551,64 @@
       </p:pic>
       <p:cxnSp>
         <p:nvCxnSpPr>
-          <p:cNvPr id="88" name="Straight Arrow Connector 87"/>
+          <p:cNvPr id="85" name="Straight Connector 84"/>
           <p:cNvCxnSpPr/>
           <p:nvPr/>
         </p:nvCxnSpPr>
         <p:spPr>
           <a:xfrm flipH="1">
-            <a:off x="8106744" y="2544581"/>
-            <a:ext cx="560893" cy="479484"/>
+            <a:off x="4609658" y="2590991"/>
+            <a:ext cx="366772" cy="1340062"/>
           </a:xfrm>
-          <a:prstGeom prst="straightConnector1">
+          <a:prstGeom prst="line">
             <a:avLst/>
           </a:prstGeom>
-          <a:ln w="15875">
-            <a:solidFill>
-              <a:srgbClr val="FF0000"/>
-            </a:solidFill>
-            <a:tailEnd type="triangle" w="sm" len="sm"/>
+          <a:ln w="28575">
+            <a:prstDash val="dash"/>
           </a:ln>
         </p:spPr>
         <p:style>
-          <a:lnRef idx="1">
-            <a:schemeClr val="accent1"/>
+          <a:lnRef idx="2">
+            <a:schemeClr val="dk1"/>
           </a:lnRef>
           <a:fillRef idx="0">
-            <a:schemeClr val="accent1"/>
+            <a:schemeClr val="dk1"/>
           </a:fillRef>
-          <a:effectRef idx="0">
-            <a:schemeClr val="accent1"/>
+          <a:effectRef idx="1">
+            <a:schemeClr val="dk1"/>
           </a:effectRef>
           <a:fontRef idx="minor">
             <a:schemeClr val="tx1"/>
           </a:fontRef>
         </p:style>
       </p:cxnSp>
-      <p:pic>
-        <p:nvPicPr>
-          <p:cNvPr id="228" name="Picture 227"/>
-          <p:cNvPicPr>
-            <a:picLocks noChangeAspect="1"/>
-          </p:cNvPicPr>
-          <p:nvPr/>
-        </p:nvPicPr>
-        <p:blipFill>
-          <a:blip r:embed="rId3"/>
-          <a:stretch>
-            <a:fillRect/>
-          </a:stretch>
-        </p:blipFill>
-        <p:spPr>
-          <a:xfrm>
-            <a:off x="6953706" y="3769683"/>
-            <a:ext cx="3427860" cy="3427858"/>
-          </a:xfrm>
-          <a:prstGeom prst="rect">
-            <a:avLst/>
-          </a:prstGeom>
-        </p:spPr>
-      </p:pic>
       <p:cxnSp>
         <p:nvCxnSpPr>
-          <p:cNvPr id="230" name="Straight Arrow Connector 229"/>
+          <p:cNvPr id="86" name="Straight Connector 85"/>
           <p:cNvCxnSpPr/>
           <p:nvPr/>
         </p:nvCxnSpPr>
         <p:spPr>
-          <a:xfrm flipH="1">
-            <a:off x="8183701" y="5446057"/>
-            <a:ext cx="524406" cy="448292"/>
+          <a:xfrm>
+            <a:off x="2258222" y="2562335"/>
+            <a:ext cx="315779" cy="1310742"/>
           </a:xfrm>
-          <a:prstGeom prst="straightConnector1">
+          <a:prstGeom prst="line">
             <a:avLst/>
           </a:prstGeom>
-          <a:ln w="15875">
-            <a:solidFill>
-              <a:srgbClr val="FF0000"/>
-            </a:solidFill>
-            <a:tailEnd type="triangle" w="sm" len="sm"/>
+          <a:ln w="28575">
+            <a:prstDash val="dash"/>
           </a:ln>
         </p:spPr>
         <p:style>
-          <a:lnRef idx="1">
-            <a:schemeClr val="accent1"/>
+          <a:lnRef idx="2">
+            <a:schemeClr val="dk1"/>
           </a:lnRef>
           <a:fillRef idx="0">
-            <a:schemeClr val="accent1"/>
+            <a:schemeClr val="dk1"/>
           </a:fillRef>
-          <a:effectRef idx="0">
-            <a:schemeClr val="accent1"/>
+          <a:effectRef idx="1">
+            <a:schemeClr val="dk1"/>
           </a:effectRef>
           <a:fontRef idx="minor">
             <a:schemeClr val="tx1"/>
@@ -5920,14 +6617,14 @@
       </p:cxnSp>
       <p:sp>
         <p:nvSpPr>
-          <p:cNvPr id="81" name="Down Arrow 80"/>
+          <p:cNvPr id="89" name="Down Arrow 88"/>
           <p:cNvSpPr/>
           <p:nvPr/>
         </p:nvSpPr>
         <p:spPr>
-          <a:xfrm rot="16800000">
-            <a:off x="4505679" y="381473"/>
-            <a:ext cx="1175657" cy="4152459"/>
+          <a:xfrm rot="15600000">
+            <a:off x="3137938" y="1611666"/>
+            <a:ext cx="1462935" cy="5157385"/>
           </a:xfrm>
           <a:prstGeom prst="downArrow">
             <a:avLst/>
@@ -5965,27 +6662,177 @@
           <a:bodyPr rtlCol="0" anchor="ctr"/>
           <a:lstStyle/>
           <a:p>
-            <a:pPr algn="ctr" defTabSz="1959468">
+            <a:pPr marL="0" marR="0" lvl="0" indent="0" algn="ctr" defTabSz="914400" eaLnBrk="1" fontAlgn="auto" latinLnBrk="0" hangingPunct="1">
+              <a:lnSpc>
+                <a:spcPct val="100000"/>
+              </a:lnSpc>
+              <a:spcBef>
+                <a:spcPts val="0"/>
+              </a:spcBef>
+              <a:spcAft>
+                <a:spcPts val="0"/>
+              </a:spcAft>
+              <a:buClrTx/>
+              <a:buSzTx/>
+              <a:buFontTx/>
+              <a:buNone/>
+              <a:tabLst/>
               <a:defRPr/>
             </a:pPr>
-            <a:endParaRPr lang="en-US" sz="3857" kern="0">
+            <a:endParaRPr kumimoji="0" lang="en-US" sz="1800" b="0" i="0" u="none" strike="noStrike" kern="0" cap="none" spc="0" normalizeH="0" baseline="0" noProof="0">
+              <a:ln>
+                <a:noFill/>
+              </a:ln>
               <a:solidFill>
                 <a:sysClr val="windowText" lastClr="000000"/>
               </a:solidFill>
+              <a:effectLst/>
+              <a:uLnTx/>
+              <a:uFillTx/>
             </a:endParaRPr>
           </a:p>
         </p:txBody>
       </p:sp>
+      <p:grpSp>
+        <p:nvGrpSpPr>
+          <p:cNvPr id="90" name="Group 89"/>
+          <p:cNvGrpSpPr/>
+          <p:nvPr/>
+        </p:nvGrpSpPr>
+        <p:grpSpPr>
+          <a:xfrm>
+            <a:off x="5730984" y="2583385"/>
+            <a:ext cx="779762" cy="841189"/>
+            <a:chOff x="5393878" y="507544"/>
+            <a:chExt cx="779762" cy="841189"/>
+          </a:xfrm>
+        </p:grpSpPr>
+        <p:pic>
+          <p:nvPicPr>
+            <p:cNvPr id="91" name="Picture 4" descr="https://upload.wikimedia.org/wikipedia/commons/thumb/8/86/Voltage_Source_(AC).svg/1024px-Voltage_Source_(AC).svg.png"/>
+            <p:cNvPicPr>
+              <a:picLocks noChangeAspect="1" noChangeArrowheads="1"/>
+            </p:cNvPicPr>
+            <p:nvPr/>
+          </p:nvPicPr>
+          <p:blipFill>
+            <a:blip r:embed="rId5">
+              <a:extLst>
+                <a:ext uri="{28A0092B-C50C-407E-A947-70E740481C1C}">
+                  <a14:useLocalDpi xmlns:a14="http://schemas.microsoft.com/office/drawing/2010/main" val="0"/>
+                </a:ext>
+              </a:extLst>
+            </a:blip>
+            <a:srcRect/>
+            <a:stretch>
+              <a:fillRect/>
+            </a:stretch>
+          </p:blipFill>
+          <p:spPr bwMode="auto">
+            <a:xfrm>
+              <a:off x="5393878" y="507544"/>
+              <a:ext cx="779762" cy="779763"/>
+            </a:xfrm>
+            <a:prstGeom prst="rect">
+              <a:avLst/>
+            </a:prstGeom>
+            <a:noFill/>
+            <a:extLst>
+              <a:ext uri="{909E8E84-426E-40DD-AFC4-6F175D3DCCD1}">
+                <a14:hiddenFill xmlns:a14="http://schemas.microsoft.com/office/drawing/2010/main">
+                  <a:solidFill>
+                    <a:srgbClr val="FFFFFF"/>
+                  </a:solidFill>
+                </a14:hiddenFill>
+              </a:ext>
+            </a:extLst>
+          </p:spPr>
+        </p:pic>
+        <p:sp>
+          <p:nvSpPr>
+            <p:cNvPr id="92" name="Rectangle 91"/>
+            <p:cNvSpPr/>
+            <p:nvPr/>
+          </p:nvSpPr>
+          <p:spPr>
+            <a:xfrm>
+              <a:off x="5665778" y="1143859"/>
+              <a:ext cx="294021" cy="204874"/>
+            </a:xfrm>
+            <a:prstGeom prst="rect">
+              <a:avLst/>
+            </a:prstGeom>
+            <a:solidFill>
+              <a:schemeClr val="bg1"/>
+            </a:solidFill>
+            <a:ln>
+              <a:solidFill>
+                <a:schemeClr val="bg1"/>
+              </a:solidFill>
+            </a:ln>
+          </p:spPr>
+          <p:style>
+            <a:lnRef idx="2">
+              <a:schemeClr val="accent1">
+                <a:shade val="50000"/>
+              </a:schemeClr>
+            </a:lnRef>
+            <a:fillRef idx="1">
+              <a:schemeClr val="accent1"/>
+            </a:fillRef>
+            <a:effectRef idx="0">
+              <a:schemeClr val="accent1"/>
+            </a:effectRef>
+            <a:fontRef idx="minor">
+              <a:schemeClr val="lt1"/>
+            </a:fontRef>
+          </p:style>
+          <p:txBody>
+            <a:bodyPr rtlCol="0" anchor="ctr"/>
+            <a:lstStyle/>
+            <a:p>
+              <a:pPr marL="0" marR="0" lvl="0" indent="0" algn="ctr" defTabSz="914400" eaLnBrk="1" fontAlgn="auto" latinLnBrk="0" hangingPunct="1">
+                <a:lnSpc>
+                  <a:spcPct val="100000"/>
+                </a:lnSpc>
+                <a:spcBef>
+                  <a:spcPts val="0"/>
+                </a:spcBef>
+                <a:spcAft>
+                  <a:spcPts val="0"/>
+                </a:spcAft>
+                <a:buClrTx/>
+                <a:buSzTx/>
+                <a:buFontTx/>
+                <a:buNone/>
+                <a:tabLst/>
+                <a:defRPr/>
+              </a:pPr>
+              <a:endParaRPr kumimoji="0" lang="en-US" sz="1800" b="0" i="0" u="none" strike="noStrike" kern="0" cap="none" spc="0" normalizeH="0" baseline="0" noProof="0">
+                <a:ln>
+                  <a:noFill/>
+                </a:ln>
+                <a:solidFill>
+                  <a:sysClr val="windowText" lastClr="000000"/>
+                </a:solidFill>
+                <a:effectLst/>
+                <a:uLnTx/>
+                <a:uFillTx/>
+              </a:endParaRPr>
+            </a:p>
+          </p:txBody>
+        </p:sp>
+      </p:grpSp>
       <p:sp>
         <p:nvSpPr>
-          <p:cNvPr id="80" name="Down Arrow 79"/>
+          <p:cNvPr id="93" name="Down Arrow 92"/>
           <p:cNvSpPr/>
           <p:nvPr/>
         </p:nvSpPr>
         <p:spPr>
-          <a:xfrm rot="15600000">
-            <a:off x="4488279" y="309518"/>
-            <a:ext cx="1175657" cy="4144629"/>
+          <a:xfrm rot="16800000">
+            <a:off x="3152933" y="1670202"/>
+            <a:ext cx="1462935" cy="5167128"/>
           </a:xfrm>
           <a:prstGeom prst="downArrow">
             <a:avLst/>
@@ -6023,27 +6870,47 @@
           <a:bodyPr rtlCol="0" anchor="ctr"/>
           <a:lstStyle/>
           <a:p>
-            <a:pPr algn="ctr" defTabSz="1959468">
+            <a:pPr marL="0" marR="0" lvl="0" indent="0" algn="ctr" defTabSz="914400" eaLnBrk="1" fontAlgn="auto" latinLnBrk="0" hangingPunct="1">
+              <a:lnSpc>
+                <a:spcPct val="100000"/>
+              </a:lnSpc>
+              <a:spcBef>
+                <a:spcPts val="0"/>
+              </a:spcBef>
+              <a:spcAft>
+                <a:spcPts val="0"/>
+              </a:spcAft>
+              <a:buClrTx/>
+              <a:buSzTx/>
+              <a:buFontTx/>
+              <a:buNone/>
+              <a:tabLst/>
               <a:defRPr/>
             </a:pPr>
-            <a:endParaRPr lang="en-US" sz="3857" kern="0">
+            <a:endParaRPr kumimoji="0" lang="en-US" sz="1800" b="0" i="0" u="none" strike="noStrike" kern="0" cap="none" spc="0" normalizeH="0" baseline="0" noProof="0">
+              <a:ln>
+                <a:noFill/>
+              </a:ln>
               <a:solidFill>
                 <a:sysClr val="windowText" lastClr="000000"/>
               </a:solidFill>
+              <a:effectLst/>
+              <a:uLnTx/>
+              <a:uFillTx/>
             </a:endParaRPr>
           </a:p>
         </p:txBody>
       </p:sp>
       <p:sp>
         <p:nvSpPr>
-          <p:cNvPr id="107" name="Diamond 106"/>
+          <p:cNvPr id="94" name="Diamond 93"/>
           <p:cNvSpPr/>
           <p:nvPr/>
         </p:nvSpPr>
         <p:spPr>
           <a:xfrm>
-            <a:off x="3187591" y="2121770"/>
-            <a:ext cx="3344938" cy="586828"/>
+            <a:off x="1512765" y="3835745"/>
+            <a:ext cx="4162287" cy="730223"/>
           </a:xfrm>
           <a:prstGeom prst="diamond">
             <a:avLst/>
@@ -6075,27 +6942,47 @@
           <a:bodyPr rtlCol="0" anchor="ctr"/>
           <a:lstStyle/>
           <a:p>
-            <a:pPr algn="ctr" defTabSz="1959468">
+            <a:pPr marL="0" marR="0" lvl="0" indent="0" algn="ctr" defTabSz="914400" eaLnBrk="1" fontAlgn="auto" latinLnBrk="0" hangingPunct="1">
+              <a:lnSpc>
+                <a:spcPct val="100000"/>
+              </a:lnSpc>
+              <a:spcBef>
+                <a:spcPts val="0"/>
+              </a:spcBef>
+              <a:spcAft>
+                <a:spcPts val="0"/>
+              </a:spcAft>
+              <a:buClrTx/>
+              <a:buSzTx/>
+              <a:buFontTx/>
+              <a:buNone/>
+              <a:tabLst/>
               <a:defRPr/>
             </a:pPr>
-            <a:endParaRPr lang="en-US" sz="3857" kern="0">
+            <a:endParaRPr kumimoji="0" lang="en-US" sz="1800" b="0" i="0" u="none" strike="noStrike" kern="0" cap="none" spc="0" normalizeH="0" baseline="0" noProof="0">
+              <a:ln>
+                <a:noFill/>
+              </a:ln>
               <a:solidFill>
                 <a:sysClr val="windowText" lastClr="000000"/>
               </a:solidFill>
+              <a:effectLst/>
+              <a:uLnTx/>
+              <a:uFillTx/>
             </a:endParaRPr>
           </a:p>
         </p:txBody>
       </p:sp>
       <p:sp>
         <p:nvSpPr>
-          <p:cNvPr id="71" name="Diamond 70"/>
+          <p:cNvPr id="97" name="Diamond 96"/>
           <p:cNvSpPr/>
           <p:nvPr/>
         </p:nvSpPr>
         <p:spPr>
           <a:xfrm>
-            <a:off x="3192271" y="2123099"/>
-            <a:ext cx="3344938" cy="586828"/>
+            <a:off x="1518589" y="3837398"/>
+            <a:ext cx="4162287" cy="730223"/>
           </a:xfrm>
           <a:prstGeom prst="diamond">
             <a:avLst/>
@@ -6159,34 +7046,54 @@
           <a:bodyPr rtlCol="0" anchor="ctr"/>
           <a:lstStyle/>
           <a:p>
-            <a:pPr algn="ctr" defTabSz="1959468">
+            <a:pPr marL="0" marR="0" lvl="0" indent="0" algn="ctr" defTabSz="914400" eaLnBrk="1" fontAlgn="auto" latinLnBrk="0" hangingPunct="1">
+              <a:lnSpc>
+                <a:spcPct val="100000"/>
+              </a:lnSpc>
+              <a:spcBef>
+                <a:spcPts val="0"/>
+              </a:spcBef>
+              <a:spcAft>
+                <a:spcPts val="0"/>
+              </a:spcAft>
+              <a:buClrTx/>
+              <a:buSzTx/>
+              <a:buFontTx/>
+              <a:buNone/>
+              <a:tabLst/>
               <a:defRPr/>
             </a:pPr>
-            <a:endParaRPr lang="en-US" sz="3857" kern="0">
+            <a:endParaRPr kumimoji="0" lang="en-US" sz="1800" b="0" i="0" u="none" strike="noStrike" kern="0" cap="none" spc="0" normalizeH="0" baseline="0" noProof="0">
+              <a:ln>
+                <a:noFill/>
+              </a:ln>
               <a:solidFill>
                 <a:sysClr val="windowText" lastClr="000000"/>
               </a:solidFill>
+              <a:effectLst/>
+              <a:uLnTx/>
+              <a:uFillTx/>
             </a:endParaRPr>
           </a:p>
         </p:txBody>
       </p:sp>
       <p:grpSp>
         <p:nvGrpSpPr>
-          <p:cNvPr id="72" name="Group 71"/>
+          <p:cNvPr id="105" name="Group 104"/>
           <p:cNvGrpSpPr/>
           <p:nvPr/>
         </p:nvGrpSpPr>
         <p:grpSpPr>
           <a:xfrm>
-            <a:off x="3138123" y="1212325"/>
-            <a:ext cx="626021" cy="2385036"/>
+            <a:off x="1451211" y="2704072"/>
+            <a:ext cx="778991" cy="2967833"/>
             <a:chOff x="3794759" y="277125"/>
             <a:chExt cx="292143" cy="826216"/>
           </a:xfrm>
         </p:grpSpPr>
         <p:sp>
           <p:nvSpPr>
-            <p:cNvPr id="73" name="Rectangle 72"/>
+            <p:cNvPr id="106" name="Rectangle 105"/>
             <p:cNvSpPr/>
             <p:nvPr/>
           </p:nvSpPr>
@@ -6219,20 +7126,40 @@
             <a:bodyPr rtlCol="0" anchor="ctr"/>
             <a:lstStyle/>
             <a:p>
-              <a:pPr algn="ctr" defTabSz="1959468">
+              <a:pPr marL="0" marR="0" lvl="0" indent="0" algn="ctr" defTabSz="914400" eaLnBrk="1" fontAlgn="auto" latinLnBrk="0" hangingPunct="1">
+                <a:lnSpc>
+                  <a:spcPct val="100000"/>
+                </a:lnSpc>
+                <a:spcBef>
+                  <a:spcPts val="0"/>
+                </a:spcBef>
+                <a:spcAft>
+                  <a:spcPts val="0"/>
+                </a:spcAft>
+                <a:buClrTx/>
+                <a:buSzTx/>
+                <a:buFontTx/>
+                <a:buNone/>
+                <a:tabLst/>
                 <a:defRPr/>
               </a:pPr>
-              <a:endParaRPr lang="en-US" sz="3857" kern="0">
+              <a:endParaRPr kumimoji="0" lang="en-US" sz="1800" b="0" i="0" u="none" strike="noStrike" kern="0" cap="none" spc="0" normalizeH="0" baseline="0" noProof="0">
+                <a:ln>
+                  <a:noFill/>
+                </a:ln>
                 <a:solidFill>
                   <a:sysClr val="windowText" lastClr="000000"/>
                 </a:solidFill>
+                <a:effectLst/>
+                <a:uLnTx/>
+                <a:uFillTx/>
               </a:endParaRPr>
             </a:p>
           </p:txBody>
         </p:sp>
         <p:sp>
           <p:nvSpPr>
-            <p:cNvPr id="74" name="Rectangle 73"/>
+            <p:cNvPr id="108" name="Rectangle 107"/>
             <p:cNvSpPr/>
             <p:nvPr/>
           </p:nvSpPr>
@@ -6265,20 +7192,40 @@
             <a:bodyPr rtlCol="0" anchor="ctr"/>
             <a:lstStyle/>
             <a:p>
-              <a:pPr algn="ctr" defTabSz="1959468">
+              <a:pPr marL="0" marR="0" lvl="0" indent="0" algn="ctr" defTabSz="914400" eaLnBrk="1" fontAlgn="auto" latinLnBrk="0" hangingPunct="1">
+                <a:lnSpc>
+                  <a:spcPct val="100000"/>
+                </a:lnSpc>
+                <a:spcBef>
+                  <a:spcPts val="0"/>
+                </a:spcBef>
+                <a:spcAft>
+                  <a:spcPts val="0"/>
+                </a:spcAft>
+                <a:buClrTx/>
+                <a:buSzTx/>
+                <a:buFontTx/>
+                <a:buNone/>
+                <a:tabLst/>
                 <a:defRPr/>
               </a:pPr>
-              <a:endParaRPr lang="en-US" sz="3857" kern="0">
+              <a:endParaRPr kumimoji="0" lang="en-US" sz="1800" b="0" i="0" u="none" strike="noStrike" kern="0" cap="none" spc="0" normalizeH="0" baseline="0" noProof="0">
+                <a:ln>
+                  <a:noFill/>
+                </a:ln>
                 <a:solidFill>
                   <a:sysClr val="windowText" lastClr="000000"/>
                 </a:solidFill>
+                <a:effectLst/>
+                <a:uLnTx/>
+                <a:uFillTx/>
               </a:endParaRPr>
             </a:p>
           </p:txBody>
         </p:sp>
         <p:sp>
           <p:nvSpPr>
-            <p:cNvPr id="75" name="Trapezoid 74"/>
+            <p:cNvPr id="109" name="Trapezoid 108"/>
             <p:cNvSpPr/>
             <p:nvPr/>
           </p:nvSpPr>
@@ -6311,13 +7258,33 @@
             <a:bodyPr rtlCol="0" anchor="ctr"/>
             <a:lstStyle/>
             <a:p>
-              <a:pPr algn="ctr" defTabSz="1959468">
+              <a:pPr marL="0" marR="0" lvl="0" indent="0" algn="ctr" defTabSz="914400" eaLnBrk="1" fontAlgn="auto" latinLnBrk="0" hangingPunct="1">
+                <a:lnSpc>
+                  <a:spcPct val="100000"/>
+                </a:lnSpc>
+                <a:spcBef>
+                  <a:spcPts val="0"/>
+                </a:spcBef>
+                <a:spcAft>
+                  <a:spcPts val="0"/>
+                </a:spcAft>
+                <a:buClrTx/>
+                <a:buSzTx/>
+                <a:buFontTx/>
+                <a:buNone/>
+                <a:tabLst/>
                 <a:defRPr/>
               </a:pPr>
-              <a:endParaRPr lang="en-US" sz="3857" kern="0">
+              <a:endParaRPr kumimoji="0" lang="en-US" sz="1800" b="0" i="0" u="none" strike="noStrike" kern="0" cap="none" spc="0" normalizeH="0" baseline="0" noProof="0">
+                <a:ln>
+                  <a:noFill/>
+                </a:ln>
                 <a:solidFill>
                   <a:sysClr val="windowText" lastClr="000000"/>
                 </a:solidFill>
+                <a:effectLst/>
+                <a:uLnTx/>
+                <a:uFillTx/>
               </a:endParaRPr>
             </a:p>
           </p:txBody>
@@ -6325,21 +7292,21 @@
       </p:grpSp>
       <p:grpSp>
         <p:nvGrpSpPr>
-          <p:cNvPr id="76" name="Group 75"/>
+          <p:cNvPr id="110" name="Group 109"/>
           <p:cNvGrpSpPr/>
           <p:nvPr/>
         </p:nvGrpSpPr>
         <p:grpSpPr>
           <a:xfrm flipH="1">
-            <a:off x="5905747" y="1212325"/>
-            <a:ext cx="626021" cy="2385036"/>
+            <a:off x="4895115" y="2704072"/>
+            <a:ext cx="778991" cy="2967833"/>
             <a:chOff x="3794759" y="277125"/>
             <a:chExt cx="292143" cy="826216"/>
           </a:xfrm>
         </p:grpSpPr>
         <p:sp>
           <p:nvSpPr>
-            <p:cNvPr id="77" name="Rectangle 76"/>
+            <p:cNvPr id="111" name="Rectangle 110"/>
             <p:cNvSpPr/>
             <p:nvPr/>
           </p:nvSpPr>
@@ -6372,20 +7339,40 @@
             <a:bodyPr rtlCol="0" anchor="ctr"/>
             <a:lstStyle/>
             <a:p>
-              <a:pPr algn="ctr" defTabSz="1959468">
+              <a:pPr marL="0" marR="0" lvl="0" indent="0" algn="ctr" defTabSz="914400" eaLnBrk="1" fontAlgn="auto" latinLnBrk="0" hangingPunct="1">
+                <a:lnSpc>
+                  <a:spcPct val="100000"/>
+                </a:lnSpc>
+                <a:spcBef>
+                  <a:spcPts val="0"/>
+                </a:spcBef>
+                <a:spcAft>
+                  <a:spcPts val="0"/>
+                </a:spcAft>
+                <a:buClrTx/>
+                <a:buSzTx/>
+                <a:buFontTx/>
+                <a:buNone/>
+                <a:tabLst/>
                 <a:defRPr/>
               </a:pPr>
-              <a:endParaRPr lang="en-US" sz="3857" kern="0">
+              <a:endParaRPr kumimoji="0" lang="en-US" sz="1800" b="0" i="0" u="none" strike="noStrike" kern="0" cap="none" spc="0" normalizeH="0" baseline="0" noProof="0">
+                <a:ln>
+                  <a:noFill/>
+                </a:ln>
                 <a:solidFill>
                   <a:sysClr val="windowText" lastClr="000000"/>
                 </a:solidFill>
+                <a:effectLst/>
+                <a:uLnTx/>
+                <a:uFillTx/>
               </a:endParaRPr>
             </a:p>
           </p:txBody>
         </p:sp>
         <p:sp>
           <p:nvSpPr>
-            <p:cNvPr id="78" name="Rectangle 77"/>
+            <p:cNvPr id="112" name="Rectangle 111"/>
             <p:cNvSpPr/>
             <p:nvPr/>
           </p:nvSpPr>
@@ -6418,20 +7405,40 @@
             <a:bodyPr rtlCol="0" anchor="ctr"/>
             <a:lstStyle/>
             <a:p>
-              <a:pPr algn="ctr" defTabSz="1959468">
+              <a:pPr marL="0" marR="0" lvl="0" indent="0" algn="ctr" defTabSz="914400" eaLnBrk="1" fontAlgn="auto" latinLnBrk="0" hangingPunct="1">
+                <a:lnSpc>
+                  <a:spcPct val="100000"/>
+                </a:lnSpc>
+                <a:spcBef>
+                  <a:spcPts val="0"/>
+                </a:spcBef>
+                <a:spcAft>
+                  <a:spcPts val="0"/>
+                </a:spcAft>
+                <a:buClrTx/>
+                <a:buSzTx/>
+                <a:buFontTx/>
+                <a:buNone/>
+                <a:tabLst/>
                 <a:defRPr/>
               </a:pPr>
-              <a:endParaRPr lang="en-US" sz="3857" kern="0">
+              <a:endParaRPr kumimoji="0" lang="en-US" sz="1800" b="0" i="0" u="none" strike="noStrike" kern="0" cap="none" spc="0" normalizeH="0" baseline="0" noProof="0">
+                <a:ln>
+                  <a:noFill/>
+                </a:ln>
                 <a:solidFill>
                   <a:sysClr val="windowText" lastClr="000000"/>
                 </a:solidFill>
+                <a:effectLst/>
+                <a:uLnTx/>
+                <a:uFillTx/>
               </a:endParaRPr>
             </a:p>
           </p:txBody>
         </p:sp>
         <p:sp>
           <p:nvSpPr>
-            <p:cNvPr id="79" name="Trapezoid 78"/>
+            <p:cNvPr id="113" name="Trapezoid 112"/>
             <p:cNvSpPr/>
             <p:nvPr/>
           </p:nvSpPr>
@@ -6464,13 +7471,33 @@
             <a:bodyPr rtlCol="0" anchor="ctr"/>
             <a:lstStyle/>
             <a:p>
-              <a:pPr algn="ctr" defTabSz="1959468">
+              <a:pPr marL="0" marR="0" lvl="0" indent="0" algn="ctr" defTabSz="914400" eaLnBrk="1" fontAlgn="auto" latinLnBrk="0" hangingPunct="1">
+                <a:lnSpc>
+                  <a:spcPct val="100000"/>
+                </a:lnSpc>
+                <a:spcBef>
+                  <a:spcPts val="0"/>
+                </a:spcBef>
+                <a:spcAft>
+                  <a:spcPts val="0"/>
+                </a:spcAft>
+                <a:buClrTx/>
+                <a:buSzTx/>
+                <a:buFontTx/>
+                <a:buNone/>
+                <a:tabLst/>
                 <a:defRPr/>
               </a:pPr>
-              <a:endParaRPr lang="en-US" sz="3857" kern="0">
+              <a:endParaRPr kumimoji="0" lang="en-US" sz="1800" b="0" i="0" u="none" strike="noStrike" kern="0" cap="none" spc="0" normalizeH="0" baseline="0" noProof="0">
+                <a:ln>
+                  <a:noFill/>
+                </a:ln>
                 <a:solidFill>
                   <a:sysClr val="windowText" lastClr="000000"/>
                 </a:solidFill>
+                <a:effectLst/>
+                <a:uLnTx/>
+                <a:uFillTx/>
               </a:endParaRPr>
             </a:p>
           </p:txBody>
@@ -6478,21 +7505,21 @@
       </p:grpSp>
       <p:grpSp>
         <p:nvGrpSpPr>
-          <p:cNvPr id="82" name="Group 81"/>
+          <p:cNvPr id="114" name="Group 113"/>
           <p:cNvGrpSpPr/>
           <p:nvPr/>
         </p:nvGrpSpPr>
         <p:grpSpPr>
           <a:xfrm>
-            <a:off x="4872319" y="1604627"/>
-            <a:ext cx="212190" cy="387806"/>
+            <a:off x="3609166" y="3192236"/>
+            <a:ext cx="264039" cy="482568"/>
             <a:chOff x="845530" y="349250"/>
             <a:chExt cx="99022" cy="180976"/>
           </a:xfrm>
         </p:grpSpPr>
         <p:cxnSp>
           <p:nvCxnSpPr>
-            <p:cNvPr id="83" name="Straight Arrow Connector 82"/>
+            <p:cNvPr id="115" name="Straight Arrow Connector 114"/>
             <p:cNvCxnSpPr/>
             <p:nvPr/>
           </p:nvCxnSpPr>
@@ -6526,14 +7553,14 @@
         </p:cxnSp>
         <p:pic>
           <p:nvPicPr>
-            <p:cNvPr id="84" name="Picture 83" descr="latex-image-1.pdf"/>
+            <p:cNvPr id="116" name="Picture 115" descr="latex-image-1.pdf"/>
             <p:cNvPicPr>
               <a:picLocks noChangeAspect="1"/>
             </p:cNvPicPr>
             <p:nvPr/>
           </p:nvPicPr>
           <p:blipFill>
-            <a:blip r:embed="rId4">
+            <a:blip r:embed="rId6">
               <a:extLst>
                 <a:ext uri="{28A0092B-C50C-407E-A947-70E740481C1C}">
                   <a14:useLocalDpi xmlns:a14="http://schemas.microsoft.com/office/drawing/2010/main"/>
@@ -6557,21 +7584,21 @@
       </p:grpSp>
       <p:grpSp>
         <p:nvGrpSpPr>
-          <p:cNvPr id="127" name="Group 126"/>
+          <p:cNvPr id="117" name="Group 116"/>
           <p:cNvGrpSpPr/>
           <p:nvPr/>
         </p:nvGrpSpPr>
         <p:grpSpPr>
           <a:xfrm>
-            <a:off x="3777225" y="1236950"/>
-            <a:ext cx="647121" cy="535519"/>
+            <a:off x="2312313" y="4861654"/>
+            <a:ext cx="805248" cy="666376"/>
             <a:chOff x="505500" y="1091973"/>
             <a:chExt cx="301990" cy="249909"/>
           </a:xfrm>
         </p:grpSpPr>
         <p:grpSp>
           <p:nvGrpSpPr>
-            <p:cNvPr id="128" name="Group 127"/>
+            <p:cNvPr id="118" name="Group 117"/>
             <p:cNvGrpSpPr/>
             <p:nvPr/>
           </p:nvGrpSpPr>
@@ -6585,7 +7612,7 @@
           </p:grpSpPr>
           <p:grpSp>
             <p:nvGrpSpPr>
-              <p:cNvPr id="130" name="Group 129"/>
+              <p:cNvPr id="120" name="Group 119"/>
               <p:cNvGrpSpPr/>
               <p:nvPr/>
             </p:nvGrpSpPr>
@@ -6599,7 +7626,7 @@
             </p:grpSpPr>
             <p:cxnSp>
               <p:nvCxnSpPr>
-                <p:cNvPr id="134" name="Straight Arrow Connector 133"/>
+                <p:cNvPr id="124" name="Straight Arrow Connector 123"/>
                 <p:cNvCxnSpPr/>
                 <p:nvPr/>
               </p:nvCxnSpPr>
@@ -6633,7 +7660,7 @@
             </p:cxnSp>
             <p:cxnSp>
               <p:nvCxnSpPr>
-                <p:cNvPr id="135" name="Straight Arrow Connector 134"/>
+                <p:cNvPr id="125" name="Straight Arrow Connector 124"/>
                 <p:cNvCxnSpPr/>
                 <p:nvPr/>
               </p:nvCxnSpPr>
@@ -6668,14 +7695,14 @@
           </p:grpSp>
           <p:pic>
             <p:nvPicPr>
-              <p:cNvPr id="131" name="Picture 130"/>
+              <p:cNvPr id="121" name="Picture 120"/>
               <p:cNvPicPr>
                 <a:picLocks noChangeAspect="1"/>
               </p:cNvPicPr>
               <p:nvPr/>
             </p:nvPicPr>
             <p:blipFill>
-              <a:blip r:embed="rId5"/>
+              <a:blip r:embed="rId7"/>
               <a:stretch>
                 <a:fillRect/>
               </a:stretch>
@@ -6692,14 +7719,14 @@
           </p:pic>
           <p:pic>
             <p:nvPicPr>
-              <p:cNvPr id="132" name="Picture 131"/>
+              <p:cNvPr id="122" name="Picture 121"/>
               <p:cNvPicPr>
                 <a:picLocks noChangeAspect="1"/>
               </p:cNvPicPr>
               <p:nvPr/>
             </p:nvPicPr>
             <p:blipFill>
-              <a:blip r:embed="rId6"/>
+              <a:blip r:embed="rId8"/>
               <a:stretch>
                 <a:fillRect/>
               </a:stretch>
@@ -6716,14 +7743,14 @@
           </p:pic>
           <p:pic>
             <p:nvPicPr>
-              <p:cNvPr id="133" name="Picture 132"/>
+              <p:cNvPr id="123" name="Picture 122"/>
               <p:cNvPicPr>
                 <a:picLocks noChangeAspect="1"/>
               </p:cNvPicPr>
               <p:nvPr/>
             </p:nvPicPr>
             <p:blipFill>
-              <a:blip r:embed="rId7"/>
+              <a:blip r:embed="rId9"/>
               <a:stretch>
                 <a:fillRect/>
               </a:stretch>
@@ -6741,7 +7768,7 @@
         </p:grpSp>
         <p:sp>
           <p:nvSpPr>
-            <p:cNvPr id="129" name="Oval 128"/>
+            <p:cNvPr id="119" name="Oval 118"/>
             <p:cNvSpPr/>
             <p:nvPr/>
           </p:nvSpPr>
@@ -6772,13 +7799,33 @@
             <a:bodyPr rtlCol="0" anchor="ctr"/>
             <a:lstStyle/>
             <a:p>
-              <a:pPr algn="ctr" defTabSz="1959468">
+              <a:pPr marL="0" marR="0" lvl="0" indent="0" algn="ctr" defTabSz="914400" eaLnBrk="1" fontAlgn="auto" latinLnBrk="0" hangingPunct="1">
+                <a:lnSpc>
+                  <a:spcPct val="100000"/>
+                </a:lnSpc>
+                <a:spcBef>
+                  <a:spcPts val="0"/>
+                </a:spcBef>
+                <a:spcAft>
+                  <a:spcPts val="0"/>
+                </a:spcAft>
+                <a:buClrTx/>
+                <a:buSzTx/>
+                <a:buFontTx/>
+                <a:buNone/>
+                <a:tabLst/>
                 <a:defRPr/>
               </a:pPr>
-              <a:endParaRPr lang="en-US" sz="3857" kern="0">
+              <a:endParaRPr kumimoji="0" lang="en-US" sz="1800" b="0" i="0" u="none" strike="noStrike" kern="0" cap="none" spc="0" normalizeH="0" baseline="0" noProof="0">
+                <a:ln>
+                  <a:noFill/>
+                </a:ln>
                 <a:solidFill>
                   <a:sysClr val="windowText" lastClr="000000"/>
                 </a:solidFill>
+                <a:effectLst/>
+                <a:uLnTx/>
+                <a:uFillTx/>
               </a:endParaRPr>
             </a:p>
           </p:txBody>
@@ -6786,7 +7833,7 @@
       </p:grpSp>
       <p:sp>
         <p:nvSpPr>
-          <p:cNvPr id="143" name="Oval 142"/>
+          <p:cNvPr id="126" name="Oval 125"/>
           <p:cNvSpPr>
             <a:spLocks noChangeAspect="1"/>
           </p:cNvSpPr>
@@ -6794,8 +7841,8 @@
         </p:nvSpPr>
         <p:spPr>
           <a:xfrm>
-            <a:off x="5502017" y="2357010"/>
-            <a:ext cx="120797" cy="120797"/>
+            <a:off x="4392732" y="4128468"/>
+            <a:ext cx="150314" cy="150314"/>
           </a:xfrm>
           <a:prstGeom prst="ellipse">
             <a:avLst/>
@@ -6826,982 +7873,40 @@
           <a:bodyPr rtlCol="0" anchor="ctr"/>
           <a:lstStyle/>
           <a:p>
-            <a:pPr algn="ctr" defTabSz="1959468">
+            <a:pPr marL="0" marR="0" lvl="0" indent="0" algn="ctr" defTabSz="914400" eaLnBrk="1" fontAlgn="auto" latinLnBrk="0" hangingPunct="1">
+              <a:lnSpc>
+                <a:spcPct val="100000"/>
+              </a:lnSpc>
+              <a:spcBef>
+                <a:spcPts val="0"/>
+              </a:spcBef>
+              <a:spcAft>
+                <a:spcPts val="0"/>
+              </a:spcAft>
+              <a:buClrTx/>
+              <a:buSzTx/>
+              <a:buFontTx/>
+              <a:buNone/>
+              <a:tabLst/>
               <a:defRPr/>
             </a:pPr>
-            <a:endParaRPr lang="en-US" sz="3857" kern="0">
+            <a:endParaRPr kumimoji="0" lang="en-US" sz="1800" b="0" i="0" u="none" strike="noStrike" kern="0" cap="none" spc="0" normalizeH="0" baseline="0" noProof="0">
+              <a:ln>
+                <a:noFill/>
+              </a:ln>
               <a:solidFill>
                 <a:sysClr val="windowText" lastClr="000000"/>
               </a:solidFill>
+              <a:effectLst/>
+              <a:uLnTx/>
+              <a:uFillTx/>
             </a:endParaRPr>
-          </a:p>
-        </p:txBody>
-      </p:sp>
-      <p:grpSp>
-        <p:nvGrpSpPr>
-          <p:cNvPr id="152" name="Group 151"/>
-          <p:cNvGrpSpPr/>
-          <p:nvPr/>
-        </p:nvGrpSpPr>
-        <p:grpSpPr>
-          <a:xfrm>
-            <a:off x="3486381" y="2694785"/>
-            <a:ext cx="3078816" cy="4176208"/>
-            <a:chOff x="330060" y="1052186"/>
-            <a:chExt cx="1436781" cy="1948897"/>
-          </a:xfrm>
-        </p:grpSpPr>
-        <p:grpSp>
-          <p:nvGrpSpPr>
-            <p:cNvPr id="153" name="Group 152"/>
-            <p:cNvGrpSpPr/>
-            <p:nvPr/>
-          </p:nvGrpSpPr>
-          <p:grpSpPr>
-            <a:xfrm>
-              <a:off x="330060" y="1740166"/>
-              <a:ext cx="1436781" cy="1260917"/>
-              <a:chOff x="103521" y="73158"/>
-              <a:chExt cx="1099482" cy="964904"/>
-            </a:xfrm>
-          </p:grpSpPr>
-          <p:pic>
-            <p:nvPicPr>
-              <p:cNvPr id="156" name="Picture 155"/>
-              <p:cNvPicPr>
-                <a:picLocks noChangeAspect="1"/>
-              </p:cNvPicPr>
-              <p:nvPr/>
-            </p:nvPicPr>
-            <p:blipFill rotWithShape="1">
-              <a:blip r:embed="rId8" cstate="print">
-                <a:extLst>
-                  <a:ext uri="{28A0092B-C50C-407E-A947-70E740481C1C}">
-                    <a14:useLocalDpi xmlns:a14="http://schemas.microsoft.com/office/drawing/2010/main"/>
-                  </a:ext>
-                </a:extLst>
-              </a:blip>
-              <a:srcRect l="24555" t="7457" r="21866" b="9841"/>
-              <a:stretch/>
-            </p:blipFill>
-            <p:spPr>
-              <a:xfrm>
-                <a:off x="103521" y="73158"/>
-                <a:ext cx="937685" cy="964904"/>
-              </a:xfrm>
-              <a:prstGeom prst="rect">
-                <a:avLst/>
-              </a:prstGeom>
-            </p:spPr>
-          </p:pic>
-          <p:grpSp>
-            <p:nvGrpSpPr>
-              <p:cNvPr id="157" name="Group 156"/>
-              <p:cNvGrpSpPr/>
-              <p:nvPr/>
-            </p:nvGrpSpPr>
-            <p:grpSpPr>
-              <a:xfrm>
-                <a:off x="715458" y="865902"/>
-                <a:ext cx="487545" cy="122786"/>
-                <a:chOff x="2401734" y="841752"/>
-                <a:chExt cx="487545" cy="122786"/>
-              </a:xfrm>
-              <a:noFill/>
-            </p:grpSpPr>
-            <p:sp>
-              <p:nvSpPr>
-                <p:cNvPr id="158" name="TextBox 157"/>
-                <p:cNvSpPr txBox="1"/>
-                <p:nvPr/>
-              </p:nvSpPr>
-              <p:spPr>
-                <a:xfrm>
-                  <a:off x="2401734" y="849132"/>
-                  <a:ext cx="487545" cy="115406"/>
-                </a:xfrm>
-                <a:prstGeom prst="rect">
-                  <a:avLst/>
-                </a:prstGeom>
-                <a:grpFill/>
-                <a:ln>
-                  <a:noFill/>
-                </a:ln>
-              </p:spPr>
-              <p:txBody>
-                <a:bodyPr wrap="square" rtlCol="0">
-                  <a:spAutoFit/>
-                </a:bodyPr>
-                <a:lstStyle/>
-                <a:p>
-                  <a:pPr defTabSz="1959468">
-                    <a:defRPr/>
-                  </a:pPr>
-                  <a:r>
-                    <a:rPr lang="en-US" sz="1500" kern="0" dirty="0">
-                      <a:solidFill>
-                        <a:schemeClr val="bg1"/>
-                      </a:solidFill>
-                      <a:latin typeface="Helvetica"/>
-                      <a:cs typeface="Helvetica"/>
-                    </a:rPr>
-                    <a:t>50 </a:t>
-                  </a:r>
-                  <a:r>
-                    <a:rPr lang="en-US" sz="1500" kern="0" dirty="0">
-                      <a:solidFill>
-                        <a:schemeClr val="bg1"/>
-                      </a:solidFill>
-                      <a:latin typeface="Symbol" charset="2"/>
-                      <a:cs typeface="Symbol" charset="2"/>
-                    </a:rPr>
-                    <a:t>m</a:t>
-                  </a:r>
-                  <a:r>
-                    <a:rPr lang="en-US" sz="1500" kern="0" dirty="0">
-                      <a:solidFill>
-                        <a:schemeClr val="bg1"/>
-                      </a:solidFill>
-                      <a:latin typeface="Arial"/>
-                      <a:cs typeface="Arial"/>
-                    </a:rPr>
-                    <a:t>m</a:t>
-                  </a:r>
-                  <a:r>
-                    <a:rPr lang="en-US" sz="1500" kern="0" dirty="0">
-                      <a:solidFill>
-                        <a:schemeClr val="bg1"/>
-                      </a:solidFill>
-                      <a:latin typeface="Helvetica"/>
-                      <a:cs typeface="Helvetica"/>
-                    </a:rPr>
-                    <a:t> </a:t>
-                  </a:r>
-                </a:p>
-              </p:txBody>
-            </p:sp>
-            <p:cxnSp>
-              <p:nvCxnSpPr>
-                <p:cNvPr id="159" name="Straight Connector 158"/>
-                <p:cNvCxnSpPr/>
-                <p:nvPr/>
-              </p:nvCxnSpPr>
-              <p:spPr>
-                <a:xfrm rot="10800000" flipH="1">
-                  <a:off x="2471654" y="841752"/>
-                  <a:ext cx="192024" cy="0"/>
-                </a:xfrm>
-                <a:prstGeom prst="line">
-                  <a:avLst/>
-                </a:prstGeom>
-                <a:grpFill/>
-                <a:ln w="57150" cmpd="sng">
-                  <a:solidFill>
-                    <a:schemeClr val="bg1"/>
-                  </a:solidFill>
-                </a:ln>
-              </p:spPr>
-              <p:style>
-                <a:lnRef idx="3">
-                  <a:schemeClr val="dk1"/>
-                </a:lnRef>
-                <a:fillRef idx="0">
-                  <a:schemeClr val="dk1"/>
-                </a:fillRef>
-                <a:effectRef idx="2">
-                  <a:schemeClr val="dk1"/>
-                </a:effectRef>
-                <a:fontRef idx="minor">
-                  <a:schemeClr val="tx1"/>
-                </a:fontRef>
-              </p:style>
-            </p:cxnSp>
-          </p:grpSp>
-        </p:grpSp>
-        <p:cxnSp>
-          <p:nvCxnSpPr>
-            <p:cNvPr id="154" name="Straight Connector 153"/>
-            <p:cNvCxnSpPr/>
-            <p:nvPr/>
-          </p:nvCxnSpPr>
-          <p:spPr>
-            <a:xfrm flipH="1">
-              <a:off x="354360" y="1052186"/>
-              <a:ext cx="231416" cy="724371"/>
-            </a:xfrm>
-            <a:prstGeom prst="line">
-              <a:avLst/>
-            </a:prstGeom>
-            <a:ln w="19050">
-              <a:prstDash val="dash"/>
-            </a:ln>
-          </p:spPr>
-          <p:style>
-            <a:lnRef idx="2">
-              <a:schemeClr val="dk1"/>
-            </a:lnRef>
-            <a:fillRef idx="0">
-              <a:schemeClr val="dk1"/>
-            </a:fillRef>
-            <a:effectRef idx="1">
-              <a:schemeClr val="dk1"/>
-            </a:effectRef>
-            <a:fontRef idx="minor">
-              <a:schemeClr val="tx1"/>
-            </a:fontRef>
-          </p:style>
-        </p:cxnSp>
-        <p:cxnSp>
-          <p:nvCxnSpPr>
-            <p:cNvPr id="155" name="Straight Connector 154"/>
-            <p:cNvCxnSpPr/>
-            <p:nvPr/>
-          </p:nvCxnSpPr>
-          <p:spPr>
-            <a:xfrm>
-              <a:off x="1333004" y="1052186"/>
-              <a:ext cx="192700" cy="722912"/>
-            </a:xfrm>
-            <a:prstGeom prst="line">
-              <a:avLst/>
-            </a:prstGeom>
-            <a:ln w="19050">
-              <a:prstDash val="dash"/>
-            </a:ln>
-          </p:spPr>
-          <p:style>
-            <a:lnRef idx="2">
-              <a:schemeClr val="dk1"/>
-            </a:lnRef>
-            <a:fillRef idx="0">
-              <a:schemeClr val="dk1"/>
-            </a:fillRef>
-            <a:effectRef idx="1">
-              <a:schemeClr val="dk1"/>
-            </a:effectRef>
-            <a:fontRef idx="minor">
-              <a:schemeClr val="tx1"/>
-            </a:fontRef>
-          </p:style>
-        </p:cxnSp>
-      </p:grpSp>
-      <mc:AlternateContent xmlns:mc="http://schemas.openxmlformats.org/markup-compatibility/2006">
-        <mc:Choice xmlns:a14="http://schemas.microsoft.com/office/drawing/2010/main" Requires="a14">
-          <p:sp>
-            <p:nvSpPr>
-              <p:cNvPr id="164" name="TextBox 163"/>
-              <p:cNvSpPr txBox="1"/>
-              <p:nvPr/>
-            </p:nvSpPr>
-            <p:spPr>
-              <a:xfrm>
-                <a:off x="3509945" y="4146534"/>
-                <a:ext cx="613401" cy="535981"/>
-              </a:xfrm>
-              <a:prstGeom prst="rect">
-                <a:avLst/>
-              </a:prstGeom>
-              <a:noFill/>
-            </p:spPr>
-            <p:txBody>
-              <a:bodyPr wrap="square" rtlCol="0">
-                <a:spAutoFit/>
-              </a:bodyPr>
-              <a:lstStyle/>
-              <a:p>
-                <a:pPr defTabSz="1959468">
-                  <a:defRPr/>
-                </a:pPr>
-                <a14:m>
-                  <m:oMathPara xmlns:m="http://schemas.openxmlformats.org/officeDocument/2006/math">
-                    <m:oMathParaPr>
-                      <m:jc m:val="centerGroup"/>
-                    </m:oMathParaPr>
-                    <m:oMath xmlns:m="http://schemas.openxmlformats.org/officeDocument/2006/math">
-                      <m:acc>
-                        <m:accPr>
-                          <m:chr m:val="⃗"/>
-                          <m:ctrlPr>
-                            <a:rPr lang="en-US" sz="2571" i="1" kern="0">
-                              <a:solidFill>
-                                <a:schemeClr val="bg1"/>
-                              </a:solidFill>
-                              <a:latin typeface="Cambria Math" panose="02040503050406030204" pitchFamily="18" charset="0"/>
-                            </a:rPr>
-                          </m:ctrlPr>
-                        </m:accPr>
-                        <m:e>
-                          <m:r>
-                            <a:rPr lang="en-US" sz="2571" i="1" kern="0">
-                              <a:solidFill>
-                                <a:schemeClr val="bg1"/>
-                              </a:solidFill>
-                              <a:latin typeface="Cambria Math" panose="02040503050406030204" pitchFamily="18" charset="0"/>
-                            </a:rPr>
-                            <m:t>𝐵</m:t>
-                          </m:r>
-                        </m:e>
-                      </m:acc>
-                    </m:oMath>
-                  </m:oMathPara>
-                </a14:m>
-                <a:endParaRPr lang="en-US" sz="3857" kern="0" dirty="0">
-                  <a:solidFill>
-                    <a:schemeClr val="accent6"/>
-                  </a:solidFill>
-                </a:endParaRPr>
-              </a:p>
-            </p:txBody>
-          </p:sp>
-        </mc:Choice>
-        <mc:Fallback>
-          <p:sp>
-            <p:nvSpPr>
-              <p:cNvPr id="164" name="TextBox 163"/>
-              <p:cNvSpPr txBox="1">
-                <a:spLocks noRot="1" noChangeAspect="1" noMove="1" noResize="1" noEditPoints="1" noAdjustHandles="1" noChangeArrowheads="1" noChangeShapeType="1" noTextEdit="1"/>
-              </p:cNvSpPr>
-              <p:nvPr/>
-            </p:nvSpPr>
-            <p:spPr>
-              <a:xfrm>
-                <a:off x="3509945" y="4146534"/>
-                <a:ext cx="613401" cy="535981"/>
-              </a:xfrm>
-              <a:prstGeom prst="rect">
-                <a:avLst/>
-              </a:prstGeom>
-              <a:blipFill>
-                <a:blip r:embed="rId9"/>
-                <a:stretch>
-                  <a:fillRect/>
-                </a:stretch>
-              </a:blipFill>
-            </p:spPr>
-            <p:txBody>
-              <a:bodyPr/>
-              <a:lstStyle/>
-              <a:p>
-                <a:r>
-                  <a:rPr lang="en-US">
-                    <a:noFill/>
-                  </a:rPr>
-                  <a:t> </a:t>
-                </a:r>
-              </a:p>
-            </p:txBody>
-          </p:sp>
-        </mc:Fallback>
-      </mc:AlternateContent>
-      <p:sp>
-        <p:nvSpPr>
-          <p:cNvPr id="165" name="TextBox 164"/>
-          <p:cNvSpPr txBox="1"/>
-          <p:nvPr/>
-        </p:nvSpPr>
-        <p:spPr>
-          <a:xfrm>
-            <a:off x="3509945" y="3827147"/>
-            <a:ext cx="2825702" cy="422103"/>
-          </a:xfrm>
-          <a:prstGeom prst="rect">
-            <a:avLst/>
-          </a:prstGeom>
-          <a:noFill/>
-        </p:spPr>
-        <p:txBody>
-          <a:bodyPr wrap="square" rtlCol="0">
-            <a:spAutoFit/>
-          </a:bodyPr>
-          <a:lstStyle/>
-          <a:p>
-            <a:pPr algn="ctr" defTabSz="1959468">
-              <a:defRPr/>
-            </a:pPr>
-            <a:r>
-              <a:rPr lang="en-US" sz="2143" kern="0" dirty="0">
-                <a:solidFill>
-                  <a:sysClr val="windowText" lastClr="000000"/>
-                </a:solidFill>
-              </a:rPr>
-              <a:t>Bottom view</a:t>
-            </a:r>
           </a:p>
         </p:txBody>
       </p:sp>
       <p:sp>
         <p:nvSpPr>
-          <p:cNvPr id="168" name="TextBox 167"/>
-          <p:cNvSpPr txBox="1"/>
-          <p:nvPr/>
-        </p:nvSpPr>
-        <p:spPr>
-          <a:xfrm>
-            <a:off x="3446442" y="559428"/>
-            <a:ext cx="2825702" cy="422103"/>
-          </a:xfrm>
-          <a:prstGeom prst="rect">
-            <a:avLst/>
-          </a:prstGeom>
-          <a:noFill/>
-        </p:spPr>
-        <p:txBody>
-          <a:bodyPr wrap="square" rtlCol="0">
-            <a:spAutoFit/>
-          </a:bodyPr>
-          <a:lstStyle/>
-          <a:p>
-            <a:pPr algn="ctr" defTabSz="1959468">
-              <a:defRPr/>
-            </a:pPr>
-            <a:r>
-              <a:rPr lang="en-US" sz="2143" kern="0" dirty="0">
-                <a:solidFill>
-                  <a:sysClr val="windowText" lastClr="000000"/>
-                </a:solidFill>
-              </a:rPr>
-              <a:t>Side view</a:t>
-            </a:r>
-          </a:p>
-        </p:txBody>
-      </p:sp>
-      <p:grpSp>
-        <p:nvGrpSpPr>
-          <p:cNvPr id="169" name="Group 168"/>
-          <p:cNvGrpSpPr/>
-          <p:nvPr/>
-        </p:nvGrpSpPr>
-        <p:grpSpPr>
-          <a:xfrm>
-            <a:off x="3700201" y="6276837"/>
-            <a:ext cx="358738" cy="343316"/>
-            <a:chOff x="-297108" y="2235804"/>
-            <a:chExt cx="167411" cy="160214"/>
-          </a:xfrm>
-        </p:grpSpPr>
-        <p:cxnSp>
-          <p:nvCxnSpPr>
-            <p:cNvPr id="170" name="Straight Arrow Connector 169"/>
-            <p:cNvCxnSpPr/>
-            <p:nvPr/>
-          </p:nvCxnSpPr>
-          <p:spPr>
-            <a:xfrm flipV="1">
-              <a:off x="-272886" y="2235804"/>
-              <a:ext cx="0" cy="140677"/>
-            </a:xfrm>
-            <a:prstGeom prst="straightConnector1">
-              <a:avLst/>
-            </a:prstGeom>
-            <a:ln w="9525" cmpd="sng">
-              <a:solidFill>
-                <a:schemeClr val="bg1"/>
-              </a:solidFill>
-              <a:headEnd type="none"/>
-              <a:tailEnd type="triangle" w="sm" len="sm"/>
-            </a:ln>
-          </p:spPr>
-          <p:style>
-            <a:lnRef idx="3">
-              <a:schemeClr val="dk1"/>
-            </a:lnRef>
-            <a:fillRef idx="0">
-              <a:schemeClr val="dk1"/>
-            </a:fillRef>
-            <a:effectRef idx="2">
-              <a:schemeClr val="dk1"/>
-            </a:effectRef>
-            <a:fontRef idx="minor">
-              <a:schemeClr val="tx1"/>
-            </a:fontRef>
-          </p:style>
-        </p:cxnSp>
-        <p:cxnSp>
-          <p:nvCxnSpPr>
-            <p:cNvPr id="171" name="Straight Arrow Connector 170"/>
-            <p:cNvCxnSpPr/>
-            <p:nvPr/>
-          </p:nvCxnSpPr>
-          <p:spPr>
-            <a:xfrm rot="5400000" flipV="1">
-              <a:off x="-200035" y="2303632"/>
-              <a:ext cx="0" cy="140676"/>
-            </a:xfrm>
-            <a:prstGeom prst="straightConnector1">
-              <a:avLst/>
-            </a:prstGeom>
-            <a:ln w="9525" cmpd="sng">
-              <a:solidFill>
-                <a:schemeClr val="bg1"/>
-              </a:solidFill>
-              <a:headEnd type="none"/>
-              <a:tailEnd type="triangle" w="sm" len="sm"/>
-            </a:ln>
-          </p:spPr>
-          <p:style>
-            <a:lnRef idx="3">
-              <a:schemeClr val="dk1"/>
-            </a:lnRef>
-            <a:fillRef idx="0">
-              <a:schemeClr val="dk1"/>
-            </a:fillRef>
-            <a:effectRef idx="2">
-              <a:schemeClr val="dk1"/>
-            </a:effectRef>
-            <a:fontRef idx="minor">
-              <a:schemeClr val="tx1"/>
-            </a:fontRef>
-          </p:style>
-        </p:cxnSp>
-        <p:sp>
-          <p:nvSpPr>
-            <p:cNvPr id="172" name="Oval 171"/>
-            <p:cNvSpPr/>
-            <p:nvPr/>
-          </p:nvSpPr>
-          <p:spPr>
-            <a:xfrm flipV="1">
-              <a:off x="-297108" y="2350299"/>
-              <a:ext cx="45719" cy="45719"/>
-            </a:xfrm>
-            <a:prstGeom prst="ellipse">
-              <a:avLst/>
-            </a:prstGeom>
-            <a:solidFill>
-              <a:schemeClr val="tx1"/>
-            </a:solidFill>
-            <a:ln>
-              <a:solidFill>
-                <a:schemeClr val="bg1"/>
-              </a:solidFill>
-            </a:ln>
-          </p:spPr>
-          <p:style>
-            <a:lnRef idx="2">
-              <a:schemeClr val="dk1"/>
-            </a:lnRef>
-            <a:fillRef idx="1">
-              <a:schemeClr val="lt1"/>
-            </a:fillRef>
-            <a:effectRef idx="0">
-              <a:schemeClr val="dk1"/>
-            </a:effectRef>
-            <a:fontRef idx="minor">
-              <a:schemeClr val="dk1"/>
-            </a:fontRef>
-          </p:style>
-          <p:txBody>
-            <a:bodyPr rtlCol="0" anchor="ctr"/>
-            <a:lstStyle/>
-            <a:p>
-              <a:pPr algn="ctr" defTabSz="1959468">
-                <a:defRPr/>
-              </a:pPr>
-              <a:endParaRPr lang="en-US" sz="3857" kern="0">
-                <a:solidFill>
-                  <a:sysClr val="windowText" lastClr="000000"/>
-                </a:solidFill>
-              </a:endParaRPr>
-            </a:p>
-          </p:txBody>
-        </p:sp>
-      </p:grpSp>
-      <mc:AlternateContent xmlns:mc="http://schemas.openxmlformats.org/markup-compatibility/2006">
-        <mc:Choice xmlns:a14="http://schemas.microsoft.com/office/drawing/2010/main" Requires="a14">
-          <p:sp>
-            <p:nvSpPr>
-              <p:cNvPr id="173" name="TextBox 172"/>
-              <p:cNvSpPr txBox="1"/>
-              <p:nvPr/>
-            </p:nvSpPr>
-            <p:spPr>
-              <a:xfrm>
-                <a:off x="3443827" y="6409584"/>
-                <a:ext cx="343940" cy="356123"/>
-              </a:xfrm>
-              <a:prstGeom prst="rect">
-                <a:avLst/>
-              </a:prstGeom>
-              <a:noFill/>
-            </p:spPr>
-            <p:txBody>
-              <a:bodyPr wrap="none" rtlCol="0">
-                <a:spAutoFit/>
-              </a:bodyPr>
-              <a:lstStyle/>
-              <a:p>
-                <a:pPr defTabSz="1959468">
-                  <a:defRPr/>
-                </a:pPr>
-                <a14:m>
-                  <m:oMathPara xmlns:m="http://schemas.openxmlformats.org/officeDocument/2006/math">
-                    <m:oMathParaPr>
-                      <m:jc m:val="centerGroup"/>
-                    </m:oMathParaPr>
-                    <m:oMath xmlns:m="http://schemas.openxmlformats.org/officeDocument/2006/math">
-                      <m:r>
-                        <a:rPr lang="en-US" sz="1714" i="1" kern="0">
-                          <a:solidFill>
-                            <a:schemeClr val="bg1"/>
-                          </a:solidFill>
-                          <a:latin typeface="Cambria Math" charset="0"/>
-                        </a:rPr>
-                        <m:t>𝑧</m:t>
-                      </m:r>
-                    </m:oMath>
-                  </m:oMathPara>
-                </a14:m>
-                <a:endParaRPr lang="en-US" sz="3857" kern="0" dirty="0">
-                  <a:solidFill>
-                    <a:schemeClr val="accent6"/>
-                  </a:solidFill>
-                </a:endParaRPr>
-              </a:p>
-            </p:txBody>
-          </p:sp>
-        </mc:Choice>
-        <mc:Fallback>
-          <p:sp>
-            <p:nvSpPr>
-              <p:cNvPr id="173" name="TextBox 172"/>
-              <p:cNvSpPr txBox="1">
-                <a:spLocks noRot="1" noChangeAspect="1" noMove="1" noResize="1" noEditPoints="1" noAdjustHandles="1" noChangeArrowheads="1" noChangeShapeType="1" noTextEdit="1"/>
-              </p:cNvSpPr>
-              <p:nvPr/>
-            </p:nvSpPr>
-            <p:spPr>
-              <a:xfrm>
-                <a:off x="3443827" y="6409584"/>
-                <a:ext cx="343940" cy="356123"/>
-              </a:xfrm>
-              <a:prstGeom prst="rect">
-                <a:avLst/>
-              </a:prstGeom>
-              <a:blipFill>
-                <a:blip r:embed="rId10"/>
-                <a:stretch>
-                  <a:fillRect/>
-                </a:stretch>
-              </a:blipFill>
-            </p:spPr>
-            <p:txBody>
-              <a:bodyPr/>
-              <a:lstStyle/>
-              <a:p>
-                <a:r>
-                  <a:rPr lang="en-US">
-                    <a:noFill/>
-                  </a:rPr>
-                  <a:t> </a:t>
-                </a:r>
-              </a:p>
-            </p:txBody>
-          </p:sp>
-        </mc:Fallback>
-      </mc:AlternateContent>
-      <mc:AlternateContent xmlns:mc="http://schemas.openxmlformats.org/markup-compatibility/2006">
-        <mc:Choice xmlns:a14="http://schemas.microsoft.com/office/drawing/2010/main" Requires="a14">
-          <p:sp>
-            <p:nvSpPr>
-              <p:cNvPr id="174" name="TextBox 173"/>
-              <p:cNvSpPr txBox="1"/>
-              <p:nvPr/>
-            </p:nvSpPr>
-            <p:spPr>
-              <a:xfrm>
-                <a:off x="3486380" y="5920556"/>
-                <a:ext cx="361574" cy="356123"/>
-              </a:xfrm>
-              <a:prstGeom prst="rect">
-                <a:avLst/>
-              </a:prstGeom>
-              <a:noFill/>
-            </p:spPr>
-            <p:txBody>
-              <a:bodyPr wrap="none" rtlCol="0">
-                <a:spAutoFit/>
-              </a:bodyPr>
-              <a:lstStyle/>
-              <a:p>
-                <a:pPr defTabSz="1959468">
-                  <a:defRPr/>
-                </a:pPr>
-                <a14:m>
-                  <m:oMathPara xmlns:m="http://schemas.openxmlformats.org/officeDocument/2006/math">
-                    <m:oMathParaPr>
-                      <m:jc m:val="centerGroup"/>
-                    </m:oMathParaPr>
-                    <m:oMath xmlns:m="http://schemas.openxmlformats.org/officeDocument/2006/math">
-                      <m:r>
-                        <a:rPr lang="en-US" sz="1714" i="1" kern="0">
-                          <a:solidFill>
-                            <a:schemeClr val="bg1"/>
-                          </a:solidFill>
-                          <a:latin typeface="Cambria Math" charset="0"/>
-                        </a:rPr>
-                        <m:t>𝑦</m:t>
-                      </m:r>
-                    </m:oMath>
-                  </m:oMathPara>
-                </a14:m>
-                <a:endParaRPr lang="en-US" sz="3857" kern="0" dirty="0">
-                  <a:solidFill>
-                    <a:schemeClr val="accent6"/>
-                  </a:solidFill>
-                </a:endParaRPr>
-              </a:p>
-            </p:txBody>
-          </p:sp>
-        </mc:Choice>
-        <mc:Fallback>
-          <p:sp>
-            <p:nvSpPr>
-              <p:cNvPr id="174" name="TextBox 173"/>
-              <p:cNvSpPr txBox="1">
-                <a:spLocks noRot="1" noChangeAspect="1" noMove="1" noResize="1" noEditPoints="1" noAdjustHandles="1" noChangeArrowheads="1" noChangeShapeType="1" noTextEdit="1"/>
-              </p:cNvSpPr>
-              <p:nvPr/>
-            </p:nvSpPr>
-            <p:spPr>
-              <a:xfrm>
-                <a:off x="3486380" y="5920556"/>
-                <a:ext cx="361574" cy="356123"/>
-              </a:xfrm>
-              <a:prstGeom prst="rect">
-                <a:avLst/>
-              </a:prstGeom>
-              <a:blipFill>
-                <a:blip r:embed="rId11"/>
-                <a:stretch>
-                  <a:fillRect b="-6780"/>
-                </a:stretch>
-              </a:blipFill>
-            </p:spPr>
-            <p:txBody>
-              <a:bodyPr/>
-              <a:lstStyle/>
-              <a:p>
-                <a:r>
-                  <a:rPr lang="en-US">
-                    <a:noFill/>
-                  </a:rPr>
-                  <a:t> </a:t>
-                </a:r>
-              </a:p>
-            </p:txBody>
-          </p:sp>
-        </mc:Fallback>
-      </mc:AlternateContent>
-      <mc:AlternateContent xmlns:mc="http://schemas.openxmlformats.org/markup-compatibility/2006">
-        <mc:Choice xmlns:a14="http://schemas.microsoft.com/office/drawing/2010/main" Requires="a14">
-          <p:sp>
-            <p:nvSpPr>
-              <p:cNvPr id="175" name="TextBox 174"/>
-              <p:cNvSpPr txBox="1"/>
-              <p:nvPr/>
-            </p:nvSpPr>
-            <p:spPr>
-              <a:xfrm>
-                <a:off x="3930247" y="6313426"/>
-                <a:ext cx="358047" cy="356123"/>
-              </a:xfrm>
-              <a:prstGeom prst="rect">
-                <a:avLst/>
-              </a:prstGeom>
-              <a:noFill/>
-            </p:spPr>
-            <p:txBody>
-              <a:bodyPr wrap="none" rtlCol="0">
-                <a:spAutoFit/>
-              </a:bodyPr>
-              <a:lstStyle/>
-              <a:p>
-                <a:pPr defTabSz="1959468">
-                  <a:defRPr/>
-                </a:pPr>
-                <a14:m>
-                  <m:oMathPara xmlns:m="http://schemas.openxmlformats.org/officeDocument/2006/math">
-                    <m:oMathParaPr>
-                      <m:jc m:val="centerGroup"/>
-                    </m:oMathParaPr>
-                    <m:oMath xmlns:m="http://schemas.openxmlformats.org/officeDocument/2006/math">
-                      <m:r>
-                        <a:rPr lang="en-US" sz="1714" i="1" kern="0">
-                          <a:solidFill>
-                            <a:schemeClr val="bg1"/>
-                          </a:solidFill>
-                          <a:latin typeface="Cambria Math" charset="0"/>
-                        </a:rPr>
-                        <m:t>𝑥</m:t>
-                      </m:r>
-                    </m:oMath>
-                  </m:oMathPara>
-                </a14:m>
-                <a:endParaRPr lang="en-US" sz="3857" kern="0" dirty="0">
-                  <a:solidFill>
-                    <a:schemeClr val="accent6"/>
-                  </a:solidFill>
-                </a:endParaRPr>
-              </a:p>
-            </p:txBody>
-          </p:sp>
-        </mc:Choice>
-        <mc:Fallback>
-          <p:sp>
-            <p:nvSpPr>
-              <p:cNvPr id="175" name="TextBox 174"/>
-              <p:cNvSpPr txBox="1">
-                <a:spLocks noRot="1" noChangeAspect="1" noMove="1" noResize="1" noEditPoints="1" noAdjustHandles="1" noChangeArrowheads="1" noChangeShapeType="1" noTextEdit="1"/>
-              </p:cNvSpPr>
-              <p:nvPr/>
-            </p:nvSpPr>
-            <p:spPr>
-              <a:xfrm>
-                <a:off x="3930247" y="6313426"/>
-                <a:ext cx="358047" cy="356123"/>
-              </a:xfrm>
-              <a:prstGeom prst="rect">
-                <a:avLst/>
-              </a:prstGeom>
-              <a:blipFill>
-                <a:blip r:embed="rId12"/>
-                <a:stretch>
-                  <a:fillRect/>
-                </a:stretch>
-              </a:blipFill>
-            </p:spPr>
-            <p:txBody>
-              <a:bodyPr/>
-              <a:lstStyle/>
-              <a:p>
-                <a:r>
-                  <a:rPr lang="en-US">
-                    <a:noFill/>
-                  </a:rPr>
-                  <a:t> </a:t>
-                </a:r>
-              </a:p>
-            </p:txBody>
-          </p:sp>
-        </mc:Fallback>
-      </mc:AlternateContent>
-      <p:sp>
-        <p:nvSpPr>
-          <p:cNvPr id="187" name="TextBox 186"/>
-          <p:cNvSpPr txBox="1"/>
-          <p:nvPr/>
-        </p:nvSpPr>
-        <p:spPr>
-          <a:xfrm>
-            <a:off x="2308880" y="825462"/>
-            <a:ext cx="585417" cy="487954"/>
-          </a:xfrm>
-          <a:prstGeom prst="rect">
-            <a:avLst/>
-          </a:prstGeom>
-          <a:noFill/>
-        </p:spPr>
-        <p:txBody>
-          <a:bodyPr wrap="none" rtlCol="0">
-            <a:spAutoFit/>
-          </a:bodyPr>
-          <a:lstStyle/>
-          <a:p>
-            <a:pPr defTabSz="1959468">
-              <a:defRPr/>
-            </a:pPr>
-            <a:r>
-              <a:rPr lang="en-US" sz="2571" kern="0" dirty="0">
-                <a:solidFill>
-                  <a:sysClr val="windowText" lastClr="000000"/>
-                </a:solidFill>
-                <a:latin typeface="Arial" panose="020B0604020202020204" pitchFamily="34" charset="0"/>
-                <a:cs typeface="Arial" panose="020B0604020202020204" pitchFamily="34" charset="0"/>
-              </a:rPr>
-              <a:t>(a)</a:t>
-            </a:r>
-          </a:p>
-        </p:txBody>
-      </p:sp>
-      <p:sp>
-        <p:nvSpPr>
-          <p:cNvPr id="188" name="TextBox 187"/>
-          <p:cNvSpPr txBox="1"/>
-          <p:nvPr/>
-        </p:nvSpPr>
-        <p:spPr>
-          <a:xfrm>
-            <a:off x="2084770" y="3928007"/>
-            <a:ext cx="585417" cy="487954"/>
-          </a:xfrm>
-          <a:prstGeom prst="rect">
-            <a:avLst/>
-          </a:prstGeom>
-          <a:noFill/>
-        </p:spPr>
-        <p:txBody>
-          <a:bodyPr wrap="none" rtlCol="0">
-            <a:spAutoFit/>
-          </a:bodyPr>
-          <a:lstStyle/>
-          <a:p>
-            <a:pPr defTabSz="1959468">
-              <a:defRPr/>
-            </a:pPr>
-            <a:r>
-              <a:rPr lang="en-US" sz="2571" kern="0" dirty="0">
-                <a:solidFill>
-                  <a:sysClr val="windowText" lastClr="000000"/>
-                </a:solidFill>
-                <a:latin typeface="Arial" panose="020B0604020202020204" pitchFamily="34" charset="0"/>
-                <a:cs typeface="Arial" panose="020B0604020202020204" pitchFamily="34" charset="0"/>
-              </a:rPr>
-              <a:t>(b)</a:t>
-            </a:r>
-          </a:p>
-        </p:txBody>
-      </p:sp>
-      <p:sp>
-        <p:nvSpPr>
-          <p:cNvPr id="87" name="TextBox 86"/>
-          <p:cNvSpPr txBox="1"/>
-          <p:nvPr/>
-        </p:nvSpPr>
-        <p:spPr>
-          <a:xfrm>
-            <a:off x="7244976" y="977153"/>
-            <a:ext cx="567784" cy="487954"/>
-          </a:xfrm>
-          <a:prstGeom prst="rect">
-            <a:avLst/>
-          </a:prstGeom>
-          <a:noFill/>
-        </p:spPr>
-        <p:txBody>
-          <a:bodyPr wrap="none" rtlCol="0">
-            <a:spAutoFit/>
-          </a:bodyPr>
-          <a:lstStyle/>
-          <a:p>
-            <a:pPr defTabSz="1959468">
-              <a:defRPr/>
-            </a:pPr>
-            <a:r>
-              <a:rPr lang="en-US" sz="2571" kern="0" dirty="0">
-                <a:solidFill>
-                  <a:sysClr val="windowText" lastClr="000000"/>
-                </a:solidFill>
-                <a:latin typeface="Arial" panose="020B0604020202020204" pitchFamily="34" charset="0"/>
-                <a:cs typeface="Arial" panose="020B0604020202020204" pitchFamily="34" charset="0"/>
-              </a:rPr>
-              <a:t>(c)</a:t>
-            </a:r>
-          </a:p>
-        </p:txBody>
-      </p:sp>
-      <p:sp>
-        <p:nvSpPr>
-          <p:cNvPr id="98" name="Oval 97"/>
+          <p:cNvPr id="136" name="Oval 135"/>
           <p:cNvSpPr>
             <a:spLocks noChangeAspect="1"/>
           </p:cNvSpPr>
@@ -7809,8 +7914,8 @@
         </p:nvSpPr>
         <p:spPr>
           <a:xfrm>
-            <a:off x="5258936" y="2356174"/>
-            <a:ext cx="120797" cy="120797"/>
+            <a:off x="4090253" y="4127429"/>
+            <a:ext cx="150314" cy="150314"/>
           </a:xfrm>
           <a:prstGeom prst="ellipse">
             <a:avLst/>
@@ -7841,20 +7946,40 @@
           <a:bodyPr rtlCol="0" anchor="ctr"/>
           <a:lstStyle/>
           <a:p>
-            <a:pPr algn="ctr" defTabSz="1959468">
+            <a:pPr marL="0" marR="0" lvl="0" indent="0" algn="ctr" defTabSz="914400" eaLnBrk="1" fontAlgn="auto" latinLnBrk="0" hangingPunct="1">
+              <a:lnSpc>
+                <a:spcPct val="100000"/>
+              </a:lnSpc>
+              <a:spcBef>
+                <a:spcPts val="0"/>
+              </a:spcBef>
+              <a:spcAft>
+                <a:spcPts val="0"/>
+              </a:spcAft>
+              <a:buClrTx/>
+              <a:buSzTx/>
+              <a:buFontTx/>
+              <a:buNone/>
+              <a:tabLst/>
               <a:defRPr/>
             </a:pPr>
-            <a:endParaRPr lang="en-US" sz="3857" kern="0">
+            <a:endParaRPr kumimoji="0" lang="en-US" sz="1800" b="0" i="0" u="none" strike="noStrike" kern="0" cap="none" spc="0" normalizeH="0" baseline="0" noProof="0">
+              <a:ln>
+                <a:noFill/>
+              </a:ln>
               <a:solidFill>
                 <a:sysClr val="windowText" lastClr="000000"/>
               </a:solidFill>
+              <a:effectLst/>
+              <a:uLnTx/>
+              <a:uFillTx/>
             </a:endParaRPr>
           </a:p>
         </p:txBody>
       </p:sp>
       <p:sp>
         <p:nvSpPr>
-          <p:cNvPr id="99" name="Oval 98"/>
+          <p:cNvPr id="137" name="Oval 136"/>
           <p:cNvSpPr>
             <a:spLocks noChangeAspect="1"/>
           </p:cNvSpPr>
@@ -7862,8 +7987,8 @@
         </p:nvSpPr>
         <p:spPr>
           <a:xfrm>
-            <a:off x="5015854" y="2355338"/>
-            <a:ext cx="120797" cy="120797"/>
+            <a:off x="3787774" y="4126389"/>
+            <a:ext cx="150314" cy="150314"/>
           </a:xfrm>
           <a:prstGeom prst="ellipse">
             <a:avLst/>
@@ -7894,20 +8019,40 @@
           <a:bodyPr rtlCol="0" anchor="ctr"/>
           <a:lstStyle/>
           <a:p>
-            <a:pPr algn="ctr" defTabSz="1959468">
+            <a:pPr marL="0" marR="0" lvl="0" indent="0" algn="ctr" defTabSz="914400" eaLnBrk="1" fontAlgn="auto" latinLnBrk="0" hangingPunct="1">
+              <a:lnSpc>
+                <a:spcPct val="100000"/>
+              </a:lnSpc>
+              <a:spcBef>
+                <a:spcPts val="0"/>
+              </a:spcBef>
+              <a:spcAft>
+                <a:spcPts val="0"/>
+              </a:spcAft>
+              <a:buClrTx/>
+              <a:buSzTx/>
+              <a:buFontTx/>
+              <a:buNone/>
+              <a:tabLst/>
               <a:defRPr/>
             </a:pPr>
-            <a:endParaRPr lang="en-US" sz="3857" kern="0">
+            <a:endParaRPr kumimoji="0" lang="en-US" sz="1800" b="0" i="0" u="none" strike="noStrike" kern="0" cap="none" spc="0" normalizeH="0" baseline="0" noProof="0">
+              <a:ln>
+                <a:noFill/>
+              </a:ln>
               <a:solidFill>
                 <a:sysClr val="windowText" lastClr="000000"/>
               </a:solidFill>
+              <a:effectLst/>
+              <a:uLnTx/>
+              <a:uFillTx/>
             </a:endParaRPr>
           </a:p>
         </p:txBody>
       </p:sp>
       <p:sp>
         <p:nvSpPr>
-          <p:cNvPr id="100" name="Oval 99"/>
+          <p:cNvPr id="138" name="Oval 137"/>
           <p:cNvSpPr>
             <a:spLocks noChangeAspect="1"/>
           </p:cNvSpPr>
@@ -7915,8 +8060,8 @@
         </p:nvSpPr>
         <p:spPr>
           <a:xfrm>
-            <a:off x="4772773" y="2354503"/>
-            <a:ext cx="120797" cy="120797"/>
+            <a:off x="3485294" y="4125348"/>
+            <a:ext cx="150314" cy="150314"/>
           </a:xfrm>
           <a:prstGeom prst="ellipse">
             <a:avLst/>
@@ -7947,20 +8092,40 @@
           <a:bodyPr rtlCol="0" anchor="ctr"/>
           <a:lstStyle/>
           <a:p>
-            <a:pPr algn="ctr" defTabSz="1959468">
+            <a:pPr marL="0" marR="0" lvl="0" indent="0" algn="ctr" defTabSz="914400" eaLnBrk="1" fontAlgn="auto" latinLnBrk="0" hangingPunct="1">
+              <a:lnSpc>
+                <a:spcPct val="100000"/>
+              </a:lnSpc>
+              <a:spcBef>
+                <a:spcPts val="0"/>
+              </a:spcBef>
+              <a:spcAft>
+                <a:spcPts val="0"/>
+              </a:spcAft>
+              <a:buClrTx/>
+              <a:buSzTx/>
+              <a:buFontTx/>
+              <a:buNone/>
+              <a:tabLst/>
               <a:defRPr/>
             </a:pPr>
-            <a:endParaRPr lang="en-US" sz="3857" kern="0">
+            <a:endParaRPr kumimoji="0" lang="en-US" sz="1800" b="0" i="0" u="none" strike="noStrike" kern="0" cap="none" spc="0" normalizeH="0" baseline="0" noProof="0">
+              <a:ln>
+                <a:noFill/>
+              </a:ln>
               <a:solidFill>
                 <a:sysClr val="windowText" lastClr="000000"/>
               </a:solidFill>
+              <a:effectLst/>
+              <a:uLnTx/>
+              <a:uFillTx/>
             </a:endParaRPr>
           </a:p>
         </p:txBody>
       </p:sp>
       <p:sp>
         <p:nvSpPr>
-          <p:cNvPr id="101" name="Oval 100"/>
+          <p:cNvPr id="139" name="Oval 138"/>
           <p:cNvSpPr>
             <a:spLocks noChangeAspect="1"/>
           </p:cNvSpPr>
@@ -7968,8 +8133,8 @@
         </p:nvSpPr>
         <p:spPr>
           <a:xfrm>
-            <a:off x="4529692" y="2353667"/>
-            <a:ext cx="120797" cy="120797"/>
+            <a:off x="3182815" y="4124308"/>
+            <a:ext cx="150314" cy="150314"/>
           </a:xfrm>
           <a:prstGeom prst="ellipse">
             <a:avLst/>
@@ -8000,20 +8165,40 @@
           <a:bodyPr rtlCol="0" anchor="ctr"/>
           <a:lstStyle/>
           <a:p>
-            <a:pPr algn="ctr" defTabSz="1959468">
+            <a:pPr marL="0" marR="0" lvl="0" indent="0" algn="ctr" defTabSz="914400" eaLnBrk="1" fontAlgn="auto" latinLnBrk="0" hangingPunct="1">
+              <a:lnSpc>
+                <a:spcPct val="100000"/>
+              </a:lnSpc>
+              <a:spcBef>
+                <a:spcPts val="0"/>
+              </a:spcBef>
+              <a:spcAft>
+                <a:spcPts val="0"/>
+              </a:spcAft>
+              <a:buClrTx/>
+              <a:buSzTx/>
+              <a:buFontTx/>
+              <a:buNone/>
+              <a:tabLst/>
               <a:defRPr/>
             </a:pPr>
-            <a:endParaRPr lang="en-US" sz="3857" kern="0">
+            <a:endParaRPr kumimoji="0" lang="en-US" sz="1800" b="0" i="0" u="none" strike="noStrike" kern="0" cap="none" spc="0" normalizeH="0" baseline="0" noProof="0">
+              <a:ln>
+                <a:noFill/>
+              </a:ln>
               <a:solidFill>
                 <a:sysClr val="windowText" lastClr="000000"/>
               </a:solidFill>
+              <a:effectLst/>
+              <a:uLnTx/>
+              <a:uFillTx/>
             </a:endParaRPr>
           </a:p>
         </p:txBody>
       </p:sp>
       <p:sp>
         <p:nvSpPr>
-          <p:cNvPr id="102" name="Oval 101"/>
+          <p:cNvPr id="140" name="Oval 139"/>
           <p:cNvSpPr>
             <a:spLocks noChangeAspect="1"/>
           </p:cNvSpPr>
@@ -8021,8 +8206,8 @@
         </p:nvSpPr>
         <p:spPr>
           <a:xfrm>
-            <a:off x="4286610" y="2352831"/>
-            <a:ext cx="120797" cy="120797"/>
+            <a:off x="2880336" y="4123269"/>
+            <a:ext cx="150314" cy="150314"/>
           </a:xfrm>
           <a:prstGeom prst="ellipse">
             <a:avLst/>
@@ -8053,20 +8238,40 @@
           <a:bodyPr rtlCol="0" anchor="ctr"/>
           <a:lstStyle/>
           <a:p>
-            <a:pPr algn="ctr" defTabSz="1959468">
+            <a:pPr marL="0" marR="0" lvl="0" indent="0" algn="ctr" defTabSz="914400" eaLnBrk="1" fontAlgn="auto" latinLnBrk="0" hangingPunct="1">
+              <a:lnSpc>
+                <a:spcPct val="100000"/>
+              </a:lnSpc>
+              <a:spcBef>
+                <a:spcPts val="0"/>
+              </a:spcBef>
+              <a:spcAft>
+                <a:spcPts val="0"/>
+              </a:spcAft>
+              <a:buClrTx/>
+              <a:buSzTx/>
+              <a:buFontTx/>
+              <a:buNone/>
+              <a:tabLst/>
               <a:defRPr/>
             </a:pPr>
-            <a:endParaRPr lang="en-US" sz="3857" kern="0">
+            <a:endParaRPr kumimoji="0" lang="en-US" sz="1800" b="0" i="0" u="none" strike="noStrike" kern="0" cap="none" spc="0" normalizeH="0" baseline="0" noProof="0">
+              <a:ln>
+                <a:noFill/>
+              </a:ln>
               <a:solidFill>
                 <a:sysClr val="windowText" lastClr="000000"/>
               </a:solidFill>
+              <a:effectLst/>
+              <a:uLnTx/>
+              <a:uFillTx/>
             </a:endParaRPr>
           </a:p>
         </p:txBody>
       </p:sp>
       <p:sp>
         <p:nvSpPr>
-          <p:cNvPr id="103" name="Oval 102"/>
+          <p:cNvPr id="141" name="Oval 140"/>
           <p:cNvSpPr>
             <a:spLocks noChangeAspect="1"/>
           </p:cNvSpPr>
@@ -8074,8 +8279,8 @@
         </p:nvSpPr>
         <p:spPr>
           <a:xfrm>
-            <a:off x="4043529" y="2351996"/>
-            <a:ext cx="120797" cy="120797"/>
+            <a:off x="2577856" y="4122229"/>
+            <a:ext cx="150314" cy="150314"/>
           </a:xfrm>
           <a:prstGeom prst="ellipse">
             <a:avLst/>
@@ -8106,65 +8311,33 @@
           <a:bodyPr rtlCol="0" anchor="ctr"/>
           <a:lstStyle/>
           <a:p>
-            <a:pPr algn="ctr" defTabSz="1959468">
+            <a:pPr marL="0" marR="0" lvl="0" indent="0" algn="ctr" defTabSz="914400" eaLnBrk="1" fontAlgn="auto" latinLnBrk="0" hangingPunct="1">
+              <a:lnSpc>
+                <a:spcPct val="100000"/>
+              </a:lnSpc>
+              <a:spcBef>
+                <a:spcPts val="0"/>
+              </a:spcBef>
+              <a:spcAft>
+                <a:spcPts val="0"/>
+              </a:spcAft>
+              <a:buClrTx/>
+              <a:buSzTx/>
+              <a:buFontTx/>
+              <a:buNone/>
+              <a:tabLst/>
               <a:defRPr/>
             </a:pPr>
-            <a:endParaRPr lang="en-US" sz="3857" kern="0">
+            <a:endParaRPr kumimoji="0" lang="en-US" sz="1800" b="0" i="0" u="none" strike="noStrike" kern="0" cap="none" spc="0" normalizeH="0" baseline="0" noProof="0">
+              <a:ln>
+                <a:noFill/>
+              </a:ln>
               <a:solidFill>
                 <a:sysClr val="windowText" lastClr="000000"/>
               </a:solidFill>
-            </a:endParaRPr>
-          </a:p>
-        </p:txBody>
-      </p:sp>
-      <p:sp>
-        <p:nvSpPr>
-          <p:cNvPr id="104" name="Oval 103"/>
-          <p:cNvSpPr/>
-          <p:nvPr/>
-        </p:nvSpPr>
-        <p:spPr>
-          <a:xfrm flipV="1">
-            <a:off x="3746170" y="4670230"/>
-            <a:ext cx="97969" cy="97969"/>
-          </a:xfrm>
-          <a:prstGeom prst="ellipse">
-            <a:avLst/>
-          </a:prstGeom>
-          <a:solidFill>
-            <a:schemeClr val="tx1"/>
-          </a:solidFill>
-          <a:ln>
-            <a:solidFill>
-              <a:schemeClr val="bg1"/>
-            </a:solidFill>
-          </a:ln>
-        </p:spPr>
-        <p:style>
-          <a:lnRef idx="2">
-            <a:schemeClr val="dk1"/>
-          </a:lnRef>
-          <a:fillRef idx="1">
-            <a:schemeClr val="lt1"/>
-          </a:fillRef>
-          <a:effectRef idx="0">
-            <a:schemeClr val="dk1"/>
-          </a:effectRef>
-          <a:fontRef idx="minor">
-            <a:schemeClr val="dk1"/>
-          </a:fontRef>
-        </p:style>
-        <p:txBody>
-          <a:bodyPr rtlCol="0" anchor="ctr"/>
-          <a:lstStyle/>
-          <a:p>
-            <a:pPr algn="ctr" defTabSz="1959468">
-              <a:defRPr/>
-            </a:pPr>
-            <a:endParaRPr lang="en-US" sz="3857" kern="0">
-              <a:solidFill>
-                <a:sysClr val="windowText" lastClr="000000"/>
-              </a:solidFill>
+              <a:effectLst/>
+              <a:uLnTx/>
+              <a:uFillTx/>
             </a:endParaRPr>
           </a:p>
         </p:txBody>
@@ -8173,14 +8346,14 @@
         <mc:Choice xmlns:a14="http://schemas.microsoft.com/office/drawing/2010/main" Requires="a14">
           <p:sp>
             <p:nvSpPr>
-              <p:cNvPr id="95" name="TextBox 94"/>
+              <p:cNvPr id="142" name="TextBox 141"/>
               <p:cNvSpPr txBox="1"/>
               <p:nvPr/>
             </p:nvSpPr>
             <p:spPr>
-              <a:xfrm rot="20743651">
-                <a:off x="1594872" y="2628114"/>
-                <a:ext cx="1492524" cy="525337"/>
+              <a:xfrm rot="649553">
+                <a:off x="1553639" y="3479342"/>
+                <a:ext cx="718667" cy="387668"/>
               </a:xfrm>
               <a:prstGeom prst="rect">
                 <a:avLst/>
@@ -8193,7 +8366,21 @@
               </a:bodyPr>
               <a:lstStyle/>
               <a:p>
-                <a:pPr defTabSz="1959468">
+                <a:pPr marL="0" marR="0" lvl="0" indent="0" defTabSz="914400" eaLnBrk="1" fontAlgn="auto" latinLnBrk="0" hangingPunct="1">
+                  <a:lnSpc>
+                    <a:spcPct val="100000"/>
+                  </a:lnSpc>
+                  <a:spcBef>
+                    <a:spcPts val="0"/>
+                  </a:spcBef>
+                  <a:spcAft>
+                    <a:spcPts val="0"/>
+                  </a:spcAft>
+                  <a:buClrTx/>
+                  <a:buSzTx/>
+                  <a:buFontTx/>
+                  <a:buNone/>
+                  <a:tabLst/>
                   <a:defRPr/>
                 </a:pPr>
                 <a14:m>
@@ -8205,44 +8392,69 @@
                       <m:sSub>
                         <m:sSubPr>
                           <m:ctrlPr>
-                            <a:rPr lang="en-US" sz="2571" b="1" i="1" kern="0">
+                            <a:rPr kumimoji="0" lang="en-US" sz="1600" b="1" i="1" u="none" strike="noStrike" kern="0" cap="none" spc="0" normalizeH="0" baseline="0" noProof="0" smtClean="0">
+                              <a:ln>
+                                <a:noFill/>
+                              </a:ln>
+                              <a:solidFill>
+                                <a:schemeClr val="tx1"/>
+                              </a:solidFill>
+                              <a:effectLst/>
+                              <a:uLnTx/>
+                              <a:uFillTx/>
                               <a:latin typeface="Cambria Math" panose="02040503050406030204" pitchFamily="18" charset="0"/>
                             </a:rPr>
                           </m:ctrlPr>
                         </m:sSubPr>
                         <m:e>
                           <m:r>
-                            <a:rPr lang="en-US" sz="2571" b="1" i="1" kern="0">
+                            <a:rPr kumimoji="0" lang="en-US" sz="1600" b="1" i="1" u="none" strike="noStrike" kern="0" cap="none" spc="0" normalizeH="0" baseline="0" noProof="0" smtClean="0">
+                              <a:ln>
+                                <a:noFill/>
+                              </a:ln>
+                              <a:solidFill>
+                                <a:schemeClr val="tx1"/>
+                              </a:solidFill>
+                              <a:effectLst/>
+                              <a:uLnTx/>
+                              <a:uFillTx/>
                               <a:latin typeface="Cambria Math" panose="02040503050406030204" pitchFamily="18" charset="0"/>
                             </a:rPr>
-                            <m:t>𝒇</m:t>
+                            <m:t>𝝎</m:t>
                           </m:r>
                         </m:e>
                         <m:sub>
                           <m:r>
-                            <a:rPr lang="en-US" sz="2571" b="1" i="1" kern="0">
+                            <a:rPr kumimoji="0" lang="en-US" sz="1600" b="1" i="1" u="none" strike="noStrike" kern="0" cap="none" spc="0" normalizeH="0" baseline="0" noProof="0">
+                              <a:ln>
+                                <a:noFill/>
+                              </a:ln>
+                              <a:solidFill>
+                                <a:schemeClr val="tx1"/>
+                              </a:solidFill>
+                              <a:effectLst/>
+                              <a:uLnTx/>
+                              <a:uFillTx/>
                               <a:latin typeface="Cambria Math" panose="02040503050406030204" pitchFamily="18" charset="0"/>
                             </a:rPr>
                             <m:t>𝒐𝒅𝒇</m:t>
                           </m:r>
                         </m:sub>
                       </m:sSub>
-                      <m:r>
-                        <a:rPr lang="en-US" sz="2571" b="1" i="1" kern="0">
-                          <a:latin typeface="Cambria Math" panose="02040503050406030204" pitchFamily="18" charset="0"/>
-                        </a:rPr>
-                        <m:t>+</m:t>
-                      </m:r>
-                      <m:r>
-                        <a:rPr lang="en-US" sz="2571" b="1" i="1" kern="0">
-                          <a:latin typeface="Cambria Math" panose="02040503050406030204" pitchFamily="18" charset="0"/>
-                        </a:rPr>
-                        <m:t>𝝁</m:t>
-                      </m:r>
                     </m:oMath>
                   </m:oMathPara>
                 </a14:m>
-                <a:endParaRPr lang="en-US" sz="2571" b="1" kern="0" dirty="0"/>
+                <a:endParaRPr kumimoji="0" lang="en-US" sz="1600" b="1" i="0" u="none" strike="noStrike" kern="0" cap="none" spc="0" normalizeH="0" baseline="0" noProof="0" dirty="0">
+                  <a:ln>
+                    <a:noFill/>
+                  </a:ln>
+                  <a:solidFill>
+                    <a:schemeClr val="tx1"/>
+                  </a:solidFill>
+                  <a:effectLst/>
+                  <a:uLnTx/>
+                  <a:uFillTx/>
+                </a:endParaRPr>
               </a:p>
             </p:txBody>
           </p:sp>
@@ -8250,22 +8462,22 @@
         <mc:Fallback>
           <p:sp>
             <p:nvSpPr>
-              <p:cNvPr id="95" name="TextBox 94"/>
+              <p:cNvPr id="142" name="TextBox 141"/>
               <p:cNvSpPr txBox="1">
                 <a:spLocks noRot="1" noChangeAspect="1" noMove="1" noResize="1" noEditPoints="1" noAdjustHandles="1" noChangeArrowheads="1" noChangeShapeType="1" noTextEdit="1"/>
               </p:cNvSpPr>
               <p:nvPr/>
             </p:nvSpPr>
             <p:spPr>
-              <a:xfrm rot="20743651">
-                <a:off x="1594872" y="2628114"/>
-                <a:ext cx="1492524" cy="525337"/>
+              <a:xfrm rot="649553">
+                <a:off x="1553639" y="3479342"/>
+                <a:ext cx="718667" cy="387668"/>
               </a:xfrm>
               <a:prstGeom prst="rect">
                 <a:avLst/>
               </a:prstGeom>
               <a:blipFill>
-                <a:blip r:embed="rId13"/>
+                <a:blip r:embed="rId10"/>
                 <a:stretch>
                   <a:fillRect/>
                 </a:stretch>
@@ -8286,18 +8498,52 @@
           </p:sp>
         </mc:Fallback>
       </mc:AlternateContent>
+      <p:cxnSp>
+        <p:nvCxnSpPr>
+          <p:cNvPr id="144" name="Elbow Connector 143"/>
+          <p:cNvCxnSpPr/>
+          <p:nvPr/>
+        </p:nvCxnSpPr>
+        <p:spPr>
+          <a:xfrm rot="16200000" flipH="1" flipV="1">
+            <a:off x="5603691" y="2395214"/>
+            <a:ext cx="276616" cy="754558"/>
+          </a:xfrm>
+          <a:prstGeom prst="bentConnector4">
+            <a:avLst>
+              <a:gd name="adj1" fmla="val -37878"/>
+              <a:gd name="adj2" fmla="val 99398"/>
+            </a:avLst>
+          </a:prstGeom>
+          <a:ln w="12700"/>
+        </p:spPr>
+        <p:style>
+          <a:lnRef idx="1">
+            <a:schemeClr val="dk1"/>
+          </a:lnRef>
+          <a:fillRef idx="0">
+            <a:schemeClr val="dk1"/>
+          </a:fillRef>
+          <a:effectRef idx="0">
+            <a:schemeClr val="dk1"/>
+          </a:effectRef>
+          <a:fontRef idx="minor">
+            <a:schemeClr val="tx1"/>
+          </a:fontRef>
+        </p:style>
+      </p:cxnSp>
       <mc:AlternateContent xmlns:mc="http://schemas.openxmlformats.org/markup-compatibility/2006">
         <mc:Choice xmlns:a14="http://schemas.microsoft.com/office/drawing/2010/main" Requires="a14">
           <p:sp>
             <p:nvSpPr>
-              <p:cNvPr id="96" name="TextBox 95"/>
+              <p:cNvPr id="145" name="TextBox 144"/>
               <p:cNvSpPr txBox="1"/>
               <p:nvPr/>
             </p:nvSpPr>
             <p:spPr>
-              <a:xfrm rot="742299">
-                <a:off x="2259820" y="1704746"/>
-                <a:ext cx="889218" cy="525337"/>
+              <a:xfrm rot="20983563">
+                <a:off x="1315921" y="4487830"/>
+                <a:ext cx="1120278" cy="387668"/>
               </a:xfrm>
               <a:prstGeom prst="rect">
                 <a:avLst/>
@@ -8310,7 +8556,21 @@
               </a:bodyPr>
               <a:lstStyle/>
               <a:p>
-                <a:pPr defTabSz="1959468">
+                <a:pPr marL="0" marR="0" lvl="0" indent="0" defTabSz="914400" eaLnBrk="1" fontAlgn="auto" latinLnBrk="0" hangingPunct="1">
+                  <a:lnSpc>
+                    <a:spcPct val="100000"/>
+                  </a:lnSpc>
+                  <a:spcBef>
+                    <a:spcPts val="0"/>
+                  </a:spcBef>
+                  <a:spcAft>
+                    <a:spcPts val="0"/>
+                  </a:spcAft>
+                  <a:buClrTx/>
+                  <a:buSzTx/>
+                  <a:buFontTx/>
+                  <a:buNone/>
+                  <a:tabLst/>
                   <a:defRPr/>
                 </a:pPr>
                 <a14:m>
@@ -8322,32 +8582,99 @@
                       <m:sSub>
                         <m:sSubPr>
                           <m:ctrlPr>
-                            <a:rPr lang="en-US" sz="2571" b="1" i="1" kern="0">
+                            <a:rPr kumimoji="0" lang="en-US" sz="1600" b="1" i="1" u="none" strike="noStrike" kern="0" cap="none" spc="0" normalizeH="0" baseline="0" noProof="0" smtClean="0">
+                              <a:ln>
+                                <a:noFill/>
+                              </a:ln>
+                              <a:solidFill>
+                                <a:schemeClr val="tx1"/>
+                              </a:solidFill>
+                              <a:effectLst/>
+                              <a:uLnTx/>
+                              <a:uFillTx/>
                               <a:latin typeface="Cambria Math" panose="02040503050406030204" pitchFamily="18" charset="0"/>
                             </a:rPr>
                           </m:ctrlPr>
                         </m:sSubPr>
                         <m:e>
                           <m:r>
-                            <a:rPr lang="en-US" sz="2571" b="1" i="1" kern="0">
+                            <a:rPr kumimoji="0" lang="en-US" sz="1600" b="1" i="1" u="none" strike="noStrike" kern="0" cap="none" spc="0" normalizeH="0" baseline="0" noProof="0" smtClean="0">
+                              <a:ln>
+                                <a:noFill/>
+                              </a:ln>
+                              <a:solidFill>
+                                <a:schemeClr val="tx1"/>
+                              </a:solidFill>
+                              <a:effectLst/>
+                              <a:uLnTx/>
+                              <a:uFillTx/>
                               <a:latin typeface="Cambria Math" panose="02040503050406030204" pitchFamily="18" charset="0"/>
                             </a:rPr>
-                            <m:t>𝒇</m:t>
+                            <m:t>𝝎</m:t>
                           </m:r>
                         </m:e>
                         <m:sub>
                           <m:r>
-                            <a:rPr lang="en-US" sz="2571" b="1" i="1" kern="0">
+                            <a:rPr kumimoji="0" lang="en-US" sz="1600" b="1" i="1" u="none" strike="noStrike" kern="0" cap="none" spc="0" normalizeH="0" baseline="0" noProof="0" smtClean="0">
+                              <a:ln>
+                                <a:noFill/>
+                              </a:ln>
+                              <a:solidFill>
+                                <a:schemeClr val="tx1"/>
+                              </a:solidFill>
+                              <a:effectLst/>
+                              <a:uLnTx/>
+                              <a:uFillTx/>
                               <a:latin typeface="Cambria Math" panose="02040503050406030204" pitchFamily="18" charset="0"/>
                             </a:rPr>
                             <m:t>𝒐𝒅𝒇</m:t>
                           </m:r>
                         </m:sub>
                       </m:sSub>
+                      <m:r>
+                        <a:rPr kumimoji="0" lang="en-US" sz="1600" b="1" i="1" u="none" strike="noStrike" kern="0" cap="none" spc="0" normalizeH="0" baseline="0" noProof="0">
+                          <a:ln>
+                            <a:noFill/>
+                          </a:ln>
+                          <a:solidFill>
+                            <a:schemeClr val="tx1"/>
+                          </a:solidFill>
+                          <a:effectLst/>
+                          <a:uLnTx/>
+                          <a:uFillTx/>
+                          <a:latin typeface="Cambria Math" panose="02040503050406030204" pitchFamily="18" charset="0"/>
+                        </a:rPr>
+                        <m:t>+</m:t>
+                      </m:r>
+                      <m:r>
+                        <a:rPr kumimoji="0" lang="en-US" sz="1600" b="1" i="1" u="none" strike="noStrike" kern="0" cap="none" spc="0" normalizeH="0" baseline="0" noProof="0">
+                          <a:ln>
+                            <a:noFill/>
+                          </a:ln>
+                          <a:solidFill>
+                            <a:schemeClr val="tx1"/>
+                          </a:solidFill>
+                          <a:effectLst/>
+                          <a:uLnTx/>
+                          <a:uFillTx/>
+                          <a:latin typeface="Cambria Math" panose="02040503050406030204" pitchFamily="18" charset="0"/>
+                        </a:rPr>
+                        <m:t>𝝁</m:t>
+                      </m:r>
                     </m:oMath>
                   </m:oMathPara>
                 </a14:m>
-                <a:endParaRPr lang="en-US" sz="2571" b="1" kern="0" dirty="0"/>
+                <a:endParaRPr kumimoji="0" lang="en-US" sz="1600" b="1" i="0" u="none" strike="noStrike" kern="0" cap="none" spc="0" normalizeH="0" baseline="0" noProof="0" dirty="0">
+                  <a:ln>
+                    <a:noFill/>
+                  </a:ln>
+                  <a:solidFill>
+                    <a:schemeClr val="tx1"/>
+                  </a:solidFill>
+                  <a:effectLst/>
+                  <a:uLnTx/>
+                  <a:uFillTx/>
+                </a:endParaRPr>
               </a:p>
             </p:txBody>
           </p:sp>
@@ -8355,22 +8682,22 @@
         <mc:Fallback>
           <p:sp>
             <p:nvSpPr>
-              <p:cNvPr id="96" name="TextBox 95"/>
+              <p:cNvPr id="145" name="TextBox 144"/>
               <p:cNvSpPr txBox="1">
                 <a:spLocks noRot="1" noChangeAspect="1" noMove="1" noResize="1" noEditPoints="1" noAdjustHandles="1" noChangeArrowheads="1" noChangeShapeType="1" noTextEdit="1"/>
               </p:cNvSpPr>
               <p:nvPr/>
             </p:nvSpPr>
             <p:spPr>
-              <a:xfrm rot="742299">
-                <a:off x="2259820" y="1704746"/>
-                <a:ext cx="889218" cy="525337"/>
+              <a:xfrm rot="20983563">
+                <a:off x="1315921" y="4487830"/>
+                <a:ext cx="1120278" cy="387668"/>
               </a:xfrm>
               <a:prstGeom prst="rect">
                 <a:avLst/>
               </a:prstGeom>
               <a:blipFill>
-                <a:blip r:embed="rId14"/>
+                <a:blip r:embed="rId11"/>
                 <a:stretch>
                   <a:fillRect/>
                 </a:stretch>
@@ -8391,182 +8718,211 @@
           </p:sp>
         </mc:Fallback>
       </mc:AlternateContent>
-      <p:grpSp>
-        <p:nvGrpSpPr>
-          <p:cNvPr id="66" name="Group 65"/>
-          <p:cNvGrpSpPr/>
-          <p:nvPr/>
-        </p:nvGrpSpPr>
-        <p:grpSpPr>
-          <a:xfrm>
-            <a:off x="6577476" y="880597"/>
-            <a:ext cx="626640" cy="707604"/>
-            <a:chOff x="2177239" y="113415"/>
-            <a:chExt cx="292432" cy="330215"/>
-          </a:xfrm>
-        </p:grpSpPr>
-        <p:pic>
-          <p:nvPicPr>
-            <p:cNvPr id="67" name="Picture 4" descr="https://upload.wikimedia.org/wikipedia/commons/thumb/8/86/Voltage_Source_(AC).svg/1024px-Voltage_Source_(AC).svg.png"/>
-            <p:cNvPicPr>
-              <a:picLocks noChangeAspect="1" noChangeArrowheads="1"/>
-            </p:cNvPicPr>
-            <p:nvPr/>
-          </p:nvPicPr>
-          <p:blipFill>
-            <a:blip r:embed="rId15">
-              <a:extLst>
-                <a:ext uri="{28A0092B-C50C-407E-A947-70E740481C1C}">
-                  <a14:useLocalDpi xmlns:a14="http://schemas.microsoft.com/office/drawing/2010/main" val="0"/>
-                </a:ext>
-              </a:extLst>
-            </a:blip>
-            <a:srcRect/>
-            <a:stretch>
-              <a:fillRect/>
-            </a:stretch>
-          </p:blipFill>
-          <p:spPr bwMode="auto">
-            <a:xfrm>
-              <a:off x="2177239" y="113415"/>
-              <a:ext cx="292432" cy="292432"/>
-            </a:xfrm>
-            <a:prstGeom prst="rect">
-              <a:avLst/>
-            </a:prstGeom>
-            <a:noFill/>
-            <a:extLst>
-              <a:ext uri="{909E8E84-426E-40DD-AFC4-6F175D3DCCD1}">
-                <a14:hiddenFill xmlns:a14="http://schemas.microsoft.com/office/drawing/2010/main">
-                  <a:solidFill>
-                    <a:srgbClr val="FFFFFF"/>
-                  </a:solidFill>
-                </a14:hiddenFill>
-              </a:ext>
-            </a:extLst>
-          </p:spPr>
-        </p:pic>
-        <p:sp>
-          <p:nvSpPr>
-            <p:cNvPr id="68" name="Rectangle 67"/>
-            <p:cNvSpPr/>
-            <p:nvPr/>
-          </p:nvSpPr>
-          <p:spPr>
-            <a:xfrm>
-              <a:off x="2272963" y="354262"/>
-              <a:ext cx="121444" cy="89368"/>
-            </a:xfrm>
-            <a:prstGeom prst="rect">
-              <a:avLst/>
-            </a:prstGeom>
-            <a:solidFill>
-              <a:schemeClr val="bg1"/>
-            </a:solidFill>
-            <a:ln>
-              <a:solidFill>
-                <a:schemeClr val="bg1"/>
-              </a:solidFill>
-            </a:ln>
-          </p:spPr>
-          <p:style>
-            <a:lnRef idx="2">
-              <a:schemeClr val="accent1">
-                <a:shade val="50000"/>
-              </a:schemeClr>
-            </a:lnRef>
-            <a:fillRef idx="1">
-              <a:schemeClr val="accent1"/>
-            </a:fillRef>
-            <a:effectRef idx="0">
-              <a:schemeClr val="accent1"/>
-            </a:effectRef>
-            <a:fontRef idx="minor">
-              <a:schemeClr val="lt1"/>
-            </a:fontRef>
-          </p:style>
-          <p:txBody>
-            <a:bodyPr rtlCol="0" anchor="ctr"/>
-            <a:lstStyle/>
-            <a:p>
-              <a:pPr algn="ctr" defTabSz="1959468">
-                <a:defRPr/>
-              </a:pPr>
-              <a:endParaRPr lang="en-US" sz="3857" kern="0">
-                <a:solidFill>
-                  <a:sysClr val="windowText" lastClr="000000"/>
-                </a:solidFill>
-              </a:endParaRPr>
-            </a:p>
-          </p:txBody>
-        </p:sp>
-      </p:grpSp>
-      <p:cxnSp>
-        <p:nvCxnSpPr>
-          <p:cNvPr id="69" name="Elbow Connector 68"/>
-          <p:cNvCxnSpPr/>
-          <p:nvPr/>
-        </p:nvCxnSpPr>
-        <p:spPr>
-          <a:xfrm rot="16200000" flipH="1" flipV="1">
-            <a:off x="6413055" y="780501"/>
-            <a:ext cx="331727" cy="623756"/>
-          </a:xfrm>
-          <a:prstGeom prst="bentConnector3">
-            <a:avLst>
-              <a:gd name="adj1" fmla="val -15382"/>
-            </a:avLst>
-          </a:prstGeom>
-        </p:spPr>
-        <p:style>
-          <a:lnRef idx="1">
-            <a:schemeClr val="dk1"/>
-          </a:lnRef>
-          <a:fillRef idx="0">
-            <a:schemeClr val="dk1"/>
-          </a:fillRef>
-          <a:effectRef idx="0">
-            <a:schemeClr val="dk1"/>
-          </a:effectRef>
-          <a:fontRef idx="minor">
-            <a:schemeClr val="tx1"/>
-          </a:fontRef>
-        </p:style>
-      </p:cxnSp>
-      <p:sp>
-        <p:nvSpPr>
-          <p:cNvPr id="65" name="TextBox 64"/>
-          <p:cNvSpPr txBox="1"/>
-          <p:nvPr/>
-        </p:nvSpPr>
-        <p:spPr>
-          <a:xfrm>
-            <a:off x="16126" y="-26324"/>
-            <a:ext cx="12192000" cy="584775"/>
-          </a:xfrm>
-          <a:prstGeom prst="rect">
-            <a:avLst/>
-          </a:prstGeom>
-          <a:noFill/>
-        </p:spPr>
-        <p:txBody>
-          <a:bodyPr wrap="square" rtlCol="0">
-            <a:spAutoFit/>
-          </a:bodyPr>
-          <a:lstStyle/>
-          <a:p>
-            <a:pPr algn="ctr"/>
-            <a:r>
-              <a:rPr lang="en-US" sz="3200" dirty="0"/>
-              <a:t>Spin dephasing as a sensitive measure of an off-resonance perturbation</a:t>
-            </a:r>
-          </a:p>
-        </p:txBody>
-      </p:sp>
     </p:spTree>
     <p:extLst>
       <p:ext uri="{BB962C8B-B14F-4D97-AF65-F5344CB8AC3E}">
         <p14:creationId xmlns:p14="http://schemas.microsoft.com/office/powerpoint/2010/main" val="3389247951"/>
+      </p:ext>
+    </p:extLst>
+  </p:cSld>
+  <p:clrMapOvr>
+    <a:masterClrMapping/>
+  </p:clrMapOvr>
+</p:sld>
+</file>
+
+<file path=ppt/slides/slide10.xml><?xml version="1.0" encoding="utf-8"?>
+<p:sld xmlns:a="http://schemas.openxmlformats.org/drawingml/2006/main" xmlns:r="http://schemas.openxmlformats.org/officeDocument/2006/relationships" xmlns:p="http://schemas.openxmlformats.org/presentationml/2006/main">
+  <p:cSld>
+    <p:spTree>
+      <p:nvGrpSpPr>
+        <p:cNvPr id="1" name=""/>
+        <p:cNvGrpSpPr/>
+        <p:nvPr/>
+      </p:nvGrpSpPr>
+      <p:grpSpPr>
+        <a:xfrm>
+          <a:off x="0" y="0"/>
+          <a:ext cx="0" cy="0"/>
+          <a:chOff x="0" y="0"/>
+          <a:chExt cx="0" cy="0"/>
+        </a:xfrm>
+      </p:grpSpPr>
+      <p:sp>
+        <p:nvSpPr>
+          <p:cNvPr id="2" name="Title 1"/>
+          <p:cNvSpPr>
+            <a:spLocks noGrp="1"/>
+          </p:cNvSpPr>
+          <p:nvPr>
+            <p:ph type="title"/>
+          </p:nvPr>
+        </p:nvSpPr>
+        <p:spPr/>
+        <p:txBody>
+          <a:bodyPr/>
+          <a:lstStyle/>
+          <a:p>
+            <a:r>
+              <a:rPr lang="en-US" dirty="0"/>
+              <a:t>Predictions for on resonance, phase coherent E and amp sensing</a:t>
+            </a:r>
+          </a:p>
+        </p:txBody>
+      </p:sp>
+      <mc:AlternateContent xmlns:mc="http://schemas.openxmlformats.org/markup-compatibility/2006">
+        <mc:Choice xmlns:a14="http://schemas.microsoft.com/office/drawing/2010/main" Requires="a14">
+          <p:sp>
+            <p:nvSpPr>
+              <p:cNvPr id="3" name="Content Placeholder 2"/>
+              <p:cNvSpPr>
+                <a:spLocks noGrp="1"/>
+              </p:cNvSpPr>
+              <p:nvPr>
+                <p:ph idx="1"/>
+              </p:nvPr>
+            </p:nvSpPr>
+            <p:spPr/>
+            <p:txBody>
+              <a:bodyPr/>
+              <a:lstStyle/>
+              <a:p>
+                <a:r>
+                  <a:rPr lang="en-US" b="1" dirty="0"/>
+                  <a:t>74 pm </a:t>
+                </a:r>
+                <a:r>
+                  <a:rPr lang="en-US" dirty="0"/>
+                  <a:t>in a single measurement</a:t>
+                </a:r>
+              </a:p>
+              <a:p>
+                <a14:m>
+                  <m:oMath xmlns:m="http://schemas.openxmlformats.org/officeDocument/2006/math">
+                    <m:r>
+                      <a:rPr lang="en-US" b="1" i="0" smtClean="0">
+                        <a:latin typeface="Cambria Math" panose="02040503050406030204" pitchFamily="18" charset="0"/>
+                      </a:rPr>
+                      <m:t>𝟏𝟖</m:t>
+                    </m:r>
+                    <m:r>
+                      <a:rPr lang="en-US" b="1" i="0" smtClean="0">
+                        <a:latin typeface="Cambria Math" panose="02040503050406030204" pitchFamily="18" charset="0"/>
+                      </a:rPr>
+                      <m:t> </m:t>
+                    </m:r>
+                    <m:r>
+                      <a:rPr lang="en-US" b="1" i="0" smtClean="0">
+                        <a:latin typeface="Cambria Math" panose="02040503050406030204" pitchFamily="18" charset="0"/>
+                      </a:rPr>
+                      <m:t>𝐩𝐦</m:t>
+                    </m:r>
+                    <m:r>
+                      <a:rPr lang="en-US" b="1" i="1">
+                        <a:latin typeface="Cambria Math" panose="02040503050406030204" pitchFamily="18" charset="0"/>
+                      </a:rPr>
+                      <m:t>/</m:t>
+                    </m:r>
+                    <m:rad>
+                      <m:radPr>
+                        <m:degHide m:val="on"/>
+                        <m:ctrlPr>
+                          <a:rPr lang="en-US" b="1" i="1">
+                            <a:latin typeface="Cambria Math" panose="02040503050406030204" pitchFamily="18" charset="0"/>
+                          </a:rPr>
+                        </m:ctrlPr>
+                      </m:radPr>
+                      <m:deg/>
+                      <m:e>
+                        <m:r>
+                          <a:rPr lang="en-US" b="1" i="1">
+                            <a:latin typeface="Cambria Math" panose="02040503050406030204" pitchFamily="18" charset="0"/>
+                          </a:rPr>
+                          <m:t>𝑯𝒛</m:t>
+                        </m:r>
+                      </m:e>
+                    </m:rad>
+                  </m:oMath>
+                </a14:m>
+                <a:endParaRPr lang="en-US" dirty="0"/>
+              </a:p>
+              <a:p>
+                <a:r>
+                  <a:rPr lang="en-US" dirty="0"/>
+                  <a:t>20 pm in 5 ms</a:t>
+                </a:r>
+              </a:p>
+              <a:p>
+                <a:pPr lvl="1"/>
+                <a:r>
+                  <a:rPr lang="en-US" b="1" dirty="0"/>
+                  <a:t>7 </a:t>
+                </a:r>
+                <a:r>
+                  <a:rPr lang="en-US" b="1" dirty="0" err="1"/>
+                  <a:t>nV</a:t>
+                </a:r>
+                <a:r>
+                  <a:rPr lang="en-US" b="1" dirty="0"/>
+                  <a:t>/m</a:t>
+                </a:r>
+              </a:p>
+              <a:p>
+                <a:pPr lvl="1"/>
+                <a:r>
+                  <a:rPr lang="en-US" dirty="0"/>
+                  <a:t>10^-3 </a:t>
+                </a:r>
+                <a:r>
+                  <a:rPr lang="en-US" dirty="0" err="1"/>
+                  <a:t>yN</a:t>
+                </a:r>
+                <a:r>
+                  <a:rPr lang="en-US" dirty="0"/>
+                  <a:t> / ion</a:t>
+                </a:r>
+              </a:p>
+            </p:txBody>
+          </p:sp>
+        </mc:Choice>
+        <mc:Fallback>
+          <p:sp>
+            <p:nvSpPr>
+              <p:cNvPr id="3" name="Content Placeholder 2"/>
+              <p:cNvSpPr>
+                <a:spLocks noGrp="1" noRot="1" noChangeAspect="1" noMove="1" noResize="1" noEditPoints="1" noAdjustHandles="1" noChangeArrowheads="1" noChangeShapeType="1" noTextEdit="1"/>
+              </p:cNvSpPr>
+              <p:nvPr>
+                <p:ph idx="1"/>
+              </p:nvPr>
+            </p:nvSpPr>
+            <p:spPr>
+              <a:blipFill>
+                <a:blip r:embed="rId2"/>
+                <a:stretch>
+                  <a:fillRect l="-1043" t="-2241"/>
+                </a:stretch>
+              </a:blipFill>
+            </p:spPr>
+            <p:txBody>
+              <a:bodyPr/>
+              <a:lstStyle/>
+              <a:p>
+                <a:r>
+                  <a:rPr lang="en-US">
+                    <a:noFill/>
+                  </a:rPr>
+                  <a:t> </a:t>
+                </a:r>
+              </a:p>
+            </p:txBody>
+          </p:sp>
+        </mc:Fallback>
+      </mc:AlternateContent>
+    </p:spTree>
+    <p:extLst>
+      <p:ext uri="{BB962C8B-B14F-4D97-AF65-F5344CB8AC3E}">
+        <p14:creationId xmlns:p14="http://schemas.microsoft.com/office/powerpoint/2010/main" val="46156653"/>
       </p:ext>
     </p:extLst>
   </p:cSld>
@@ -8620,8 +8976,8 @@
           </a:p>
         </p:txBody>
       </p:sp>
-      <mc:AlternateContent xmlns:mc="http://schemas.openxmlformats.org/markup-compatibility/2006" xmlns:a14="http://schemas.microsoft.com/office/drawing/2010/main">
-        <mc:Choice Requires="a14">
+      <mc:AlternateContent xmlns:mc="http://schemas.openxmlformats.org/markup-compatibility/2006">
+        <mc:Choice xmlns:a14="http://schemas.microsoft.com/office/drawing/2010/main" Requires="a14">
           <p:sp>
             <p:nvSpPr>
               <p:cNvPr id="3" name="Content Placeholder 2"/>
@@ -9437,7 +9793,7 @@
                             <a:latin typeface="Cambria Math" panose="02040503050406030204" pitchFamily="18" charset="0"/>
                             <a:ea typeface="Cambria Math" panose="02040503050406030204" pitchFamily="18" charset="0"/>
                           </a:rPr>
-                          <m:t>𝑧</m:t>
+                          <m:t>𝑍</m:t>
                         </m:r>
                       </m:e>
                       <m:sub>
@@ -9446,7 +9802,7 @@
                             <a:latin typeface="Cambria Math" panose="02040503050406030204" pitchFamily="18" charset="0"/>
                             <a:ea typeface="Cambria Math" panose="02040503050406030204" pitchFamily="18" charset="0"/>
                           </a:rPr>
-                          <m:t>0</m:t>
+                          <m:t>𝑐</m:t>
                         </m:r>
                       </m:sub>
                     </m:sSub>
@@ -9549,11 +9905,11 @@
                       </m:sSubPr>
                       <m:e>
                         <m:r>
-                          <a:rPr lang="en-US" i="1">
+                          <a:rPr lang="en-US" b="0" i="1" smtClean="0">
                             <a:latin typeface="Cambria Math" panose="02040503050406030204" pitchFamily="18" charset="0"/>
                             <a:ea typeface="Cambria Math" panose="02040503050406030204" pitchFamily="18" charset="0"/>
                           </a:rPr>
-                          <m:t>𝑧</m:t>
+                          <m:t>𝑍</m:t>
                         </m:r>
                       </m:e>
                       <m:sub>
@@ -9562,7 +9918,7 @@
                             <a:latin typeface="Cambria Math" panose="02040503050406030204" pitchFamily="18" charset="0"/>
                             <a:ea typeface="Cambria Math" panose="02040503050406030204" pitchFamily="18" charset="0"/>
                           </a:rPr>
-                          <m:t>0</m:t>
+                          <m:t>𝑐</m:t>
                         </m:r>
                       </m:sub>
                     </m:sSub>
@@ -9651,316 +10007,391 @@
                   <a:buNone/>
                 </a:pPr>
                 <a14:m>
-                  <m:oMathPara xmlns:m="http://schemas.openxmlformats.org/officeDocument/2006/math">
-                    <m:oMathParaPr>
-                      <m:jc m:val="left"/>
-                    </m:oMathParaPr>
-                    <m:oMath xmlns:m="http://schemas.openxmlformats.org/officeDocument/2006/math">
-                      <m:sSub>
-                        <m:sSubPr>
-                          <m:ctrlPr>
-                            <a:rPr lang="en-US" i="1">
-                              <a:latin typeface="Cambria Math" panose="02040503050406030204" pitchFamily="18" charset="0"/>
-                              <a:ea typeface="Cambria Math" panose="02040503050406030204" pitchFamily="18" charset="0"/>
-                            </a:rPr>
-                          </m:ctrlPr>
-                        </m:sSubPr>
-                        <m:e>
-                          <m:r>
-                            <a:rPr lang="en-US" i="1">
-                              <a:latin typeface="Cambria Math" panose="02040503050406030204" pitchFamily="18" charset="0"/>
-                              <a:ea typeface="Cambria Math" panose="02040503050406030204" pitchFamily="18" charset="0"/>
-                            </a:rPr>
-                            <m:t>𝐻</m:t>
-                          </m:r>
-                        </m:e>
-                        <m:sub>
-                          <m:r>
-                            <a:rPr lang="en-US" i="1">
-                              <a:latin typeface="Cambria Math" panose="02040503050406030204" pitchFamily="18" charset="0"/>
-                              <a:ea typeface="Cambria Math" panose="02040503050406030204" pitchFamily="18" charset="0"/>
-                            </a:rPr>
-                            <m:t>𝑂𝐷𝐹</m:t>
-                          </m:r>
-                        </m:sub>
-                      </m:sSub>
-                      <m:r>
-                        <a:rPr lang="en-US" i="1" smtClean="0">
-                          <a:latin typeface="Cambria Math" panose="02040503050406030204" pitchFamily="18" charset="0"/>
-                          <a:ea typeface="Cambria Math" panose="02040503050406030204" pitchFamily="18" charset="0"/>
-                        </a:rPr>
-                        <m:t>≅</m:t>
-                      </m:r>
-                      <m:r>
-                        <a:rPr lang="en-US" i="1">
-                          <a:latin typeface="Cambria Math" panose="02040503050406030204" pitchFamily="18" charset="0"/>
-                          <a:ea typeface="Cambria Math" panose="02040503050406030204" pitchFamily="18" charset="0"/>
-                        </a:rPr>
-                        <m:t>𝐷𝑊𝐹</m:t>
-                      </m:r>
-                      <m:r>
-                        <a:rPr lang="en-US" i="1">
-                          <a:latin typeface="Cambria Math" panose="02040503050406030204" pitchFamily="18" charset="0"/>
-                          <a:ea typeface="Cambria Math" panose="02040503050406030204" pitchFamily="18" charset="0"/>
-                        </a:rPr>
-                        <m:t>∙</m:t>
-                      </m:r>
-                      <m:r>
-                        <a:rPr lang="en-US" i="1">
-                          <a:latin typeface="Cambria Math" panose="02040503050406030204" pitchFamily="18" charset="0"/>
-                          <a:ea typeface="Cambria Math" panose="02040503050406030204" pitchFamily="18" charset="0"/>
-                        </a:rPr>
-                        <m:t>𝑈</m:t>
-                      </m:r>
-                      <m:r>
-                        <a:rPr lang="en-US" i="1">
-                          <a:latin typeface="Cambria Math" panose="02040503050406030204" pitchFamily="18" charset="0"/>
-                          <a:ea typeface="Cambria Math" panose="02040503050406030204" pitchFamily="18" charset="0"/>
-                        </a:rPr>
-                        <m:t>∙</m:t>
-                      </m:r>
-                      <m:r>
-                        <a:rPr lang="en-US" i="1">
-                          <a:latin typeface="Cambria Math" panose="02040503050406030204" pitchFamily="18" charset="0"/>
-                          <a:ea typeface="Cambria Math" panose="02040503050406030204" pitchFamily="18" charset="0"/>
-                        </a:rPr>
-                        <m:t>𝛿</m:t>
-                      </m:r>
-                      <m:r>
-                        <a:rPr lang="en-US" i="1">
-                          <a:latin typeface="Cambria Math" panose="02040503050406030204" pitchFamily="18" charset="0"/>
-                          <a:ea typeface="Cambria Math" panose="02040503050406030204" pitchFamily="18" charset="0"/>
-                        </a:rPr>
-                        <m:t>𝑘</m:t>
-                      </m:r>
-                      <m:r>
-                        <a:rPr lang="en-US" i="1">
-                          <a:latin typeface="Cambria Math" panose="02040503050406030204" pitchFamily="18" charset="0"/>
-                          <a:ea typeface="Cambria Math" panose="02040503050406030204" pitchFamily="18" charset="0"/>
-                        </a:rPr>
-                        <m:t>∙</m:t>
-                      </m:r>
-                      <m:sSub>
-                        <m:sSubPr>
-                          <m:ctrlPr>
-                            <a:rPr lang="en-US" i="1">
-                              <a:latin typeface="Cambria Math" panose="02040503050406030204" pitchFamily="18" charset="0"/>
-                              <a:ea typeface="Cambria Math" panose="02040503050406030204" pitchFamily="18" charset="0"/>
-                            </a:rPr>
-                          </m:ctrlPr>
-                        </m:sSubPr>
-                        <m:e>
-                          <m:r>
-                            <a:rPr lang="en-US" i="1">
-                              <a:latin typeface="Cambria Math" panose="02040503050406030204" pitchFamily="18" charset="0"/>
-                              <a:ea typeface="Cambria Math" panose="02040503050406030204" pitchFamily="18" charset="0"/>
-                            </a:rPr>
-                            <m:t>𝑧</m:t>
-                          </m:r>
-                        </m:e>
-                        <m:sub>
-                          <m:r>
-                            <a:rPr lang="en-US" i="1">
-                              <a:latin typeface="Cambria Math" panose="02040503050406030204" pitchFamily="18" charset="0"/>
-                              <a:ea typeface="Cambria Math" panose="02040503050406030204" pitchFamily="18" charset="0"/>
-                            </a:rPr>
-                            <m:t>0</m:t>
-                          </m:r>
-                        </m:sub>
-                      </m:sSub>
-                      <m:func>
-                        <m:funcPr>
-                          <m:ctrlPr>
-                            <a:rPr lang="en-US" i="1" smtClean="0">
-                              <a:latin typeface="Cambria Math" panose="02040503050406030204" pitchFamily="18" charset="0"/>
-                              <a:ea typeface="Cambria Math" panose="02040503050406030204" pitchFamily="18" charset="0"/>
-                            </a:rPr>
-                          </m:ctrlPr>
-                        </m:funcPr>
-                        <m:fName>
-                          <m:r>
-                            <m:rPr>
-                              <m:sty m:val="p"/>
-                            </m:rPr>
-                            <a:rPr lang="en-US" i="0" smtClean="0">
-                              <a:latin typeface="Cambria Math" panose="02040503050406030204" pitchFamily="18" charset="0"/>
-                              <a:ea typeface="Cambria Math" panose="02040503050406030204" pitchFamily="18" charset="0"/>
-                            </a:rPr>
-                            <m:t>cos</m:t>
-                          </m:r>
-                        </m:fName>
-                        <m:e>
-                          <m:d>
-                            <m:dPr>
-                              <m:begChr m:val="["/>
-                              <m:endChr m:val="]"/>
-                              <m:ctrlPr>
-                                <a:rPr lang="en-US" i="1" smtClean="0">
-                                  <a:latin typeface="Cambria Math" panose="02040503050406030204" pitchFamily="18" charset="0"/>
-                                  <a:ea typeface="Cambria Math" panose="02040503050406030204" pitchFamily="18" charset="0"/>
-                                </a:rPr>
-                              </m:ctrlPr>
-                            </m:dPr>
-                            <m:e>
-                              <m:d>
-                                <m:dPr>
-                                  <m:ctrlPr>
-                                    <a:rPr lang="en-US" i="1" smtClean="0">
-                                      <a:latin typeface="Cambria Math" panose="02040503050406030204" pitchFamily="18" charset="0"/>
-                                      <a:ea typeface="Cambria Math" panose="02040503050406030204" pitchFamily="18" charset="0"/>
-                                    </a:rPr>
-                                  </m:ctrlPr>
-                                </m:dPr>
-                                <m:e>
-                                  <m:r>
-                                    <a:rPr lang="en-US" i="1" smtClean="0">
-                                      <a:latin typeface="Cambria Math" panose="02040503050406030204" pitchFamily="18" charset="0"/>
-                                      <a:ea typeface="Cambria Math" panose="02040503050406030204" pitchFamily="18" charset="0"/>
-                                    </a:rPr>
-                                    <m:t>𝜔</m:t>
-                                  </m:r>
-                                  <m:r>
-                                    <a:rPr lang="en-US" b="0" i="1" smtClean="0">
-                                      <a:latin typeface="Cambria Math" panose="02040503050406030204" pitchFamily="18" charset="0"/>
-                                      <a:ea typeface="Cambria Math" panose="02040503050406030204" pitchFamily="18" charset="0"/>
-                                    </a:rPr>
-                                    <m:t>−</m:t>
-                                  </m:r>
-                                  <m:r>
-                                    <a:rPr lang="en-US" b="0" i="1" smtClean="0">
-                                      <a:latin typeface="Cambria Math" panose="02040503050406030204" pitchFamily="18" charset="0"/>
-                                      <a:ea typeface="Cambria Math" panose="02040503050406030204" pitchFamily="18" charset="0"/>
-                                    </a:rPr>
-                                    <m:t>𝜇</m:t>
-                                  </m:r>
-                                </m:e>
-                              </m:d>
-                              <m:r>
-                                <a:rPr lang="en-US" b="0" i="1" smtClean="0">
-                                  <a:latin typeface="Cambria Math" panose="02040503050406030204" pitchFamily="18" charset="0"/>
-                                  <a:ea typeface="Cambria Math" panose="02040503050406030204" pitchFamily="18" charset="0"/>
-                                </a:rPr>
-                                <m:t>𝑡</m:t>
-                              </m:r>
-                              <m:r>
-                                <a:rPr lang="en-US" b="0" i="1" smtClean="0">
-                                  <a:latin typeface="Cambria Math" panose="02040503050406030204" pitchFamily="18" charset="0"/>
-                                  <a:ea typeface="Cambria Math" panose="02040503050406030204" pitchFamily="18" charset="0"/>
-                                </a:rPr>
-                                <m:t>+</m:t>
-                              </m:r>
-                              <m:r>
-                                <a:rPr lang="en-US" b="0" i="1" smtClean="0">
-                                  <a:latin typeface="Cambria Math" panose="02040503050406030204" pitchFamily="18" charset="0"/>
-                                  <a:ea typeface="Cambria Math" panose="02040503050406030204" pitchFamily="18" charset="0"/>
-                                </a:rPr>
-                                <m:t>𝛿</m:t>
-                              </m:r>
-                              <m:r>
-                                <a:rPr lang="en-US" b="0" i="1" smtClean="0">
-                                  <a:latin typeface="Cambria Math" panose="02040503050406030204" pitchFamily="18" charset="0"/>
-                                  <a:ea typeface="Cambria Math" panose="02040503050406030204" pitchFamily="18" charset="0"/>
-                                </a:rPr>
-                                <m:t>−</m:t>
-                              </m:r>
-                              <m:r>
-                                <a:rPr lang="en-US" b="0" i="1" smtClean="0">
-                                  <a:latin typeface="Cambria Math" panose="02040503050406030204" pitchFamily="18" charset="0"/>
-                                  <a:ea typeface="Cambria Math" panose="02040503050406030204" pitchFamily="18" charset="0"/>
-                                </a:rPr>
-                                <m:t>𝜙</m:t>
-                              </m:r>
-                            </m:e>
-                          </m:d>
-                        </m:e>
-                      </m:func>
-                      <m:nary>
-                        <m:naryPr>
-                          <m:chr m:val="∑"/>
-                          <m:supHide m:val="on"/>
-                          <m:ctrlPr>
-                            <a:rPr lang="en-US" i="1" smtClean="0">
-                              <a:latin typeface="Cambria Math" panose="02040503050406030204" pitchFamily="18" charset="0"/>
-                              <a:ea typeface="Cambria Math" panose="02040503050406030204" pitchFamily="18" charset="0"/>
-                            </a:rPr>
-                          </m:ctrlPr>
-                        </m:naryPr>
-                        <m:sub>
-                          <m:r>
-                            <m:rPr>
-                              <m:brk m:alnAt="7"/>
-                            </m:rPr>
-                            <a:rPr lang="en-US" b="0" i="1" smtClean="0">
-                              <a:latin typeface="Cambria Math" panose="02040503050406030204" pitchFamily="18" charset="0"/>
-                              <a:ea typeface="Cambria Math" panose="02040503050406030204" pitchFamily="18" charset="0"/>
-                            </a:rPr>
-                            <m:t>𝑖</m:t>
-                          </m:r>
-                        </m:sub>
-                        <m:sup/>
-                        <m:e>
-                          <m:f>
-                            <m:fPr>
-                              <m:ctrlPr>
-                                <a:rPr lang="en-US" i="1" smtClean="0">
-                                  <a:latin typeface="Cambria Math" panose="02040503050406030204" pitchFamily="18" charset="0"/>
-                                  <a:ea typeface="Cambria Math" panose="02040503050406030204" pitchFamily="18" charset="0"/>
-                                </a:rPr>
-                              </m:ctrlPr>
-                            </m:fPr>
-                            <m:num>
-                              <m:sSubSup>
-                                <m:sSubSupPr>
-                                  <m:ctrlPr>
-                                    <a:rPr lang="en-US" i="1">
-                                      <a:latin typeface="Cambria Math" panose="02040503050406030204" pitchFamily="18" charset="0"/>
-                                      <a:ea typeface="Cambria Math" panose="02040503050406030204" pitchFamily="18" charset="0"/>
-                                    </a:rPr>
-                                  </m:ctrlPr>
-                                </m:sSubSupPr>
-                                <m:e>
-                                  <m:r>
-                                    <a:rPr lang="en-US" i="1">
-                                      <a:latin typeface="Cambria Math" panose="02040503050406030204" pitchFamily="18" charset="0"/>
-                                      <a:ea typeface="Cambria Math" panose="02040503050406030204" pitchFamily="18" charset="0"/>
-                                    </a:rPr>
-                                    <m:t>𝜎</m:t>
-                                  </m:r>
-                                </m:e>
-                                <m:sub>
-                                  <m:r>
-                                    <a:rPr lang="en-US" i="1">
-                                      <a:latin typeface="Cambria Math" panose="02040503050406030204" pitchFamily="18" charset="0"/>
-                                      <a:ea typeface="Cambria Math" panose="02040503050406030204" pitchFamily="18" charset="0"/>
-                                    </a:rPr>
-                                    <m:t>𝑖</m:t>
-                                  </m:r>
-                                </m:sub>
-                                <m:sup>
-                                  <m:r>
-                                    <a:rPr lang="en-US" i="1">
-                                      <a:latin typeface="Cambria Math" panose="02040503050406030204" pitchFamily="18" charset="0"/>
-                                      <a:ea typeface="Cambria Math" panose="02040503050406030204" pitchFamily="18" charset="0"/>
-                                    </a:rPr>
-                                    <m:t>𝑧</m:t>
-                                  </m:r>
-                                </m:sup>
-                              </m:sSubSup>
-                            </m:num>
-                            <m:den>
-                              <m:r>
-                                <a:rPr lang="en-US" b="0" i="1" smtClean="0">
-                                  <a:latin typeface="Cambria Math" panose="02040503050406030204" pitchFamily="18" charset="0"/>
-                                  <a:ea typeface="Cambria Math" panose="02040503050406030204" pitchFamily="18" charset="0"/>
-                                </a:rPr>
-                                <m:t>2</m:t>
-                              </m:r>
-                            </m:den>
-                          </m:f>
-                        </m:e>
-                      </m:nary>
-                    </m:oMath>
-                  </m:oMathPara>
+                  <m:oMath xmlns:m="http://schemas.openxmlformats.org/officeDocument/2006/math">
+                    <m:sSub>
+                      <m:sSubPr>
+                        <m:ctrlPr>
+                          <a:rPr lang="en-US" i="1">
+                            <a:latin typeface="Cambria Math" panose="02040503050406030204" pitchFamily="18" charset="0"/>
+                            <a:ea typeface="Cambria Math" panose="02040503050406030204" pitchFamily="18" charset="0"/>
+                          </a:rPr>
+                        </m:ctrlPr>
+                      </m:sSubPr>
+                      <m:e>
+                        <m:r>
+                          <a:rPr lang="en-US" i="1">
+                            <a:latin typeface="Cambria Math" panose="02040503050406030204" pitchFamily="18" charset="0"/>
+                            <a:ea typeface="Cambria Math" panose="02040503050406030204" pitchFamily="18" charset="0"/>
+                          </a:rPr>
+                          <m:t>𝐻</m:t>
+                        </m:r>
+                      </m:e>
+                      <m:sub>
+                        <m:r>
+                          <a:rPr lang="en-US" i="1">
+                            <a:latin typeface="Cambria Math" panose="02040503050406030204" pitchFamily="18" charset="0"/>
+                            <a:ea typeface="Cambria Math" panose="02040503050406030204" pitchFamily="18" charset="0"/>
+                          </a:rPr>
+                          <m:t>𝑂𝐷𝐹</m:t>
+                        </m:r>
+                      </m:sub>
+                    </m:sSub>
+                    <m:r>
+                      <a:rPr lang="en-US" i="1" smtClean="0">
+                        <a:latin typeface="Cambria Math" panose="02040503050406030204" pitchFamily="18" charset="0"/>
+                        <a:ea typeface="Cambria Math" panose="02040503050406030204" pitchFamily="18" charset="0"/>
+                      </a:rPr>
+                      <m:t>≅</m:t>
+                    </m:r>
+                    <m:sSub>
+                      <m:sSubPr>
+                        <m:ctrlPr>
+                          <a:rPr lang="en-US" i="1">
+                            <a:latin typeface="Cambria Math" panose="02040503050406030204" pitchFamily="18" charset="0"/>
+                            <a:ea typeface="Cambria Math" panose="02040503050406030204" pitchFamily="18" charset="0"/>
+                          </a:rPr>
+                        </m:ctrlPr>
+                      </m:sSubPr>
+                      <m:e>
+                        <m:r>
+                          <a:rPr lang="en-US" i="1">
+                            <a:latin typeface="Cambria Math" panose="02040503050406030204" pitchFamily="18" charset="0"/>
+                            <a:ea typeface="Cambria Math" panose="02040503050406030204" pitchFamily="18" charset="0"/>
+                          </a:rPr>
+                          <m:t>𝐹</m:t>
+                        </m:r>
+                      </m:e>
+                      <m:sub>
+                        <m:r>
+                          <a:rPr lang="en-US" i="1">
+                            <a:latin typeface="Cambria Math" panose="02040503050406030204" pitchFamily="18" charset="0"/>
+                            <a:ea typeface="Cambria Math" panose="02040503050406030204" pitchFamily="18" charset="0"/>
+                          </a:rPr>
+                          <m:t>0</m:t>
+                        </m:r>
+                      </m:sub>
+                    </m:sSub>
+                    <m:r>
+                      <a:rPr lang="en-US" i="1">
+                        <a:latin typeface="Cambria Math" panose="02040503050406030204" pitchFamily="18" charset="0"/>
+                        <a:ea typeface="Cambria Math" panose="02040503050406030204" pitchFamily="18" charset="0"/>
+                      </a:rPr>
+                      <m:t>∙</m:t>
+                    </m:r>
+                    <m:sSub>
+                      <m:sSubPr>
+                        <m:ctrlPr>
+                          <a:rPr lang="en-US" i="1">
+                            <a:latin typeface="Cambria Math" panose="02040503050406030204" pitchFamily="18" charset="0"/>
+                            <a:ea typeface="Cambria Math" panose="02040503050406030204" pitchFamily="18" charset="0"/>
+                          </a:rPr>
+                        </m:ctrlPr>
+                      </m:sSubPr>
+                      <m:e>
+                        <m:r>
+                          <a:rPr lang="en-US" i="1">
+                            <a:latin typeface="Cambria Math" panose="02040503050406030204" pitchFamily="18" charset="0"/>
+                            <a:ea typeface="Cambria Math" panose="02040503050406030204" pitchFamily="18" charset="0"/>
+                          </a:rPr>
+                          <m:t>𝑍</m:t>
+                        </m:r>
+                      </m:e>
+                      <m:sub>
+                        <m:r>
+                          <a:rPr lang="en-US" i="1">
+                            <a:latin typeface="Cambria Math" panose="02040503050406030204" pitchFamily="18" charset="0"/>
+                            <a:ea typeface="Cambria Math" panose="02040503050406030204" pitchFamily="18" charset="0"/>
+                          </a:rPr>
+                          <m:t>𝑐</m:t>
+                        </m:r>
+                      </m:sub>
+                    </m:sSub>
+                    <m:func>
+                      <m:funcPr>
+                        <m:ctrlPr>
+                          <a:rPr lang="en-US" i="1" smtClean="0">
+                            <a:latin typeface="Cambria Math" panose="02040503050406030204" pitchFamily="18" charset="0"/>
+                            <a:ea typeface="Cambria Math" panose="02040503050406030204" pitchFamily="18" charset="0"/>
+                          </a:rPr>
+                        </m:ctrlPr>
+                      </m:funcPr>
+                      <m:fName>
+                        <m:r>
+                          <m:rPr>
+                            <m:sty m:val="p"/>
+                          </m:rPr>
+                          <a:rPr lang="en-US" i="0" smtClean="0">
+                            <a:latin typeface="Cambria Math" panose="02040503050406030204" pitchFamily="18" charset="0"/>
+                            <a:ea typeface="Cambria Math" panose="02040503050406030204" pitchFamily="18" charset="0"/>
+                          </a:rPr>
+                          <m:t>cos</m:t>
+                        </m:r>
+                      </m:fName>
+                      <m:e>
+                        <m:d>
+                          <m:dPr>
+                            <m:begChr m:val="["/>
+                            <m:endChr m:val="]"/>
+                            <m:ctrlPr>
+                              <a:rPr lang="en-US" i="1" smtClean="0">
+                                <a:latin typeface="Cambria Math" panose="02040503050406030204" pitchFamily="18" charset="0"/>
+                                <a:ea typeface="Cambria Math" panose="02040503050406030204" pitchFamily="18" charset="0"/>
+                              </a:rPr>
+                            </m:ctrlPr>
+                          </m:dPr>
+                          <m:e>
+                            <m:d>
+                              <m:dPr>
+                                <m:ctrlPr>
+                                  <a:rPr lang="en-US" i="1" smtClean="0">
+                                    <a:latin typeface="Cambria Math" panose="02040503050406030204" pitchFamily="18" charset="0"/>
+                                    <a:ea typeface="Cambria Math" panose="02040503050406030204" pitchFamily="18" charset="0"/>
+                                  </a:rPr>
+                                </m:ctrlPr>
+                              </m:dPr>
+                              <m:e>
+                                <m:r>
+                                  <a:rPr lang="en-US" i="1" smtClean="0">
+                                    <a:latin typeface="Cambria Math" panose="02040503050406030204" pitchFamily="18" charset="0"/>
+                                    <a:ea typeface="Cambria Math" panose="02040503050406030204" pitchFamily="18" charset="0"/>
+                                  </a:rPr>
+                                  <m:t>𝜔</m:t>
+                                </m:r>
+                                <m:r>
+                                  <a:rPr lang="en-US" b="0" i="1" smtClean="0">
+                                    <a:latin typeface="Cambria Math" panose="02040503050406030204" pitchFamily="18" charset="0"/>
+                                    <a:ea typeface="Cambria Math" panose="02040503050406030204" pitchFamily="18" charset="0"/>
+                                  </a:rPr>
+                                  <m:t>−</m:t>
+                                </m:r>
+                                <m:r>
+                                  <a:rPr lang="en-US" b="0" i="1" smtClean="0">
+                                    <a:latin typeface="Cambria Math" panose="02040503050406030204" pitchFamily="18" charset="0"/>
+                                    <a:ea typeface="Cambria Math" panose="02040503050406030204" pitchFamily="18" charset="0"/>
+                                  </a:rPr>
+                                  <m:t>𝜇</m:t>
+                                </m:r>
+                              </m:e>
+                            </m:d>
+                            <m:r>
+                              <a:rPr lang="en-US" b="0" i="1" smtClean="0">
+                                <a:latin typeface="Cambria Math" panose="02040503050406030204" pitchFamily="18" charset="0"/>
+                                <a:ea typeface="Cambria Math" panose="02040503050406030204" pitchFamily="18" charset="0"/>
+                              </a:rPr>
+                              <m:t>𝑡</m:t>
+                            </m:r>
+                            <m:r>
+                              <a:rPr lang="en-US" b="0" i="1" smtClean="0">
+                                <a:latin typeface="Cambria Math" panose="02040503050406030204" pitchFamily="18" charset="0"/>
+                                <a:ea typeface="Cambria Math" panose="02040503050406030204" pitchFamily="18" charset="0"/>
+                              </a:rPr>
+                              <m:t>+</m:t>
+                            </m:r>
+                            <m:r>
+                              <a:rPr lang="en-US" b="0" i="1" smtClean="0">
+                                <a:latin typeface="Cambria Math" panose="02040503050406030204" pitchFamily="18" charset="0"/>
+                                <a:ea typeface="Cambria Math" panose="02040503050406030204" pitchFamily="18" charset="0"/>
+                              </a:rPr>
+                              <m:t>𝛿</m:t>
+                            </m:r>
+                            <m:r>
+                              <a:rPr lang="en-US" b="0" i="1" smtClean="0">
+                                <a:latin typeface="Cambria Math" panose="02040503050406030204" pitchFamily="18" charset="0"/>
+                                <a:ea typeface="Cambria Math" panose="02040503050406030204" pitchFamily="18" charset="0"/>
+                              </a:rPr>
+                              <m:t>−</m:t>
+                            </m:r>
+                            <m:r>
+                              <a:rPr lang="en-US" b="0" i="1" smtClean="0">
+                                <a:latin typeface="Cambria Math" panose="02040503050406030204" pitchFamily="18" charset="0"/>
+                                <a:ea typeface="Cambria Math" panose="02040503050406030204" pitchFamily="18" charset="0"/>
+                              </a:rPr>
+                              <m:t>𝜙</m:t>
+                            </m:r>
+                          </m:e>
+                        </m:d>
+                      </m:e>
+                    </m:func>
+                    <m:nary>
+                      <m:naryPr>
+                        <m:chr m:val="∑"/>
+                        <m:supHide m:val="on"/>
+                        <m:ctrlPr>
+                          <a:rPr lang="en-US" i="1" smtClean="0">
+                            <a:latin typeface="Cambria Math" panose="02040503050406030204" pitchFamily="18" charset="0"/>
+                            <a:ea typeface="Cambria Math" panose="02040503050406030204" pitchFamily="18" charset="0"/>
+                          </a:rPr>
+                        </m:ctrlPr>
+                      </m:naryPr>
+                      <m:sub>
+                        <m:r>
+                          <m:rPr>
+                            <m:brk m:alnAt="7"/>
+                          </m:rPr>
+                          <a:rPr lang="en-US" b="0" i="1" smtClean="0">
+                            <a:latin typeface="Cambria Math" panose="02040503050406030204" pitchFamily="18" charset="0"/>
+                            <a:ea typeface="Cambria Math" panose="02040503050406030204" pitchFamily="18" charset="0"/>
+                          </a:rPr>
+                          <m:t>𝑖</m:t>
+                        </m:r>
+                      </m:sub>
+                      <m:sup/>
+                      <m:e>
+                        <m:f>
+                          <m:fPr>
+                            <m:ctrlPr>
+                              <a:rPr lang="en-US" i="1" smtClean="0">
+                                <a:latin typeface="Cambria Math" panose="02040503050406030204" pitchFamily="18" charset="0"/>
+                                <a:ea typeface="Cambria Math" panose="02040503050406030204" pitchFamily="18" charset="0"/>
+                              </a:rPr>
+                            </m:ctrlPr>
+                          </m:fPr>
+                          <m:num>
+                            <m:sSubSup>
+                              <m:sSubSupPr>
+                                <m:ctrlPr>
+                                  <a:rPr lang="en-US" i="1">
+                                    <a:latin typeface="Cambria Math" panose="02040503050406030204" pitchFamily="18" charset="0"/>
+                                    <a:ea typeface="Cambria Math" panose="02040503050406030204" pitchFamily="18" charset="0"/>
+                                  </a:rPr>
+                                </m:ctrlPr>
+                              </m:sSubSupPr>
+                              <m:e>
+                                <m:r>
+                                  <a:rPr lang="en-US" i="1">
+                                    <a:latin typeface="Cambria Math" panose="02040503050406030204" pitchFamily="18" charset="0"/>
+                                    <a:ea typeface="Cambria Math" panose="02040503050406030204" pitchFamily="18" charset="0"/>
+                                  </a:rPr>
+                                  <m:t>𝜎</m:t>
+                                </m:r>
+                              </m:e>
+                              <m:sub>
+                                <m:r>
+                                  <a:rPr lang="en-US" i="1">
+                                    <a:latin typeface="Cambria Math" panose="02040503050406030204" pitchFamily="18" charset="0"/>
+                                    <a:ea typeface="Cambria Math" panose="02040503050406030204" pitchFamily="18" charset="0"/>
+                                  </a:rPr>
+                                  <m:t>𝑖</m:t>
+                                </m:r>
+                              </m:sub>
+                              <m:sup>
+                                <m:r>
+                                  <a:rPr lang="en-US" i="1">
+                                    <a:latin typeface="Cambria Math" panose="02040503050406030204" pitchFamily="18" charset="0"/>
+                                    <a:ea typeface="Cambria Math" panose="02040503050406030204" pitchFamily="18" charset="0"/>
+                                  </a:rPr>
+                                  <m:t>𝑧</m:t>
+                                </m:r>
+                              </m:sup>
+                            </m:sSubSup>
+                          </m:num>
+                          <m:den>
+                            <m:r>
+                              <a:rPr lang="en-US" b="0" i="1" smtClean="0">
+                                <a:latin typeface="Cambria Math" panose="02040503050406030204" pitchFamily="18" charset="0"/>
+                                <a:ea typeface="Cambria Math" panose="02040503050406030204" pitchFamily="18" charset="0"/>
+                              </a:rPr>
+                              <m:t>2</m:t>
+                            </m:r>
+                          </m:den>
+                        </m:f>
+                      </m:e>
+                    </m:nary>
+                  </m:oMath>
+                </a14:m>
+                <a:r>
+                  <a:rPr lang="en-US" dirty="0">
+                    <a:ea typeface="Cambria Math" panose="02040503050406030204" pitchFamily="18" charset="0"/>
+                  </a:rPr>
+                  <a:t>, 	where	</a:t>
+                </a:r>
+                <a14:m>
+                  <m:oMath xmlns:m="http://schemas.openxmlformats.org/officeDocument/2006/math">
+                    <m:r>
+                      <a:rPr lang="en-US" b="0" i="0" smtClean="0">
+                        <a:latin typeface="Cambria Math" panose="02040503050406030204" pitchFamily="18" charset="0"/>
+                        <a:ea typeface="Cambria Math" panose="02040503050406030204" pitchFamily="18" charset="0"/>
+                      </a:rPr>
+                      <m:t> </m:t>
+                    </m:r>
+                    <m:sSub>
+                      <m:sSubPr>
+                        <m:ctrlPr>
+                          <a:rPr lang="en-US" i="1">
+                            <a:latin typeface="Cambria Math" panose="02040503050406030204" pitchFamily="18" charset="0"/>
+                            <a:ea typeface="Cambria Math" panose="02040503050406030204" pitchFamily="18" charset="0"/>
+                          </a:rPr>
+                        </m:ctrlPr>
+                      </m:sSubPr>
+                      <m:e>
+                        <m:r>
+                          <a:rPr lang="en-US" i="1">
+                            <a:latin typeface="Cambria Math" panose="02040503050406030204" pitchFamily="18" charset="0"/>
+                            <a:ea typeface="Cambria Math" panose="02040503050406030204" pitchFamily="18" charset="0"/>
+                          </a:rPr>
+                          <m:t>𝐹</m:t>
+                        </m:r>
+                      </m:e>
+                      <m:sub>
+                        <m:r>
+                          <a:rPr lang="en-US" i="1">
+                            <a:latin typeface="Cambria Math" panose="02040503050406030204" pitchFamily="18" charset="0"/>
+                            <a:ea typeface="Cambria Math" panose="02040503050406030204" pitchFamily="18" charset="0"/>
+                          </a:rPr>
+                          <m:t>0</m:t>
+                        </m:r>
+                      </m:sub>
+                    </m:sSub>
+                    <m:r>
+                      <a:rPr lang="en-US" b="0" i="1" smtClean="0">
+                        <a:latin typeface="Cambria Math" panose="02040503050406030204" pitchFamily="18" charset="0"/>
+                        <a:ea typeface="Cambria Math" panose="02040503050406030204" pitchFamily="18" charset="0"/>
+                      </a:rPr>
+                      <m:t>=</m:t>
+                    </m:r>
+                    <m:r>
+                      <a:rPr lang="en-US" b="0" i="1" smtClean="0">
+                        <a:latin typeface="Cambria Math" panose="02040503050406030204" pitchFamily="18" charset="0"/>
+                        <a:ea typeface="Cambria Math" panose="02040503050406030204" pitchFamily="18" charset="0"/>
+                      </a:rPr>
+                      <m:t>𝐷𝑊𝐹</m:t>
+                    </m:r>
+                    <m:r>
+                      <a:rPr lang="en-US" i="1">
+                        <a:latin typeface="Cambria Math" panose="02040503050406030204" pitchFamily="18" charset="0"/>
+                        <a:ea typeface="Cambria Math" panose="02040503050406030204" pitchFamily="18" charset="0"/>
+                      </a:rPr>
+                      <m:t>∙</m:t>
+                    </m:r>
+                    <m:r>
+                      <a:rPr lang="en-US" b="0" i="1" smtClean="0">
+                        <a:latin typeface="Cambria Math" panose="02040503050406030204" pitchFamily="18" charset="0"/>
+                        <a:ea typeface="Cambria Math" panose="02040503050406030204" pitchFamily="18" charset="0"/>
+                      </a:rPr>
+                      <m:t>𝑈</m:t>
+                    </m:r>
+                    <m:r>
+                      <a:rPr lang="en-US" i="1">
+                        <a:latin typeface="Cambria Math" panose="02040503050406030204" pitchFamily="18" charset="0"/>
+                        <a:ea typeface="Cambria Math" panose="02040503050406030204" pitchFamily="18" charset="0"/>
+                      </a:rPr>
+                      <m:t>∙</m:t>
+                    </m:r>
+                    <m:r>
+                      <a:rPr lang="en-US" b="0" i="1" smtClean="0">
+                        <a:latin typeface="Cambria Math" panose="02040503050406030204" pitchFamily="18" charset="0"/>
+                        <a:ea typeface="Cambria Math" panose="02040503050406030204" pitchFamily="18" charset="0"/>
+                      </a:rPr>
+                      <m:t>𝛿</m:t>
+                    </m:r>
+                    <m:r>
+                      <a:rPr lang="en-US" b="0" i="1" smtClean="0">
+                        <a:latin typeface="Cambria Math" panose="02040503050406030204" pitchFamily="18" charset="0"/>
+                        <a:ea typeface="Cambria Math" panose="02040503050406030204" pitchFamily="18" charset="0"/>
+                      </a:rPr>
+                      <m:t>𝑘</m:t>
+                    </m:r>
+                  </m:oMath>
                 </a14:m>
                 <a:endParaRPr lang="en-US" dirty="0">
                   <a:ea typeface="Cambria Math" panose="02040503050406030204" pitchFamily="18" charset="0"/>
@@ -10076,48 +10507,34 @@
                       </a:rPr>
                       <m:t>=</m:t>
                     </m:r>
-                    <m:r>
-                      <a:rPr lang="en-US" i="1">
-                        <a:latin typeface="Cambria Math" panose="02040503050406030204" pitchFamily="18" charset="0"/>
-                        <a:ea typeface="Cambria Math" panose="02040503050406030204" pitchFamily="18" charset="0"/>
-                      </a:rPr>
-                      <m:t>𝐷𝑊𝐹</m:t>
-                    </m:r>
-                    <m:r>
-                      <a:rPr lang="en-US" i="1">
-                        <a:latin typeface="Cambria Math" panose="02040503050406030204" pitchFamily="18" charset="0"/>
-                        <a:ea typeface="Cambria Math" panose="02040503050406030204" pitchFamily="18" charset="0"/>
-                      </a:rPr>
-                      <m:t>∙</m:t>
-                    </m:r>
-                    <m:r>
-                      <a:rPr lang="en-US" i="1">
-                        <a:latin typeface="Cambria Math" panose="02040503050406030204" pitchFamily="18" charset="0"/>
-                        <a:ea typeface="Cambria Math" panose="02040503050406030204" pitchFamily="18" charset="0"/>
-                      </a:rPr>
-                      <m:t>𝑈</m:t>
-                    </m:r>
-                    <m:r>
-                      <a:rPr lang="en-US" i="1">
-                        <a:latin typeface="Cambria Math" panose="02040503050406030204" pitchFamily="18" charset="0"/>
-                        <a:ea typeface="Cambria Math" panose="02040503050406030204" pitchFamily="18" charset="0"/>
-                      </a:rPr>
-                      <m:t>∙</m:t>
-                    </m:r>
-                    <m:r>
-                      <a:rPr lang="en-US" i="1">
-                        <a:latin typeface="Cambria Math" panose="02040503050406030204" pitchFamily="18" charset="0"/>
-                        <a:ea typeface="Cambria Math" panose="02040503050406030204" pitchFamily="18" charset="0"/>
-                      </a:rPr>
-                      <m:t>𝛿</m:t>
-                    </m:r>
-                    <m:r>
-                      <a:rPr lang="en-US" i="1">
-                        <a:latin typeface="Cambria Math" panose="02040503050406030204" pitchFamily="18" charset="0"/>
-                        <a:ea typeface="Cambria Math" panose="02040503050406030204" pitchFamily="18" charset="0"/>
-                      </a:rPr>
-                      <m:t>𝑘</m:t>
-                    </m:r>
+                    <m:sSub>
+                      <m:sSubPr>
+                        <m:ctrlPr>
+                          <a:rPr lang="en-US" i="1">
+                            <a:latin typeface="Cambria Math" panose="02040503050406030204" pitchFamily="18" charset="0"/>
+                            <a:ea typeface="Cambria Math" panose="02040503050406030204" pitchFamily="18" charset="0"/>
+                          </a:rPr>
+                        </m:ctrlPr>
+                      </m:sSubPr>
+                      <m:e>
+                        <m:r>
+                          <a:rPr lang="en-US" i="1">
+                            <a:latin typeface="Cambria Math" panose="02040503050406030204" pitchFamily="18" charset="0"/>
+                            <a:ea typeface="Cambria Math" panose="02040503050406030204" pitchFamily="18" charset="0"/>
+                          </a:rPr>
+                          <m:t>𝐹</m:t>
+                        </m:r>
+                      </m:e>
+                      <m:sub>
+                        <m:r>
+                          <a:rPr lang="en-US" i="1">
+                            <a:latin typeface="Cambria Math" panose="02040503050406030204" pitchFamily="18" charset="0"/>
+                            <a:ea typeface="Cambria Math" panose="02040503050406030204" pitchFamily="18" charset="0"/>
+                          </a:rPr>
+                          <m:t>0</m:t>
+                        </m:r>
+                      </m:sub>
+                    </m:sSub>
                     <m:r>
                       <a:rPr lang="en-US" i="1">
                         <a:latin typeface="Cambria Math" panose="02040503050406030204" pitchFamily="18" charset="0"/>
@@ -10140,7 +10557,7 @@
                             <a:latin typeface="Cambria Math" panose="02040503050406030204" pitchFamily="18" charset="0"/>
                             <a:ea typeface="Cambria Math" panose="02040503050406030204" pitchFamily="18" charset="0"/>
                           </a:rPr>
-                          <m:t>𝑧</m:t>
+                          <m:t>𝑍</m:t>
                         </m:r>
                       </m:e>
                       <m:sub>
@@ -10149,7 +10566,7 @@
                             <a:latin typeface="Cambria Math" panose="02040503050406030204" pitchFamily="18" charset="0"/>
                             <a:ea typeface="Cambria Math" panose="02040503050406030204" pitchFamily="18" charset="0"/>
                           </a:rPr>
-                          <m:t>0</m:t>
+                          <m:t>𝑐</m:t>
                         </m:r>
                       </m:sub>
                     </m:sSub>
@@ -10196,41 +10613,41 @@
                         </m:r>
                       </m:fName>
                       <m:e>
-                        <m:d>
-                          <m:dPr>
-                            <m:begChr m:val="["/>
-                            <m:endChr m:val="]"/>
-                            <m:ctrlPr>
-                              <a:rPr lang="en-US" i="1" smtClean="0">
-                                <a:latin typeface="Cambria Math" panose="02040503050406030204" pitchFamily="18" charset="0"/>
-                                <a:ea typeface="Cambria Math" panose="02040503050406030204" pitchFamily="18" charset="0"/>
-                              </a:rPr>
-                            </m:ctrlPr>
-                          </m:dPr>
-                          <m:e>
-                            <m:r>
-                              <a:rPr lang="en-US" i="1">
-                                <a:latin typeface="Cambria Math" panose="02040503050406030204" pitchFamily="18" charset="0"/>
-                                <a:ea typeface="Cambria Math" panose="02040503050406030204" pitchFamily="18" charset="0"/>
-                              </a:rPr>
-                              <m:t>𝛿</m:t>
-                            </m:r>
-                            <m:r>
-                              <a:rPr lang="en-US" i="1">
-                                <a:latin typeface="Cambria Math" panose="02040503050406030204" pitchFamily="18" charset="0"/>
-                                <a:ea typeface="Cambria Math" panose="02040503050406030204" pitchFamily="18" charset="0"/>
-                              </a:rPr>
-                              <m:t>−</m:t>
-                            </m:r>
-                            <m:r>
-                              <a:rPr lang="en-US" i="1">
-                                <a:latin typeface="Cambria Math" panose="02040503050406030204" pitchFamily="18" charset="0"/>
-                                <a:ea typeface="Cambria Math" panose="02040503050406030204" pitchFamily="18" charset="0"/>
-                              </a:rPr>
-                              <m:t>𝜙</m:t>
-                            </m:r>
-                          </m:e>
-                        </m:d>
+                        <m:r>
+                          <a:rPr lang="en-US" i="1">
+                            <a:latin typeface="Cambria Math" panose="02040503050406030204" pitchFamily="18" charset="0"/>
+                            <a:ea typeface="Cambria Math" panose="02040503050406030204" pitchFamily="18" charset="0"/>
+                          </a:rPr>
+                          <m:t>(</m:t>
+                        </m:r>
+                        <m:r>
+                          <a:rPr lang="en-US" i="1">
+                            <a:latin typeface="Cambria Math" panose="02040503050406030204" pitchFamily="18" charset="0"/>
+                            <a:ea typeface="Cambria Math" panose="02040503050406030204" pitchFamily="18" charset="0"/>
+                          </a:rPr>
+                          <m:t>𝛿</m:t>
+                        </m:r>
+                        <m:r>
+                          <a:rPr lang="en-US" i="1">
+                            <a:latin typeface="Cambria Math" panose="02040503050406030204" pitchFamily="18" charset="0"/>
+                            <a:ea typeface="Cambria Math" panose="02040503050406030204" pitchFamily="18" charset="0"/>
+                          </a:rPr>
+                          <m:t>−</m:t>
+                        </m:r>
+                        <m:r>
+                          <a:rPr lang="en-US" i="1">
+                            <a:latin typeface="Cambria Math" panose="02040503050406030204" pitchFamily="18" charset="0"/>
+                            <a:ea typeface="Cambria Math" panose="02040503050406030204" pitchFamily="18" charset="0"/>
+                          </a:rPr>
+                          <m:t>𝜙</m:t>
+                        </m:r>
+                        <m:r>
+                          <a:rPr lang="en-US" i="1">
+                            <a:latin typeface="Cambria Math" panose="02040503050406030204" pitchFamily="18" charset="0"/>
+                            <a:ea typeface="Cambria Math" panose="02040503050406030204" pitchFamily="18" charset="0"/>
+                          </a:rPr>
+                          <m:t>)</m:t>
+                        </m:r>
                       </m:e>
                     </m:func>
                     <m:r>
@@ -10271,7 +10688,7 @@
                     <m:func>
                       <m:funcPr>
                         <m:ctrlPr>
-                          <a:rPr lang="en-US" i="1">
+                          <a:rPr lang="en-US" i="1" smtClean="0">
                             <a:latin typeface="Cambria Math" panose="02040503050406030204" pitchFamily="18" charset="0"/>
                             <a:ea typeface="Cambria Math" panose="02040503050406030204" pitchFamily="18" charset="0"/>
                           </a:rPr>
@@ -10290,41 +10707,41 @@
                         </m:r>
                       </m:fName>
                       <m:e>
-                        <m:d>
-                          <m:dPr>
-                            <m:begChr m:val="["/>
-                            <m:endChr m:val="]"/>
-                            <m:ctrlPr>
-                              <a:rPr lang="en-US" i="1">
-                                <a:latin typeface="Cambria Math" panose="02040503050406030204" pitchFamily="18" charset="0"/>
-                                <a:ea typeface="Cambria Math" panose="02040503050406030204" pitchFamily="18" charset="0"/>
-                              </a:rPr>
-                            </m:ctrlPr>
-                          </m:dPr>
-                          <m:e>
-                            <m:r>
-                              <a:rPr lang="en-US" i="1">
-                                <a:latin typeface="Cambria Math" panose="02040503050406030204" pitchFamily="18" charset="0"/>
-                                <a:ea typeface="Cambria Math" panose="02040503050406030204" pitchFamily="18" charset="0"/>
-                              </a:rPr>
-                              <m:t>𝛿</m:t>
-                            </m:r>
-                            <m:r>
-                              <a:rPr lang="en-US" i="1">
-                                <a:latin typeface="Cambria Math" panose="02040503050406030204" pitchFamily="18" charset="0"/>
-                                <a:ea typeface="Cambria Math" panose="02040503050406030204" pitchFamily="18" charset="0"/>
-                              </a:rPr>
-                              <m:t>−</m:t>
-                            </m:r>
-                            <m:r>
-                              <a:rPr lang="en-US" i="1">
-                                <a:latin typeface="Cambria Math" panose="02040503050406030204" pitchFamily="18" charset="0"/>
-                                <a:ea typeface="Cambria Math" panose="02040503050406030204" pitchFamily="18" charset="0"/>
-                              </a:rPr>
-                              <m:t>𝜙</m:t>
-                            </m:r>
-                          </m:e>
-                        </m:d>
+                        <m:r>
+                          <a:rPr lang="en-US" b="0" i="1" smtClean="0">
+                            <a:latin typeface="Cambria Math" panose="02040503050406030204" pitchFamily="18" charset="0"/>
+                            <a:ea typeface="Cambria Math" panose="02040503050406030204" pitchFamily="18" charset="0"/>
+                          </a:rPr>
+                          <m:t>(</m:t>
+                        </m:r>
+                        <m:r>
+                          <a:rPr lang="en-US" i="1">
+                            <a:latin typeface="Cambria Math" panose="02040503050406030204" pitchFamily="18" charset="0"/>
+                            <a:ea typeface="Cambria Math" panose="02040503050406030204" pitchFamily="18" charset="0"/>
+                          </a:rPr>
+                          <m:t>𝛿</m:t>
+                        </m:r>
+                        <m:r>
+                          <a:rPr lang="en-US" i="1">
+                            <a:latin typeface="Cambria Math" panose="02040503050406030204" pitchFamily="18" charset="0"/>
+                            <a:ea typeface="Cambria Math" panose="02040503050406030204" pitchFamily="18" charset="0"/>
+                          </a:rPr>
+                          <m:t>−</m:t>
+                        </m:r>
+                        <m:r>
+                          <a:rPr lang="en-US" i="1">
+                            <a:latin typeface="Cambria Math" panose="02040503050406030204" pitchFamily="18" charset="0"/>
+                            <a:ea typeface="Cambria Math" panose="02040503050406030204" pitchFamily="18" charset="0"/>
+                          </a:rPr>
+                          <m:t>𝜙</m:t>
+                        </m:r>
+                        <m:r>
+                          <a:rPr lang="en-US" b="0" i="1" smtClean="0">
+                            <a:latin typeface="Cambria Math" panose="02040503050406030204" pitchFamily="18" charset="0"/>
+                            <a:ea typeface="Cambria Math" panose="02040503050406030204" pitchFamily="18" charset="0"/>
+                          </a:rPr>
+                          <m:t>)</m:t>
+                        </m:r>
                       </m:e>
                     </m:func>
                   </m:oMath>
@@ -10337,14 +10754,225 @@
                 <a:pPr marL="0" indent="0">
                   <a:buNone/>
                 </a:pPr>
-                <a:endParaRPr lang="en-US" dirty="0">
-                  <a:ea typeface="Cambria Math" panose="02040503050406030204" pitchFamily="18" charset="0"/>
-                </a:endParaRPr>
+                <a:r>
+                  <a:rPr lang="en-US" dirty="0">
+                    <a:ea typeface="Cambria Math" panose="02040503050406030204" pitchFamily="18" charset="0"/>
+                  </a:rPr>
+                  <a:t>		</a:t>
+                </a:r>
               </a:p>
               <a:p>
                 <a:pPr marL="0" indent="0" algn="ctr">
                   <a:buNone/>
                 </a:pPr>
+                <a:r>
+                  <a:rPr lang="en-US" dirty="0">
+                    <a:ea typeface="Cambria Math" panose="02040503050406030204" pitchFamily="18" charset="0"/>
+                  </a:rPr>
+                  <a:t>Qubit frequency shift: </a:t>
+                </a:r>
+                <a14:m>
+                  <m:oMath xmlns:m="http://schemas.openxmlformats.org/officeDocument/2006/math">
+                    <m:r>
+                      <m:rPr>
+                        <m:sty m:val="p"/>
+                      </m:rPr>
+                      <a:rPr lang="en-US" b="0" i="0" smtClean="0">
+                        <a:latin typeface="Cambria Math" panose="02040503050406030204" pitchFamily="18" charset="0"/>
+                        <a:ea typeface="Cambria Math" panose="02040503050406030204" pitchFamily="18" charset="0"/>
+                      </a:rPr>
+                      <m:t>Δ</m:t>
+                    </m:r>
+                    <m:d>
+                      <m:dPr>
+                        <m:ctrlPr>
+                          <a:rPr lang="en-US" b="0" i="1" smtClean="0">
+                            <a:latin typeface="Cambria Math" panose="02040503050406030204" pitchFamily="18" charset="0"/>
+                            <a:ea typeface="Cambria Math" panose="02040503050406030204" pitchFamily="18" charset="0"/>
+                          </a:rPr>
+                        </m:ctrlPr>
+                      </m:dPr>
+                      <m:e>
+                        <m:sSub>
+                          <m:sSubPr>
+                            <m:ctrlPr>
+                              <a:rPr lang="en-US" b="0" i="1" smtClean="0">
+                                <a:latin typeface="Cambria Math" panose="02040503050406030204" pitchFamily="18" charset="0"/>
+                                <a:ea typeface="Cambria Math" panose="02040503050406030204" pitchFamily="18" charset="0"/>
+                              </a:rPr>
+                            </m:ctrlPr>
+                          </m:sSubPr>
+                          <m:e>
+                            <m:r>
+                              <a:rPr lang="en-US" b="0" i="1" smtClean="0">
+                                <a:latin typeface="Cambria Math" panose="02040503050406030204" pitchFamily="18" charset="0"/>
+                                <a:ea typeface="Cambria Math" panose="02040503050406030204" pitchFamily="18" charset="0"/>
+                              </a:rPr>
+                              <m:t>𝑍</m:t>
+                            </m:r>
+                          </m:e>
+                          <m:sub>
+                            <m:r>
+                              <a:rPr lang="en-US" b="0" i="1" smtClean="0">
+                                <a:latin typeface="Cambria Math" panose="02040503050406030204" pitchFamily="18" charset="0"/>
+                                <a:ea typeface="Cambria Math" panose="02040503050406030204" pitchFamily="18" charset="0"/>
+                              </a:rPr>
+                              <m:t>𝑐</m:t>
+                            </m:r>
+                          </m:sub>
+                        </m:sSub>
+                      </m:e>
+                    </m:d>
+                    <m:r>
+                      <a:rPr lang="en-US" b="0" i="1" smtClean="0">
+                        <a:latin typeface="Cambria Math" panose="02040503050406030204" pitchFamily="18" charset="0"/>
+                        <a:ea typeface="Cambria Math" panose="02040503050406030204" pitchFamily="18" charset="0"/>
+                      </a:rPr>
+                      <m:t>=</m:t>
+                    </m:r>
+                    <m:d>
+                      <m:dPr>
+                        <m:ctrlPr>
+                          <a:rPr lang="en-US" b="0" i="1" smtClean="0">
+                            <a:latin typeface="Cambria Math" panose="02040503050406030204" pitchFamily="18" charset="0"/>
+                            <a:ea typeface="Cambria Math" panose="02040503050406030204" pitchFamily="18" charset="0"/>
+                          </a:rPr>
+                        </m:ctrlPr>
+                      </m:dPr>
+                      <m:e>
+                        <m:f>
+                          <m:fPr>
+                            <m:ctrlPr>
+                              <a:rPr lang="en-US" b="0" i="1" smtClean="0">
+                                <a:latin typeface="Cambria Math" panose="02040503050406030204" pitchFamily="18" charset="0"/>
+                                <a:ea typeface="Cambria Math" panose="02040503050406030204" pitchFamily="18" charset="0"/>
+                              </a:rPr>
+                            </m:ctrlPr>
+                          </m:fPr>
+                          <m:num>
+                            <m:sSub>
+                              <m:sSubPr>
+                                <m:ctrlPr>
+                                  <a:rPr lang="en-US" b="0" i="1" smtClean="0">
+                                    <a:latin typeface="Cambria Math" panose="02040503050406030204" pitchFamily="18" charset="0"/>
+                                    <a:ea typeface="Cambria Math" panose="02040503050406030204" pitchFamily="18" charset="0"/>
+                                  </a:rPr>
+                                </m:ctrlPr>
+                              </m:sSubPr>
+                              <m:e>
+                                <m:r>
+                                  <a:rPr lang="en-US" b="0" i="1" smtClean="0">
+                                    <a:latin typeface="Cambria Math" panose="02040503050406030204" pitchFamily="18" charset="0"/>
+                                    <a:ea typeface="Cambria Math" panose="02040503050406030204" pitchFamily="18" charset="0"/>
+                                  </a:rPr>
+                                  <m:t>𝐹</m:t>
+                                </m:r>
+                              </m:e>
+                              <m:sub>
+                                <m:r>
+                                  <a:rPr lang="en-US" b="0" i="1" smtClean="0">
+                                    <a:latin typeface="Cambria Math" panose="02040503050406030204" pitchFamily="18" charset="0"/>
+                                    <a:ea typeface="Cambria Math" panose="02040503050406030204" pitchFamily="18" charset="0"/>
+                                  </a:rPr>
+                                  <m:t>0</m:t>
+                                </m:r>
+                              </m:sub>
+                            </m:sSub>
+                          </m:num>
+                          <m:den>
+                            <m:r>
+                              <a:rPr lang="en-US" b="0" i="1" smtClean="0">
+                                <a:latin typeface="Cambria Math" panose="02040503050406030204" pitchFamily="18" charset="0"/>
+                                <a:ea typeface="Cambria Math" panose="02040503050406030204" pitchFamily="18" charset="0"/>
+                              </a:rPr>
+                              <m:t>ℏ</m:t>
+                            </m:r>
+                          </m:den>
+                        </m:f>
+                      </m:e>
+                    </m:d>
+                    <m:sSub>
+                      <m:sSubPr>
+                        <m:ctrlPr>
+                          <a:rPr lang="en-US" b="0" i="1" smtClean="0">
+                            <a:latin typeface="Cambria Math" panose="02040503050406030204" pitchFamily="18" charset="0"/>
+                            <a:ea typeface="Cambria Math" panose="02040503050406030204" pitchFamily="18" charset="0"/>
+                          </a:rPr>
+                        </m:ctrlPr>
+                      </m:sSubPr>
+                      <m:e>
+                        <m:r>
+                          <a:rPr lang="en-US" b="0" i="1" smtClean="0">
+                            <a:latin typeface="Cambria Math" panose="02040503050406030204" pitchFamily="18" charset="0"/>
+                            <a:ea typeface="Cambria Math" panose="02040503050406030204" pitchFamily="18" charset="0"/>
+                          </a:rPr>
+                          <m:t>𝑍</m:t>
+                        </m:r>
+                      </m:e>
+                      <m:sub>
+                        <m:r>
+                          <a:rPr lang="en-US" b="0" i="1" smtClean="0">
+                            <a:latin typeface="Cambria Math" panose="02040503050406030204" pitchFamily="18" charset="0"/>
+                            <a:ea typeface="Cambria Math" panose="02040503050406030204" pitchFamily="18" charset="0"/>
+                          </a:rPr>
+                          <m:t>𝑐</m:t>
+                        </m:r>
+                      </m:sub>
+                    </m:sSub>
+                    <m:r>
+                      <a:rPr lang="en-US" b="0" i="0" smtClean="0">
+                        <a:latin typeface="Cambria Math" panose="02040503050406030204" pitchFamily="18" charset="0"/>
+                        <a:ea typeface="Cambria Math" panose="02040503050406030204" pitchFamily="18" charset="0"/>
+                      </a:rPr>
+                      <m:t> </m:t>
+                    </m:r>
+                    <m:r>
+                      <m:rPr>
+                        <m:sty m:val="p"/>
+                      </m:rPr>
+                      <a:rPr lang="en-US" b="0" i="0" smtClean="0">
+                        <a:latin typeface="Cambria Math" panose="02040503050406030204" pitchFamily="18" charset="0"/>
+                        <a:ea typeface="Cambria Math" panose="02040503050406030204" pitchFamily="18" charset="0"/>
+                      </a:rPr>
+                      <m:t>cos</m:t>
+                    </m:r>
+                    <m:r>
+                      <a:rPr lang="en-US" b="0" i="1" smtClean="0">
+                        <a:latin typeface="Cambria Math" panose="02040503050406030204" pitchFamily="18" charset="0"/>
+                        <a:ea typeface="Cambria Math" panose="02040503050406030204" pitchFamily="18" charset="0"/>
+                      </a:rPr>
+                      <m:t>⁡(</m:t>
+                    </m:r>
+                    <m:r>
+                      <a:rPr lang="en-US" b="0" i="1" smtClean="0">
+                        <a:latin typeface="Cambria Math" panose="02040503050406030204" pitchFamily="18" charset="0"/>
+                        <a:ea typeface="Cambria Math" panose="02040503050406030204" pitchFamily="18" charset="0"/>
+                      </a:rPr>
+                      <m:t>𝛿</m:t>
+                    </m:r>
+                    <m:r>
+                      <a:rPr lang="en-US" i="1">
+                        <a:latin typeface="Cambria Math" panose="02040503050406030204" pitchFamily="18" charset="0"/>
+                        <a:ea typeface="Cambria Math" panose="02040503050406030204" pitchFamily="18" charset="0"/>
+                      </a:rPr>
+                      <m:t>−</m:t>
+                    </m:r>
+                    <m:r>
+                      <a:rPr lang="en-US" i="1">
+                        <a:latin typeface="Cambria Math" panose="02040503050406030204" pitchFamily="18" charset="0"/>
+                        <a:ea typeface="Cambria Math" panose="02040503050406030204" pitchFamily="18" charset="0"/>
+                      </a:rPr>
+                      <m:t>𝜙</m:t>
+                    </m:r>
+                    <m:r>
+                      <a:rPr lang="en-US" b="0" i="1" smtClean="0">
+                        <a:latin typeface="Cambria Math" panose="02040503050406030204" pitchFamily="18" charset="0"/>
+                        <a:ea typeface="Cambria Math" panose="02040503050406030204" pitchFamily="18" charset="0"/>
+                      </a:rPr>
+                      <m:t>)</m:t>
+                    </m:r>
+                  </m:oMath>
+                </a14:m>
                 <a:endParaRPr lang="en-US" dirty="0">
                   <a:ea typeface="Cambria Math" panose="02040503050406030204" pitchFamily="18" charset="0"/>
                 </a:endParaRPr>
@@ -10396,55 +11024,6 @@
                       </a:rPr>
                       <m:t>=</m:t>
                     </m:r>
-                    <m:r>
-                      <a:rPr lang="en-US" b="0" i="1" smtClean="0">
-                        <a:latin typeface="Cambria Math" panose="02040503050406030204" pitchFamily="18" charset="0"/>
-                        <a:ea typeface="Cambria Math" panose="02040503050406030204" pitchFamily="18" charset="0"/>
-                      </a:rPr>
-                      <m:t>𝐷𝑊𝐹</m:t>
-                    </m:r>
-                    <m:r>
-                      <a:rPr lang="en-US" b="0" i="1" smtClean="0">
-                        <a:latin typeface="Cambria Math" panose="02040503050406030204" pitchFamily="18" charset="0"/>
-                        <a:ea typeface="Cambria Math" panose="02040503050406030204" pitchFamily="18" charset="0"/>
-                      </a:rPr>
-                      <m:t>∙</m:t>
-                    </m:r>
-                    <m:r>
-                      <a:rPr lang="en-US" b="0" i="1" smtClean="0">
-                        <a:latin typeface="Cambria Math" panose="02040503050406030204" pitchFamily="18" charset="0"/>
-                        <a:ea typeface="Cambria Math" panose="02040503050406030204" pitchFamily="18" charset="0"/>
-                      </a:rPr>
-                      <m:t>𝑈</m:t>
-                    </m:r>
-                    <m:r>
-                      <a:rPr lang="en-US" b="0" i="1" smtClean="0">
-                        <a:latin typeface="Cambria Math" panose="02040503050406030204" pitchFamily="18" charset="0"/>
-                        <a:ea typeface="Cambria Math" panose="02040503050406030204" pitchFamily="18" charset="0"/>
-                      </a:rPr>
-                      <m:t>∙</m:t>
-                    </m:r>
-                    <m:r>
-                      <a:rPr lang="en-US" b="0" i="1" smtClean="0">
-                        <a:latin typeface="Cambria Math" panose="02040503050406030204" pitchFamily="18" charset="0"/>
-                        <a:ea typeface="Cambria Math" panose="02040503050406030204" pitchFamily="18" charset="0"/>
-                      </a:rPr>
-                      <m:t>𝛿</m:t>
-                    </m:r>
-                    <m:r>
-                      <a:rPr lang="en-US" b="0" i="1" smtClean="0">
-                        <a:latin typeface="Cambria Math" panose="02040503050406030204" pitchFamily="18" charset="0"/>
-                        <a:ea typeface="Cambria Math" panose="02040503050406030204" pitchFamily="18" charset="0"/>
-                      </a:rPr>
-                      <m:t>𝑘</m:t>
-                    </m:r>
-                    <m:r>
-                      <a:rPr lang="en-US" b="0" i="1" smtClean="0">
-                        <a:latin typeface="Cambria Math" panose="02040503050406030204" pitchFamily="18" charset="0"/>
-                        <a:ea typeface="Cambria Math" panose="02040503050406030204" pitchFamily="18" charset="0"/>
-                      </a:rPr>
-                      <m:t>∙</m:t>
-                    </m:r>
                     <m:sSub>
                       <m:sSubPr>
                         <m:ctrlPr>
@@ -10460,7 +11039,7 @@
                             <a:latin typeface="Cambria Math" panose="02040503050406030204" pitchFamily="18" charset="0"/>
                             <a:ea typeface="Cambria Math" panose="02040503050406030204" pitchFamily="18" charset="0"/>
                           </a:rPr>
-                          <m:t>𝑧</m:t>
+                          <m:t>𝐹</m:t>
                         </m:r>
                       </m:e>
                       <m:sub>
@@ -10473,15 +11052,50 @@
                         </m:r>
                       </m:sub>
                     </m:sSub>
+                    <m:sSub>
+                      <m:sSubPr>
+                        <m:ctrlPr>
+                          <a:rPr lang="en-US" b="0" i="1" smtClean="0">
+                            <a:latin typeface="Cambria Math" panose="02040503050406030204" pitchFamily="18" charset="0"/>
+                            <a:ea typeface="Cambria Math" panose="02040503050406030204" pitchFamily="18" charset="0"/>
+                          </a:rPr>
+                        </m:ctrlPr>
+                      </m:sSubPr>
+                      <m:e>
+                        <m:r>
+                          <a:rPr lang="en-US" i="1">
+                            <a:latin typeface="Cambria Math" panose="02040503050406030204" pitchFamily="18" charset="0"/>
+                            <a:ea typeface="Cambria Math" panose="02040503050406030204" pitchFamily="18" charset="0"/>
+                          </a:rPr>
+                          <m:t>∙</m:t>
+                        </m:r>
+                        <m:r>
+                          <a:rPr lang="en-US" b="0" i="1" smtClean="0">
+                            <a:latin typeface="Cambria Math" panose="02040503050406030204" pitchFamily="18" charset="0"/>
+                            <a:ea typeface="Cambria Math" panose="02040503050406030204" pitchFamily="18" charset="0"/>
+                          </a:rPr>
+                          <m:t>𝑍</m:t>
+                        </m:r>
+                      </m:e>
+                      <m:sub>
+                        <m:r>
+                          <a:rPr lang="en-US" b="0" i="1" smtClean="0">
+                            <a:latin typeface="Cambria Math" panose="02040503050406030204" pitchFamily="18" charset="0"/>
+                            <a:ea typeface="Cambria Math" panose="02040503050406030204" pitchFamily="18" charset="0"/>
+                          </a:rPr>
+                          <m:t>𝑐</m:t>
+                        </m:r>
+                      </m:sub>
+                    </m:sSub>
                     <m:r>
-                      <a:rPr lang="en-US" i="1" smtClean="0">
+                      <a:rPr lang="en-US" i="1">
                         <a:latin typeface="Cambria Math" panose="02040503050406030204" pitchFamily="18" charset="0"/>
                         <a:ea typeface="Cambria Math" panose="02040503050406030204" pitchFamily="18" charset="0"/>
                       </a:rPr>
                       <m:t>∙</m:t>
                     </m:r>
                     <m:r>
-                      <a:rPr lang="en-US" i="1" smtClean="0">
+                      <a:rPr lang="en-US" i="1">
                         <a:latin typeface="Cambria Math" panose="02040503050406030204" pitchFamily="18" charset="0"/>
                         <a:ea typeface="Cambria Math" panose="02040503050406030204" pitchFamily="18" charset="0"/>
                       </a:rPr>
@@ -10703,7 +11317,7 @@
             </p:txBody>
           </p:sp>
         </mc:Choice>
-        <mc:Fallback xmlns="">
+        <mc:Fallback>
           <p:sp>
             <p:nvSpPr>
               <p:cNvPr id="3" name="Content Placeholder 2"/>
@@ -10720,7 +11334,7 @@
                 <a:ext cx="10515600" cy="5114924"/>
               </a:xfrm>
               <a:blipFill>
-                <a:blip r:embed="rId2"/>
+                <a:blip r:embed="rId3"/>
                 <a:stretch>
                   <a:fillRect l="-522"/>
                 </a:stretch>
@@ -10749,8 +11363,8 @@
         </p:nvSpPr>
         <p:spPr>
           <a:xfrm>
-            <a:off x="3067050" y="5438775"/>
-            <a:ext cx="6057900" cy="990600"/>
+            <a:off x="3067050" y="5007005"/>
+            <a:ext cx="6057900" cy="1253693"/>
           </a:xfrm>
           <a:prstGeom prst="roundRect">
             <a:avLst/>
@@ -10965,7 +11579,7 @@
         </p:nvSpPr>
         <p:spPr>
           <a:xfrm>
-            <a:off x="838200" y="2038556"/>
+            <a:off x="846589" y="2038556"/>
             <a:ext cx="740979" cy="659233"/>
           </a:xfrm>
           <a:prstGeom prst="rect">
@@ -11252,7 +11866,7 @@
         </p:nvSpPr>
         <p:spPr>
           <a:xfrm>
-            <a:off x="10462441" y="2039814"/>
+            <a:off x="10454052" y="2039814"/>
             <a:ext cx="1027629" cy="656853"/>
           </a:xfrm>
           <a:prstGeom prst="rect">
@@ -11322,7 +11936,7 @@
             </p:nvSpPr>
             <p:spPr>
               <a:xfrm>
-                <a:off x="7554385" y="2038554"/>
+                <a:off x="7545996" y="2046943"/>
                 <a:ext cx="878973" cy="658112"/>
               </a:xfrm>
               <a:prstGeom prst="rect">
@@ -11491,7 +12105,7 @@
             </p:nvSpPr>
             <p:spPr>
               <a:xfrm>
-                <a:off x="7554385" y="2038554"/>
+                <a:off x="7545996" y="2046943"/>
                 <a:ext cx="878973" cy="658112"/>
               </a:xfrm>
               <a:prstGeom prst="rect">
@@ -11744,7 +12358,7 @@
         </p:nvGrpSpPr>
         <p:grpSpPr>
           <a:xfrm>
-            <a:off x="9984418" y="2039814"/>
+            <a:off x="9976029" y="2039814"/>
             <a:ext cx="457519" cy="656853"/>
             <a:chOff x="9984418" y="2241150"/>
             <a:chExt cx="457519" cy="656853"/>
@@ -11945,7 +12559,7 @@
         </p:nvGrpSpPr>
         <p:grpSpPr>
           <a:xfrm>
-            <a:off x="8439970" y="2029812"/>
+            <a:off x="8431581" y="2029812"/>
             <a:ext cx="1536328" cy="676715"/>
             <a:chOff x="8439970" y="2231148"/>
             <a:chExt cx="1536328" cy="676715"/>
@@ -15209,22 +15823,28 @@
       </p:grpSpPr>
       <p:pic>
         <p:nvPicPr>
-          <p:cNvPr id="70" name="Picture 69"/>
+          <p:cNvPr id="12" name="Picture 11"/>
           <p:cNvPicPr>
             <a:picLocks noChangeAspect="1"/>
           </p:cNvPicPr>
           <p:nvPr/>
         </p:nvPicPr>
         <p:blipFill>
-          <a:blip r:embed="rId2"/>
+          <a:blip r:embed="rId3">
+            <a:extLst>
+              <a:ext uri="{28A0092B-C50C-407E-A947-70E740481C1C}">
+                <a14:useLocalDpi xmlns:a14="http://schemas.microsoft.com/office/drawing/2010/main" val="0"/>
+              </a:ext>
+            </a:extLst>
+          </a:blip>
           <a:stretch>
             <a:fillRect/>
           </a:stretch>
         </p:blipFill>
         <p:spPr>
           <a:xfrm>
-            <a:off x="276837" y="2529415"/>
-            <a:ext cx="5726203" cy="3966513"/>
+            <a:off x="185950" y="1915434"/>
+            <a:ext cx="6224710" cy="4149806"/>
           </a:xfrm>
           <a:prstGeom prst="rect">
             <a:avLst/>
@@ -15233,38 +15853,395 @@
       </p:pic>
       <p:pic>
         <p:nvPicPr>
-          <p:cNvPr id="69" name="Picture 68"/>
+          <p:cNvPr id="13" name="Picture 12"/>
           <p:cNvPicPr>
             <a:picLocks noChangeAspect="1"/>
           </p:cNvPicPr>
           <p:nvPr/>
         </p:nvPicPr>
         <p:blipFill>
-          <a:blip r:embed="rId3"/>
+          <a:blip r:embed="rId4">
+            <a:extLst>
+              <a:ext uri="{28A0092B-C50C-407E-A947-70E740481C1C}">
+                <a14:useLocalDpi xmlns:a14="http://schemas.microsoft.com/office/drawing/2010/main" val="0"/>
+              </a:ext>
+            </a:extLst>
+          </a:blip>
           <a:stretch>
             <a:fillRect/>
           </a:stretch>
         </p:blipFill>
         <p:spPr>
           <a:xfrm>
-            <a:off x="6003040" y="2615921"/>
-            <a:ext cx="7086470" cy="3793500"/>
+            <a:off x="6045520" y="1915434"/>
+            <a:ext cx="6224710" cy="4149806"/>
           </a:xfrm>
           <a:prstGeom prst="rect">
             <a:avLst/>
           </a:prstGeom>
         </p:spPr>
       </p:pic>
+      <p:sp>
+        <p:nvSpPr>
+          <p:cNvPr id="14" name="TextBox 13"/>
+          <p:cNvSpPr txBox="1"/>
+          <p:nvPr/>
+        </p:nvSpPr>
+        <p:spPr>
+          <a:xfrm>
+            <a:off x="1249960" y="511728"/>
+            <a:ext cx="2595582" cy="769441"/>
+          </a:xfrm>
+          <a:prstGeom prst="rect">
+            <a:avLst/>
+          </a:prstGeom>
+          <a:noFill/>
+        </p:spPr>
+        <p:txBody>
+          <a:bodyPr wrap="none" rtlCol="0">
+            <a:spAutoFit/>
+          </a:bodyPr>
+          <a:lstStyle/>
+          <a:p>
+            <a:r>
+              <a:rPr lang="en-US" sz="4400" dirty="0" err="1">
+                <a:latin typeface="+mj-lt"/>
+              </a:rPr>
+              <a:t>Lineshape</a:t>
+            </a:r>
+            <a:r>
+              <a:rPr lang="en-US" sz="4400" dirty="0">
+                <a:latin typeface="+mj-lt"/>
+              </a:rPr>
+              <a:t> </a:t>
+            </a:r>
+          </a:p>
+        </p:txBody>
+      </p:sp>
+      <p:pic>
+        <p:nvPicPr>
+          <p:cNvPr id="16" name="Picture 15"/>
+          <p:cNvPicPr>
+            <a:picLocks noChangeAspect="1"/>
+          </p:cNvPicPr>
+          <p:nvPr/>
+        </p:nvPicPr>
+        <p:blipFill>
+          <a:blip r:embed="rId5">
+            <a:extLst>
+              <a:ext uri="{28A0092B-C50C-407E-A947-70E740481C1C}">
+                <a14:useLocalDpi xmlns:a14="http://schemas.microsoft.com/office/drawing/2010/main" val="0"/>
+              </a:ext>
+            </a:extLst>
+          </a:blip>
+          <a:stretch>
+            <a:fillRect/>
+          </a:stretch>
+        </p:blipFill>
+        <p:spPr>
+          <a:xfrm>
+            <a:off x="5170312" y="1386757"/>
+            <a:ext cx="6828571" cy="552381"/>
+          </a:xfrm>
+          <a:prstGeom prst="rect">
+            <a:avLst/>
+          </a:prstGeom>
+        </p:spPr>
+      </p:pic>
+      <p:pic>
+        <p:nvPicPr>
+          <p:cNvPr id="17" name="Picture 16"/>
+          <p:cNvPicPr>
+            <a:picLocks noChangeAspect="1"/>
+          </p:cNvPicPr>
+          <p:nvPr/>
+        </p:nvPicPr>
+        <p:blipFill>
+          <a:blip r:embed="rId6">
+            <a:extLst>
+              <a:ext uri="{28A0092B-C50C-407E-A947-70E740481C1C}">
+                <a14:useLocalDpi xmlns:a14="http://schemas.microsoft.com/office/drawing/2010/main" val="0"/>
+              </a:ext>
+            </a:extLst>
+          </a:blip>
+          <a:stretch>
+            <a:fillRect/>
+          </a:stretch>
+        </p:blipFill>
+        <p:spPr>
+          <a:xfrm>
+            <a:off x="1174170" y="1272369"/>
+            <a:ext cx="3724795" cy="781159"/>
+          </a:xfrm>
+          <a:prstGeom prst="rect">
+            <a:avLst/>
+          </a:prstGeom>
+        </p:spPr>
+      </p:pic>
+      <p:pic>
+        <p:nvPicPr>
+          <p:cNvPr id="18" name="Picture 17"/>
+          <p:cNvPicPr>
+            <a:picLocks noChangeAspect="1"/>
+          </p:cNvPicPr>
+          <p:nvPr/>
+        </p:nvPicPr>
+        <p:blipFill>
+          <a:blip r:embed="rId7">
+            <a:extLst>
+              <a:ext uri="{28A0092B-C50C-407E-A947-70E740481C1C}">
+                <a14:useLocalDpi xmlns:a14="http://schemas.microsoft.com/office/drawing/2010/main" val="0"/>
+              </a:ext>
+            </a:extLst>
+          </a:blip>
+          <a:stretch>
+            <a:fillRect/>
+          </a:stretch>
+        </p:blipFill>
+        <p:spPr>
+          <a:xfrm>
+            <a:off x="8408429" y="896448"/>
+            <a:ext cx="3428571" cy="419048"/>
+          </a:xfrm>
+          <a:prstGeom prst="rect">
+            <a:avLst/>
+          </a:prstGeom>
+        </p:spPr>
+      </p:pic>
+      <p:sp>
+        <p:nvSpPr>
+          <p:cNvPr id="19" name="Rectangle 18"/>
+          <p:cNvSpPr/>
+          <p:nvPr/>
+        </p:nvSpPr>
+        <p:spPr>
+          <a:xfrm>
+            <a:off x="3200401" y="3032449"/>
+            <a:ext cx="354563" cy="2565918"/>
+          </a:xfrm>
+          <a:prstGeom prst="rect">
+            <a:avLst/>
+          </a:prstGeom>
+          <a:solidFill>
+            <a:srgbClr val="358EC2">
+              <a:alpha val="40000"/>
+            </a:srgbClr>
+          </a:solidFill>
+          <a:ln>
+            <a:solidFill>
+              <a:srgbClr val="368FC4"/>
+            </a:solidFill>
+          </a:ln>
+        </p:spPr>
+        <p:style>
+          <a:lnRef idx="2">
+            <a:schemeClr val="accent1">
+              <a:shade val="50000"/>
+            </a:schemeClr>
+          </a:lnRef>
+          <a:fillRef idx="1">
+            <a:schemeClr val="accent1"/>
+          </a:fillRef>
+          <a:effectRef idx="0">
+            <a:schemeClr val="accent1"/>
+          </a:effectRef>
+          <a:fontRef idx="minor">
+            <a:schemeClr val="lt1"/>
+          </a:fontRef>
+        </p:style>
+        <p:txBody>
+          <a:bodyPr rtlCol="0" anchor="ctr"/>
+          <a:lstStyle/>
+          <a:p>
+            <a:pPr algn="ctr"/>
+            <a:endParaRPr lang="en-US"/>
+          </a:p>
+        </p:txBody>
+      </p:sp>
+      <p:sp>
+        <p:nvSpPr>
+          <p:cNvPr id="20" name="Rectangle 19"/>
+          <p:cNvSpPr/>
+          <p:nvPr/>
+        </p:nvSpPr>
+        <p:spPr>
+          <a:xfrm>
+            <a:off x="1072678" y="3032449"/>
+            <a:ext cx="354563" cy="2565918"/>
+          </a:xfrm>
+          <a:prstGeom prst="rect">
+            <a:avLst/>
+          </a:prstGeom>
+          <a:solidFill>
+            <a:schemeClr val="tx1">
+              <a:alpha val="40000"/>
+            </a:schemeClr>
+          </a:solidFill>
+          <a:ln>
+            <a:solidFill>
+              <a:schemeClr val="tx1"/>
+            </a:solidFill>
+          </a:ln>
+        </p:spPr>
+        <p:style>
+          <a:lnRef idx="2">
+            <a:schemeClr val="accent1">
+              <a:shade val="50000"/>
+            </a:schemeClr>
+          </a:lnRef>
+          <a:fillRef idx="1">
+            <a:schemeClr val="accent1"/>
+          </a:fillRef>
+          <a:effectRef idx="0">
+            <a:schemeClr val="accent1"/>
+          </a:effectRef>
+          <a:fontRef idx="minor">
+            <a:schemeClr val="lt1"/>
+          </a:fontRef>
+        </p:style>
+        <p:txBody>
+          <a:bodyPr rtlCol="0" anchor="ctr"/>
+          <a:lstStyle/>
+          <a:p>
+            <a:pPr algn="ctr"/>
+            <a:endParaRPr lang="en-US"/>
+          </a:p>
+        </p:txBody>
+      </p:sp>
     </p:spTree>
     <p:extLst>
       <p:ext uri="{BB962C8B-B14F-4D97-AF65-F5344CB8AC3E}">
-        <p14:creationId xmlns:p14="http://schemas.microsoft.com/office/powerpoint/2010/main" val="2078271382"/>
+        <p14:creationId xmlns:p14="http://schemas.microsoft.com/office/powerpoint/2010/main" val="2445002551"/>
       </p:ext>
     </p:extLst>
   </p:cSld>
   <p:clrMapOvr>
     <a:masterClrMapping/>
   </p:clrMapOvr>
+  <p:timing>
+    <p:tnLst>
+      <p:par>
+        <p:cTn id="1" dur="indefinite" restart="never" nodeType="tmRoot">
+          <p:childTnLst>
+            <p:seq concurrent="1" nextAc="seek">
+              <p:cTn id="2" dur="indefinite" nodeType="mainSeq">
+                <p:childTnLst>
+                  <p:par>
+                    <p:cTn id="3" fill="hold">
+                      <p:stCondLst>
+                        <p:cond delay="indefinite"/>
+                      </p:stCondLst>
+                      <p:childTnLst>
+                        <p:par>
+                          <p:cTn id="4" fill="hold">
+                            <p:stCondLst>
+                              <p:cond delay="0"/>
+                            </p:stCondLst>
+                            <p:childTnLst>
+                              <p:par>
+                                <p:cTn id="5" presetID="1" presetClass="entr" presetSubtype="0" fill="hold" grpId="0" nodeType="clickEffect">
+                                  <p:stCondLst>
+                                    <p:cond delay="0"/>
+                                  </p:stCondLst>
+                                  <p:childTnLst>
+                                    <p:set>
+                                      <p:cBhvr>
+                                        <p:cTn id="6" dur="1" fill="hold">
+                                          <p:stCondLst>
+                                            <p:cond delay="0"/>
+                                          </p:stCondLst>
+                                        </p:cTn>
+                                        <p:tgtEl>
+                                          <p:spTgt spid="19"/>
+                                        </p:tgtEl>
+                                        <p:attrNameLst>
+                                          <p:attrName>style.visibility</p:attrName>
+                                        </p:attrNameLst>
+                                      </p:cBhvr>
+                                      <p:to>
+                                        <p:strVal val="visible"/>
+                                      </p:to>
+                                    </p:set>
+                                  </p:childTnLst>
+                                </p:cTn>
+                              </p:par>
+                            </p:childTnLst>
+                          </p:cTn>
+                        </p:par>
+                      </p:childTnLst>
+                    </p:cTn>
+                  </p:par>
+                  <p:par>
+                    <p:cTn id="7" fill="hold">
+                      <p:stCondLst>
+                        <p:cond delay="indefinite"/>
+                      </p:stCondLst>
+                      <p:childTnLst>
+                        <p:par>
+                          <p:cTn id="8" fill="hold">
+                            <p:stCondLst>
+                              <p:cond delay="0"/>
+                            </p:stCondLst>
+                            <p:childTnLst>
+                              <p:par>
+                                <p:cTn id="9" presetID="1" presetClass="entr" presetSubtype="0" fill="hold" grpId="0" nodeType="clickEffect">
+                                  <p:stCondLst>
+                                    <p:cond delay="0"/>
+                                  </p:stCondLst>
+                                  <p:childTnLst>
+                                    <p:set>
+                                      <p:cBhvr>
+                                        <p:cTn id="10" dur="1" fill="hold">
+                                          <p:stCondLst>
+                                            <p:cond delay="0"/>
+                                          </p:stCondLst>
+                                        </p:cTn>
+                                        <p:tgtEl>
+                                          <p:spTgt spid="20"/>
+                                        </p:tgtEl>
+                                        <p:attrNameLst>
+                                          <p:attrName>style.visibility</p:attrName>
+                                        </p:attrNameLst>
+                                      </p:cBhvr>
+                                      <p:to>
+                                        <p:strVal val="visible"/>
+                                      </p:to>
+                                    </p:set>
+                                  </p:childTnLst>
+                                </p:cTn>
+                              </p:par>
+                            </p:childTnLst>
+                          </p:cTn>
+                        </p:par>
+                      </p:childTnLst>
+                    </p:cTn>
+                  </p:par>
+                </p:childTnLst>
+              </p:cTn>
+              <p:prevCondLst>
+                <p:cond evt="onPrev" delay="0">
+                  <p:tgtEl>
+                    <p:sldTgt/>
+                  </p:tgtEl>
+                </p:cond>
+              </p:prevCondLst>
+              <p:nextCondLst>
+                <p:cond evt="onNext" delay="0">
+                  <p:tgtEl>
+                    <p:sldTgt/>
+                  </p:tgtEl>
+                </p:cond>
+              </p:nextCondLst>
+            </p:seq>
+          </p:childTnLst>
+        </p:cTn>
+      </p:par>
+    </p:tnLst>
+    <p:bldLst>
+      <p:bldP spid="19" grpId="0" animBg="1"/>
+      <p:bldP spid="20" grpId="0" animBg="1"/>
+    </p:bldLst>
+  </p:timing>
 </p:sld>
 </file>
 
@@ -15287,62 +16264,1425 @@
       </p:grpSpPr>
       <p:pic>
         <p:nvPicPr>
-          <p:cNvPr id="2" name="Picture 1"/>
+          <p:cNvPr id="4" name="Picture 3"/>
           <p:cNvPicPr>
             <a:picLocks noChangeAspect="1"/>
           </p:cNvPicPr>
           <p:nvPr/>
         </p:nvPicPr>
         <p:blipFill>
-          <a:blip r:embed="rId2"/>
+          <a:blip r:embed="rId2">
+            <a:extLst>
+              <a:ext uri="{28A0092B-C50C-407E-A947-70E740481C1C}">
+                <a14:useLocalDpi xmlns:a14="http://schemas.microsoft.com/office/drawing/2010/main" val="0"/>
+              </a:ext>
+            </a:extLst>
+          </a:blip>
           <a:stretch>
             <a:fillRect/>
           </a:stretch>
         </p:blipFill>
         <p:spPr>
           <a:xfrm>
-            <a:off x="669512" y="2709644"/>
-            <a:ext cx="5496692" cy="3122381"/>
+            <a:off x="497029" y="877101"/>
+            <a:ext cx="5986357" cy="5831459"/>
           </a:xfrm>
           <a:prstGeom prst="rect">
             <a:avLst/>
           </a:prstGeom>
         </p:spPr>
       </p:pic>
-      <p:pic>
-        <p:nvPicPr>
-          <p:cNvPr id="7" name="Picture 6"/>
-          <p:cNvPicPr>
-            <a:picLocks noChangeAspect="1"/>
-          </p:cNvPicPr>
+      <p:grpSp>
+        <p:nvGrpSpPr>
+          <p:cNvPr id="10" name="Group 9"/>
+          <p:cNvGrpSpPr/>
           <p:nvPr/>
-        </p:nvPicPr>
-        <p:blipFill>
-          <a:blip r:embed="rId3"/>
-          <a:stretch>
-            <a:fillRect/>
-          </a:stretch>
-        </p:blipFill>
+        </p:nvGrpSpPr>
+        <p:grpSpPr>
+          <a:xfrm>
+            <a:off x="7097963" y="1335426"/>
+            <a:ext cx="4573042" cy="4573042"/>
+            <a:chOff x="3809479" y="1142479"/>
+            <a:chExt cx="4573042" cy="4573042"/>
+          </a:xfrm>
+        </p:grpSpPr>
+        <p:pic>
+          <p:nvPicPr>
+            <p:cNvPr id="11" name="Picture 10"/>
+            <p:cNvPicPr>
+              <a:picLocks noChangeAspect="1"/>
+            </p:cNvPicPr>
+            <p:nvPr/>
+          </p:nvPicPr>
+          <p:blipFill>
+            <a:blip r:embed="rId3">
+              <a:extLst>
+                <a:ext uri="{28A0092B-C50C-407E-A947-70E740481C1C}">
+                  <a14:useLocalDpi xmlns:a14="http://schemas.microsoft.com/office/drawing/2010/main" val="0"/>
+                </a:ext>
+              </a:extLst>
+            </a:blip>
+            <a:stretch>
+              <a:fillRect/>
+            </a:stretch>
+          </p:blipFill>
+          <p:spPr>
+            <a:xfrm>
+              <a:off x="3809479" y="1142479"/>
+              <a:ext cx="4573042" cy="4573042"/>
+            </a:xfrm>
+            <a:prstGeom prst="rect">
+              <a:avLst/>
+            </a:prstGeom>
+          </p:spPr>
+        </p:pic>
+        <p:cxnSp>
+          <p:nvCxnSpPr>
+            <p:cNvPr id="12" name="Straight Arrow Connector 11"/>
+            <p:cNvCxnSpPr/>
+            <p:nvPr/>
+          </p:nvCxnSpPr>
+          <p:spPr>
+            <a:xfrm flipH="1">
+              <a:off x="5260181" y="3371850"/>
+              <a:ext cx="900113" cy="771525"/>
+            </a:xfrm>
+            <a:prstGeom prst="straightConnector1">
+              <a:avLst/>
+            </a:prstGeom>
+            <a:ln w="28575">
+              <a:solidFill>
+                <a:srgbClr val="FF0000"/>
+              </a:solidFill>
+              <a:tailEnd type="triangle"/>
+            </a:ln>
+          </p:spPr>
+          <p:style>
+            <a:lnRef idx="1">
+              <a:schemeClr val="accent1"/>
+            </a:lnRef>
+            <a:fillRef idx="0">
+              <a:schemeClr val="accent1"/>
+            </a:fillRef>
+            <a:effectRef idx="0">
+              <a:schemeClr val="accent1"/>
+            </a:effectRef>
+            <a:fontRef idx="minor">
+              <a:schemeClr val="tx1"/>
+            </a:fontRef>
+          </p:style>
+        </p:cxnSp>
+      </p:grpSp>
+      <p:grpSp>
+        <p:nvGrpSpPr>
+          <p:cNvPr id="13" name="Group 12"/>
+          <p:cNvGrpSpPr/>
+          <p:nvPr/>
+        </p:nvGrpSpPr>
+        <p:grpSpPr>
+          <a:xfrm>
+            <a:off x="7097963" y="1335426"/>
+            <a:ext cx="4573042" cy="4573042"/>
+            <a:chOff x="3809479" y="1142479"/>
+            <a:chExt cx="4573042" cy="4573042"/>
+          </a:xfrm>
+        </p:grpSpPr>
+        <p:pic>
+          <p:nvPicPr>
+            <p:cNvPr id="14" name="Picture 13"/>
+            <p:cNvPicPr>
+              <a:picLocks noChangeAspect="1"/>
+            </p:cNvPicPr>
+            <p:nvPr/>
+          </p:nvPicPr>
+          <p:blipFill>
+            <a:blip r:embed="rId4">
+              <a:extLst>
+                <a:ext uri="{28A0092B-C50C-407E-A947-70E740481C1C}">
+                  <a14:useLocalDpi xmlns:a14="http://schemas.microsoft.com/office/drawing/2010/main" val="0"/>
+                </a:ext>
+              </a:extLst>
+            </a:blip>
+            <a:stretch>
+              <a:fillRect/>
+            </a:stretch>
+          </p:blipFill>
+          <p:spPr>
+            <a:xfrm>
+              <a:off x="3809479" y="1142479"/>
+              <a:ext cx="4573042" cy="4573042"/>
+            </a:xfrm>
+            <a:prstGeom prst="rect">
+              <a:avLst/>
+            </a:prstGeom>
+          </p:spPr>
+        </p:pic>
+        <p:cxnSp>
+          <p:nvCxnSpPr>
+            <p:cNvPr id="15" name="Straight Arrow Connector 14"/>
+            <p:cNvCxnSpPr/>
+            <p:nvPr/>
+          </p:nvCxnSpPr>
+          <p:spPr>
+            <a:xfrm flipH="1">
+              <a:off x="5322094" y="3371850"/>
+              <a:ext cx="838200" cy="707231"/>
+            </a:xfrm>
+            <a:prstGeom prst="straightConnector1">
+              <a:avLst/>
+            </a:prstGeom>
+            <a:ln w="28575">
+              <a:solidFill>
+                <a:srgbClr val="FF0000"/>
+              </a:solidFill>
+              <a:tailEnd type="triangle"/>
+            </a:ln>
+          </p:spPr>
+          <p:style>
+            <a:lnRef idx="1">
+              <a:schemeClr val="accent1"/>
+            </a:lnRef>
+            <a:fillRef idx="0">
+              <a:schemeClr val="accent1"/>
+            </a:fillRef>
+            <a:effectRef idx="0">
+              <a:schemeClr val="accent1"/>
+            </a:effectRef>
+            <a:fontRef idx="minor">
+              <a:schemeClr val="tx1"/>
+            </a:fontRef>
+          </p:style>
+        </p:cxnSp>
+      </p:grpSp>
+      <p:grpSp>
+        <p:nvGrpSpPr>
+          <p:cNvPr id="16" name="Group 15"/>
+          <p:cNvGrpSpPr/>
+          <p:nvPr/>
+        </p:nvGrpSpPr>
+        <p:grpSpPr>
+          <a:xfrm>
+            <a:off x="7097963" y="1335426"/>
+            <a:ext cx="4573042" cy="4573042"/>
+            <a:chOff x="3809479" y="1142479"/>
+            <a:chExt cx="4573042" cy="4573042"/>
+          </a:xfrm>
+        </p:grpSpPr>
+        <p:pic>
+          <p:nvPicPr>
+            <p:cNvPr id="17" name="Picture 16"/>
+            <p:cNvPicPr>
+              <a:picLocks noChangeAspect="1"/>
+            </p:cNvPicPr>
+            <p:nvPr/>
+          </p:nvPicPr>
+          <p:blipFill>
+            <a:blip r:embed="rId5">
+              <a:extLst>
+                <a:ext uri="{28A0092B-C50C-407E-A947-70E740481C1C}">
+                  <a14:useLocalDpi xmlns:a14="http://schemas.microsoft.com/office/drawing/2010/main" val="0"/>
+                </a:ext>
+              </a:extLst>
+            </a:blip>
+            <a:stretch>
+              <a:fillRect/>
+            </a:stretch>
+          </p:blipFill>
+          <p:spPr>
+            <a:xfrm>
+              <a:off x="3809479" y="1142479"/>
+              <a:ext cx="4573042" cy="4573042"/>
+            </a:xfrm>
+            <a:prstGeom prst="rect">
+              <a:avLst/>
+            </a:prstGeom>
+          </p:spPr>
+        </p:pic>
+        <p:cxnSp>
+          <p:nvCxnSpPr>
+            <p:cNvPr id="18" name="Straight Arrow Connector 17"/>
+            <p:cNvCxnSpPr/>
+            <p:nvPr/>
+          </p:nvCxnSpPr>
+          <p:spPr>
+            <a:xfrm flipH="1">
+              <a:off x="5474494" y="3371850"/>
+              <a:ext cx="685800" cy="590550"/>
+            </a:xfrm>
+            <a:prstGeom prst="straightConnector1">
+              <a:avLst/>
+            </a:prstGeom>
+            <a:ln w="28575">
+              <a:solidFill>
+                <a:srgbClr val="FF0000"/>
+              </a:solidFill>
+              <a:tailEnd type="triangle"/>
+            </a:ln>
+          </p:spPr>
+          <p:style>
+            <a:lnRef idx="1">
+              <a:schemeClr val="accent1"/>
+            </a:lnRef>
+            <a:fillRef idx="0">
+              <a:schemeClr val="accent1"/>
+            </a:fillRef>
+            <a:effectRef idx="0">
+              <a:schemeClr val="accent1"/>
+            </a:effectRef>
+            <a:fontRef idx="minor">
+              <a:schemeClr val="tx1"/>
+            </a:fontRef>
+          </p:style>
+        </p:cxnSp>
+      </p:grpSp>
+      <p:grpSp>
+        <p:nvGrpSpPr>
+          <p:cNvPr id="19" name="Group 18"/>
+          <p:cNvGrpSpPr/>
+          <p:nvPr/>
+        </p:nvGrpSpPr>
+        <p:grpSpPr>
+          <a:xfrm>
+            <a:off x="7097963" y="1335426"/>
+            <a:ext cx="4573042" cy="4573042"/>
+            <a:chOff x="3809479" y="1142479"/>
+            <a:chExt cx="4573042" cy="4573042"/>
+          </a:xfrm>
+        </p:grpSpPr>
+        <p:pic>
+          <p:nvPicPr>
+            <p:cNvPr id="20" name="Picture 19"/>
+            <p:cNvPicPr>
+              <a:picLocks noChangeAspect="1"/>
+            </p:cNvPicPr>
+            <p:nvPr/>
+          </p:nvPicPr>
+          <p:blipFill>
+            <a:blip r:embed="rId6">
+              <a:extLst>
+                <a:ext uri="{28A0092B-C50C-407E-A947-70E740481C1C}">
+                  <a14:useLocalDpi xmlns:a14="http://schemas.microsoft.com/office/drawing/2010/main" val="0"/>
+                </a:ext>
+              </a:extLst>
+            </a:blip>
+            <a:stretch>
+              <a:fillRect/>
+            </a:stretch>
+          </p:blipFill>
+          <p:spPr>
+            <a:xfrm>
+              <a:off x="3809479" y="1142479"/>
+              <a:ext cx="4573042" cy="4573042"/>
+            </a:xfrm>
+            <a:prstGeom prst="rect">
+              <a:avLst/>
+            </a:prstGeom>
+          </p:spPr>
+        </p:pic>
+        <p:cxnSp>
+          <p:nvCxnSpPr>
+            <p:cNvPr id="21" name="Straight Arrow Connector 20"/>
+            <p:cNvCxnSpPr/>
+            <p:nvPr/>
+          </p:nvCxnSpPr>
+          <p:spPr>
+            <a:xfrm flipH="1">
+              <a:off x="5688806" y="3355181"/>
+              <a:ext cx="471488" cy="428625"/>
+            </a:xfrm>
+            <a:prstGeom prst="straightConnector1">
+              <a:avLst/>
+            </a:prstGeom>
+            <a:ln w="28575">
+              <a:solidFill>
+                <a:srgbClr val="FF0000"/>
+              </a:solidFill>
+              <a:tailEnd type="triangle"/>
+            </a:ln>
+          </p:spPr>
+          <p:style>
+            <a:lnRef idx="1">
+              <a:schemeClr val="accent1"/>
+            </a:lnRef>
+            <a:fillRef idx="0">
+              <a:schemeClr val="accent1"/>
+            </a:fillRef>
+            <a:effectRef idx="0">
+              <a:schemeClr val="accent1"/>
+            </a:effectRef>
+            <a:fontRef idx="minor">
+              <a:schemeClr val="tx1"/>
+            </a:fontRef>
+          </p:style>
+        </p:cxnSp>
+      </p:grpSp>
+      <p:grpSp>
+        <p:nvGrpSpPr>
+          <p:cNvPr id="22" name="Group 21"/>
+          <p:cNvGrpSpPr/>
+          <p:nvPr/>
+        </p:nvGrpSpPr>
+        <p:grpSpPr>
+          <a:xfrm>
+            <a:off x="7097963" y="1335426"/>
+            <a:ext cx="4573042" cy="4573042"/>
+            <a:chOff x="3809479" y="1142479"/>
+            <a:chExt cx="4573042" cy="4573042"/>
+          </a:xfrm>
+        </p:grpSpPr>
+        <p:pic>
+          <p:nvPicPr>
+            <p:cNvPr id="23" name="Picture 22"/>
+            <p:cNvPicPr>
+              <a:picLocks noChangeAspect="1"/>
+            </p:cNvPicPr>
+            <p:nvPr/>
+          </p:nvPicPr>
+          <p:blipFill>
+            <a:blip r:embed="rId7">
+              <a:extLst>
+                <a:ext uri="{28A0092B-C50C-407E-A947-70E740481C1C}">
+                  <a14:useLocalDpi xmlns:a14="http://schemas.microsoft.com/office/drawing/2010/main" val="0"/>
+                </a:ext>
+              </a:extLst>
+            </a:blip>
+            <a:stretch>
+              <a:fillRect/>
+            </a:stretch>
+          </p:blipFill>
+          <p:spPr>
+            <a:xfrm>
+              <a:off x="3809479" y="1142479"/>
+              <a:ext cx="4573042" cy="4573042"/>
+            </a:xfrm>
+            <a:prstGeom prst="rect">
+              <a:avLst/>
+            </a:prstGeom>
+          </p:spPr>
+        </p:pic>
+        <p:cxnSp>
+          <p:nvCxnSpPr>
+            <p:cNvPr id="24" name="Straight Arrow Connector 23"/>
+            <p:cNvCxnSpPr/>
+            <p:nvPr/>
+          </p:nvCxnSpPr>
+          <p:spPr>
+            <a:xfrm flipH="1">
+              <a:off x="5941220" y="3371850"/>
+              <a:ext cx="219074" cy="176213"/>
+            </a:xfrm>
+            <a:prstGeom prst="straightConnector1">
+              <a:avLst/>
+            </a:prstGeom>
+            <a:ln w="28575">
+              <a:solidFill>
+                <a:srgbClr val="FF0000"/>
+              </a:solidFill>
+              <a:tailEnd type="triangle"/>
+            </a:ln>
+          </p:spPr>
+          <p:style>
+            <a:lnRef idx="1">
+              <a:schemeClr val="accent1"/>
+            </a:lnRef>
+            <a:fillRef idx="0">
+              <a:schemeClr val="accent1"/>
+            </a:fillRef>
+            <a:effectRef idx="0">
+              <a:schemeClr val="accent1"/>
+            </a:effectRef>
+            <a:fontRef idx="minor">
+              <a:schemeClr val="tx1"/>
+            </a:fontRef>
+          </p:style>
+        </p:cxnSp>
+      </p:grpSp>
+      <p:grpSp>
+        <p:nvGrpSpPr>
+          <p:cNvPr id="25" name="Group 24"/>
+          <p:cNvGrpSpPr/>
+          <p:nvPr/>
+        </p:nvGrpSpPr>
+        <p:grpSpPr>
+          <a:xfrm>
+            <a:off x="7097963" y="1335426"/>
+            <a:ext cx="4573042" cy="4573042"/>
+            <a:chOff x="3809479" y="1142479"/>
+            <a:chExt cx="4573042" cy="4573042"/>
+          </a:xfrm>
+        </p:grpSpPr>
+        <p:pic>
+          <p:nvPicPr>
+            <p:cNvPr id="26" name="Picture 25"/>
+            <p:cNvPicPr>
+              <a:picLocks noChangeAspect="1"/>
+            </p:cNvPicPr>
+            <p:nvPr/>
+          </p:nvPicPr>
+          <p:blipFill>
+            <a:blip r:embed="rId8">
+              <a:extLst>
+                <a:ext uri="{28A0092B-C50C-407E-A947-70E740481C1C}">
+                  <a14:useLocalDpi xmlns:a14="http://schemas.microsoft.com/office/drawing/2010/main" val="0"/>
+                </a:ext>
+              </a:extLst>
+            </a:blip>
+            <a:stretch>
+              <a:fillRect/>
+            </a:stretch>
+          </p:blipFill>
+          <p:spPr>
+            <a:xfrm>
+              <a:off x="3809479" y="1142479"/>
+              <a:ext cx="4573042" cy="4573042"/>
+            </a:xfrm>
+            <a:prstGeom prst="rect">
+              <a:avLst/>
+            </a:prstGeom>
+          </p:spPr>
+        </p:pic>
+        <p:sp>
+          <p:nvSpPr>
+            <p:cNvPr id="27" name="Isosceles Triangle 26"/>
+            <p:cNvSpPr/>
+            <p:nvPr/>
+          </p:nvSpPr>
+          <p:spPr>
+            <a:xfrm rot="1499031" flipV="1">
+              <a:off x="6156420" y="3231326"/>
+              <a:ext cx="85892" cy="107157"/>
+            </a:xfrm>
+            <a:prstGeom prst="triangle">
+              <a:avLst/>
+            </a:prstGeom>
+            <a:solidFill>
+              <a:srgbClr val="E6DEDE"/>
+            </a:solidFill>
+            <a:ln>
+              <a:solidFill>
+                <a:srgbClr val="E6DEDE"/>
+              </a:solidFill>
+            </a:ln>
+          </p:spPr>
+          <p:style>
+            <a:lnRef idx="2">
+              <a:schemeClr val="accent1">
+                <a:shade val="50000"/>
+              </a:schemeClr>
+            </a:lnRef>
+            <a:fillRef idx="1">
+              <a:schemeClr val="accent1"/>
+            </a:fillRef>
+            <a:effectRef idx="0">
+              <a:schemeClr val="accent1"/>
+            </a:effectRef>
+            <a:fontRef idx="minor">
+              <a:schemeClr val="lt1"/>
+            </a:fontRef>
+          </p:style>
+          <p:txBody>
+            <a:bodyPr rtlCol="0" anchor="ctr"/>
+            <a:lstStyle/>
+            <a:p>
+              <a:pPr algn="ctr"/>
+              <a:endParaRPr lang="en-US"/>
+            </a:p>
+          </p:txBody>
+        </p:sp>
+        <p:sp>
+          <p:nvSpPr>
+            <p:cNvPr id="28" name="Isosceles Triangle 27"/>
+            <p:cNvSpPr/>
+            <p:nvPr/>
+          </p:nvSpPr>
+          <p:spPr>
+            <a:xfrm rot="3842677" flipV="1">
+              <a:off x="6225578" y="3266865"/>
+              <a:ext cx="60501" cy="107157"/>
+            </a:xfrm>
+            <a:prstGeom prst="triangle">
+              <a:avLst/>
+            </a:prstGeom>
+            <a:solidFill>
+              <a:srgbClr val="E0D8D8"/>
+            </a:solidFill>
+            <a:ln>
+              <a:solidFill>
+                <a:srgbClr val="E0D8D8"/>
+              </a:solidFill>
+            </a:ln>
+          </p:spPr>
+          <p:style>
+            <a:lnRef idx="2">
+              <a:schemeClr val="accent1">
+                <a:shade val="50000"/>
+              </a:schemeClr>
+            </a:lnRef>
+            <a:fillRef idx="1">
+              <a:schemeClr val="accent1"/>
+            </a:fillRef>
+            <a:effectRef idx="0">
+              <a:schemeClr val="accent1"/>
+            </a:effectRef>
+            <a:fontRef idx="minor">
+              <a:schemeClr val="lt1"/>
+            </a:fontRef>
+          </p:style>
+          <p:txBody>
+            <a:bodyPr rtlCol="0" anchor="ctr"/>
+            <a:lstStyle/>
+            <a:p>
+              <a:pPr algn="ctr"/>
+              <a:endParaRPr lang="en-US"/>
+            </a:p>
+          </p:txBody>
+        </p:sp>
+      </p:grpSp>
+      <p:grpSp>
+        <p:nvGrpSpPr>
+          <p:cNvPr id="29" name="Group 28"/>
+          <p:cNvGrpSpPr/>
+          <p:nvPr/>
+        </p:nvGrpSpPr>
+        <p:grpSpPr>
+          <a:xfrm>
+            <a:off x="7097963" y="1335426"/>
+            <a:ext cx="4573042" cy="4573042"/>
+            <a:chOff x="3809479" y="1142479"/>
+            <a:chExt cx="4573042" cy="4573042"/>
+          </a:xfrm>
+        </p:grpSpPr>
+        <p:pic>
+          <p:nvPicPr>
+            <p:cNvPr id="30" name="Picture 29"/>
+            <p:cNvPicPr>
+              <a:picLocks noChangeAspect="1"/>
+            </p:cNvPicPr>
+            <p:nvPr/>
+          </p:nvPicPr>
+          <p:blipFill>
+            <a:blip r:embed="rId9">
+              <a:extLst>
+                <a:ext uri="{28A0092B-C50C-407E-A947-70E740481C1C}">
+                  <a14:useLocalDpi xmlns:a14="http://schemas.microsoft.com/office/drawing/2010/main" val="0"/>
+                </a:ext>
+              </a:extLst>
+            </a:blip>
+            <a:stretch>
+              <a:fillRect/>
+            </a:stretch>
+          </p:blipFill>
+          <p:spPr>
+            <a:xfrm>
+              <a:off x="3809479" y="1142479"/>
+              <a:ext cx="4573042" cy="4573042"/>
+            </a:xfrm>
+            <a:prstGeom prst="rect">
+              <a:avLst/>
+            </a:prstGeom>
+          </p:spPr>
+        </p:pic>
+        <p:cxnSp>
+          <p:nvCxnSpPr>
+            <p:cNvPr id="31" name="Straight Arrow Connector 30"/>
+            <p:cNvCxnSpPr/>
+            <p:nvPr/>
+          </p:nvCxnSpPr>
+          <p:spPr>
+            <a:xfrm flipV="1">
+              <a:off x="6170177" y="3250406"/>
+              <a:ext cx="124866" cy="110946"/>
+            </a:xfrm>
+            <a:prstGeom prst="straightConnector1">
+              <a:avLst/>
+            </a:prstGeom>
+            <a:ln w="28575">
+              <a:solidFill>
+                <a:srgbClr val="FF0000"/>
+              </a:solidFill>
+              <a:tailEnd type="triangle"/>
+            </a:ln>
+          </p:spPr>
+          <p:style>
+            <a:lnRef idx="1">
+              <a:schemeClr val="accent1"/>
+            </a:lnRef>
+            <a:fillRef idx="0">
+              <a:schemeClr val="accent1"/>
+            </a:fillRef>
+            <a:effectRef idx="0">
+              <a:schemeClr val="accent1"/>
+            </a:effectRef>
+            <a:fontRef idx="minor">
+              <a:schemeClr val="tx1"/>
+            </a:fontRef>
+          </p:style>
+        </p:cxnSp>
+      </p:grpSp>
+      <p:grpSp>
+        <p:nvGrpSpPr>
+          <p:cNvPr id="32" name="Group 31"/>
+          <p:cNvGrpSpPr/>
+          <p:nvPr/>
+        </p:nvGrpSpPr>
+        <p:grpSpPr>
+          <a:xfrm>
+            <a:off x="7097963" y="1335426"/>
+            <a:ext cx="4573042" cy="4573042"/>
+            <a:chOff x="3809479" y="1142479"/>
+            <a:chExt cx="4573042" cy="4573042"/>
+          </a:xfrm>
+        </p:grpSpPr>
+        <p:pic>
+          <p:nvPicPr>
+            <p:cNvPr id="33" name="Picture 32"/>
+            <p:cNvPicPr>
+              <a:picLocks noChangeAspect="1"/>
+            </p:cNvPicPr>
+            <p:nvPr/>
+          </p:nvPicPr>
+          <p:blipFill>
+            <a:blip r:embed="rId10">
+              <a:extLst>
+                <a:ext uri="{28A0092B-C50C-407E-A947-70E740481C1C}">
+                  <a14:useLocalDpi xmlns:a14="http://schemas.microsoft.com/office/drawing/2010/main" val="0"/>
+                </a:ext>
+              </a:extLst>
+            </a:blip>
+            <a:stretch>
+              <a:fillRect/>
+            </a:stretch>
+          </p:blipFill>
+          <p:spPr>
+            <a:xfrm>
+              <a:off x="3809479" y="1142479"/>
+              <a:ext cx="4573042" cy="4573042"/>
+            </a:xfrm>
+            <a:prstGeom prst="rect">
+              <a:avLst/>
+            </a:prstGeom>
+          </p:spPr>
+        </p:pic>
+        <p:cxnSp>
+          <p:nvCxnSpPr>
+            <p:cNvPr id="34" name="Straight Arrow Connector 33"/>
+            <p:cNvCxnSpPr/>
+            <p:nvPr/>
+          </p:nvCxnSpPr>
+          <p:spPr>
+            <a:xfrm flipV="1">
+              <a:off x="6170177" y="3147020"/>
+              <a:ext cx="244911" cy="214332"/>
+            </a:xfrm>
+            <a:prstGeom prst="straightConnector1">
+              <a:avLst/>
+            </a:prstGeom>
+            <a:ln w="28575">
+              <a:solidFill>
+                <a:srgbClr val="FF0000"/>
+              </a:solidFill>
+              <a:tailEnd type="triangle"/>
+            </a:ln>
+          </p:spPr>
+          <p:style>
+            <a:lnRef idx="1">
+              <a:schemeClr val="accent1"/>
+            </a:lnRef>
+            <a:fillRef idx="0">
+              <a:schemeClr val="accent1"/>
+            </a:fillRef>
+            <a:effectRef idx="0">
+              <a:schemeClr val="accent1"/>
+            </a:effectRef>
+            <a:fontRef idx="minor">
+              <a:schemeClr val="tx1"/>
+            </a:fontRef>
+          </p:style>
+        </p:cxnSp>
+      </p:grpSp>
+      <p:grpSp>
+        <p:nvGrpSpPr>
+          <p:cNvPr id="35" name="Group 34"/>
+          <p:cNvGrpSpPr/>
+          <p:nvPr/>
+        </p:nvGrpSpPr>
+        <p:grpSpPr>
+          <a:xfrm>
+            <a:off x="7097963" y="1335426"/>
+            <a:ext cx="4573042" cy="4573042"/>
+            <a:chOff x="3809479" y="1142479"/>
+            <a:chExt cx="4573042" cy="4573042"/>
+          </a:xfrm>
+        </p:grpSpPr>
+        <p:pic>
+          <p:nvPicPr>
+            <p:cNvPr id="36" name="Picture 35"/>
+            <p:cNvPicPr>
+              <a:picLocks noChangeAspect="1"/>
+            </p:cNvPicPr>
+            <p:nvPr/>
+          </p:nvPicPr>
+          <p:blipFill>
+            <a:blip r:embed="rId11">
+              <a:extLst>
+                <a:ext uri="{28A0092B-C50C-407E-A947-70E740481C1C}">
+                  <a14:useLocalDpi xmlns:a14="http://schemas.microsoft.com/office/drawing/2010/main" val="0"/>
+                </a:ext>
+              </a:extLst>
+            </a:blip>
+            <a:stretch>
+              <a:fillRect/>
+            </a:stretch>
+          </p:blipFill>
+          <p:spPr>
+            <a:xfrm>
+              <a:off x="3809479" y="1142479"/>
+              <a:ext cx="4573042" cy="4573042"/>
+            </a:xfrm>
+            <a:prstGeom prst="rect">
+              <a:avLst/>
+            </a:prstGeom>
+          </p:spPr>
+        </p:pic>
+        <p:cxnSp>
+          <p:nvCxnSpPr>
+            <p:cNvPr id="37" name="Straight Arrow Connector 36"/>
+            <p:cNvCxnSpPr/>
+            <p:nvPr/>
+          </p:nvCxnSpPr>
+          <p:spPr>
+            <a:xfrm flipV="1">
+              <a:off x="6170177" y="3108957"/>
+              <a:ext cx="287773" cy="250003"/>
+            </a:xfrm>
+            <a:prstGeom prst="straightConnector1">
+              <a:avLst/>
+            </a:prstGeom>
+            <a:ln w="28575">
+              <a:solidFill>
+                <a:srgbClr val="FF0000"/>
+              </a:solidFill>
+              <a:tailEnd type="triangle"/>
+            </a:ln>
+          </p:spPr>
+          <p:style>
+            <a:lnRef idx="1">
+              <a:schemeClr val="accent1"/>
+            </a:lnRef>
+            <a:fillRef idx="0">
+              <a:schemeClr val="accent1"/>
+            </a:fillRef>
+            <a:effectRef idx="0">
+              <a:schemeClr val="accent1"/>
+            </a:effectRef>
+            <a:fontRef idx="minor">
+              <a:schemeClr val="tx1"/>
+            </a:fontRef>
+          </p:style>
+        </p:cxnSp>
+      </p:grpSp>
+      <p:grpSp>
+        <p:nvGrpSpPr>
+          <p:cNvPr id="38" name="Group 37"/>
+          <p:cNvGrpSpPr/>
+          <p:nvPr/>
+        </p:nvGrpSpPr>
+        <p:grpSpPr>
+          <a:xfrm>
+            <a:off x="7097963" y="1335426"/>
+            <a:ext cx="4573042" cy="4573042"/>
+            <a:chOff x="3809479" y="1142479"/>
+            <a:chExt cx="4573042" cy="4573042"/>
+          </a:xfrm>
+        </p:grpSpPr>
+        <p:pic>
+          <p:nvPicPr>
+            <p:cNvPr id="39" name="Picture 38"/>
+            <p:cNvPicPr>
+              <a:picLocks noChangeAspect="1"/>
+            </p:cNvPicPr>
+            <p:nvPr/>
+          </p:nvPicPr>
+          <p:blipFill>
+            <a:blip r:embed="rId12">
+              <a:extLst>
+                <a:ext uri="{28A0092B-C50C-407E-A947-70E740481C1C}">
+                  <a14:useLocalDpi xmlns:a14="http://schemas.microsoft.com/office/drawing/2010/main" val="0"/>
+                </a:ext>
+              </a:extLst>
+            </a:blip>
+            <a:stretch>
+              <a:fillRect/>
+            </a:stretch>
+          </p:blipFill>
+          <p:spPr>
+            <a:xfrm>
+              <a:off x="3809479" y="1142479"/>
+              <a:ext cx="4573042" cy="4573042"/>
+            </a:xfrm>
+            <a:prstGeom prst="rect">
+              <a:avLst/>
+            </a:prstGeom>
+          </p:spPr>
+        </p:pic>
+        <p:cxnSp>
+          <p:nvCxnSpPr>
+            <p:cNvPr id="40" name="Straight Arrow Connector 39"/>
+            <p:cNvCxnSpPr/>
+            <p:nvPr/>
+          </p:nvCxnSpPr>
+          <p:spPr>
+            <a:xfrm flipV="1">
+              <a:off x="6170177" y="3126780"/>
+              <a:ext cx="269148" cy="232175"/>
+            </a:xfrm>
+            <a:prstGeom prst="straightConnector1">
+              <a:avLst/>
+            </a:prstGeom>
+            <a:ln w="28575">
+              <a:solidFill>
+                <a:srgbClr val="FF0000"/>
+              </a:solidFill>
+              <a:tailEnd type="triangle"/>
+            </a:ln>
+          </p:spPr>
+          <p:style>
+            <a:lnRef idx="1">
+              <a:schemeClr val="accent1"/>
+            </a:lnRef>
+            <a:fillRef idx="0">
+              <a:schemeClr val="accent1"/>
+            </a:fillRef>
+            <a:effectRef idx="0">
+              <a:schemeClr val="accent1"/>
+            </a:effectRef>
+            <a:fontRef idx="minor">
+              <a:schemeClr val="tx1"/>
+            </a:fontRef>
+          </p:style>
+        </p:cxnSp>
+      </p:grpSp>
+      <p:grpSp>
+        <p:nvGrpSpPr>
+          <p:cNvPr id="41" name="Group 40"/>
+          <p:cNvGrpSpPr/>
+          <p:nvPr/>
+        </p:nvGrpSpPr>
+        <p:grpSpPr>
+          <a:xfrm>
+            <a:off x="7097963" y="1335426"/>
+            <a:ext cx="4573042" cy="4573042"/>
+            <a:chOff x="3809479" y="1142479"/>
+            <a:chExt cx="4573042" cy="4573042"/>
+          </a:xfrm>
+        </p:grpSpPr>
+        <p:pic>
+          <p:nvPicPr>
+            <p:cNvPr id="42" name="Picture 41"/>
+            <p:cNvPicPr>
+              <a:picLocks noChangeAspect="1"/>
+            </p:cNvPicPr>
+            <p:nvPr/>
+          </p:nvPicPr>
+          <p:blipFill>
+            <a:blip r:embed="rId13">
+              <a:extLst>
+                <a:ext uri="{28A0092B-C50C-407E-A947-70E740481C1C}">
+                  <a14:useLocalDpi xmlns:a14="http://schemas.microsoft.com/office/drawing/2010/main" val="0"/>
+                </a:ext>
+              </a:extLst>
+            </a:blip>
+            <a:stretch>
+              <a:fillRect/>
+            </a:stretch>
+          </p:blipFill>
+          <p:spPr>
+            <a:xfrm>
+              <a:off x="3809479" y="1142479"/>
+              <a:ext cx="4573042" cy="4573042"/>
+            </a:xfrm>
+            <a:prstGeom prst="rect">
+              <a:avLst/>
+            </a:prstGeom>
+          </p:spPr>
+        </p:pic>
+        <p:cxnSp>
+          <p:nvCxnSpPr>
+            <p:cNvPr id="43" name="Straight Arrow Connector 42"/>
+            <p:cNvCxnSpPr/>
+            <p:nvPr/>
+          </p:nvCxnSpPr>
+          <p:spPr>
+            <a:xfrm flipV="1">
+              <a:off x="6170177" y="3197960"/>
+              <a:ext cx="181186" cy="160995"/>
+            </a:xfrm>
+            <a:prstGeom prst="straightConnector1">
+              <a:avLst/>
+            </a:prstGeom>
+            <a:ln w="28575">
+              <a:solidFill>
+                <a:srgbClr val="FF0000"/>
+              </a:solidFill>
+              <a:tailEnd type="triangle"/>
+            </a:ln>
+          </p:spPr>
+          <p:style>
+            <a:lnRef idx="1">
+              <a:schemeClr val="accent1"/>
+            </a:lnRef>
+            <a:fillRef idx="0">
+              <a:schemeClr val="accent1"/>
+            </a:fillRef>
+            <a:effectRef idx="0">
+              <a:schemeClr val="accent1"/>
+            </a:effectRef>
+            <a:fontRef idx="minor">
+              <a:schemeClr val="tx1"/>
+            </a:fontRef>
+          </p:style>
+        </p:cxnSp>
+      </p:grpSp>
+      <p:sp>
+        <p:nvSpPr>
+          <p:cNvPr id="46" name="TextBox 45"/>
+          <p:cNvSpPr txBox="1"/>
+          <p:nvPr/>
+        </p:nvSpPr>
         <p:spPr>
           <a:xfrm>
-            <a:off x="6307589" y="2287577"/>
-            <a:ext cx="5596390" cy="3966513"/>
+            <a:off x="1573085" y="59937"/>
+            <a:ext cx="9506705" cy="769441"/>
           </a:xfrm>
           <a:prstGeom prst="rect">
             <a:avLst/>
           </a:prstGeom>
+          <a:noFill/>
         </p:spPr>
-      </p:pic>
+        <p:txBody>
+          <a:bodyPr wrap="none" rtlCol="0">
+            <a:spAutoFit/>
+          </a:bodyPr>
+          <a:lstStyle/>
+          <a:p>
+            <a:r>
+              <a:rPr lang="en-US" sz="4400" dirty="0">
+                <a:latin typeface="+mj-lt"/>
+              </a:rPr>
+              <a:t>Spin dephasing vs measurement strength</a:t>
+            </a:r>
+          </a:p>
+        </p:txBody>
+      </p:sp>
     </p:spTree>
     <p:extLst>
       <p:ext uri="{BB962C8B-B14F-4D97-AF65-F5344CB8AC3E}">
-        <p14:creationId xmlns:p14="http://schemas.microsoft.com/office/powerpoint/2010/main" val="2445002551"/>
+        <p14:creationId xmlns:p14="http://schemas.microsoft.com/office/powerpoint/2010/main" val="2568166464"/>
       </p:ext>
     </p:extLst>
   </p:cSld>
   <p:clrMapOvr>
     <a:masterClrMapping/>
   </p:clrMapOvr>
+  <p:timing>
+    <p:tnLst>
+      <p:par>
+        <p:cTn id="1" dur="indefinite" restart="never" nodeType="tmRoot">
+          <p:childTnLst>
+            <p:seq concurrent="1" nextAc="seek">
+              <p:cTn id="2" dur="indefinite" nodeType="mainSeq">
+                <p:childTnLst>
+                  <p:par>
+                    <p:cTn id="3" fill="hold">
+                      <p:stCondLst>
+                        <p:cond delay="indefinite"/>
+                      </p:stCondLst>
+                      <p:childTnLst>
+                        <p:par>
+                          <p:cTn id="4" fill="hold">
+                            <p:stCondLst>
+                              <p:cond delay="0"/>
+                            </p:stCondLst>
+                            <p:childTnLst>
+                              <p:par>
+                                <p:cTn id="5" presetID="1" presetClass="entr" presetSubtype="0" fill="hold" nodeType="clickEffect">
+                                  <p:stCondLst>
+                                    <p:cond delay="0"/>
+                                  </p:stCondLst>
+                                  <p:childTnLst>
+                                    <p:set>
+                                      <p:cBhvr>
+                                        <p:cTn id="6" dur="1" fill="hold">
+                                          <p:stCondLst>
+                                            <p:cond delay="1249"/>
+                                          </p:stCondLst>
+                                        </p:cTn>
+                                        <p:tgtEl>
+                                          <p:spTgt spid="13"/>
+                                        </p:tgtEl>
+                                        <p:attrNameLst>
+                                          <p:attrName>style.visibility</p:attrName>
+                                        </p:attrNameLst>
+                                      </p:cBhvr>
+                                      <p:to>
+                                        <p:strVal val="visible"/>
+                                      </p:to>
+                                    </p:set>
+                                  </p:childTnLst>
+                                </p:cTn>
+                              </p:par>
+                            </p:childTnLst>
+                          </p:cTn>
+                        </p:par>
+                        <p:par>
+                          <p:cTn id="7" fill="hold">
+                            <p:stCondLst>
+                              <p:cond delay="1250"/>
+                            </p:stCondLst>
+                            <p:childTnLst>
+                              <p:par>
+                                <p:cTn id="8" presetID="1" presetClass="entr" presetSubtype="0" fill="hold" nodeType="afterEffect">
+                                  <p:stCondLst>
+                                    <p:cond delay="0"/>
+                                  </p:stCondLst>
+                                  <p:childTnLst>
+                                    <p:set>
+                                      <p:cBhvr>
+                                        <p:cTn id="9" dur="1" fill="hold">
+                                          <p:stCondLst>
+                                            <p:cond delay="1249"/>
+                                          </p:stCondLst>
+                                        </p:cTn>
+                                        <p:tgtEl>
+                                          <p:spTgt spid="16"/>
+                                        </p:tgtEl>
+                                        <p:attrNameLst>
+                                          <p:attrName>style.visibility</p:attrName>
+                                        </p:attrNameLst>
+                                      </p:cBhvr>
+                                      <p:to>
+                                        <p:strVal val="visible"/>
+                                      </p:to>
+                                    </p:set>
+                                  </p:childTnLst>
+                                </p:cTn>
+                              </p:par>
+                            </p:childTnLst>
+                          </p:cTn>
+                        </p:par>
+                        <p:par>
+                          <p:cTn id="10" fill="hold">
+                            <p:stCondLst>
+                              <p:cond delay="2500"/>
+                            </p:stCondLst>
+                            <p:childTnLst>
+                              <p:par>
+                                <p:cTn id="11" presetID="1" presetClass="entr" presetSubtype="0" fill="hold" nodeType="afterEffect">
+                                  <p:stCondLst>
+                                    <p:cond delay="0"/>
+                                  </p:stCondLst>
+                                  <p:childTnLst>
+                                    <p:set>
+                                      <p:cBhvr>
+                                        <p:cTn id="12" dur="1" fill="hold">
+                                          <p:stCondLst>
+                                            <p:cond delay="1249"/>
+                                          </p:stCondLst>
+                                        </p:cTn>
+                                        <p:tgtEl>
+                                          <p:spTgt spid="19"/>
+                                        </p:tgtEl>
+                                        <p:attrNameLst>
+                                          <p:attrName>style.visibility</p:attrName>
+                                        </p:attrNameLst>
+                                      </p:cBhvr>
+                                      <p:to>
+                                        <p:strVal val="visible"/>
+                                      </p:to>
+                                    </p:set>
+                                  </p:childTnLst>
+                                </p:cTn>
+                              </p:par>
+                            </p:childTnLst>
+                          </p:cTn>
+                        </p:par>
+                        <p:par>
+                          <p:cTn id="13" fill="hold">
+                            <p:stCondLst>
+                              <p:cond delay="3750"/>
+                            </p:stCondLst>
+                            <p:childTnLst>
+                              <p:par>
+                                <p:cTn id="14" presetID="1" presetClass="entr" presetSubtype="0" fill="hold" nodeType="afterEffect">
+                                  <p:stCondLst>
+                                    <p:cond delay="0"/>
+                                  </p:stCondLst>
+                                  <p:childTnLst>
+                                    <p:set>
+                                      <p:cBhvr>
+                                        <p:cTn id="15" dur="1" fill="hold">
+                                          <p:stCondLst>
+                                            <p:cond delay="1249"/>
+                                          </p:stCondLst>
+                                        </p:cTn>
+                                        <p:tgtEl>
+                                          <p:spTgt spid="22"/>
+                                        </p:tgtEl>
+                                        <p:attrNameLst>
+                                          <p:attrName>style.visibility</p:attrName>
+                                        </p:attrNameLst>
+                                      </p:cBhvr>
+                                      <p:to>
+                                        <p:strVal val="visible"/>
+                                      </p:to>
+                                    </p:set>
+                                  </p:childTnLst>
+                                </p:cTn>
+                              </p:par>
+                            </p:childTnLst>
+                          </p:cTn>
+                        </p:par>
+                        <p:par>
+                          <p:cTn id="16" fill="hold">
+                            <p:stCondLst>
+                              <p:cond delay="5000"/>
+                            </p:stCondLst>
+                            <p:childTnLst>
+                              <p:par>
+                                <p:cTn id="17" presetID="1" presetClass="entr" presetSubtype="0" fill="hold" nodeType="afterEffect">
+                                  <p:stCondLst>
+                                    <p:cond delay="0"/>
+                                  </p:stCondLst>
+                                  <p:childTnLst>
+                                    <p:set>
+                                      <p:cBhvr>
+                                        <p:cTn id="18" dur="1" fill="hold">
+                                          <p:stCondLst>
+                                            <p:cond delay="1249"/>
+                                          </p:stCondLst>
+                                        </p:cTn>
+                                        <p:tgtEl>
+                                          <p:spTgt spid="25"/>
+                                        </p:tgtEl>
+                                        <p:attrNameLst>
+                                          <p:attrName>style.visibility</p:attrName>
+                                        </p:attrNameLst>
+                                      </p:cBhvr>
+                                      <p:to>
+                                        <p:strVal val="visible"/>
+                                      </p:to>
+                                    </p:set>
+                                  </p:childTnLst>
+                                </p:cTn>
+                              </p:par>
+                            </p:childTnLst>
+                          </p:cTn>
+                        </p:par>
+                        <p:par>
+                          <p:cTn id="19" fill="hold">
+                            <p:stCondLst>
+                              <p:cond delay="6250"/>
+                            </p:stCondLst>
+                            <p:childTnLst>
+                              <p:par>
+                                <p:cTn id="20" presetID="1" presetClass="entr" presetSubtype="0" fill="hold" nodeType="afterEffect">
+                                  <p:stCondLst>
+                                    <p:cond delay="0"/>
+                                  </p:stCondLst>
+                                  <p:childTnLst>
+                                    <p:set>
+                                      <p:cBhvr>
+                                        <p:cTn id="21" dur="1" fill="hold">
+                                          <p:stCondLst>
+                                            <p:cond delay="1249"/>
+                                          </p:stCondLst>
+                                        </p:cTn>
+                                        <p:tgtEl>
+                                          <p:spTgt spid="29"/>
+                                        </p:tgtEl>
+                                        <p:attrNameLst>
+                                          <p:attrName>style.visibility</p:attrName>
+                                        </p:attrNameLst>
+                                      </p:cBhvr>
+                                      <p:to>
+                                        <p:strVal val="visible"/>
+                                      </p:to>
+                                    </p:set>
+                                  </p:childTnLst>
+                                </p:cTn>
+                              </p:par>
+                            </p:childTnLst>
+                          </p:cTn>
+                        </p:par>
+                        <p:par>
+                          <p:cTn id="22" fill="hold">
+                            <p:stCondLst>
+                              <p:cond delay="7500"/>
+                            </p:stCondLst>
+                            <p:childTnLst>
+                              <p:par>
+                                <p:cTn id="23" presetID="1" presetClass="entr" presetSubtype="0" fill="hold" nodeType="afterEffect">
+                                  <p:stCondLst>
+                                    <p:cond delay="0"/>
+                                  </p:stCondLst>
+                                  <p:childTnLst>
+                                    <p:set>
+                                      <p:cBhvr>
+                                        <p:cTn id="24" dur="1" fill="hold">
+                                          <p:stCondLst>
+                                            <p:cond delay="1249"/>
+                                          </p:stCondLst>
+                                        </p:cTn>
+                                        <p:tgtEl>
+                                          <p:spTgt spid="32"/>
+                                        </p:tgtEl>
+                                        <p:attrNameLst>
+                                          <p:attrName>style.visibility</p:attrName>
+                                        </p:attrNameLst>
+                                      </p:cBhvr>
+                                      <p:to>
+                                        <p:strVal val="visible"/>
+                                      </p:to>
+                                    </p:set>
+                                  </p:childTnLst>
+                                </p:cTn>
+                              </p:par>
+                            </p:childTnLst>
+                          </p:cTn>
+                        </p:par>
+                        <p:par>
+                          <p:cTn id="25" fill="hold">
+                            <p:stCondLst>
+                              <p:cond delay="8750"/>
+                            </p:stCondLst>
+                            <p:childTnLst>
+                              <p:par>
+                                <p:cTn id="26" presetID="1" presetClass="entr" presetSubtype="0" fill="hold" nodeType="afterEffect">
+                                  <p:stCondLst>
+                                    <p:cond delay="0"/>
+                                  </p:stCondLst>
+                                  <p:childTnLst>
+                                    <p:set>
+                                      <p:cBhvr>
+                                        <p:cTn id="27" dur="1" fill="hold">
+                                          <p:stCondLst>
+                                            <p:cond delay="1249"/>
+                                          </p:stCondLst>
+                                        </p:cTn>
+                                        <p:tgtEl>
+                                          <p:spTgt spid="35"/>
+                                        </p:tgtEl>
+                                        <p:attrNameLst>
+                                          <p:attrName>style.visibility</p:attrName>
+                                        </p:attrNameLst>
+                                      </p:cBhvr>
+                                      <p:to>
+                                        <p:strVal val="visible"/>
+                                      </p:to>
+                                    </p:set>
+                                  </p:childTnLst>
+                                </p:cTn>
+                              </p:par>
+                            </p:childTnLst>
+                          </p:cTn>
+                        </p:par>
+                        <p:par>
+                          <p:cTn id="28" fill="hold">
+                            <p:stCondLst>
+                              <p:cond delay="10000"/>
+                            </p:stCondLst>
+                            <p:childTnLst>
+                              <p:par>
+                                <p:cTn id="29" presetID="1" presetClass="entr" presetSubtype="0" fill="hold" nodeType="afterEffect">
+                                  <p:stCondLst>
+                                    <p:cond delay="0"/>
+                                  </p:stCondLst>
+                                  <p:childTnLst>
+                                    <p:set>
+                                      <p:cBhvr>
+                                        <p:cTn id="30" dur="1" fill="hold">
+                                          <p:stCondLst>
+                                            <p:cond delay="1249"/>
+                                          </p:stCondLst>
+                                        </p:cTn>
+                                        <p:tgtEl>
+                                          <p:spTgt spid="38"/>
+                                        </p:tgtEl>
+                                        <p:attrNameLst>
+                                          <p:attrName>style.visibility</p:attrName>
+                                        </p:attrNameLst>
+                                      </p:cBhvr>
+                                      <p:to>
+                                        <p:strVal val="visible"/>
+                                      </p:to>
+                                    </p:set>
+                                  </p:childTnLst>
+                                </p:cTn>
+                              </p:par>
+                            </p:childTnLst>
+                          </p:cTn>
+                        </p:par>
+                        <p:par>
+                          <p:cTn id="31" fill="hold">
+                            <p:stCondLst>
+                              <p:cond delay="11250"/>
+                            </p:stCondLst>
+                            <p:childTnLst>
+                              <p:par>
+                                <p:cTn id="32" presetID="1" presetClass="entr" presetSubtype="0" fill="hold" nodeType="afterEffect">
+                                  <p:stCondLst>
+                                    <p:cond delay="0"/>
+                                  </p:stCondLst>
+                                  <p:childTnLst>
+                                    <p:set>
+                                      <p:cBhvr>
+                                        <p:cTn id="33" dur="1" fill="hold">
+                                          <p:stCondLst>
+                                            <p:cond delay="1249"/>
+                                          </p:stCondLst>
+                                        </p:cTn>
+                                        <p:tgtEl>
+                                          <p:spTgt spid="41"/>
+                                        </p:tgtEl>
+                                        <p:attrNameLst>
+                                          <p:attrName>style.visibility</p:attrName>
+                                        </p:attrNameLst>
+                                      </p:cBhvr>
+                                      <p:to>
+                                        <p:strVal val="visible"/>
+                                      </p:to>
+                                    </p:set>
+                                  </p:childTnLst>
+                                </p:cTn>
+                              </p:par>
+                            </p:childTnLst>
+                          </p:cTn>
+                        </p:par>
+                      </p:childTnLst>
+                    </p:cTn>
+                  </p:par>
+                </p:childTnLst>
+              </p:cTn>
+              <p:prevCondLst>
+                <p:cond evt="onPrev" delay="0">
+                  <p:tgtEl>
+                    <p:sldTgt/>
+                  </p:tgtEl>
+                </p:cond>
+              </p:prevCondLst>
+              <p:nextCondLst>
+                <p:cond evt="onNext" delay="0">
+                  <p:tgtEl>
+                    <p:sldTgt/>
+                  </p:tgtEl>
+                </p:cond>
+              </p:nextCondLst>
+            </p:seq>
+          </p:childTnLst>
+        </p:cTn>
+      </p:par>
+    </p:tnLst>
+  </p:timing>
 </p:sld>
 </file>
 
@@ -15373,18 +17713,26 @@
             <p:ph type="title"/>
           </p:nvPr>
         </p:nvSpPr>
-        <p:spPr/>
+        <p:spPr>
+          <a:xfrm>
+            <a:off x="776056" y="165070"/>
+            <a:ext cx="10515600" cy="1325563"/>
+          </a:xfrm>
+        </p:spPr>
         <p:txBody>
           <a:bodyPr/>
           <a:lstStyle/>
           <a:p>
-            <a:endParaRPr lang="en-US"/>
+            <a:r>
+              <a:rPr lang="en-US" dirty="0"/>
+              <a:t>Limits to sensitivity / SNR</a:t>
+            </a:r>
           </a:p>
         </p:txBody>
       </p:sp>
       <p:pic>
         <p:nvPicPr>
-          <p:cNvPr id="4" name="Picture 3"/>
+          <p:cNvPr id="5" name="Picture 4"/>
           <p:cNvPicPr>
             <a:picLocks noChangeAspect="1"/>
           </p:cNvPicPr>
@@ -15404,14 +17752,231 @@
         </p:blipFill>
         <p:spPr>
           <a:xfrm>
-            <a:off x="2737614" y="2224743"/>
-            <a:ext cx="6033161" cy="4127163"/>
+            <a:off x="4584901" y="1690688"/>
+            <a:ext cx="6990327" cy="4760689"/>
           </a:xfrm>
           <a:prstGeom prst="rect">
             <a:avLst/>
           </a:prstGeom>
         </p:spPr>
       </p:pic>
+      <p:pic>
+        <p:nvPicPr>
+          <p:cNvPr id="7" name="Picture 6"/>
+          <p:cNvPicPr>
+            <a:picLocks noChangeAspect="1"/>
+          </p:cNvPicPr>
+          <p:nvPr/>
+        </p:nvPicPr>
+        <p:blipFill>
+          <a:blip r:embed="rId3">
+            <a:extLst>
+              <a:ext uri="{28A0092B-C50C-407E-A947-70E740481C1C}">
+                <a14:useLocalDpi xmlns:a14="http://schemas.microsoft.com/office/drawing/2010/main" val="0"/>
+              </a:ext>
+            </a:extLst>
+          </a:blip>
+          <a:stretch>
+            <a:fillRect/>
+          </a:stretch>
+        </p:blipFill>
+        <p:spPr>
+          <a:xfrm>
+            <a:off x="776056" y="2083465"/>
+            <a:ext cx="3115110" cy="1057423"/>
+          </a:xfrm>
+          <a:prstGeom prst="rect">
+            <a:avLst/>
+          </a:prstGeom>
+        </p:spPr>
+      </p:pic>
+      <p:pic>
+        <p:nvPicPr>
+          <p:cNvPr id="8" name="Picture 7"/>
+          <p:cNvPicPr>
+            <a:picLocks noChangeAspect="1"/>
+          </p:cNvPicPr>
+          <p:nvPr/>
+        </p:nvPicPr>
+        <p:blipFill>
+          <a:blip r:embed="rId4">
+            <a:extLst>
+              <a:ext uri="{28A0092B-C50C-407E-A947-70E740481C1C}">
+                <a14:useLocalDpi xmlns:a14="http://schemas.microsoft.com/office/drawing/2010/main" val="0"/>
+              </a:ext>
+            </a:extLst>
+          </a:blip>
+          <a:stretch>
+            <a:fillRect/>
+          </a:stretch>
+        </p:blipFill>
+        <p:spPr>
+          <a:xfrm>
+            <a:off x="938004" y="4380402"/>
+            <a:ext cx="2953162" cy="971686"/>
+          </a:xfrm>
+          <a:prstGeom prst="rect">
+            <a:avLst/>
+          </a:prstGeom>
+        </p:spPr>
+      </p:pic>
+      <p:grpSp>
+        <p:nvGrpSpPr>
+          <p:cNvPr id="13" name="Group 12"/>
+          <p:cNvGrpSpPr/>
+          <p:nvPr/>
+        </p:nvGrpSpPr>
+        <p:grpSpPr>
+          <a:xfrm>
+            <a:off x="6614826" y="3923203"/>
+            <a:ext cx="3351007" cy="780365"/>
+            <a:chOff x="6901029" y="4057426"/>
+            <a:chExt cx="3351007" cy="780365"/>
+          </a:xfrm>
+        </p:grpSpPr>
+        <p:sp>
+          <p:nvSpPr>
+            <p:cNvPr id="9" name="Oval 8"/>
+            <p:cNvSpPr/>
+            <p:nvPr/>
+          </p:nvSpPr>
+          <p:spPr>
+            <a:xfrm>
+              <a:off x="6901029" y="4057426"/>
+              <a:ext cx="457200" cy="457200"/>
+            </a:xfrm>
+            <a:prstGeom prst="ellipse">
+              <a:avLst/>
+            </a:prstGeom>
+            <a:noFill/>
+            <a:ln>
+              <a:solidFill>
+                <a:srgbClr val="FF0000"/>
+              </a:solidFill>
+            </a:ln>
+          </p:spPr>
+          <p:style>
+            <a:lnRef idx="2">
+              <a:schemeClr val="accent1">
+                <a:shade val="50000"/>
+              </a:schemeClr>
+            </a:lnRef>
+            <a:fillRef idx="1">
+              <a:schemeClr val="accent1"/>
+            </a:fillRef>
+            <a:effectRef idx="0">
+              <a:schemeClr val="accent1"/>
+            </a:effectRef>
+            <a:fontRef idx="minor">
+              <a:schemeClr val="lt1"/>
+            </a:fontRef>
+          </p:style>
+          <p:txBody>
+            <a:bodyPr rtlCol="0" anchor="ctr"/>
+            <a:lstStyle/>
+            <a:p>
+              <a:pPr algn="ctr"/>
+              <a:endParaRPr lang="en-US"/>
+            </a:p>
+          </p:txBody>
+        </p:sp>
+        <p:cxnSp>
+          <p:nvCxnSpPr>
+            <p:cNvPr id="11" name="Straight Connector 10"/>
+            <p:cNvCxnSpPr>
+              <a:stCxn id="9" idx="6"/>
+            </p:cNvCxnSpPr>
+            <p:nvPr/>
+          </p:nvCxnSpPr>
+          <p:spPr>
+            <a:xfrm>
+              <a:off x="7358229" y="4286026"/>
+              <a:ext cx="753037" cy="124609"/>
+            </a:xfrm>
+            <a:prstGeom prst="line">
+              <a:avLst/>
+            </a:prstGeom>
+            <a:ln>
+              <a:solidFill>
+                <a:srgbClr val="FF0000"/>
+              </a:solidFill>
+            </a:ln>
+          </p:spPr>
+          <p:style>
+            <a:lnRef idx="1">
+              <a:schemeClr val="accent2"/>
+            </a:lnRef>
+            <a:fillRef idx="0">
+              <a:schemeClr val="accent2"/>
+            </a:fillRef>
+            <a:effectRef idx="0">
+              <a:schemeClr val="accent2"/>
+            </a:effectRef>
+            <a:fontRef idx="minor">
+              <a:schemeClr val="tx1"/>
+            </a:fontRef>
+          </p:style>
+        </p:cxnSp>
+        <p:sp>
+          <p:nvSpPr>
+            <p:cNvPr id="12" name="TextBox 11"/>
+            <p:cNvSpPr txBox="1"/>
+            <p:nvPr/>
+          </p:nvSpPr>
+          <p:spPr>
+            <a:xfrm>
+              <a:off x="7734747" y="4191460"/>
+              <a:ext cx="2517289" cy="646331"/>
+            </a:xfrm>
+            <a:prstGeom prst="rect">
+              <a:avLst/>
+            </a:prstGeom>
+            <a:noFill/>
+          </p:spPr>
+          <p:txBody>
+            <a:bodyPr wrap="square" rtlCol="0">
+              <a:spAutoFit/>
+            </a:bodyPr>
+            <a:lstStyle/>
+            <a:p>
+              <a:pPr algn="ctr"/>
+              <a:r>
+                <a:rPr lang="en-US" dirty="0"/>
+                <a:t>50 pm – smallest detected amplitude</a:t>
+              </a:r>
+            </a:p>
+          </p:txBody>
+        </p:sp>
+      </p:grpSp>
+      <p:sp>
+        <p:nvSpPr>
+          <p:cNvPr id="14" name="TextBox 13"/>
+          <p:cNvSpPr txBox="1"/>
+          <p:nvPr/>
+        </p:nvSpPr>
+        <p:spPr>
+          <a:xfrm>
+            <a:off x="1079886" y="3980292"/>
+            <a:ext cx="2394310" cy="400110"/>
+          </a:xfrm>
+          <a:prstGeom prst="rect">
+            <a:avLst/>
+          </a:prstGeom>
+          <a:noFill/>
+        </p:spPr>
+        <p:txBody>
+          <a:bodyPr wrap="none" rtlCol="0">
+            <a:spAutoFit/>
+          </a:bodyPr>
+          <a:lstStyle/>
+          <a:p>
+            <a:r>
+              <a:rPr lang="en-US" sz="2000" dirty="0"/>
+              <a:t>Projection noise limit</a:t>
+            </a:r>
+          </a:p>
+        </p:txBody>
+      </p:sp>
     </p:spTree>
     <p:extLst>
       <p:ext uri="{BB962C8B-B14F-4D97-AF65-F5344CB8AC3E}">
@@ -15422,10 +17987,328 @@
   <p:clrMapOvr>
     <a:masterClrMapping/>
   </p:clrMapOvr>
+  <p:timing>
+    <p:tnLst>
+      <p:par>
+        <p:cTn id="1" dur="indefinite" restart="never" nodeType="tmRoot">
+          <p:childTnLst>
+            <p:seq concurrent="1" nextAc="seek">
+              <p:cTn id="2" dur="indefinite" nodeType="mainSeq">
+                <p:childTnLst>
+                  <p:par>
+                    <p:cTn id="3" fill="hold">
+                      <p:stCondLst>
+                        <p:cond delay="indefinite"/>
+                      </p:stCondLst>
+                      <p:childTnLst>
+                        <p:par>
+                          <p:cTn id="4" fill="hold">
+                            <p:stCondLst>
+                              <p:cond delay="0"/>
+                            </p:stCondLst>
+                            <p:childTnLst>
+                              <p:par>
+                                <p:cTn id="5" presetID="1" presetClass="entr" presetSubtype="0" fill="hold" nodeType="clickEffect">
+                                  <p:stCondLst>
+                                    <p:cond delay="0"/>
+                                  </p:stCondLst>
+                                  <p:childTnLst>
+                                    <p:set>
+                                      <p:cBhvr>
+                                        <p:cTn id="6" dur="1" fill="hold">
+                                          <p:stCondLst>
+                                            <p:cond delay="0"/>
+                                          </p:stCondLst>
+                                        </p:cTn>
+                                        <p:tgtEl>
+                                          <p:spTgt spid="13"/>
+                                        </p:tgtEl>
+                                        <p:attrNameLst>
+                                          <p:attrName>style.visibility</p:attrName>
+                                        </p:attrNameLst>
+                                      </p:cBhvr>
+                                      <p:to>
+                                        <p:strVal val="visible"/>
+                                      </p:to>
+                                    </p:set>
+                                  </p:childTnLst>
+                                </p:cTn>
+                              </p:par>
+                            </p:childTnLst>
+                          </p:cTn>
+                        </p:par>
+                      </p:childTnLst>
+                    </p:cTn>
+                  </p:par>
+                </p:childTnLst>
+              </p:cTn>
+              <p:prevCondLst>
+                <p:cond evt="onPrev" delay="0">
+                  <p:tgtEl>
+                    <p:sldTgt/>
+                  </p:tgtEl>
+                </p:cond>
+              </p:prevCondLst>
+              <p:nextCondLst>
+                <p:cond evt="onNext" delay="0">
+                  <p:tgtEl>
+                    <p:sldTgt/>
+                  </p:tgtEl>
+                </p:cond>
+              </p:nextCondLst>
+            </p:seq>
+          </p:childTnLst>
+        </p:cTn>
+      </p:par>
+    </p:tnLst>
+  </p:timing>
 </p:sld>
 </file>
 
 <file path=ppt/slides/slide7.xml><?xml version="1.0" encoding="utf-8"?>
+<p:sld xmlns:a="http://schemas.openxmlformats.org/drawingml/2006/main" xmlns:r="http://schemas.openxmlformats.org/officeDocument/2006/relationships" xmlns:p="http://schemas.openxmlformats.org/presentationml/2006/main">
+  <p:cSld>
+    <p:spTree>
+      <p:nvGrpSpPr>
+        <p:cNvPr id="1" name=""/>
+        <p:cNvGrpSpPr/>
+        <p:nvPr/>
+      </p:nvGrpSpPr>
+      <p:grpSpPr>
+        <a:xfrm>
+          <a:off x="0" y="0"/>
+          <a:ext cx="0" cy="0"/>
+          <a:chOff x="0" y="0"/>
+          <a:chExt cx="0" cy="0"/>
+        </a:xfrm>
+      </p:grpSpPr>
+      <p:sp>
+        <p:nvSpPr>
+          <p:cNvPr id="2" name="Title 1"/>
+          <p:cNvSpPr>
+            <a:spLocks noGrp="1"/>
+          </p:cNvSpPr>
+          <p:nvPr>
+            <p:ph type="title"/>
+          </p:nvPr>
+        </p:nvSpPr>
+        <p:spPr/>
+        <p:txBody>
+          <a:bodyPr/>
+          <a:lstStyle/>
+          <a:p>
+            <a:r>
+              <a:rPr lang="en-US" dirty="0"/>
+              <a:t>Numbers for off-resonant, incoherent amp sensing</a:t>
+            </a:r>
+          </a:p>
+        </p:txBody>
+      </p:sp>
+      <mc:AlternateContent xmlns:mc="http://schemas.openxmlformats.org/markup-compatibility/2006">
+        <mc:Choice xmlns:a14="http://schemas.microsoft.com/office/drawing/2010/main" Requires="a14">
+          <p:sp>
+            <p:nvSpPr>
+              <p:cNvPr id="3" name="Content Placeholder 2"/>
+              <p:cNvSpPr>
+                <a:spLocks noGrp="1"/>
+              </p:cNvSpPr>
+              <p:nvPr>
+                <p:ph idx="1"/>
+              </p:nvPr>
+            </p:nvSpPr>
+            <p:spPr/>
+            <p:txBody>
+              <a:bodyPr/>
+              <a:lstStyle/>
+              <a:p>
+                <a:r>
+                  <a:rPr lang="en-US" b="1" dirty="0"/>
+                  <a:t>50 pm </a:t>
+                </a:r>
+                <a:r>
+                  <a:rPr lang="en-US" dirty="0"/>
+                  <a:t>(with 16 s of integration)– factor of </a:t>
+                </a:r>
+                <a:r>
+                  <a:rPr lang="en-US" b="1" dirty="0"/>
+                  <a:t>40 smaller than ground state </a:t>
+                </a:r>
+                <a:r>
+                  <a:rPr lang="en-US" b="1" dirty="0" err="1"/>
+                  <a:t>wavefunction</a:t>
+                </a:r>
+                <a:r>
+                  <a:rPr lang="en-US" b="1" dirty="0"/>
+                  <a:t> size </a:t>
+                </a:r>
+                <a:r>
+                  <a:rPr lang="en-US" dirty="0"/>
+                  <a:t>(2nm)</a:t>
+                </a:r>
+              </a:p>
+              <a:p>
+                <a:pPr lvl="1"/>
+                <a:r>
+                  <a:rPr lang="en-US" dirty="0"/>
+                  <a:t>0.46 mV/m</a:t>
+                </a:r>
+              </a:p>
+              <a:p>
+                <a:pPr lvl="1"/>
+                <a:r>
+                  <a:rPr lang="en-US" b="1" dirty="0"/>
+                  <a:t>73 </a:t>
+                </a:r>
+                <a:r>
+                  <a:rPr lang="en-US" b="1" dirty="0" err="1"/>
+                  <a:t>yN</a:t>
+                </a:r>
+                <a:r>
+                  <a:rPr lang="en-US" b="1" dirty="0"/>
+                  <a:t>/ion</a:t>
+                </a:r>
+              </a:p>
+              <a:p>
+                <a:r>
+                  <a:rPr lang="en-US" dirty="0"/>
+                  <a:t>500 pm in a single measurement</a:t>
+                </a:r>
+              </a:p>
+              <a:p>
+                <a:r>
+                  <a:rPr lang="en-US" dirty="0"/>
+                  <a:t>Long averaging time sensitivity of </a:t>
+                </a:r>
+                <a14:m>
+                  <m:oMath xmlns:m="http://schemas.openxmlformats.org/officeDocument/2006/math">
+                    <m:sSup>
+                      <m:sSupPr>
+                        <m:ctrlPr>
+                          <a:rPr lang="en-US" b="1" i="1" smtClean="0">
+                            <a:latin typeface="Cambria Math" panose="02040503050406030204" pitchFamily="18" charset="0"/>
+                          </a:rPr>
+                        </m:ctrlPr>
+                      </m:sSupPr>
+                      <m:e>
+                        <m:d>
+                          <m:dPr>
+                            <m:ctrlPr>
+                              <a:rPr lang="en-US" b="1" i="1" smtClean="0">
+                                <a:latin typeface="Cambria Math" panose="02040503050406030204" pitchFamily="18" charset="0"/>
+                              </a:rPr>
+                            </m:ctrlPr>
+                          </m:dPr>
+                          <m:e>
+                            <m:r>
+                              <a:rPr lang="en-US" b="1" i="1" smtClean="0">
+                                <a:latin typeface="Cambria Math" panose="02040503050406030204" pitchFamily="18" charset="0"/>
+                              </a:rPr>
+                              <m:t>𝟏𝟎𝟎</m:t>
+                            </m:r>
+                            <m:r>
+                              <a:rPr lang="en-US" b="1" i="1" smtClean="0">
+                                <a:latin typeface="Cambria Math" panose="02040503050406030204" pitchFamily="18" charset="0"/>
+                              </a:rPr>
+                              <m:t> </m:t>
+                            </m:r>
+                            <m:r>
+                              <a:rPr lang="en-US" b="1" i="0" smtClean="0">
+                                <a:latin typeface="Cambria Math" panose="02040503050406030204" pitchFamily="18" charset="0"/>
+                              </a:rPr>
+                              <m:t>𝐩𝐦</m:t>
+                            </m:r>
+                          </m:e>
+                        </m:d>
+                      </m:e>
+                      <m:sup>
+                        <m:r>
+                          <a:rPr lang="en-US" b="1" i="1" smtClean="0">
+                            <a:latin typeface="Cambria Math" panose="02040503050406030204" pitchFamily="18" charset="0"/>
+                          </a:rPr>
+                          <m:t>𝟐</m:t>
+                        </m:r>
+                      </m:sup>
+                    </m:sSup>
+                    <m:r>
+                      <a:rPr lang="en-US" b="1" i="1" smtClean="0">
+                        <a:latin typeface="Cambria Math" panose="02040503050406030204" pitchFamily="18" charset="0"/>
+                      </a:rPr>
+                      <m:t>/</m:t>
+                    </m:r>
+                    <m:rad>
+                      <m:radPr>
+                        <m:degHide m:val="on"/>
+                        <m:ctrlPr>
+                          <a:rPr lang="en-US" b="1" i="1" smtClean="0">
+                            <a:latin typeface="Cambria Math" panose="02040503050406030204" pitchFamily="18" charset="0"/>
+                          </a:rPr>
+                        </m:ctrlPr>
+                      </m:radPr>
+                      <m:deg/>
+                      <m:e>
+                        <m:r>
+                          <a:rPr lang="en-US" b="1" i="1" smtClean="0">
+                            <a:latin typeface="Cambria Math" panose="02040503050406030204" pitchFamily="18" charset="0"/>
+                          </a:rPr>
+                          <m:t>𝑯𝒛</m:t>
+                        </m:r>
+                      </m:e>
+                    </m:rad>
+                  </m:oMath>
+                </a14:m>
+                <a:endParaRPr lang="en-US" b="1" dirty="0"/>
+              </a:p>
+            </p:txBody>
+          </p:sp>
+        </mc:Choice>
+        <mc:Fallback>
+          <p:sp>
+            <p:nvSpPr>
+              <p:cNvPr id="3" name="Content Placeholder 2"/>
+              <p:cNvSpPr>
+                <a:spLocks noGrp="1" noRot="1" noChangeAspect="1" noMove="1" noResize="1" noEditPoints="1" noAdjustHandles="1" noChangeArrowheads="1" noChangeShapeType="1" noTextEdit="1"/>
+              </p:cNvSpPr>
+              <p:nvPr>
+                <p:ph idx="1"/>
+              </p:nvPr>
+            </p:nvSpPr>
+            <p:spPr>
+              <a:blipFill>
+                <a:blip r:embed="rId2"/>
+                <a:stretch>
+                  <a:fillRect l="-1043" t="-2241"/>
+                </a:stretch>
+              </a:blipFill>
+            </p:spPr>
+            <p:txBody>
+              <a:bodyPr/>
+              <a:lstStyle/>
+              <a:p>
+                <a:r>
+                  <a:rPr lang="en-US">
+                    <a:noFill/>
+                  </a:rPr>
+                  <a:t> </a:t>
+                </a:r>
+              </a:p>
+            </p:txBody>
+          </p:sp>
+        </mc:Fallback>
+      </mc:AlternateContent>
+    </p:spTree>
+    <p:extLst>
+      <p:ext uri="{BB962C8B-B14F-4D97-AF65-F5344CB8AC3E}">
+        <p14:creationId xmlns:p14="http://schemas.microsoft.com/office/powerpoint/2010/main" val="746344475"/>
+      </p:ext>
+    </p:extLst>
+  </p:cSld>
+  <p:clrMapOvr>
+    <a:masterClrMapping/>
+  </p:clrMapOvr>
+</p:sld>
+</file>
+
+<file path=ppt/slides/slide8.xml><?xml version="1.0" encoding="utf-8"?>
 <p:sld xmlns:a="http://schemas.openxmlformats.org/drawingml/2006/main" xmlns:r="http://schemas.openxmlformats.org/officeDocument/2006/relationships" xmlns:p="http://schemas.openxmlformats.org/presentationml/2006/main">
   <p:cSld>
     <p:spTree>
@@ -15450,7 +18333,7 @@
         </p:nvGrpSpPr>
         <p:grpSpPr>
           <a:xfrm>
-            <a:off x="3767853" y="3338818"/>
+            <a:off x="3767853" y="3157017"/>
             <a:ext cx="4129333" cy="3275902"/>
             <a:chOff x="3984169" y="3452534"/>
             <a:chExt cx="4046045" cy="3162186"/>
@@ -16152,7 +19035,7 @@
         </p:blipFill>
         <p:spPr>
           <a:xfrm>
-            <a:off x="1207722" y="1652267"/>
+            <a:off x="1207722" y="1357984"/>
             <a:ext cx="8980564" cy="1385432"/>
           </a:xfrm>
           <a:prstGeom prst="rect">
@@ -16160,6 +19043,37 @@
           </a:prstGeom>
         </p:spPr>
       </p:pic>
+      <p:sp>
+        <p:nvSpPr>
+          <p:cNvPr id="36" name="TextBox 35"/>
+          <p:cNvSpPr txBox="1"/>
+          <p:nvPr/>
+        </p:nvSpPr>
+        <p:spPr>
+          <a:xfrm>
+            <a:off x="535572" y="174942"/>
+            <a:ext cx="7092583" cy="769441"/>
+          </a:xfrm>
+          <a:prstGeom prst="rect">
+            <a:avLst/>
+          </a:prstGeom>
+          <a:noFill/>
+        </p:spPr>
+        <p:txBody>
+          <a:bodyPr wrap="none" rtlCol="0">
+            <a:spAutoFit/>
+          </a:bodyPr>
+          <a:lstStyle/>
+          <a:p>
+            <a:r>
+              <a:rPr lang="en-US" sz="4400" dirty="0">
+                <a:latin typeface="+mj-lt"/>
+              </a:rPr>
+              <a:t>On resonance sensing scheme</a:t>
+            </a:r>
+          </a:p>
+        </p:txBody>
+      </p:sp>
     </p:spTree>
     <p:extLst>
       <p:ext uri="{BB962C8B-B14F-4D97-AF65-F5344CB8AC3E}">
@@ -16173,7 +19087,7 @@
 </p:sld>
 </file>
 
-<file path=ppt/slides/slide8.xml><?xml version="1.0" encoding="utf-8"?>
+<file path=ppt/slides/slide9.xml><?xml version="1.0" encoding="utf-8"?>
 <p:sld xmlns:a="http://schemas.openxmlformats.org/drawingml/2006/main" xmlns:r="http://schemas.openxmlformats.org/officeDocument/2006/relationships" xmlns:p="http://schemas.openxmlformats.org/presentationml/2006/main">
   <p:cSld>
     <p:spTree>
@@ -16190,11 +19104,152 @@
           <a:chExt cx="0" cy="0"/>
         </a:xfrm>
       </p:grpSpPr>
+      <p:sp>
+        <p:nvSpPr>
+          <p:cNvPr id="4" name="TextBox 3"/>
+          <p:cNvSpPr txBox="1"/>
+          <p:nvPr/>
+        </p:nvSpPr>
+        <p:spPr>
+          <a:xfrm>
+            <a:off x="129260" y="223935"/>
+            <a:ext cx="11845550" cy="646331"/>
+          </a:xfrm>
+          <a:prstGeom prst="rect">
+            <a:avLst/>
+          </a:prstGeom>
+          <a:noFill/>
+        </p:spPr>
+        <p:txBody>
+          <a:bodyPr wrap="none" rtlCol="0">
+            <a:spAutoFit/>
+          </a:bodyPr>
+          <a:lstStyle/>
+          <a:p>
+            <a:r>
+              <a:rPr lang="en-US" sz="3600" dirty="0">
+                <a:latin typeface="+mj-lt"/>
+              </a:rPr>
+              <a:t>On-resonance, background not understood – sensitivity limited</a:t>
+            </a:r>
+          </a:p>
+        </p:txBody>
+      </p:sp>
+      <p:sp>
+        <p:nvSpPr>
+          <p:cNvPr id="2" name="Rectangle 1"/>
+          <p:cNvSpPr/>
+          <p:nvPr/>
+        </p:nvSpPr>
+        <p:spPr>
+          <a:xfrm>
+            <a:off x="7877223" y="2151943"/>
+            <a:ext cx="2492887" cy="398740"/>
+          </a:xfrm>
+          <a:prstGeom prst="rect">
+            <a:avLst/>
+          </a:prstGeom>
+        </p:spPr>
+        <p:txBody>
+          <a:bodyPr wrap="none">
+            <a:spAutoFit/>
+          </a:bodyPr>
+          <a:lstStyle/>
+          <a:p>
+            <a:r>
+              <a:rPr lang="en-US" b="1" dirty="0">
+                <a:latin typeface="Calibri" panose="020F0502020204030204" pitchFamily="34" charset="0"/>
+              </a:rPr>
+              <a:t>0.74 </a:t>
+            </a:r>
+            <a:r>
+              <a:rPr lang="en-US" b="1" dirty="0" err="1">
+                <a:latin typeface="Calibri" panose="020F0502020204030204" pitchFamily="34" charset="0"/>
+              </a:rPr>
+              <a:t>yN</a:t>
+            </a:r>
+            <a:r>
+              <a:rPr lang="en-US" b="1" dirty="0">
+                <a:latin typeface="Calibri" panose="020F0502020204030204" pitchFamily="34" charset="0"/>
+              </a:rPr>
+              <a:t>/ion, 4.5 </a:t>
+            </a:r>
+            <a:r>
+              <a:rPr lang="en-US" b="1" dirty="0" err="1">
+                <a:latin typeface="Calibri" panose="020F0502020204030204" pitchFamily="34" charset="0"/>
+              </a:rPr>
+              <a:t>uV</a:t>
+            </a:r>
+            <a:r>
+              <a:rPr lang="en-US" b="1" dirty="0">
+                <a:latin typeface="Calibri" panose="020F0502020204030204" pitchFamily="34" charset="0"/>
+              </a:rPr>
+              <a:t>/m</a:t>
+            </a:r>
+            <a:endParaRPr lang="en-US" dirty="0"/>
+          </a:p>
+        </p:txBody>
+      </p:sp>
+      <p:sp>
+        <p:nvSpPr>
+          <p:cNvPr id="5" name="Rectangle 4"/>
+          <p:cNvSpPr/>
+          <p:nvPr/>
+        </p:nvSpPr>
+        <p:spPr>
+          <a:xfrm>
+            <a:off x="2044222" y="2151943"/>
+            <a:ext cx="2492887" cy="398740"/>
+          </a:xfrm>
+          <a:prstGeom prst="rect">
+            <a:avLst/>
+          </a:prstGeom>
+        </p:spPr>
+        <p:txBody>
+          <a:bodyPr wrap="none">
+            <a:spAutoFit/>
+          </a:bodyPr>
+          <a:lstStyle/>
+          <a:p>
+            <a:r>
+              <a:rPr lang="en-US" b="1" dirty="0">
+                <a:latin typeface="Calibri" panose="020F0502020204030204" pitchFamily="34" charset="0"/>
+              </a:rPr>
+              <a:t>7.4 </a:t>
+            </a:r>
+            <a:r>
+              <a:rPr lang="en-US" b="1" dirty="0" err="1">
+                <a:latin typeface="Calibri" panose="020F0502020204030204" pitchFamily="34" charset="0"/>
+              </a:rPr>
+              <a:t>yN</a:t>
+            </a:r>
+            <a:r>
+              <a:rPr lang="en-US" b="1" dirty="0">
+                <a:latin typeface="Calibri" panose="020F0502020204030204" pitchFamily="34" charset="0"/>
+              </a:rPr>
+              <a:t>/ion, 45.5 </a:t>
+            </a:r>
+            <a:r>
+              <a:rPr lang="en-US" b="1" dirty="0" err="1">
+                <a:latin typeface="Calibri" panose="020F0502020204030204" pitchFamily="34" charset="0"/>
+              </a:rPr>
+              <a:t>uV</a:t>
+            </a:r>
+            <a:r>
+              <a:rPr lang="en-US" b="1" dirty="0">
+                <a:latin typeface="Calibri" panose="020F0502020204030204" pitchFamily="34" charset="0"/>
+              </a:rPr>
+              <a:t>/m</a:t>
+            </a:r>
+            <a:endParaRPr lang="en-US" dirty="0"/>
+          </a:p>
+        </p:txBody>
+      </p:sp>
       <p:pic>
         <p:nvPicPr>
-          <p:cNvPr id="14" name="Picture 2" descr="2 ms ODF interaction time, vs. drive amplitude &#10;t} 0.6 &#10;c 0.4 &#10;Drive Time [ms] &#10;OOF fraction &#10;O mvpp (11-18-18.26) &#10;0.001 mvpp (11-18-18.29) &#10;0.002 mvpp 111-18-18.37) "/>
+          <p:cNvPr id="10" name="Picture 9"/>
           <p:cNvPicPr>
-            <a:picLocks noChangeAspect="1" noChangeArrowheads="1"/>
+            <a:picLocks noChangeAspect="1"/>
           </p:cNvPicPr>
           <p:nvPr/>
         </p:nvPicPr>
@@ -16206,89 +19261,23 @@
               </a:ext>
             </a:extLst>
           </a:blip>
-          <a:srcRect/>
           <a:stretch>
             <a:fillRect/>
           </a:stretch>
         </p:blipFill>
-        <p:spPr bwMode="auto">
-          <a:xfrm>
-            <a:off x="6052035" y="3302573"/>
-            <a:ext cx="5821184" cy="3060403"/>
-          </a:xfrm>
-          <a:prstGeom prst="rect">
-            <a:avLst/>
-          </a:prstGeom>
-          <a:noFill/>
-          <a:extLst>
-            <a:ext uri="{909E8E84-426E-40DD-AFC4-6F175D3DCCD1}">
-              <a14:hiddenFill xmlns:a14="http://schemas.microsoft.com/office/drawing/2010/main">
-                <a:solidFill>
-                  <a:srgbClr val="FFFFFF"/>
-                </a:solidFill>
-              </a14:hiddenFill>
-            </a:ext>
-          </a:extLst>
-        </p:spPr>
-      </p:pic>
-      <p:sp>
-        <p:nvSpPr>
-          <p:cNvPr id="2" name="Rectangle 1"/>
-          <p:cNvSpPr/>
-          <p:nvPr/>
-        </p:nvSpPr>
         <p:spPr>
           <a:xfrm>
-            <a:off x="7595382" y="2950720"/>
-            <a:ext cx="2034531" cy="369332"/>
+            <a:off x="123836" y="2534123"/>
+            <a:ext cx="6333658" cy="4222438"/>
           </a:xfrm>
           <a:prstGeom prst="rect">
             <a:avLst/>
           </a:prstGeom>
         </p:spPr>
-        <p:txBody>
-          <a:bodyPr wrap="none">
-            <a:spAutoFit/>
-          </a:bodyPr>
-          <a:lstStyle/>
-          <a:p>
-            <a:r>
-              <a:rPr lang="en-US" b="1" dirty="0">
-                <a:latin typeface="Calibri" panose="020F0502020204030204" pitchFamily="34" charset="0"/>
-              </a:rPr>
-              <a:t>1 </a:t>
-            </a:r>
-            <a:r>
-              <a:rPr lang="en-US" b="1" dirty="0" err="1">
-                <a:latin typeface="Calibri" panose="020F0502020204030204" pitchFamily="34" charset="0"/>
-              </a:rPr>
-              <a:t>uV</a:t>
-            </a:r>
-            <a:r>
-              <a:rPr lang="en-US" b="1" dirty="0">
-                <a:latin typeface="Calibri" panose="020F0502020204030204" pitchFamily="34" charset="0"/>
-              </a:rPr>
-              <a:t> -&gt; 0.73 </a:t>
-            </a:r>
-            <a:r>
-              <a:rPr lang="en-US" b="1" dirty="0" err="1">
-                <a:latin typeface="Calibri" panose="020F0502020204030204" pitchFamily="34" charset="0"/>
-              </a:rPr>
-              <a:t>yN</a:t>
-            </a:r>
-            <a:r>
-              <a:rPr lang="en-US" b="1" dirty="0">
-                <a:latin typeface="Calibri" panose="020F0502020204030204" pitchFamily="34" charset="0"/>
-              </a:rPr>
-              <a:t>/ion</a:t>
-            </a:r>
-            <a:endParaRPr lang="en-US" dirty="0"/>
-          </a:p>
-        </p:txBody>
-      </p:sp>
+      </p:pic>
       <p:pic>
         <p:nvPicPr>
-          <p:cNvPr id="3" name="Picture 2"/>
+          <p:cNvPr id="11" name="Picture 10"/>
           <p:cNvPicPr>
             <a:picLocks noChangeAspect="1"/>
           </p:cNvPicPr>
@@ -16308,8 +19297,8 @@
         </p:blipFill>
         <p:spPr>
           <a:xfrm>
-            <a:off x="741899" y="3135386"/>
-            <a:ext cx="4429908" cy="3394779"/>
+            <a:off x="5963835" y="2534123"/>
+            <a:ext cx="6319662" cy="4213107"/>
           </a:xfrm>
           <a:prstGeom prst="rect">
             <a:avLst/>
@@ -16883,4 +19872,299 @@
     </a:ext>
   </a:extLst>
 </a:theme>
+</file>
+
+<file path=ppt/theme/theme3.xml><?xml version="1.0" encoding="utf-8"?>
+<a:theme xmlns:a="http://schemas.openxmlformats.org/drawingml/2006/main" name="Office Theme">
+  <a:themeElements>
+    <a:clrScheme name="Office">
+      <a:dk1>
+        <a:sysClr val="windowText" lastClr="000000"/>
+      </a:dk1>
+      <a:lt1>
+        <a:sysClr val="window" lastClr="FFFFFF"/>
+      </a:lt1>
+      <a:dk2>
+        <a:srgbClr val="44546A"/>
+      </a:dk2>
+      <a:lt2>
+        <a:srgbClr val="E7E6E6"/>
+      </a:lt2>
+      <a:accent1>
+        <a:srgbClr val="5B9BD5"/>
+      </a:accent1>
+      <a:accent2>
+        <a:srgbClr val="ED7D31"/>
+      </a:accent2>
+      <a:accent3>
+        <a:srgbClr val="A5A5A5"/>
+      </a:accent3>
+      <a:accent4>
+        <a:srgbClr val="FFC000"/>
+      </a:accent4>
+      <a:accent5>
+        <a:srgbClr val="4472C4"/>
+      </a:accent5>
+      <a:accent6>
+        <a:srgbClr val="70AD47"/>
+      </a:accent6>
+      <a:hlink>
+        <a:srgbClr val="0563C1"/>
+      </a:hlink>
+      <a:folHlink>
+        <a:srgbClr val="954F72"/>
+      </a:folHlink>
+    </a:clrScheme>
+    <a:fontScheme name="Office">
+      <a:majorFont>
+        <a:latin typeface="Calibri Light" panose="020F0302020204030204"/>
+        <a:ea typeface=""/>
+        <a:cs typeface=""/>
+        <a:font script="Jpan" typeface="游ゴシック Light"/>
+        <a:font script="Hang" typeface="맑은 고딕"/>
+        <a:font script="Hans" typeface="等线 Light"/>
+        <a:font script="Hant" typeface="新細明體"/>
+        <a:font script="Arab" typeface="Times New Roman"/>
+        <a:font script="Hebr" typeface="Times New Roman"/>
+        <a:font script="Thai" typeface="Angsana New"/>
+        <a:font script="Ethi" typeface="Nyala"/>
+        <a:font script="Beng" typeface="Vrinda"/>
+        <a:font script="Gujr" typeface="Shruti"/>
+        <a:font script="Khmr" typeface="MoolBoran"/>
+        <a:font script="Knda" typeface="Tunga"/>
+        <a:font script="Guru" typeface="Raavi"/>
+        <a:font script="Cans" typeface="Euphemia"/>
+        <a:font script="Cher" typeface="Plantagenet Cherokee"/>
+        <a:font script="Yiii" typeface="Microsoft Yi Baiti"/>
+        <a:font script="Tibt" typeface="Microsoft Himalaya"/>
+        <a:font script="Thaa" typeface="MV Boli"/>
+        <a:font script="Deva" typeface="Mangal"/>
+        <a:font script="Telu" typeface="Gautami"/>
+        <a:font script="Taml" typeface="Latha"/>
+        <a:font script="Syrc" typeface="Estrangelo Edessa"/>
+        <a:font script="Orya" typeface="Kalinga"/>
+        <a:font script="Mlym" typeface="Kartika"/>
+        <a:font script="Laoo" typeface="DokChampa"/>
+        <a:font script="Sinh" typeface="Iskoola Pota"/>
+        <a:font script="Mong" typeface="Mongolian Baiti"/>
+        <a:font script="Viet" typeface="Times New Roman"/>
+        <a:font script="Uigh" typeface="Microsoft Uighur"/>
+        <a:font script="Geor" typeface="Sylfaen"/>
+        <a:font script="Armn" typeface="Arial"/>
+        <a:font script="Bugi" typeface="Leelawadee UI"/>
+        <a:font script="Bopo" typeface="Microsoft JhengHei"/>
+        <a:font script="Java" typeface="Javanese Text"/>
+        <a:font script="Lisu" typeface="Segoe UI"/>
+        <a:font script="Mymr" typeface="Myanmar Text"/>
+        <a:font script="Nkoo" typeface="Ebrima"/>
+        <a:font script="Olck" typeface="Nirmala UI"/>
+        <a:font script="Osma" typeface="Ebrima"/>
+        <a:font script="Phag" typeface="Phagspa"/>
+        <a:font script="Syrn" typeface="Estrangelo Edessa"/>
+        <a:font script="Syrj" typeface="Estrangelo Edessa"/>
+        <a:font script="Syre" typeface="Estrangelo Edessa"/>
+        <a:font script="Sora" typeface="Nirmala UI"/>
+        <a:font script="Tale" typeface="Microsoft Tai Le"/>
+        <a:font script="Talu" typeface="Microsoft New Tai Lue"/>
+        <a:font script="Tfng" typeface="Ebrima"/>
+      </a:majorFont>
+      <a:minorFont>
+        <a:latin typeface="Calibri" panose="020F0502020204030204"/>
+        <a:ea typeface=""/>
+        <a:cs typeface=""/>
+        <a:font script="Jpan" typeface="游ゴシック"/>
+        <a:font script="Hang" typeface="맑은 고딕"/>
+        <a:font script="Hans" typeface="等线"/>
+        <a:font script="Hant" typeface="新細明體"/>
+        <a:font script="Arab" typeface="Arial"/>
+        <a:font script="Hebr" typeface="Arial"/>
+        <a:font script="Thai" typeface="Cordia New"/>
+        <a:font script="Ethi" typeface="Nyala"/>
+        <a:font script="Beng" typeface="Vrinda"/>
+        <a:font script="Gujr" typeface="Shruti"/>
+        <a:font script="Khmr" typeface="DaunPenh"/>
+        <a:font script="Knda" typeface="Tunga"/>
+        <a:font script="Guru" typeface="Raavi"/>
+        <a:font script="Cans" typeface="Euphemia"/>
+        <a:font script="Cher" typeface="Plantagenet Cherokee"/>
+        <a:font script="Yiii" typeface="Microsoft Yi Baiti"/>
+        <a:font script="Tibt" typeface="Microsoft Himalaya"/>
+        <a:font script="Thaa" typeface="MV Boli"/>
+        <a:font script="Deva" typeface="Mangal"/>
+        <a:font script="Telu" typeface="Gautami"/>
+        <a:font script="Taml" typeface="Latha"/>
+        <a:font script="Syrc" typeface="Estrangelo Edessa"/>
+        <a:font script="Orya" typeface="Kalinga"/>
+        <a:font script="Mlym" typeface="Kartika"/>
+        <a:font script="Laoo" typeface="DokChampa"/>
+        <a:font script="Sinh" typeface="Iskoola Pota"/>
+        <a:font script="Mong" typeface="Mongolian Baiti"/>
+        <a:font script="Viet" typeface="Arial"/>
+        <a:font script="Uigh" typeface="Microsoft Uighur"/>
+        <a:font script="Geor" typeface="Sylfaen"/>
+        <a:font script="Armn" typeface="Arial"/>
+        <a:font script="Bugi" typeface="Leelawadee UI"/>
+        <a:font script="Bopo" typeface="Microsoft JhengHei"/>
+        <a:font script="Java" typeface="Javanese Text"/>
+        <a:font script="Lisu" typeface="Segoe UI"/>
+        <a:font script="Mymr" typeface="Myanmar Text"/>
+        <a:font script="Nkoo" typeface="Ebrima"/>
+        <a:font script="Olck" typeface="Nirmala UI"/>
+        <a:font script="Osma" typeface="Ebrima"/>
+        <a:font script="Phag" typeface="Phagspa"/>
+        <a:font script="Syrn" typeface="Estrangelo Edessa"/>
+        <a:font script="Syrj" typeface="Estrangelo Edessa"/>
+        <a:font script="Syre" typeface="Estrangelo Edessa"/>
+        <a:font script="Sora" typeface="Nirmala UI"/>
+        <a:font script="Tale" typeface="Microsoft Tai Le"/>
+        <a:font script="Talu" typeface="Microsoft New Tai Lue"/>
+        <a:font script="Tfng" typeface="Ebrima"/>
+      </a:minorFont>
+    </a:fontScheme>
+    <a:fmtScheme name="Office">
+      <a:fillStyleLst>
+        <a:solidFill>
+          <a:schemeClr val="phClr"/>
+        </a:solidFill>
+        <a:gradFill rotWithShape="1">
+          <a:gsLst>
+            <a:gs pos="0">
+              <a:schemeClr val="phClr">
+                <a:lumMod val="110000"/>
+                <a:satMod val="105000"/>
+                <a:tint val="67000"/>
+              </a:schemeClr>
+            </a:gs>
+            <a:gs pos="50000">
+              <a:schemeClr val="phClr">
+                <a:lumMod val="105000"/>
+                <a:satMod val="103000"/>
+                <a:tint val="73000"/>
+              </a:schemeClr>
+            </a:gs>
+            <a:gs pos="100000">
+              <a:schemeClr val="phClr">
+                <a:lumMod val="105000"/>
+                <a:satMod val="109000"/>
+                <a:tint val="81000"/>
+              </a:schemeClr>
+            </a:gs>
+          </a:gsLst>
+          <a:lin ang="5400000" scaled="0"/>
+        </a:gradFill>
+        <a:gradFill rotWithShape="1">
+          <a:gsLst>
+            <a:gs pos="0">
+              <a:schemeClr val="phClr">
+                <a:satMod val="103000"/>
+                <a:lumMod val="102000"/>
+                <a:tint val="94000"/>
+              </a:schemeClr>
+            </a:gs>
+            <a:gs pos="50000">
+              <a:schemeClr val="phClr">
+                <a:satMod val="110000"/>
+                <a:lumMod val="100000"/>
+                <a:shade val="100000"/>
+              </a:schemeClr>
+            </a:gs>
+            <a:gs pos="100000">
+              <a:schemeClr val="phClr">
+                <a:lumMod val="99000"/>
+                <a:satMod val="120000"/>
+                <a:shade val="78000"/>
+              </a:schemeClr>
+            </a:gs>
+          </a:gsLst>
+          <a:lin ang="5400000" scaled="0"/>
+        </a:gradFill>
+      </a:fillStyleLst>
+      <a:lnStyleLst>
+        <a:ln w="6350" cap="flat" cmpd="sng" algn="ctr">
+          <a:solidFill>
+            <a:schemeClr val="phClr"/>
+          </a:solidFill>
+          <a:prstDash val="solid"/>
+          <a:miter lim="800000"/>
+        </a:ln>
+        <a:ln w="12700" cap="flat" cmpd="sng" algn="ctr">
+          <a:solidFill>
+            <a:schemeClr val="phClr"/>
+          </a:solidFill>
+          <a:prstDash val="solid"/>
+          <a:miter lim="800000"/>
+        </a:ln>
+        <a:ln w="19050" cap="flat" cmpd="sng" algn="ctr">
+          <a:solidFill>
+            <a:schemeClr val="phClr"/>
+          </a:solidFill>
+          <a:prstDash val="solid"/>
+          <a:miter lim="800000"/>
+        </a:ln>
+      </a:lnStyleLst>
+      <a:effectStyleLst>
+        <a:effectStyle>
+          <a:effectLst/>
+        </a:effectStyle>
+        <a:effectStyle>
+          <a:effectLst/>
+        </a:effectStyle>
+        <a:effectStyle>
+          <a:effectLst>
+            <a:outerShdw blurRad="57150" dist="19050" dir="5400000" algn="ctr" rotWithShape="0">
+              <a:srgbClr val="000000">
+                <a:alpha val="63000"/>
+              </a:srgbClr>
+            </a:outerShdw>
+          </a:effectLst>
+        </a:effectStyle>
+      </a:effectStyleLst>
+      <a:bgFillStyleLst>
+        <a:solidFill>
+          <a:schemeClr val="phClr"/>
+        </a:solidFill>
+        <a:solidFill>
+          <a:schemeClr val="phClr">
+            <a:tint val="95000"/>
+            <a:satMod val="170000"/>
+          </a:schemeClr>
+        </a:solidFill>
+        <a:gradFill rotWithShape="1">
+          <a:gsLst>
+            <a:gs pos="0">
+              <a:schemeClr val="phClr">
+                <a:tint val="93000"/>
+                <a:satMod val="150000"/>
+                <a:shade val="98000"/>
+                <a:lumMod val="102000"/>
+              </a:schemeClr>
+            </a:gs>
+            <a:gs pos="50000">
+              <a:schemeClr val="phClr">
+                <a:tint val="98000"/>
+                <a:satMod val="130000"/>
+                <a:shade val="90000"/>
+                <a:lumMod val="103000"/>
+              </a:schemeClr>
+            </a:gs>
+            <a:gs pos="100000">
+              <a:schemeClr val="phClr">
+                <a:shade val="63000"/>
+                <a:satMod val="120000"/>
+              </a:schemeClr>
+            </a:gs>
+          </a:gsLst>
+          <a:lin ang="5400000" scaled="0"/>
+        </a:gradFill>
+      </a:bgFillStyleLst>
+    </a:fmtScheme>
+  </a:themeElements>
+  <a:objectDefaults/>
+  <a:extraClrSchemeLst/>
+  <a:extLst>
+    <a:ext uri="{05A4C25C-085E-4340-85A3-A5531E510DB2}">
+      <thm15:themeFamily xmlns:thm15="http://schemas.microsoft.com/office/thememl/2012/main" name="Office Theme" id="{62F939B6-93AF-4DB8-9C6B-D6C7DFDC589F}" vid="{4A3C46E8-61CC-4603-A589-7422A47A8E4A}"/>
+    </a:ext>
+  </a:extLst>
+</a:theme>
 </file>
--- a/amplitude_sensing_penning.pptx
+++ b/amplitude_sensing_penning.pptx
@@ -314,7 +314,6 @@
               <a:rPr lang="en-US"/>
               <a:t>Fifth level</a:t>
             </a:r>
-            <a:endParaRPr lang="en-US"/>
           </a:p>
         </p:txBody>
       </p:sp>
@@ -916,7 +915,7 @@
           <a:p>
             <a:fld id="{317D149D-89B8-4B8F-BE4F-CC07218C76E8}" type="datetimeFigureOut">
               <a:rPr lang="en-US" smtClean="0"/>
-              <a:t>1/19/2017</a:t>
+              <a:t>2/3/2017</a:t>
             </a:fld>
             <a:endParaRPr lang="en-US"/>
           </a:p>
@@ -1084,7 +1083,7 @@
           <a:p>
             <a:fld id="{317D149D-89B8-4B8F-BE4F-CC07218C76E8}" type="datetimeFigureOut">
               <a:rPr lang="en-US" smtClean="0"/>
-              <a:t>1/19/2017</a:t>
+              <a:t>2/3/2017</a:t>
             </a:fld>
             <a:endParaRPr lang="en-US"/>
           </a:p>
@@ -1262,7 +1261,7 @@
           <a:p>
             <a:fld id="{317D149D-89B8-4B8F-BE4F-CC07218C76E8}" type="datetimeFigureOut">
               <a:rPr lang="en-US" smtClean="0"/>
-              <a:t>1/19/2017</a:t>
+              <a:t>2/3/2017</a:t>
             </a:fld>
             <a:endParaRPr lang="en-US"/>
           </a:p>
@@ -1454,7 +1453,7 @@
           <a:p>
             <a:fld id="{94074224-BD1B-EB44-8217-7FF91DDDCB4D}" type="datetimeFigureOut">
               <a:rPr lang="en-US" smtClean="0"/>
-              <a:t>1/19/2017</a:t>
+              <a:t>2/3/2017</a:t>
             </a:fld>
             <a:endParaRPr lang="en-US"/>
           </a:p>
@@ -1624,7 +1623,7 @@
           <a:p>
             <a:fld id="{94074224-BD1B-EB44-8217-7FF91DDDCB4D}" type="datetimeFigureOut">
               <a:rPr lang="en-US" smtClean="0"/>
-              <a:t>1/19/2017</a:t>
+              <a:t>2/3/2017</a:t>
             </a:fld>
             <a:endParaRPr lang="en-US"/>
           </a:p>
@@ -1868,7 +1867,7 @@
           <a:p>
             <a:fld id="{94074224-BD1B-EB44-8217-7FF91DDDCB4D}" type="datetimeFigureOut">
               <a:rPr lang="en-US" smtClean="0"/>
-              <a:t>1/19/2017</a:t>
+              <a:t>2/3/2017</a:t>
             </a:fld>
             <a:endParaRPr lang="en-US"/>
           </a:p>
@@ -2100,7 +2099,7 @@
           <a:p>
             <a:fld id="{94074224-BD1B-EB44-8217-7FF91DDDCB4D}" type="datetimeFigureOut">
               <a:rPr lang="en-US" smtClean="0"/>
-              <a:t>1/19/2017</a:t>
+              <a:t>2/3/2017</a:t>
             </a:fld>
             <a:endParaRPr lang="en-US"/>
           </a:p>
@@ -2467,7 +2466,7 @@
           <a:p>
             <a:fld id="{94074224-BD1B-EB44-8217-7FF91DDDCB4D}" type="datetimeFigureOut">
               <a:rPr lang="en-US" smtClean="0"/>
-              <a:t>1/19/2017</a:t>
+              <a:t>2/3/2017</a:t>
             </a:fld>
             <a:endParaRPr lang="en-US"/>
           </a:p>
@@ -2585,7 +2584,7 @@
           <a:p>
             <a:fld id="{94074224-BD1B-EB44-8217-7FF91DDDCB4D}" type="datetimeFigureOut">
               <a:rPr lang="en-US" smtClean="0"/>
-              <a:t>1/19/2017</a:t>
+              <a:t>2/3/2017</a:t>
             </a:fld>
             <a:endParaRPr lang="en-US"/>
           </a:p>
@@ -2680,7 +2679,7 @@
           <a:p>
             <a:fld id="{94074224-BD1B-EB44-8217-7FF91DDDCB4D}" type="datetimeFigureOut">
               <a:rPr lang="en-US" smtClean="0"/>
-              <a:t>1/19/2017</a:t>
+              <a:t>2/3/2017</a:t>
             </a:fld>
             <a:endParaRPr lang="en-US"/>
           </a:p>
@@ -2957,7 +2956,7 @@
           <a:p>
             <a:fld id="{94074224-BD1B-EB44-8217-7FF91DDDCB4D}" type="datetimeFigureOut">
               <a:rPr lang="en-US" smtClean="0"/>
-              <a:t>1/19/2017</a:t>
+              <a:t>2/3/2017</a:t>
             </a:fld>
             <a:endParaRPr lang="en-US"/>
           </a:p>
@@ -3125,7 +3124,7 @@
           <a:p>
             <a:fld id="{317D149D-89B8-4B8F-BE4F-CC07218C76E8}" type="datetimeFigureOut">
               <a:rPr lang="en-US" smtClean="0"/>
-              <a:t>1/19/2017</a:t>
+              <a:t>2/3/2017</a:t>
             </a:fld>
             <a:endParaRPr lang="en-US"/>
           </a:p>
@@ -3382,7 +3381,7 @@
           <a:p>
             <a:fld id="{94074224-BD1B-EB44-8217-7FF91DDDCB4D}" type="datetimeFigureOut">
               <a:rPr lang="en-US" smtClean="0"/>
-              <a:t>1/19/2017</a:t>
+              <a:t>2/3/2017</a:t>
             </a:fld>
             <a:endParaRPr lang="en-US"/>
           </a:p>
@@ -3552,7 +3551,7 @@
           <a:p>
             <a:fld id="{94074224-BD1B-EB44-8217-7FF91DDDCB4D}" type="datetimeFigureOut">
               <a:rPr lang="en-US" smtClean="0"/>
-              <a:t>1/19/2017</a:t>
+              <a:t>2/3/2017</a:t>
             </a:fld>
             <a:endParaRPr lang="en-US"/>
           </a:p>
@@ -3732,7 +3731,7 @@
           <a:p>
             <a:fld id="{94074224-BD1B-EB44-8217-7FF91DDDCB4D}" type="datetimeFigureOut">
               <a:rPr lang="en-US" smtClean="0"/>
-              <a:t>1/19/2017</a:t>
+              <a:t>2/3/2017</a:t>
             </a:fld>
             <a:endParaRPr lang="en-US"/>
           </a:p>
@@ -3977,7 +3976,7 @@
           <a:p>
             <a:fld id="{317D149D-89B8-4B8F-BE4F-CC07218C76E8}" type="datetimeFigureOut">
               <a:rPr lang="en-US" smtClean="0"/>
-              <a:t>1/19/2017</a:t>
+              <a:t>2/3/2017</a:t>
             </a:fld>
             <a:endParaRPr lang="en-US"/>
           </a:p>
@@ -4206,7 +4205,7 @@
           <a:p>
             <a:fld id="{317D149D-89B8-4B8F-BE4F-CC07218C76E8}" type="datetimeFigureOut">
               <a:rPr lang="en-US" smtClean="0"/>
-              <a:t>1/19/2017</a:t>
+              <a:t>2/3/2017</a:t>
             </a:fld>
             <a:endParaRPr lang="en-US"/>
           </a:p>
@@ -4570,7 +4569,7 @@
           <a:p>
             <a:fld id="{317D149D-89B8-4B8F-BE4F-CC07218C76E8}" type="datetimeFigureOut">
               <a:rPr lang="en-US" smtClean="0"/>
-              <a:t>1/19/2017</a:t>
+              <a:t>2/3/2017</a:t>
             </a:fld>
             <a:endParaRPr lang="en-US"/>
           </a:p>
@@ -4687,7 +4686,7 @@
           <a:p>
             <a:fld id="{317D149D-89B8-4B8F-BE4F-CC07218C76E8}" type="datetimeFigureOut">
               <a:rPr lang="en-US" smtClean="0"/>
-              <a:t>1/19/2017</a:t>
+              <a:t>2/3/2017</a:t>
             </a:fld>
             <a:endParaRPr lang="en-US"/>
           </a:p>
@@ -4782,7 +4781,7 @@
           <a:p>
             <a:fld id="{317D149D-89B8-4B8F-BE4F-CC07218C76E8}" type="datetimeFigureOut">
               <a:rPr lang="en-US" smtClean="0"/>
-              <a:t>1/19/2017</a:t>
+              <a:t>2/3/2017</a:t>
             </a:fld>
             <a:endParaRPr lang="en-US"/>
           </a:p>
@@ -5057,7 +5056,7 @@
           <a:p>
             <a:fld id="{317D149D-89B8-4B8F-BE4F-CC07218C76E8}" type="datetimeFigureOut">
               <a:rPr lang="en-US" smtClean="0"/>
-              <a:t>1/19/2017</a:t>
+              <a:t>2/3/2017</a:t>
             </a:fld>
             <a:endParaRPr lang="en-US"/>
           </a:p>
@@ -5309,7 +5308,7 @@
           <a:p>
             <a:fld id="{317D149D-89B8-4B8F-BE4F-CC07218C76E8}" type="datetimeFigureOut">
               <a:rPr lang="en-US" smtClean="0"/>
-              <a:t>1/19/2017</a:t>
+              <a:t>2/3/2017</a:t>
             </a:fld>
             <a:endParaRPr lang="en-US"/>
           </a:p>
@@ -5520,7 +5519,7 @@
           <a:p>
             <a:fld id="{317D149D-89B8-4B8F-BE4F-CC07218C76E8}" type="datetimeFigureOut">
               <a:rPr lang="en-US" smtClean="0"/>
-              <a:t>1/19/2017</a:t>
+              <a:t>2/3/2017</a:t>
             </a:fld>
             <a:endParaRPr lang="en-US"/>
           </a:p>
@@ -6060,7 +6059,7 @@
           <a:p>
             <a:fld id="{94074224-BD1B-EB44-8217-7FF91DDDCB4D}" type="datetimeFigureOut">
               <a:rPr lang="en-US" smtClean="0"/>
-              <a:t>1/19/2017</a:t>
+              <a:t>2/3/2017</a:t>
             </a:fld>
             <a:endParaRPr lang="en-US"/>
           </a:p>
@@ -6473,8 +6472,8 @@
         </p:nvSpPr>
         <p:spPr>
           <a:xfrm>
-            <a:off x="23278" y="378654"/>
-            <a:ext cx="12192000" cy="584775"/>
+            <a:off x="366486" y="225199"/>
+            <a:ext cx="11272795" cy="769441"/>
           </a:xfrm>
           <a:prstGeom prst="rect">
             <a:avLst/>
@@ -6489,7 +6488,9 @@
           <a:p>
             <a:pPr algn="ctr"/>
             <a:r>
-              <a:rPr lang="en-US" sz="3200" dirty="0"/>
+              <a:rPr lang="en-US" sz="4400" dirty="0">
+                <a:latin typeface="+mj-lt"/>
+              </a:rPr>
               <a:t>Sensing with a trapped-ion mechanical oscillator</a:t>
             </a:r>
           </a:p>
@@ -8342,8 +8343,8 @@
           </a:p>
         </p:txBody>
       </p:sp>
-      <mc:AlternateContent xmlns:mc="http://schemas.openxmlformats.org/markup-compatibility/2006">
-        <mc:Choice xmlns:a14="http://schemas.microsoft.com/office/drawing/2010/main" Requires="a14">
+      <mc:AlternateContent xmlns:mc="http://schemas.openxmlformats.org/markup-compatibility/2006" xmlns:a14="http://schemas.microsoft.com/office/drawing/2010/main">
+        <mc:Choice Requires="a14">
           <p:sp>
             <p:nvSpPr>
               <p:cNvPr id="142" name="TextBox 141"/>
@@ -8459,7 +8460,7 @@
             </p:txBody>
           </p:sp>
         </mc:Choice>
-        <mc:Fallback>
+        <mc:Fallback xmlns="">
           <p:sp>
             <p:nvSpPr>
               <p:cNvPr id="142" name="TextBox 141"/>
@@ -8532,8 +8533,8 @@
           </a:fontRef>
         </p:style>
       </p:cxnSp>
-      <mc:AlternateContent xmlns:mc="http://schemas.openxmlformats.org/markup-compatibility/2006">
-        <mc:Choice xmlns:a14="http://schemas.microsoft.com/office/drawing/2010/main" Requires="a14">
+      <mc:AlternateContent xmlns:mc="http://schemas.openxmlformats.org/markup-compatibility/2006" xmlns:a14="http://schemas.microsoft.com/office/drawing/2010/main">
+        <mc:Choice Requires="a14">
           <p:sp>
             <p:nvSpPr>
               <p:cNvPr id="145" name="TextBox 144"/>
@@ -8679,7 +8680,7 @@
             </p:txBody>
           </p:sp>
         </mc:Choice>
-        <mc:Fallback>
+        <mc:Fallback xmlns="">
           <p:sp>
             <p:nvSpPr>
               <p:cNvPr id="145" name="TextBox 144"/>
@@ -8758,20 +8759,25 @@
             <p:ph type="title"/>
           </p:nvPr>
         </p:nvSpPr>
-        <p:spPr/>
+        <p:spPr>
+          <a:xfrm>
+            <a:off x="360217" y="212436"/>
+            <a:ext cx="9993747" cy="1325563"/>
+          </a:xfrm>
+        </p:spPr>
         <p:txBody>
           <a:bodyPr/>
           <a:lstStyle/>
           <a:p>
             <a:r>
               <a:rPr lang="en-US" dirty="0"/>
-              <a:t>Predictions for on resonance, phase coherent E and amp sensing</a:t>
+              <a:t>Predictions for on-resonance, phase coherent sensing</a:t>
             </a:r>
           </a:p>
         </p:txBody>
       </p:sp>
-      <mc:AlternateContent xmlns:mc="http://schemas.openxmlformats.org/markup-compatibility/2006">
-        <mc:Choice xmlns:a14="http://schemas.microsoft.com/office/drawing/2010/main" Requires="a14">
+      <mc:AlternateContent xmlns:mc="http://schemas.openxmlformats.org/markup-compatibility/2006" xmlns:a14="http://schemas.microsoft.com/office/drawing/2010/main">
+        <mc:Choice Requires="a14">
           <p:sp>
             <p:nvSpPr>
               <p:cNvPr id="3" name="Content Placeholder 2"/>
@@ -8885,7 +8891,7 @@
             </p:txBody>
           </p:sp>
         </mc:Choice>
-        <mc:Fallback>
+        <mc:Fallback xmlns="">
           <p:sp>
             <p:nvSpPr>
               <p:cNvPr id="3" name="Content Placeholder 2"/>
@@ -8976,8 +8982,8 @@
           </a:p>
         </p:txBody>
       </p:sp>
-      <mc:AlternateContent xmlns:mc="http://schemas.openxmlformats.org/markup-compatibility/2006">
-        <mc:Choice xmlns:a14="http://schemas.microsoft.com/office/drawing/2010/main" Requires="a14">
+      <mc:AlternateContent xmlns:mc="http://schemas.openxmlformats.org/markup-compatibility/2006" xmlns:a14="http://schemas.microsoft.com/office/drawing/2010/main">
+        <mc:Choice Requires="a14">
           <p:sp>
             <p:nvSpPr>
               <p:cNvPr id="3" name="Content Placeholder 2"/>
@@ -11317,7 +11323,7 @@
             </p:txBody>
           </p:sp>
         </mc:Choice>
-        <mc:Fallback>
+        <mc:Fallback xmlns="">
           <p:sp>
             <p:nvSpPr>
               <p:cNvPr id="3" name="Content Placeholder 2"/>
@@ -11926,8 +11932,8 @@
           </a:p>
         </p:txBody>
       </p:sp>
-      <mc:AlternateContent xmlns:mc="http://schemas.openxmlformats.org/markup-compatibility/2006">
-        <mc:Choice xmlns:a14="http://schemas.microsoft.com/office/drawing/2010/main" Requires="a14">
+      <mc:AlternateContent xmlns:mc="http://schemas.openxmlformats.org/markup-compatibility/2006" xmlns:a14="http://schemas.microsoft.com/office/drawing/2010/main">
+        <mc:Choice Requires="a14">
           <p:sp>
             <p:nvSpPr>
               <p:cNvPr id="16" name="Rectangle 15"/>
@@ -12094,7 +12100,7 @@
             </p:txBody>
           </p:sp>
         </mc:Choice>
-        <mc:Fallback>
+        <mc:Fallback xmlns="">
           <p:sp>
             <p:nvSpPr>
               <p:cNvPr id="16" name="Rectangle 15"/>
@@ -12138,8 +12144,8 @@
           </p:sp>
         </mc:Fallback>
       </mc:AlternateContent>
-      <mc:AlternateContent xmlns:mc="http://schemas.openxmlformats.org/markup-compatibility/2006">
-        <mc:Choice xmlns:a14="http://schemas.microsoft.com/office/drawing/2010/main" Requires="a14">
+      <mc:AlternateContent xmlns:mc="http://schemas.openxmlformats.org/markup-compatibility/2006" xmlns:a14="http://schemas.microsoft.com/office/drawing/2010/main">
+        <mc:Choice Requires="a14">
           <p:sp>
             <p:nvSpPr>
               <p:cNvPr id="20" name="Rectangle 19"/>
@@ -12306,7 +12312,7 @@
             </p:txBody>
           </p:sp>
         </mc:Choice>
-        <mc:Fallback>
+        <mc:Fallback xmlns="">
           <p:sp>
             <p:nvSpPr>
               <p:cNvPr id="20" name="Rectangle 19"/>
@@ -12908,8 +12914,8 @@
           </a:fontRef>
         </p:style>
       </p:cxnSp>
-      <mc:AlternateContent xmlns:mc="http://schemas.openxmlformats.org/markup-compatibility/2006">
-        <mc:Choice xmlns:a14="http://schemas.microsoft.com/office/drawing/2010/main" Requires="a14">
+      <mc:AlternateContent xmlns:mc="http://schemas.openxmlformats.org/markup-compatibility/2006" xmlns:a14="http://schemas.microsoft.com/office/drawing/2010/main">
+        <mc:Choice Requires="a14">
           <p:sp>
             <p:nvSpPr>
               <p:cNvPr id="21" name="TextBox 20"/>
@@ -13155,7 +13161,7 @@
             </p:txBody>
           </p:sp>
         </mc:Choice>
-        <mc:Fallback>
+        <mc:Fallback xmlns="">
           <p:sp>
             <p:nvSpPr>
               <p:cNvPr id="21" name="TextBox 20"/>
@@ -13194,8 +13200,8 @@
           </p:sp>
         </mc:Fallback>
       </mc:AlternateContent>
-      <mc:AlternateContent xmlns:mc="http://schemas.openxmlformats.org/markup-compatibility/2006">
-        <mc:Choice xmlns:a14="http://schemas.microsoft.com/office/drawing/2010/main" Requires="a14">
+      <mc:AlternateContent xmlns:mc="http://schemas.openxmlformats.org/markup-compatibility/2006" xmlns:a14="http://schemas.microsoft.com/office/drawing/2010/main">
+        <mc:Choice Requires="a14">
           <p:sp>
             <p:nvSpPr>
               <p:cNvPr id="27" name="TextBox 26"/>
@@ -13441,7 +13447,7 @@
             </p:txBody>
           </p:sp>
         </mc:Choice>
-        <mc:Fallback>
+        <mc:Fallback xmlns="">
           <p:sp>
             <p:nvSpPr>
               <p:cNvPr id="27" name="TextBox 26"/>
@@ -13517,8 +13523,8 @@
           </a:fontRef>
         </p:style>
       </p:cxnSp>
-      <mc:AlternateContent xmlns:mc="http://schemas.openxmlformats.org/markup-compatibility/2006">
-        <mc:Choice xmlns:a14="http://schemas.microsoft.com/office/drawing/2010/main" Requires="a14">
+      <mc:AlternateContent xmlns:mc="http://schemas.openxmlformats.org/markup-compatibility/2006" xmlns:a14="http://schemas.microsoft.com/office/drawing/2010/main">
+        <mc:Choice Requires="a14">
           <p:sp>
             <p:nvSpPr>
               <p:cNvPr id="33" name="TextBox 32"/>
@@ -13597,7 +13603,7 @@
             </p:txBody>
           </p:sp>
         </mc:Choice>
-        <mc:Fallback>
+        <mc:Fallback xmlns="">
           <p:sp>
             <p:nvSpPr>
               <p:cNvPr id="33" name="TextBox 32"/>
@@ -13673,8 +13679,8 @@
           </a:fontRef>
         </p:style>
       </p:cxnSp>
-      <mc:AlternateContent xmlns:mc="http://schemas.openxmlformats.org/markup-compatibility/2006">
-        <mc:Choice xmlns:a14="http://schemas.microsoft.com/office/drawing/2010/main" Requires="a14">
+      <mc:AlternateContent xmlns:mc="http://schemas.openxmlformats.org/markup-compatibility/2006" xmlns:a14="http://schemas.microsoft.com/office/drawing/2010/main">
+        <mc:Choice Requires="a14">
           <p:sp>
             <p:nvSpPr>
               <p:cNvPr id="35" name="TextBox 34"/>
@@ -13753,7 +13759,7 @@
             </p:txBody>
           </p:sp>
         </mc:Choice>
-        <mc:Fallback>
+        <mc:Fallback xmlns="">
           <p:sp>
             <p:nvSpPr>
               <p:cNvPr id="35" name="TextBox 34"/>
@@ -13829,8 +13835,8 @@
           </a:fontRef>
         </p:style>
       </p:cxnSp>
-      <mc:AlternateContent xmlns:mc="http://schemas.openxmlformats.org/markup-compatibility/2006">
-        <mc:Choice xmlns:a14="http://schemas.microsoft.com/office/drawing/2010/main" Requires="a14">
+      <mc:AlternateContent xmlns:mc="http://schemas.openxmlformats.org/markup-compatibility/2006" xmlns:a14="http://schemas.microsoft.com/office/drawing/2010/main">
+        <mc:Choice Requires="a14">
           <p:sp>
             <p:nvSpPr>
               <p:cNvPr id="37" name="TextBox 36"/>
@@ -13909,7 +13915,7 @@
             </p:txBody>
           </p:sp>
         </mc:Choice>
-        <mc:Fallback>
+        <mc:Fallback xmlns="">
           <p:sp>
             <p:nvSpPr>
               <p:cNvPr id="37" name="TextBox 36"/>
@@ -13985,8 +13991,8 @@
           </a:fontRef>
         </p:style>
       </p:cxnSp>
-      <mc:AlternateContent xmlns:mc="http://schemas.openxmlformats.org/markup-compatibility/2006">
-        <mc:Choice xmlns:a14="http://schemas.microsoft.com/office/drawing/2010/main" Requires="a14">
+      <mc:AlternateContent xmlns:mc="http://schemas.openxmlformats.org/markup-compatibility/2006" xmlns:a14="http://schemas.microsoft.com/office/drawing/2010/main">
+        <mc:Choice Requires="a14">
           <p:sp>
             <p:nvSpPr>
               <p:cNvPr id="40" name="TextBox 39"/>
@@ -14065,7 +14071,7 @@
             </p:txBody>
           </p:sp>
         </mc:Choice>
-        <mc:Fallback>
+        <mc:Fallback xmlns="">
           <p:sp>
             <p:nvSpPr>
               <p:cNvPr id="40" name="TextBox 39"/>
@@ -14141,8 +14147,8 @@
           </a:fontRef>
         </p:style>
       </p:cxnSp>
-      <mc:AlternateContent xmlns:mc="http://schemas.openxmlformats.org/markup-compatibility/2006">
-        <mc:Choice xmlns:a14="http://schemas.microsoft.com/office/drawing/2010/main" Requires="a14">
+      <mc:AlternateContent xmlns:mc="http://schemas.openxmlformats.org/markup-compatibility/2006" xmlns:a14="http://schemas.microsoft.com/office/drawing/2010/main">
+        <mc:Choice Requires="a14">
           <p:sp>
             <p:nvSpPr>
               <p:cNvPr id="42" name="TextBox 41"/>
@@ -14259,7 +14265,7 @@
             </p:txBody>
           </p:sp>
         </mc:Choice>
-        <mc:Fallback>
+        <mc:Fallback xmlns="">
           <p:sp>
             <p:nvSpPr>
               <p:cNvPr id="42" name="TextBox 41"/>
@@ -14335,8 +14341,8 @@
           </a:fontRef>
         </p:style>
       </p:cxnSp>
-      <mc:AlternateContent xmlns:mc="http://schemas.openxmlformats.org/markup-compatibility/2006">
-        <mc:Choice xmlns:a14="http://schemas.microsoft.com/office/drawing/2010/main" Requires="a14">
+      <mc:AlternateContent xmlns:mc="http://schemas.openxmlformats.org/markup-compatibility/2006" xmlns:a14="http://schemas.microsoft.com/office/drawing/2010/main">
+        <mc:Choice Requires="a14">
           <p:sp>
             <p:nvSpPr>
               <p:cNvPr id="46" name="TextBox 45"/>
@@ -14453,7 +14459,7 @@
             </p:txBody>
           </p:sp>
         </mc:Choice>
-        <mc:Fallback>
+        <mc:Fallback xmlns="">
           <p:sp>
             <p:nvSpPr>
               <p:cNvPr id="46" name="TextBox 45"/>
@@ -15889,8 +15895,8 @@
         </p:nvSpPr>
         <p:spPr>
           <a:xfrm>
-            <a:off x="1249960" y="511728"/>
-            <a:ext cx="2595582" cy="769441"/>
+            <a:off x="474105" y="398188"/>
+            <a:ext cx="7169142" cy="769441"/>
           </a:xfrm>
           <a:prstGeom prst="rect">
             <a:avLst/>
@@ -15913,7 +15919,7 @@
               <a:rPr lang="en-US" sz="4400" dirty="0">
                 <a:latin typeface="+mj-lt"/>
               </a:rPr>
-              <a:t> </a:t>
+              <a:t> – theory agrees well</a:t>
             </a:r>
           </a:p>
         </p:txBody>
@@ -15940,7 +15946,7 @@
         </p:blipFill>
         <p:spPr>
           <a:xfrm>
-            <a:off x="5170312" y="1386757"/>
+            <a:off x="5008429" y="1491376"/>
             <a:ext cx="6828571" cy="552381"/>
           </a:xfrm>
           <a:prstGeom prst="rect">
@@ -15970,7 +15976,7 @@
         </p:blipFill>
         <p:spPr>
           <a:xfrm>
-            <a:off x="1174170" y="1272369"/>
+            <a:off x="647698" y="1386757"/>
             <a:ext cx="3724795" cy="781159"/>
           </a:xfrm>
           <a:prstGeom prst="rect">
@@ -16000,7 +16006,7 @@
         </p:blipFill>
         <p:spPr>
           <a:xfrm>
-            <a:off x="8408429" y="896448"/>
+            <a:off x="8422714" y="970088"/>
             <a:ext cx="3428571" cy="419048"/>
           </a:xfrm>
           <a:prstGeom prst="rect">
@@ -17251,7 +17257,7 @@
         </p:nvSpPr>
         <p:spPr>
           <a:xfrm>
-            <a:off x="1573085" y="59937"/>
+            <a:off x="497029" y="107660"/>
             <a:ext cx="9506705" cy="769441"/>
           </a:xfrm>
           <a:prstGeom prst="rect">
@@ -17725,7 +17731,7 @@
           <a:p>
             <a:r>
               <a:rPr lang="en-US" dirty="0"/>
-              <a:t>Limits to sensitivity / SNR</a:t>
+              <a:t>Limits to sensitivity / signal-to-noise</a:t>
             </a:r>
           </a:p>
         </p:txBody>
@@ -18092,20 +18098,27 @@
             <p:ph type="title"/>
           </p:nvPr>
         </p:nvSpPr>
-        <p:spPr/>
+        <p:spPr>
+          <a:xfrm>
+            <a:off x="468746" y="420543"/>
+            <a:ext cx="9986818" cy="780183"/>
+          </a:xfrm>
+        </p:spPr>
         <p:txBody>
-          <a:bodyPr/>
+          <a:bodyPr>
+            <a:noAutofit/>
+          </a:bodyPr>
           <a:lstStyle/>
           <a:p>
             <a:r>
               <a:rPr lang="en-US" dirty="0"/>
-              <a:t>Numbers for off-resonant, incoherent amp sensing</a:t>
+              <a:t>Off-resonant, incoherent amplitude sensing</a:t>
             </a:r>
           </a:p>
         </p:txBody>
       </p:sp>
-      <mc:AlternateContent xmlns:mc="http://schemas.openxmlformats.org/markup-compatibility/2006">
-        <mc:Choice xmlns:a14="http://schemas.microsoft.com/office/drawing/2010/main" Requires="a14">
+      <mc:AlternateContent xmlns:mc="http://schemas.openxmlformats.org/markup-compatibility/2006" xmlns:a14="http://schemas.microsoft.com/office/drawing/2010/main">
+        <mc:Choice Requires="a14">
           <p:sp>
             <p:nvSpPr>
               <p:cNvPr id="3" name="Content Placeholder 2"/>
@@ -18261,7 +18274,7 @@
             </p:txBody>
           </p:sp>
         </mc:Choice>
-        <mc:Fallback>
+        <mc:Fallback xmlns="">
           <p:sp>
             <p:nvSpPr>
               <p:cNvPr id="3" name="Content Placeholder 2"/>
@@ -18603,8 +18616,8 @@
             </a:fontRef>
           </p:style>
         </p:cxnSp>
-        <mc:AlternateContent xmlns:mc="http://schemas.openxmlformats.org/markup-compatibility/2006">
-          <mc:Choice xmlns:a14="http://schemas.microsoft.com/office/drawing/2010/main" Requires="a14">
+        <mc:AlternateContent xmlns:mc="http://schemas.openxmlformats.org/markup-compatibility/2006" xmlns:a14="http://schemas.microsoft.com/office/drawing/2010/main">
+          <mc:Choice Requires="a14">
             <p:sp>
               <p:nvSpPr>
                 <p:cNvPr id="29" name="TextBox 28"/>
@@ -18667,7 +18680,7 @@
               </p:txBody>
             </p:sp>
           </mc:Choice>
-          <mc:Fallback>
+          <mc:Fallback xmlns="">
             <p:sp>
               <p:nvSpPr>
                 <p:cNvPr id="29" name="TextBox 28"/>
@@ -18706,8 +18719,8 @@
             </p:sp>
           </mc:Fallback>
         </mc:AlternateContent>
-        <mc:AlternateContent xmlns:mc="http://schemas.openxmlformats.org/markup-compatibility/2006">
-          <mc:Choice xmlns:a14="http://schemas.microsoft.com/office/drawing/2010/main" Requires="a14">
+        <mc:AlternateContent xmlns:mc="http://schemas.openxmlformats.org/markup-compatibility/2006" xmlns:a14="http://schemas.microsoft.com/office/drawing/2010/main">
+          <mc:Choice Requires="a14">
             <p:sp>
               <p:nvSpPr>
                 <p:cNvPr id="30" name="TextBox 29"/>
@@ -18751,7 +18764,7 @@
               </p:txBody>
             </p:sp>
           </mc:Choice>
-          <mc:Fallback>
+          <mc:Fallback xmlns="">
             <p:sp>
               <p:nvSpPr>
                 <p:cNvPr id="30" name="TextBox 29"/>
@@ -18790,8 +18803,8 @@
             </p:sp>
           </mc:Fallback>
         </mc:AlternateContent>
-        <mc:AlternateContent xmlns:mc="http://schemas.openxmlformats.org/markup-compatibility/2006">
-          <mc:Choice xmlns:a14="http://schemas.microsoft.com/office/drawing/2010/main" Requires="a14">
+        <mc:AlternateContent xmlns:mc="http://schemas.openxmlformats.org/markup-compatibility/2006" xmlns:a14="http://schemas.microsoft.com/office/drawing/2010/main">
+          <mc:Choice Requires="a14">
             <p:sp>
               <p:nvSpPr>
                 <p:cNvPr id="31" name="TextBox 30"/>
@@ -18862,7 +18875,7 @@
               </p:txBody>
             </p:sp>
           </mc:Choice>
-          <mc:Fallback>
+          <mc:Fallback xmlns="">
             <p:sp>
               <p:nvSpPr>
                 <p:cNvPr id="31" name="TextBox 30"/>
@@ -18901,8 +18914,8 @@
             </p:sp>
           </mc:Fallback>
         </mc:AlternateContent>
-        <mc:AlternateContent xmlns:mc="http://schemas.openxmlformats.org/markup-compatibility/2006">
-          <mc:Choice xmlns:a14="http://schemas.microsoft.com/office/drawing/2010/main" Requires="a14">
+        <mc:AlternateContent xmlns:mc="http://schemas.openxmlformats.org/markup-compatibility/2006" xmlns:a14="http://schemas.microsoft.com/office/drawing/2010/main">
+          <mc:Choice Requires="a14">
             <p:sp>
               <p:nvSpPr>
                 <p:cNvPr id="32" name="TextBox 31"/>
@@ -18973,7 +18986,7 @@
               </p:txBody>
             </p:sp>
           </mc:Choice>
-          <mc:Fallback>
+          <mc:Fallback xmlns="">
             <p:sp>
               <p:nvSpPr>
                 <p:cNvPr id="32" name="TextBox 31"/>

--- a/amplitude_sensing_penning.pptx
+++ b/amplitude_sensing_penning.pptx
@@ -222,7 +222,7 @@
           <a:p>
             <a:fld id="{03F6027F-D680-46C2-8DDF-389BA132DFC8}" type="datetimeFigureOut">
               <a:rPr lang="en-US" smtClean="0"/>
-              <a:t>2/6/2017</a:t>
+              <a:t>2/7/2017</a:t>
             </a:fld>
             <a:endParaRPr lang="en-US"/>
           </a:p>
@@ -1254,7 +1254,7 @@
           <a:p>
             <a:fld id="{317D149D-89B8-4B8F-BE4F-CC07218C76E8}" type="datetimeFigureOut">
               <a:rPr lang="en-US" smtClean="0"/>
-              <a:t>2/6/2017</a:t>
+              <a:t>2/7/2017</a:t>
             </a:fld>
             <a:endParaRPr lang="en-US"/>
           </a:p>
@@ -1422,7 +1422,7 @@
           <a:p>
             <a:fld id="{317D149D-89B8-4B8F-BE4F-CC07218C76E8}" type="datetimeFigureOut">
               <a:rPr lang="en-US" smtClean="0"/>
-              <a:t>2/6/2017</a:t>
+              <a:t>2/7/2017</a:t>
             </a:fld>
             <a:endParaRPr lang="en-US"/>
           </a:p>
@@ -1600,7 +1600,7 @@
           <a:p>
             <a:fld id="{317D149D-89B8-4B8F-BE4F-CC07218C76E8}" type="datetimeFigureOut">
               <a:rPr lang="en-US" smtClean="0"/>
-              <a:t>2/6/2017</a:t>
+              <a:t>2/7/2017</a:t>
             </a:fld>
             <a:endParaRPr lang="en-US"/>
           </a:p>
@@ -1792,7 +1792,7 @@
           <a:p>
             <a:fld id="{94074224-BD1B-EB44-8217-7FF91DDDCB4D}" type="datetimeFigureOut">
               <a:rPr lang="en-US" smtClean="0"/>
-              <a:t>2/6/2017</a:t>
+              <a:t>2/7/2017</a:t>
             </a:fld>
             <a:endParaRPr lang="en-US"/>
           </a:p>
@@ -1962,7 +1962,7 @@
           <a:p>
             <a:fld id="{94074224-BD1B-EB44-8217-7FF91DDDCB4D}" type="datetimeFigureOut">
               <a:rPr lang="en-US" smtClean="0"/>
-              <a:t>2/6/2017</a:t>
+              <a:t>2/7/2017</a:t>
             </a:fld>
             <a:endParaRPr lang="en-US"/>
           </a:p>
@@ -2206,7 +2206,7 @@
           <a:p>
             <a:fld id="{94074224-BD1B-EB44-8217-7FF91DDDCB4D}" type="datetimeFigureOut">
               <a:rPr lang="en-US" smtClean="0"/>
-              <a:t>2/6/2017</a:t>
+              <a:t>2/7/2017</a:t>
             </a:fld>
             <a:endParaRPr lang="en-US"/>
           </a:p>
@@ -2438,7 +2438,7 @@
           <a:p>
             <a:fld id="{94074224-BD1B-EB44-8217-7FF91DDDCB4D}" type="datetimeFigureOut">
               <a:rPr lang="en-US" smtClean="0"/>
-              <a:t>2/6/2017</a:t>
+              <a:t>2/7/2017</a:t>
             </a:fld>
             <a:endParaRPr lang="en-US"/>
           </a:p>
@@ -2805,7 +2805,7 @@
           <a:p>
             <a:fld id="{94074224-BD1B-EB44-8217-7FF91DDDCB4D}" type="datetimeFigureOut">
               <a:rPr lang="en-US" smtClean="0"/>
-              <a:t>2/6/2017</a:t>
+              <a:t>2/7/2017</a:t>
             </a:fld>
             <a:endParaRPr lang="en-US"/>
           </a:p>
@@ -2923,7 +2923,7 @@
           <a:p>
             <a:fld id="{94074224-BD1B-EB44-8217-7FF91DDDCB4D}" type="datetimeFigureOut">
               <a:rPr lang="en-US" smtClean="0"/>
-              <a:t>2/6/2017</a:t>
+              <a:t>2/7/2017</a:t>
             </a:fld>
             <a:endParaRPr lang="en-US"/>
           </a:p>
@@ -3018,7 +3018,7 @@
           <a:p>
             <a:fld id="{94074224-BD1B-EB44-8217-7FF91DDDCB4D}" type="datetimeFigureOut">
               <a:rPr lang="en-US" smtClean="0"/>
-              <a:t>2/6/2017</a:t>
+              <a:t>2/7/2017</a:t>
             </a:fld>
             <a:endParaRPr lang="en-US"/>
           </a:p>
@@ -3295,7 +3295,7 @@
           <a:p>
             <a:fld id="{94074224-BD1B-EB44-8217-7FF91DDDCB4D}" type="datetimeFigureOut">
               <a:rPr lang="en-US" smtClean="0"/>
-              <a:t>2/6/2017</a:t>
+              <a:t>2/7/2017</a:t>
             </a:fld>
             <a:endParaRPr lang="en-US"/>
           </a:p>
@@ -3463,7 +3463,7 @@
           <a:p>
             <a:fld id="{317D149D-89B8-4B8F-BE4F-CC07218C76E8}" type="datetimeFigureOut">
               <a:rPr lang="en-US" smtClean="0"/>
-              <a:t>2/6/2017</a:t>
+              <a:t>2/7/2017</a:t>
             </a:fld>
             <a:endParaRPr lang="en-US"/>
           </a:p>
@@ -3720,7 +3720,7 @@
           <a:p>
             <a:fld id="{94074224-BD1B-EB44-8217-7FF91DDDCB4D}" type="datetimeFigureOut">
               <a:rPr lang="en-US" smtClean="0"/>
-              <a:t>2/6/2017</a:t>
+              <a:t>2/7/2017</a:t>
             </a:fld>
             <a:endParaRPr lang="en-US"/>
           </a:p>
@@ -3890,7 +3890,7 @@
           <a:p>
             <a:fld id="{94074224-BD1B-EB44-8217-7FF91DDDCB4D}" type="datetimeFigureOut">
               <a:rPr lang="en-US" smtClean="0"/>
-              <a:t>2/6/2017</a:t>
+              <a:t>2/7/2017</a:t>
             </a:fld>
             <a:endParaRPr lang="en-US"/>
           </a:p>
@@ -4070,7 +4070,7 @@
           <a:p>
             <a:fld id="{94074224-BD1B-EB44-8217-7FF91DDDCB4D}" type="datetimeFigureOut">
               <a:rPr lang="en-US" smtClean="0"/>
-              <a:t>2/6/2017</a:t>
+              <a:t>2/7/2017</a:t>
             </a:fld>
             <a:endParaRPr lang="en-US"/>
           </a:p>
@@ -4315,7 +4315,7 @@
           <a:p>
             <a:fld id="{317D149D-89B8-4B8F-BE4F-CC07218C76E8}" type="datetimeFigureOut">
               <a:rPr lang="en-US" smtClean="0"/>
-              <a:t>2/6/2017</a:t>
+              <a:t>2/7/2017</a:t>
             </a:fld>
             <a:endParaRPr lang="en-US"/>
           </a:p>
@@ -4544,7 +4544,7 @@
           <a:p>
             <a:fld id="{317D149D-89B8-4B8F-BE4F-CC07218C76E8}" type="datetimeFigureOut">
               <a:rPr lang="en-US" smtClean="0"/>
-              <a:t>2/6/2017</a:t>
+              <a:t>2/7/2017</a:t>
             </a:fld>
             <a:endParaRPr lang="en-US"/>
           </a:p>
@@ -4908,7 +4908,7 @@
           <a:p>
             <a:fld id="{317D149D-89B8-4B8F-BE4F-CC07218C76E8}" type="datetimeFigureOut">
               <a:rPr lang="en-US" smtClean="0"/>
-              <a:t>2/6/2017</a:t>
+              <a:t>2/7/2017</a:t>
             </a:fld>
             <a:endParaRPr lang="en-US"/>
           </a:p>
@@ -5025,7 +5025,7 @@
           <a:p>
             <a:fld id="{317D149D-89B8-4B8F-BE4F-CC07218C76E8}" type="datetimeFigureOut">
               <a:rPr lang="en-US" smtClean="0"/>
-              <a:t>2/6/2017</a:t>
+              <a:t>2/7/2017</a:t>
             </a:fld>
             <a:endParaRPr lang="en-US"/>
           </a:p>
@@ -5120,7 +5120,7 @@
           <a:p>
             <a:fld id="{317D149D-89B8-4B8F-BE4F-CC07218C76E8}" type="datetimeFigureOut">
               <a:rPr lang="en-US" smtClean="0"/>
-              <a:t>2/6/2017</a:t>
+              <a:t>2/7/2017</a:t>
             </a:fld>
             <a:endParaRPr lang="en-US"/>
           </a:p>
@@ -5395,7 +5395,7 @@
           <a:p>
             <a:fld id="{317D149D-89B8-4B8F-BE4F-CC07218C76E8}" type="datetimeFigureOut">
               <a:rPr lang="en-US" smtClean="0"/>
-              <a:t>2/6/2017</a:t>
+              <a:t>2/7/2017</a:t>
             </a:fld>
             <a:endParaRPr lang="en-US"/>
           </a:p>
@@ -5647,7 +5647,7 @@
           <a:p>
             <a:fld id="{317D149D-89B8-4B8F-BE4F-CC07218C76E8}" type="datetimeFigureOut">
               <a:rPr lang="en-US" smtClean="0"/>
-              <a:t>2/6/2017</a:t>
+              <a:t>2/7/2017</a:t>
             </a:fld>
             <a:endParaRPr lang="en-US"/>
           </a:p>
@@ -5858,7 +5858,7 @@
           <a:p>
             <a:fld id="{317D149D-89B8-4B8F-BE4F-CC07218C76E8}" type="datetimeFigureOut">
               <a:rPr lang="en-US" smtClean="0"/>
-              <a:t>2/6/2017</a:t>
+              <a:t>2/7/2017</a:t>
             </a:fld>
             <a:endParaRPr lang="en-US"/>
           </a:p>
@@ -6398,7 +6398,7 @@
           <a:p>
             <a:fld id="{94074224-BD1B-EB44-8217-7FF91DDDCB4D}" type="datetimeFigureOut">
               <a:rPr lang="en-US" smtClean="0"/>
-              <a:t>2/6/2017</a:t>
+              <a:t>2/7/2017</a:t>
             </a:fld>
             <a:endParaRPr lang="en-US"/>
           </a:p>
@@ -10154,8 +10154,8 @@
           </a:p>
         </p:txBody>
       </p:sp>
-      <mc:AlternateContent xmlns:mc="http://schemas.openxmlformats.org/markup-compatibility/2006">
-        <mc:Choice xmlns:a14="http://schemas.microsoft.com/office/drawing/2010/main" Requires="a14">
+      <mc:AlternateContent xmlns:mc="http://schemas.openxmlformats.org/markup-compatibility/2006" xmlns:a14="http://schemas.microsoft.com/office/drawing/2010/main">
+        <mc:Choice Requires="a14">
           <p:sp>
             <p:nvSpPr>
               <p:cNvPr id="3" name="Content Placeholder 2"/>
@@ -10281,7 +10281,7 @@
             </p:txBody>
           </p:sp>
         </mc:Choice>
-        <mc:Fallback>
+        <mc:Fallback xmlns="">
           <p:sp>
             <p:nvSpPr>
               <p:cNvPr id="3" name="Content Placeholder 2"/>
@@ -10443,8 +10443,8 @@
           </a:p>
         </p:txBody>
       </p:sp>
-      <mc:AlternateContent xmlns:mc="http://schemas.openxmlformats.org/markup-compatibility/2006">
-        <mc:Choice xmlns:a14="http://schemas.microsoft.com/office/drawing/2010/main" Requires="a14">
+      <mc:AlternateContent xmlns:mc="http://schemas.openxmlformats.org/markup-compatibility/2006" xmlns:a14="http://schemas.microsoft.com/office/drawing/2010/main">
+        <mc:Choice Requires="a14">
           <p:sp>
             <p:nvSpPr>
               <p:cNvPr id="3" name="Content Placeholder 2"/>
@@ -12451,7 +12451,7 @@
             </p:txBody>
           </p:sp>
         </mc:Choice>
-        <mc:Fallback>
+        <mc:Fallback xmlns="">
           <p:sp>
             <p:nvSpPr>
               <p:cNvPr id="3" name="Content Placeholder 2"/>
@@ -12601,7 +12601,10 @@
           <a:bodyPr/>
           <a:lstStyle/>
           <a:p>
-            <a:endParaRPr lang="en-US"/>
+            <a:r>
+              <a:rPr lang="en-US" dirty="0"/>
+              <a:t>Modes and low frequency signal</a:t>
+            </a:r>
           </a:p>
         </p:txBody>
       </p:sp>
@@ -12623,7 +12626,7 @@
         </p:blipFill>
         <p:spPr>
           <a:xfrm>
-            <a:off x="6785753" y="1768288"/>
+            <a:off x="6473333" y="1768287"/>
             <a:ext cx="5204511" cy="2199845"/>
           </a:xfrm>
           <a:prstGeom prst="rect">
@@ -12647,7 +12650,7 @@
         </p:blipFill>
         <p:spPr>
           <a:xfrm>
-            <a:off x="6785753" y="3832374"/>
+            <a:off x="6473332" y="3760769"/>
             <a:ext cx="5204511" cy="2210136"/>
           </a:xfrm>
           <a:prstGeom prst="rect">
@@ -12671,8 +12674,8 @@
         </p:blipFill>
         <p:spPr>
           <a:xfrm>
-            <a:off x="0" y="1912460"/>
-            <a:ext cx="6573167" cy="2286319"/>
+            <a:off x="434340" y="1975651"/>
+            <a:ext cx="5132213" cy="1785118"/>
           </a:xfrm>
           <a:prstGeom prst="rect">
             <a:avLst/>
@@ -12695,8 +12698,8 @@
         </p:blipFill>
         <p:spPr>
           <a:xfrm>
-            <a:off x="1501140" y="4338879"/>
-            <a:ext cx="4903908" cy="1768379"/>
+            <a:off x="434339" y="4045732"/>
+            <a:ext cx="5132213" cy="1850707"/>
           </a:xfrm>
           <a:prstGeom prst="rect">
             <a:avLst/>
@@ -13942,7 +13945,7 @@
         </p:blipFill>
         <p:spPr>
           <a:xfrm>
-            <a:off x="1826995" y="3915458"/>
+            <a:off x="889805" y="3915458"/>
             <a:ext cx="4268902" cy="2945542"/>
           </a:xfrm>
           <a:prstGeom prst="rect">
@@ -13958,7 +13961,7 @@
         </p:nvSpPr>
         <p:spPr>
           <a:xfrm>
-            <a:off x="6749986" y="4311113"/>
+            <a:off x="6828085" y="4844513"/>
             <a:ext cx="3605463" cy="1754326"/>
           </a:xfrm>
           <a:prstGeom prst="rect">
@@ -14014,7 +14017,7 @@
         </p:nvSpPr>
         <p:spPr>
           <a:xfrm>
-            <a:off x="1296551" y="3627423"/>
+            <a:off x="359361" y="3627423"/>
             <a:ext cx="5828840" cy="369332"/>
           </a:xfrm>
           <a:prstGeom prst="rect">
@@ -17082,7 +17085,7 @@
             </p:nvSpPr>
             <p:spPr>
               <a:xfrm>
-                <a:off x="6095897" y="6200557"/>
+                <a:off x="5499931" y="4106262"/>
                 <a:ext cx="6093719" cy="483466"/>
               </a:xfrm>
               <a:prstGeom prst="rect">
@@ -17315,7 +17318,7 @@
             </p:nvSpPr>
             <p:spPr>
               <a:xfrm>
-                <a:off x="6095897" y="6200557"/>
+                <a:off x="5499931" y="4106262"/>
                 <a:ext cx="6093719" cy="483466"/>
               </a:xfrm>
               <a:prstGeom prst="rect">
@@ -17346,13 +17349,15 @@
       <p:grpSp>
         <p:nvGrpSpPr>
           <p:cNvPr id="67" name="Group 66"/>
-          <p:cNvGrpSpPr/>
+          <p:cNvGrpSpPr>
+            <a:grpSpLocks noChangeAspect="1"/>
+          </p:cNvGrpSpPr>
           <p:nvPr/>
         </p:nvGrpSpPr>
         <p:grpSpPr>
           <a:xfrm>
-            <a:off x="6721562" y="3473634"/>
-            <a:ext cx="5454699" cy="1401352"/>
+            <a:off x="1008713" y="1425765"/>
+            <a:ext cx="9959153" cy="2558579"/>
             <a:chOff x="827664" y="4752605"/>
             <a:chExt cx="5454699" cy="1401352"/>
           </a:xfrm>
@@ -17812,8 +17817,8 @@
             </a:fontRef>
           </p:style>
         </p:cxnSp>
-        <mc:AlternateContent xmlns:mc="http://schemas.openxmlformats.org/markup-compatibility/2006">
-          <mc:Choice xmlns:a14="http://schemas.microsoft.com/office/drawing/2010/main" Requires="a14">
+        <mc:AlternateContent xmlns:mc="http://schemas.openxmlformats.org/markup-compatibility/2006" xmlns:a14="http://schemas.microsoft.com/office/drawing/2010/main">
+          <mc:Choice Requires="a14">
             <p:sp>
               <p:nvSpPr>
                 <p:cNvPr id="76" name="TextBox 75"/>
@@ -17912,7 +17917,7 @@
               </p:txBody>
             </p:sp>
           </mc:Choice>
-          <mc:Fallback>
+          <mc:Fallback xmlns="">
             <p:sp>
               <p:nvSpPr>
                 <p:cNvPr id="76" name="TextBox 75"/>
@@ -17951,8 +17956,8 @@
             </p:sp>
           </mc:Fallback>
         </mc:AlternateContent>
-        <mc:AlternateContent xmlns:mc="http://schemas.openxmlformats.org/markup-compatibility/2006">
-          <mc:Choice xmlns:a14="http://schemas.microsoft.com/office/drawing/2010/main" Requires="a14">
+        <mc:AlternateContent xmlns:mc="http://schemas.openxmlformats.org/markup-compatibility/2006" xmlns:a14="http://schemas.microsoft.com/office/drawing/2010/main">
+          <mc:Choice Requires="a14">
             <p:sp>
               <p:nvSpPr>
                 <p:cNvPr id="77" name="TextBox 76"/>
@@ -18051,7 +18056,7 @@
               </p:txBody>
             </p:sp>
           </mc:Choice>
-          <mc:Fallback>
+          <mc:Fallback xmlns="">
             <p:sp>
               <p:nvSpPr>
                 <p:cNvPr id="77" name="TextBox 76"/>
@@ -18090,8 +18095,8 @@
             </p:sp>
           </mc:Fallback>
         </mc:AlternateContent>
-        <mc:AlternateContent xmlns:mc="http://schemas.openxmlformats.org/markup-compatibility/2006">
-          <mc:Choice xmlns:a14="http://schemas.microsoft.com/office/drawing/2010/main" Requires="a14">
+        <mc:AlternateContent xmlns:mc="http://schemas.openxmlformats.org/markup-compatibility/2006" xmlns:a14="http://schemas.microsoft.com/office/drawing/2010/main">
+          <mc:Choice Requires="a14">
             <p:sp>
               <p:nvSpPr>
                 <p:cNvPr id="78" name="TextBox 77"/>
@@ -18170,7 +18175,7 @@
               </p:txBody>
             </p:sp>
           </mc:Choice>
-          <mc:Fallback>
+          <mc:Fallback xmlns="">
             <p:sp>
               <p:nvSpPr>
                 <p:cNvPr id="78" name="TextBox 77"/>
@@ -18209,8 +18214,8 @@
             </p:sp>
           </mc:Fallback>
         </mc:AlternateContent>
-        <mc:AlternateContent xmlns:mc="http://schemas.openxmlformats.org/markup-compatibility/2006">
-          <mc:Choice xmlns:a14="http://schemas.microsoft.com/office/drawing/2010/main" Requires="a14">
+        <mc:AlternateContent xmlns:mc="http://schemas.openxmlformats.org/markup-compatibility/2006" xmlns:a14="http://schemas.microsoft.com/office/drawing/2010/main">
+          <mc:Choice Requires="a14">
             <p:sp>
               <p:nvSpPr>
                 <p:cNvPr id="79" name="TextBox 78"/>
@@ -18289,7 +18294,7 @@
               </p:txBody>
             </p:sp>
           </mc:Choice>
-          <mc:Fallback>
+          <mc:Fallback xmlns="">
             <p:sp>
               <p:nvSpPr>
                 <p:cNvPr id="79" name="TextBox 78"/>
@@ -18328,8 +18333,8 @@
             </p:sp>
           </mc:Fallback>
         </mc:AlternateContent>
-        <mc:AlternateContent xmlns:mc="http://schemas.openxmlformats.org/markup-compatibility/2006">
-          <mc:Choice xmlns:a14="http://schemas.microsoft.com/office/drawing/2010/main" Requires="a14">
+        <mc:AlternateContent xmlns:mc="http://schemas.openxmlformats.org/markup-compatibility/2006" xmlns:a14="http://schemas.microsoft.com/office/drawing/2010/main">
+          <mc:Choice Requires="a14">
             <p:sp>
               <p:nvSpPr>
                 <p:cNvPr id="80" name="TextBox 79"/>
@@ -18408,7 +18413,7 @@
               </p:txBody>
             </p:sp>
           </mc:Choice>
-          <mc:Fallback>
+          <mc:Fallback xmlns="">
             <p:sp>
               <p:nvSpPr>
                 <p:cNvPr id="80" name="TextBox 79"/>
@@ -18447,8 +18452,8 @@
             </p:sp>
           </mc:Fallback>
         </mc:AlternateContent>
-        <mc:AlternateContent xmlns:mc="http://schemas.openxmlformats.org/markup-compatibility/2006">
-          <mc:Choice xmlns:a14="http://schemas.microsoft.com/office/drawing/2010/main" Requires="a14">
+        <mc:AlternateContent xmlns:mc="http://schemas.openxmlformats.org/markup-compatibility/2006" xmlns:a14="http://schemas.microsoft.com/office/drawing/2010/main">
+          <mc:Choice Requires="a14">
             <p:sp>
               <p:nvSpPr>
                 <p:cNvPr id="81" name="TextBox 80"/>
@@ -18527,7 +18532,7 @@
               </p:txBody>
             </p:sp>
           </mc:Choice>
-          <mc:Fallback>
+          <mc:Fallback xmlns="">
             <p:sp>
               <p:nvSpPr>
                 <p:cNvPr id="81" name="TextBox 80"/>
@@ -18566,8 +18571,8 @@
             </p:sp>
           </mc:Fallback>
         </mc:AlternateContent>
-        <mc:AlternateContent xmlns:mc="http://schemas.openxmlformats.org/markup-compatibility/2006">
-          <mc:Choice xmlns:a14="http://schemas.microsoft.com/office/drawing/2010/main" Requires="a14">
+        <mc:AlternateContent xmlns:mc="http://schemas.openxmlformats.org/markup-compatibility/2006" xmlns:a14="http://schemas.microsoft.com/office/drawing/2010/main">
+          <mc:Choice Requires="a14">
             <p:sp>
               <p:nvSpPr>
                 <p:cNvPr id="82" name="TextBox 81"/>
@@ -18684,7 +18689,7 @@
               </p:txBody>
             </p:sp>
           </mc:Choice>
-          <mc:Fallback>
+          <mc:Fallback xmlns="">
             <p:sp>
               <p:nvSpPr>
                 <p:cNvPr id="82" name="TextBox 81"/>
@@ -18723,8 +18728,8 @@
             </p:sp>
           </mc:Fallback>
         </mc:AlternateContent>
-        <mc:AlternateContent xmlns:mc="http://schemas.openxmlformats.org/markup-compatibility/2006">
-          <mc:Choice xmlns:a14="http://schemas.microsoft.com/office/drawing/2010/main" Requires="a14">
+        <mc:AlternateContent xmlns:mc="http://schemas.openxmlformats.org/markup-compatibility/2006" xmlns:a14="http://schemas.microsoft.com/office/drawing/2010/main">
+          <mc:Choice Requires="a14">
             <p:sp>
               <p:nvSpPr>
                 <p:cNvPr id="83" name="TextBox 82"/>
@@ -18841,7 +18846,7 @@
               </p:txBody>
             </p:sp>
           </mc:Choice>
-          <mc:Fallback>
+          <mc:Fallback xmlns="">
             <p:sp>
               <p:nvSpPr>
                 <p:cNvPr id="83" name="TextBox 82"/>
@@ -19052,8 +19057,8 @@
             </a:fontRef>
           </p:style>
         </p:cxnSp>
-        <mc:AlternateContent xmlns:mc="http://schemas.openxmlformats.org/markup-compatibility/2006">
-          <mc:Choice xmlns:a14="http://schemas.microsoft.com/office/drawing/2010/main" Requires="a14">
+        <mc:AlternateContent xmlns:mc="http://schemas.openxmlformats.org/markup-compatibility/2006" xmlns:a14="http://schemas.microsoft.com/office/drawing/2010/main">
+          <mc:Choice Requires="a14">
             <p:sp>
               <p:nvSpPr>
                 <p:cNvPr id="88" name="TextBox 87"/>
@@ -19076,6 +19081,7 @@
                 </a:bodyPr>
                 <a:lstStyle/>
                 <a:p>
+                  <a:pPr/>
                   <a14:m>
                     <m:oMathPara xmlns:m="http://schemas.openxmlformats.org/officeDocument/2006/math">
                       <m:oMathParaPr>
@@ -19153,7 +19159,7 @@
               </p:txBody>
             </p:sp>
           </mc:Choice>
-          <mc:Fallback>
+          <mc:Fallback xmlns="">
             <p:sp>
               <p:nvSpPr>
                 <p:cNvPr id="88" name="TextBox 87"/>
@@ -19334,8 +19340,8 @@
             </a:p>
           </p:txBody>
         </p:sp>
-        <mc:AlternateContent xmlns:mc="http://schemas.openxmlformats.org/markup-compatibility/2006">
-          <mc:Choice xmlns:a14="http://schemas.microsoft.com/office/drawing/2010/main" Requires="a14">
+        <mc:AlternateContent xmlns:mc="http://schemas.openxmlformats.org/markup-compatibility/2006" xmlns:a14="http://schemas.microsoft.com/office/drawing/2010/main">
+          <mc:Choice Requires="a14">
             <p:sp>
               <p:nvSpPr>
                 <p:cNvPr id="91" name="TextBox 90"/>
@@ -19358,6 +19364,7 @@
                 </a:bodyPr>
                 <a:lstStyle/>
                 <a:p>
+                  <a:pPr/>
                   <a14:m>
                     <m:oMathPara xmlns:m="http://schemas.openxmlformats.org/officeDocument/2006/math">
                       <m:oMathParaPr>
@@ -19435,7 +19442,7 @@
               </p:txBody>
             </p:sp>
           </mc:Choice>
-          <mc:Fallback>
+          <mc:Fallback xmlns="">
             <p:sp>
               <p:nvSpPr>
                 <p:cNvPr id="91" name="TextBox 90"/>
@@ -19474,8 +19481,8 @@
             </p:sp>
           </mc:Fallback>
         </mc:AlternateContent>
-        <mc:AlternateContent xmlns:mc="http://schemas.openxmlformats.org/markup-compatibility/2006">
-          <mc:Choice xmlns:a14="http://schemas.microsoft.com/office/drawing/2010/main" Requires="a14">
+        <mc:AlternateContent xmlns:mc="http://schemas.openxmlformats.org/markup-compatibility/2006" xmlns:a14="http://schemas.microsoft.com/office/drawing/2010/main">
+          <mc:Choice Requires="a14">
             <p:sp>
               <p:nvSpPr>
                 <p:cNvPr id="92" name="TextBox 91"/>
@@ -19498,6 +19505,7 @@
                 </a:bodyPr>
                 <a:lstStyle/>
                 <a:p>
+                  <a:pPr/>
                   <a14:m>
                     <m:oMathPara xmlns:m="http://schemas.openxmlformats.org/officeDocument/2006/math">
                       <m:oMathParaPr>
@@ -19556,7 +19564,7 @@
               </p:txBody>
             </p:sp>
           </mc:Choice>
-          <mc:Fallback>
+          <mc:Fallback xmlns="">
             <p:sp>
               <p:nvSpPr>
                 <p:cNvPr id="92" name="TextBox 91"/>
@@ -19595,8 +19603,8 @@
             </p:sp>
           </mc:Fallback>
         </mc:AlternateContent>
-        <mc:AlternateContent xmlns:mc="http://schemas.openxmlformats.org/markup-compatibility/2006">
-          <mc:Choice xmlns:a14="http://schemas.microsoft.com/office/drawing/2010/main" Requires="a14">
+        <mc:AlternateContent xmlns:mc="http://schemas.openxmlformats.org/markup-compatibility/2006" xmlns:a14="http://schemas.microsoft.com/office/drawing/2010/main">
+          <mc:Choice Requires="a14">
             <p:sp>
               <p:nvSpPr>
                 <p:cNvPr id="93" name="TextBox 92"/>
@@ -19619,6 +19627,7 @@
                 </a:bodyPr>
                 <a:lstStyle/>
                 <a:p>
+                  <a:pPr/>
                   <a14:m>
                     <m:oMathPara xmlns:m="http://schemas.openxmlformats.org/officeDocument/2006/math">
                       <m:oMathParaPr>
@@ -19677,7 +19686,7 @@
               </p:txBody>
             </p:sp>
           </mc:Choice>
-          <mc:Fallback>
+          <mc:Fallback xmlns="">
             <p:sp>
               <p:nvSpPr>
                 <p:cNvPr id="93" name="TextBox 92"/>
@@ -21793,66 +21802,6 @@
           </a:prstGeom>
         </p:spPr>
       </p:pic>
-      <p:pic>
-        <p:nvPicPr>
-          <p:cNvPr id="7" name="Picture 6"/>
-          <p:cNvPicPr>
-            <a:picLocks noChangeAspect="1"/>
-          </p:cNvPicPr>
-          <p:nvPr/>
-        </p:nvPicPr>
-        <p:blipFill>
-          <a:blip r:embed="rId4">
-            <a:extLst>
-              <a:ext uri="{28A0092B-C50C-407E-A947-70E740481C1C}">
-                <a14:useLocalDpi xmlns:a14="http://schemas.microsoft.com/office/drawing/2010/main" val="0"/>
-              </a:ext>
-            </a:extLst>
-          </a:blip>
-          <a:stretch>
-            <a:fillRect/>
-          </a:stretch>
-        </p:blipFill>
-        <p:spPr>
-          <a:xfrm>
-            <a:off x="643286" y="1535092"/>
-            <a:ext cx="3115110" cy="1057423"/>
-          </a:xfrm>
-          <a:prstGeom prst="rect">
-            <a:avLst/>
-          </a:prstGeom>
-        </p:spPr>
-      </p:pic>
-      <p:pic>
-        <p:nvPicPr>
-          <p:cNvPr id="8" name="Picture 7"/>
-          <p:cNvPicPr>
-            <a:picLocks noChangeAspect="1"/>
-          </p:cNvPicPr>
-          <p:nvPr/>
-        </p:nvPicPr>
-        <p:blipFill>
-          <a:blip r:embed="rId5">
-            <a:extLst>
-              <a:ext uri="{28A0092B-C50C-407E-A947-70E740481C1C}">
-                <a14:useLocalDpi xmlns:a14="http://schemas.microsoft.com/office/drawing/2010/main" val="0"/>
-              </a:ext>
-            </a:extLst>
-          </a:blip>
-          <a:stretch>
-            <a:fillRect/>
-          </a:stretch>
-        </p:blipFill>
-        <p:spPr>
-          <a:xfrm>
-            <a:off x="953937" y="4057237"/>
-            <a:ext cx="2953162" cy="971686"/>
-          </a:xfrm>
-          <a:prstGeom prst="rect">
-            <a:avLst/>
-          </a:prstGeom>
-        </p:spPr>
-      </p:pic>
       <p:grpSp>
         <p:nvGrpSpPr>
           <p:cNvPr id="13" name="Group 12"/>
@@ -21981,35 +21930,6 @@
           </p:txBody>
         </p:sp>
       </p:grpSp>
-      <p:sp>
-        <p:nvSpPr>
-          <p:cNvPr id="14" name="TextBox 13"/>
-          <p:cNvSpPr txBox="1"/>
-          <p:nvPr/>
-        </p:nvSpPr>
-        <p:spPr>
-          <a:xfrm>
-            <a:off x="1019619" y="2786541"/>
-            <a:ext cx="2394310" cy="400110"/>
-          </a:xfrm>
-          <a:prstGeom prst="rect">
-            <a:avLst/>
-          </a:prstGeom>
-          <a:noFill/>
-        </p:spPr>
-        <p:txBody>
-          <a:bodyPr wrap="none" rtlCol="0">
-            <a:spAutoFit/>
-          </a:bodyPr>
-          <a:lstStyle/>
-          <a:p>
-            <a:r>
-              <a:rPr lang="en-US" sz="2000" dirty="0"/>
-              <a:t>Projection noise limit</a:t>
-            </a:r>
-          </a:p>
-        </p:txBody>
-      </p:sp>
       <p:pic>
         <p:nvPicPr>
           <p:cNvPr id="4" name="Picture 3"/>
@@ -22019,7 +21939,7 @@
           <p:nvPr/>
         </p:nvPicPr>
         <p:blipFill>
-          <a:blip r:embed="rId6">
+          <a:blip r:embed="rId4">
             <a:extLst>
               <a:ext uri="{28A0092B-C50C-407E-A947-70E740481C1C}">
                 <a14:useLocalDpi xmlns:a14="http://schemas.microsoft.com/office/drawing/2010/main" val="0"/>
@@ -22032,7 +21952,7 @@
         </p:blipFill>
         <p:spPr>
           <a:xfrm>
-            <a:off x="261623" y="3274922"/>
+            <a:off x="323791" y="3774181"/>
             <a:ext cx="4231379" cy="737856"/>
           </a:xfrm>
           <a:prstGeom prst="rect">
@@ -22040,150 +21960,417 @@
           </a:prstGeom>
         </p:spPr>
       </p:pic>
-      <p:pic>
-        <p:nvPicPr>
-          <p:cNvPr id="6" name="Picture 5"/>
-          <p:cNvPicPr>
-            <a:picLocks noChangeAspect="1"/>
-          </p:cNvPicPr>
+      <p:grpSp>
+        <p:nvGrpSpPr>
+          <p:cNvPr id="3" name="Group 2"/>
+          <p:cNvGrpSpPr/>
           <p:nvPr/>
-        </p:nvPicPr>
-        <p:blipFill>
-          <a:blip r:embed="rId7">
-            <a:extLst>
-              <a:ext uri="{28A0092B-C50C-407E-A947-70E740481C1C}">
-                <a14:useLocalDpi xmlns:a14="http://schemas.microsoft.com/office/drawing/2010/main" val="0"/>
-              </a:ext>
-            </a:extLst>
-          </a:blip>
-          <a:stretch>
-            <a:fillRect/>
-          </a:stretch>
-        </p:blipFill>
-        <p:spPr>
+        </p:nvGrpSpPr>
+        <p:grpSpPr>
           <a:xfrm>
-            <a:off x="1590604" y="5073382"/>
-            <a:ext cx="632451" cy="744060"/>
+            <a:off x="1642706" y="5785383"/>
+            <a:ext cx="1458956" cy="744060"/>
+            <a:chOff x="1590604" y="5073382"/>
+            <a:chExt cx="1458956" cy="744060"/>
           </a:xfrm>
-          <a:prstGeom prst="rect">
-            <a:avLst/>
-          </a:prstGeom>
-        </p:spPr>
-      </p:pic>
-      <p:pic>
-        <p:nvPicPr>
-          <p:cNvPr id="10" name="Picture 9"/>
-          <p:cNvPicPr>
-            <a:picLocks noChangeAspect="1"/>
-          </p:cNvPicPr>
+        </p:grpSpPr>
+        <p:pic>
+          <p:nvPicPr>
+            <p:cNvPr id="6" name="Picture 5"/>
+            <p:cNvPicPr>
+              <a:picLocks noChangeAspect="1"/>
+            </p:cNvPicPr>
+            <p:nvPr/>
+          </p:nvPicPr>
+          <p:blipFill>
+            <a:blip r:embed="rId5">
+              <a:extLst>
+                <a:ext uri="{28A0092B-C50C-407E-A947-70E740481C1C}">
+                  <a14:useLocalDpi xmlns:a14="http://schemas.microsoft.com/office/drawing/2010/main" val="0"/>
+                </a:ext>
+              </a:extLst>
+            </a:blip>
+            <a:stretch>
+              <a:fillRect/>
+            </a:stretch>
+          </p:blipFill>
+          <p:spPr>
+            <a:xfrm>
+              <a:off x="1590604" y="5073382"/>
+              <a:ext cx="632451" cy="744060"/>
+            </a:xfrm>
+            <a:prstGeom prst="rect">
+              <a:avLst/>
+            </a:prstGeom>
+          </p:spPr>
+        </p:pic>
+        <p:pic>
+          <p:nvPicPr>
+            <p:cNvPr id="10" name="Picture 9"/>
+            <p:cNvPicPr>
+              <a:picLocks noChangeAspect="1"/>
+            </p:cNvPicPr>
+            <p:nvPr/>
+          </p:nvPicPr>
+          <p:blipFill>
+            <a:blip r:embed="rId6">
+              <a:extLst>
+                <a:ext uri="{28A0092B-C50C-407E-A947-70E740481C1C}">
+                  <a14:useLocalDpi xmlns:a14="http://schemas.microsoft.com/office/drawing/2010/main" val="0"/>
+                </a:ext>
+              </a:extLst>
+            </a:blip>
+            <a:stretch>
+              <a:fillRect/>
+            </a:stretch>
+          </p:blipFill>
+          <p:spPr>
+            <a:xfrm>
+              <a:off x="2430518" y="5253561"/>
+              <a:ext cx="619042" cy="394487"/>
+            </a:xfrm>
+            <a:prstGeom prst="rect">
+              <a:avLst/>
+            </a:prstGeom>
+          </p:spPr>
+        </p:pic>
+        <mc:AlternateContent xmlns:mc="http://schemas.openxmlformats.org/markup-compatibility/2006">
+          <mc:Choice xmlns:a14="http://schemas.microsoft.com/office/drawing/2010/main" Requires="a14">
+            <p:sp>
+              <p:nvSpPr>
+                <p:cNvPr id="15" name="TextBox 14"/>
+                <p:cNvSpPr txBox="1"/>
+                <p:nvPr/>
+              </p:nvSpPr>
+              <p:spPr>
+                <a:xfrm>
+                  <a:off x="2113617" y="5278716"/>
+                  <a:ext cx="402674" cy="369332"/>
+                </a:xfrm>
+                <a:prstGeom prst="rect">
+                  <a:avLst/>
+                </a:prstGeom>
+                <a:noFill/>
+              </p:spPr>
+              <p:txBody>
+                <a:bodyPr wrap="none" rtlCol="0">
+                  <a:spAutoFit/>
+                </a:bodyPr>
+                <a:lstStyle/>
+                <a:p>
+                  <a:pPr/>
+                  <a14:m>
+                    <m:oMathPara xmlns:m="http://schemas.openxmlformats.org/officeDocument/2006/math">
+                      <m:oMathParaPr>
+                        <m:jc m:val="centerGroup"/>
+                      </m:oMathParaPr>
+                      <m:oMath xmlns:m="http://schemas.openxmlformats.org/officeDocument/2006/math">
+                        <m:r>
+                          <a:rPr lang="en-US" i="1" smtClean="0">
+                            <a:latin typeface="Cambria Math" panose="02040503050406030204" pitchFamily="18" charset="0"/>
+                            <a:ea typeface="Cambria Math" panose="02040503050406030204" pitchFamily="18" charset="0"/>
+                          </a:rPr>
+                          <m:t>~</m:t>
+                        </m:r>
+                      </m:oMath>
+                    </m:oMathPara>
+                  </a14:m>
+                  <a:endParaRPr lang="en-US" dirty="0"/>
+                </a:p>
+              </p:txBody>
+            </p:sp>
+          </mc:Choice>
+          <mc:Fallback>
+            <p:sp>
+              <p:nvSpPr>
+                <p:cNvPr id="15" name="TextBox 14"/>
+                <p:cNvSpPr txBox="1">
+                  <a:spLocks noRot="1" noChangeAspect="1" noMove="1" noResize="1" noEditPoints="1" noAdjustHandles="1" noChangeArrowheads="1" noChangeShapeType="1" noTextEdit="1"/>
+                </p:cNvSpPr>
+                <p:nvPr/>
+              </p:nvSpPr>
+              <p:spPr>
+                <a:xfrm>
+                  <a:off x="2113617" y="5278716"/>
+                  <a:ext cx="402674" cy="369332"/>
+                </a:xfrm>
+                <a:prstGeom prst="rect">
+                  <a:avLst/>
+                </a:prstGeom>
+                <a:blipFill>
+                  <a:blip r:embed="rId7"/>
+                  <a:stretch>
+                    <a:fillRect/>
+                  </a:stretch>
+                </a:blipFill>
+              </p:spPr>
+              <p:txBody>
+                <a:bodyPr/>
+                <a:lstStyle/>
+                <a:p>
+                  <a:r>
+                    <a:rPr lang="en-US">
+                      <a:noFill/>
+                    </a:rPr>
+                    <a:t> </a:t>
+                  </a:r>
+                </a:p>
+              </p:txBody>
+            </p:sp>
+          </mc:Fallback>
+        </mc:AlternateContent>
+      </p:grpSp>
+      <p:grpSp>
+        <p:nvGrpSpPr>
+          <p:cNvPr id="18" name="Group 17"/>
+          <p:cNvGrpSpPr/>
           <p:nvPr/>
-        </p:nvPicPr>
-        <p:blipFill>
-          <a:blip r:embed="rId8">
-            <a:extLst>
-              <a:ext uri="{28A0092B-C50C-407E-A947-70E740481C1C}">
-                <a14:useLocalDpi xmlns:a14="http://schemas.microsoft.com/office/drawing/2010/main" val="0"/>
-              </a:ext>
-            </a:extLst>
-          </a:blip>
-          <a:stretch>
-            <a:fillRect/>
-          </a:stretch>
-        </p:blipFill>
-        <p:spPr>
+        </p:nvGrpSpPr>
+        <p:grpSpPr>
           <a:xfrm>
-            <a:off x="2430518" y="5253561"/>
-            <a:ext cx="619042" cy="394487"/>
+            <a:off x="781980" y="1690688"/>
+            <a:ext cx="3174569" cy="1057423"/>
+            <a:chOff x="811710" y="1679137"/>
+            <a:chExt cx="3174569" cy="1057423"/>
           </a:xfrm>
-          <a:prstGeom prst="rect">
-            <a:avLst/>
-          </a:prstGeom>
-        </p:spPr>
-      </p:pic>
-      <mc:AlternateContent xmlns:mc="http://schemas.openxmlformats.org/markup-compatibility/2006">
-        <mc:Choice xmlns:a14="http://schemas.microsoft.com/office/drawing/2010/main" Requires="a14">
-          <p:sp>
-            <p:nvSpPr>
-              <p:cNvPr id="15" name="TextBox 14"/>
-              <p:cNvSpPr txBox="1"/>
-              <p:nvPr/>
-            </p:nvSpPr>
-            <p:spPr>
-              <a:xfrm>
-                <a:off x="2113617" y="5278716"/>
-                <a:ext cx="402674" cy="369332"/>
-              </a:xfrm>
-              <a:prstGeom prst="rect">
-                <a:avLst/>
-              </a:prstGeom>
-              <a:noFill/>
-            </p:spPr>
-            <p:txBody>
-              <a:bodyPr wrap="none" rtlCol="0">
-                <a:spAutoFit/>
-              </a:bodyPr>
-              <a:lstStyle/>
-              <a:p>
-                <a14:m>
-                  <m:oMathPara xmlns:m="http://schemas.openxmlformats.org/officeDocument/2006/math">
-                    <m:oMathParaPr>
-                      <m:jc m:val="centerGroup"/>
-                    </m:oMathParaPr>
-                    <m:oMath xmlns:m="http://schemas.openxmlformats.org/officeDocument/2006/math">
-                      <m:r>
-                        <a:rPr lang="en-US" i="1" smtClean="0">
-                          <a:latin typeface="Cambria Math" panose="02040503050406030204" pitchFamily="18" charset="0"/>
-                          <a:ea typeface="Cambria Math" panose="02040503050406030204" pitchFamily="18" charset="0"/>
-                        </a:rPr>
-                        <m:t>~</m:t>
-                      </m:r>
-                    </m:oMath>
-                  </m:oMathPara>
-                </a14:m>
-                <a:endParaRPr lang="en-US" dirty="0"/>
-              </a:p>
-            </p:txBody>
-          </p:sp>
-        </mc:Choice>
-        <mc:Fallback>
-          <p:sp>
-            <p:nvSpPr>
-              <p:cNvPr id="15" name="TextBox 14"/>
-              <p:cNvSpPr txBox="1">
-                <a:spLocks noRot="1" noChangeAspect="1" noMove="1" noResize="1" noEditPoints="1" noAdjustHandles="1" noChangeArrowheads="1" noChangeShapeType="1" noTextEdit="1"/>
-              </p:cNvSpPr>
-              <p:nvPr/>
-            </p:nvSpPr>
-            <p:spPr>
-              <a:xfrm>
-                <a:off x="2113617" y="5278716"/>
-                <a:ext cx="402674" cy="369332"/>
-              </a:xfrm>
-              <a:prstGeom prst="rect">
-                <a:avLst/>
-              </a:prstGeom>
-              <a:blipFill>
-                <a:blip r:embed="rId9"/>
-                <a:stretch>
-                  <a:fillRect/>
-                </a:stretch>
-              </a:blipFill>
-            </p:spPr>
-            <p:txBody>
-              <a:bodyPr/>
-              <a:lstStyle/>
-              <a:p>
-                <a:r>
-                  <a:rPr lang="en-US">
-                    <a:noFill/>
-                  </a:rPr>
-                  <a:t> </a:t>
-                </a:r>
-              </a:p>
-            </p:txBody>
-          </p:sp>
-        </mc:Fallback>
-      </mc:AlternateContent>
+        </p:grpSpPr>
+        <p:pic>
+          <p:nvPicPr>
+            <p:cNvPr id="7" name="Picture 6"/>
+            <p:cNvPicPr>
+              <a:picLocks noChangeAspect="1"/>
+            </p:cNvPicPr>
+            <p:nvPr/>
+          </p:nvPicPr>
+          <p:blipFill>
+            <a:blip r:embed="rId8">
+              <a:extLst>
+                <a:ext uri="{28A0092B-C50C-407E-A947-70E740481C1C}">
+                  <a14:useLocalDpi xmlns:a14="http://schemas.microsoft.com/office/drawing/2010/main" val="0"/>
+                </a:ext>
+              </a:extLst>
+            </a:blip>
+            <a:stretch>
+              <a:fillRect/>
+            </a:stretch>
+          </p:blipFill>
+          <p:spPr>
+            <a:xfrm>
+              <a:off x="811710" y="1679137"/>
+              <a:ext cx="3115110" cy="1057423"/>
+            </a:xfrm>
+            <a:prstGeom prst="rect">
+              <a:avLst/>
+            </a:prstGeom>
+          </p:spPr>
+        </p:pic>
+        <p:sp>
+          <p:nvSpPr>
+            <p:cNvPr id="16" name="Rounded Rectangle 15"/>
+            <p:cNvSpPr/>
+            <p:nvPr/>
+          </p:nvSpPr>
+          <p:spPr>
+            <a:xfrm>
+              <a:off x="952143" y="1750438"/>
+              <a:ext cx="3034136" cy="968720"/>
+            </a:xfrm>
+            <a:prstGeom prst="roundRect">
+              <a:avLst/>
+            </a:prstGeom>
+            <a:noFill/>
+          </p:spPr>
+          <p:style>
+            <a:lnRef idx="2">
+              <a:schemeClr val="accent1">
+                <a:shade val="50000"/>
+              </a:schemeClr>
+            </a:lnRef>
+            <a:fillRef idx="1">
+              <a:schemeClr val="accent1"/>
+            </a:fillRef>
+            <a:effectRef idx="0">
+              <a:schemeClr val="accent1"/>
+            </a:effectRef>
+            <a:fontRef idx="minor">
+              <a:schemeClr val="lt1"/>
+            </a:fontRef>
+          </p:style>
+          <p:txBody>
+            <a:bodyPr rtlCol="0" anchor="ctr"/>
+            <a:lstStyle/>
+            <a:p>
+              <a:pPr algn="ctr"/>
+              <a:endParaRPr lang="en-US"/>
+            </a:p>
+          </p:txBody>
+        </p:sp>
+      </p:grpSp>
+      <p:grpSp>
+        <p:nvGrpSpPr>
+          <p:cNvPr id="19" name="Group 18"/>
+          <p:cNvGrpSpPr/>
+          <p:nvPr/>
+        </p:nvGrpSpPr>
+        <p:grpSpPr>
+          <a:xfrm>
+            <a:off x="855116" y="4664350"/>
+            <a:ext cx="3034136" cy="982890"/>
+            <a:chOff x="852197" y="4679227"/>
+            <a:chExt cx="3034136" cy="982890"/>
+          </a:xfrm>
+        </p:grpSpPr>
+        <p:pic>
+          <p:nvPicPr>
+            <p:cNvPr id="8" name="Picture 7"/>
+            <p:cNvPicPr>
+              <a:picLocks noChangeAspect="1"/>
+            </p:cNvPicPr>
+            <p:nvPr/>
+          </p:nvPicPr>
+          <p:blipFill>
+            <a:blip r:embed="rId9">
+              <a:extLst>
+                <a:ext uri="{28A0092B-C50C-407E-A947-70E740481C1C}">
+                  <a14:useLocalDpi xmlns:a14="http://schemas.microsoft.com/office/drawing/2010/main" val="0"/>
+                </a:ext>
+              </a:extLst>
+            </a:blip>
+            <a:stretch>
+              <a:fillRect/>
+            </a:stretch>
+          </p:blipFill>
+          <p:spPr>
+            <a:xfrm>
+              <a:off x="892684" y="4690431"/>
+              <a:ext cx="2953162" cy="971686"/>
+            </a:xfrm>
+            <a:prstGeom prst="rect">
+              <a:avLst/>
+            </a:prstGeom>
+          </p:spPr>
+        </p:pic>
+        <p:sp>
+          <p:nvSpPr>
+            <p:cNvPr id="17" name="Rounded Rectangle 16"/>
+            <p:cNvSpPr/>
+            <p:nvPr/>
+          </p:nvSpPr>
+          <p:spPr>
+            <a:xfrm>
+              <a:off x="852197" y="4679227"/>
+              <a:ext cx="3034136" cy="968720"/>
+            </a:xfrm>
+            <a:prstGeom prst="roundRect">
+              <a:avLst/>
+            </a:prstGeom>
+            <a:noFill/>
+          </p:spPr>
+          <p:style>
+            <a:lnRef idx="2">
+              <a:schemeClr val="accent1">
+                <a:shade val="50000"/>
+              </a:schemeClr>
+            </a:lnRef>
+            <a:fillRef idx="1">
+              <a:schemeClr val="accent1"/>
+            </a:fillRef>
+            <a:effectRef idx="0">
+              <a:schemeClr val="accent1"/>
+            </a:effectRef>
+            <a:fontRef idx="minor">
+              <a:schemeClr val="lt1"/>
+            </a:fontRef>
+          </p:style>
+          <p:txBody>
+            <a:bodyPr rtlCol="0" anchor="ctr"/>
+            <a:lstStyle/>
+            <a:p>
+              <a:pPr algn="ctr"/>
+              <a:endParaRPr lang="en-US"/>
+            </a:p>
+          </p:txBody>
+        </p:sp>
+      </p:grpSp>
+      <p:grpSp>
+        <p:nvGrpSpPr>
+          <p:cNvPr id="22" name="Group 21"/>
+          <p:cNvGrpSpPr/>
+          <p:nvPr/>
+        </p:nvGrpSpPr>
+        <p:grpSpPr>
+          <a:xfrm>
+            <a:off x="1242325" y="3290476"/>
+            <a:ext cx="2394310" cy="400110"/>
+            <a:chOff x="1242325" y="3290476"/>
+            <a:chExt cx="2394310" cy="400110"/>
+          </a:xfrm>
+        </p:grpSpPr>
+        <p:sp>
+          <p:nvSpPr>
+            <p:cNvPr id="14" name="TextBox 13"/>
+            <p:cNvSpPr txBox="1"/>
+            <p:nvPr/>
+          </p:nvSpPr>
+          <p:spPr>
+            <a:xfrm>
+              <a:off x="1242325" y="3290476"/>
+              <a:ext cx="2394310" cy="400110"/>
+            </a:xfrm>
+            <a:prstGeom prst="rect">
+              <a:avLst/>
+            </a:prstGeom>
+            <a:noFill/>
+          </p:spPr>
+          <p:txBody>
+            <a:bodyPr wrap="none" rtlCol="0">
+              <a:spAutoFit/>
+            </a:bodyPr>
+            <a:lstStyle/>
+            <a:p>
+              <a:r>
+                <a:rPr lang="en-US" sz="2000" dirty="0"/>
+                <a:t>Projection noise limit</a:t>
+              </a:r>
+            </a:p>
+          </p:txBody>
+        </p:sp>
+        <p:cxnSp>
+          <p:nvCxnSpPr>
+            <p:cNvPr id="21" name="Straight Connector 20"/>
+            <p:cNvCxnSpPr/>
+            <p:nvPr/>
+          </p:nvCxnSpPr>
+          <p:spPr>
+            <a:xfrm>
+              <a:off x="1242325" y="3668930"/>
+              <a:ext cx="2394310" cy="0"/>
+            </a:xfrm>
+            <a:prstGeom prst="line">
+              <a:avLst/>
+            </a:prstGeom>
+            <a:ln w="12700">
+              <a:solidFill>
+                <a:schemeClr val="accent5"/>
+              </a:solidFill>
+            </a:ln>
+          </p:spPr>
+          <p:style>
+            <a:lnRef idx="1">
+              <a:schemeClr val="accent1"/>
+            </a:lnRef>
+            <a:fillRef idx="0">
+              <a:schemeClr val="accent1"/>
+            </a:fillRef>
+            <a:effectRef idx="0">
+              <a:schemeClr val="accent1"/>
+            </a:effectRef>
+            <a:fontRef idx="minor">
+              <a:schemeClr val="tx1"/>
+            </a:fontRef>
+          </p:style>
+        </p:cxnSp>
+      </p:grpSp>
     </p:spTree>
     <p:extLst>
       <p:ext uri="{BB962C8B-B14F-4D97-AF65-F5344CB8AC3E}">
@@ -22229,6 +22416,168 @@
                                         </p:cTn>
                                         <p:tgtEl>
                                           <p:spTgt spid="13"/>
+                                        </p:tgtEl>
+                                        <p:attrNameLst>
+                                          <p:attrName>style.visibility</p:attrName>
+                                        </p:attrNameLst>
+                                      </p:cBhvr>
+                                      <p:to>
+                                        <p:strVal val="visible"/>
+                                      </p:to>
+                                    </p:set>
+                                  </p:childTnLst>
+                                </p:cTn>
+                              </p:par>
+                            </p:childTnLst>
+                          </p:cTn>
+                        </p:par>
+                      </p:childTnLst>
+                    </p:cTn>
+                  </p:par>
+                  <p:par>
+                    <p:cTn id="7" fill="hold">
+                      <p:stCondLst>
+                        <p:cond delay="indefinite"/>
+                      </p:stCondLst>
+                      <p:childTnLst>
+                        <p:par>
+                          <p:cTn id="8" fill="hold">
+                            <p:stCondLst>
+                              <p:cond delay="0"/>
+                            </p:stCondLst>
+                            <p:childTnLst>
+                              <p:par>
+                                <p:cTn id="9" presetID="1" presetClass="entr" presetSubtype="0" fill="hold" nodeType="clickEffect">
+                                  <p:stCondLst>
+                                    <p:cond delay="0"/>
+                                  </p:stCondLst>
+                                  <p:childTnLst>
+                                    <p:set>
+                                      <p:cBhvr>
+                                        <p:cTn id="10" dur="1" fill="hold">
+                                          <p:stCondLst>
+                                            <p:cond delay="0"/>
+                                          </p:stCondLst>
+                                        </p:cTn>
+                                        <p:tgtEl>
+                                          <p:spTgt spid="22"/>
+                                        </p:tgtEl>
+                                        <p:attrNameLst>
+                                          <p:attrName>style.visibility</p:attrName>
+                                        </p:attrNameLst>
+                                      </p:cBhvr>
+                                      <p:to>
+                                        <p:strVal val="visible"/>
+                                      </p:to>
+                                    </p:set>
+                                  </p:childTnLst>
+                                </p:cTn>
+                              </p:par>
+                              <p:par>
+                                <p:cTn id="11" presetID="1" presetClass="entr" presetSubtype="0" fill="hold" nodeType="withEffect">
+                                  <p:stCondLst>
+                                    <p:cond delay="0"/>
+                                  </p:stCondLst>
+                                  <p:childTnLst>
+                                    <p:set>
+                                      <p:cBhvr>
+                                        <p:cTn id="12" dur="1" fill="hold">
+                                          <p:stCondLst>
+                                            <p:cond delay="0"/>
+                                          </p:stCondLst>
+                                        </p:cTn>
+                                        <p:tgtEl>
+                                          <p:spTgt spid="4"/>
+                                        </p:tgtEl>
+                                        <p:attrNameLst>
+                                          <p:attrName>style.visibility</p:attrName>
+                                        </p:attrNameLst>
+                                      </p:cBhvr>
+                                      <p:to>
+                                        <p:strVal val="visible"/>
+                                      </p:to>
+                                    </p:set>
+                                  </p:childTnLst>
+                                </p:cTn>
+                              </p:par>
+                            </p:childTnLst>
+                          </p:cTn>
+                        </p:par>
+                      </p:childTnLst>
+                    </p:cTn>
+                  </p:par>
+                  <p:par>
+                    <p:cTn id="13" fill="hold">
+                      <p:stCondLst>
+                        <p:cond delay="indefinite"/>
+                      </p:stCondLst>
+                      <p:childTnLst>
+                        <p:par>
+                          <p:cTn id="14" fill="hold">
+                            <p:stCondLst>
+                              <p:cond delay="0"/>
+                            </p:stCondLst>
+                            <p:childTnLst>
+                              <p:par>
+                                <p:cTn id="15" presetID="1" presetClass="entr" presetSubtype="0" fill="hold" nodeType="clickEffect">
+                                  <p:stCondLst>
+                                    <p:cond delay="0"/>
+                                  </p:stCondLst>
+                                  <p:childTnLst>
+                                    <p:set>
+                                      <p:cBhvr>
+                                        <p:cTn id="16" dur="1" fill="hold">
+                                          <p:stCondLst>
+                                            <p:cond delay="0"/>
+                                          </p:stCondLst>
+                                        </p:cTn>
+                                        <p:tgtEl>
+                                          <p:spTgt spid="19"/>
+                                        </p:tgtEl>
+                                        <p:attrNameLst>
+                                          <p:attrName>style.visibility</p:attrName>
+                                        </p:attrNameLst>
+                                      </p:cBhvr>
+                                      <p:to>
+                                        <p:strVal val="visible"/>
+                                      </p:to>
+                                    </p:set>
+                                  </p:childTnLst>
+                                </p:cTn>
+                              </p:par>
+                            </p:childTnLst>
+                          </p:cTn>
+                        </p:par>
+                      </p:childTnLst>
+                    </p:cTn>
+                  </p:par>
+                  <p:par>
+                    <p:cTn id="17" fill="hold">
+                      <p:stCondLst>
+                        <p:cond delay="indefinite"/>
+                      </p:stCondLst>
+                      <p:childTnLst>
+                        <p:par>
+                          <p:cTn id="18" fill="hold">
+                            <p:stCondLst>
+                              <p:cond delay="0"/>
+                            </p:stCondLst>
+                            <p:childTnLst>
+                              <p:par>
+                                <p:cTn id="19" presetID="1" presetClass="entr" presetSubtype="0" fill="hold" nodeType="clickEffect">
+                                  <p:stCondLst>
+                                    <p:cond delay="0"/>
+                                  </p:stCondLst>
+                                  <p:childTnLst>
+                                    <p:set>
+                                      <p:cBhvr>
+                                        <p:cTn id="20" dur="1" fill="hold">
+                                          <p:stCondLst>
+                                            <p:cond delay="0"/>
+                                          </p:stCondLst>
+                                        </p:cTn>
+                                        <p:tgtEl>
+                                          <p:spTgt spid="3"/>
                                         </p:tgtEl>
                                         <p:attrNameLst>
                                           <p:attrName>style.visibility</p:attrName>
@@ -22318,8 +22667,8 @@
           </a:p>
         </p:txBody>
       </p:sp>
-      <mc:AlternateContent xmlns:mc="http://schemas.openxmlformats.org/markup-compatibility/2006">
-        <mc:Choice xmlns:a14="http://schemas.microsoft.com/office/drawing/2010/main" Requires="a14">
+      <mc:AlternateContent xmlns:mc="http://schemas.openxmlformats.org/markup-compatibility/2006" xmlns:a14="http://schemas.microsoft.com/office/drawing/2010/main">
+        <mc:Choice Requires="a14">
           <p:sp>
             <p:nvSpPr>
               <p:cNvPr id="3" name="Content Placeholder 2"/>
@@ -22512,7 +22861,7 @@
             </p:txBody>
           </p:sp>
         </mc:Choice>
-        <mc:Fallback>
+        <mc:Fallback xmlns="">
           <p:sp>
             <p:nvSpPr>
               <p:cNvPr id="3" name="Content Placeholder 2"/>
@@ -22590,9 +22939,16 @@
             <p:ph type="title"/>
           </p:nvPr>
         </p:nvSpPr>
-        <p:spPr/>
+        <p:spPr>
+          <a:xfrm>
+            <a:off x="216623" y="235035"/>
+            <a:ext cx="10515600" cy="662781"/>
+          </a:xfrm>
+        </p:spPr>
         <p:txBody>
-          <a:bodyPr/>
+          <a:bodyPr>
+            <a:normAutofit fontScale="90000"/>
+          </a:bodyPr>
           <a:lstStyle/>
           <a:p>
             <a:r>
@@ -22626,1167 +22982,11 @@
         </p:blipFill>
         <p:spPr>
           <a:xfrm>
-            <a:off x="5991202" y="2046962"/>
-            <a:ext cx="5938082" cy="3797657"/>
+            <a:off x="5863684" y="2626920"/>
+            <a:ext cx="6139550" cy="3926504"/>
           </a:xfrm>
         </p:spPr>
       </p:pic>
-      <p:sp>
-        <p:nvSpPr>
-          <p:cNvPr id="8" name="Rectangle 7"/>
-          <p:cNvSpPr/>
-          <p:nvPr/>
-        </p:nvSpPr>
-        <p:spPr>
-          <a:xfrm>
-            <a:off x="0" y="1878078"/>
-            <a:ext cx="740979" cy="659233"/>
-          </a:xfrm>
-          <a:prstGeom prst="rect">
-            <a:avLst/>
-          </a:prstGeom>
-          <a:ln w="19050"/>
-        </p:spPr>
-        <p:style>
-          <a:lnRef idx="1">
-            <a:schemeClr val="accent1"/>
-          </a:lnRef>
-          <a:fillRef idx="2">
-            <a:schemeClr val="accent1"/>
-          </a:fillRef>
-          <a:effectRef idx="1">
-            <a:schemeClr val="accent1"/>
-          </a:effectRef>
-          <a:fontRef idx="minor">
-            <a:schemeClr val="dk1"/>
-          </a:fontRef>
-        </p:style>
-        <p:txBody>
-          <a:bodyPr rtlCol="0" anchor="ctr"/>
-          <a:lstStyle/>
-          <a:p>
-            <a:pPr marL="0" marR="0" lvl="0" indent="0" algn="ctr" defTabSz="914400" eaLnBrk="1" fontAlgn="auto" latinLnBrk="0" hangingPunct="1">
-              <a:lnSpc>
-                <a:spcPct val="100000"/>
-              </a:lnSpc>
-              <a:spcBef>
-                <a:spcPts val="0"/>
-              </a:spcBef>
-              <a:spcAft>
-                <a:spcPts val="0"/>
-              </a:spcAft>
-              <a:buClrTx/>
-              <a:buSzTx/>
-              <a:buFontTx/>
-              <a:buNone/>
-              <a:tabLst/>
-              <a:defRPr/>
-            </a:pPr>
-            <a:r>
-              <a:rPr kumimoji="0" lang="en-US" sz="1800" b="0" i="0" u="none" strike="noStrike" kern="0" cap="none" spc="0" normalizeH="0" baseline="0" noProof="0" dirty="0">
-                <a:ln>
-                  <a:noFill/>
-                </a:ln>
-                <a:solidFill>
-                  <a:sysClr val="windowText" lastClr="000000"/>
-                </a:solidFill>
-                <a:effectLst/>
-                <a:uLnTx/>
-                <a:uFillTx/>
-              </a:rPr>
-              <a:t>Cool</a:t>
-            </a:r>
-          </a:p>
-        </p:txBody>
-      </p:sp>
-      <p:grpSp>
-        <p:nvGrpSpPr>
-          <p:cNvPr id="9" name="Group 8"/>
-          <p:cNvGrpSpPr/>
-          <p:nvPr/>
-        </p:nvGrpSpPr>
-        <p:grpSpPr>
-          <a:xfrm>
-            <a:off x="751647" y="1878078"/>
-            <a:ext cx="457519" cy="659233"/>
-            <a:chOff x="1598236" y="2239892"/>
-            <a:chExt cx="457519" cy="659233"/>
-          </a:xfrm>
-        </p:grpSpPr>
-        <p:sp>
-          <p:nvSpPr>
-            <p:cNvPr id="10" name="Rectangle 9"/>
-            <p:cNvSpPr/>
-            <p:nvPr/>
-          </p:nvSpPr>
-          <p:spPr>
-            <a:xfrm>
-              <a:off x="1598236" y="2239892"/>
-              <a:ext cx="457519" cy="659233"/>
-            </a:xfrm>
-            <a:prstGeom prst="rect">
-              <a:avLst/>
-            </a:prstGeom>
-            <a:ln w="19050"/>
-          </p:spPr>
-          <p:style>
-            <a:lnRef idx="1">
-              <a:schemeClr val="dk1"/>
-            </a:lnRef>
-            <a:fillRef idx="2">
-              <a:schemeClr val="dk1"/>
-            </a:fillRef>
-            <a:effectRef idx="1">
-              <a:schemeClr val="dk1"/>
-            </a:effectRef>
-            <a:fontRef idx="minor">
-              <a:schemeClr val="dk1"/>
-            </a:fontRef>
-          </p:style>
-          <p:txBody>
-            <a:bodyPr rtlCol="0" anchor="ctr"/>
-            <a:lstStyle/>
-            <a:p>
-              <a:pPr marL="0" marR="0" lvl="0" indent="0" algn="ctr" defTabSz="914400" eaLnBrk="1" fontAlgn="auto" latinLnBrk="0" hangingPunct="1">
-                <a:lnSpc>
-                  <a:spcPct val="100000"/>
-                </a:lnSpc>
-                <a:spcBef>
-                  <a:spcPts val="0"/>
-                </a:spcBef>
-                <a:spcAft>
-                  <a:spcPts val="0"/>
-                </a:spcAft>
-                <a:buClrTx/>
-                <a:buSzTx/>
-                <a:buFontTx/>
-                <a:buNone/>
-                <a:tabLst/>
-                <a:defRPr/>
-              </a:pPr>
-              <a:r>
-                <a:rPr kumimoji="0" lang="en-US" sz="1800" b="0" i="1" u="none" strike="noStrike" kern="0" cap="none" spc="0" normalizeH="0" baseline="0" noProof="0" dirty="0">
-                  <a:ln>
-                    <a:noFill/>
-                  </a:ln>
-                  <a:solidFill>
-                    <a:sysClr val="windowText" lastClr="000000"/>
-                  </a:solidFill>
-                  <a:effectLst/>
-                  <a:uLnTx/>
-                  <a:uFillTx/>
-                </a:rPr>
-                <a:t>R</a:t>
-              </a:r>
-              <a:r>
-                <a:rPr kumimoji="0" lang="en-US" sz="1800" b="0" i="1" u="none" strike="noStrike" kern="0" cap="none" spc="0" normalizeH="0" baseline="-25000" noProof="0" dirty="0">
-                  <a:ln>
-                    <a:noFill/>
-                  </a:ln>
-                  <a:solidFill>
-                    <a:sysClr val="windowText" lastClr="000000"/>
-                  </a:solidFill>
-                  <a:effectLst/>
-                  <a:uLnTx/>
-                  <a:uFillTx/>
-                </a:rPr>
-                <a:t>y</a:t>
-              </a:r>
-            </a:p>
-            <a:p>
-              <a:pPr marL="0" marR="0" lvl="0" indent="0" algn="ctr" defTabSz="914400" eaLnBrk="1" fontAlgn="auto" latinLnBrk="0" hangingPunct="1">
-                <a:lnSpc>
-                  <a:spcPct val="100000"/>
-                </a:lnSpc>
-                <a:spcBef>
-                  <a:spcPts val="0"/>
-                </a:spcBef>
-                <a:spcAft>
-                  <a:spcPts val="0"/>
-                </a:spcAft>
-                <a:buClrTx/>
-                <a:buSzTx/>
-                <a:buFontTx/>
-                <a:buNone/>
-                <a:tabLst/>
-                <a:defRPr/>
-              </a:pPr>
-              <a:endParaRPr kumimoji="0" lang="en-US" sz="1800" b="0" i="1" u="none" strike="noStrike" kern="0" cap="none" spc="0" normalizeH="0" baseline="0" noProof="0" dirty="0">
-                <a:ln>
-                  <a:noFill/>
-                </a:ln>
-                <a:solidFill>
-                  <a:sysClr val="windowText" lastClr="000000"/>
-                </a:solidFill>
-                <a:effectLst/>
-                <a:uLnTx/>
-                <a:uFillTx/>
-              </a:endParaRPr>
-            </a:p>
-          </p:txBody>
-        </p:sp>
-        <p:pic>
-          <p:nvPicPr>
-            <p:cNvPr id="11" name="Picture 10"/>
-            <p:cNvPicPr>
-              <a:picLocks noChangeAspect="1"/>
-            </p:cNvPicPr>
-            <p:nvPr/>
-          </p:nvPicPr>
-          <p:blipFill>
-            <a:blip r:embed="rId4"/>
-            <a:stretch>
-              <a:fillRect/>
-            </a:stretch>
-          </p:blipFill>
-          <p:spPr>
-            <a:xfrm>
-              <a:off x="1706939" y="2631323"/>
-              <a:ext cx="269302" cy="181166"/>
-            </a:xfrm>
-            <a:prstGeom prst="rect">
-              <a:avLst/>
-            </a:prstGeom>
-          </p:spPr>
-        </p:pic>
-      </p:grpSp>
-      <p:sp>
-        <p:nvSpPr>
-          <p:cNvPr id="12" name="Rectangle 11"/>
-          <p:cNvSpPr/>
-          <p:nvPr/>
-        </p:nvSpPr>
-        <p:spPr>
-          <a:xfrm>
-            <a:off x="1227232" y="1878078"/>
-            <a:ext cx="1514294" cy="659233"/>
-          </a:xfrm>
-          <a:prstGeom prst="rect">
-            <a:avLst/>
-          </a:prstGeom>
-          <a:ln w="19050"/>
-        </p:spPr>
-        <p:style>
-          <a:lnRef idx="1">
-            <a:schemeClr val="accent2"/>
-          </a:lnRef>
-          <a:fillRef idx="2">
-            <a:schemeClr val="accent2"/>
-          </a:fillRef>
-          <a:effectRef idx="1">
-            <a:schemeClr val="accent2"/>
-          </a:effectRef>
-          <a:fontRef idx="minor">
-            <a:schemeClr val="dk1"/>
-          </a:fontRef>
-        </p:style>
-        <p:txBody>
-          <a:bodyPr rtlCol="0" anchor="ctr"/>
-          <a:lstStyle/>
-          <a:p>
-            <a:pPr marL="0" marR="0" lvl="0" indent="0" algn="ctr" defTabSz="914400" eaLnBrk="1" fontAlgn="auto" latinLnBrk="0" hangingPunct="1">
-              <a:lnSpc>
-                <a:spcPct val="100000"/>
-              </a:lnSpc>
-              <a:spcBef>
-                <a:spcPts val="0"/>
-              </a:spcBef>
-              <a:spcAft>
-                <a:spcPts val="0"/>
-              </a:spcAft>
-              <a:buClrTx/>
-              <a:buSzTx/>
-              <a:buFontTx/>
-              <a:buNone/>
-              <a:tabLst/>
-              <a:defRPr/>
-            </a:pPr>
-            <a:r>
-              <a:rPr kumimoji="0" lang="en-US" sz="1800" b="0" i="0" u="none" strike="noStrike" kern="0" cap="none" spc="0" normalizeH="0" baseline="0" noProof="0" dirty="0">
-                <a:ln>
-                  <a:noFill/>
-                </a:ln>
-                <a:solidFill>
-                  <a:sysClr val="windowText" lastClr="000000"/>
-                </a:solidFill>
-                <a:effectLst/>
-                <a:uLnTx/>
-                <a:uFillTx/>
-              </a:rPr>
-              <a:t>ODF</a:t>
-            </a:r>
-          </a:p>
-        </p:txBody>
-      </p:sp>
-      <p:sp>
-        <p:nvSpPr>
-          <p:cNvPr id="13" name="Rectangle 12"/>
-          <p:cNvSpPr/>
-          <p:nvPr/>
-        </p:nvSpPr>
-        <p:spPr>
-          <a:xfrm>
-            <a:off x="5670007" y="1870949"/>
-            <a:ext cx="1027629" cy="656853"/>
-          </a:xfrm>
-          <a:prstGeom prst="rect">
-            <a:avLst/>
-          </a:prstGeom>
-          <a:ln w="19050"/>
-        </p:spPr>
-        <p:style>
-          <a:lnRef idx="1">
-            <a:schemeClr val="accent1"/>
-          </a:lnRef>
-          <a:fillRef idx="2">
-            <a:schemeClr val="accent1"/>
-          </a:fillRef>
-          <a:effectRef idx="1">
-            <a:schemeClr val="accent1"/>
-          </a:effectRef>
-          <a:fontRef idx="minor">
-            <a:schemeClr val="dk1"/>
-          </a:fontRef>
-        </p:style>
-        <p:txBody>
-          <a:bodyPr rtlCol="0" anchor="ctr"/>
-          <a:lstStyle/>
-          <a:p>
-            <a:pPr marL="0" marR="0" lvl="0" indent="0" algn="ctr" defTabSz="914400" eaLnBrk="1" fontAlgn="auto" latinLnBrk="0" hangingPunct="1">
-              <a:lnSpc>
-                <a:spcPct val="100000"/>
-              </a:lnSpc>
-              <a:spcBef>
-                <a:spcPts val="0"/>
-              </a:spcBef>
-              <a:spcAft>
-                <a:spcPts val="0"/>
-              </a:spcAft>
-              <a:buClrTx/>
-              <a:buSzTx/>
-              <a:buFontTx/>
-              <a:buNone/>
-              <a:tabLst/>
-              <a:defRPr/>
-            </a:pPr>
-            <a:r>
-              <a:rPr kumimoji="0" lang="en-US" sz="1800" b="0" i="0" u="none" strike="noStrike" kern="0" cap="none" spc="0" normalizeH="0" baseline="0" noProof="0" dirty="0">
-                <a:ln>
-                  <a:noFill/>
-                </a:ln>
-                <a:solidFill>
-                  <a:sysClr val="windowText" lastClr="000000"/>
-                </a:solidFill>
-                <a:effectLst/>
-                <a:uLnTx/>
-                <a:uFillTx/>
-              </a:rPr>
-              <a:t>Detect</a:t>
-            </a:r>
-          </a:p>
-        </p:txBody>
-      </p:sp>
-      <mc:AlternateContent xmlns:mc="http://schemas.openxmlformats.org/markup-compatibility/2006">
-        <mc:Choice xmlns:a14="http://schemas.microsoft.com/office/drawing/2010/main" Requires="a14">
-          <p:sp>
-            <p:nvSpPr>
-              <p:cNvPr id="14" name="Rectangle 13"/>
-              <p:cNvSpPr/>
-              <p:nvPr/>
-            </p:nvSpPr>
-            <p:spPr>
-              <a:xfrm>
-                <a:off x="2761951" y="1878078"/>
-                <a:ext cx="878973" cy="658112"/>
-              </a:xfrm>
-              <a:prstGeom prst="rect">
-                <a:avLst/>
-              </a:prstGeom>
-              <a:ln w="19050">
-                <a:solidFill>
-                  <a:schemeClr val="tx1"/>
-                </a:solidFill>
-              </a:ln>
-            </p:spPr>
-            <p:style>
-              <a:lnRef idx="2">
-                <a:schemeClr val="accent3">
-                  <a:shade val="50000"/>
-                </a:schemeClr>
-              </a:lnRef>
-              <a:fillRef idx="1">
-                <a:schemeClr val="accent3"/>
-              </a:fillRef>
-              <a:effectRef idx="0">
-                <a:schemeClr val="accent3"/>
-              </a:effectRef>
-              <a:fontRef idx="minor">
-                <a:schemeClr val="lt1"/>
-              </a:fontRef>
-            </p:style>
-            <p:txBody>
-              <a:bodyPr rtlCol="0" anchor="ctr"/>
-              <a:lstStyle/>
-              <a:p>
-                <a:pPr marL="0" marR="0" lvl="0" indent="0" algn="ctr" defTabSz="914400" eaLnBrk="1" fontAlgn="auto" latinLnBrk="0" hangingPunct="1">
-                  <a:lnSpc>
-                    <a:spcPct val="100000"/>
-                  </a:lnSpc>
-                  <a:spcBef>
-                    <a:spcPts val="0"/>
-                  </a:spcBef>
-                  <a:spcAft>
-                    <a:spcPts val="0"/>
-                  </a:spcAft>
-                  <a:buClrTx/>
-                  <a:buSzTx/>
-                  <a:buFontTx/>
-                  <a:buNone/>
-                  <a:tabLst/>
-                  <a:defRPr/>
-                </a:pPr>
-                <a14:m>
-                  <m:oMathPara xmlns:m="http://schemas.openxmlformats.org/officeDocument/2006/math">
-                    <m:oMathParaPr>
-                      <m:jc m:val="centerGroup"/>
-                    </m:oMathParaPr>
-                    <m:oMath xmlns:m="http://schemas.openxmlformats.org/officeDocument/2006/math">
-                      <m:r>
-                        <a:rPr kumimoji="0" lang="en-US" sz="1800" b="0" i="1" u="none" strike="noStrike" kern="0" cap="none" spc="0" normalizeH="0" baseline="0" noProof="0" smtClean="0">
-                          <a:ln>
-                            <a:noFill/>
-                          </a:ln>
-                          <a:solidFill>
-                            <a:schemeClr val="tx1"/>
-                          </a:solidFill>
-                          <a:effectLst/>
-                          <a:uLnTx/>
-                          <a:uFillTx/>
-                          <a:latin typeface="Cambria Math" panose="02040503050406030204" pitchFamily="18" charset="0"/>
-                        </a:rPr>
-                        <m:t>𝑅</m:t>
-                      </m:r>
-                      <m:r>
-                        <a:rPr kumimoji="0" lang="en-US" sz="1800" b="0" i="1" u="none" strike="noStrike" kern="0" cap="none" spc="0" normalizeH="0" baseline="0" noProof="0" smtClean="0">
-                          <a:ln>
-                            <a:noFill/>
-                          </a:ln>
-                          <a:solidFill>
-                            <a:schemeClr val="tx1"/>
-                          </a:solidFill>
-                          <a:effectLst/>
-                          <a:uLnTx/>
-                          <a:uFillTx/>
-                          <a:latin typeface="Cambria Math" panose="02040503050406030204" pitchFamily="18" charset="0"/>
-                        </a:rPr>
-                        <m:t>ₓ</m:t>
-                      </m:r>
-                    </m:oMath>
-                  </m:oMathPara>
-                </a14:m>
-                <a:endParaRPr kumimoji="0" lang="en-US" sz="1800" b="0" i="0" u="none" strike="noStrike" kern="0" cap="none" spc="0" normalizeH="0" baseline="0" noProof="0" dirty="0">
-                  <a:ln>
-                    <a:noFill/>
-                  </a:ln>
-                  <a:solidFill>
-                    <a:schemeClr val="tx1"/>
-                  </a:solidFill>
-                  <a:effectLst/>
-                  <a:uLnTx/>
-                  <a:uFillTx/>
-                </a:endParaRPr>
-              </a:p>
-              <a:p>
-                <a:pPr marL="0" marR="0" lvl="0" indent="0" algn="ctr" defTabSz="914400" eaLnBrk="1" fontAlgn="auto" latinLnBrk="0" hangingPunct="1">
-                  <a:lnSpc>
-                    <a:spcPct val="100000"/>
-                  </a:lnSpc>
-                  <a:spcBef>
-                    <a:spcPts val="0"/>
-                  </a:spcBef>
-                  <a:spcAft>
-                    <a:spcPts val="0"/>
-                  </a:spcAft>
-                  <a:buClrTx/>
-                  <a:buSzTx/>
-                  <a:buFontTx/>
-                  <a:buNone/>
-                  <a:tabLst/>
-                  <a:defRPr/>
-                </a:pPr>
-                <a14:m>
-                  <m:oMathPara xmlns:m="http://schemas.openxmlformats.org/officeDocument/2006/math">
-                    <m:oMathParaPr>
-                      <m:jc m:val="centerGroup"/>
-                    </m:oMathParaPr>
-                    <m:oMath xmlns:m="http://schemas.openxmlformats.org/officeDocument/2006/math">
-                      <m:r>
-                        <a:rPr kumimoji="0" lang="en-US" sz="1400" b="0" i="1" u="none" strike="noStrike" kern="0" cap="none" spc="0" normalizeH="0" baseline="0" noProof="0" smtClean="0">
-                          <a:ln>
-                            <a:noFill/>
-                          </a:ln>
-                          <a:solidFill>
-                            <a:schemeClr val="tx1"/>
-                          </a:solidFill>
-                          <a:effectLst/>
-                          <a:uLnTx/>
-                          <a:uFillTx/>
-                          <a:latin typeface="Cambria Math" panose="02040503050406030204" pitchFamily="18" charset="0"/>
-                          <a:ea typeface="Cambria Math" panose="02040503050406030204" pitchFamily="18" charset="0"/>
-                        </a:rPr>
-                        <m:t>𝜋</m:t>
-                      </m:r>
-                    </m:oMath>
-                  </m:oMathPara>
-                </a14:m>
-                <a:endParaRPr kumimoji="0" lang="en-US" sz="1400" b="0" i="0" u="none" strike="noStrike" kern="0" cap="none" spc="0" normalizeH="0" baseline="0" noProof="0" dirty="0">
-                  <a:ln>
-                    <a:noFill/>
-                  </a:ln>
-                  <a:solidFill>
-                    <a:schemeClr val="tx1"/>
-                  </a:solidFill>
-                  <a:effectLst/>
-                  <a:uLnTx/>
-                  <a:uFillTx/>
-                </a:endParaRPr>
-              </a:p>
-            </p:txBody>
-          </p:sp>
-        </mc:Choice>
-        <mc:Fallback>
-          <p:sp>
-            <p:nvSpPr>
-              <p:cNvPr id="14" name="Rectangle 13"/>
-              <p:cNvSpPr>
-                <a:spLocks noRot="1" noChangeAspect="1" noMove="1" noResize="1" noEditPoints="1" noAdjustHandles="1" noChangeArrowheads="1" noChangeShapeType="1" noTextEdit="1"/>
-              </p:cNvSpPr>
-              <p:nvPr/>
-            </p:nvSpPr>
-            <p:spPr>
-              <a:xfrm>
-                <a:off x="2761951" y="1878078"/>
-                <a:ext cx="878973" cy="658112"/>
-              </a:xfrm>
-              <a:prstGeom prst="rect">
-                <a:avLst/>
-              </a:prstGeom>
-              <a:blipFill>
-                <a:blip r:embed="rId5"/>
-                <a:stretch>
-                  <a:fillRect/>
-                </a:stretch>
-              </a:blipFill>
-              <a:ln w="19050">
-                <a:solidFill>
-                  <a:schemeClr val="tx1"/>
-                </a:solidFill>
-              </a:ln>
-            </p:spPr>
-            <p:txBody>
-              <a:bodyPr/>
-              <a:lstStyle/>
-              <a:p>
-                <a:r>
-                  <a:rPr lang="en-US">
-                    <a:noFill/>
-                  </a:rPr>
-                  <a:t> </a:t>
-                </a:r>
-              </a:p>
-            </p:txBody>
-          </p:sp>
-        </mc:Fallback>
-      </mc:AlternateContent>
-      <p:grpSp>
-        <p:nvGrpSpPr>
-          <p:cNvPr id="16" name="Group 15"/>
-          <p:cNvGrpSpPr/>
-          <p:nvPr/>
-        </p:nvGrpSpPr>
-        <p:grpSpPr>
-          <a:xfrm>
-            <a:off x="5191984" y="1870949"/>
-            <a:ext cx="457519" cy="656853"/>
-            <a:chOff x="9984418" y="2241150"/>
-            <a:chExt cx="457519" cy="656853"/>
-          </a:xfrm>
-        </p:grpSpPr>
-        <p:sp>
-          <p:nvSpPr>
-            <p:cNvPr id="17" name="Rectangle 16"/>
-            <p:cNvSpPr/>
-            <p:nvPr/>
-          </p:nvSpPr>
-          <p:spPr>
-            <a:xfrm>
-              <a:off x="9984418" y="2241150"/>
-              <a:ext cx="457519" cy="656853"/>
-            </a:xfrm>
-            <a:prstGeom prst="rect">
-              <a:avLst/>
-            </a:prstGeom>
-            <a:ln w="19050"/>
-          </p:spPr>
-          <p:style>
-            <a:lnRef idx="1">
-              <a:schemeClr val="dk1"/>
-            </a:lnRef>
-            <a:fillRef idx="2">
-              <a:schemeClr val="dk1"/>
-            </a:fillRef>
-            <a:effectRef idx="1">
-              <a:schemeClr val="dk1"/>
-            </a:effectRef>
-            <a:fontRef idx="minor">
-              <a:schemeClr val="dk1"/>
-            </a:fontRef>
-          </p:style>
-          <p:txBody>
-            <a:bodyPr rtlCol="0" anchor="ctr"/>
-            <a:lstStyle/>
-            <a:p>
-              <a:pPr marL="0" marR="0" lvl="0" indent="0" algn="ctr" defTabSz="914400" eaLnBrk="1" fontAlgn="auto" latinLnBrk="0" hangingPunct="1">
-                <a:lnSpc>
-                  <a:spcPct val="100000"/>
-                </a:lnSpc>
-                <a:spcBef>
-                  <a:spcPts val="0"/>
-                </a:spcBef>
-                <a:spcAft>
-                  <a:spcPts val="0"/>
-                </a:spcAft>
-                <a:buClrTx/>
-                <a:buSzTx/>
-                <a:buFontTx/>
-                <a:buNone/>
-                <a:tabLst/>
-                <a:defRPr/>
-              </a:pPr>
-              <a:r>
-                <a:rPr kumimoji="0" lang="en-US" sz="1800" b="0" i="1" u="none" strike="noStrike" kern="0" cap="none" spc="0" normalizeH="0" baseline="0" noProof="0" dirty="0">
-                  <a:ln>
-                    <a:noFill/>
-                  </a:ln>
-                  <a:solidFill>
-                    <a:sysClr val="windowText" lastClr="000000"/>
-                  </a:solidFill>
-                  <a:effectLst/>
-                  <a:uLnTx/>
-                  <a:uFillTx/>
-                </a:rPr>
-                <a:t>R</a:t>
-              </a:r>
-              <a:r>
-                <a:rPr kumimoji="0" lang="en-US" sz="1800" b="0" i="1" u="none" strike="noStrike" kern="0" cap="none" spc="0" normalizeH="0" baseline="-25000" noProof="0" dirty="0">
-                  <a:ln>
-                    <a:noFill/>
-                  </a:ln>
-                  <a:solidFill>
-                    <a:sysClr val="windowText" lastClr="000000"/>
-                  </a:solidFill>
-                  <a:effectLst/>
-                  <a:uLnTx/>
-                  <a:uFillTx/>
-                </a:rPr>
-                <a:t>y</a:t>
-              </a:r>
-              <a:r>
-                <a:rPr kumimoji="0" lang="en-US" sz="1600" b="0" i="1" u="none" strike="noStrike" kern="0" cap="none" spc="0" normalizeH="0" baseline="0" noProof="0" dirty="0">
-                  <a:ln>
-                    <a:noFill/>
-                  </a:ln>
-                  <a:solidFill>
-                    <a:sysClr val="windowText" lastClr="000000"/>
-                  </a:solidFill>
-                  <a:effectLst/>
-                  <a:uLnTx/>
-                  <a:uFillTx/>
-                </a:rPr>
-                <a:t>𝜽</a:t>
-              </a:r>
-              <a:endParaRPr kumimoji="0" lang="en-US" sz="1800" b="0" i="1" u="none" strike="noStrike" kern="0" cap="none" spc="0" normalizeH="0" baseline="0" noProof="0" dirty="0">
-                <a:ln>
-                  <a:noFill/>
-                </a:ln>
-                <a:solidFill>
-                  <a:sysClr val="windowText" lastClr="000000"/>
-                </a:solidFill>
-                <a:effectLst/>
-                <a:uLnTx/>
-                <a:uFillTx/>
-              </a:endParaRPr>
-            </a:p>
-          </p:txBody>
-        </p:sp>
-        <p:pic>
-          <p:nvPicPr>
-            <p:cNvPr id="18" name="Picture 17"/>
-            <p:cNvPicPr>
-              <a:picLocks noChangeAspect="1"/>
-            </p:cNvPicPr>
-            <p:nvPr/>
-          </p:nvPicPr>
-          <p:blipFill>
-            <a:blip r:embed="rId4"/>
-            <a:stretch>
-              <a:fillRect/>
-            </a:stretch>
-          </p:blipFill>
-          <p:spPr>
-            <a:xfrm>
-              <a:off x="10086147" y="2613839"/>
-              <a:ext cx="269302" cy="181166"/>
-            </a:xfrm>
-            <a:prstGeom prst="rect">
-              <a:avLst/>
-            </a:prstGeom>
-          </p:spPr>
-        </p:pic>
-      </p:grpSp>
-      <p:grpSp>
-        <p:nvGrpSpPr>
-          <p:cNvPr id="20" name="Group 19"/>
-          <p:cNvGrpSpPr/>
-          <p:nvPr/>
-        </p:nvGrpSpPr>
-        <p:grpSpPr>
-          <a:xfrm>
-            <a:off x="3647536" y="1860947"/>
-            <a:ext cx="1536328" cy="676715"/>
-            <a:chOff x="8439970" y="2231148"/>
-            <a:chExt cx="1536328" cy="676715"/>
-          </a:xfrm>
-        </p:grpSpPr>
-        <p:pic>
-          <p:nvPicPr>
-            <p:cNvPr id="21" name="Picture 20"/>
-            <p:cNvPicPr>
-              <a:picLocks noChangeAspect="1"/>
-            </p:cNvPicPr>
-            <p:nvPr/>
-          </p:nvPicPr>
-          <p:blipFill>
-            <a:blip r:embed="rId6"/>
-            <a:stretch>
-              <a:fillRect/>
-            </a:stretch>
-          </p:blipFill>
-          <p:spPr>
-            <a:xfrm>
-              <a:off x="8439970" y="2231148"/>
-              <a:ext cx="1536328" cy="676715"/>
-            </a:xfrm>
-            <a:prstGeom prst="rect">
-              <a:avLst/>
-            </a:prstGeom>
-          </p:spPr>
-        </p:pic>
-        <p:sp>
-          <p:nvSpPr>
-            <p:cNvPr id="22" name="Rectangle 21"/>
-            <p:cNvSpPr/>
-            <p:nvPr/>
-          </p:nvSpPr>
-          <p:spPr>
-            <a:xfrm>
-              <a:off x="8915424" y="2384839"/>
-              <a:ext cx="585417" cy="369332"/>
-            </a:xfrm>
-            <a:prstGeom prst="rect">
-              <a:avLst/>
-            </a:prstGeom>
-          </p:spPr>
-          <p:txBody>
-            <a:bodyPr wrap="none">
-              <a:spAutoFit/>
-            </a:bodyPr>
-            <a:lstStyle/>
-            <a:p>
-              <a:pPr marL="0" marR="0" lvl="0" indent="0" algn="ctr" defTabSz="914400" eaLnBrk="1" fontAlgn="auto" latinLnBrk="0" hangingPunct="1">
-                <a:lnSpc>
-                  <a:spcPct val="100000"/>
-                </a:lnSpc>
-                <a:spcBef>
-                  <a:spcPts val="0"/>
-                </a:spcBef>
-                <a:spcAft>
-                  <a:spcPts val="0"/>
-                </a:spcAft>
-                <a:buClrTx/>
-                <a:buSzTx/>
-                <a:buFontTx/>
-                <a:buNone/>
-                <a:tabLst/>
-                <a:defRPr/>
-              </a:pPr>
-              <a:r>
-                <a:rPr kumimoji="0" lang="en-US" sz="1800" b="0" i="0" u="none" strike="noStrike" kern="0" cap="none" spc="0" normalizeH="0" baseline="0" noProof="0" dirty="0">
-                  <a:ln>
-                    <a:noFill/>
-                  </a:ln>
-                  <a:solidFill>
-                    <a:sysClr val="windowText" lastClr="000000"/>
-                  </a:solidFill>
-                  <a:effectLst/>
-                  <a:uLnTx/>
-                  <a:uFillTx/>
-                </a:rPr>
-                <a:t>ODF</a:t>
-              </a:r>
-            </a:p>
-          </p:txBody>
-        </p:sp>
-      </p:grpSp>
-      <p:cxnSp>
-        <p:nvCxnSpPr>
-          <p:cNvPr id="25" name="Straight Arrow Connector 24"/>
-          <p:cNvCxnSpPr/>
-          <p:nvPr/>
-        </p:nvCxnSpPr>
-        <p:spPr>
-          <a:xfrm flipV="1">
-            <a:off x="1209166" y="1760415"/>
-            <a:ext cx="1531566" cy="1025"/>
-          </a:xfrm>
-          <a:prstGeom prst="straightConnector1">
-            <a:avLst/>
-          </a:prstGeom>
-          <a:ln>
-            <a:solidFill>
-              <a:schemeClr val="accent2"/>
-            </a:solidFill>
-            <a:headEnd type="triangle"/>
-            <a:tailEnd type="triangle"/>
-          </a:ln>
-        </p:spPr>
-        <p:style>
-          <a:lnRef idx="1">
-            <a:schemeClr val="accent1"/>
-          </a:lnRef>
-          <a:fillRef idx="0">
-            <a:schemeClr val="accent1"/>
-          </a:fillRef>
-          <a:effectRef idx="0">
-            <a:schemeClr val="accent1"/>
-          </a:effectRef>
-          <a:fontRef idx="minor">
-            <a:schemeClr val="tx1"/>
-          </a:fontRef>
-        </p:style>
-      </p:cxnSp>
-      <mc:AlternateContent xmlns:mc="http://schemas.openxmlformats.org/markup-compatibility/2006">
-        <mc:Choice xmlns:a14="http://schemas.microsoft.com/office/drawing/2010/main" Requires="a14">
-          <p:sp>
-            <p:nvSpPr>
-              <p:cNvPr id="26" name="TextBox 25"/>
-              <p:cNvSpPr txBox="1"/>
-              <p:nvPr/>
-            </p:nvSpPr>
-            <p:spPr>
-              <a:xfrm>
-                <a:off x="1789948" y="1450427"/>
-                <a:ext cx="380489" cy="369332"/>
-              </a:xfrm>
-              <a:prstGeom prst="rect">
-                <a:avLst/>
-              </a:prstGeom>
-              <a:noFill/>
-            </p:spPr>
-            <p:txBody>
-              <a:bodyPr wrap="none" rtlCol="0">
-                <a:spAutoFit/>
-              </a:bodyPr>
-              <a:lstStyle/>
-              <a:p>
-                <a:pPr marL="0" marR="0" lvl="0" indent="0" defTabSz="914400" eaLnBrk="1" fontAlgn="auto" latinLnBrk="0" hangingPunct="1">
-                  <a:lnSpc>
-                    <a:spcPct val="100000"/>
-                  </a:lnSpc>
-                  <a:spcBef>
-                    <a:spcPts val="0"/>
-                  </a:spcBef>
-                  <a:spcAft>
-                    <a:spcPts val="0"/>
-                  </a:spcAft>
-                  <a:buClrTx/>
-                  <a:buSzTx/>
-                  <a:buFontTx/>
-                  <a:buNone/>
-                  <a:tabLst/>
-                  <a:defRPr/>
-                </a:pPr>
-                <a14:m>
-                  <m:oMathPara xmlns:m="http://schemas.openxmlformats.org/officeDocument/2006/math">
-                    <m:oMathParaPr>
-                      <m:jc m:val="centerGroup"/>
-                    </m:oMathParaPr>
-                    <m:oMath xmlns:m="http://schemas.openxmlformats.org/officeDocument/2006/math">
-                      <m:r>
-                        <a:rPr kumimoji="0" lang="en-US" sz="1800" b="0" i="1" u="none" strike="noStrike" kern="0" cap="none" spc="0" normalizeH="0" baseline="0" noProof="0" smtClean="0">
-                          <a:ln>
-                            <a:noFill/>
-                          </a:ln>
-                          <a:solidFill>
-                            <a:sysClr val="windowText" lastClr="000000"/>
-                          </a:solidFill>
-                          <a:effectLst/>
-                          <a:uLnTx/>
-                          <a:uFillTx/>
-                          <a:latin typeface="Cambria Math" panose="02040503050406030204" pitchFamily="18" charset="0"/>
-                        </a:rPr>
-                        <m:t>𝑇</m:t>
-                      </m:r>
-                    </m:oMath>
-                  </m:oMathPara>
-                </a14:m>
-                <a:endParaRPr kumimoji="0" lang="en-US" sz="1800" b="0" i="0" u="none" strike="noStrike" kern="0" cap="none" spc="0" normalizeH="0" baseline="0" noProof="0" dirty="0">
-                  <a:ln>
-                    <a:noFill/>
-                  </a:ln>
-                  <a:solidFill>
-                    <a:sysClr val="windowText" lastClr="000000"/>
-                  </a:solidFill>
-                  <a:effectLst/>
-                  <a:uLnTx/>
-                  <a:uFillTx/>
-                </a:endParaRPr>
-              </a:p>
-            </p:txBody>
-          </p:sp>
-        </mc:Choice>
-        <mc:Fallback>
-          <p:sp>
-            <p:nvSpPr>
-              <p:cNvPr id="26" name="TextBox 25"/>
-              <p:cNvSpPr txBox="1">
-                <a:spLocks noRot="1" noChangeAspect="1" noMove="1" noResize="1" noEditPoints="1" noAdjustHandles="1" noChangeArrowheads="1" noChangeShapeType="1" noTextEdit="1"/>
-              </p:cNvSpPr>
-              <p:nvPr/>
-            </p:nvSpPr>
-            <p:spPr>
-              <a:xfrm>
-                <a:off x="1789948" y="1450427"/>
-                <a:ext cx="380489" cy="369332"/>
-              </a:xfrm>
-              <a:prstGeom prst="rect">
-                <a:avLst/>
-              </a:prstGeom>
-              <a:blipFill>
-                <a:blip r:embed="rId7"/>
-                <a:stretch>
-                  <a:fillRect/>
-                </a:stretch>
-              </a:blipFill>
-            </p:spPr>
-            <p:txBody>
-              <a:bodyPr/>
-              <a:lstStyle/>
-              <a:p>
-                <a:r>
-                  <a:rPr lang="en-US">
-                    <a:noFill/>
-                  </a:rPr>
-                  <a:t> </a:t>
-                </a:r>
-              </a:p>
-            </p:txBody>
-          </p:sp>
-        </mc:Fallback>
-      </mc:AlternateContent>
-      <p:cxnSp>
-        <p:nvCxnSpPr>
-          <p:cNvPr id="31" name="Straight Arrow Connector 30"/>
-          <p:cNvCxnSpPr/>
-          <p:nvPr/>
-        </p:nvCxnSpPr>
-        <p:spPr>
-          <a:xfrm flipV="1">
-            <a:off x="3643440" y="1807952"/>
-            <a:ext cx="1531566" cy="1025"/>
-          </a:xfrm>
-          <a:prstGeom prst="straightConnector1">
-            <a:avLst/>
-          </a:prstGeom>
-          <a:ln>
-            <a:solidFill>
-              <a:schemeClr val="accent2"/>
-            </a:solidFill>
-            <a:headEnd type="triangle"/>
-            <a:tailEnd type="triangle"/>
-          </a:ln>
-        </p:spPr>
-        <p:style>
-          <a:lnRef idx="1">
-            <a:schemeClr val="accent1"/>
-          </a:lnRef>
-          <a:fillRef idx="0">
-            <a:schemeClr val="accent1"/>
-          </a:fillRef>
-          <a:effectRef idx="0">
-            <a:schemeClr val="accent1"/>
-          </a:effectRef>
-          <a:fontRef idx="minor">
-            <a:schemeClr val="tx1"/>
-          </a:fontRef>
-        </p:style>
-      </p:cxnSp>
-      <mc:AlternateContent xmlns:mc="http://schemas.openxmlformats.org/markup-compatibility/2006">
-        <mc:Choice xmlns:a14="http://schemas.microsoft.com/office/drawing/2010/main" Requires="a14">
-          <p:sp>
-            <p:nvSpPr>
-              <p:cNvPr id="32" name="TextBox 31"/>
-              <p:cNvSpPr txBox="1"/>
-              <p:nvPr/>
-            </p:nvSpPr>
-            <p:spPr>
-              <a:xfrm>
-                <a:off x="4228408" y="1497964"/>
-                <a:ext cx="380489" cy="369332"/>
-              </a:xfrm>
-              <a:prstGeom prst="rect">
-                <a:avLst/>
-              </a:prstGeom>
-              <a:noFill/>
-            </p:spPr>
-            <p:txBody>
-              <a:bodyPr wrap="none" rtlCol="0">
-                <a:spAutoFit/>
-              </a:bodyPr>
-              <a:lstStyle/>
-              <a:p>
-                <a:pPr marL="0" marR="0" lvl="0" indent="0" defTabSz="914400" eaLnBrk="1" fontAlgn="auto" latinLnBrk="0" hangingPunct="1">
-                  <a:lnSpc>
-                    <a:spcPct val="100000"/>
-                  </a:lnSpc>
-                  <a:spcBef>
-                    <a:spcPts val="0"/>
-                  </a:spcBef>
-                  <a:spcAft>
-                    <a:spcPts val="0"/>
-                  </a:spcAft>
-                  <a:buClrTx/>
-                  <a:buSzTx/>
-                  <a:buFontTx/>
-                  <a:buNone/>
-                  <a:tabLst/>
-                  <a:defRPr/>
-                </a:pPr>
-                <a14:m>
-                  <m:oMathPara xmlns:m="http://schemas.openxmlformats.org/officeDocument/2006/math">
-                    <m:oMathParaPr>
-                      <m:jc m:val="centerGroup"/>
-                    </m:oMathParaPr>
-                    <m:oMath xmlns:m="http://schemas.openxmlformats.org/officeDocument/2006/math">
-                      <m:r>
-                        <a:rPr kumimoji="0" lang="en-US" sz="1800" b="0" i="1" u="none" strike="noStrike" kern="0" cap="none" spc="0" normalizeH="0" baseline="0" noProof="0" smtClean="0">
-                          <a:ln>
-                            <a:noFill/>
-                          </a:ln>
-                          <a:solidFill>
-                            <a:sysClr val="windowText" lastClr="000000"/>
-                          </a:solidFill>
-                          <a:effectLst/>
-                          <a:uLnTx/>
-                          <a:uFillTx/>
-                          <a:latin typeface="Cambria Math" panose="02040503050406030204" pitchFamily="18" charset="0"/>
-                        </a:rPr>
-                        <m:t>𝑇</m:t>
-                      </m:r>
-                    </m:oMath>
-                  </m:oMathPara>
-                </a14:m>
-                <a:endParaRPr kumimoji="0" lang="en-US" sz="1800" b="0" i="0" u="none" strike="noStrike" kern="0" cap="none" spc="0" normalizeH="0" baseline="0" noProof="0" dirty="0">
-                  <a:ln>
-                    <a:noFill/>
-                  </a:ln>
-                  <a:solidFill>
-                    <a:sysClr val="windowText" lastClr="000000"/>
-                  </a:solidFill>
-                  <a:effectLst/>
-                  <a:uLnTx/>
-                  <a:uFillTx/>
-                </a:endParaRPr>
-              </a:p>
-            </p:txBody>
-          </p:sp>
-        </mc:Choice>
-        <mc:Fallback>
-          <p:sp>
-            <p:nvSpPr>
-              <p:cNvPr id="32" name="TextBox 31"/>
-              <p:cNvSpPr txBox="1">
-                <a:spLocks noRot="1" noChangeAspect="1" noMove="1" noResize="1" noEditPoints="1" noAdjustHandles="1" noChangeArrowheads="1" noChangeShapeType="1" noTextEdit="1"/>
-              </p:cNvSpPr>
-              <p:nvPr/>
-            </p:nvSpPr>
-            <p:spPr>
-              <a:xfrm>
-                <a:off x="4228408" y="1497964"/>
-                <a:ext cx="380489" cy="369332"/>
-              </a:xfrm>
-              <a:prstGeom prst="rect">
-                <a:avLst/>
-              </a:prstGeom>
-              <a:blipFill>
-                <a:blip r:embed="rId8"/>
-                <a:stretch>
-                  <a:fillRect/>
-                </a:stretch>
-              </a:blipFill>
-            </p:spPr>
-            <p:txBody>
-              <a:bodyPr/>
-              <a:lstStyle/>
-              <a:p>
-                <a:r>
-                  <a:rPr lang="en-US">
-                    <a:noFill/>
-                  </a:rPr>
-                  <a:t> </a:t>
-                </a:r>
-              </a:p>
-            </p:txBody>
-          </p:sp>
-        </mc:Fallback>
-      </mc:AlternateContent>
-      <p:cxnSp>
-        <p:nvCxnSpPr>
-          <p:cNvPr id="34" name="Straight Arrow Connector 33"/>
-          <p:cNvCxnSpPr/>
-          <p:nvPr/>
-        </p:nvCxnSpPr>
-        <p:spPr>
-          <a:xfrm>
-            <a:off x="2770340" y="2611017"/>
-            <a:ext cx="896434" cy="5230"/>
-          </a:xfrm>
-          <a:prstGeom prst="straightConnector1">
-            <a:avLst/>
-          </a:prstGeom>
-          <a:ln>
-            <a:solidFill>
-              <a:schemeClr val="tx1"/>
-            </a:solidFill>
-            <a:headEnd type="triangle"/>
-            <a:tailEnd type="triangle"/>
-          </a:ln>
-        </p:spPr>
-        <p:style>
-          <a:lnRef idx="1">
-            <a:schemeClr val="accent1"/>
-          </a:lnRef>
-          <a:fillRef idx="0">
-            <a:schemeClr val="accent1"/>
-          </a:fillRef>
-          <a:effectRef idx="0">
-            <a:schemeClr val="accent1"/>
-          </a:effectRef>
-          <a:fontRef idx="minor">
-            <a:schemeClr val="tx1"/>
-          </a:fontRef>
-        </p:style>
-      </p:cxnSp>
       <p:sp>
         <p:nvSpPr>
           <p:cNvPr id="37" name="Rectangle 36"/>
@@ -23795,8 +22995,8 @@
         </p:nvSpPr>
         <p:spPr>
           <a:xfrm>
-            <a:off x="2527589" y="3059598"/>
-            <a:ext cx="888757" cy="410964"/>
+            <a:off x="1866176" y="1333435"/>
+            <a:ext cx="1333621" cy="616670"/>
           </a:xfrm>
           <a:prstGeom prst="rect">
             <a:avLst/>
@@ -23863,8 +23063,8 @@
         </p:nvSpPr>
         <p:spPr>
           <a:xfrm>
-            <a:off x="3426481" y="3059598"/>
-            <a:ext cx="515879" cy="410264"/>
+            <a:off x="3215005" y="1333435"/>
+            <a:ext cx="774100" cy="615620"/>
           </a:xfrm>
           <a:prstGeom prst="rect">
             <a:avLst/>
@@ -23934,10 +23134,10 @@
         </p:nvGrpSpPr>
         <p:grpSpPr>
           <a:xfrm>
-            <a:off x="3951576" y="3054147"/>
-            <a:ext cx="901687" cy="421862"/>
+            <a:off x="4002934" y="1325252"/>
+            <a:ext cx="1353023" cy="654167"/>
             <a:chOff x="8439970" y="2231148"/>
-            <a:chExt cx="1536328" cy="676715"/>
+            <a:chExt cx="1536328" cy="699320"/>
           </a:xfrm>
         </p:grpSpPr>
         <p:pic>
@@ -23949,7 +23149,7 @@
             <p:nvPr/>
           </p:nvPicPr>
           <p:blipFill>
-            <a:blip r:embed="rId6"/>
+            <a:blip r:embed="rId4"/>
             <a:stretch>
               <a:fillRect/>
             </a:stretch>
@@ -23972,8 +23172,8 @@
           </p:nvSpPr>
           <p:spPr>
             <a:xfrm>
-              <a:off x="8726003" y="2265742"/>
-              <a:ext cx="923712" cy="543081"/>
+              <a:off x="8766404" y="2387387"/>
+              <a:ext cx="923711" cy="543081"/>
             </a:xfrm>
             <a:prstGeom prst="rect">
               <a:avLst/>
@@ -24030,8 +23230,8 @@
             </p:nvSpPr>
             <p:spPr>
               <a:xfrm>
-                <a:off x="2823172" y="2772008"/>
-                <a:ext cx="357469" cy="338554"/>
+                <a:off x="2309712" y="942242"/>
+                <a:ext cx="536399" cy="508016"/>
               </a:xfrm>
               <a:prstGeom prst="rect">
                 <a:avLst/>
@@ -24111,14 +23311,14 @@
             </p:nvSpPr>
             <p:spPr>
               <a:xfrm>
-                <a:off x="2823172" y="2772008"/>
-                <a:ext cx="357469" cy="338554"/>
+                <a:off x="2309712" y="942242"/>
+                <a:ext cx="536399" cy="508016"/>
               </a:xfrm>
               <a:prstGeom prst="rect">
                 <a:avLst/>
               </a:prstGeom>
               <a:blipFill>
-                <a:blip r:embed="rId9"/>
+                <a:blip r:embed="rId5"/>
                 <a:stretch>
                   <a:fillRect/>
                 </a:stretch>
@@ -24149,8 +23349,8 @@
             </p:nvSpPr>
             <p:spPr>
               <a:xfrm>
-                <a:off x="4223684" y="2769291"/>
-                <a:ext cx="357469" cy="338554"/>
+                <a:off x="4411245" y="942242"/>
+                <a:ext cx="536399" cy="508016"/>
               </a:xfrm>
               <a:prstGeom prst="rect">
                 <a:avLst/>
@@ -24230,171 +23430,14 @@
             </p:nvSpPr>
             <p:spPr>
               <a:xfrm>
-                <a:off x="4223684" y="2769291"/>
-                <a:ext cx="357469" cy="338554"/>
+                <a:off x="4411245" y="942242"/>
+                <a:ext cx="536399" cy="508016"/>
               </a:xfrm>
               <a:prstGeom prst="rect">
                 <a:avLst/>
               </a:prstGeom>
               <a:blipFill>
-                <a:blip r:embed="rId10"/>
-                <a:stretch>
-                  <a:fillRect/>
-                </a:stretch>
-              </a:blipFill>
-            </p:spPr>
-            <p:txBody>
-              <a:bodyPr/>
-              <a:lstStyle/>
-              <a:p>
-                <a:r>
-                  <a:rPr lang="en-US">
-                    <a:noFill/>
-                  </a:rPr>
-                  <a:t> </a:t>
-                </a:r>
-              </a:p>
-            </p:txBody>
-          </p:sp>
-        </mc:Fallback>
-      </mc:AlternateContent>
-      <mc:AlternateContent xmlns:mc="http://schemas.openxmlformats.org/markup-compatibility/2006">
-        <mc:Choice xmlns:a14="http://schemas.microsoft.com/office/drawing/2010/main" Requires="a14">
-          <p:sp>
-            <p:nvSpPr>
-              <p:cNvPr id="50" name="TextBox 49"/>
-              <p:cNvSpPr txBox="1"/>
-              <p:nvPr/>
-            </p:nvSpPr>
-            <p:spPr>
-              <a:xfrm>
-                <a:off x="3495090" y="2719900"/>
-                <a:ext cx="421013" cy="338554"/>
-              </a:xfrm>
-              <a:prstGeom prst="rect">
-                <a:avLst/>
-              </a:prstGeom>
-              <a:noFill/>
-            </p:spPr>
-            <p:txBody>
-              <a:bodyPr wrap="none" rtlCol="0">
-                <a:spAutoFit/>
-              </a:bodyPr>
-              <a:lstStyle/>
-              <a:p>
-                <a:pPr marL="0" marR="0" lvl="0" indent="0" defTabSz="914400" eaLnBrk="1" fontAlgn="auto" latinLnBrk="0" hangingPunct="1">
-                  <a:lnSpc>
-                    <a:spcPct val="100000"/>
-                  </a:lnSpc>
-                  <a:spcBef>
-                    <a:spcPts val="0"/>
-                  </a:spcBef>
-                  <a:spcAft>
-                    <a:spcPts val="0"/>
-                  </a:spcAft>
-                  <a:buClrTx/>
-                  <a:buSzTx/>
-                  <a:buFontTx/>
-                  <a:buNone/>
-                  <a:tabLst/>
-                  <a:defRPr/>
-                </a:pPr>
-                <a14:m>
-                  <m:oMathPara xmlns:m="http://schemas.openxmlformats.org/officeDocument/2006/math">
-                    <m:oMathParaPr>
-                      <m:jc m:val="centerGroup"/>
-                    </m:oMathParaPr>
-                    <m:oMath xmlns:m="http://schemas.openxmlformats.org/officeDocument/2006/math">
-                      <m:sSub>
-                        <m:sSubPr>
-                          <m:ctrlPr>
-                            <a:rPr kumimoji="0" lang="en-US" sz="1600" b="0" i="1" u="none" strike="noStrike" kern="0" cap="none" spc="0" normalizeH="0" baseline="0" noProof="0">
-                              <a:ln>
-                                <a:noFill/>
-                              </a:ln>
-                              <a:solidFill>
-                                <a:sysClr val="windowText" lastClr="000000"/>
-                              </a:solidFill>
-                              <a:effectLst/>
-                              <a:uLnTx/>
-                              <a:uFillTx/>
-                              <a:latin typeface="Cambria Math" panose="02040503050406030204" pitchFamily="18" charset="0"/>
-                            </a:rPr>
-                          </m:ctrlPr>
-                        </m:sSubPr>
-                        <m:e>
-                          <m:r>
-                            <a:rPr kumimoji="0" lang="en-US" sz="1600" b="0" i="1" u="none" strike="noStrike" kern="0" cap="none" spc="0" normalizeH="0" baseline="0" noProof="0">
-                              <a:ln>
-                                <a:noFill/>
-                              </a:ln>
-                              <a:solidFill>
-                                <a:sysClr val="windowText" lastClr="000000"/>
-                              </a:solidFill>
-                              <a:effectLst/>
-                              <a:uLnTx/>
-                              <a:uFillTx/>
-                              <a:latin typeface="Cambria Math" panose="02040503050406030204" pitchFamily="18" charset="0"/>
-                            </a:rPr>
-                            <m:t>𝑡</m:t>
-                          </m:r>
-                        </m:e>
-                        <m:sub>
-                          <m:r>
-                            <a:rPr kumimoji="0" lang="en-US" sz="1600" b="0" i="1" u="none" strike="noStrike" kern="0" cap="none" spc="0" normalizeH="0" baseline="0" noProof="0">
-                              <a:ln>
-                                <a:noFill/>
-                              </a:ln>
-                              <a:solidFill>
-                                <a:sysClr val="windowText" lastClr="000000"/>
-                              </a:solidFill>
-                              <a:effectLst/>
-                              <a:uLnTx/>
-                              <a:uFillTx/>
-                              <a:latin typeface="Cambria Math" panose="02040503050406030204" pitchFamily="18" charset="0"/>
-                              <a:ea typeface="Cambria Math" panose="02040503050406030204" pitchFamily="18" charset="0"/>
-                            </a:rPr>
-                            <m:t>𝜋</m:t>
-                          </m:r>
-                        </m:sub>
-                      </m:sSub>
-                    </m:oMath>
-                  </m:oMathPara>
-                </a14:m>
-                <a:endParaRPr kumimoji="0" lang="en-US" sz="1600" b="0" i="0" u="none" strike="noStrike" kern="0" cap="none" spc="0" normalizeH="0" baseline="0" noProof="0" dirty="0">
-                  <a:ln>
-                    <a:noFill/>
-                  </a:ln>
-                  <a:solidFill>
-                    <a:sysClr val="windowText" lastClr="000000"/>
-                  </a:solidFill>
-                  <a:effectLst/>
-                  <a:uLnTx/>
-                  <a:uFillTx/>
-                </a:endParaRPr>
-              </a:p>
-            </p:txBody>
-          </p:sp>
-        </mc:Choice>
-        <mc:Fallback>
-          <p:sp>
-            <p:nvSpPr>
-              <p:cNvPr id="50" name="TextBox 49"/>
-              <p:cNvSpPr txBox="1">
-                <a:spLocks noRot="1" noChangeAspect="1" noMove="1" noResize="1" noEditPoints="1" noAdjustHandles="1" noChangeArrowheads="1" noChangeShapeType="1" noTextEdit="1"/>
-              </p:cNvSpPr>
-              <p:nvPr/>
-            </p:nvSpPr>
-            <p:spPr>
-              <a:xfrm>
-                <a:off x="3495090" y="2719900"/>
-                <a:ext cx="421013" cy="338554"/>
-              </a:xfrm>
-              <a:prstGeom prst="rect">
-                <a:avLst/>
-              </a:prstGeom>
-              <a:blipFill>
-                <a:blip r:embed="rId11"/>
+                <a:blip r:embed="rId6"/>
                 <a:stretch>
                   <a:fillRect/>
                 </a:stretch>
@@ -24423,8 +23466,8 @@
         </p:nvCxnSpPr>
         <p:spPr>
           <a:xfrm flipH="1">
-            <a:off x="2543058" y="2922984"/>
-            <a:ext cx="1" cy="675814"/>
+            <a:off x="1889388" y="1128439"/>
+            <a:ext cx="2" cy="1014090"/>
           </a:xfrm>
           <a:prstGeom prst="line">
             <a:avLst/>
@@ -24462,8 +23505,8 @@
         </p:nvCxnSpPr>
         <p:spPr>
           <a:xfrm>
-            <a:off x="4835045" y="2922984"/>
-            <a:ext cx="0" cy="701214"/>
+            <a:off x="5328619" y="1128439"/>
+            <a:ext cx="0" cy="1052204"/>
           </a:xfrm>
           <a:prstGeom prst="line">
             <a:avLst/>
@@ -24503,8 +23546,8 @@
             </p:nvSpPr>
             <p:spPr>
               <a:xfrm>
-                <a:off x="2207296" y="3455595"/>
-                <a:ext cx="330671" cy="544060"/>
+                <a:off x="1385562" y="1927647"/>
+                <a:ext cx="496187" cy="816387"/>
               </a:xfrm>
               <a:prstGeom prst="rect">
                 <a:avLst/>
@@ -24517,6 +23560,7 @@
               </a:bodyPr>
               <a:lstStyle/>
               <a:p>
+                <a:pPr/>
                 <a14:m>
                   <m:oMathPara xmlns:m="http://schemas.openxmlformats.org/officeDocument/2006/math">
                     <m:oMathParaPr>
@@ -24605,16 +23649,16 @@
             </p:nvSpPr>
             <p:spPr>
               <a:xfrm>
-                <a:off x="2207296" y="3455595"/>
-                <a:ext cx="330671" cy="544060"/>
+                <a:off x="1385562" y="1927647"/>
+                <a:ext cx="496187" cy="816387"/>
               </a:xfrm>
               <a:prstGeom prst="rect">
                 <a:avLst/>
               </a:prstGeom>
               <a:blipFill>
-                <a:blip r:embed="rId12"/>
+                <a:blip r:embed="rId7"/>
                 <a:stretch>
-                  <a:fillRect l="-127778" t="-134831" r="-203704" b="-198876"/>
+                  <a:fillRect l="-84146" t="-89552" r="-100000" b="-98507"/>
                 </a:stretch>
               </a:blipFill>
             </p:spPr>
@@ -24641,8 +23685,8 @@
         </p:nvSpPr>
         <p:spPr>
           <a:xfrm>
-            <a:off x="2253695" y="3059596"/>
-            <a:ext cx="257308" cy="410264"/>
+            <a:off x="1461536" y="1333432"/>
+            <a:ext cx="386102" cy="615620"/>
           </a:xfrm>
           <a:prstGeom prst="rect">
             <a:avLst/>
@@ -24712,8 +23756,8 @@
         </p:nvSpPr>
         <p:spPr>
           <a:xfrm>
-            <a:off x="4859189" y="3061359"/>
-            <a:ext cx="257308" cy="410264"/>
+            <a:off x="5364849" y="1336078"/>
+            <a:ext cx="386102" cy="615620"/>
           </a:xfrm>
           <a:prstGeom prst="rect">
             <a:avLst/>
@@ -24785,8 +23829,8 @@
             </p:nvSpPr>
             <p:spPr>
               <a:xfrm>
-                <a:off x="4782254" y="3455595"/>
-                <a:ext cx="564192" cy="544060"/>
+                <a:off x="5249404" y="1927647"/>
+                <a:ext cx="846596" cy="816387"/>
               </a:xfrm>
               <a:prstGeom prst="rect">
                 <a:avLst/>
@@ -24799,6 +23843,7 @@
               </a:bodyPr>
               <a:lstStyle/>
               <a:p>
+                <a:pPr/>
                 <a14:m>
                   <m:oMathPara xmlns:m="http://schemas.openxmlformats.org/officeDocument/2006/math">
                     <m:oMathParaPr>
@@ -24887,16 +23932,16 @@
             </p:nvSpPr>
             <p:spPr>
               <a:xfrm>
-                <a:off x="4782254" y="3455595"/>
-                <a:ext cx="564192" cy="544060"/>
+                <a:off x="5249404" y="1927647"/>
+                <a:ext cx="846596" cy="816387"/>
               </a:xfrm>
               <a:prstGeom prst="rect">
                 <a:avLst/>
               </a:prstGeom>
               <a:blipFill>
-                <a:blip r:embed="rId13"/>
+                <a:blip r:embed="rId8"/>
                 <a:stretch>
-                  <a:fillRect l="-69892" t="-134831" r="-80645" b="-198876"/>
+                  <a:fillRect l="-30216" t="-89552" r="-37410" b="-98507"/>
                 </a:stretch>
               </a:blipFill>
             </p:spPr>
@@ -24925,8 +23970,8 @@
             </p:nvSpPr>
             <p:spPr>
               <a:xfrm>
-                <a:off x="3405337" y="3453412"/>
-                <a:ext cx="558166" cy="492379"/>
+                <a:off x="3183277" y="1924371"/>
+                <a:ext cx="837554" cy="738837"/>
               </a:xfrm>
               <a:prstGeom prst="rect">
                 <a:avLst/>
@@ -24939,6 +23984,7 @@
               </a:bodyPr>
               <a:lstStyle/>
               <a:p>
+                <a:pPr/>
                 <a14:m>
                   <m:oMathPara xmlns:m="http://schemas.openxmlformats.org/officeDocument/2006/math">
                     <m:oMathParaPr>
@@ -25008,16 +24054,16 @@
             </p:nvSpPr>
             <p:spPr>
               <a:xfrm>
-                <a:off x="3405337" y="3453412"/>
-                <a:ext cx="558166" cy="492379"/>
+                <a:off x="3183277" y="1924371"/>
+                <a:ext cx="837554" cy="738837"/>
               </a:xfrm>
               <a:prstGeom prst="rect">
                 <a:avLst/>
               </a:prstGeom>
               <a:blipFill>
-                <a:blip r:embed="rId14"/>
+                <a:blip r:embed="rId9"/>
                 <a:stretch>
-                  <a:fillRect l="-72527" t="-155000" r="-83516" b="-227500"/>
+                  <a:fillRect l="-30435" t="-102479" r="-38406" b="-116529"/>
                 </a:stretch>
               </a:blipFill>
             </p:spPr>
@@ -25044,8 +24090,8 @@
         </p:nvSpPr>
         <p:spPr>
           <a:xfrm>
-            <a:off x="460746" y="3056586"/>
-            <a:ext cx="1789971" cy="421861"/>
+            <a:off x="95662" y="1328932"/>
+            <a:ext cx="1349493" cy="625860"/>
           </a:xfrm>
           <a:prstGeom prst="rect">
             <a:avLst/>
@@ -25072,7 +24118,14 @@
           <a:lstStyle/>
           <a:p>
             <a:pPr algn="ctr"/>
-            <a:endParaRPr lang="en-US"/>
+            <a:r>
+              <a:rPr lang="en-US" dirty="0">
+                <a:solidFill>
+                  <a:schemeClr val="tx1"/>
+                </a:solidFill>
+              </a:rPr>
+              <a:t>Drive</a:t>
+            </a:r>
           </a:p>
         </p:txBody>
       </p:sp>
@@ -25084,8 +24137,8 @@
         </p:nvSpPr>
         <p:spPr>
           <a:xfrm>
-            <a:off x="370489" y="4353600"/>
-            <a:ext cx="5443571" cy="1200329"/>
+            <a:off x="536511" y="3689763"/>
+            <a:ext cx="4619200" cy="1477328"/>
           </a:xfrm>
           <a:prstGeom prst="rect">
             <a:avLst/>
@@ -25098,6 +24151,7 @@
           </a:bodyPr>
           <a:lstStyle/>
           <a:p>
+            <a:pPr algn="ctr"/>
             <a:r>
               <a:rPr lang="en-US" dirty="0"/>
               <a:t>Split histogram is result of phase incoherence between drive and ODF. If the phase relation was set, this would look like a coherent rotation. Use spins to read out coherent displacement.</a:t>
@@ -25105,6 +24159,979 @@
           </a:p>
         </p:txBody>
       </p:sp>
+      <p:grpSp>
+        <p:nvGrpSpPr>
+          <p:cNvPr id="5" name="Group 4"/>
+          <p:cNvGrpSpPr/>
+          <p:nvPr/>
+        </p:nvGrpSpPr>
+        <p:grpSpPr>
+          <a:xfrm>
+            <a:off x="12456239" y="5702822"/>
+            <a:ext cx="8144435" cy="855832"/>
+            <a:chOff x="3687788" y="1634597"/>
+            <a:chExt cx="8144435" cy="855832"/>
+          </a:xfrm>
+        </p:grpSpPr>
+        <p:sp>
+          <p:nvSpPr>
+            <p:cNvPr id="8" name="Rectangle 7"/>
+            <p:cNvSpPr/>
+            <p:nvPr/>
+          </p:nvSpPr>
+          <p:spPr>
+            <a:xfrm>
+              <a:off x="3687788" y="1742994"/>
+              <a:ext cx="740979" cy="659233"/>
+            </a:xfrm>
+            <a:prstGeom prst="rect">
+              <a:avLst/>
+            </a:prstGeom>
+            <a:ln w="19050"/>
+          </p:spPr>
+          <p:style>
+            <a:lnRef idx="1">
+              <a:schemeClr val="accent1"/>
+            </a:lnRef>
+            <a:fillRef idx="2">
+              <a:schemeClr val="accent1"/>
+            </a:fillRef>
+            <a:effectRef idx="1">
+              <a:schemeClr val="accent1"/>
+            </a:effectRef>
+            <a:fontRef idx="minor">
+              <a:schemeClr val="dk1"/>
+            </a:fontRef>
+          </p:style>
+          <p:txBody>
+            <a:bodyPr rtlCol="0" anchor="ctr"/>
+            <a:lstStyle/>
+            <a:p>
+              <a:pPr marL="0" marR="0" lvl="0" indent="0" algn="ctr" defTabSz="914400" eaLnBrk="1" fontAlgn="auto" latinLnBrk="0" hangingPunct="1">
+                <a:lnSpc>
+                  <a:spcPct val="100000"/>
+                </a:lnSpc>
+                <a:spcBef>
+                  <a:spcPts val="0"/>
+                </a:spcBef>
+                <a:spcAft>
+                  <a:spcPts val="0"/>
+                </a:spcAft>
+                <a:buClrTx/>
+                <a:buSzTx/>
+                <a:buFontTx/>
+                <a:buNone/>
+                <a:tabLst/>
+                <a:defRPr/>
+              </a:pPr>
+              <a:r>
+                <a:rPr kumimoji="0" lang="en-US" sz="1800" b="0" i="0" u="none" strike="noStrike" kern="0" cap="none" spc="0" normalizeH="0" baseline="0" noProof="0" dirty="0">
+                  <a:ln>
+                    <a:noFill/>
+                  </a:ln>
+                  <a:solidFill>
+                    <a:sysClr val="windowText" lastClr="000000"/>
+                  </a:solidFill>
+                  <a:effectLst/>
+                  <a:uLnTx/>
+                  <a:uFillTx/>
+                </a:rPr>
+                <a:t>Cool</a:t>
+              </a:r>
+            </a:p>
+          </p:txBody>
+        </p:sp>
+        <p:grpSp>
+          <p:nvGrpSpPr>
+            <p:cNvPr id="9" name="Group 8"/>
+            <p:cNvGrpSpPr/>
+            <p:nvPr/>
+          </p:nvGrpSpPr>
+          <p:grpSpPr>
+            <a:xfrm>
+              <a:off x="5886234" y="1752260"/>
+              <a:ext cx="457519" cy="659233"/>
+              <a:chOff x="1598236" y="2239892"/>
+              <a:chExt cx="457519" cy="659233"/>
+            </a:xfrm>
+          </p:grpSpPr>
+          <p:sp>
+            <p:nvSpPr>
+              <p:cNvPr id="10" name="Rectangle 9"/>
+              <p:cNvSpPr/>
+              <p:nvPr/>
+            </p:nvSpPr>
+            <p:spPr>
+              <a:xfrm>
+                <a:off x="1598236" y="2239892"/>
+                <a:ext cx="457519" cy="659233"/>
+              </a:xfrm>
+              <a:prstGeom prst="rect">
+                <a:avLst/>
+              </a:prstGeom>
+              <a:ln w="19050"/>
+            </p:spPr>
+            <p:style>
+              <a:lnRef idx="1">
+                <a:schemeClr val="dk1"/>
+              </a:lnRef>
+              <a:fillRef idx="2">
+                <a:schemeClr val="dk1"/>
+              </a:fillRef>
+              <a:effectRef idx="1">
+                <a:schemeClr val="dk1"/>
+              </a:effectRef>
+              <a:fontRef idx="minor">
+                <a:schemeClr val="dk1"/>
+              </a:fontRef>
+            </p:style>
+            <p:txBody>
+              <a:bodyPr rtlCol="0" anchor="ctr"/>
+              <a:lstStyle/>
+              <a:p>
+                <a:pPr marL="0" marR="0" lvl="0" indent="0" algn="ctr" defTabSz="914400" eaLnBrk="1" fontAlgn="auto" latinLnBrk="0" hangingPunct="1">
+                  <a:lnSpc>
+                    <a:spcPct val="100000"/>
+                  </a:lnSpc>
+                  <a:spcBef>
+                    <a:spcPts val="0"/>
+                  </a:spcBef>
+                  <a:spcAft>
+                    <a:spcPts val="0"/>
+                  </a:spcAft>
+                  <a:buClrTx/>
+                  <a:buSzTx/>
+                  <a:buFontTx/>
+                  <a:buNone/>
+                  <a:tabLst/>
+                  <a:defRPr/>
+                </a:pPr>
+                <a:r>
+                  <a:rPr kumimoji="0" lang="en-US" sz="1800" b="0" i="1" u="none" strike="noStrike" kern="0" cap="none" spc="0" normalizeH="0" baseline="0" noProof="0" dirty="0">
+                    <a:ln>
+                      <a:noFill/>
+                    </a:ln>
+                    <a:solidFill>
+                      <a:sysClr val="windowText" lastClr="000000"/>
+                    </a:solidFill>
+                    <a:effectLst/>
+                    <a:uLnTx/>
+                    <a:uFillTx/>
+                  </a:rPr>
+                  <a:t>R</a:t>
+                </a:r>
+                <a:r>
+                  <a:rPr kumimoji="0" lang="en-US" sz="1800" b="0" i="1" u="none" strike="noStrike" kern="0" cap="none" spc="0" normalizeH="0" baseline="-25000" noProof="0" dirty="0">
+                    <a:ln>
+                      <a:noFill/>
+                    </a:ln>
+                    <a:solidFill>
+                      <a:sysClr val="windowText" lastClr="000000"/>
+                    </a:solidFill>
+                    <a:effectLst/>
+                    <a:uLnTx/>
+                    <a:uFillTx/>
+                  </a:rPr>
+                  <a:t>y</a:t>
+                </a:r>
+              </a:p>
+              <a:p>
+                <a:pPr marL="0" marR="0" lvl="0" indent="0" algn="ctr" defTabSz="914400" eaLnBrk="1" fontAlgn="auto" latinLnBrk="0" hangingPunct="1">
+                  <a:lnSpc>
+                    <a:spcPct val="100000"/>
+                  </a:lnSpc>
+                  <a:spcBef>
+                    <a:spcPts val="0"/>
+                  </a:spcBef>
+                  <a:spcAft>
+                    <a:spcPts val="0"/>
+                  </a:spcAft>
+                  <a:buClrTx/>
+                  <a:buSzTx/>
+                  <a:buFontTx/>
+                  <a:buNone/>
+                  <a:tabLst/>
+                  <a:defRPr/>
+                </a:pPr>
+                <a:endParaRPr kumimoji="0" lang="en-US" sz="1800" b="0" i="1" u="none" strike="noStrike" kern="0" cap="none" spc="0" normalizeH="0" baseline="0" noProof="0" dirty="0">
+                  <a:ln>
+                    <a:noFill/>
+                  </a:ln>
+                  <a:solidFill>
+                    <a:sysClr val="windowText" lastClr="000000"/>
+                  </a:solidFill>
+                  <a:effectLst/>
+                  <a:uLnTx/>
+                  <a:uFillTx/>
+                </a:endParaRPr>
+              </a:p>
+            </p:txBody>
+          </p:sp>
+          <p:pic>
+            <p:nvPicPr>
+              <p:cNvPr id="11" name="Picture 10"/>
+              <p:cNvPicPr>
+                <a:picLocks noChangeAspect="1"/>
+              </p:cNvPicPr>
+              <p:nvPr/>
+            </p:nvPicPr>
+            <p:blipFill>
+              <a:blip r:embed="rId10"/>
+              <a:stretch>
+                <a:fillRect/>
+              </a:stretch>
+            </p:blipFill>
+            <p:spPr>
+              <a:xfrm>
+                <a:off x="1706939" y="2631323"/>
+                <a:ext cx="269302" cy="181166"/>
+              </a:xfrm>
+              <a:prstGeom prst="rect">
+                <a:avLst/>
+              </a:prstGeom>
+            </p:spPr>
+          </p:pic>
+        </p:grpSp>
+        <p:sp>
+          <p:nvSpPr>
+            <p:cNvPr id="12" name="Rectangle 11"/>
+            <p:cNvSpPr/>
+            <p:nvPr/>
+          </p:nvSpPr>
+          <p:spPr>
+            <a:xfrm>
+              <a:off x="6361819" y="1752260"/>
+              <a:ext cx="1514294" cy="659233"/>
+            </a:xfrm>
+            <a:prstGeom prst="rect">
+              <a:avLst/>
+            </a:prstGeom>
+            <a:ln w="19050"/>
+          </p:spPr>
+          <p:style>
+            <a:lnRef idx="1">
+              <a:schemeClr val="accent2"/>
+            </a:lnRef>
+            <a:fillRef idx="2">
+              <a:schemeClr val="accent2"/>
+            </a:fillRef>
+            <a:effectRef idx="1">
+              <a:schemeClr val="accent2"/>
+            </a:effectRef>
+            <a:fontRef idx="minor">
+              <a:schemeClr val="dk1"/>
+            </a:fontRef>
+          </p:style>
+          <p:txBody>
+            <a:bodyPr rtlCol="0" anchor="ctr"/>
+            <a:lstStyle/>
+            <a:p>
+              <a:pPr marL="0" marR="0" lvl="0" indent="0" algn="ctr" defTabSz="914400" eaLnBrk="1" fontAlgn="auto" latinLnBrk="0" hangingPunct="1">
+                <a:lnSpc>
+                  <a:spcPct val="100000"/>
+                </a:lnSpc>
+                <a:spcBef>
+                  <a:spcPts val="0"/>
+                </a:spcBef>
+                <a:spcAft>
+                  <a:spcPts val="0"/>
+                </a:spcAft>
+                <a:buClrTx/>
+                <a:buSzTx/>
+                <a:buFontTx/>
+                <a:buNone/>
+                <a:tabLst/>
+                <a:defRPr/>
+              </a:pPr>
+              <a:r>
+                <a:rPr kumimoji="0" lang="en-US" sz="1800" b="0" i="0" u="none" strike="noStrike" kern="0" cap="none" spc="0" normalizeH="0" baseline="0" noProof="0" dirty="0">
+                  <a:ln>
+                    <a:noFill/>
+                  </a:ln>
+                  <a:solidFill>
+                    <a:sysClr val="windowText" lastClr="000000"/>
+                  </a:solidFill>
+                  <a:effectLst/>
+                  <a:uLnTx/>
+                  <a:uFillTx/>
+                </a:rPr>
+                <a:t>ODF</a:t>
+              </a:r>
+            </a:p>
+          </p:txBody>
+        </p:sp>
+        <p:sp>
+          <p:nvSpPr>
+            <p:cNvPr id="13" name="Rectangle 12"/>
+            <p:cNvSpPr/>
+            <p:nvPr/>
+          </p:nvSpPr>
+          <p:spPr>
+            <a:xfrm>
+              <a:off x="10804594" y="1745131"/>
+              <a:ext cx="1027629" cy="656853"/>
+            </a:xfrm>
+            <a:prstGeom prst="rect">
+              <a:avLst/>
+            </a:prstGeom>
+            <a:ln w="19050"/>
+          </p:spPr>
+          <p:style>
+            <a:lnRef idx="1">
+              <a:schemeClr val="accent1"/>
+            </a:lnRef>
+            <a:fillRef idx="2">
+              <a:schemeClr val="accent1"/>
+            </a:fillRef>
+            <a:effectRef idx="1">
+              <a:schemeClr val="accent1"/>
+            </a:effectRef>
+            <a:fontRef idx="minor">
+              <a:schemeClr val="dk1"/>
+            </a:fontRef>
+          </p:style>
+          <p:txBody>
+            <a:bodyPr rtlCol="0" anchor="ctr"/>
+            <a:lstStyle/>
+            <a:p>
+              <a:pPr marL="0" marR="0" lvl="0" indent="0" algn="ctr" defTabSz="914400" eaLnBrk="1" fontAlgn="auto" latinLnBrk="0" hangingPunct="1">
+                <a:lnSpc>
+                  <a:spcPct val="100000"/>
+                </a:lnSpc>
+                <a:spcBef>
+                  <a:spcPts val="0"/>
+                </a:spcBef>
+                <a:spcAft>
+                  <a:spcPts val="0"/>
+                </a:spcAft>
+                <a:buClrTx/>
+                <a:buSzTx/>
+                <a:buFontTx/>
+                <a:buNone/>
+                <a:tabLst/>
+                <a:defRPr/>
+              </a:pPr>
+              <a:r>
+                <a:rPr kumimoji="0" lang="en-US" sz="1800" b="0" i="0" u="none" strike="noStrike" kern="0" cap="none" spc="0" normalizeH="0" baseline="0" noProof="0" dirty="0">
+                  <a:ln>
+                    <a:noFill/>
+                  </a:ln>
+                  <a:solidFill>
+                    <a:sysClr val="windowText" lastClr="000000"/>
+                  </a:solidFill>
+                  <a:effectLst/>
+                  <a:uLnTx/>
+                  <a:uFillTx/>
+                </a:rPr>
+                <a:t>Detect</a:t>
+              </a:r>
+            </a:p>
+          </p:txBody>
+        </p:sp>
+        <mc:AlternateContent xmlns:mc="http://schemas.openxmlformats.org/markup-compatibility/2006">
+          <mc:Choice xmlns:a14="http://schemas.microsoft.com/office/drawing/2010/main" Requires="a14">
+            <p:sp>
+              <p:nvSpPr>
+                <p:cNvPr id="14" name="Rectangle 13"/>
+                <p:cNvSpPr/>
+                <p:nvPr/>
+              </p:nvSpPr>
+              <p:spPr>
+                <a:xfrm>
+                  <a:off x="7896538" y="1752260"/>
+                  <a:ext cx="878973" cy="658112"/>
+                </a:xfrm>
+                <a:prstGeom prst="rect">
+                  <a:avLst/>
+                </a:prstGeom>
+                <a:ln w="19050">
+                  <a:solidFill>
+                    <a:schemeClr val="tx1"/>
+                  </a:solidFill>
+                </a:ln>
+              </p:spPr>
+              <p:style>
+                <a:lnRef idx="2">
+                  <a:schemeClr val="accent3">
+                    <a:shade val="50000"/>
+                  </a:schemeClr>
+                </a:lnRef>
+                <a:fillRef idx="1">
+                  <a:schemeClr val="accent3"/>
+                </a:fillRef>
+                <a:effectRef idx="0">
+                  <a:schemeClr val="accent3"/>
+                </a:effectRef>
+                <a:fontRef idx="minor">
+                  <a:schemeClr val="lt1"/>
+                </a:fontRef>
+              </p:style>
+              <p:txBody>
+                <a:bodyPr rtlCol="0" anchor="ctr"/>
+                <a:lstStyle/>
+                <a:p>
+                  <a:pPr marL="0" marR="0" lvl="0" indent="0" algn="ctr" defTabSz="914400" eaLnBrk="1" fontAlgn="auto" latinLnBrk="0" hangingPunct="1">
+                    <a:lnSpc>
+                      <a:spcPct val="100000"/>
+                    </a:lnSpc>
+                    <a:spcBef>
+                      <a:spcPts val="0"/>
+                    </a:spcBef>
+                    <a:spcAft>
+                      <a:spcPts val="0"/>
+                    </a:spcAft>
+                    <a:buClrTx/>
+                    <a:buSzTx/>
+                    <a:buFontTx/>
+                    <a:buNone/>
+                    <a:tabLst/>
+                    <a:defRPr/>
+                  </a:pPr>
+                  <a14:m>
+                    <m:oMathPara xmlns:m="http://schemas.openxmlformats.org/officeDocument/2006/math">
+                      <m:oMathParaPr>
+                        <m:jc m:val="centerGroup"/>
+                      </m:oMathParaPr>
+                      <m:oMath xmlns:m="http://schemas.openxmlformats.org/officeDocument/2006/math">
+                        <m:r>
+                          <a:rPr kumimoji="0" lang="en-US" sz="1800" b="0" i="1" u="none" strike="noStrike" kern="0" cap="none" spc="0" normalizeH="0" baseline="0" noProof="0" smtClean="0">
+                            <a:ln>
+                              <a:noFill/>
+                            </a:ln>
+                            <a:solidFill>
+                              <a:schemeClr val="tx1"/>
+                            </a:solidFill>
+                            <a:effectLst/>
+                            <a:uLnTx/>
+                            <a:uFillTx/>
+                            <a:latin typeface="Cambria Math" panose="02040503050406030204" pitchFamily="18" charset="0"/>
+                          </a:rPr>
+                          <m:t>𝑅</m:t>
+                        </m:r>
+                        <m:r>
+                          <a:rPr kumimoji="0" lang="en-US" sz="1800" b="0" i="1" u="none" strike="noStrike" kern="0" cap="none" spc="0" normalizeH="0" baseline="0" noProof="0" smtClean="0">
+                            <a:ln>
+                              <a:noFill/>
+                            </a:ln>
+                            <a:solidFill>
+                              <a:schemeClr val="tx1"/>
+                            </a:solidFill>
+                            <a:effectLst/>
+                            <a:uLnTx/>
+                            <a:uFillTx/>
+                            <a:latin typeface="Cambria Math" panose="02040503050406030204" pitchFamily="18" charset="0"/>
+                          </a:rPr>
+                          <m:t>ₓ</m:t>
+                        </m:r>
+                      </m:oMath>
+                    </m:oMathPara>
+                  </a14:m>
+                  <a:endParaRPr kumimoji="0" lang="en-US" sz="1800" b="0" i="0" u="none" strike="noStrike" kern="0" cap="none" spc="0" normalizeH="0" baseline="0" noProof="0" dirty="0">
+                    <a:ln>
+                      <a:noFill/>
+                    </a:ln>
+                    <a:solidFill>
+                      <a:schemeClr val="tx1"/>
+                    </a:solidFill>
+                    <a:effectLst/>
+                    <a:uLnTx/>
+                    <a:uFillTx/>
+                  </a:endParaRPr>
+                </a:p>
+                <a:p>
+                  <a:pPr marL="0" marR="0" lvl="0" indent="0" algn="ctr" defTabSz="914400" eaLnBrk="1" fontAlgn="auto" latinLnBrk="0" hangingPunct="1">
+                    <a:lnSpc>
+                      <a:spcPct val="100000"/>
+                    </a:lnSpc>
+                    <a:spcBef>
+                      <a:spcPts val="0"/>
+                    </a:spcBef>
+                    <a:spcAft>
+                      <a:spcPts val="0"/>
+                    </a:spcAft>
+                    <a:buClrTx/>
+                    <a:buSzTx/>
+                    <a:buFontTx/>
+                    <a:buNone/>
+                    <a:tabLst/>
+                    <a:defRPr/>
+                  </a:pPr>
+                  <a14:m>
+                    <m:oMathPara xmlns:m="http://schemas.openxmlformats.org/officeDocument/2006/math">
+                      <m:oMathParaPr>
+                        <m:jc m:val="centerGroup"/>
+                      </m:oMathParaPr>
+                      <m:oMath xmlns:m="http://schemas.openxmlformats.org/officeDocument/2006/math">
+                        <m:r>
+                          <a:rPr kumimoji="0" lang="en-US" sz="1400" b="0" i="1" u="none" strike="noStrike" kern="0" cap="none" spc="0" normalizeH="0" baseline="0" noProof="0" smtClean="0">
+                            <a:ln>
+                              <a:noFill/>
+                            </a:ln>
+                            <a:solidFill>
+                              <a:schemeClr val="tx1"/>
+                            </a:solidFill>
+                            <a:effectLst/>
+                            <a:uLnTx/>
+                            <a:uFillTx/>
+                            <a:latin typeface="Cambria Math" panose="02040503050406030204" pitchFamily="18" charset="0"/>
+                            <a:ea typeface="Cambria Math" panose="02040503050406030204" pitchFamily="18" charset="0"/>
+                          </a:rPr>
+                          <m:t>𝜋</m:t>
+                        </m:r>
+                      </m:oMath>
+                    </m:oMathPara>
+                  </a14:m>
+                  <a:endParaRPr kumimoji="0" lang="en-US" sz="1400" b="0" i="0" u="none" strike="noStrike" kern="0" cap="none" spc="0" normalizeH="0" baseline="0" noProof="0" dirty="0">
+                    <a:ln>
+                      <a:noFill/>
+                    </a:ln>
+                    <a:solidFill>
+                      <a:schemeClr val="tx1"/>
+                    </a:solidFill>
+                    <a:effectLst/>
+                    <a:uLnTx/>
+                    <a:uFillTx/>
+                  </a:endParaRPr>
+                </a:p>
+              </p:txBody>
+            </p:sp>
+          </mc:Choice>
+          <mc:Fallback>
+            <p:sp>
+              <p:nvSpPr>
+                <p:cNvPr id="14" name="Rectangle 13"/>
+                <p:cNvSpPr>
+                  <a:spLocks noRot="1" noChangeAspect="1" noMove="1" noResize="1" noEditPoints="1" noAdjustHandles="1" noChangeArrowheads="1" noChangeShapeType="1" noTextEdit="1"/>
+                </p:cNvSpPr>
+                <p:nvPr/>
+              </p:nvSpPr>
+              <p:spPr>
+                <a:xfrm>
+                  <a:off x="7896538" y="1752260"/>
+                  <a:ext cx="878973" cy="658112"/>
+                </a:xfrm>
+                <a:prstGeom prst="rect">
+                  <a:avLst/>
+                </a:prstGeom>
+                <a:blipFill>
+                  <a:blip r:embed="rId11"/>
+                  <a:stretch>
+                    <a:fillRect/>
+                  </a:stretch>
+                </a:blipFill>
+                <a:ln w="19050">
+                  <a:solidFill>
+                    <a:schemeClr val="tx1"/>
+                  </a:solidFill>
+                </a:ln>
+              </p:spPr>
+              <p:txBody>
+                <a:bodyPr/>
+                <a:lstStyle/>
+                <a:p>
+                  <a:r>
+                    <a:rPr lang="en-US">
+                      <a:noFill/>
+                    </a:rPr>
+                    <a:t> </a:t>
+                  </a:r>
+                </a:p>
+              </p:txBody>
+            </p:sp>
+          </mc:Fallback>
+        </mc:AlternateContent>
+        <p:grpSp>
+          <p:nvGrpSpPr>
+            <p:cNvPr id="16" name="Group 15"/>
+            <p:cNvGrpSpPr/>
+            <p:nvPr/>
+          </p:nvGrpSpPr>
+          <p:grpSpPr>
+            <a:xfrm>
+              <a:off x="10326571" y="1745131"/>
+              <a:ext cx="457519" cy="656853"/>
+              <a:chOff x="9984418" y="2241150"/>
+              <a:chExt cx="457519" cy="656853"/>
+            </a:xfrm>
+          </p:grpSpPr>
+          <p:sp>
+            <p:nvSpPr>
+              <p:cNvPr id="17" name="Rectangle 16"/>
+              <p:cNvSpPr/>
+              <p:nvPr/>
+            </p:nvSpPr>
+            <p:spPr>
+              <a:xfrm>
+                <a:off x="9984418" y="2241150"/>
+                <a:ext cx="457519" cy="656853"/>
+              </a:xfrm>
+              <a:prstGeom prst="rect">
+                <a:avLst/>
+              </a:prstGeom>
+              <a:ln w="19050"/>
+            </p:spPr>
+            <p:style>
+              <a:lnRef idx="1">
+                <a:schemeClr val="dk1"/>
+              </a:lnRef>
+              <a:fillRef idx="2">
+                <a:schemeClr val="dk1"/>
+              </a:fillRef>
+              <a:effectRef idx="1">
+                <a:schemeClr val="dk1"/>
+              </a:effectRef>
+              <a:fontRef idx="minor">
+                <a:schemeClr val="dk1"/>
+              </a:fontRef>
+            </p:style>
+            <p:txBody>
+              <a:bodyPr rtlCol="0" anchor="ctr"/>
+              <a:lstStyle/>
+              <a:p>
+                <a:pPr marL="0" marR="0" lvl="0" indent="0" algn="ctr" defTabSz="914400" eaLnBrk="1" fontAlgn="auto" latinLnBrk="0" hangingPunct="1">
+                  <a:lnSpc>
+                    <a:spcPct val="100000"/>
+                  </a:lnSpc>
+                  <a:spcBef>
+                    <a:spcPts val="0"/>
+                  </a:spcBef>
+                  <a:spcAft>
+                    <a:spcPts val="0"/>
+                  </a:spcAft>
+                  <a:buClrTx/>
+                  <a:buSzTx/>
+                  <a:buFontTx/>
+                  <a:buNone/>
+                  <a:tabLst/>
+                  <a:defRPr/>
+                </a:pPr>
+                <a:r>
+                  <a:rPr kumimoji="0" lang="en-US" sz="1800" b="0" i="1" u="none" strike="noStrike" kern="0" cap="none" spc="0" normalizeH="0" baseline="0" noProof="0" dirty="0">
+                    <a:ln>
+                      <a:noFill/>
+                    </a:ln>
+                    <a:solidFill>
+                      <a:sysClr val="windowText" lastClr="000000"/>
+                    </a:solidFill>
+                    <a:effectLst/>
+                    <a:uLnTx/>
+                    <a:uFillTx/>
+                  </a:rPr>
+                  <a:t>R</a:t>
+                </a:r>
+                <a:r>
+                  <a:rPr kumimoji="0" lang="en-US" sz="1800" b="0" i="1" u="none" strike="noStrike" kern="0" cap="none" spc="0" normalizeH="0" baseline="-25000" noProof="0" dirty="0">
+                    <a:ln>
+                      <a:noFill/>
+                    </a:ln>
+                    <a:solidFill>
+                      <a:sysClr val="windowText" lastClr="000000"/>
+                    </a:solidFill>
+                    <a:effectLst/>
+                    <a:uLnTx/>
+                    <a:uFillTx/>
+                  </a:rPr>
+                  <a:t>y</a:t>
+                </a:r>
+                <a:r>
+                  <a:rPr kumimoji="0" lang="en-US" sz="1600" b="0" i="1" u="none" strike="noStrike" kern="0" cap="none" spc="0" normalizeH="0" baseline="0" noProof="0" dirty="0">
+                    <a:ln>
+                      <a:noFill/>
+                    </a:ln>
+                    <a:solidFill>
+                      <a:sysClr val="windowText" lastClr="000000"/>
+                    </a:solidFill>
+                    <a:effectLst/>
+                    <a:uLnTx/>
+                    <a:uFillTx/>
+                  </a:rPr>
+                  <a:t>𝜽</a:t>
+                </a:r>
+                <a:endParaRPr kumimoji="0" lang="en-US" sz="1800" b="0" i="1" u="none" strike="noStrike" kern="0" cap="none" spc="0" normalizeH="0" baseline="0" noProof="0" dirty="0">
+                  <a:ln>
+                    <a:noFill/>
+                  </a:ln>
+                  <a:solidFill>
+                    <a:sysClr val="windowText" lastClr="000000"/>
+                  </a:solidFill>
+                  <a:effectLst/>
+                  <a:uLnTx/>
+                  <a:uFillTx/>
+                </a:endParaRPr>
+              </a:p>
+            </p:txBody>
+          </p:sp>
+          <p:pic>
+            <p:nvPicPr>
+              <p:cNvPr id="18" name="Picture 17"/>
+              <p:cNvPicPr>
+                <a:picLocks noChangeAspect="1"/>
+              </p:cNvPicPr>
+              <p:nvPr/>
+            </p:nvPicPr>
+            <p:blipFill>
+              <a:blip r:embed="rId10"/>
+              <a:stretch>
+                <a:fillRect/>
+              </a:stretch>
+            </p:blipFill>
+            <p:spPr>
+              <a:xfrm>
+                <a:off x="10086147" y="2613839"/>
+                <a:ext cx="269302" cy="181166"/>
+              </a:xfrm>
+              <a:prstGeom prst="rect">
+                <a:avLst/>
+              </a:prstGeom>
+            </p:spPr>
+          </p:pic>
+        </p:grpSp>
+        <p:grpSp>
+          <p:nvGrpSpPr>
+            <p:cNvPr id="20" name="Group 19"/>
+            <p:cNvGrpSpPr/>
+            <p:nvPr/>
+          </p:nvGrpSpPr>
+          <p:grpSpPr>
+            <a:xfrm>
+              <a:off x="8782123" y="1735129"/>
+              <a:ext cx="1536328" cy="676715"/>
+              <a:chOff x="8439970" y="2231148"/>
+              <a:chExt cx="1536328" cy="676715"/>
+            </a:xfrm>
+          </p:grpSpPr>
+          <p:pic>
+            <p:nvPicPr>
+              <p:cNvPr id="21" name="Picture 20"/>
+              <p:cNvPicPr>
+                <a:picLocks noChangeAspect="1"/>
+              </p:cNvPicPr>
+              <p:nvPr/>
+            </p:nvPicPr>
+            <p:blipFill>
+              <a:blip r:embed="rId4"/>
+              <a:stretch>
+                <a:fillRect/>
+              </a:stretch>
+            </p:blipFill>
+            <p:spPr>
+              <a:xfrm>
+                <a:off x="8439970" y="2231148"/>
+                <a:ext cx="1536328" cy="676715"/>
+              </a:xfrm>
+              <a:prstGeom prst="rect">
+                <a:avLst/>
+              </a:prstGeom>
+            </p:spPr>
+          </p:pic>
+          <p:sp>
+            <p:nvSpPr>
+              <p:cNvPr id="22" name="Rectangle 21"/>
+              <p:cNvSpPr/>
+              <p:nvPr/>
+            </p:nvSpPr>
+            <p:spPr>
+              <a:xfrm>
+                <a:off x="8915424" y="2384839"/>
+                <a:ext cx="585417" cy="369332"/>
+              </a:xfrm>
+              <a:prstGeom prst="rect">
+                <a:avLst/>
+              </a:prstGeom>
+            </p:spPr>
+            <p:txBody>
+              <a:bodyPr wrap="none">
+                <a:spAutoFit/>
+              </a:bodyPr>
+              <a:lstStyle/>
+              <a:p>
+                <a:pPr marL="0" marR="0" lvl="0" indent="0" algn="ctr" defTabSz="914400" eaLnBrk="1" fontAlgn="auto" latinLnBrk="0" hangingPunct="1">
+                  <a:lnSpc>
+                    <a:spcPct val="100000"/>
+                  </a:lnSpc>
+                  <a:spcBef>
+                    <a:spcPts val="0"/>
+                  </a:spcBef>
+                  <a:spcAft>
+                    <a:spcPts val="0"/>
+                  </a:spcAft>
+                  <a:buClrTx/>
+                  <a:buSzTx/>
+                  <a:buFontTx/>
+                  <a:buNone/>
+                  <a:tabLst/>
+                  <a:defRPr/>
+                </a:pPr>
+                <a:r>
+                  <a:rPr kumimoji="0" lang="en-US" sz="1800" b="0" i="0" u="none" strike="noStrike" kern="0" cap="none" spc="0" normalizeH="0" baseline="0" noProof="0" dirty="0">
+                    <a:ln>
+                      <a:noFill/>
+                    </a:ln>
+                    <a:solidFill>
+                      <a:sysClr val="windowText" lastClr="000000"/>
+                    </a:solidFill>
+                    <a:effectLst/>
+                    <a:uLnTx/>
+                    <a:uFillTx/>
+                  </a:rPr>
+                  <a:t>ODF</a:t>
+                </a:r>
+              </a:p>
+            </p:txBody>
+          </p:sp>
+        </p:grpSp>
+        <p:cxnSp>
+          <p:nvCxnSpPr>
+            <p:cNvPr id="25" name="Straight Arrow Connector 24"/>
+            <p:cNvCxnSpPr/>
+            <p:nvPr/>
+          </p:nvCxnSpPr>
+          <p:spPr>
+            <a:xfrm flipV="1">
+              <a:off x="6343753" y="1634597"/>
+              <a:ext cx="1531566" cy="1025"/>
+            </a:xfrm>
+            <a:prstGeom prst="straightConnector1">
+              <a:avLst/>
+            </a:prstGeom>
+            <a:ln>
+              <a:solidFill>
+                <a:schemeClr val="accent2"/>
+              </a:solidFill>
+              <a:headEnd type="triangle"/>
+              <a:tailEnd type="triangle"/>
+            </a:ln>
+          </p:spPr>
+          <p:style>
+            <a:lnRef idx="1">
+              <a:schemeClr val="accent1"/>
+            </a:lnRef>
+            <a:fillRef idx="0">
+              <a:schemeClr val="accent1"/>
+            </a:fillRef>
+            <a:effectRef idx="0">
+              <a:schemeClr val="accent1"/>
+            </a:effectRef>
+            <a:fontRef idx="minor">
+              <a:schemeClr val="tx1"/>
+            </a:fontRef>
+          </p:style>
+        </p:cxnSp>
+        <p:cxnSp>
+          <p:nvCxnSpPr>
+            <p:cNvPr id="31" name="Straight Arrow Connector 30"/>
+            <p:cNvCxnSpPr/>
+            <p:nvPr/>
+          </p:nvCxnSpPr>
+          <p:spPr>
+            <a:xfrm flipV="1">
+              <a:off x="8778027" y="1682134"/>
+              <a:ext cx="1531566" cy="1025"/>
+            </a:xfrm>
+            <a:prstGeom prst="straightConnector1">
+              <a:avLst/>
+            </a:prstGeom>
+            <a:ln>
+              <a:solidFill>
+                <a:schemeClr val="accent2"/>
+              </a:solidFill>
+              <a:headEnd type="triangle"/>
+              <a:tailEnd type="triangle"/>
+            </a:ln>
+          </p:spPr>
+          <p:style>
+            <a:lnRef idx="1">
+              <a:schemeClr val="accent1"/>
+            </a:lnRef>
+            <a:fillRef idx="0">
+              <a:schemeClr val="accent1"/>
+            </a:fillRef>
+            <a:effectRef idx="0">
+              <a:schemeClr val="accent1"/>
+            </a:effectRef>
+            <a:fontRef idx="minor">
+              <a:schemeClr val="tx1"/>
+            </a:fontRef>
+          </p:style>
+        </p:cxnSp>
+        <p:cxnSp>
+          <p:nvCxnSpPr>
+            <p:cNvPr id="34" name="Straight Arrow Connector 33"/>
+            <p:cNvCxnSpPr/>
+            <p:nvPr/>
+          </p:nvCxnSpPr>
+          <p:spPr>
+            <a:xfrm>
+              <a:off x="7904927" y="2485199"/>
+              <a:ext cx="896434" cy="5230"/>
+            </a:xfrm>
+            <a:prstGeom prst="straightConnector1">
+              <a:avLst/>
+            </a:prstGeom>
+            <a:ln>
+              <a:solidFill>
+                <a:schemeClr val="tx1"/>
+              </a:solidFill>
+              <a:headEnd type="triangle"/>
+              <a:tailEnd type="triangle"/>
+            </a:ln>
+          </p:spPr>
+          <p:style>
+            <a:lnRef idx="1">
+              <a:schemeClr val="accent1"/>
+            </a:lnRef>
+            <a:fillRef idx="0">
+              <a:schemeClr val="accent1"/>
+            </a:fillRef>
+            <a:effectRef idx="0">
+              <a:schemeClr val="accent1"/>
+            </a:effectRef>
+            <a:fontRef idx="minor">
+              <a:schemeClr val="tx1"/>
+            </a:fontRef>
+          </p:style>
+        </p:cxnSp>
+        <p:sp>
+          <p:nvSpPr>
+            <p:cNvPr id="40" name="Rectangle 39"/>
+            <p:cNvSpPr/>
+            <p:nvPr/>
+          </p:nvSpPr>
+          <p:spPr>
+            <a:xfrm>
+              <a:off x="4435379" y="1737776"/>
+              <a:ext cx="1437745" cy="671420"/>
+            </a:xfrm>
+            <a:prstGeom prst="rect">
+              <a:avLst/>
+            </a:prstGeom>
+          </p:spPr>
+          <p:style>
+            <a:lnRef idx="2">
+              <a:schemeClr val="accent6">
+                <a:shade val="50000"/>
+              </a:schemeClr>
+            </a:lnRef>
+            <a:fillRef idx="1">
+              <a:schemeClr val="accent6"/>
+            </a:fillRef>
+            <a:effectRef idx="0">
+              <a:schemeClr val="accent6"/>
+            </a:effectRef>
+            <a:fontRef idx="minor">
+              <a:schemeClr val="lt1"/>
+            </a:fontRef>
+          </p:style>
+          <p:txBody>
+            <a:bodyPr rtlCol="0" anchor="ctr"/>
+            <a:lstStyle/>
+            <a:p>
+              <a:pPr algn="ctr"/>
+              <a:endParaRPr lang="en-US"/>
+            </a:p>
+          </p:txBody>
+        </p:sp>
+      </p:grpSp>
     </p:spTree>
     <p:extLst>
       <p:ext uri="{BB962C8B-B14F-4D97-AF65-F5344CB8AC3E}">

--- a/amplitude_sensing_penning.pptx
+++ b/amplitude_sensing_penning.pptx
@@ -7527,7 +7527,7 @@
             <p:nvPr/>
           </p:nvPicPr>
           <p:blipFill>
-            <a:blip r:embed="rId5">
+            <a:blip r:embed="rId5" cstate="hqprint">
               <a:extLst>
                 <a:ext uri="{28A0092B-C50C-407E-A947-70E740481C1C}">
                   <a14:useLocalDpi xmlns:a14="http://schemas.microsoft.com/office/drawing/2010/main" val="0"/>
@@ -9539,6 +9539,13 @@
   <p:clrMapOvr>
     <a:masterClrMapping/>
   </p:clrMapOvr>
+  <p:timing>
+    <p:tnLst>
+      <p:par>
+        <p:cTn id="1" dur="indefinite" restart="never" nodeType="tmRoot"/>
+      </p:par>
+    </p:tnLst>
+  </p:timing>
 </p:sld>
 </file>
 
@@ -9837,8 +9844,8 @@
             </a:fontRef>
           </p:style>
         </p:cxnSp>
-        <mc:AlternateContent xmlns:mc="http://schemas.openxmlformats.org/markup-compatibility/2006">
-          <mc:Choice xmlns:a14="http://schemas.microsoft.com/office/drawing/2010/main" Requires="a14">
+        <mc:AlternateContent xmlns:mc="http://schemas.openxmlformats.org/markup-compatibility/2006" xmlns:a14="http://schemas.microsoft.com/office/drawing/2010/main">
+          <mc:Choice Requires="a14">
             <p:sp>
               <p:nvSpPr>
                 <p:cNvPr id="29" name="TextBox 28"/>
@@ -9901,7 +9908,7 @@
               </p:txBody>
             </p:sp>
           </mc:Choice>
-          <mc:Fallback>
+          <mc:Fallback xmlns="">
             <p:sp>
               <p:nvSpPr>
                 <p:cNvPr id="29" name="TextBox 28"/>
@@ -9940,8 +9947,8 @@
             </p:sp>
           </mc:Fallback>
         </mc:AlternateContent>
-        <mc:AlternateContent xmlns:mc="http://schemas.openxmlformats.org/markup-compatibility/2006">
-          <mc:Choice xmlns:a14="http://schemas.microsoft.com/office/drawing/2010/main" Requires="a14">
+        <mc:AlternateContent xmlns:mc="http://schemas.openxmlformats.org/markup-compatibility/2006" xmlns:a14="http://schemas.microsoft.com/office/drawing/2010/main">
+          <mc:Choice Requires="a14">
             <p:sp>
               <p:nvSpPr>
                 <p:cNvPr id="30" name="TextBox 29"/>
@@ -9985,7 +9992,7 @@
               </p:txBody>
             </p:sp>
           </mc:Choice>
-          <mc:Fallback>
+          <mc:Fallback xmlns="">
             <p:sp>
               <p:nvSpPr>
                 <p:cNvPr id="30" name="TextBox 29"/>
@@ -10024,8 +10031,8 @@
             </p:sp>
           </mc:Fallback>
         </mc:AlternateContent>
-        <mc:AlternateContent xmlns:mc="http://schemas.openxmlformats.org/markup-compatibility/2006">
-          <mc:Choice xmlns:a14="http://schemas.microsoft.com/office/drawing/2010/main" Requires="a14">
+        <mc:AlternateContent xmlns:mc="http://schemas.openxmlformats.org/markup-compatibility/2006" xmlns:a14="http://schemas.microsoft.com/office/drawing/2010/main">
+          <mc:Choice Requires="a14">
             <p:sp>
               <p:nvSpPr>
                 <p:cNvPr id="31" name="TextBox 30"/>
@@ -10096,7 +10103,7 @@
               </p:txBody>
             </p:sp>
           </mc:Choice>
-          <mc:Fallback>
+          <mc:Fallback xmlns="">
             <p:sp>
               <p:nvSpPr>
                 <p:cNvPr id="31" name="TextBox 30"/>
@@ -10135,8 +10142,8 @@
             </p:sp>
           </mc:Fallback>
         </mc:AlternateContent>
-        <mc:AlternateContent xmlns:mc="http://schemas.openxmlformats.org/markup-compatibility/2006">
-          <mc:Choice xmlns:a14="http://schemas.microsoft.com/office/drawing/2010/main" Requires="a14">
+        <mc:AlternateContent xmlns:mc="http://schemas.openxmlformats.org/markup-compatibility/2006" xmlns:a14="http://schemas.microsoft.com/office/drawing/2010/main">
+          <mc:Choice Requires="a14">
             <p:sp>
               <p:nvSpPr>
                 <p:cNvPr id="32" name="TextBox 31"/>
@@ -10207,7 +10214,7 @@
               </p:txBody>
             </p:sp>
           </mc:Choice>
-          <mc:Fallback>
+          <mc:Fallback xmlns="">
             <p:sp>
               <p:nvSpPr>
                 <p:cNvPr id="32" name="TextBox 31"/>
@@ -10458,6 +10465,13 @@
   <p:clrMapOvr>
     <a:masterClrMapping/>
   </p:clrMapOvr>
+  <p:timing>
+    <p:tnLst>
+      <p:par>
+        <p:cTn id="1" dur="indefinite" restart="never" nodeType="tmRoot"/>
+      </p:par>
+    </p:tnLst>
+  </p:timing>
 </p:sld>
 </file>
 
@@ -10689,6 +10703,13 @@
   <p:clrMapOvr>
     <a:masterClrMapping/>
   </p:clrMapOvr>
+  <p:timing>
+    <p:tnLst>
+      <p:par>
+        <p:cTn id="1" dur="indefinite" restart="never" nodeType="tmRoot"/>
+      </p:par>
+    </p:tnLst>
+  </p:timing>
 </p:sld>
 </file>
 
@@ -10815,13 +10836,14 @@
               <a:p>
                 <a:r>
                   <a:rPr lang="en-US" dirty="0"/>
-                  <a:t>20 pm in 5 ms</a:t>
+                  <a:t>20 pm </a:t>
                 </a:r>
+                <a:endParaRPr lang="en-US" dirty="0" smtClean="0"/>
               </a:p>
               <a:p>
                 <a:pPr lvl="1"/>
                 <a:r>
-                  <a:rPr lang="en-US" b="1" dirty="0"/>
+                  <a:rPr lang="en-US" b="1" dirty="0" smtClean="0"/>
                   <a:t>7 </a:t>
                 </a:r>
                 <a:r>
@@ -10943,6 +10965,13 @@
   <p:clrMapOvr>
     <a:masterClrMapping/>
   </p:clrMapOvr>
+  <p:timing>
+    <p:tnLst>
+      <p:par>
+        <p:cTn id="1" dur="indefinite" restart="never" nodeType="tmRoot"/>
+      </p:par>
+    </p:tnLst>
+  </p:timing>
 </p:sld>
 </file>
 
@@ -11030,6 +11059,13 @@
   <p:clrMapOvr>
     <a:masterClrMapping/>
   </p:clrMapOvr>
+  <p:timing>
+    <p:tnLst>
+      <p:par>
+        <p:cTn id="1" dur="indefinite" restart="never" nodeType="tmRoot"/>
+      </p:par>
+    </p:tnLst>
+  </p:timing>
 </p:sld>
 </file>
 
@@ -11106,8 +11142,8 @@
           </a:xfrm>
         </p:spPr>
       </p:pic>
-      <mc:AlternateContent xmlns:mc="http://schemas.openxmlformats.org/markup-compatibility/2006">
-        <mc:Choice xmlns:a14="http://schemas.microsoft.com/office/drawing/2010/main" Requires="a14">
+      <mc:AlternateContent xmlns:mc="http://schemas.openxmlformats.org/markup-compatibility/2006" xmlns:a14="http://schemas.microsoft.com/office/drawing/2010/main">
+        <mc:Choice Requires="a14">
           <p:sp>
             <p:nvSpPr>
               <p:cNvPr id="24" name="TextBox 23"/>
@@ -11130,6 +11166,7 @@
               </a:bodyPr>
               <a:lstStyle/>
               <a:p>
+                <a:pPr/>
                 <a14:m>
                   <m:oMathPara xmlns:m="http://schemas.openxmlformats.org/officeDocument/2006/math">
                     <m:oMathParaPr>
@@ -11174,7 +11211,7 @@
                           <m:f>
                             <m:fPr>
                               <m:ctrlPr>
-                                <a:rPr lang="en-US" sz="2400">
+                                <a:rPr lang="en-US" sz="2400" i="1">
                                   <a:latin typeface="Cambria Math" panose="02040503050406030204" pitchFamily="18" charset="0"/>
                                 </a:rPr>
                               </m:ctrlPr>
@@ -11243,7 +11280,7 @@
             </p:txBody>
           </p:sp>
         </mc:Choice>
-        <mc:Fallback>
+        <mc:Fallback xmlns="">
           <p:sp>
             <p:nvSpPr>
               <p:cNvPr id="24" name="TextBox 23"/>
@@ -11282,8 +11319,8 @@
           </p:sp>
         </mc:Fallback>
       </mc:AlternateContent>
-      <mc:AlternateContent xmlns:mc="http://schemas.openxmlformats.org/markup-compatibility/2006">
-        <mc:Choice xmlns:a14="http://schemas.microsoft.com/office/drawing/2010/main" Requires="a14">
+      <mc:AlternateContent xmlns:mc="http://schemas.openxmlformats.org/markup-compatibility/2006" xmlns:a14="http://schemas.microsoft.com/office/drawing/2010/main">
+        <mc:Choice Requires="a14">
           <p:sp>
             <p:nvSpPr>
               <p:cNvPr id="37" name="Content Placeholder 2"/>
@@ -11501,7 +11538,7 @@
             </p:txBody>
           </p:sp>
         </mc:Choice>
-        <mc:Fallback>
+        <mc:Fallback xmlns="">
           <p:sp>
             <p:nvSpPr>
               <p:cNvPr id="37" name="Content Placeholder 2"/>
@@ -13271,8 +13308,8 @@
           </a:p>
         </p:txBody>
       </p:sp>
-      <mc:AlternateContent xmlns:mc="http://schemas.openxmlformats.org/markup-compatibility/2006">
-        <mc:Choice xmlns:a14="http://schemas.microsoft.com/office/drawing/2010/main" Requires="a14">
+      <mc:AlternateContent xmlns:mc="http://schemas.openxmlformats.org/markup-compatibility/2006" xmlns:a14="http://schemas.microsoft.com/office/drawing/2010/main">
+        <mc:Choice Requires="a14">
           <p:sp>
             <p:nvSpPr>
               <p:cNvPr id="3" name="Content Placeholder 2"/>
@@ -15501,7 +15538,7 @@
             </p:txBody>
           </p:sp>
         </mc:Choice>
-        <mc:Fallback>
+        <mc:Fallback xmlns="">
           <p:sp>
             <p:nvSpPr>
               <p:cNvPr id="3" name="Content Placeholder 2"/>
@@ -15616,6 +15653,13 @@
   <p:clrMapOvr>
     <a:masterClrMapping/>
   </p:clrMapOvr>
+  <p:timing>
+    <p:tnLst>
+      <p:par>
+        <p:cTn id="1" dur="indefinite" restart="never" nodeType="tmRoot"/>
+      </p:par>
+    </p:tnLst>
+  </p:timing>
 </p:sld>
 </file>
 
@@ -16335,8 +16379,8 @@
             </a:fontRef>
           </p:style>
         </p:cxnSp>
-        <mc:AlternateContent xmlns:mc="http://schemas.openxmlformats.org/markup-compatibility/2006">
-          <mc:Choice xmlns:a14="http://schemas.microsoft.com/office/drawing/2010/main" Requires="a14">
+        <mc:AlternateContent xmlns:mc="http://schemas.openxmlformats.org/markup-compatibility/2006" xmlns:a14="http://schemas.microsoft.com/office/drawing/2010/main">
+          <mc:Choice Requires="a14">
             <p:sp>
               <p:nvSpPr>
                 <p:cNvPr id="78" name="TextBox 77"/>
@@ -16415,7 +16459,7 @@
               </p:txBody>
             </p:sp>
           </mc:Choice>
-          <mc:Fallback>
+          <mc:Fallback xmlns="">
             <p:sp>
               <p:nvSpPr>
                 <p:cNvPr id="78" name="TextBox 77"/>
@@ -16454,8 +16498,8 @@
             </p:sp>
           </mc:Fallback>
         </mc:AlternateContent>
-        <mc:AlternateContent xmlns:mc="http://schemas.openxmlformats.org/markup-compatibility/2006">
-          <mc:Choice xmlns:a14="http://schemas.microsoft.com/office/drawing/2010/main" Requires="a14">
+        <mc:AlternateContent xmlns:mc="http://schemas.openxmlformats.org/markup-compatibility/2006" xmlns:a14="http://schemas.microsoft.com/office/drawing/2010/main">
+          <mc:Choice Requires="a14">
             <p:sp>
               <p:nvSpPr>
                 <p:cNvPr id="79" name="TextBox 78"/>
@@ -16534,7 +16578,7 @@
               </p:txBody>
             </p:sp>
           </mc:Choice>
-          <mc:Fallback>
+          <mc:Fallback xmlns="">
             <p:sp>
               <p:nvSpPr>
                 <p:cNvPr id="79" name="TextBox 78"/>
@@ -16573,8 +16617,8 @@
             </p:sp>
           </mc:Fallback>
         </mc:AlternateContent>
-        <mc:AlternateContent xmlns:mc="http://schemas.openxmlformats.org/markup-compatibility/2006">
-          <mc:Choice xmlns:a14="http://schemas.microsoft.com/office/drawing/2010/main" Requires="a14">
+        <mc:AlternateContent xmlns:mc="http://schemas.openxmlformats.org/markup-compatibility/2006" xmlns:a14="http://schemas.microsoft.com/office/drawing/2010/main">
+          <mc:Choice Requires="a14">
             <p:sp>
               <p:nvSpPr>
                 <p:cNvPr id="80" name="TextBox 79"/>
@@ -16653,7 +16697,7 @@
               </p:txBody>
             </p:sp>
           </mc:Choice>
-          <mc:Fallback>
+          <mc:Fallback xmlns="">
             <p:sp>
               <p:nvSpPr>
                 <p:cNvPr id="80" name="TextBox 79"/>
@@ -16692,8 +16736,8 @@
             </p:sp>
           </mc:Fallback>
         </mc:AlternateContent>
-        <mc:AlternateContent xmlns:mc="http://schemas.openxmlformats.org/markup-compatibility/2006">
-          <mc:Choice xmlns:a14="http://schemas.microsoft.com/office/drawing/2010/main" Requires="a14">
+        <mc:AlternateContent xmlns:mc="http://schemas.openxmlformats.org/markup-compatibility/2006" xmlns:a14="http://schemas.microsoft.com/office/drawing/2010/main">
+          <mc:Choice Requires="a14">
             <p:sp>
               <p:nvSpPr>
                 <p:cNvPr id="81" name="TextBox 80"/>
@@ -16772,7 +16816,7 @@
               </p:txBody>
             </p:sp>
           </mc:Choice>
-          <mc:Fallback>
+          <mc:Fallback xmlns="">
             <p:sp>
               <p:nvSpPr>
                 <p:cNvPr id="81" name="TextBox 80"/>
@@ -16811,8 +16855,8 @@
             </p:sp>
           </mc:Fallback>
         </mc:AlternateContent>
-        <mc:AlternateContent xmlns:mc="http://schemas.openxmlformats.org/markup-compatibility/2006">
-          <mc:Choice xmlns:a14="http://schemas.microsoft.com/office/drawing/2010/main" Requires="a14">
+        <mc:AlternateContent xmlns:mc="http://schemas.openxmlformats.org/markup-compatibility/2006" xmlns:a14="http://schemas.microsoft.com/office/drawing/2010/main">
+          <mc:Choice Requires="a14">
             <p:sp>
               <p:nvSpPr>
                 <p:cNvPr id="82" name="TextBox 81"/>
@@ -16929,7 +16973,7 @@
               </p:txBody>
             </p:sp>
           </mc:Choice>
-          <mc:Fallback>
+          <mc:Fallback xmlns="">
             <p:sp>
               <p:nvSpPr>
                 <p:cNvPr id="82" name="TextBox 81"/>
@@ -16968,8 +17012,8 @@
             </p:sp>
           </mc:Fallback>
         </mc:AlternateContent>
-        <mc:AlternateContent xmlns:mc="http://schemas.openxmlformats.org/markup-compatibility/2006">
-          <mc:Choice xmlns:a14="http://schemas.microsoft.com/office/drawing/2010/main" Requires="a14">
+        <mc:AlternateContent xmlns:mc="http://schemas.openxmlformats.org/markup-compatibility/2006" xmlns:a14="http://schemas.microsoft.com/office/drawing/2010/main">
+          <mc:Choice Requires="a14">
             <p:sp>
               <p:nvSpPr>
                 <p:cNvPr id="83" name="TextBox 82"/>
@@ -17086,7 +17130,7 @@
               </p:txBody>
             </p:sp>
           </mc:Choice>
-          <mc:Fallback>
+          <mc:Fallback xmlns="">
             <p:sp>
               <p:nvSpPr>
                 <p:cNvPr id="83" name="TextBox 82"/>
@@ -17297,8 +17341,8 @@
             </a:fontRef>
           </p:style>
         </p:cxnSp>
-        <mc:AlternateContent xmlns:mc="http://schemas.openxmlformats.org/markup-compatibility/2006">
-          <mc:Choice xmlns:a14="http://schemas.microsoft.com/office/drawing/2010/main" Requires="a14">
+        <mc:AlternateContent xmlns:mc="http://schemas.openxmlformats.org/markup-compatibility/2006" xmlns:a14="http://schemas.microsoft.com/office/drawing/2010/main">
+          <mc:Choice Requires="a14">
             <p:sp>
               <p:nvSpPr>
                 <p:cNvPr id="88" name="TextBox 87"/>
@@ -17399,7 +17443,7 @@
               </p:txBody>
             </p:sp>
           </mc:Choice>
-          <mc:Fallback>
+          <mc:Fallback xmlns="">
             <p:sp>
               <p:nvSpPr>
                 <p:cNvPr id="88" name="TextBox 87"/>
@@ -17580,8 +17624,8 @@
             </a:p>
           </p:txBody>
         </p:sp>
-        <mc:AlternateContent xmlns:mc="http://schemas.openxmlformats.org/markup-compatibility/2006">
-          <mc:Choice xmlns:a14="http://schemas.microsoft.com/office/drawing/2010/main" Requires="a14">
+        <mc:AlternateContent xmlns:mc="http://schemas.openxmlformats.org/markup-compatibility/2006" xmlns:a14="http://schemas.microsoft.com/office/drawing/2010/main">
+          <mc:Choice Requires="a14">
             <p:sp>
               <p:nvSpPr>
                 <p:cNvPr id="91" name="TextBox 90"/>
@@ -17682,7 +17726,7 @@
               </p:txBody>
             </p:sp>
           </mc:Choice>
-          <mc:Fallback>
+          <mc:Fallback xmlns="">
             <p:sp>
               <p:nvSpPr>
                 <p:cNvPr id="91" name="TextBox 90"/>
@@ -17721,8 +17765,8 @@
             </p:sp>
           </mc:Fallback>
         </mc:AlternateContent>
-        <mc:AlternateContent xmlns:mc="http://schemas.openxmlformats.org/markup-compatibility/2006">
-          <mc:Choice xmlns:a14="http://schemas.microsoft.com/office/drawing/2010/main" Requires="a14">
+        <mc:AlternateContent xmlns:mc="http://schemas.openxmlformats.org/markup-compatibility/2006" xmlns:a14="http://schemas.microsoft.com/office/drawing/2010/main">
+          <mc:Choice Requires="a14">
             <p:sp>
               <p:nvSpPr>
                 <p:cNvPr id="92" name="TextBox 91"/>
@@ -17804,7 +17848,7 @@
               </p:txBody>
             </p:sp>
           </mc:Choice>
-          <mc:Fallback>
+          <mc:Fallback xmlns="">
             <p:sp>
               <p:nvSpPr>
                 <p:cNvPr id="92" name="TextBox 91"/>
@@ -17843,8 +17887,8 @@
             </p:sp>
           </mc:Fallback>
         </mc:AlternateContent>
-        <mc:AlternateContent xmlns:mc="http://schemas.openxmlformats.org/markup-compatibility/2006">
-          <mc:Choice xmlns:a14="http://schemas.microsoft.com/office/drawing/2010/main" Requires="a14">
+        <mc:AlternateContent xmlns:mc="http://schemas.openxmlformats.org/markup-compatibility/2006" xmlns:a14="http://schemas.microsoft.com/office/drawing/2010/main">
+          <mc:Choice Requires="a14">
             <p:sp>
               <p:nvSpPr>
                 <p:cNvPr id="93" name="TextBox 92"/>
@@ -17926,7 +17970,7 @@
               </p:txBody>
             </p:sp>
           </mc:Choice>
-          <mc:Fallback>
+          <mc:Fallback xmlns="">
             <p:sp>
               <p:nvSpPr>
                 <p:cNvPr id="93" name="TextBox 92"/>
@@ -17966,8 +18010,8 @@
           </mc:Fallback>
         </mc:AlternateContent>
       </p:grpSp>
-      <mc:AlternateContent xmlns:mc="http://schemas.openxmlformats.org/markup-compatibility/2006">
-        <mc:Choice xmlns:a14="http://schemas.microsoft.com/office/drawing/2010/main" Requires="a14">
+      <mc:AlternateContent xmlns:mc="http://schemas.openxmlformats.org/markup-compatibility/2006" xmlns:a14="http://schemas.microsoft.com/office/drawing/2010/main">
+        <mc:Choice Requires="a14">
           <p:sp>
             <p:nvSpPr>
               <p:cNvPr id="96" name="TextBox 95"/>
@@ -18213,7 +18257,7 @@
             </p:txBody>
           </p:sp>
         </mc:Choice>
-        <mc:Fallback>
+        <mc:Fallback xmlns="">
           <p:sp>
             <p:nvSpPr>
               <p:cNvPr id="96" name="TextBox 95"/>
@@ -18252,8 +18296,8 @@
           </p:sp>
         </mc:Fallback>
       </mc:AlternateContent>
-      <mc:AlternateContent xmlns:mc="http://schemas.openxmlformats.org/markup-compatibility/2006">
-        <mc:Choice xmlns:a14="http://schemas.microsoft.com/office/drawing/2010/main" Requires="a14">
+      <mc:AlternateContent xmlns:mc="http://schemas.openxmlformats.org/markup-compatibility/2006" xmlns:a14="http://schemas.microsoft.com/office/drawing/2010/main">
+        <mc:Choice Requires="a14">
           <p:sp>
             <p:nvSpPr>
               <p:cNvPr id="97" name="TextBox 96"/>
@@ -18499,7 +18543,7 @@
             </p:txBody>
           </p:sp>
         </mc:Choice>
-        <mc:Fallback>
+        <mc:Fallback xmlns="">
           <p:sp>
             <p:nvSpPr>
               <p:cNvPr id="97" name="TextBox 96"/>
@@ -18562,7 +18606,7 @@
               <a:lstStyle/>
               <a:p>
                 <a:r>
-                  <a:rPr lang="en-US" sz="2800" dirty="0"/>
+                  <a:rPr lang="en-US" sz="2800" dirty="0" smtClean="0"/>
                   <a:t>For </a:t>
                 </a:r>
                 <a14:m>
@@ -18580,7 +18624,7 @@
                           <a:rPr lang="en-US" sz="2800" b="0" i="1" smtClean="0">
                             <a:latin typeface="Cambria Math" panose="02040503050406030204" pitchFamily="18" charset="0"/>
                           </a:rPr>
-                          <m:t>𝜇</m:t>
+                          <m:t>𝜔</m:t>
                         </m:r>
                       </m:num>
                       <m:den>
@@ -18799,6 +18843,13 @@
   <p:clrMapOvr>
     <a:masterClrMapping/>
   </p:clrMapOvr>
+  <p:timing>
+    <p:tnLst>
+      <p:par>
+        <p:cTn id="1" dur="indefinite" restart="never" nodeType="tmRoot"/>
+      </p:par>
+    </p:tnLst>
+  </p:timing>
 </p:sld>
 </file>
 
@@ -18854,7 +18905,7 @@
         </p:nvGrpSpPr>
         <p:grpSpPr>
           <a:xfrm>
-            <a:off x="24684" y="573072"/>
+            <a:off x="24684" y="687368"/>
             <a:ext cx="11556396" cy="2212653"/>
             <a:chOff x="24684" y="901551"/>
             <a:chExt cx="11556396" cy="2212653"/>
@@ -18890,8 +18941,8 @@
             </a:prstGeom>
           </p:spPr>
         </p:pic>
-        <mc:AlternateContent xmlns:mc="http://schemas.openxmlformats.org/markup-compatibility/2006">
-          <mc:Choice xmlns:a14="http://schemas.microsoft.com/office/drawing/2010/main" Requires="a14">
+        <mc:AlternateContent xmlns:mc="http://schemas.openxmlformats.org/markup-compatibility/2006" xmlns:a14="http://schemas.microsoft.com/office/drawing/2010/main">
+          <mc:Choice Requires="a14">
             <p:sp>
               <p:nvSpPr>
                 <p:cNvPr id="9" name="TextBox 8"/>
@@ -18936,7 +18987,7 @@
               </p:txBody>
             </p:sp>
           </mc:Choice>
-          <mc:Fallback>
+          <mc:Fallback xmlns="">
             <p:sp>
               <p:nvSpPr>
                 <p:cNvPr id="9" name="TextBox 8"/>
@@ -18975,8 +19026,8 @@
             </p:sp>
           </mc:Fallback>
         </mc:AlternateContent>
-        <mc:AlternateContent xmlns:mc="http://schemas.openxmlformats.org/markup-compatibility/2006">
-          <mc:Choice xmlns:a14="http://schemas.microsoft.com/office/drawing/2010/main" Requires="a14">
+        <mc:AlternateContent xmlns:mc="http://schemas.openxmlformats.org/markup-compatibility/2006" xmlns:a14="http://schemas.microsoft.com/office/drawing/2010/main">
+          <mc:Choice Requires="a14">
             <p:sp>
               <p:nvSpPr>
                 <p:cNvPr id="10" name="TextBox 9"/>
@@ -19050,7 +19101,7 @@
               </p:txBody>
             </p:sp>
           </mc:Choice>
-          <mc:Fallback>
+          <mc:Fallback xmlns="">
             <p:sp>
               <p:nvSpPr>
                 <p:cNvPr id="10" name="TextBox 9"/>
@@ -19136,8 +19187,8 @@
             </a:prstGeom>
           </p:spPr>
         </p:pic>
-        <mc:AlternateContent xmlns:mc="http://schemas.openxmlformats.org/markup-compatibility/2006">
-          <mc:Choice xmlns:a14="http://schemas.microsoft.com/office/drawing/2010/main" Requires="a14">
+        <mc:AlternateContent xmlns:mc="http://schemas.openxmlformats.org/markup-compatibility/2006" xmlns:a14="http://schemas.microsoft.com/office/drawing/2010/main">
+          <mc:Choice Requires="a14">
             <p:sp>
               <p:nvSpPr>
                 <p:cNvPr id="13" name="TextBox 12"/>
@@ -19182,7 +19233,7 @@
               </p:txBody>
             </p:sp>
           </mc:Choice>
-          <mc:Fallback>
+          <mc:Fallback xmlns="">
             <p:sp>
               <p:nvSpPr>
                 <p:cNvPr id="13" name="TextBox 12"/>
@@ -19221,8 +19272,8 @@
             </p:sp>
           </mc:Fallback>
         </mc:AlternateContent>
-        <mc:AlternateContent xmlns:mc="http://schemas.openxmlformats.org/markup-compatibility/2006">
-          <mc:Choice xmlns:a14="http://schemas.microsoft.com/office/drawing/2010/main" Requires="a14">
+        <mc:AlternateContent xmlns:mc="http://schemas.openxmlformats.org/markup-compatibility/2006" xmlns:a14="http://schemas.microsoft.com/office/drawing/2010/main">
+          <mc:Choice Requires="a14">
             <p:sp>
               <p:nvSpPr>
                 <p:cNvPr id="15" name="TextBox 14"/>
@@ -19296,7 +19347,7 @@
               </p:txBody>
             </p:sp>
           </mc:Choice>
-          <mc:Fallback>
+          <mc:Fallback xmlns="">
             <p:sp>
               <p:nvSpPr>
                 <p:cNvPr id="15" name="TextBox 14"/>
@@ -19425,8 +19476,8 @@
               </a:prstGeom>
             </p:spPr>
           </p:pic>
-          <mc:AlternateContent xmlns:mc="http://schemas.openxmlformats.org/markup-compatibility/2006">
-            <mc:Choice xmlns:a14="http://schemas.microsoft.com/office/drawing/2010/main" Requires="a14">
+          <mc:AlternateContent xmlns:mc="http://schemas.openxmlformats.org/markup-compatibility/2006" xmlns:a14="http://schemas.microsoft.com/office/drawing/2010/main">
+            <mc:Choice Requires="a14">
               <p:sp>
                 <p:nvSpPr>
                   <p:cNvPr id="21" name="TextBox 20"/>
@@ -19500,7 +19551,7 @@
                 </p:txBody>
               </p:sp>
             </mc:Choice>
-            <mc:Fallback>
+            <mc:Fallback xmlns="">
               <p:sp>
                 <p:nvSpPr>
                   <p:cNvPr id="21" name="TextBox 20"/>
@@ -19539,8 +19590,8 @@
               </p:sp>
             </mc:Fallback>
           </mc:AlternateContent>
-          <mc:AlternateContent xmlns:mc="http://schemas.openxmlformats.org/markup-compatibility/2006">
-            <mc:Choice xmlns:a14="http://schemas.microsoft.com/office/drawing/2010/main" Requires="a14">
+          <mc:AlternateContent xmlns:mc="http://schemas.openxmlformats.org/markup-compatibility/2006" xmlns:a14="http://schemas.microsoft.com/office/drawing/2010/main">
+            <mc:Choice Requires="a14">
               <p:sp>
                 <p:nvSpPr>
                   <p:cNvPr id="22" name="TextBox 21"/>
@@ -19585,7 +19636,7 @@
                 </p:txBody>
               </p:sp>
             </mc:Choice>
-            <mc:Fallback>
+            <mc:Fallback xmlns="">
               <p:sp>
                 <p:nvSpPr>
                   <p:cNvPr id="22" name="TextBox 21"/>
@@ -19715,8 +19766,8 @@
               </a:prstGeom>
             </p:spPr>
           </p:pic>
-          <mc:AlternateContent xmlns:mc="http://schemas.openxmlformats.org/markup-compatibility/2006">
-            <mc:Choice xmlns:a14="http://schemas.microsoft.com/office/drawing/2010/main" Requires="a14">
+          <mc:AlternateContent xmlns:mc="http://schemas.openxmlformats.org/markup-compatibility/2006" xmlns:a14="http://schemas.microsoft.com/office/drawing/2010/main">
+            <mc:Choice Requires="a14">
               <p:sp>
                 <p:nvSpPr>
                   <p:cNvPr id="23" name="TextBox 22"/>
@@ -19761,7 +19812,7 @@
                 </p:txBody>
               </p:sp>
             </mc:Choice>
-            <mc:Fallback>
+            <mc:Fallback xmlns="">
               <p:sp>
                 <p:nvSpPr>
                   <p:cNvPr id="23" name="TextBox 22"/>
@@ -19800,8 +19851,8 @@
               </p:sp>
             </mc:Fallback>
           </mc:AlternateContent>
-          <mc:AlternateContent xmlns:mc="http://schemas.openxmlformats.org/markup-compatibility/2006">
-            <mc:Choice xmlns:a14="http://schemas.microsoft.com/office/drawing/2010/main" Requires="a14">
+          <mc:AlternateContent xmlns:mc="http://schemas.openxmlformats.org/markup-compatibility/2006" xmlns:a14="http://schemas.microsoft.com/office/drawing/2010/main">
+            <mc:Choice Requires="a14">
               <p:sp>
                 <p:nvSpPr>
                   <p:cNvPr id="25" name="TextBox 24"/>
@@ -19875,7 +19926,7 @@
                 </p:txBody>
               </p:sp>
             </mc:Choice>
-            <mc:Fallback>
+            <mc:Fallback xmlns="">
               <p:sp>
                 <p:nvSpPr>
                   <p:cNvPr id="25" name="TextBox 24"/>
@@ -19954,8 +20005,8 @@
         </p:nvCxnSpPr>
         <p:spPr>
           <a:xfrm>
-            <a:off x="9286043" y="2263806"/>
-            <a:ext cx="2024585" cy="1189608"/>
+            <a:off x="9328638" y="2347546"/>
+            <a:ext cx="1981990" cy="1105868"/>
           </a:xfrm>
           <a:prstGeom prst="line">
             <a:avLst/>
@@ -19993,8 +20044,8 @@
         </p:nvCxnSpPr>
         <p:spPr>
           <a:xfrm>
-            <a:off x="6271687" y="2186181"/>
-            <a:ext cx="1379866" cy="1471419"/>
+            <a:off x="6295292" y="2263806"/>
+            <a:ext cx="1356261" cy="1393794"/>
           </a:xfrm>
           <a:prstGeom prst="line">
             <a:avLst/>
@@ -20317,8 +20368,8 @@
             </a:prstGeom>
           </p:spPr>
         </p:pic>
-        <mc:AlternateContent xmlns:mc="http://schemas.openxmlformats.org/markup-compatibility/2006">
-          <mc:Choice xmlns:a14="http://schemas.microsoft.com/office/drawing/2010/main" Requires="a14">
+        <mc:AlternateContent xmlns:mc="http://schemas.openxmlformats.org/markup-compatibility/2006" xmlns:a14="http://schemas.microsoft.com/office/drawing/2010/main">
+          <mc:Choice Requires="a14">
             <p:sp>
               <p:nvSpPr>
                 <p:cNvPr id="2" name="TextBox 1"/>
@@ -20384,7 +20435,7 @@
               </p:txBody>
             </p:sp>
           </mc:Choice>
-          <mc:Fallback>
+          <mc:Fallback xmlns="">
             <p:sp>
               <p:nvSpPr>
                 <p:cNvPr id="2" name="TextBox 1"/>
@@ -20708,7 +20759,7 @@
               <p:spPr>
                 <a:xfrm>
                   <a:off x="2454670" y="2108636"/>
-                  <a:ext cx="1519006" cy="369332"/>
+                  <a:ext cx="1510674" cy="358765"/>
                 </a:xfrm>
                 <a:prstGeom prst="rect">
                   <a:avLst/>
@@ -20721,6 +20772,7 @@
                 </a:bodyPr>
                 <a:lstStyle/>
                 <a:p>
+                  <a:pPr/>
                   <a14:m>
                     <m:oMathPara xmlns:m="http://schemas.openxmlformats.org/officeDocument/2006/math">
                       <m:oMathParaPr>
@@ -20730,18 +20782,37 @@
                         <m:sSub>
                           <m:sSubPr>
                             <m:ctrlPr>
-                              <a:rPr lang="en-US" i="1">
+                              <a:rPr lang="en-US" i="1" smtClean="0">
                                 <a:latin typeface="Cambria Math" panose="02040503050406030204" pitchFamily="18" charset="0"/>
                               </a:rPr>
                             </m:ctrlPr>
                           </m:sSubPr>
                           <m:e>
-                            <m:r>
-                              <a:rPr lang="en-US" b="0" i="1" smtClean="0">
-                                <a:latin typeface="Cambria Math" panose="02040503050406030204" pitchFamily="18" charset="0"/>
-                              </a:rPr>
-                              <m:t>𝐹</m:t>
-                            </m:r>
+                            <m:sSub>
+                              <m:sSubPr>
+                                <m:ctrlPr>
+                                  <a:rPr lang="en-US" b="0" i="1" smtClean="0">
+                                    <a:latin typeface="Cambria Math" panose="02040503050406030204" pitchFamily="18" charset="0"/>
+                                  </a:rPr>
+                                </m:ctrlPr>
+                              </m:sSubPr>
+                              <m:e>
+                                <m:r>
+                                  <a:rPr lang="en-US" b="0" i="1" smtClean="0">
+                                    <a:latin typeface="Cambria Math" panose="02040503050406030204" pitchFamily="18" charset="0"/>
+                                  </a:rPr>
+                                  <m:t>𝐹</m:t>
+                                </m:r>
+                              </m:e>
+                              <m:sub>
+                                <m:r>
+                                  <a:rPr lang="en-US" b="0" i="1" smtClean="0">
+                                    <a:latin typeface="Cambria Math" panose="02040503050406030204" pitchFamily="18" charset="0"/>
+                                  </a:rPr>
+                                  <m:t>0</m:t>
+                                </m:r>
+                              </m:sub>
+                            </m:sSub>
                             <m:r>
                               <a:rPr lang="en-US" b="0" i="1" smtClean="0">
                                 <a:latin typeface="Cambria Math" panose="02040503050406030204" pitchFamily="18" charset="0"/>
@@ -20796,7 +20867,7 @@
               <p:spPr>
                 <a:xfrm>
                   <a:off x="2454670" y="2108636"/>
-                  <a:ext cx="1519006" cy="369332"/>
+                  <a:ext cx="1510674" cy="358765"/>
                 </a:xfrm>
                 <a:prstGeom prst="rect">
                   <a:avLst/>
@@ -20804,7 +20875,7 @@
                 <a:blipFill>
                   <a:blip r:embed="rId9"/>
                   <a:stretch>
-                    <a:fillRect b="-9677"/>
+                    <a:fillRect b="-13333"/>
                   </a:stretch>
                 </a:blipFill>
               </p:spPr>
@@ -21076,7 +21147,7 @@
         </p:nvGrpSpPr>
         <p:grpSpPr>
           <a:xfrm>
-            <a:off x="7097963" y="1335426"/>
+            <a:off x="7097963" y="544121"/>
             <a:ext cx="4573042" cy="4573042"/>
             <a:chOff x="3809479" y="1142479"/>
             <a:chExt cx="4573042" cy="4573042"/>
@@ -21157,7 +21228,7 @@
         </p:nvGrpSpPr>
         <p:grpSpPr>
           <a:xfrm>
-            <a:off x="7097963" y="1335426"/>
+            <a:off x="7097963" y="544121"/>
             <a:ext cx="4573042" cy="4573042"/>
             <a:chOff x="3809479" y="1142479"/>
             <a:chExt cx="4573042" cy="4573042"/>
@@ -21238,7 +21309,7 @@
         </p:nvGrpSpPr>
         <p:grpSpPr>
           <a:xfrm>
-            <a:off x="7097963" y="1335426"/>
+            <a:off x="7097963" y="544121"/>
             <a:ext cx="4573042" cy="4573042"/>
             <a:chOff x="3809479" y="1142479"/>
             <a:chExt cx="4573042" cy="4573042"/>
@@ -21319,7 +21390,7 @@
         </p:nvGrpSpPr>
         <p:grpSpPr>
           <a:xfrm>
-            <a:off x="7097963" y="1335426"/>
+            <a:off x="7097963" y="544121"/>
             <a:ext cx="4573042" cy="4573042"/>
             <a:chOff x="3809479" y="1142479"/>
             <a:chExt cx="4573042" cy="4573042"/>
@@ -21400,7 +21471,7 @@
         </p:nvGrpSpPr>
         <p:grpSpPr>
           <a:xfrm>
-            <a:off x="7097963" y="1335426"/>
+            <a:off x="7097963" y="544121"/>
             <a:ext cx="4573042" cy="4573042"/>
             <a:chOff x="3809479" y="1142479"/>
             <a:chExt cx="4573042" cy="4573042"/>
@@ -21481,7 +21552,7 @@
         </p:nvGrpSpPr>
         <p:grpSpPr>
           <a:xfrm>
-            <a:off x="7097963" y="1335426"/>
+            <a:off x="7097963" y="544121"/>
             <a:ext cx="4573042" cy="4573042"/>
             <a:chOff x="3809479" y="1142479"/>
             <a:chExt cx="4573042" cy="4573042"/>
@@ -21622,7 +21693,7 @@
         </p:nvGrpSpPr>
         <p:grpSpPr>
           <a:xfrm>
-            <a:off x="7097963" y="1335426"/>
+            <a:off x="7097963" y="544121"/>
             <a:ext cx="4573042" cy="4573042"/>
             <a:chOff x="3809479" y="1142479"/>
             <a:chExt cx="4573042" cy="4573042"/>
@@ -21703,7 +21774,7 @@
         </p:nvGrpSpPr>
         <p:grpSpPr>
           <a:xfrm>
-            <a:off x="7097963" y="1335426"/>
+            <a:off x="7097963" y="544121"/>
             <a:ext cx="4573042" cy="4573042"/>
             <a:chOff x="3809479" y="1142479"/>
             <a:chExt cx="4573042" cy="4573042"/>
@@ -21784,7 +21855,7 @@
         </p:nvGrpSpPr>
         <p:grpSpPr>
           <a:xfrm>
-            <a:off x="7097963" y="1335426"/>
+            <a:off x="7097963" y="544121"/>
             <a:ext cx="4573042" cy="4573042"/>
             <a:chOff x="3809479" y="1142479"/>
             <a:chExt cx="4573042" cy="4573042"/>
@@ -21865,7 +21936,7 @@
         </p:nvGrpSpPr>
         <p:grpSpPr>
           <a:xfrm>
-            <a:off x="7097963" y="1335426"/>
+            <a:off x="7097963" y="544121"/>
             <a:ext cx="4573042" cy="4573042"/>
             <a:chOff x="3809479" y="1142479"/>
             <a:chExt cx="4573042" cy="4573042"/>
@@ -21946,7 +22017,7 @@
         </p:nvGrpSpPr>
         <p:grpSpPr>
           <a:xfrm>
-            <a:off x="7097963" y="1335426"/>
+            <a:off x="7097963" y="544121"/>
             <a:ext cx="4573042" cy="4573042"/>
             <a:chOff x="3809479" y="1142479"/>
             <a:chExt cx="4573042" cy="4573042"/>
@@ -22185,7 +22256,7 @@
             </p:nvSpPr>
             <p:spPr>
               <a:xfrm>
-                <a:off x="7382512" y="5757258"/>
+                <a:off x="7420708" y="4758673"/>
                 <a:ext cx="4200771" cy="646331"/>
               </a:xfrm>
               <a:prstGeom prst="rect">
@@ -22290,7 +22361,7 @@
             </p:nvSpPr>
             <p:spPr>
               <a:xfrm>
-                <a:off x="7382512" y="5757258"/>
+                <a:off x="7420708" y="4758673"/>
                 <a:ext cx="4200771" cy="646331"/>
               </a:xfrm>
               <a:prstGeom prst="rect">
@@ -22299,7 +22370,7 @@
               <a:blipFill>
                 <a:blip r:embed="rId15"/>
                 <a:stretch>
-                  <a:fillRect l="-726" t="-4717" b="-14151"/>
+                  <a:fillRect l="-726" t="-5660" b="-14151"/>
                 </a:stretch>
               </a:blipFill>
             </p:spPr>
@@ -23818,6 +23889,309 @@
           </p:sp>
         </mc:Fallback>
       </mc:AlternateContent>
+      <mc:AlternateContent xmlns:mc="http://schemas.openxmlformats.org/markup-compatibility/2006">
+        <mc:Choice xmlns:a14="http://schemas.microsoft.com/office/drawing/2010/main" Requires="a14">
+          <p:sp>
+            <p:nvSpPr>
+              <p:cNvPr id="3" name="Rectangle 2"/>
+              <p:cNvSpPr/>
+              <p:nvPr/>
+            </p:nvSpPr>
+            <p:spPr>
+              <a:xfrm>
+                <a:off x="7570131" y="5745604"/>
+                <a:ext cx="3825534" cy="374270"/>
+              </a:xfrm>
+              <a:prstGeom prst="rect">
+                <a:avLst/>
+              </a:prstGeom>
+            </p:spPr>
+            <p:txBody>
+              <a:bodyPr wrap="none">
+                <a:spAutoFit/>
+              </a:bodyPr>
+              <a:lstStyle/>
+              <a:p>
+                <a14:m>
+                  <m:oMathPara xmlns:m="http://schemas.openxmlformats.org/officeDocument/2006/math">
+                    <m:oMathParaPr>
+                      <m:jc m:val="centerGroup"/>
+                    </m:oMathParaPr>
+                    <m:oMath xmlns:m="http://schemas.openxmlformats.org/officeDocument/2006/math">
+                      <m:sSub>
+                        <m:sSubPr>
+                          <m:ctrlPr>
+                            <a:rPr lang="en-US" i="1" smtClean="0">
+                              <a:latin typeface="Cambria Math" panose="02040503050406030204" pitchFamily="18" charset="0"/>
+                            </a:rPr>
+                          </m:ctrlPr>
+                        </m:sSubPr>
+                        <m:e>
+                          <m:r>
+                            <a:rPr lang="en-US" i="1">
+                              <a:latin typeface="Cambria Math" panose="02040503050406030204" pitchFamily="18" charset="0"/>
+                            </a:rPr>
+                            <m:t>𝐽</m:t>
+                          </m:r>
+                        </m:e>
+                        <m:sub>
+                          <m:r>
+                            <a:rPr lang="en-US" i="1">
+                              <a:latin typeface="Cambria Math" panose="02040503050406030204" pitchFamily="18" charset="0"/>
+                            </a:rPr>
+                            <m:t>0</m:t>
+                          </m:r>
+                        </m:sub>
+                      </m:sSub>
+                      <m:d>
+                        <m:dPr>
+                          <m:ctrlPr>
+                            <a:rPr lang="en-US" i="1">
+                              <a:latin typeface="Cambria Math" panose="02040503050406030204" pitchFamily="18" charset="0"/>
+                            </a:rPr>
+                          </m:ctrlPr>
+                        </m:dPr>
+                        <m:e>
+                          <m:sSub>
+                            <m:sSubPr>
+                              <m:ctrlPr>
+                                <a:rPr lang="en-US" i="1">
+                                  <a:latin typeface="Cambria Math" panose="02040503050406030204" pitchFamily="18" charset="0"/>
+                                  <a:ea typeface="Cambria Math" panose="02040503050406030204" pitchFamily="18" charset="0"/>
+                                </a:rPr>
+                              </m:ctrlPr>
+                            </m:sSubPr>
+                            <m:e>
+                              <m:r>
+                                <a:rPr lang="en-US" i="1">
+                                  <a:latin typeface="Cambria Math" panose="02040503050406030204" pitchFamily="18" charset="0"/>
+                                  <a:ea typeface="Cambria Math" panose="02040503050406030204" pitchFamily="18" charset="0"/>
+                                </a:rPr>
+                                <m:t>𝜃</m:t>
+                              </m:r>
+                            </m:e>
+                            <m:sub>
+                              <m:r>
+                                <a:rPr lang="en-US" i="1">
+                                  <a:latin typeface="Cambria Math" panose="02040503050406030204" pitchFamily="18" charset="0"/>
+                                  <a:ea typeface="Cambria Math" panose="02040503050406030204" pitchFamily="18" charset="0"/>
+                                </a:rPr>
+                                <m:t>𝑚𝑎𝑥</m:t>
+                              </m:r>
+                            </m:sub>
+                          </m:sSub>
+                        </m:e>
+                      </m:d>
+                      <m:r>
+                        <a:rPr lang="en-US" b="0" i="1" smtClean="0">
+                          <a:latin typeface="Cambria Math" panose="02040503050406030204" pitchFamily="18" charset="0"/>
+                          <a:ea typeface="Cambria Math" panose="02040503050406030204" pitchFamily="18" charset="0"/>
+                        </a:rPr>
+                        <m:t>=1−2</m:t>
+                      </m:r>
+                      <m:sSup>
+                        <m:sSupPr>
+                          <m:ctrlPr>
+                            <a:rPr lang="en-US" i="1">
+                              <a:latin typeface="Cambria Math" panose="02040503050406030204" pitchFamily="18" charset="0"/>
+                            </a:rPr>
+                          </m:ctrlPr>
+                        </m:sSupPr>
+                        <m:e>
+                          <m:r>
+                            <a:rPr lang="en-US" i="1">
+                              <a:latin typeface="Cambria Math" panose="02040503050406030204" pitchFamily="18" charset="0"/>
+                            </a:rPr>
+                            <m:t>𝑒</m:t>
+                          </m:r>
+                        </m:e>
+                        <m:sup>
+                          <m:r>
+                            <m:rPr>
+                              <m:sty m:val="p"/>
+                            </m:rPr>
+                            <a:rPr lang="el-GR" i="1">
+                              <a:latin typeface="Cambria Math" panose="02040503050406030204" pitchFamily="18" charset="0"/>
+                              <a:ea typeface="Cambria Math" panose="02040503050406030204" pitchFamily="18" charset="0"/>
+                            </a:rPr>
+                            <m:t>Γ</m:t>
+                          </m:r>
+                          <m:r>
+                            <a:rPr lang="en-US" i="1">
+                              <a:latin typeface="Cambria Math" panose="02040503050406030204" pitchFamily="18" charset="0"/>
+                              <a:ea typeface="Cambria Math" panose="02040503050406030204" pitchFamily="18" charset="0"/>
+                            </a:rPr>
+                            <m:t>𝜏</m:t>
+                          </m:r>
+                        </m:sup>
+                      </m:sSup>
+                      <m:r>
+                        <a:rPr lang="en-US" b="0" i="1" smtClean="0">
+                          <a:latin typeface="Cambria Math" panose="02040503050406030204" pitchFamily="18" charset="0"/>
+                          <a:ea typeface="Cambria Math" panose="02040503050406030204" pitchFamily="18" charset="0"/>
+                        </a:rPr>
+                        <m:t>(</m:t>
+                      </m:r>
+                      <m:d>
+                        <m:dPr>
+                          <m:begChr m:val="⟨"/>
+                          <m:endChr m:val="⟩"/>
+                          <m:ctrlPr>
+                            <a:rPr lang="en-US" i="1">
+                              <a:latin typeface="Cambria Math" panose="02040503050406030204" pitchFamily="18" charset="0"/>
+                            </a:rPr>
+                          </m:ctrlPr>
+                        </m:dPr>
+                        <m:e>
+                          <m:sSub>
+                            <m:sSubPr>
+                              <m:ctrlPr>
+                                <a:rPr lang="en-US" i="1">
+                                  <a:latin typeface="Cambria Math" panose="02040503050406030204" pitchFamily="18" charset="0"/>
+                                </a:rPr>
+                              </m:ctrlPr>
+                            </m:sSubPr>
+                            <m:e>
+                              <m:r>
+                                <a:rPr lang="en-US" i="1">
+                                  <a:latin typeface="Cambria Math" panose="02040503050406030204" pitchFamily="18" charset="0"/>
+                                </a:rPr>
+                                <m:t>𝑃</m:t>
+                              </m:r>
+                            </m:e>
+                            <m:sub>
+                              <m:r>
+                                <a:rPr lang="en-US" i="1">
+                                  <a:latin typeface="Cambria Math" panose="02040503050406030204" pitchFamily="18" charset="0"/>
+                                  <a:ea typeface="Cambria Math" panose="02040503050406030204" pitchFamily="18" charset="0"/>
+                                </a:rPr>
+                                <m:t>↑</m:t>
+                              </m:r>
+                            </m:sub>
+                          </m:sSub>
+                        </m:e>
+                      </m:d>
+                      <m:r>
+                        <a:rPr lang="en-US" b="0" i="1" smtClean="0">
+                          <a:latin typeface="Cambria Math" panose="02040503050406030204" pitchFamily="18" charset="0"/>
+                          <a:ea typeface="Cambria Math" panose="02040503050406030204" pitchFamily="18" charset="0"/>
+                        </a:rPr>
+                        <m:t>−</m:t>
+                      </m:r>
+                      <m:sSub>
+                        <m:sSubPr>
+                          <m:ctrlPr>
+                            <a:rPr lang="en-US" b="0" i="1" smtClean="0">
+                              <a:latin typeface="Cambria Math" panose="02040503050406030204" pitchFamily="18" charset="0"/>
+                              <a:ea typeface="Cambria Math" panose="02040503050406030204" pitchFamily="18" charset="0"/>
+                            </a:rPr>
+                          </m:ctrlPr>
+                        </m:sSubPr>
+                        <m:e>
+                          <m:d>
+                            <m:dPr>
+                              <m:begChr m:val="⟨"/>
+                              <m:endChr m:val="⟩"/>
+                              <m:ctrlPr>
+                                <a:rPr lang="en-US" i="1">
+                                  <a:latin typeface="Cambria Math" panose="02040503050406030204" pitchFamily="18" charset="0"/>
+                                </a:rPr>
+                              </m:ctrlPr>
+                            </m:dPr>
+                            <m:e>
+                              <m:sSub>
+                                <m:sSubPr>
+                                  <m:ctrlPr>
+                                    <a:rPr lang="en-US" i="1">
+                                      <a:latin typeface="Cambria Math" panose="02040503050406030204" pitchFamily="18" charset="0"/>
+                                    </a:rPr>
+                                  </m:ctrlPr>
+                                </m:sSubPr>
+                                <m:e>
+                                  <m:r>
+                                    <a:rPr lang="en-US" i="1">
+                                      <a:latin typeface="Cambria Math" panose="02040503050406030204" pitchFamily="18" charset="0"/>
+                                    </a:rPr>
+                                    <m:t>𝑃</m:t>
+                                  </m:r>
+                                </m:e>
+                                <m:sub>
+                                  <m:r>
+                                    <a:rPr lang="en-US" i="1">
+                                      <a:latin typeface="Cambria Math" panose="02040503050406030204" pitchFamily="18" charset="0"/>
+                                      <a:ea typeface="Cambria Math" panose="02040503050406030204" pitchFamily="18" charset="0"/>
+                                    </a:rPr>
+                                    <m:t>↑</m:t>
+                                  </m:r>
+                                </m:sub>
+                              </m:sSub>
+                            </m:e>
+                          </m:d>
+                        </m:e>
+                        <m:sub>
+                          <m:r>
+                            <a:rPr lang="en-US" b="0" i="1" smtClean="0">
+                              <a:latin typeface="Cambria Math" panose="02040503050406030204" pitchFamily="18" charset="0"/>
+                              <a:ea typeface="Cambria Math" panose="02040503050406030204" pitchFamily="18" charset="0"/>
+                            </a:rPr>
+                            <m:t>𝑏𝑐𝑘</m:t>
+                          </m:r>
+                        </m:sub>
+                      </m:sSub>
+                      <m:r>
+                        <a:rPr lang="en-US" b="0" i="1" smtClean="0">
+                          <a:latin typeface="Cambria Math" panose="02040503050406030204" pitchFamily="18" charset="0"/>
+                          <a:ea typeface="Cambria Math" panose="02040503050406030204" pitchFamily="18" charset="0"/>
+                        </a:rPr>
+                        <m:t>)</m:t>
+                      </m:r>
+                    </m:oMath>
+                  </m:oMathPara>
+                </a14:m>
+                <a:endParaRPr lang="en-US" dirty="0"/>
+              </a:p>
+            </p:txBody>
+          </p:sp>
+        </mc:Choice>
+        <mc:Fallback>
+          <p:sp>
+            <p:nvSpPr>
+              <p:cNvPr id="3" name="Rectangle 2"/>
+              <p:cNvSpPr>
+                <a:spLocks noRot="1" noChangeAspect="1" noMove="1" noResize="1" noEditPoints="1" noAdjustHandles="1" noChangeArrowheads="1" noChangeShapeType="1" noTextEdit="1"/>
+              </p:cNvSpPr>
+              <p:nvPr/>
+            </p:nvSpPr>
+            <p:spPr>
+              <a:xfrm>
+                <a:off x="7570131" y="5745604"/>
+                <a:ext cx="3825534" cy="374270"/>
+              </a:xfrm>
+              <a:prstGeom prst="rect">
+                <a:avLst/>
+              </a:prstGeom>
+              <a:blipFill>
+                <a:blip r:embed="rId23"/>
+                <a:stretch>
+                  <a:fillRect b="-13115"/>
+                </a:stretch>
+              </a:blipFill>
+            </p:spPr>
+            <p:txBody>
+              <a:bodyPr/>
+              <a:lstStyle/>
+              <a:p>
+                <a:r>
+                  <a:rPr lang="en-US">
+                    <a:noFill/>
+                  </a:rPr>
+                  <a:t> </a:t>
+                </a:r>
+              </a:p>
+            </p:txBody>
+          </p:sp>
+        </mc:Fallback>
+      </mc:AlternateContent>
     </p:spTree>
     <p:extLst>
       <p:ext uri="{BB962C8B-B14F-4D97-AF65-F5344CB8AC3E}">
@@ -24475,6 +24849,51 @@
                       </p:childTnLst>
                     </p:cTn>
                   </p:par>
+                  <p:par>
+                    <p:cTn id="58" fill="hold">
+                      <p:stCondLst>
+                        <p:cond delay="indefinite"/>
+                      </p:stCondLst>
+                      <p:childTnLst>
+                        <p:par>
+                          <p:cTn id="59" fill="hold">
+                            <p:stCondLst>
+                              <p:cond delay="0"/>
+                            </p:stCondLst>
+                            <p:childTnLst>
+                              <p:par>
+                                <p:cTn id="60" presetID="1" presetClass="entr" presetSubtype="0" fill="hold" grpId="0" nodeType="clickEffect">
+                                  <p:stCondLst>
+                                    <p:cond delay="0"/>
+                                  </p:stCondLst>
+                                  <p:childTnLst>
+                                    <p:set>
+                                      <p:cBhvr>
+                                        <p:cTn id="61" dur="1" fill="hold">
+                                          <p:stCondLst>
+                                            <p:cond delay="0"/>
+                                          </p:stCondLst>
+                                        </p:cTn>
+                                        <p:tgtEl>
+                                          <p:spTgt spid="3"/>
+                                        </p:tgtEl>
+                                        <p:attrNameLst>
+                                          <p:attrName>style.visibility</p:attrName>
+                                        </p:attrNameLst>
+                                      </p:cBhvr>
+                                      <p:to>
+                                        <p:strVal val="visible"/>
+                                      </p:to>
+                                    </p:set>
+                                  </p:childTnLst>
+                                </p:cTn>
+                              </p:par>
+                            </p:childTnLst>
+                          </p:cTn>
+                        </p:par>
+                      </p:childTnLst>
+                    </p:cTn>
+                  </p:par>
                 </p:childTnLst>
               </p:cTn>
               <p:prevCondLst>
@@ -24499,6 +24918,7 @@
     <p:bldLst>
       <p:bldP spid="2" grpId="0"/>
       <p:bldP spid="9" grpId="0" animBg="1"/>
+      <p:bldP spid="3" grpId="0"/>
     </p:bldLst>
   </p:timing>
 </p:sld>
@@ -25845,6 +26265,13 @@
   <p:clrMapOvr>
     <a:masterClrMapping/>
   </p:clrMapOvr>
+  <p:timing>
+    <p:tnLst>
+      <p:par>
+        <p:cTn id="1" dur="indefinite" restart="never" nodeType="tmRoot"/>
+      </p:par>
+    </p:tnLst>
+  </p:timing>
 </p:sld>
 </file>
 
@@ -25937,8 +26364,8 @@
             <a:chExt cx="6082372" cy="1918653"/>
           </a:xfrm>
         </p:grpSpPr>
-        <mc:AlternateContent xmlns:mc="http://schemas.openxmlformats.org/markup-compatibility/2006">
-          <mc:Choice xmlns:a14="http://schemas.microsoft.com/office/drawing/2010/main" Requires="a14">
+        <mc:AlternateContent xmlns:mc="http://schemas.openxmlformats.org/markup-compatibility/2006" xmlns:a14="http://schemas.microsoft.com/office/drawing/2010/main">
+          <mc:Choice Requires="a14">
             <p:sp>
               <p:nvSpPr>
                 <p:cNvPr id="56" name="TextBox 55"/>
@@ -26039,7 +26466,7 @@
               </p:txBody>
             </p:sp>
           </mc:Choice>
-          <mc:Fallback>
+          <mc:Fallback xmlns="">
             <p:sp>
               <p:nvSpPr>
                 <p:cNvPr id="56" name="TextBox 55"/>
@@ -26317,8 +26744,8 @@
             </p:txBody>
           </p:sp>
         </p:grpSp>
-        <mc:AlternateContent xmlns:mc="http://schemas.openxmlformats.org/markup-compatibility/2006">
-          <mc:Choice xmlns:a14="http://schemas.microsoft.com/office/drawing/2010/main" Requires="a14">
+        <mc:AlternateContent xmlns:mc="http://schemas.openxmlformats.org/markup-compatibility/2006" xmlns:a14="http://schemas.microsoft.com/office/drawing/2010/main">
+          <mc:Choice Requires="a14">
             <p:sp>
               <p:nvSpPr>
                 <p:cNvPr id="46" name="TextBox 45"/>
@@ -26399,7 +26826,7 @@
               </p:txBody>
             </p:sp>
           </mc:Choice>
-          <mc:Fallback>
+          <mc:Fallback xmlns="">
             <p:sp>
               <p:nvSpPr>
                 <p:cNvPr id="46" name="TextBox 45"/>
@@ -26438,8 +26865,8 @@
             </p:sp>
           </mc:Fallback>
         </mc:AlternateContent>
-        <mc:AlternateContent xmlns:mc="http://schemas.openxmlformats.org/markup-compatibility/2006">
-          <mc:Choice xmlns:a14="http://schemas.microsoft.com/office/drawing/2010/main" Requires="a14">
+        <mc:AlternateContent xmlns:mc="http://schemas.openxmlformats.org/markup-compatibility/2006" xmlns:a14="http://schemas.microsoft.com/office/drawing/2010/main">
+          <mc:Choice Requires="a14">
             <p:sp>
               <p:nvSpPr>
                 <p:cNvPr id="49" name="TextBox 48"/>
@@ -26520,7 +26947,7 @@
               </p:txBody>
             </p:sp>
           </mc:Choice>
-          <mc:Fallback>
+          <mc:Fallback xmlns="">
             <p:sp>
               <p:nvSpPr>
                 <p:cNvPr id="49" name="TextBox 48"/>
@@ -26705,8 +27132,8 @@
             </a:p>
           </p:txBody>
         </p:sp>
-        <mc:AlternateContent xmlns:mc="http://schemas.openxmlformats.org/markup-compatibility/2006">
-          <mc:Choice xmlns:a14="http://schemas.microsoft.com/office/drawing/2010/main" Requires="a14">
+        <mc:AlternateContent xmlns:mc="http://schemas.openxmlformats.org/markup-compatibility/2006" xmlns:a14="http://schemas.microsoft.com/office/drawing/2010/main">
+          <mc:Choice Requires="a14">
             <p:sp>
               <p:nvSpPr>
                 <p:cNvPr id="59" name="TextBox 58"/>
@@ -26809,7 +27236,7 @@
               </p:txBody>
             </p:sp>
           </mc:Choice>
-          <mc:Fallback>
+          <mc:Fallback xmlns="">
             <p:sp>
               <p:nvSpPr>
                 <p:cNvPr id="59" name="TextBox 58"/>
@@ -26848,8 +27275,8 @@
             </p:sp>
           </mc:Fallback>
         </mc:AlternateContent>
-        <mc:AlternateContent xmlns:mc="http://schemas.openxmlformats.org/markup-compatibility/2006">
-          <mc:Choice xmlns:a14="http://schemas.microsoft.com/office/drawing/2010/main" Requires="a14">
+        <mc:AlternateContent xmlns:mc="http://schemas.openxmlformats.org/markup-compatibility/2006" xmlns:a14="http://schemas.microsoft.com/office/drawing/2010/main">
+          <mc:Choice Requires="a14">
             <p:sp>
               <p:nvSpPr>
                 <p:cNvPr id="60" name="TextBox 59"/>
@@ -26933,7 +27360,7 @@
               </p:txBody>
             </p:sp>
           </mc:Choice>
-          <mc:Fallback>
+          <mc:Fallback xmlns="">
             <p:sp>
               <p:nvSpPr>
                 <p:cNvPr id="60" name="TextBox 59"/>
@@ -27096,6 +27523,13 @@
   <p:clrMapOvr>
     <a:masterClrMapping/>
   </p:clrMapOvr>
+  <p:timing>
+    <p:tnLst>
+      <p:par>
+        <p:cTn id="1" dur="indefinite" restart="never" nodeType="tmRoot"/>
+      </p:par>
+    </p:tnLst>
+  </p:timing>
 </p:sld>
 </file>
 

--- a/amplitude_sensing_penning.pptx
+++ b/amplitude_sensing_penning.pptx
@@ -9539,13 +9539,6 @@
   <p:clrMapOvr>
     <a:masterClrMapping/>
   </p:clrMapOvr>
-  <p:timing>
-    <p:tnLst>
-      <p:par>
-        <p:cTn id="1" dur="indefinite" restart="never" nodeType="tmRoot"/>
-      </p:par>
-    </p:tnLst>
-  </p:timing>
 </p:sld>
 </file>
 
@@ -10465,13 +10458,6 @@
   <p:clrMapOvr>
     <a:masterClrMapping/>
   </p:clrMapOvr>
-  <p:timing>
-    <p:tnLst>
-      <p:par>
-        <p:cTn id="1" dur="indefinite" restart="never" nodeType="tmRoot"/>
-      </p:par>
-    </p:tnLst>
-  </p:timing>
 </p:sld>
 </file>
 
@@ -10520,61 +10506,6 @@
               </a:rPr>
               <a:t>On-resonance, background not understood – sensitivity limited</a:t>
             </a:r>
-          </a:p>
-        </p:txBody>
-      </p:sp>
-      <p:sp>
-        <p:nvSpPr>
-          <p:cNvPr id="2" name="Rectangle 1"/>
-          <p:cNvSpPr/>
-          <p:nvPr/>
-        </p:nvSpPr>
-        <p:spPr>
-          <a:xfrm>
-            <a:off x="7886100" y="1503873"/>
-            <a:ext cx="2492887" cy="398740"/>
-          </a:xfrm>
-          <a:prstGeom prst="rect">
-            <a:avLst/>
-          </a:prstGeom>
-        </p:spPr>
-        <p:txBody>
-          <a:bodyPr wrap="none">
-            <a:spAutoFit/>
-          </a:bodyPr>
-          <a:lstStyle/>
-          <a:p>
-            <a:r>
-              <a:rPr lang="en-US" b="1" dirty="0">
-                <a:latin typeface="Calibri" panose="020F0502020204030204" pitchFamily="34" charset="0"/>
-              </a:rPr>
-              <a:t>0.74 </a:t>
-            </a:r>
-            <a:r>
-              <a:rPr lang="en-US" b="1" dirty="0" err="1">
-                <a:latin typeface="Calibri" panose="020F0502020204030204" pitchFamily="34" charset="0"/>
-              </a:rPr>
-              <a:t>yN</a:t>
-            </a:r>
-            <a:r>
-              <a:rPr lang="en-US" b="1" dirty="0">
-                <a:latin typeface="Calibri" panose="020F0502020204030204" pitchFamily="34" charset="0"/>
-              </a:rPr>
-              <a:t>/ion, 4.5 </a:t>
-            </a:r>
-            <a:r>
-              <a:rPr lang="en-US" b="1" dirty="0" err="1">
-                <a:latin typeface="Calibri" panose="020F0502020204030204" pitchFamily="34" charset="0"/>
-              </a:rPr>
-              <a:t>uV</a:t>
-            </a:r>
-            <a:r>
-              <a:rPr lang="en-US" b="1" dirty="0">
-                <a:latin typeface="Calibri" panose="020F0502020204030204" pitchFamily="34" charset="0"/>
-              </a:rPr>
-              <a:t>/m</a:t>
-            </a:r>
-            <a:endParaRPr lang="en-US" dirty="0"/>
           </a:p>
         </p:txBody>
       </p:sp>
@@ -10663,36 +10594,106 @@
           </a:prstGeom>
         </p:spPr>
       </p:pic>
-      <p:pic>
-        <p:nvPicPr>
-          <p:cNvPr id="11" name="Picture 10"/>
-          <p:cNvPicPr>
-            <a:picLocks noChangeAspect="1"/>
-          </p:cNvPicPr>
+      <p:grpSp>
+        <p:nvGrpSpPr>
+          <p:cNvPr id="3" name="Group 2"/>
+          <p:cNvGrpSpPr/>
           <p:nvPr/>
-        </p:nvPicPr>
-        <p:blipFill>
-          <a:blip r:embed="rId3">
-            <a:extLst>
-              <a:ext uri="{28A0092B-C50C-407E-A947-70E740481C1C}">
-                <a14:useLocalDpi xmlns:a14="http://schemas.microsoft.com/office/drawing/2010/main" val="0"/>
-              </a:ext>
-            </a:extLst>
-          </a:blip>
-          <a:stretch>
-            <a:fillRect/>
-          </a:stretch>
-        </p:blipFill>
-        <p:spPr>
+        </p:nvGrpSpPr>
+        <p:grpSpPr>
           <a:xfrm>
-            <a:off x="5972712" y="1886053"/>
-            <a:ext cx="6319662" cy="4213107"/>
+            <a:off x="5972712" y="1503873"/>
+            <a:ext cx="6319662" cy="4595287"/>
+            <a:chOff x="5972712" y="1503873"/>
+            <a:chExt cx="6319662" cy="4595287"/>
           </a:xfrm>
-          <a:prstGeom prst="rect">
-            <a:avLst/>
-          </a:prstGeom>
-        </p:spPr>
-      </p:pic>
+        </p:grpSpPr>
+        <p:sp>
+          <p:nvSpPr>
+            <p:cNvPr id="2" name="Rectangle 1"/>
+            <p:cNvSpPr/>
+            <p:nvPr/>
+          </p:nvSpPr>
+          <p:spPr>
+            <a:xfrm>
+              <a:off x="7886100" y="1503873"/>
+              <a:ext cx="2492887" cy="398740"/>
+            </a:xfrm>
+            <a:prstGeom prst="rect">
+              <a:avLst/>
+            </a:prstGeom>
+          </p:spPr>
+          <p:txBody>
+            <a:bodyPr wrap="none">
+              <a:spAutoFit/>
+            </a:bodyPr>
+            <a:lstStyle/>
+            <a:p>
+              <a:r>
+                <a:rPr lang="en-US" b="1" dirty="0">
+                  <a:latin typeface="Calibri" panose="020F0502020204030204" pitchFamily="34" charset="0"/>
+                </a:rPr>
+                <a:t>0.74 </a:t>
+              </a:r>
+              <a:r>
+                <a:rPr lang="en-US" b="1" dirty="0" err="1">
+                  <a:latin typeface="Calibri" panose="020F0502020204030204" pitchFamily="34" charset="0"/>
+                </a:rPr>
+                <a:t>yN</a:t>
+              </a:r>
+              <a:r>
+                <a:rPr lang="en-US" b="1" dirty="0">
+                  <a:latin typeface="Calibri" panose="020F0502020204030204" pitchFamily="34" charset="0"/>
+                </a:rPr>
+                <a:t>/ion, 4.5 </a:t>
+              </a:r>
+              <a:r>
+                <a:rPr lang="en-US" b="1" dirty="0" err="1">
+                  <a:latin typeface="Calibri" panose="020F0502020204030204" pitchFamily="34" charset="0"/>
+                </a:rPr>
+                <a:t>uV</a:t>
+              </a:r>
+              <a:r>
+                <a:rPr lang="en-US" b="1" dirty="0">
+                  <a:latin typeface="Calibri" panose="020F0502020204030204" pitchFamily="34" charset="0"/>
+                </a:rPr>
+                <a:t>/m</a:t>
+              </a:r>
+              <a:endParaRPr lang="en-US" dirty="0"/>
+            </a:p>
+          </p:txBody>
+        </p:sp>
+        <p:pic>
+          <p:nvPicPr>
+            <p:cNvPr id="11" name="Picture 10"/>
+            <p:cNvPicPr>
+              <a:picLocks noChangeAspect="1"/>
+            </p:cNvPicPr>
+            <p:nvPr/>
+          </p:nvPicPr>
+          <p:blipFill>
+            <a:blip r:embed="rId3">
+              <a:extLst>
+                <a:ext uri="{28A0092B-C50C-407E-A947-70E740481C1C}">
+                  <a14:useLocalDpi xmlns:a14="http://schemas.microsoft.com/office/drawing/2010/main" val="0"/>
+                </a:ext>
+              </a:extLst>
+            </a:blip>
+            <a:stretch>
+              <a:fillRect/>
+            </a:stretch>
+          </p:blipFill>
+          <p:spPr>
+            <a:xfrm>
+              <a:off x="5972712" y="1886053"/>
+              <a:ext cx="6319662" cy="4213107"/>
+            </a:xfrm>
+            <a:prstGeom prst="rect">
+              <a:avLst/>
+            </a:prstGeom>
+          </p:spPr>
+        </p:pic>
+      </p:grpSp>
     </p:spTree>
     <p:extLst>
       <p:ext uri="{BB962C8B-B14F-4D97-AF65-F5344CB8AC3E}">
@@ -10706,7 +10707,75 @@
   <p:timing>
     <p:tnLst>
       <p:par>
-        <p:cTn id="1" dur="indefinite" restart="never" nodeType="tmRoot"/>
+        <p:cTn id="1" dur="indefinite" restart="never" nodeType="tmRoot">
+          <p:childTnLst>
+            <p:seq concurrent="1" nextAc="seek">
+              <p:cTn id="2" dur="indefinite" nodeType="mainSeq">
+                <p:childTnLst>
+                  <p:par>
+                    <p:cTn id="3" fill="hold">
+                      <p:stCondLst>
+                        <p:cond delay="indefinite"/>
+                      </p:stCondLst>
+                      <p:childTnLst>
+                        <p:par>
+                          <p:cTn id="4" fill="hold">
+                            <p:stCondLst>
+                              <p:cond delay="0"/>
+                            </p:stCondLst>
+                            <p:childTnLst>
+                              <p:par>
+                                <p:cTn id="5" presetID="1" presetClass="entr" presetSubtype="0" fill="hold" nodeType="clickEffect">
+                                  <p:stCondLst>
+                                    <p:cond delay="0"/>
+                                  </p:stCondLst>
+                                  <p:childTnLst>
+                                    <p:set>
+                                      <p:cBhvr>
+                                        <p:cTn id="6" dur="1" fill="hold">
+                                          <p:stCondLst>
+                                            <p:cond delay="0"/>
+                                          </p:stCondLst>
+                                        </p:cTn>
+                                        <p:tgtEl>
+                                          <p:spTgt spid="3"/>
+                                        </p:tgtEl>
+                                        <p:attrNameLst>
+                                          <p:attrName>style.visibility</p:attrName>
+                                        </p:attrNameLst>
+                                      </p:cBhvr>
+                                      <p:to>
+                                        <p:strVal val="visible"/>
+                                      </p:to>
+                                    </p:set>
+                                  </p:childTnLst>
+                                </p:cTn>
+                              </p:par>
+                            </p:childTnLst>
+                          </p:cTn>
+                        </p:par>
+                      </p:childTnLst>
+                    </p:cTn>
+                  </p:par>
+                </p:childTnLst>
+              </p:cTn>
+              <p:prevCondLst>
+                <p:cond evt="onPrev" delay="0">
+                  <p:tgtEl>
+                    <p:sldTgt/>
+                  </p:tgtEl>
+                </p:cond>
+              </p:prevCondLst>
+              <p:nextCondLst>
+                <p:cond evt="onNext" delay="0">
+                  <p:tgtEl>
+                    <p:sldTgt/>
+                  </p:tgtEl>
+                </p:cond>
+              </p:nextCondLst>
+            </p:seq>
+          </p:childTnLst>
+        </p:cTn>
       </p:par>
     </p:tnLst>
   </p:timing>
@@ -10838,12 +10907,11 @@
                   <a:rPr lang="en-US" dirty="0"/>
                   <a:t>20 pm </a:t>
                 </a:r>
-                <a:endParaRPr lang="en-US" dirty="0" smtClean="0"/>
               </a:p>
               <a:p>
                 <a:pPr lvl="1"/>
                 <a:r>
-                  <a:rPr lang="en-US" b="1" dirty="0" smtClean="0"/>
+                  <a:rPr lang="en-US" b="1" dirty="0"/>
                   <a:t>7 </a:t>
                 </a:r>
                 <a:r>
@@ -10857,9 +10925,38 @@
               </a:p>
               <a:p>
                 <a:pPr lvl="1"/>
+                <a14:m>
+                  <m:oMath xmlns:m="http://schemas.openxmlformats.org/officeDocument/2006/math">
+                    <m:sSup>
+                      <m:sSupPr>
+                        <m:ctrlPr>
+                          <a:rPr lang="en-US" b="0" i="1" smtClean="0">
+                            <a:latin typeface="Cambria Math" panose="02040503050406030204" pitchFamily="18" charset="0"/>
+                          </a:rPr>
+                        </m:ctrlPr>
+                      </m:sSupPr>
+                      <m:e>
+                        <m:r>
+                          <a:rPr lang="en-US" b="0" i="1" smtClean="0">
+                            <a:latin typeface="Cambria Math" panose="02040503050406030204" pitchFamily="18" charset="0"/>
+                          </a:rPr>
+                          <m:t>10</m:t>
+                        </m:r>
+                      </m:e>
+                      <m:sup>
+                        <m:r>
+                          <a:rPr lang="en-US" b="0" i="1" smtClean="0">
+                            <a:latin typeface="Cambria Math" panose="02040503050406030204" pitchFamily="18" charset="0"/>
+                          </a:rPr>
+                          <m:t>−3</m:t>
+                        </m:r>
+                      </m:sup>
+                    </m:sSup>
+                  </m:oMath>
+                </a14:m>
                 <a:r>
                   <a:rPr lang="en-US" dirty="0"/>
-                  <a:t>10^-3 </a:t>
+                  <a:t> </a:t>
                 </a:r>
                 <a:r>
                   <a:rPr lang="en-US" dirty="0" err="1"/>
@@ -10965,13 +11062,6 @@
   <p:clrMapOvr>
     <a:masterClrMapping/>
   </p:clrMapOvr>
-  <p:timing>
-    <p:tnLst>
-      <p:par>
-        <p:cTn id="1" dur="indefinite" restart="never" nodeType="tmRoot"/>
-      </p:par>
-    </p:tnLst>
-  </p:timing>
 </p:sld>
 </file>
 
@@ -11059,13 +11149,6 @@
   <p:clrMapOvr>
     <a:masterClrMapping/>
   </p:clrMapOvr>
-  <p:timing>
-    <p:tnLst>
-      <p:par>
-        <p:cTn id="1" dur="indefinite" restart="never" nodeType="tmRoot"/>
-      </p:par>
-    </p:tnLst>
-  </p:timing>
 </p:sld>
 </file>
 
@@ -13308,8 +13391,8 @@
           </a:p>
         </p:txBody>
       </p:sp>
-      <mc:AlternateContent xmlns:mc="http://schemas.openxmlformats.org/markup-compatibility/2006" xmlns:a14="http://schemas.microsoft.com/office/drawing/2010/main">
-        <mc:Choice Requires="a14">
+      <mc:AlternateContent xmlns:mc="http://schemas.openxmlformats.org/markup-compatibility/2006">
+        <mc:Choice xmlns:a14="http://schemas.microsoft.com/office/drawing/2010/main" Requires="a14">
           <p:sp>
             <p:nvSpPr>
               <p:cNvPr id="3" name="Content Placeholder 2"/>
@@ -13322,8 +13405,8 @@
             </p:nvSpPr>
             <p:spPr>
               <a:xfrm>
-                <a:off x="838200" y="1419226"/>
-                <a:ext cx="10515600" cy="5114924"/>
+                <a:off x="838199" y="1419226"/>
+                <a:ext cx="10780643" cy="5114924"/>
               </a:xfrm>
             </p:spPr>
             <p:txBody>
@@ -13344,7 +13427,7 @@
                       <m:sSub>
                         <m:sSubPr>
                           <m:ctrlPr>
-                            <a:rPr lang="en-US" sz="2200" i="1" smtClean="0">
+                            <a:rPr lang="en-US" sz="2400" i="1" smtClean="0">
                               <a:latin typeface="Cambria Math" panose="02040503050406030204" pitchFamily="18" charset="0"/>
                               <a:ea typeface="Cambria Math" panose="02040503050406030204" pitchFamily="18" charset="0"/>
                             </a:rPr>
@@ -13352,7 +13435,7 @@
                         </m:sSubPr>
                         <m:e>
                           <m:r>
-                            <a:rPr lang="en-US" sz="2200" b="0" i="1" smtClean="0">
+                            <a:rPr lang="en-US" sz="2400" b="0" i="1" smtClean="0">
                               <a:latin typeface="Cambria Math" panose="02040503050406030204" pitchFamily="18" charset="0"/>
                               <a:ea typeface="Cambria Math" panose="02040503050406030204" pitchFamily="18" charset="0"/>
                             </a:rPr>
@@ -13361,7 +13444,7 @@
                         </m:e>
                         <m:sub>
                           <m:r>
-                            <a:rPr lang="en-US" sz="2200" b="0" i="1" smtClean="0">
+                            <a:rPr lang="en-US" sz="2400" b="0" i="1" smtClean="0">
                               <a:latin typeface="Cambria Math" panose="02040503050406030204" pitchFamily="18" charset="0"/>
                               <a:ea typeface="Cambria Math" panose="02040503050406030204" pitchFamily="18" charset="0"/>
                             </a:rPr>
@@ -13370,14 +13453,14 @@
                         </m:sub>
                       </m:sSub>
                       <m:r>
-                        <a:rPr lang="en-US" sz="2200" b="0" i="1" smtClean="0">
+                        <a:rPr lang="en-US" sz="2400" b="0" i="1" smtClean="0">
                           <a:latin typeface="Cambria Math" panose="02040503050406030204" pitchFamily="18" charset="0"/>
                           <a:ea typeface="Cambria Math" panose="02040503050406030204" pitchFamily="18" charset="0"/>
                         </a:rPr>
                         <m:t>=</m:t>
                       </m:r>
                       <m:r>
-                        <a:rPr lang="en-US" sz="2200" b="0" i="1" smtClean="0">
+                        <a:rPr lang="en-US" sz="2400" b="0" i="1" smtClean="0">
                           <a:latin typeface="Cambria Math" panose="02040503050406030204" pitchFamily="18" charset="0"/>
                           <a:ea typeface="Cambria Math" panose="02040503050406030204" pitchFamily="18" charset="0"/>
                         </a:rPr>
@@ -13388,7 +13471,7 @@
                           <m:chr m:val="∑"/>
                           <m:supHide m:val="on"/>
                           <m:ctrlPr>
-                            <a:rPr lang="en-US" sz="2200" b="0" i="1" smtClean="0">
+                            <a:rPr lang="en-US" sz="2400" b="0" i="1" smtClean="0">
                               <a:latin typeface="Cambria Math" panose="02040503050406030204" pitchFamily="18" charset="0"/>
                               <a:ea typeface="Cambria Math" panose="02040503050406030204" pitchFamily="18" charset="0"/>
                             </a:rPr>
@@ -13399,7 +13482,7 @@
                             <m:rPr>
                               <m:brk m:alnAt="7"/>
                             </m:rPr>
-                            <a:rPr lang="en-US" sz="2200" b="0" i="1" smtClean="0">
+                            <a:rPr lang="en-US" sz="2400" b="0" i="1" smtClean="0">
                               <a:latin typeface="Cambria Math" panose="02040503050406030204" pitchFamily="18" charset="0"/>
                               <a:ea typeface="Cambria Math" panose="02040503050406030204" pitchFamily="18" charset="0"/>
                             </a:rPr>
@@ -13411,7 +13494,7 @@
                           <m:func>
                             <m:funcPr>
                               <m:ctrlPr>
-                                <a:rPr lang="en-US" sz="2200" b="0" i="1" smtClean="0">
+                                <a:rPr lang="en-US" sz="2400" b="0" i="1" smtClean="0">
                                   <a:latin typeface="Cambria Math" panose="02040503050406030204" pitchFamily="18" charset="0"/>
                                   <a:ea typeface="Cambria Math" panose="02040503050406030204" pitchFamily="18" charset="0"/>
                                 </a:rPr>
@@ -13422,7 +13505,7 @@
                                 <m:rPr>
                                   <m:sty m:val="p"/>
                                 </m:rPr>
-                                <a:rPr lang="en-US" sz="2200" b="0" i="0" smtClean="0">
+                                <a:rPr lang="en-US" sz="2400" b="0" i="0" smtClean="0">
                                   <a:latin typeface="Cambria Math" panose="02040503050406030204" pitchFamily="18" charset="0"/>
                                   <a:ea typeface="Cambria Math" panose="02040503050406030204" pitchFamily="18" charset="0"/>
                                 </a:rPr>
@@ -13435,7 +13518,7 @@
                                   <m:begChr m:val="["/>
                                   <m:endChr m:val="]"/>
                                   <m:ctrlPr>
-                                    <a:rPr lang="en-US" sz="2200" i="1">
+                                    <a:rPr lang="en-US" sz="2400" i="1">
                                       <a:latin typeface="Cambria Math" panose="02040503050406030204" pitchFamily="18" charset="0"/>
                                       <a:ea typeface="Cambria Math" panose="02040503050406030204" pitchFamily="18" charset="0"/>
                                     </a:rPr>
@@ -13443,21 +13526,21 @@
                                 </m:dPr>
                                 <m:e>
                                   <m:r>
-                                    <a:rPr lang="en-US" sz="2200" i="1">
+                                    <a:rPr lang="en-US" sz="2400" i="1">
                                       <a:latin typeface="Cambria Math" panose="02040503050406030204" pitchFamily="18" charset="0"/>
                                       <a:ea typeface="Cambria Math" panose="02040503050406030204" pitchFamily="18" charset="0"/>
                                     </a:rPr>
                                     <m:t>𝛿</m:t>
                                   </m:r>
                                   <m:r>
-                                    <a:rPr lang="en-US" sz="2200" i="1">
+                                    <a:rPr lang="en-US" sz="2400" i="1">
                                       <a:latin typeface="Cambria Math" panose="02040503050406030204" pitchFamily="18" charset="0"/>
                                       <a:ea typeface="Cambria Math" panose="02040503050406030204" pitchFamily="18" charset="0"/>
                                     </a:rPr>
                                     <m:t>𝑘</m:t>
                                   </m:r>
                                   <m:r>
-                                    <a:rPr lang="en-US" sz="2200" i="1">
+                                    <a:rPr lang="en-US" sz="2400" i="1">
                                       <a:latin typeface="Cambria Math" panose="02040503050406030204" pitchFamily="18" charset="0"/>
                                       <a:ea typeface="Cambria Math" panose="02040503050406030204" pitchFamily="18" charset="0"/>
                                     </a:rPr>
@@ -13466,7 +13549,7 @@
                                   <m:sSub>
                                     <m:sSubPr>
                                       <m:ctrlPr>
-                                        <a:rPr lang="en-US" sz="2200" i="1">
+                                        <a:rPr lang="en-US" sz="2400" i="1">
                                           <a:latin typeface="Cambria Math" panose="02040503050406030204" pitchFamily="18" charset="0"/>
                                           <a:ea typeface="Cambria Math" panose="02040503050406030204" pitchFamily="18" charset="0"/>
                                         </a:rPr>
@@ -13474,7 +13557,7 @@
                                     </m:sSubPr>
                                     <m:e>
                                       <m:r>
-                                        <a:rPr lang="en-US" sz="2200" i="1">
+                                        <a:rPr lang="en-US" sz="2400" i="1">
                                           <a:latin typeface="Cambria Math" panose="02040503050406030204" pitchFamily="18" charset="0"/>
                                           <a:ea typeface="Cambria Math" panose="02040503050406030204" pitchFamily="18" charset="0"/>
                                         </a:rPr>
@@ -13483,7 +13566,7 @@
                                     </m:e>
                                     <m:sub>
                                       <m:r>
-                                        <a:rPr lang="en-US" sz="2200" i="1">
+                                        <a:rPr lang="en-US" sz="2400" i="1">
                                           <a:latin typeface="Cambria Math" panose="02040503050406030204" pitchFamily="18" charset="0"/>
                                           <a:ea typeface="Cambria Math" panose="02040503050406030204" pitchFamily="18" charset="0"/>
                                         </a:rPr>
@@ -13492,21 +13575,21 @@
                                     </m:sub>
                                   </m:sSub>
                                   <m:r>
-                                    <a:rPr lang="en-US" sz="2200" i="1">
+                                    <a:rPr lang="en-US" sz="2400" i="1">
                                       <a:latin typeface="Cambria Math" panose="02040503050406030204" pitchFamily="18" charset="0"/>
                                       <a:ea typeface="Cambria Math" panose="02040503050406030204" pitchFamily="18" charset="0"/>
                                     </a:rPr>
                                     <m:t>−</m:t>
                                   </m:r>
                                   <m:r>
-                                    <a:rPr lang="en-US" sz="2200" i="1">
+                                    <a:rPr lang="en-US" sz="2400" i="1">
                                       <a:latin typeface="Cambria Math" panose="02040503050406030204" pitchFamily="18" charset="0"/>
                                       <a:ea typeface="Cambria Math" panose="02040503050406030204" pitchFamily="18" charset="0"/>
                                     </a:rPr>
                                     <m:t>𝜇</m:t>
                                   </m:r>
                                   <m:r>
-                                    <a:rPr lang="en-US" sz="2200" i="1">
+                                    <a:rPr lang="en-US" sz="2400" i="1">
                                       <a:latin typeface="Cambria Math" panose="02040503050406030204" pitchFamily="18" charset="0"/>
                                       <a:ea typeface="Cambria Math" panose="02040503050406030204" pitchFamily="18" charset="0"/>
                                     </a:rPr>
@@ -13519,7 +13602,7 @@
                           <m:sSubSup>
                             <m:sSubSupPr>
                               <m:ctrlPr>
-                                <a:rPr lang="en-US" sz="2200" b="0" i="1" smtClean="0">
+                                <a:rPr lang="en-US" sz="2400" b="0" i="1" smtClean="0">
                                   <a:latin typeface="Cambria Math" panose="02040503050406030204" pitchFamily="18" charset="0"/>
                                   <a:ea typeface="Cambria Math" panose="02040503050406030204" pitchFamily="18" charset="0"/>
                                 </a:rPr>
@@ -13527,7 +13610,7 @@
                             </m:sSubSupPr>
                             <m:e>
                               <m:r>
-                                <a:rPr lang="en-US" sz="2200" b="0" i="1" smtClean="0">
+                                <a:rPr lang="en-US" sz="2400" b="0" i="1" smtClean="0">
                                   <a:latin typeface="Cambria Math" panose="02040503050406030204" pitchFamily="18" charset="0"/>
                                   <a:ea typeface="Cambria Math" panose="02040503050406030204" pitchFamily="18" charset="0"/>
                                 </a:rPr>
@@ -13536,7 +13619,7 @@
                             </m:e>
                             <m:sub>
                               <m:r>
-                                <a:rPr lang="en-US" sz="2200" b="0" i="1" smtClean="0">
+                                <a:rPr lang="en-US" sz="2400" b="0" i="1" smtClean="0">
                                   <a:latin typeface="Cambria Math" panose="02040503050406030204" pitchFamily="18" charset="0"/>
                                   <a:ea typeface="Cambria Math" panose="02040503050406030204" pitchFamily="18" charset="0"/>
                                 </a:rPr>
@@ -13545,7 +13628,7 @@
                             </m:sub>
                             <m:sup>
                               <m:r>
-                                <a:rPr lang="en-US" sz="2200" b="0" i="1" smtClean="0">
+                                <a:rPr lang="en-US" sz="2400" b="0" i="1" smtClean="0">
                                   <a:latin typeface="Cambria Math" panose="02040503050406030204" pitchFamily="18" charset="0"/>
                                   <a:ea typeface="Cambria Math" panose="02040503050406030204" pitchFamily="18" charset="0"/>
                                 </a:rPr>
@@ -13558,7 +13641,7 @@
                     </m:oMath>
                   </m:oMathPara>
                 </a14:m>
-                <a:endParaRPr lang="en-US" sz="2200" b="0" i="1" dirty="0">
+                <a:endParaRPr lang="en-US" sz="2400" b="0" i="1" dirty="0">
                   <a:latin typeface="Cambria Math" panose="02040503050406030204" pitchFamily="18" charset="0"/>
                   <a:ea typeface="Cambria Math" panose="02040503050406030204" pitchFamily="18" charset="0"/>
                 </a:endParaRPr>
@@ -13574,21 +13657,21 @@
                     </m:oMathParaPr>
                     <m:oMath xmlns:m="http://schemas.openxmlformats.org/officeDocument/2006/math">
                       <m:r>
-                        <a:rPr lang="en-US" sz="2200" b="0" i="1" smtClean="0">
+                        <a:rPr lang="en-US" sz="2400" b="0" i="1" smtClean="0">
                           <a:latin typeface="Cambria Math" panose="02040503050406030204" pitchFamily="18" charset="0"/>
                           <a:ea typeface="Cambria Math" panose="02040503050406030204" pitchFamily="18" charset="0"/>
                         </a:rPr>
                         <m:t>           </m:t>
                       </m:r>
                       <m:r>
-                        <a:rPr lang="en-US" sz="2200" i="1">
+                        <a:rPr lang="en-US" sz="2400" i="1">
                           <a:latin typeface="Cambria Math" panose="02040503050406030204" pitchFamily="18" charset="0"/>
                           <a:ea typeface="Cambria Math" panose="02040503050406030204" pitchFamily="18" charset="0"/>
                         </a:rPr>
                         <m:t>= </m:t>
                       </m:r>
                       <m:r>
-                        <a:rPr lang="en-US" sz="2200" i="1">
+                        <a:rPr lang="en-US" sz="2400" i="1">
                           <a:latin typeface="Cambria Math" panose="02040503050406030204" pitchFamily="18" charset="0"/>
                           <a:ea typeface="Cambria Math" panose="02040503050406030204" pitchFamily="18" charset="0"/>
                         </a:rPr>
@@ -13599,7 +13682,7 @@
                           <m:chr m:val="∑"/>
                           <m:supHide m:val="on"/>
                           <m:ctrlPr>
-                            <a:rPr lang="en-US" sz="2200" i="1">
+                            <a:rPr lang="en-US" sz="2400" i="1">
                               <a:latin typeface="Cambria Math" panose="02040503050406030204" pitchFamily="18" charset="0"/>
                               <a:ea typeface="Cambria Math" panose="02040503050406030204" pitchFamily="18" charset="0"/>
                             </a:rPr>
@@ -13610,7 +13693,7 @@
                             <m:rPr>
                               <m:brk m:alnAt="7"/>
                             </m:rPr>
-                            <a:rPr lang="en-US" sz="2200" i="1">
+                            <a:rPr lang="en-US" sz="2400" i="1">
                               <a:latin typeface="Cambria Math" panose="02040503050406030204" pitchFamily="18" charset="0"/>
                               <a:ea typeface="Cambria Math" panose="02040503050406030204" pitchFamily="18" charset="0"/>
                             </a:rPr>
@@ -13622,7 +13705,7 @@
                           <m:func>
                             <m:funcPr>
                               <m:ctrlPr>
-                                <a:rPr lang="en-US" sz="2200" i="1">
+                                <a:rPr lang="en-US" sz="2400" i="1">
                                   <a:latin typeface="Cambria Math" panose="02040503050406030204" pitchFamily="18" charset="0"/>
                                   <a:ea typeface="Cambria Math" panose="02040503050406030204" pitchFamily="18" charset="0"/>
                                 </a:rPr>
@@ -13633,7 +13716,7 @@
                                 <m:rPr>
                                   <m:sty m:val="p"/>
                                 </m:rPr>
-                                <a:rPr lang="en-US" sz="2200">
+                                <a:rPr lang="en-US" sz="2400">
                                   <a:latin typeface="Cambria Math" panose="02040503050406030204" pitchFamily="18" charset="0"/>
                                   <a:ea typeface="Cambria Math" panose="02040503050406030204" pitchFamily="18" charset="0"/>
                                 </a:rPr>
@@ -13644,7 +13727,7 @@
                               <m:d>
                                 <m:dPr>
                                   <m:ctrlPr>
-                                    <a:rPr lang="en-US" sz="2200" i="1">
+                                    <a:rPr lang="en-US" sz="2400" i="1">
                                       <a:latin typeface="Cambria Math" panose="02040503050406030204" pitchFamily="18" charset="0"/>
                                       <a:ea typeface="Cambria Math" panose="02040503050406030204" pitchFamily="18" charset="0"/>
                                     </a:rPr>
@@ -13652,21 +13735,21 @@
                                 </m:dPr>
                                 <m:e>
                                   <m:r>
-                                    <a:rPr lang="en-US" sz="2200" i="1">
+                                    <a:rPr lang="en-US" sz="2400" i="1">
                                       <a:latin typeface="Cambria Math" panose="02040503050406030204" pitchFamily="18" charset="0"/>
                                       <a:ea typeface="Cambria Math" panose="02040503050406030204" pitchFamily="18" charset="0"/>
                                     </a:rPr>
                                     <m:t>𝛿</m:t>
                                   </m:r>
                                   <m:r>
-                                    <a:rPr lang="en-US" sz="2200" i="1">
+                                    <a:rPr lang="en-US" sz="2400" i="1">
                                       <a:latin typeface="Cambria Math" panose="02040503050406030204" pitchFamily="18" charset="0"/>
                                       <a:ea typeface="Cambria Math" panose="02040503050406030204" pitchFamily="18" charset="0"/>
                                     </a:rPr>
                                     <m:t>𝑘</m:t>
                                   </m:r>
                                   <m:r>
-                                    <a:rPr lang="en-US" sz="2200" i="1">
+                                    <a:rPr lang="en-US" sz="2400" i="1">
                                       <a:latin typeface="Cambria Math" panose="02040503050406030204" pitchFamily="18" charset="0"/>
                                       <a:ea typeface="Cambria Math" panose="02040503050406030204" pitchFamily="18" charset="0"/>
                                     </a:rPr>
@@ -13675,7 +13758,7 @@
                                   <m:sSub>
                                     <m:sSubPr>
                                       <m:ctrlPr>
-                                        <a:rPr lang="en-US" sz="2200" i="1">
+                                        <a:rPr lang="en-US" sz="2400" i="1">
                                           <a:latin typeface="Cambria Math" panose="02040503050406030204" pitchFamily="18" charset="0"/>
                                           <a:ea typeface="Cambria Math" panose="02040503050406030204" pitchFamily="18" charset="0"/>
                                         </a:rPr>
@@ -13683,7 +13766,7 @@
                                     </m:sSubPr>
                                     <m:e>
                                       <m:r>
-                                        <a:rPr lang="en-US" sz="2200" i="1">
+                                        <a:rPr lang="en-US" sz="2400" i="1">
                                           <a:latin typeface="Cambria Math" panose="02040503050406030204" pitchFamily="18" charset="0"/>
                                           <a:ea typeface="Cambria Math" panose="02040503050406030204" pitchFamily="18" charset="0"/>
                                         </a:rPr>
@@ -13692,7 +13775,7 @@
                                     </m:e>
                                     <m:sub>
                                       <m:r>
-                                        <a:rPr lang="en-US" sz="2200" i="1">
+                                        <a:rPr lang="en-US" sz="2400" i="1">
                                           <a:latin typeface="Cambria Math" panose="02040503050406030204" pitchFamily="18" charset="0"/>
                                           <a:ea typeface="Cambria Math" panose="02040503050406030204" pitchFamily="18" charset="0"/>
                                         </a:rPr>
@@ -13707,7 +13790,7 @@
                           <m:func>
                             <m:funcPr>
                               <m:ctrlPr>
-                                <a:rPr lang="en-US" sz="2200" i="1">
+                                <a:rPr lang="en-US" sz="2400" i="1">
                                   <a:latin typeface="Cambria Math" panose="02040503050406030204" pitchFamily="18" charset="0"/>
                                   <a:ea typeface="Cambria Math" panose="02040503050406030204" pitchFamily="18" charset="0"/>
                                 </a:rPr>
@@ -13718,7 +13801,7 @@
                                 <m:rPr>
                                   <m:sty m:val="p"/>
                                 </m:rPr>
-                                <a:rPr lang="en-US" sz="2200">
+                                <a:rPr lang="en-US" sz="2400">
                                   <a:latin typeface="Cambria Math" panose="02040503050406030204" pitchFamily="18" charset="0"/>
                                   <a:ea typeface="Cambria Math" panose="02040503050406030204" pitchFamily="18" charset="0"/>
                                 </a:rPr>
@@ -13729,7 +13812,7 @@
                               <m:d>
                                 <m:dPr>
                                   <m:ctrlPr>
-                                    <a:rPr lang="en-US" sz="2200" i="1">
+                                    <a:rPr lang="en-US" sz="2400" i="1">
                                       <a:latin typeface="Cambria Math" panose="02040503050406030204" pitchFamily="18" charset="0"/>
                                       <a:ea typeface="Cambria Math" panose="02040503050406030204" pitchFamily="18" charset="0"/>
                                     </a:rPr>
@@ -13737,14 +13820,14 @@
                                 </m:dPr>
                                 <m:e>
                                   <m:r>
-                                    <a:rPr lang="en-US" sz="2200" i="1">
+                                    <a:rPr lang="en-US" sz="2400" i="1">
                                       <a:latin typeface="Cambria Math" panose="02040503050406030204" pitchFamily="18" charset="0"/>
                                       <a:ea typeface="Cambria Math" panose="02040503050406030204" pitchFamily="18" charset="0"/>
                                     </a:rPr>
                                     <m:t>𝜇</m:t>
                                   </m:r>
                                   <m:r>
-                                    <a:rPr lang="en-US" sz="2200" i="1">
+                                    <a:rPr lang="en-US" sz="2400" i="1">
                                       <a:latin typeface="Cambria Math" panose="02040503050406030204" pitchFamily="18" charset="0"/>
                                       <a:ea typeface="Cambria Math" panose="02040503050406030204" pitchFamily="18" charset="0"/>
                                     </a:rPr>
@@ -13755,7 +13838,7 @@
                               <m:sSubSup>
                                 <m:sSubSupPr>
                                   <m:ctrlPr>
-                                    <a:rPr lang="en-US" sz="2200" i="1">
+                                    <a:rPr lang="en-US" sz="2400" i="1">
                                       <a:latin typeface="Cambria Math" panose="02040503050406030204" pitchFamily="18" charset="0"/>
                                       <a:ea typeface="Cambria Math" panose="02040503050406030204" pitchFamily="18" charset="0"/>
                                     </a:rPr>
@@ -13763,7 +13846,7 @@
                                 </m:sSubSupPr>
                                 <m:e>
                                   <m:r>
-                                    <a:rPr lang="en-US" sz="2200" i="1">
+                                    <a:rPr lang="en-US" sz="2400" i="1">
                                       <a:latin typeface="Cambria Math" panose="02040503050406030204" pitchFamily="18" charset="0"/>
                                       <a:ea typeface="Cambria Math" panose="02040503050406030204" pitchFamily="18" charset="0"/>
                                     </a:rPr>
@@ -13772,7 +13855,7 @@
                                 </m:e>
                                 <m:sub>
                                   <m:r>
-                                    <a:rPr lang="en-US" sz="2200" i="1">
+                                    <a:rPr lang="en-US" sz="2400" i="1">
                                       <a:latin typeface="Cambria Math" panose="02040503050406030204" pitchFamily="18" charset="0"/>
                                       <a:ea typeface="Cambria Math" panose="02040503050406030204" pitchFamily="18" charset="0"/>
                                     </a:rPr>
@@ -13781,7 +13864,7 @@
                                 </m:sub>
                                 <m:sup>
                                   <m:r>
-                                    <a:rPr lang="en-US" sz="2200" i="1">
+                                    <a:rPr lang="en-US" sz="2400" i="1">
                                       <a:latin typeface="Cambria Math" panose="02040503050406030204" pitchFamily="18" charset="0"/>
                                       <a:ea typeface="Cambria Math" panose="02040503050406030204" pitchFamily="18" charset="0"/>
                                     </a:rPr>
@@ -13792,14 +13875,14 @@
                             </m:e>
                           </m:func>
                           <m:r>
-                            <a:rPr lang="en-US" sz="2200" i="1">
+                            <a:rPr lang="en-US" sz="2400" i="1">
                               <a:latin typeface="Cambria Math" panose="02040503050406030204" pitchFamily="18" charset="0"/>
                               <a:ea typeface="Cambria Math" panose="02040503050406030204" pitchFamily="18" charset="0"/>
                             </a:rPr>
                             <m:t>−</m:t>
                           </m:r>
                           <m:r>
-                            <a:rPr lang="en-US" sz="2200" i="1">
+                            <a:rPr lang="en-US" sz="2400" i="1">
                               <a:latin typeface="Cambria Math" panose="02040503050406030204" pitchFamily="18" charset="0"/>
                               <a:ea typeface="Cambria Math" panose="02040503050406030204" pitchFamily="18" charset="0"/>
                             </a:rPr>
@@ -13810,7 +13893,7 @@
                               <m:chr m:val="∑"/>
                               <m:supHide m:val="on"/>
                               <m:ctrlPr>
-                                <a:rPr lang="en-US" sz="2200" i="1">
+                                <a:rPr lang="en-US" sz="2400" i="1">
                                   <a:latin typeface="Cambria Math" panose="02040503050406030204" pitchFamily="18" charset="0"/>
                                   <a:ea typeface="Cambria Math" panose="02040503050406030204" pitchFamily="18" charset="0"/>
                                 </a:rPr>
@@ -13821,7 +13904,7 @@
                                 <m:rPr>
                                   <m:brk m:alnAt="7"/>
                                 </m:rPr>
-                                <a:rPr lang="en-US" sz="2200" i="1">
+                                <a:rPr lang="en-US" sz="2400" i="1">
                                   <a:latin typeface="Cambria Math" panose="02040503050406030204" pitchFamily="18" charset="0"/>
                                   <a:ea typeface="Cambria Math" panose="02040503050406030204" pitchFamily="18" charset="0"/>
                                 </a:rPr>
@@ -13833,7 +13916,7 @@
                               <m:func>
                                 <m:funcPr>
                                   <m:ctrlPr>
-                                    <a:rPr lang="en-US" sz="2200" i="1">
+                                    <a:rPr lang="en-US" sz="2400" i="1">
                                       <a:latin typeface="Cambria Math" panose="02040503050406030204" pitchFamily="18" charset="0"/>
                                       <a:ea typeface="Cambria Math" panose="02040503050406030204" pitchFamily="18" charset="0"/>
                                     </a:rPr>
@@ -13844,7 +13927,7 @@
                                     <m:rPr>
                                       <m:sty m:val="p"/>
                                     </m:rPr>
-                                    <a:rPr lang="en-US" sz="2200">
+                                    <a:rPr lang="en-US" sz="2400">
                                       <a:latin typeface="Cambria Math" panose="02040503050406030204" pitchFamily="18" charset="0"/>
                                       <a:ea typeface="Cambria Math" panose="02040503050406030204" pitchFamily="18" charset="0"/>
                                     </a:rPr>
@@ -13855,7 +13938,7 @@
                                   <m:d>
                                     <m:dPr>
                                       <m:ctrlPr>
-                                        <a:rPr lang="en-US" sz="2200" i="1">
+                                        <a:rPr lang="en-US" sz="2400" i="1">
                                           <a:latin typeface="Cambria Math" panose="02040503050406030204" pitchFamily="18" charset="0"/>
                                           <a:ea typeface="Cambria Math" panose="02040503050406030204" pitchFamily="18" charset="0"/>
                                         </a:rPr>
@@ -13863,21 +13946,21 @@
                                     </m:dPr>
                                     <m:e>
                                       <m:r>
-                                        <a:rPr lang="en-US" sz="2200" i="1">
+                                        <a:rPr lang="en-US" sz="2400" i="1">
                                           <a:latin typeface="Cambria Math" panose="02040503050406030204" pitchFamily="18" charset="0"/>
                                           <a:ea typeface="Cambria Math" panose="02040503050406030204" pitchFamily="18" charset="0"/>
                                         </a:rPr>
                                         <m:t>𝛿</m:t>
                                       </m:r>
                                       <m:r>
-                                        <a:rPr lang="en-US" sz="2200" i="1">
+                                        <a:rPr lang="en-US" sz="2400" i="1">
                                           <a:latin typeface="Cambria Math" panose="02040503050406030204" pitchFamily="18" charset="0"/>
                                           <a:ea typeface="Cambria Math" panose="02040503050406030204" pitchFamily="18" charset="0"/>
                                         </a:rPr>
                                         <m:t>𝑘</m:t>
                                       </m:r>
                                       <m:r>
-                                        <a:rPr lang="en-US" sz="2200" i="1">
+                                        <a:rPr lang="en-US" sz="2400" i="1">
                                           <a:latin typeface="Cambria Math" panose="02040503050406030204" pitchFamily="18" charset="0"/>
                                           <a:ea typeface="Cambria Math" panose="02040503050406030204" pitchFamily="18" charset="0"/>
                                         </a:rPr>
@@ -13886,7 +13969,7 @@
                                       <m:sSub>
                                         <m:sSubPr>
                                           <m:ctrlPr>
-                                            <a:rPr lang="en-US" sz="2200" i="1">
+                                            <a:rPr lang="en-US" sz="2400" i="1">
                                               <a:latin typeface="Cambria Math" panose="02040503050406030204" pitchFamily="18" charset="0"/>
                                               <a:ea typeface="Cambria Math" panose="02040503050406030204" pitchFamily="18" charset="0"/>
                                             </a:rPr>
@@ -13894,7 +13977,7 @@
                                         </m:sSubPr>
                                         <m:e>
                                           <m:r>
-                                            <a:rPr lang="en-US" sz="2200" i="1">
+                                            <a:rPr lang="en-US" sz="2400" i="1">
                                               <a:latin typeface="Cambria Math" panose="02040503050406030204" pitchFamily="18" charset="0"/>
                                               <a:ea typeface="Cambria Math" panose="02040503050406030204" pitchFamily="18" charset="0"/>
                                             </a:rPr>
@@ -13903,7 +13986,7 @@
                                         </m:e>
                                         <m:sub>
                                           <m:r>
-                                            <a:rPr lang="en-US" sz="2200" i="1">
+                                            <a:rPr lang="en-US" sz="2400" i="1">
                                               <a:latin typeface="Cambria Math" panose="02040503050406030204" pitchFamily="18" charset="0"/>
                                               <a:ea typeface="Cambria Math" panose="02040503050406030204" pitchFamily="18" charset="0"/>
                                             </a:rPr>
@@ -13918,7 +14001,7 @@
                               <m:func>
                                 <m:funcPr>
                                   <m:ctrlPr>
-                                    <a:rPr lang="en-US" sz="2200" i="1">
+                                    <a:rPr lang="en-US" sz="2400" i="1">
                                       <a:latin typeface="Cambria Math" panose="02040503050406030204" pitchFamily="18" charset="0"/>
                                       <a:ea typeface="Cambria Math" panose="02040503050406030204" pitchFamily="18" charset="0"/>
                                     </a:rPr>
@@ -13929,7 +14012,7 @@
                                     <m:rPr>
                                       <m:sty m:val="p"/>
                                     </m:rPr>
-                                    <a:rPr lang="en-US" sz="2200">
+                                    <a:rPr lang="en-US" sz="2400">
                                       <a:latin typeface="Cambria Math" panose="02040503050406030204" pitchFamily="18" charset="0"/>
                                       <a:ea typeface="Cambria Math" panose="02040503050406030204" pitchFamily="18" charset="0"/>
                                     </a:rPr>
@@ -13940,7 +14023,7 @@
                                   <m:d>
                                     <m:dPr>
                                       <m:ctrlPr>
-                                        <a:rPr lang="en-US" sz="2200" i="1">
+                                        <a:rPr lang="en-US" sz="2400" i="1">
                                           <a:latin typeface="Cambria Math" panose="02040503050406030204" pitchFamily="18" charset="0"/>
                                           <a:ea typeface="Cambria Math" panose="02040503050406030204" pitchFamily="18" charset="0"/>
                                         </a:rPr>
@@ -13948,14 +14031,14 @@
                                     </m:dPr>
                                     <m:e>
                                       <m:r>
-                                        <a:rPr lang="en-US" sz="2200" i="1">
+                                        <a:rPr lang="en-US" sz="2400" i="1">
                                           <a:latin typeface="Cambria Math" panose="02040503050406030204" pitchFamily="18" charset="0"/>
                                           <a:ea typeface="Cambria Math" panose="02040503050406030204" pitchFamily="18" charset="0"/>
                                         </a:rPr>
                                         <m:t>𝜇</m:t>
                                       </m:r>
                                       <m:r>
-                                        <a:rPr lang="en-US" sz="2200" i="1">
+                                        <a:rPr lang="en-US" sz="2400" i="1">
                                           <a:latin typeface="Cambria Math" panose="02040503050406030204" pitchFamily="18" charset="0"/>
                                           <a:ea typeface="Cambria Math" panose="02040503050406030204" pitchFamily="18" charset="0"/>
                                         </a:rPr>
@@ -13972,7 +14055,7 @@
                       <m:sSubSup>
                         <m:sSubSupPr>
                           <m:ctrlPr>
-                            <a:rPr lang="en-US" sz="2200" i="1">
+                            <a:rPr lang="en-US" sz="2400" i="1">
                               <a:latin typeface="Cambria Math" panose="02040503050406030204" pitchFamily="18" charset="0"/>
                               <a:ea typeface="Cambria Math" panose="02040503050406030204" pitchFamily="18" charset="0"/>
                             </a:rPr>
@@ -13980,7 +14063,7 @@
                         </m:sSubSupPr>
                         <m:e>
                           <m:r>
-                            <a:rPr lang="en-US" sz="2200" i="1">
+                            <a:rPr lang="en-US" sz="2400" i="1">
                               <a:latin typeface="Cambria Math" panose="02040503050406030204" pitchFamily="18" charset="0"/>
                               <a:ea typeface="Cambria Math" panose="02040503050406030204" pitchFamily="18" charset="0"/>
                             </a:rPr>
@@ -13989,7 +14072,7 @@
                         </m:e>
                         <m:sub>
                           <m:r>
-                            <a:rPr lang="en-US" sz="2200" i="1">
+                            <a:rPr lang="en-US" sz="2400" i="1">
                               <a:latin typeface="Cambria Math" panose="02040503050406030204" pitchFamily="18" charset="0"/>
                               <a:ea typeface="Cambria Math" panose="02040503050406030204" pitchFamily="18" charset="0"/>
                             </a:rPr>
@@ -13998,7 +14081,7 @@
                         </m:sub>
                         <m:sup>
                           <m:r>
-                            <a:rPr lang="en-US" sz="2200" i="1">
+                            <a:rPr lang="en-US" sz="2400" i="1">
                               <a:latin typeface="Cambria Math" panose="02040503050406030204" pitchFamily="18" charset="0"/>
                               <a:ea typeface="Cambria Math" panose="02040503050406030204" pitchFamily="18" charset="0"/>
                             </a:rPr>
@@ -14007,14 +14090,14 @@
                         </m:sup>
                       </m:sSubSup>
                       <m:r>
-                        <a:rPr lang="en-US" sz="2200" i="1">
+                        <a:rPr lang="en-US" sz="2400" i="1">
                           <a:latin typeface="Cambria Math" panose="02040503050406030204" pitchFamily="18" charset="0"/>
                           <a:ea typeface="Cambria Math" panose="02040503050406030204" pitchFamily="18" charset="0"/>
                         </a:rPr>
                         <m:t> </m:t>
                       </m:r>
                       <m:r>
-                        <a:rPr lang="en-US" sz="2200" b="0" i="1" smtClean="0">
+                        <a:rPr lang="en-US" sz="2400" b="0" i="1" smtClean="0">
                           <a:latin typeface="Cambria Math" panose="02040503050406030204" pitchFamily="18" charset="0"/>
                           <a:ea typeface="Cambria Math" panose="02040503050406030204" pitchFamily="18" charset="0"/>
                         </a:rPr>
@@ -14023,7 +14106,7 @@
                     </m:oMath>
                   </m:oMathPara>
                 </a14:m>
-                <a:endParaRPr lang="en-US" sz="2200" b="0" i="1" dirty="0">
+                <a:endParaRPr lang="en-US" sz="2400" b="0" i="1" dirty="0">
                   <a:latin typeface="Cambria Math" panose="02040503050406030204" pitchFamily="18" charset="0"/>
                   <a:ea typeface="Cambria Math" panose="02040503050406030204" pitchFamily="18" charset="0"/>
                 </a:endParaRPr>
@@ -14033,7 +14116,7 @@
                   <a:buNone/>
                 </a:pPr>
                 <a:r>
-                  <a:rPr lang="en-US" sz="2200" dirty="0">
+                  <a:rPr lang="en-US" sz="2400" dirty="0">
                     <a:latin typeface="Cambria Math" panose="02040503050406030204" pitchFamily="18" charset="0"/>
                     <a:ea typeface="Cambria Math" panose="02040503050406030204" pitchFamily="18" charset="0"/>
                   </a:rPr>
@@ -14042,7 +14125,7 @@
                 <a14:m>
                   <m:oMath xmlns:m="http://schemas.openxmlformats.org/officeDocument/2006/math">
                     <m:r>
-                      <a:rPr lang="en-US" sz="2200" i="1" smtClean="0">
+                      <a:rPr lang="en-US" sz="2400" i="1" smtClean="0">
                         <a:latin typeface="Cambria Math" panose="02040503050406030204" pitchFamily="18" charset="0"/>
                         <a:ea typeface="Cambria Math" panose="02040503050406030204" pitchFamily="18" charset="0"/>
                       </a:rPr>
@@ -14051,7 +14134,7 @@
                   </m:oMath>
                 </a14:m>
                 <a:r>
-                  <a:rPr lang="en-US" sz="2200" b="0" dirty="0">
+                  <a:rPr lang="en-US" sz="2400" b="0" dirty="0">
                     <a:latin typeface="Cambria Math" panose="02040503050406030204" pitchFamily="18" charset="0"/>
                     <a:ea typeface="Cambria Math" panose="02040503050406030204" pitchFamily="18" charset="0"/>
                   </a:rPr>
@@ -14062,7 +14145,7 @@
                     <m:sSub>
                       <m:sSubPr>
                         <m:ctrlPr>
-                          <a:rPr lang="en-US" sz="2200" b="0" i="1" smtClean="0">
+                          <a:rPr lang="en-US" sz="2400" b="0" i="1" smtClean="0">
                             <a:latin typeface="Cambria Math" panose="02040503050406030204" pitchFamily="18" charset="0"/>
                             <a:ea typeface="Cambria Math" panose="02040503050406030204" pitchFamily="18" charset="0"/>
                           </a:rPr>
@@ -14070,7 +14153,7 @@
                       </m:sSubPr>
                       <m:e>
                         <m:r>
-                          <a:rPr lang="en-US" sz="2200" b="0" i="1" smtClean="0">
+                          <a:rPr lang="en-US" sz="2400" b="0" i="1" smtClean="0">
                             <a:latin typeface="Cambria Math" panose="02040503050406030204" pitchFamily="18" charset="0"/>
                             <a:ea typeface="Cambria Math" panose="02040503050406030204" pitchFamily="18" charset="0"/>
                           </a:rPr>
@@ -14079,7 +14162,7 @@
                       </m:e>
                       <m:sub>
                         <m:r>
-                          <a:rPr lang="en-US" sz="2200" b="0" i="1" smtClean="0">
+                          <a:rPr lang="en-US" sz="2400" b="0" i="1" smtClean="0">
                             <a:latin typeface="Cambria Math" panose="02040503050406030204" pitchFamily="18" charset="0"/>
                             <a:ea typeface="Cambria Math" panose="02040503050406030204" pitchFamily="18" charset="0"/>
                           </a:rPr>
@@ -14090,14 +14173,14 @@
                   </m:oMath>
                 </a14:m>
                 <a:r>
-                  <a:rPr lang="en-US" sz="2200" b="0" dirty="0">
+                  <a:rPr lang="en-US" sz="2400" b="0" dirty="0">
                     <a:latin typeface="Cambria Math" panose="02040503050406030204" pitchFamily="18" charset="0"/>
                     <a:ea typeface="Cambria Math" panose="02040503050406030204" pitchFamily="18" charset="0"/>
                   </a:rPr>
                   <a:t>: </a:t>
                 </a:r>
                 <a:r>
-                  <a:rPr lang="en-US" sz="2200" i="1" dirty="0">
+                  <a:rPr lang="en-US" sz="2400" i="1" dirty="0">
                     <a:latin typeface="Cambria Math" panose="02040503050406030204" pitchFamily="18" charset="0"/>
                     <a:ea typeface="Cambria Math" panose="02040503050406030204" pitchFamily="18" charset="0"/>
                   </a:rPr>
@@ -14108,7 +14191,7 @@
                     <m:sSub>
                       <m:sSubPr>
                         <m:ctrlPr>
-                          <a:rPr lang="en-US" sz="2200" b="0" i="1" smtClean="0">
+                          <a:rPr lang="en-US" sz="2400" b="0" i="1" smtClean="0">
                             <a:latin typeface="Cambria Math" panose="02040503050406030204" pitchFamily="18" charset="0"/>
                             <a:ea typeface="Cambria Math" panose="02040503050406030204" pitchFamily="18" charset="0"/>
                           </a:rPr>
@@ -14116,7 +14199,7 @@
                       </m:sSubPr>
                       <m:e>
                         <m:r>
-                          <a:rPr lang="en-US" sz="2200" b="0" i="1" smtClean="0">
+                          <a:rPr lang="en-US" sz="2400" b="0" i="1" smtClean="0">
                             <a:latin typeface="Cambria Math" panose="02040503050406030204" pitchFamily="18" charset="0"/>
                             <a:ea typeface="Cambria Math" panose="02040503050406030204" pitchFamily="18" charset="0"/>
                           </a:rPr>
@@ -14125,7 +14208,7 @@
                       </m:e>
                       <m:sub>
                         <m:r>
-                          <a:rPr lang="en-US" sz="2200" b="0" i="1" smtClean="0">
+                          <a:rPr lang="en-US" sz="2400" b="0" i="1" smtClean="0">
                             <a:latin typeface="Cambria Math" panose="02040503050406030204" pitchFamily="18" charset="0"/>
                             <a:ea typeface="Cambria Math" panose="02040503050406030204" pitchFamily="18" charset="0"/>
                           </a:rPr>
@@ -14134,7 +14217,7 @@
                       </m:sub>
                     </m:sSub>
                     <m:r>
-                      <a:rPr lang="en-US" sz="2200" b="0" i="1" smtClean="0">
+                      <a:rPr lang="en-US" sz="2400" b="0" i="1" smtClean="0">
                         <a:latin typeface="Cambria Math" panose="02040503050406030204" pitchFamily="18" charset="0"/>
                         <a:ea typeface="Cambria Math" panose="02040503050406030204" pitchFamily="18" charset="0"/>
                       </a:rPr>
@@ -14143,7 +14226,7 @@
                     <m:sSub>
                       <m:sSubPr>
                         <m:ctrlPr>
-                          <a:rPr lang="en-US" sz="2200" i="1">
+                          <a:rPr lang="en-US" sz="2400" i="1">
                             <a:latin typeface="Cambria Math" panose="02040503050406030204" pitchFamily="18" charset="0"/>
                             <a:ea typeface="Cambria Math" panose="02040503050406030204" pitchFamily="18" charset="0"/>
                           </a:rPr>
@@ -14151,7 +14234,7 @@
                       </m:sSubPr>
                       <m:e>
                         <m:r>
-                          <a:rPr lang="en-US" sz="2200" i="1">
+                          <a:rPr lang="en-US" sz="2400" i="1">
                             <a:latin typeface="Cambria Math" panose="02040503050406030204" pitchFamily="18" charset="0"/>
                             <a:ea typeface="Cambria Math" panose="02040503050406030204" pitchFamily="18" charset="0"/>
                           </a:rPr>
@@ -14160,7 +14243,7 @@
                       </m:e>
                       <m:sub>
                         <m:r>
-                          <a:rPr lang="en-US" sz="2200" i="1">
+                          <a:rPr lang="en-US" sz="2400" i="1">
                             <a:latin typeface="Cambria Math" panose="02040503050406030204" pitchFamily="18" charset="0"/>
                             <a:ea typeface="Cambria Math" panose="02040503050406030204" pitchFamily="18" charset="0"/>
                           </a:rPr>
@@ -14169,7 +14252,7 @@
                       </m:sub>
                     </m:sSub>
                     <m:r>
-                      <a:rPr lang="en-US" sz="2200" b="0" i="1" smtClean="0">
+                      <a:rPr lang="en-US" sz="2400" b="0" i="1" smtClean="0">
                         <a:latin typeface="Cambria Math" panose="02040503050406030204" pitchFamily="18" charset="0"/>
                         <a:ea typeface="Cambria Math" panose="02040503050406030204" pitchFamily="18" charset="0"/>
                       </a:rPr>
@@ -14178,7 +14261,7 @@
                     <m:sSub>
                       <m:sSubPr>
                         <m:ctrlPr>
-                          <a:rPr lang="en-US" sz="2200" i="1">
+                          <a:rPr lang="en-US" sz="2400" i="1">
                             <a:latin typeface="Cambria Math" panose="02040503050406030204" pitchFamily="18" charset="0"/>
                             <a:ea typeface="Cambria Math" panose="02040503050406030204" pitchFamily="18" charset="0"/>
                           </a:rPr>
@@ -14186,7 +14269,7 @@
                       </m:sSubPr>
                       <m:e>
                         <m:r>
-                          <a:rPr lang="en-US" sz="2200" b="0" i="1" smtClean="0">
+                          <a:rPr lang="en-US" sz="2400" b="0" i="1" smtClean="0">
                             <a:latin typeface="Cambria Math" panose="02040503050406030204" pitchFamily="18" charset="0"/>
                             <a:ea typeface="Cambria Math" panose="02040503050406030204" pitchFamily="18" charset="0"/>
                           </a:rPr>
@@ -14195,7 +14278,7 @@
                       </m:e>
                       <m:sub>
                         <m:r>
-                          <a:rPr lang="en-US" sz="2200" b="0" i="1" smtClean="0">
+                          <a:rPr lang="en-US" sz="2400" b="0" i="1" smtClean="0">
                             <a:latin typeface="Cambria Math" panose="02040503050406030204" pitchFamily="18" charset="0"/>
                             <a:ea typeface="Cambria Math" panose="02040503050406030204" pitchFamily="18" charset="0"/>
                           </a:rPr>
@@ -14206,7 +14289,7 @@
                     <m:func>
                       <m:funcPr>
                         <m:ctrlPr>
-                          <a:rPr lang="en-US" sz="2200" i="1" smtClean="0">
+                          <a:rPr lang="en-US" sz="2400" i="1" smtClean="0">
                             <a:latin typeface="Cambria Math" panose="02040503050406030204" pitchFamily="18" charset="0"/>
                             <a:ea typeface="Cambria Math" panose="02040503050406030204" pitchFamily="18" charset="0"/>
                           </a:rPr>
@@ -14217,7 +14300,7 @@
                           <m:rPr>
                             <m:sty m:val="p"/>
                           </m:rPr>
-                          <a:rPr lang="en-US" sz="2200">
+                          <a:rPr lang="en-US" sz="2400">
                             <a:latin typeface="Cambria Math" panose="02040503050406030204" pitchFamily="18" charset="0"/>
                             <a:ea typeface="Cambria Math" panose="02040503050406030204" pitchFamily="18" charset="0"/>
                           </a:rPr>
@@ -14228,7 +14311,7 @@
                         <m:d>
                           <m:dPr>
                             <m:ctrlPr>
-                              <a:rPr lang="en-US" sz="2200" i="1">
+                              <a:rPr lang="en-US" sz="2400" i="1">
                                 <a:latin typeface="Cambria Math" panose="02040503050406030204" pitchFamily="18" charset="0"/>
                                 <a:ea typeface="Cambria Math" panose="02040503050406030204" pitchFamily="18" charset="0"/>
                               </a:rPr>
@@ -14236,28 +14319,28 @@
                           </m:dPr>
                           <m:e>
                             <m:r>
-                              <a:rPr lang="en-US" sz="2200" b="0" i="1" smtClean="0">
+                              <a:rPr lang="en-US" sz="2400" b="0" i="1" smtClean="0">
                                 <a:latin typeface="Cambria Math" panose="02040503050406030204" pitchFamily="18" charset="0"/>
                                 <a:ea typeface="Cambria Math" panose="02040503050406030204" pitchFamily="18" charset="0"/>
                               </a:rPr>
                               <m:t>𝜔</m:t>
                             </m:r>
                             <m:r>
-                              <a:rPr lang="en-US" sz="2200" i="1">
+                              <a:rPr lang="en-US" sz="2400" i="1">
                                 <a:latin typeface="Cambria Math" panose="02040503050406030204" pitchFamily="18" charset="0"/>
                                 <a:ea typeface="Cambria Math" panose="02040503050406030204" pitchFamily="18" charset="0"/>
                               </a:rPr>
                               <m:t>𝑡</m:t>
                             </m:r>
                             <m:r>
-                              <a:rPr lang="en-US" sz="2200" i="1">
+                              <a:rPr lang="en-US" sz="2400" i="1">
                                 <a:latin typeface="Cambria Math" panose="02040503050406030204" pitchFamily="18" charset="0"/>
                                 <a:ea typeface="Cambria Math" panose="02040503050406030204" pitchFamily="18" charset="0"/>
                               </a:rPr>
                               <m:t>+</m:t>
                             </m:r>
                             <m:r>
-                              <a:rPr lang="en-US" sz="2200" b="0" i="1" smtClean="0">
+                              <a:rPr lang="en-US" sz="2400" b="0" i="1" smtClean="0">
                                 <a:latin typeface="Cambria Math" panose="02040503050406030204" pitchFamily="18" charset="0"/>
                                 <a:ea typeface="Cambria Math" panose="02040503050406030204" pitchFamily="18" charset="0"/>
                               </a:rPr>
@@ -14269,7 +14352,7 @@
                     </m:func>
                   </m:oMath>
                 </a14:m>
-                <a:endParaRPr lang="en-US" sz="2200" b="0" dirty="0">
+                <a:endParaRPr lang="en-US" sz="2400" b="0" dirty="0">
                   <a:latin typeface="Cambria Math" panose="02040503050406030204" pitchFamily="18" charset="0"/>
                   <a:ea typeface="Cambria Math" panose="02040503050406030204" pitchFamily="18" charset="0"/>
                 </a:endParaRPr>
@@ -14283,7 +14366,7 @@
                     <m:sSub>
                       <m:sSubPr>
                         <m:ctrlPr>
-                          <a:rPr lang="en-US" sz="2200" i="1">
+                          <a:rPr lang="en-US" sz="2400" i="1">
                             <a:latin typeface="Cambria Math" panose="02040503050406030204" pitchFamily="18" charset="0"/>
                             <a:ea typeface="Cambria Math" panose="02040503050406030204" pitchFamily="18" charset="0"/>
                           </a:rPr>
@@ -14291,7 +14374,7 @@
                       </m:sSubPr>
                       <m:e>
                         <m:r>
-                          <a:rPr lang="en-US" sz="2200" i="1">
+                          <a:rPr lang="en-US" sz="2400" i="1">
                             <a:latin typeface="Cambria Math" panose="02040503050406030204" pitchFamily="18" charset="0"/>
                             <a:ea typeface="Cambria Math" panose="02040503050406030204" pitchFamily="18" charset="0"/>
                           </a:rPr>
@@ -14300,7 +14383,7 @@
                       </m:e>
                       <m:sub>
                         <m:r>
-                          <a:rPr lang="en-US" sz="2200" i="1">
+                          <a:rPr lang="en-US" sz="2400" i="1">
                             <a:latin typeface="Cambria Math" panose="02040503050406030204" pitchFamily="18" charset="0"/>
                             <a:ea typeface="Cambria Math" panose="02040503050406030204" pitchFamily="18" charset="0"/>
                           </a:rPr>
@@ -14309,7 +14392,7 @@
                       </m:sub>
                     </m:sSub>
                     <m:r>
-                      <a:rPr lang="en-US" sz="2200" i="1" smtClean="0">
+                      <a:rPr lang="en-US" sz="2400" i="1" smtClean="0">
                         <a:latin typeface="Cambria Math" panose="02040503050406030204" pitchFamily="18" charset="0"/>
                         <a:ea typeface="Cambria Math" panose="02040503050406030204" pitchFamily="18" charset="0"/>
                       </a:rPr>
@@ -14318,7 +14401,7 @@
                     <m:sSub>
                       <m:sSubPr>
                         <m:ctrlPr>
-                          <a:rPr lang="en-US" sz="2200" i="1">
+                          <a:rPr lang="en-US" sz="2400" i="1">
                             <a:latin typeface="Cambria Math" panose="02040503050406030204" pitchFamily="18" charset="0"/>
                             <a:ea typeface="Cambria Math" panose="02040503050406030204" pitchFamily="18" charset="0"/>
                           </a:rPr>
@@ -14326,7 +14409,7 @@
                       </m:sSubPr>
                       <m:e>
                         <m:r>
-                          <a:rPr lang="en-US" sz="2200" i="1">
+                          <a:rPr lang="en-US" sz="2400" i="1">
                             <a:latin typeface="Cambria Math" panose="02040503050406030204" pitchFamily="18" charset="0"/>
                             <a:ea typeface="Cambria Math" panose="02040503050406030204" pitchFamily="18" charset="0"/>
                           </a:rPr>
@@ -14335,7 +14418,7 @@
                       </m:e>
                       <m:sub>
                         <m:r>
-                          <a:rPr lang="en-US" sz="2200" i="1">
+                          <a:rPr lang="en-US" sz="2400" i="1">
                             <a:latin typeface="Cambria Math" panose="02040503050406030204" pitchFamily="18" charset="0"/>
                             <a:ea typeface="Cambria Math" panose="02040503050406030204" pitchFamily="18" charset="0"/>
                           </a:rPr>
@@ -14344,7 +14427,7 @@
                       </m:sub>
                     </m:sSub>
                     <m:r>
-                      <a:rPr lang="en-US" sz="2200" i="1">
+                      <a:rPr lang="en-US" sz="2400" i="1">
                         <a:latin typeface="Cambria Math" panose="02040503050406030204" pitchFamily="18" charset="0"/>
                         <a:ea typeface="Cambria Math" panose="02040503050406030204" pitchFamily="18" charset="0"/>
                       </a:rPr>
@@ -14353,7 +14436,7 @@
                     <m:sSub>
                       <m:sSubPr>
                         <m:ctrlPr>
-                          <a:rPr lang="en-US" sz="2200" i="1">
+                          <a:rPr lang="en-US" sz="2400" i="1">
                             <a:latin typeface="Cambria Math" panose="02040503050406030204" pitchFamily="18" charset="0"/>
                             <a:ea typeface="Cambria Math" panose="02040503050406030204" pitchFamily="18" charset="0"/>
                           </a:rPr>
@@ -14361,7 +14444,7 @@
                       </m:sSubPr>
                       <m:e>
                         <m:r>
-                          <a:rPr lang="en-US" sz="2200" i="1">
+                          <a:rPr lang="en-US" sz="2400" i="1">
                             <a:latin typeface="Cambria Math" panose="02040503050406030204" pitchFamily="18" charset="0"/>
                             <a:ea typeface="Cambria Math" panose="02040503050406030204" pitchFamily="18" charset="0"/>
                           </a:rPr>
@@ -14370,7 +14453,7 @@
                       </m:e>
                       <m:sub>
                         <m:r>
-                          <a:rPr lang="en-US" sz="2200" i="1">
+                          <a:rPr lang="en-US" sz="2400" i="1">
                             <a:latin typeface="Cambria Math" panose="02040503050406030204" pitchFamily="18" charset="0"/>
                             <a:ea typeface="Cambria Math" panose="02040503050406030204" pitchFamily="18" charset="0"/>
                           </a:rPr>
@@ -14381,7 +14464,7 @@
                     <m:func>
                       <m:funcPr>
                         <m:ctrlPr>
-                          <a:rPr lang="en-US" sz="2200" i="1" smtClean="0">
+                          <a:rPr lang="en-US" sz="2400" i="1" smtClean="0">
                             <a:latin typeface="Cambria Math" panose="02040503050406030204" pitchFamily="18" charset="0"/>
                             <a:ea typeface="Cambria Math" panose="02040503050406030204" pitchFamily="18" charset="0"/>
                           </a:rPr>
@@ -14392,7 +14475,7 @@
                           <m:rPr>
                             <m:sty m:val="p"/>
                           </m:rPr>
-                          <a:rPr lang="en-US" sz="2200" i="0" smtClean="0">
+                          <a:rPr lang="en-US" sz="2400" i="0" smtClean="0">
                             <a:latin typeface="Cambria Math" panose="02040503050406030204" pitchFamily="18" charset="0"/>
                             <a:ea typeface="Cambria Math" panose="02040503050406030204" pitchFamily="18" charset="0"/>
                           </a:rPr>
@@ -14405,7 +14488,7 @@
                             <m:begChr m:val="["/>
                             <m:endChr m:val="]"/>
                             <m:ctrlPr>
-                              <a:rPr lang="en-US" sz="2200" i="1" smtClean="0">
+                              <a:rPr lang="en-US" sz="2400" i="1" smtClean="0">
                                 <a:latin typeface="Cambria Math" panose="02040503050406030204" pitchFamily="18" charset="0"/>
                                 <a:ea typeface="Cambria Math" panose="02040503050406030204" pitchFamily="18" charset="0"/>
                               </a:rPr>
@@ -14415,7 +14498,7 @@
                             <m:d>
                               <m:dPr>
                                 <m:ctrlPr>
-                                  <a:rPr lang="en-US" sz="2200" i="1" smtClean="0">
+                                  <a:rPr lang="en-US" sz="2400" i="1" smtClean="0">
                                     <a:latin typeface="Cambria Math" panose="02040503050406030204" pitchFamily="18" charset="0"/>
                                     <a:ea typeface="Cambria Math" panose="02040503050406030204" pitchFamily="18" charset="0"/>
                                   </a:rPr>
@@ -14423,21 +14506,21 @@
                               </m:dPr>
                               <m:e>
                                 <m:r>
-                                  <a:rPr lang="en-US" sz="2200" i="1" smtClean="0">
+                                  <a:rPr lang="en-US" sz="2400" i="1" smtClean="0">
                                     <a:latin typeface="Cambria Math" panose="02040503050406030204" pitchFamily="18" charset="0"/>
                                     <a:ea typeface="Cambria Math" panose="02040503050406030204" pitchFamily="18" charset="0"/>
                                   </a:rPr>
                                   <m:t>𝜔</m:t>
                                 </m:r>
                                 <m:r>
-                                  <a:rPr lang="en-US" sz="2200" b="0" i="1" smtClean="0">
+                                  <a:rPr lang="en-US" sz="2400" b="0" i="1" smtClean="0">
                                     <a:latin typeface="Cambria Math" panose="02040503050406030204" pitchFamily="18" charset="0"/>
                                     <a:ea typeface="Cambria Math" panose="02040503050406030204" pitchFamily="18" charset="0"/>
                                   </a:rPr>
                                   <m:t>−</m:t>
                                 </m:r>
                                 <m:r>
-                                  <a:rPr lang="en-US" sz="2200" b="0" i="1" smtClean="0">
+                                  <a:rPr lang="en-US" sz="2400" b="0" i="1" smtClean="0">
                                     <a:latin typeface="Cambria Math" panose="02040503050406030204" pitchFamily="18" charset="0"/>
                                     <a:ea typeface="Cambria Math" panose="02040503050406030204" pitchFamily="18" charset="0"/>
                                   </a:rPr>
@@ -14446,21 +14529,21 @@
                               </m:e>
                             </m:d>
                             <m:r>
-                              <a:rPr lang="en-US" sz="2200" b="0" i="1" smtClean="0">
+                              <a:rPr lang="en-US" sz="2400" b="0" i="1" smtClean="0">
                                 <a:latin typeface="Cambria Math" panose="02040503050406030204" pitchFamily="18" charset="0"/>
                                 <a:ea typeface="Cambria Math" panose="02040503050406030204" pitchFamily="18" charset="0"/>
                               </a:rPr>
                               <m:t>𝑡</m:t>
                             </m:r>
                             <m:r>
-                              <a:rPr lang="en-US" sz="2200" b="0" i="1" smtClean="0">
+                              <a:rPr lang="en-US" sz="2400" b="0" i="1" smtClean="0">
                                 <a:latin typeface="Cambria Math" panose="02040503050406030204" pitchFamily="18" charset="0"/>
                                 <a:ea typeface="Cambria Math" panose="02040503050406030204" pitchFamily="18" charset="0"/>
                               </a:rPr>
                               <m:t>+</m:t>
                             </m:r>
                             <m:r>
-                              <a:rPr lang="en-US" sz="2200" b="0" i="1" smtClean="0">
+                              <a:rPr lang="en-US" sz="2400" b="0" i="1" smtClean="0">
                                 <a:latin typeface="Cambria Math" panose="02040503050406030204" pitchFamily="18" charset="0"/>
                                 <a:ea typeface="Cambria Math" panose="02040503050406030204" pitchFamily="18" charset="0"/>
                               </a:rPr>
@@ -14475,7 +14558,7 @@
                         <m:chr m:val="∑"/>
                         <m:supHide m:val="on"/>
                         <m:ctrlPr>
-                          <a:rPr lang="en-US" sz="2200" i="1" smtClean="0">
+                          <a:rPr lang="en-US" sz="2400" i="1" smtClean="0">
                             <a:latin typeface="Cambria Math" panose="02040503050406030204" pitchFamily="18" charset="0"/>
                             <a:ea typeface="Cambria Math" panose="02040503050406030204" pitchFamily="18" charset="0"/>
                           </a:rPr>
@@ -14486,7 +14569,7 @@
                           <m:rPr>
                             <m:brk m:alnAt="7"/>
                           </m:rPr>
-                          <a:rPr lang="en-US" sz="2200" b="0" i="1" smtClean="0">
+                          <a:rPr lang="en-US" sz="2400" b="0" i="1" smtClean="0">
                             <a:latin typeface="Cambria Math" panose="02040503050406030204" pitchFamily="18" charset="0"/>
                             <a:ea typeface="Cambria Math" panose="02040503050406030204" pitchFamily="18" charset="0"/>
                           </a:rPr>
@@ -14498,7 +14581,7 @@
                         <m:f>
                           <m:fPr>
                             <m:ctrlPr>
-                              <a:rPr lang="en-US" sz="2200" i="1" smtClean="0">
+                              <a:rPr lang="en-US" sz="2400" i="1" smtClean="0">
                                 <a:latin typeface="Cambria Math" panose="02040503050406030204" pitchFamily="18" charset="0"/>
                                 <a:ea typeface="Cambria Math" panose="02040503050406030204" pitchFamily="18" charset="0"/>
                               </a:rPr>
@@ -14508,7 +14591,7 @@
                             <m:sSubSup>
                               <m:sSubSupPr>
                                 <m:ctrlPr>
-                                  <a:rPr lang="en-US" sz="2200" i="1">
+                                  <a:rPr lang="en-US" sz="2400" i="1">
                                     <a:latin typeface="Cambria Math" panose="02040503050406030204" pitchFamily="18" charset="0"/>
                                     <a:ea typeface="Cambria Math" panose="02040503050406030204" pitchFamily="18" charset="0"/>
                                   </a:rPr>
@@ -14516,7 +14599,7 @@
                               </m:sSubSupPr>
                               <m:e>
                                 <m:r>
-                                  <a:rPr lang="en-US" sz="2200" i="1">
+                                  <a:rPr lang="en-US" sz="2400" i="1">
                                     <a:latin typeface="Cambria Math" panose="02040503050406030204" pitchFamily="18" charset="0"/>
                                     <a:ea typeface="Cambria Math" panose="02040503050406030204" pitchFamily="18" charset="0"/>
                                   </a:rPr>
@@ -14525,7 +14608,7 @@
                               </m:e>
                               <m:sub>
                                 <m:r>
-                                  <a:rPr lang="en-US" sz="2200" i="1">
+                                  <a:rPr lang="en-US" sz="2400" i="1">
                                     <a:latin typeface="Cambria Math" panose="02040503050406030204" pitchFamily="18" charset="0"/>
                                     <a:ea typeface="Cambria Math" panose="02040503050406030204" pitchFamily="18" charset="0"/>
                                   </a:rPr>
@@ -14534,7 +14617,7 @@
                               </m:sub>
                               <m:sup>
                                 <m:r>
-                                  <a:rPr lang="en-US" sz="2200" i="1">
+                                  <a:rPr lang="en-US" sz="2400" i="1">
                                     <a:latin typeface="Cambria Math" panose="02040503050406030204" pitchFamily="18" charset="0"/>
                                     <a:ea typeface="Cambria Math" panose="02040503050406030204" pitchFamily="18" charset="0"/>
                                   </a:rPr>
@@ -14545,7 +14628,7 @@
                           </m:num>
                           <m:den>
                             <m:r>
-                              <a:rPr lang="en-US" sz="2200" b="0" i="1" smtClean="0">
+                              <a:rPr lang="en-US" sz="2400" b="0" i="1" smtClean="0">
                                 <a:latin typeface="Cambria Math" panose="02040503050406030204" pitchFamily="18" charset="0"/>
                                 <a:ea typeface="Cambria Math" panose="02040503050406030204" pitchFamily="18" charset="0"/>
                               </a:rPr>
@@ -14558,7 +14641,7 @@
                   </m:oMath>
                 </a14:m>
                 <a:r>
-                  <a:rPr lang="en-US" sz="2200" dirty="0">
+                  <a:rPr lang="en-US" sz="2400" dirty="0">
                     <a:ea typeface="Cambria Math" panose="02040503050406030204" pitchFamily="18" charset="0"/>
                   </a:rPr>
                   <a:t>, 	where	</a:t>
@@ -14566,7 +14649,7 @@
                 <a14:m>
                   <m:oMath xmlns:m="http://schemas.openxmlformats.org/officeDocument/2006/math">
                     <m:r>
-                      <a:rPr lang="en-US" sz="2200" b="0" i="0" smtClean="0">
+                      <a:rPr lang="en-US" sz="2400" b="0" i="0" smtClean="0">
                         <a:latin typeface="Cambria Math" panose="02040503050406030204" pitchFamily="18" charset="0"/>
                         <a:ea typeface="Cambria Math" panose="02040503050406030204" pitchFamily="18" charset="0"/>
                       </a:rPr>
@@ -14575,7 +14658,7 @@
                     <m:sSub>
                       <m:sSubPr>
                         <m:ctrlPr>
-                          <a:rPr lang="en-US" sz="2200" i="1">
+                          <a:rPr lang="en-US" sz="2400" i="1">
                             <a:latin typeface="Cambria Math" panose="02040503050406030204" pitchFamily="18" charset="0"/>
                             <a:ea typeface="Cambria Math" panose="02040503050406030204" pitchFamily="18" charset="0"/>
                           </a:rPr>
@@ -14583,7 +14666,7 @@
                       </m:sSubPr>
                       <m:e>
                         <m:r>
-                          <a:rPr lang="en-US" sz="2200" i="1">
+                          <a:rPr lang="en-US" sz="2400" i="1">
                             <a:latin typeface="Cambria Math" panose="02040503050406030204" pitchFamily="18" charset="0"/>
                             <a:ea typeface="Cambria Math" panose="02040503050406030204" pitchFamily="18" charset="0"/>
                           </a:rPr>
@@ -14592,7 +14675,7 @@
                       </m:e>
                       <m:sub>
                         <m:r>
-                          <a:rPr lang="en-US" sz="2200" i="1">
+                          <a:rPr lang="en-US" sz="2400" i="1">
                             <a:latin typeface="Cambria Math" panose="02040503050406030204" pitchFamily="18" charset="0"/>
                             <a:ea typeface="Cambria Math" panose="02040503050406030204" pitchFamily="18" charset="0"/>
                           </a:rPr>
@@ -14601,49 +14684,49 @@
                       </m:sub>
                     </m:sSub>
                     <m:r>
-                      <a:rPr lang="en-US" sz="2200" b="0" i="1" smtClean="0">
+                      <a:rPr lang="en-US" sz="2400" b="0" i="1" smtClean="0">
                         <a:latin typeface="Cambria Math" panose="02040503050406030204" pitchFamily="18" charset="0"/>
                         <a:ea typeface="Cambria Math" panose="02040503050406030204" pitchFamily="18" charset="0"/>
                       </a:rPr>
                       <m:t>=</m:t>
                     </m:r>
                     <m:r>
-                      <a:rPr lang="en-US" sz="2200" b="0" i="1" smtClean="0">
+                      <a:rPr lang="en-US" sz="2400" b="0" i="1" smtClean="0">
                         <a:latin typeface="Cambria Math" panose="02040503050406030204" pitchFamily="18" charset="0"/>
                         <a:ea typeface="Cambria Math" panose="02040503050406030204" pitchFamily="18" charset="0"/>
                       </a:rPr>
                       <m:t>𝐷𝑊𝐹</m:t>
                     </m:r>
                     <m:r>
-                      <a:rPr lang="en-US" sz="2200" i="1">
+                      <a:rPr lang="en-US" sz="2400" i="1">
                         <a:latin typeface="Cambria Math" panose="02040503050406030204" pitchFamily="18" charset="0"/>
                         <a:ea typeface="Cambria Math" panose="02040503050406030204" pitchFamily="18" charset="0"/>
                       </a:rPr>
                       <m:t>∙</m:t>
                     </m:r>
                     <m:r>
-                      <a:rPr lang="en-US" sz="2200" b="0" i="1" smtClean="0">
+                      <a:rPr lang="en-US" sz="2400" b="0" i="1" smtClean="0">
                         <a:latin typeface="Cambria Math" panose="02040503050406030204" pitchFamily="18" charset="0"/>
                         <a:ea typeface="Cambria Math" panose="02040503050406030204" pitchFamily="18" charset="0"/>
                       </a:rPr>
                       <m:t>𝑈</m:t>
                     </m:r>
                     <m:r>
-                      <a:rPr lang="en-US" sz="2200" i="1">
+                      <a:rPr lang="en-US" sz="2400" i="1">
                         <a:latin typeface="Cambria Math" panose="02040503050406030204" pitchFamily="18" charset="0"/>
                         <a:ea typeface="Cambria Math" panose="02040503050406030204" pitchFamily="18" charset="0"/>
                       </a:rPr>
                       <m:t>∙</m:t>
                     </m:r>
                     <m:r>
-                      <a:rPr lang="en-US" sz="2200" b="0" i="1" smtClean="0">
+                      <a:rPr lang="en-US" sz="2400" b="0" i="1" smtClean="0">
                         <a:latin typeface="Cambria Math" panose="02040503050406030204" pitchFamily="18" charset="0"/>
                         <a:ea typeface="Cambria Math" panose="02040503050406030204" pitchFamily="18" charset="0"/>
                       </a:rPr>
                       <m:t>𝛿</m:t>
                     </m:r>
                     <m:r>
-                      <a:rPr lang="en-US" sz="2200" b="0" i="1" smtClean="0">
+                      <a:rPr lang="en-US" sz="2400" b="0" i="1" smtClean="0">
                         <a:latin typeface="Cambria Math" panose="02040503050406030204" pitchFamily="18" charset="0"/>
                         <a:ea typeface="Cambria Math" panose="02040503050406030204" pitchFamily="18" charset="0"/>
                       </a:rPr>
@@ -14651,7 +14734,7 @@
                     </m:r>
                   </m:oMath>
                 </a14:m>
-                <a:endParaRPr lang="en-US" sz="2200" dirty="0">
+                <a:endParaRPr lang="en-US" sz="2400" dirty="0">
                   <a:ea typeface="Cambria Math" panose="02040503050406030204" pitchFamily="18" charset="0"/>
                 </a:endParaRPr>
               </a:p>
@@ -14660,7 +14743,7 @@
                   <a:buNone/>
                 </a:pPr>
                 <a:r>
-                  <a:rPr lang="en-US" sz="2200" b="0" dirty="0">
+                  <a:rPr lang="en-US" sz="2400" b="0" dirty="0">
                     <a:ea typeface="Cambria Math" panose="02040503050406030204" pitchFamily="18" charset="0"/>
                   </a:rPr>
                   <a:t>For </a:t>
@@ -14668,28 +14751,28 @@
                 <a14:m>
                   <m:oMath xmlns:m="http://schemas.openxmlformats.org/officeDocument/2006/math">
                     <m:r>
-                      <a:rPr lang="en-US" sz="2200" i="1" smtClean="0">
+                      <a:rPr lang="en-US" sz="2400" i="1" smtClean="0">
                         <a:latin typeface="Cambria Math" panose="02040503050406030204" pitchFamily="18" charset="0"/>
                         <a:ea typeface="Cambria Math" panose="02040503050406030204" pitchFamily="18" charset="0"/>
                       </a:rPr>
                       <m:t>𝜔</m:t>
                     </m:r>
                     <m:r>
-                      <a:rPr lang="en-US" sz="2200" i="1">
+                      <a:rPr lang="en-US" sz="2400" i="1">
                         <a:latin typeface="Cambria Math" panose="02040503050406030204" pitchFamily="18" charset="0"/>
                         <a:ea typeface="Cambria Math" panose="02040503050406030204" pitchFamily="18" charset="0"/>
                       </a:rPr>
                       <m:t>=</m:t>
                     </m:r>
                     <m:r>
-                      <a:rPr lang="en-US" sz="2200" i="1">
+                      <a:rPr lang="en-US" sz="2400" i="1">
                         <a:latin typeface="Cambria Math" panose="02040503050406030204" pitchFamily="18" charset="0"/>
                         <a:ea typeface="Cambria Math" panose="02040503050406030204" pitchFamily="18" charset="0"/>
                       </a:rPr>
                       <m:t>𝜇</m:t>
                     </m:r>
                     <m:r>
-                      <a:rPr lang="en-US" sz="2200" i="1">
+                      <a:rPr lang="en-US" sz="2400" i="1">
                         <a:latin typeface="Cambria Math" panose="02040503050406030204" pitchFamily="18" charset="0"/>
                         <a:ea typeface="Cambria Math" panose="02040503050406030204" pitchFamily="18" charset="0"/>
                       </a:rPr>
@@ -14698,7 +14781,7 @@
                   </m:oMath>
                 </a14:m>
                 <a:r>
-                  <a:rPr lang="en-US" sz="2200" b="0" dirty="0">
+                  <a:rPr lang="en-US" sz="2400" b="0" dirty="0">
                     <a:ea typeface="Cambria Math" panose="02040503050406030204" pitchFamily="18" charset="0"/>
                   </a:rPr>
                   <a:t>    </a:t>
@@ -14706,21 +14789,21 @@
                 <a14:m>
                   <m:oMath xmlns:m="http://schemas.openxmlformats.org/officeDocument/2006/math">
                     <m:r>
-                      <a:rPr lang="en-US" sz="2200" b="0" i="0" smtClean="0">
+                      <a:rPr lang="en-US" sz="2400" b="0" i="0" smtClean="0">
                         <a:latin typeface="Cambria Math" panose="02040503050406030204" pitchFamily="18" charset="0"/>
                         <a:ea typeface="Cambria Math" panose="02040503050406030204" pitchFamily="18" charset="0"/>
                       </a:rPr>
                       <m:t> </m:t>
                     </m:r>
                     <m:r>
-                      <a:rPr lang="en-US" sz="2200" b="0" i="1" smtClean="0">
+                      <a:rPr lang="en-US" sz="2400" b="0" i="1" smtClean="0">
                         <a:latin typeface="Cambria Math" panose="02040503050406030204" pitchFamily="18" charset="0"/>
                         <a:ea typeface="Cambria Math" panose="02040503050406030204" pitchFamily="18" charset="0"/>
                       </a:rPr>
                       <m:t>𝜃</m:t>
                     </m:r>
                     <m:r>
-                      <a:rPr lang="en-US" sz="2200" b="0" i="1" smtClean="0">
+                      <a:rPr lang="en-US" sz="2400" b="0" i="1" smtClean="0">
                         <a:latin typeface="Cambria Math" panose="02040503050406030204" pitchFamily="18" charset="0"/>
                         <a:ea typeface="Cambria Math" panose="02040503050406030204" pitchFamily="18" charset="0"/>
                       </a:rPr>
@@ -14730,28 +14813,28 @@
                       <m:rPr>
                         <m:sty m:val="p"/>
                       </m:rPr>
-                      <a:rPr lang="en-US" sz="2200" b="0" i="0" smtClean="0">
+                      <a:rPr lang="en-US" sz="2400" b="0" i="0" smtClean="0">
                         <a:latin typeface="Cambria Math" panose="02040503050406030204" pitchFamily="18" charset="0"/>
                         <a:ea typeface="Cambria Math" panose="02040503050406030204" pitchFamily="18" charset="0"/>
                       </a:rPr>
                       <m:t>Δ</m:t>
                     </m:r>
                     <m:r>
-                      <a:rPr lang="el-GR" sz="2200" i="1">
+                      <a:rPr lang="el-GR" sz="2400" i="1">
                         <a:latin typeface="Cambria Math" panose="02040503050406030204" pitchFamily="18" charset="0"/>
                         <a:ea typeface="Cambria Math" panose="02040503050406030204" pitchFamily="18" charset="0"/>
                       </a:rPr>
                       <m:t>∙</m:t>
                     </m:r>
                     <m:r>
-                      <a:rPr lang="en-US" sz="2200" b="0" i="1" smtClean="0">
+                      <a:rPr lang="en-US" sz="2400" b="0" i="1" smtClean="0">
                         <a:latin typeface="Cambria Math" panose="02040503050406030204" pitchFamily="18" charset="0"/>
                         <a:ea typeface="Cambria Math" panose="02040503050406030204" pitchFamily="18" charset="0"/>
                       </a:rPr>
                       <m:t>𝜏</m:t>
                     </m:r>
                     <m:r>
-                      <a:rPr lang="en-US" sz="2200" b="0" i="1" smtClean="0">
+                      <a:rPr lang="en-US" sz="2400" b="0" i="1" smtClean="0">
                         <a:latin typeface="Cambria Math" panose="02040503050406030204" pitchFamily="18" charset="0"/>
                         <a:ea typeface="Cambria Math" panose="02040503050406030204" pitchFamily="18" charset="0"/>
                       </a:rPr>
@@ -14760,7 +14843,7 @@
                     <m:sSub>
                       <m:sSubPr>
                         <m:ctrlPr>
-                          <a:rPr lang="en-US" sz="2200" i="1">
+                          <a:rPr lang="en-US" sz="2400" i="1">
                             <a:latin typeface="Cambria Math" panose="02040503050406030204" pitchFamily="18" charset="0"/>
                             <a:ea typeface="Cambria Math" panose="02040503050406030204" pitchFamily="18" charset="0"/>
                           </a:rPr>
@@ -14768,7 +14851,7 @@
                       </m:sSubPr>
                       <m:e>
                         <m:r>
-                          <a:rPr lang="en-US" sz="2200" i="1">
+                          <a:rPr lang="en-US" sz="2400" i="1">
                             <a:latin typeface="Cambria Math" panose="02040503050406030204" pitchFamily="18" charset="0"/>
                             <a:ea typeface="Cambria Math" panose="02040503050406030204" pitchFamily="18" charset="0"/>
                           </a:rPr>
@@ -14777,7 +14860,7 @@
                       </m:e>
                       <m:sub>
                         <m:r>
-                          <a:rPr lang="en-US" sz="2200" i="1">
+                          <a:rPr lang="en-US" sz="2400" i="1">
                             <a:latin typeface="Cambria Math" panose="02040503050406030204" pitchFamily="18" charset="0"/>
                             <a:ea typeface="Cambria Math" panose="02040503050406030204" pitchFamily="18" charset="0"/>
                           </a:rPr>
@@ -14786,7 +14869,7 @@
                       </m:sub>
                     </m:sSub>
                     <m:r>
-                      <a:rPr lang="en-US" sz="2200" i="1">
+                      <a:rPr lang="en-US" sz="2400" i="1">
                         <a:latin typeface="Cambria Math" panose="02040503050406030204" pitchFamily="18" charset="0"/>
                         <a:ea typeface="Cambria Math" panose="02040503050406030204" pitchFamily="18" charset="0"/>
                       </a:rPr>
@@ -14795,7 +14878,7 @@
                     <m:sSub>
                       <m:sSubPr>
                         <m:ctrlPr>
-                          <a:rPr lang="en-US" sz="2200" i="1">
+                          <a:rPr lang="en-US" sz="2400" i="1">
                             <a:latin typeface="Cambria Math" panose="02040503050406030204" pitchFamily="18" charset="0"/>
                             <a:ea typeface="Cambria Math" panose="02040503050406030204" pitchFamily="18" charset="0"/>
                           </a:rPr>
@@ -14803,7 +14886,7 @@
                       </m:sSubPr>
                       <m:e>
                         <m:r>
-                          <a:rPr lang="en-US" sz="2200" i="1">
+                          <a:rPr lang="en-US" sz="2400" i="1">
                             <a:latin typeface="Cambria Math" panose="02040503050406030204" pitchFamily="18" charset="0"/>
                             <a:ea typeface="Cambria Math" panose="02040503050406030204" pitchFamily="18" charset="0"/>
                           </a:rPr>
@@ -14812,7 +14895,7 @@
                       </m:e>
                       <m:sub>
                         <m:r>
-                          <a:rPr lang="en-US" sz="2200" i="1">
+                          <a:rPr lang="en-US" sz="2400" i="1">
                             <a:latin typeface="Cambria Math" panose="02040503050406030204" pitchFamily="18" charset="0"/>
                             <a:ea typeface="Cambria Math" panose="02040503050406030204" pitchFamily="18" charset="0"/>
                           </a:rPr>
@@ -14823,7 +14906,7 @@
                     <m:func>
                       <m:funcPr>
                         <m:ctrlPr>
-                          <a:rPr lang="en-US" sz="2200" i="1">
+                          <a:rPr lang="en-US" sz="2400" i="1">
                             <a:latin typeface="Cambria Math" panose="02040503050406030204" pitchFamily="18" charset="0"/>
                             <a:ea typeface="Cambria Math" panose="02040503050406030204" pitchFamily="18" charset="0"/>
                           </a:rPr>
@@ -14831,21 +14914,21 @@
                       </m:funcPr>
                       <m:fName>
                         <m:r>
-                          <a:rPr lang="el-GR" sz="2200" i="1">
+                          <a:rPr lang="el-GR" sz="2400" i="1">
                             <a:latin typeface="Cambria Math" panose="02040503050406030204" pitchFamily="18" charset="0"/>
                             <a:ea typeface="Cambria Math" panose="02040503050406030204" pitchFamily="18" charset="0"/>
                           </a:rPr>
                           <m:t>∙</m:t>
                         </m:r>
                         <m:r>
-                          <a:rPr lang="en-US" sz="2200" i="1">
+                          <a:rPr lang="en-US" sz="2400" i="1">
                             <a:latin typeface="Cambria Math" panose="02040503050406030204" pitchFamily="18" charset="0"/>
                             <a:ea typeface="Cambria Math" panose="02040503050406030204" pitchFamily="18" charset="0"/>
                           </a:rPr>
                           <m:t>𝜏</m:t>
                         </m:r>
                         <m:r>
-                          <a:rPr lang="el-GR" sz="2200" i="1">
+                          <a:rPr lang="el-GR" sz="2400" i="1">
                             <a:latin typeface="Cambria Math" panose="02040503050406030204" pitchFamily="18" charset="0"/>
                             <a:ea typeface="Cambria Math" panose="02040503050406030204" pitchFamily="18" charset="0"/>
                           </a:rPr>
@@ -14855,7 +14938,7 @@
                           <m:rPr>
                             <m:sty m:val="p"/>
                           </m:rPr>
-                          <a:rPr lang="en-US" sz="2200">
+                          <a:rPr lang="en-US" sz="2400">
                             <a:latin typeface="Cambria Math" panose="02040503050406030204" pitchFamily="18" charset="0"/>
                             <a:ea typeface="Cambria Math" panose="02040503050406030204" pitchFamily="18" charset="0"/>
                           </a:rPr>
@@ -14863,31 +14946,29 @@
                         </m:r>
                       </m:fName>
                       <m:e>
-                        <m:r>
-                          <a:rPr lang="en-US" sz="2200" i="1">
-                            <a:latin typeface="Cambria Math" panose="02040503050406030204" pitchFamily="18" charset="0"/>
-                            <a:ea typeface="Cambria Math" panose="02040503050406030204" pitchFamily="18" charset="0"/>
-                          </a:rPr>
-                          <m:t>(</m:t>
-                        </m:r>
-                        <m:r>
-                          <a:rPr lang="en-US" sz="2200" i="1">
-                            <a:latin typeface="Cambria Math" panose="02040503050406030204" pitchFamily="18" charset="0"/>
-                            <a:ea typeface="Cambria Math" panose="02040503050406030204" pitchFamily="18" charset="0"/>
-                          </a:rPr>
-                          <m:t>𝛿</m:t>
-                        </m:r>
-                        <m:r>
-                          <a:rPr lang="en-US" sz="2200" i="1">
-                            <a:latin typeface="Cambria Math" panose="02040503050406030204" pitchFamily="18" charset="0"/>
-                            <a:ea typeface="Cambria Math" panose="02040503050406030204" pitchFamily="18" charset="0"/>
-                          </a:rPr>
-                          <m:t>)</m:t>
-                        </m:r>
+                        <m:d>
+                          <m:dPr>
+                            <m:ctrlPr>
+                              <a:rPr lang="en-US" sz="2400" i="1">
+                                <a:latin typeface="Cambria Math" panose="02040503050406030204" pitchFamily="18" charset="0"/>
+                                <a:ea typeface="Cambria Math" panose="02040503050406030204" pitchFamily="18" charset="0"/>
+                              </a:rPr>
+                            </m:ctrlPr>
+                          </m:dPr>
+                          <m:e>
+                            <m:r>
+                              <a:rPr lang="en-US" sz="2400" i="1">
+                                <a:latin typeface="Cambria Math" panose="02040503050406030204" pitchFamily="18" charset="0"/>
+                                <a:ea typeface="Cambria Math" panose="02040503050406030204" pitchFamily="18" charset="0"/>
+                              </a:rPr>
+                              <m:t>𝛿</m:t>
+                            </m:r>
+                          </m:e>
+                        </m:d>
                       </m:e>
                     </m:func>
                     <m:r>
-                      <a:rPr lang="en-US" sz="2200" i="1" smtClean="0">
+                      <a:rPr lang="en-US" sz="2400" i="1" smtClean="0">
                         <a:latin typeface="Cambria Math" panose="02040503050406030204" pitchFamily="18" charset="0"/>
                         <a:ea typeface="Cambria Math" panose="02040503050406030204" pitchFamily="18" charset="0"/>
                       </a:rPr>
@@ -14896,7 +14977,7 @@
                     <m:sSub>
                       <m:sSubPr>
                         <m:ctrlPr>
-                          <a:rPr lang="en-US" sz="2200" i="1">
+                          <a:rPr lang="en-US" sz="2400" i="1">
                             <a:latin typeface="Cambria Math" panose="02040503050406030204" pitchFamily="18" charset="0"/>
                             <a:ea typeface="Cambria Math" panose="02040503050406030204" pitchFamily="18" charset="0"/>
                           </a:rPr>
@@ -14904,7 +14985,7 @@
                       </m:sSubPr>
                       <m:e>
                         <m:r>
-                          <a:rPr lang="en-US" sz="2200" i="1">
+                          <a:rPr lang="en-US" sz="2400" i="1">
                             <a:latin typeface="Cambria Math" panose="02040503050406030204" pitchFamily="18" charset="0"/>
                             <a:ea typeface="Cambria Math" panose="02040503050406030204" pitchFamily="18" charset="0"/>
                           </a:rPr>
@@ -14913,7 +14994,7 @@
                       </m:e>
                       <m:sub>
                         <m:r>
-                          <a:rPr lang="en-US" sz="2200" i="1">
+                          <a:rPr lang="en-US" sz="2400" i="1">
                             <a:latin typeface="Cambria Math" panose="02040503050406030204" pitchFamily="18" charset="0"/>
                             <a:ea typeface="Cambria Math" panose="02040503050406030204" pitchFamily="18" charset="0"/>
                           </a:rPr>
@@ -14924,7 +15005,7 @@
                     <m:func>
                       <m:funcPr>
                         <m:ctrlPr>
-                          <a:rPr lang="en-US" sz="2200" i="1" smtClean="0">
+                          <a:rPr lang="en-US" sz="2400" i="1" smtClean="0">
                             <a:latin typeface="Cambria Math" panose="02040503050406030204" pitchFamily="18" charset="0"/>
                             <a:ea typeface="Cambria Math" panose="02040503050406030204" pitchFamily="18" charset="0"/>
                           </a:rPr>
@@ -14935,7 +15016,7 @@
                           <m:rPr>
                             <m:sty m:val="p"/>
                           </m:rPr>
-                          <a:rPr lang="en-US" sz="2200">
+                          <a:rPr lang="en-US" sz="2400">
                             <a:latin typeface="Cambria Math" panose="02040503050406030204" pitchFamily="18" charset="0"/>
                             <a:ea typeface="Cambria Math" panose="02040503050406030204" pitchFamily="18" charset="0"/>
                           </a:rPr>
@@ -14943,32 +15024,30 @@
                         </m:r>
                       </m:fName>
                       <m:e>
-                        <m:r>
-                          <a:rPr lang="en-US" sz="2200" b="0" i="1" smtClean="0">
-                            <a:latin typeface="Cambria Math" panose="02040503050406030204" pitchFamily="18" charset="0"/>
-                            <a:ea typeface="Cambria Math" panose="02040503050406030204" pitchFamily="18" charset="0"/>
-                          </a:rPr>
-                          <m:t>(</m:t>
-                        </m:r>
-                        <m:r>
-                          <a:rPr lang="en-US" sz="2200" i="1">
-                            <a:latin typeface="Cambria Math" panose="02040503050406030204" pitchFamily="18" charset="0"/>
-                            <a:ea typeface="Cambria Math" panose="02040503050406030204" pitchFamily="18" charset="0"/>
-                          </a:rPr>
-                          <m:t>𝛿</m:t>
-                        </m:r>
-                        <m:r>
-                          <a:rPr lang="en-US" sz="2200" b="0" i="1" smtClean="0">
-                            <a:latin typeface="Cambria Math" panose="02040503050406030204" pitchFamily="18" charset="0"/>
-                            <a:ea typeface="Cambria Math" panose="02040503050406030204" pitchFamily="18" charset="0"/>
-                          </a:rPr>
-                          <m:t>)</m:t>
-                        </m:r>
+                        <m:d>
+                          <m:dPr>
+                            <m:ctrlPr>
+                              <a:rPr lang="en-US" sz="2400" b="0" i="1" smtClean="0">
+                                <a:latin typeface="Cambria Math" panose="02040503050406030204" pitchFamily="18" charset="0"/>
+                                <a:ea typeface="Cambria Math" panose="02040503050406030204" pitchFamily="18" charset="0"/>
+                              </a:rPr>
+                            </m:ctrlPr>
+                          </m:dPr>
+                          <m:e>
+                            <m:r>
+                              <a:rPr lang="en-US" sz="2400" i="1">
+                                <a:latin typeface="Cambria Math" panose="02040503050406030204" pitchFamily="18" charset="0"/>
+                                <a:ea typeface="Cambria Math" panose="02040503050406030204" pitchFamily="18" charset="0"/>
+                              </a:rPr>
+                              <m:t>𝛿</m:t>
+                            </m:r>
+                          </m:e>
+                        </m:d>
                       </m:e>
                     </m:func>
                   </m:oMath>
                 </a14:m>
-                <a:endParaRPr lang="en-US" sz="2200" dirty="0">
+                <a:endParaRPr lang="en-US" sz="2400" b="0" dirty="0">
                   <a:ea typeface="Cambria Math" panose="02040503050406030204" pitchFamily="18" charset="0"/>
                 </a:endParaRPr>
               </a:p>
@@ -14976,7 +15055,7 @@
                 <a:pPr marL="0" indent="0">
                   <a:buNone/>
                 </a:pPr>
-                <a:endParaRPr lang="en-US" sz="2200" dirty="0">
+                <a:endParaRPr lang="en-US" sz="2400" dirty="0">
                   <a:ea typeface="Cambria Math" panose="02040503050406030204" pitchFamily="18" charset="0"/>
                 </a:endParaRPr>
               </a:p>
@@ -14985,7 +15064,7 @@
                   <a:buNone/>
                 </a:pPr>
                 <a:r>
-                  <a:rPr lang="en-US" sz="2200" dirty="0">
+                  <a:rPr lang="en-US" sz="2400" dirty="0">
                     <a:ea typeface="Cambria Math" panose="02040503050406030204" pitchFamily="18" charset="0"/>
                   </a:rPr>
                   <a:t>Qubit frequency shift: </a:t>
@@ -14996,7 +15075,7 @@
                       <m:rPr>
                         <m:sty m:val="p"/>
                       </m:rPr>
-                      <a:rPr lang="en-US" sz="2200" b="0" i="0" smtClean="0">
+                      <a:rPr lang="en-US" sz="2400" b="0" i="0" smtClean="0">
                         <a:latin typeface="Cambria Math" panose="02040503050406030204" pitchFamily="18" charset="0"/>
                         <a:ea typeface="Cambria Math" panose="02040503050406030204" pitchFamily="18" charset="0"/>
                       </a:rPr>
@@ -15005,7 +15084,7 @@
                     <m:d>
                       <m:dPr>
                         <m:ctrlPr>
-                          <a:rPr lang="en-US" sz="2200" b="0" i="1" smtClean="0">
+                          <a:rPr lang="en-US" sz="2400" b="0" i="1" smtClean="0">
                             <a:latin typeface="Cambria Math" panose="02040503050406030204" pitchFamily="18" charset="0"/>
                             <a:ea typeface="Cambria Math" panose="02040503050406030204" pitchFamily="18" charset="0"/>
                           </a:rPr>
@@ -15015,7 +15094,7 @@
                         <m:sSub>
                           <m:sSubPr>
                             <m:ctrlPr>
-                              <a:rPr lang="en-US" sz="2200" b="0" i="1" smtClean="0">
+                              <a:rPr lang="en-US" sz="2400" b="0" i="1" smtClean="0">
                                 <a:latin typeface="Cambria Math" panose="02040503050406030204" pitchFamily="18" charset="0"/>
                                 <a:ea typeface="Cambria Math" panose="02040503050406030204" pitchFamily="18" charset="0"/>
                               </a:rPr>
@@ -15023,7 +15102,7 @@
                           </m:sSubPr>
                           <m:e>
                             <m:r>
-                              <a:rPr lang="en-US" sz="2200" b="0" i="1" smtClean="0">
+                              <a:rPr lang="en-US" sz="2400" b="0" i="1" smtClean="0">
                                 <a:latin typeface="Cambria Math" panose="02040503050406030204" pitchFamily="18" charset="0"/>
                                 <a:ea typeface="Cambria Math" panose="02040503050406030204" pitchFamily="18" charset="0"/>
                               </a:rPr>
@@ -15032,7 +15111,7 @@
                           </m:e>
                           <m:sub>
                             <m:r>
-                              <a:rPr lang="en-US" sz="2200" b="0" i="1" smtClean="0">
+                              <a:rPr lang="en-US" sz="2400" b="0" i="1" smtClean="0">
                                 <a:latin typeface="Cambria Math" panose="02040503050406030204" pitchFamily="18" charset="0"/>
                                 <a:ea typeface="Cambria Math" panose="02040503050406030204" pitchFamily="18" charset="0"/>
                               </a:rPr>
@@ -15043,7 +15122,7 @@
                       </m:e>
                     </m:d>
                     <m:r>
-                      <a:rPr lang="en-US" sz="2200" b="0" i="1" smtClean="0">
+                      <a:rPr lang="en-US" sz="2400" b="0" i="1" smtClean="0">
                         <a:latin typeface="Cambria Math" panose="02040503050406030204" pitchFamily="18" charset="0"/>
                         <a:ea typeface="Cambria Math" panose="02040503050406030204" pitchFamily="18" charset="0"/>
                       </a:rPr>
@@ -15052,7 +15131,7 @@
                     <m:d>
                       <m:dPr>
                         <m:ctrlPr>
-                          <a:rPr lang="en-US" sz="2200" b="0" i="1" smtClean="0">
+                          <a:rPr lang="en-US" sz="2400" b="0" i="1" smtClean="0">
                             <a:latin typeface="Cambria Math" panose="02040503050406030204" pitchFamily="18" charset="0"/>
                             <a:ea typeface="Cambria Math" panose="02040503050406030204" pitchFamily="18" charset="0"/>
                           </a:rPr>
@@ -15062,7 +15141,7 @@
                         <m:f>
                           <m:fPr>
                             <m:ctrlPr>
-                              <a:rPr lang="en-US" sz="2200" b="0" i="1" smtClean="0">
+                              <a:rPr lang="en-US" sz="2400" b="0" i="1" smtClean="0">
                                 <a:latin typeface="Cambria Math" panose="02040503050406030204" pitchFamily="18" charset="0"/>
                                 <a:ea typeface="Cambria Math" panose="02040503050406030204" pitchFamily="18" charset="0"/>
                               </a:rPr>
@@ -15072,7 +15151,7 @@
                             <m:sSub>
                               <m:sSubPr>
                                 <m:ctrlPr>
-                                  <a:rPr lang="en-US" sz="2200" b="0" i="1" smtClean="0">
+                                  <a:rPr lang="en-US" sz="2400" b="0" i="1" smtClean="0">
                                     <a:latin typeface="Cambria Math" panose="02040503050406030204" pitchFamily="18" charset="0"/>
                                     <a:ea typeface="Cambria Math" panose="02040503050406030204" pitchFamily="18" charset="0"/>
                                   </a:rPr>
@@ -15080,7 +15159,7 @@
                               </m:sSubPr>
                               <m:e>
                                 <m:r>
-                                  <a:rPr lang="en-US" sz="2200" b="0" i="1" smtClean="0">
+                                  <a:rPr lang="en-US" sz="2400" b="0" i="1" smtClean="0">
                                     <a:latin typeface="Cambria Math" panose="02040503050406030204" pitchFamily="18" charset="0"/>
                                     <a:ea typeface="Cambria Math" panose="02040503050406030204" pitchFamily="18" charset="0"/>
                                   </a:rPr>
@@ -15089,7 +15168,7 @@
                               </m:e>
                               <m:sub>
                                 <m:r>
-                                  <a:rPr lang="en-US" sz="2200" b="0" i="1" smtClean="0">
+                                  <a:rPr lang="en-US" sz="2400" b="0" i="1" smtClean="0">
                                     <a:latin typeface="Cambria Math" panose="02040503050406030204" pitchFamily="18" charset="0"/>
                                     <a:ea typeface="Cambria Math" panose="02040503050406030204" pitchFamily="18" charset="0"/>
                                   </a:rPr>
@@ -15100,7 +15179,7 @@
                           </m:num>
                           <m:den>
                             <m:r>
-                              <a:rPr lang="en-US" sz="2200" b="0" i="1" smtClean="0">
+                              <a:rPr lang="en-US" sz="2400" b="0" i="1" smtClean="0">
                                 <a:latin typeface="Cambria Math" panose="02040503050406030204" pitchFamily="18" charset="0"/>
                                 <a:ea typeface="Cambria Math" panose="02040503050406030204" pitchFamily="18" charset="0"/>
                               </a:rPr>
@@ -15113,7 +15192,7 @@
                     <m:sSub>
                       <m:sSubPr>
                         <m:ctrlPr>
-                          <a:rPr lang="en-US" sz="2200" b="0" i="1" smtClean="0">
+                          <a:rPr lang="en-US" sz="2400" b="0" i="1" smtClean="0">
                             <a:latin typeface="Cambria Math" panose="02040503050406030204" pitchFamily="18" charset="0"/>
                             <a:ea typeface="Cambria Math" panose="02040503050406030204" pitchFamily="18" charset="0"/>
                           </a:rPr>
@@ -15121,7 +15200,7 @@
                       </m:sSubPr>
                       <m:e>
                         <m:r>
-                          <a:rPr lang="en-US" sz="2200" b="0" i="1" smtClean="0">
+                          <a:rPr lang="en-US" sz="2400" b="0" i="1" smtClean="0">
                             <a:latin typeface="Cambria Math" panose="02040503050406030204" pitchFamily="18" charset="0"/>
                             <a:ea typeface="Cambria Math" panose="02040503050406030204" pitchFamily="18" charset="0"/>
                           </a:rPr>
@@ -15130,7 +15209,7 @@
                       </m:e>
                       <m:sub>
                         <m:r>
-                          <a:rPr lang="en-US" sz="2200" b="0" i="1" smtClean="0">
+                          <a:rPr lang="en-US" sz="2400" b="0" i="1" smtClean="0">
                             <a:latin typeface="Cambria Math" panose="02040503050406030204" pitchFamily="18" charset="0"/>
                             <a:ea typeface="Cambria Math" panose="02040503050406030204" pitchFamily="18" charset="0"/>
                           </a:rPr>
@@ -15139,7 +15218,7 @@
                       </m:sub>
                     </m:sSub>
                     <m:r>
-                      <a:rPr lang="en-US" sz="2200" b="0" i="0" smtClean="0">
+                      <a:rPr lang="en-US" sz="2400" b="0" i="0" smtClean="0">
                         <a:latin typeface="Cambria Math" panose="02040503050406030204" pitchFamily="18" charset="0"/>
                         <a:ea typeface="Cambria Math" panose="02040503050406030204" pitchFamily="18" charset="0"/>
                       </a:rPr>
@@ -15149,28 +15228,28 @@
                       <m:rPr>
                         <m:sty m:val="p"/>
                       </m:rPr>
-                      <a:rPr lang="en-US" sz="2200" b="0" i="0" smtClean="0">
+                      <a:rPr lang="en-US" sz="2400" b="0" i="0" smtClean="0">
                         <a:latin typeface="Cambria Math" panose="02040503050406030204" pitchFamily="18" charset="0"/>
                         <a:ea typeface="Cambria Math" panose="02040503050406030204" pitchFamily="18" charset="0"/>
                       </a:rPr>
                       <m:t>cos</m:t>
                     </m:r>
                     <m:r>
-                      <a:rPr lang="en-US" sz="2200" b="0" i="1" smtClean="0">
+                      <a:rPr lang="en-US" sz="2400" b="0" i="1" smtClean="0">
                         <a:latin typeface="Cambria Math" panose="02040503050406030204" pitchFamily="18" charset="0"/>
                         <a:ea typeface="Cambria Math" panose="02040503050406030204" pitchFamily="18" charset="0"/>
                       </a:rPr>
                       <m:t>⁡(</m:t>
                     </m:r>
                     <m:r>
-                      <a:rPr lang="en-US" sz="2200" b="0" i="1" smtClean="0">
+                      <a:rPr lang="en-US" sz="2400" b="0" i="1" smtClean="0">
                         <a:latin typeface="Cambria Math" panose="02040503050406030204" pitchFamily="18" charset="0"/>
                         <a:ea typeface="Cambria Math" panose="02040503050406030204" pitchFamily="18" charset="0"/>
                       </a:rPr>
                       <m:t>𝛿</m:t>
                     </m:r>
                     <m:r>
-                      <a:rPr lang="en-US" sz="2200" b="0" i="1" smtClean="0">
+                      <a:rPr lang="en-US" sz="2400" b="0" i="1" smtClean="0">
                         <a:latin typeface="Cambria Math" panose="02040503050406030204" pitchFamily="18" charset="0"/>
                         <a:ea typeface="Cambria Math" panose="02040503050406030204" pitchFamily="18" charset="0"/>
                       </a:rPr>
@@ -15178,7 +15257,7 @@
                     </m:r>
                   </m:oMath>
                 </a14:m>
-                <a:endParaRPr lang="en-US" sz="2200" dirty="0">
+                <a:endParaRPr lang="en-US" sz="2400" dirty="0">
                   <a:ea typeface="Cambria Math" panose="02040503050406030204" pitchFamily="18" charset="0"/>
                 </a:endParaRPr>
               </a:p>
@@ -15187,7 +15266,7 @@
                   <a:buNone/>
                 </a:pPr>
                 <a:r>
-                  <a:rPr lang="en-US" sz="2200" dirty="0">
+                  <a:rPr lang="en-US" sz="2400" dirty="0">
                     <a:ea typeface="Cambria Math" panose="02040503050406030204" pitchFamily="18" charset="0"/>
                   </a:rPr>
                   <a:t>Precession angle: </a:t>
@@ -15197,7 +15276,7 @@
                     <m:sSub>
                       <m:sSubPr>
                         <m:ctrlPr>
-                          <a:rPr lang="en-US" sz="2200" i="1" smtClean="0">
+                          <a:rPr lang="en-US" sz="2400" i="1" smtClean="0">
                             <a:latin typeface="Cambria Math" panose="02040503050406030204" pitchFamily="18" charset="0"/>
                             <a:ea typeface="Cambria Math" panose="02040503050406030204" pitchFamily="18" charset="0"/>
                           </a:rPr>
@@ -15205,7 +15284,7 @@
                       </m:sSubPr>
                       <m:e>
                         <m:r>
-                          <a:rPr lang="en-US" sz="2200" i="1">
+                          <a:rPr lang="en-US" sz="2400" i="1">
                             <a:latin typeface="Cambria Math" panose="02040503050406030204" pitchFamily="18" charset="0"/>
                             <a:ea typeface="Cambria Math" panose="02040503050406030204" pitchFamily="18" charset="0"/>
                           </a:rPr>
@@ -15214,7 +15293,7 @@
                       </m:e>
                       <m:sub>
                         <m:r>
-                          <a:rPr lang="en-US" sz="2200" b="0" i="1" smtClean="0">
+                          <a:rPr lang="en-US" sz="2400" b="0" i="1" smtClean="0">
                             <a:latin typeface="Cambria Math" panose="02040503050406030204" pitchFamily="18" charset="0"/>
                             <a:ea typeface="Cambria Math" panose="02040503050406030204" pitchFamily="18" charset="0"/>
                           </a:rPr>
@@ -15223,7 +15302,7 @@
                       </m:sub>
                     </m:sSub>
                     <m:r>
-                      <a:rPr lang="en-US" sz="2200" b="0" i="1" smtClean="0">
+                      <a:rPr lang="en-US" sz="2400" b="0" i="1" smtClean="0">
                         <a:latin typeface="Cambria Math" panose="02040503050406030204" pitchFamily="18" charset="0"/>
                         <a:ea typeface="Cambria Math" panose="02040503050406030204" pitchFamily="18" charset="0"/>
                       </a:rPr>
@@ -15232,7 +15311,7 @@
                     <m:sSub>
                       <m:sSubPr>
                         <m:ctrlPr>
-                          <a:rPr lang="en-US" sz="2200" b="0" i="1" smtClean="0">
+                          <a:rPr lang="en-US" sz="2400" b="0" i="1" smtClean="0">
                             <a:latin typeface="Cambria Math" panose="02040503050406030204" pitchFamily="18" charset="0"/>
                             <a:ea typeface="Cambria Math" panose="02040503050406030204" pitchFamily="18" charset="0"/>
                           </a:rPr>
@@ -15240,7 +15319,7 @@
                       </m:sSubPr>
                       <m:e>
                         <m:r>
-                          <a:rPr lang="en-US" sz="2200" b="0" i="1" smtClean="0">
+                          <a:rPr lang="en-US" sz="2400" b="0" i="1" smtClean="0">
                             <a:latin typeface="Cambria Math" panose="02040503050406030204" pitchFamily="18" charset="0"/>
                             <a:ea typeface="Cambria Math" panose="02040503050406030204" pitchFamily="18" charset="0"/>
                           </a:rPr>
@@ -15249,7 +15328,7 @@
                       </m:e>
                       <m:sub>
                         <m:r>
-                          <a:rPr lang="en-US" sz="2200" b="0" i="1" smtClean="0">
+                          <a:rPr lang="en-US" sz="2400" b="0" i="1" smtClean="0">
                             <a:latin typeface="Cambria Math" panose="02040503050406030204" pitchFamily="18" charset="0"/>
                             <a:ea typeface="Cambria Math" panose="02040503050406030204" pitchFamily="18" charset="0"/>
                           </a:rPr>
@@ -15260,7 +15339,7 @@
                     <m:sSub>
                       <m:sSubPr>
                         <m:ctrlPr>
-                          <a:rPr lang="en-US" sz="2200" b="0" i="1" smtClean="0">
+                          <a:rPr lang="en-US" sz="2400" b="0" i="1" smtClean="0">
                             <a:latin typeface="Cambria Math" panose="02040503050406030204" pitchFamily="18" charset="0"/>
                             <a:ea typeface="Cambria Math" panose="02040503050406030204" pitchFamily="18" charset="0"/>
                           </a:rPr>
@@ -15268,14 +15347,14 @@
                       </m:sSubPr>
                       <m:e>
                         <m:r>
-                          <a:rPr lang="en-US" sz="2200" i="1">
+                          <a:rPr lang="en-US" sz="2400" i="1">
                             <a:latin typeface="Cambria Math" panose="02040503050406030204" pitchFamily="18" charset="0"/>
                             <a:ea typeface="Cambria Math" panose="02040503050406030204" pitchFamily="18" charset="0"/>
                           </a:rPr>
                           <m:t>∙</m:t>
                         </m:r>
                         <m:r>
-                          <a:rPr lang="en-US" sz="2200" b="0" i="1" smtClean="0">
+                          <a:rPr lang="en-US" sz="2400" b="0" i="1" smtClean="0">
                             <a:latin typeface="Cambria Math" panose="02040503050406030204" pitchFamily="18" charset="0"/>
                             <a:ea typeface="Cambria Math" panose="02040503050406030204" pitchFamily="18" charset="0"/>
                           </a:rPr>
@@ -15284,7 +15363,7 @@
                       </m:e>
                       <m:sub>
                         <m:r>
-                          <a:rPr lang="en-US" sz="2200" b="0" i="1" smtClean="0">
+                          <a:rPr lang="en-US" sz="2400" b="0" i="1" smtClean="0">
                             <a:latin typeface="Cambria Math" panose="02040503050406030204" pitchFamily="18" charset="0"/>
                             <a:ea typeface="Cambria Math" panose="02040503050406030204" pitchFamily="18" charset="0"/>
                           </a:rPr>
@@ -15293,14 +15372,14 @@
                       </m:sub>
                     </m:sSub>
                     <m:r>
-                      <a:rPr lang="en-US" sz="2200" i="1">
+                      <a:rPr lang="en-US" sz="2400" i="1">
                         <a:latin typeface="Cambria Math" panose="02040503050406030204" pitchFamily="18" charset="0"/>
                         <a:ea typeface="Cambria Math" panose="02040503050406030204" pitchFamily="18" charset="0"/>
                       </a:rPr>
                       <m:t>∙</m:t>
                     </m:r>
                     <m:r>
-                      <a:rPr lang="en-US" sz="2200" i="1">
+                      <a:rPr lang="en-US" sz="2400" i="1">
                         <a:latin typeface="Cambria Math" panose="02040503050406030204" pitchFamily="18" charset="0"/>
                         <a:ea typeface="Cambria Math" panose="02040503050406030204" pitchFamily="18" charset="0"/>
                       </a:rPr>
@@ -15308,7 +15387,7 @@
                     </m:r>
                   </m:oMath>
                 </a14:m>
-                <a:endParaRPr lang="en-US" sz="2200" dirty="0">
+                <a:endParaRPr lang="en-US" sz="2400" dirty="0">
                   <a:ea typeface="Cambria Math" panose="02040503050406030204" pitchFamily="18" charset="0"/>
                 </a:endParaRPr>
               </a:p>
@@ -15316,216 +15395,7 @@
                 <a:pPr marL="0" indent="0" algn="ctr">
                   <a:buNone/>
                 </a:pPr>
-                <a:r>
-                  <a:rPr lang="en-US" sz="2200" dirty="0"/>
-                  <a:t>Probability of measuring spin up: </a:t>
-                </a:r>
-                <a14:m>
-                  <m:oMath xmlns:m="http://schemas.openxmlformats.org/officeDocument/2006/math">
-                    <m:d>
-                      <m:dPr>
-                        <m:begChr m:val="⟨"/>
-                        <m:endChr m:val="⟩"/>
-                        <m:ctrlPr>
-                          <a:rPr lang="en-US" sz="2200" i="1">
-                            <a:latin typeface="Cambria Math" panose="02040503050406030204" pitchFamily="18" charset="0"/>
-                          </a:rPr>
-                        </m:ctrlPr>
-                      </m:dPr>
-                      <m:e>
-                        <m:sSub>
-                          <m:sSubPr>
-                            <m:ctrlPr>
-                              <a:rPr lang="en-US" sz="2200" i="1">
-                                <a:latin typeface="Cambria Math" panose="02040503050406030204" pitchFamily="18" charset="0"/>
-                              </a:rPr>
-                            </m:ctrlPr>
-                          </m:sSubPr>
-                          <m:e>
-                            <m:r>
-                              <a:rPr lang="en-US" sz="2200" i="1">
-                                <a:latin typeface="Cambria Math" panose="02040503050406030204" pitchFamily="18" charset="0"/>
-                              </a:rPr>
-                              <m:t>𝑃</m:t>
-                            </m:r>
-                          </m:e>
-                          <m:sub>
-                            <m:r>
-                              <a:rPr lang="en-US" sz="2200" i="1">
-                                <a:latin typeface="Cambria Math" panose="02040503050406030204" pitchFamily="18" charset="0"/>
-                                <a:ea typeface="Cambria Math" panose="02040503050406030204" pitchFamily="18" charset="0"/>
-                              </a:rPr>
-                              <m:t>↑</m:t>
-                            </m:r>
-                          </m:sub>
-                        </m:sSub>
-                      </m:e>
-                    </m:d>
-                    <m:r>
-                      <a:rPr lang="en-US" sz="2200" i="1">
-                        <a:latin typeface="Cambria Math" panose="02040503050406030204" pitchFamily="18" charset="0"/>
-                      </a:rPr>
-                      <m:t>= </m:t>
-                    </m:r>
-                    <m:f>
-                      <m:fPr>
-                        <m:ctrlPr>
-                          <a:rPr lang="en-US" sz="2200" i="1">
-                            <a:latin typeface="Cambria Math" panose="02040503050406030204" pitchFamily="18" charset="0"/>
-                          </a:rPr>
-                        </m:ctrlPr>
-                      </m:fPr>
-                      <m:num>
-                        <m:r>
-                          <a:rPr lang="en-US" sz="2200" i="1">
-                            <a:latin typeface="Cambria Math" panose="02040503050406030204" pitchFamily="18" charset="0"/>
-                          </a:rPr>
-                          <m:t>1</m:t>
-                        </m:r>
-                      </m:num>
-                      <m:den>
-                        <m:r>
-                          <a:rPr lang="en-US" sz="2200" i="1">
-                            <a:latin typeface="Cambria Math" panose="02040503050406030204" pitchFamily="18" charset="0"/>
-                          </a:rPr>
-                          <m:t>2</m:t>
-                        </m:r>
-                      </m:den>
-                    </m:f>
-                    <m:d>
-                      <m:dPr>
-                        <m:begChr m:val="["/>
-                        <m:endChr m:val="]"/>
-                        <m:ctrlPr>
-                          <a:rPr lang="en-US" sz="2200" i="1">
-                            <a:latin typeface="Cambria Math" panose="02040503050406030204" pitchFamily="18" charset="0"/>
-                          </a:rPr>
-                        </m:ctrlPr>
-                      </m:dPr>
-                      <m:e>
-                        <m:r>
-                          <a:rPr lang="en-US" sz="2200" i="1">
-                            <a:latin typeface="Cambria Math" panose="02040503050406030204" pitchFamily="18" charset="0"/>
-                          </a:rPr>
-                          <m:t>1−</m:t>
-                        </m:r>
-                        <m:sSup>
-                          <m:sSupPr>
-                            <m:ctrlPr>
-                              <a:rPr lang="en-US" sz="2200" i="1">
-                                <a:latin typeface="Cambria Math" panose="02040503050406030204" pitchFamily="18" charset="0"/>
-                              </a:rPr>
-                            </m:ctrlPr>
-                          </m:sSupPr>
-                          <m:e>
-                            <m:r>
-                              <a:rPr lang="en-US" sz="2200" i="1">
-                                <a:latin typeface="Cambria Math" panose="02040503050406030204" pitchFamily="18" charset="0"/>
-                              </a:rPr>
-                              <m:t>𝑒</m:t>
-                            </m:r>
-                          </m:e>
-                          <m:sup>
-                            <m:r>
-                              <a:rPr lang="en-US" sz="2200" i="1">
-                                <a:latin typeface="Cambria Math" panose="02040503050406030204" pitchFamily="18" charset="0"/>
-                              </a:rPr>
-                              <m:t>−</m:t>
-                            </m:r>
-                            <m:r>
-                              <m:rPr>
-                                <m:sty m:val="p"/>
-                              </m:rPr>
-                              <a:rPr lang="el-GR" sz="2200" i="1">
-                                <a:latin typeface="Cambria Math" panose="02040503050406030204" pitchFamily="18" charset="0"/>
-                                <a:ea typeface="Cambria Math" panose="02040503050406030204" pitchFamily="18" charset="0"/>
-                              </a:rPr>
-                              <m:t>Γ</m:t>
-                            </m:r>
-                            <m:r>
-                              <a:rPr lang="en-US" sz="2200" i="1">
-                                <a:latin typeface="Cambria Math" panose="02040503050406030204" pitchFamily="18" charset="0"/>
-                                <a:ea typeface="Cambria Math" panose="02040503050406030204" pitchFamily="18" charset="0"/>
-                              </a:rPr>
-                              <m:t>𝜏</m:t>
-                            </m:r>
-                          </m:sup>
-                        </m:sSup>
-                        <m:sSub>
-                          <m:sSubPr>
-                            <m:ctrlPr>
-                              <a:rPr lang="en-US" sz="2200" i="1">
-                                <a:latin typeface="Cambria Math" panose="02040503050406030204" pitchFamily="18" charset="0"/>
-                              </a:rPr>
-                            </m:ctrlPr>
-                          </m:sSubPr>
-                          <m:e>
-                            <m:r>
-                              <a:rPr lang="en-US" sz="2200" i="1">
-                                <a:latin typeface="Cambria Math" panose="02040503050406030204" pitchFamily="18" charset="0"/>
-                              </a:rPr>
-                              <m:t>𝐽</m:t>
-                            </m:r>
-                          </m:e>
-                          <m:sub>
-                            <m:r>
-                              <a:rPr lang="en-US" sz="2200" i="1">
-                                <a:latin typeface="Cambria Math" panose="02040503050406030204" pitchFamily="18" charset="0"/>
-                              </a:rPr>
-                              <m:t>0</m:t>
-                            </m:r>
-                          </m:sub>
-                        </m:sSub>
-                        <m:d>
-                          <m:dPr>
-                            <m:ctrlPr>
-                              <a:rPr lang="en-US" sz="2200" i="1">
-                                <a:latin typeface="Cambria Math" panose="02040503050406030204" pitchFamily="18" charset="0"/>
-                              </a:rPr>
-                            </m:ctrlPr>
-                          </m:dPr>
-                          <m:e>
-                            <m:sSub>
-                              <m:sSubPr>
-                                <m:ctrlPr>
-                                  <a:rPr lang="en-US" sz="2200" i="1">
-                                    <a:latin typeface="Cambria Math" panose="02040503050406030204" pitchFamily="18" charset="0"/>
-                                    <a:ea typeface="Cambria Math" panose="02040503050406030204" pitchFamily="18" charset="0"/>
-                                  </a:rPr>
-                                </m:ctrlPr>
-                              </m:sSubPr>
-                              <m:e>
-                                <m:r>
-                                  <a:rPr lang="en-US" sz="2200" i="1">
-                                    <a:latin typeface="Cambria Math" panose="02040503050406030204" pitchFamily="18" charset="0"/>
-                                    <a:ea typeface="Cambria Math" panose="02040503050406030204" pitchFamily="18" charset="0"/>
-                                  </a:rPr>
-                                  <m:t>𝜃</m:t>
-                                </m:r>
-                              </m:e>
-                              <m:sub>
-                                <m:r>
-                                  <a:rPr lang="en-US" sz="2200" i="1">
-                                    <a:latin typeface="Cambria Math" panose="02040503050406030204" pitchFamily="18" charset="0"/>
-                                    <a:ea typeface="Cambria Math" panose="02040503050406030204" pitchFamily="18" charset="0"/>
-                                  </a:rPr>
-                                  <m:t>𝑚𝑎𝑥</m:t>
-                                </m:r>
-                              </m:sub>
-                            </m:sSub>
-                          </m:e>
-                        </m:d>
-                      </m:e>
-                    </m:d>
-                  </m:oMath>
-                </a14:m>
-                <a:endParaRPr lang="en-US" sz="2200" dirty="0"/>
-              </a:p>
-              <a:p>
-                <a:pPr marL="0" indent="0" algn="ctr">
-                  <a:buNone/>
-                </a:pPr>
-                <a:endParaRPr lang="en-US" sz="2200" dirty="0">
+                <a:endParaRPr lang="en-US" sz="2400" dirty="0">
                   <a:ea typeface="Cambria Math" panose="02040503050406030204" pitchFamily="18" charset="0"/>
                 </a:endParaRPr>
               </a:p>
@@ -15533,12 +15403,12 @@
                 <a:pPr marL="0" indent="0" algn="ctr">
                   <a:buNone/>
                 </a:pPr>
-                <a:endParaRPr lang="en-US" sz="2200" dirty="0"/>
+                <a:endParaRPr lang="en-US" sz="2400" dirty="0"/>
               </a:p>
             </p:txBody>
           </p:sp>
         </mc:Choice>
-        <mc:Fallback xmlns="">
+        <mc:Fallback>
           <p:sp>
             <p:nvSpPr>
               <p:cNvPr id="3" name="Content Placeholder 2"/>
@@ -15551,13 +15421,13 @@
             </p:nvSpPr>
             <p:spPr>
               <a:xfrm>
-                <a:off x="838200" y="1419226"/>
-                <a:ext cx="10515600" cy="5114924"/>
+                <a:off x="838199" y="1419226"/>
+                <a:ext cx="10780643" cy="5114924"/>
               </a:xfrm>
               <a:blipFill>
                 <a:blip r:embed="rId3"/>
                 <a:stretch>
-                  <a:fillRect l="-754"/>
+                  <a:fillRect l="-848"/>
                 </a:stretch>
               </a:blipFill>
             </p:spPr>
@@ -15584,8 +15454,8 @@
         </p:nvSpPr>
         <p:spPr>
           <a:xfrm>
-            <a:off x="2442838" y="4820760"/>
-            <a:ext cx="7306323" cy="1713390"/>
+            <a:off x="3142420" y="5098774"/>
+            <a:ext cx="6172200" cy="1206776"/>
           </a:xfrm>
           <a:prstGeom prst="roundRect">
             <a:avLst/>
@@ -15653,13 +15523,6 @@
   <p:clrMapOvr>
     <a:masterClrMapping/>
   </p:clrMapOvr>
-  <p:timing>
-    <p:tnLst>
-      <p:par>
-        <p:cTn id="1" dur="indefinite" restart="never" nodeType="tmRoot"/>
-      </p:par>
-    </p:tnLst>
-  </p:timing>
 </p:sld>
 </file>
 
@@ -15789,7 +15652,7 @@
         </p:blipFill>
         <p:spPr>
           <a:xfrm>
-            <a:off x="6338092" y="3925915"/>
+            <a:off x="6338092" y="3896098"/>
             <a:ext cx="4268902" cy="2945542"/>
           </a:xfrm>
           <a:prstGeom prst="rect">
@@ -15805,7 +15668,7 @@
         </p:nvSpPr>
         <p:spPr>
           <a:xfrm>
-            <a:off x="5807648" y="3655986"/>
+            <a:off x="5807648" y="3626169"/>
             <a:ext cx="5828840" cy="369332"/>
           </a:xfrm>
           <a:prstGeom prst="rect">
@@ -18592,7 +18455,7 @@
             </p:nvSpPr>
             <p:spPr>
               <a:xfrm>
-                <a:off x="697462" y="4282075"/>
+                <a:off x="356508" y="3663127"/>
                 <a:ext cx="3969333" cy="1618969"/>
               </a:xfrm>
               <a:prstGeom prst="rect">
@@ -18606,7 +18469,7 @@
               <a:lstStyle/>
               <a:p>
                 <a:r>
-                  <a:rPr lang="en-US" sz="2800" dirty="0" smtClean="0"/>
+                  <a:rPr lang="en-US" sz="2800" dirty="0"/>
                   <a:t>For </a:t>
                 </a:r>
                 <a14:m>
@@ -18805,7 +18668,7 @@
             </p:nvSpPr>
             <p:spPr>
               <a:xfrm>
-                <a:off x="697462" y="4282075"/>
+                <a:off x="356508" y="3663127"/>
                 <a:ext cx="3969333" cy="1618969"/>
               </a:xfrm>
               <a:prstGeom prst="rect">
@@ -18814,7 +18677,7 @@
               <a:blipFill>
                 <a:blip r:embed="rId18"/>
                 <a:stretch>
-                  <a:fillRect l="-3067" b="-9774"/>
+                  <a:fillRect l="-3067" b="-10189"/>
                 </a:stretch>
               </a:blipFill>
             </p:spPr>
@@ -18833,6 +18696,352 @@
           </p:sp>
         </mc:Fallback>
       </mc:AlternateContent>
+      <mc:AlternateContent xmlns:mc="http://schemas.openxmlformats.org/markup-compatibility/2006">
+        <mc:Choice xmlns:a14="http://schemas.microsoft.com/office/drawing/2010/main" Requires="a14">
+          <p:sp>
+            <p:nvSpPr>
+              <p:cNvPr id="3" name="Rectangle 2"/>
+              <p:cNvSpPr/>
+              <p:nvPr/>
+            </p:nvSpPr>
+            <p:spPr>
+              <a:xfrm>
+                <a:off x="1356401" y="5505908"/>
+                <a:ext cx="4366773" cy="1153136"/>
+              </a:xfrm>
+              <a:prstGeom prst="rect">
+                <a:avLst/>
+              </a:prstGeom>
+            </p:spPr>
+            <p:txBody>
+              <a:bodyPr wrap="none">
+                <a:spAutoFit/>
+              </a:bodyPr>
+              <a:lstStyle/>
+              <a:p>
+                <a:pPr algn="ctr"/>
+                <a:r>
+                  <a:rPr lang="en-US" sz="2400" dirty="0"/>
+                  <a:t>Probability of measuring spin up: </a:t>
+                </a:r>
+              </a:p>
+              <a:p>
+                <a:pPr algn="ctr"/>
+                <a14:m>
+                  <m:oMathPara xmlns:m="http://schemas.openxmlformats.org/officeDocument/2006/math">
+                    <m:oMathParaPr>
+                      <m:jc m:val="centerGroup"/>
+                    </m:oMathParaPr>
+                    <m:oMath xmlns:m="http://schemas.openxmlformats.org/officeDocument/2006/math">
+                      <m:d>
+                        <m:dPr>
+                          <m:begChr m:val="⟨"/>
+                          <m:endChr m:val="⟩"/>
+                          <m:ctrlPr>
+                            <a:rPr lang="en-US" sz="2400" i="1">
+                              <a:latin typeface="Cambria Math" panose="02040503050406030204" pitchFamily="18" charset="0"/>
+                            </a:rPr>
+                          </m:ctrlPr>
+                        </m:dPr>
+                        <m:e>
+                          <m:sSub>
+                            <m:sSubPr>
+                              <m:ctrlPr>
+                                <a:rPr lang="en-US" sz="2400" i="1">
+                                  <a:latin typeface="Cambria Math" panose="02040503050406030204" pitchFamily="18" charset="0"/>
+                                </a:rPr>
+                              </m:ctrlPr>
+                            </m:sSubPr>
+                            <m:e>
+                              <m:r>
+                                <a:rPr lang="en-US" sz="2400" i="1">
+                                  <a:latin typeface="Cambria Math" panose="02040503050406030204" pitchFamily="18" charset="0"/>
+                                </a:rPr>
+                                <m:t>𝑃</m:t>
+                              </m:r>
+                            </m:e>
+                            <m:sub>
+                              <m:r>
+                                <a:rPr lang="en-US" sz="2400" i="1">
+                                  <a:latin typeface="Cambria Math" panose="02040503050406030204" pitchFamily="18" charset="0"/>
+                                  <a:ea typeface="Cambria Math" panose="02040503050406030204" pitchFamily="18" charset="0"/>
+                                </a:rPr>
+                                <m:t>↑</m:t>
+                              </m:r>
+                            </m:sub>
+                          </m:sSub>
+                        </m:e>
+                      </m:d>
+                      <m:r>
+                        <a:rPr lang="en-US" sz="2400" i="1">
+                          <a:latin typeface="Cambria Math" panose="02040503050406030204" pitchFamily="18" charset="0"/>
+                        </a:rPr>
+                        <m:t>= </m:t>
+                      </m:r>
+                      <m:f>
+                        <m:fPr>
+                          <m:ctrlPr>
+                            <a:rPr lang="en-US" sz="2400" i="1">
+                              <a:latin typeface="Cambria Math" panose="02040503050406030204" pitchFamily="18" charset="0"/>
+                            </a:rPr>
+                          </m:ctrlPr>
+                        </m:fPr>
+                        <m:num>
+                          <m:r>
+                            <a:rPr lang="en-US" sz="2400" i="1">
+                              <a:latin typeface="Cambria Math" panose="02040503050406030204" pitchFamily="18" charset="0"/>
+                            </a:rPr>
+                            <m:t>1</m:t>
+                          </m:r>
+                        </m:num>
+                        <m:den>
+                          <m:r>
+                            <a:rPr lang="en-US" sz="2400" i="1">
+                              <a:latin typeface="Cambria Math" panose="02040503050406030204" pitchFamily="18" charset="0"/>
+                            </a:rPr>
+                            <m:t>2</m:t>
+                          </m:r>
+                        </m:den>
+                      </m:f>
+                      <m:d>
+                        <m:dPr>
+                          <m:begChr m:val="["/>
+                          <m:endChr m:val="]"/>
+                          <m:ctrlPr>
+                            <a:rPr lang="en-US" sz="2400" i="1">
+                              <a:latin typeface="Cambria Math" panose="02040503050406030204" pitchFamily="18" charset="0"/>
+                            </a:rPr>
+                          </m:ctrlPr>
+                        </m:dPr>
+                        <m:e>
+                          <m:r>
+                            <a:rPr lang="en-US" sz="2400" i="1">
+                              <a:latin typeface="Cambria Math" panose="02040503050406030204" pitchFamily="18" charset="0"/>
+                            </a:rPr>
+                            <m:t>1−</m:t>
+                          </m:r>
+                          <m:sSup>
+                            <m:sSupPr>
+                              <m:ctrlPr>
+                                <a:rPr lang="en-US" sz="2400" i="1">
+                                  <a:latin typeface="Cambria Math" panose="02040503050406030204" pitchFamily="18" charset="0"/>
+                                </a:rPr>
+                              </m:ctrlPr>
+                            </m:sSupPr>
+                            <m:e>
+                              <m:r>
+                                <a:rPr lang="en-US" sz="2400" i="1">
+                                  <a:latin typeface="Cambria Math" panose="02040503050406030204" pitchFamily="18" charset="0"/>
+                                </a:rPr>
+                                <m:t>𝑒</m:t>
+                              </m:r>
+                            </m:e>
+                            <m:sup>
+                              <m:r>
+                                <a:rPr lang="en-US" sz="2400" i="1">
+                                  <a:latin typeface="Cambria Math" panose="02040503050406030204" pitchFamily="18" charset="0"/>
+                                </a:rPr>
+                                <m:t>−</m:t>
+                              </m:r>
+                              <m:r>
+                                <m:rPr>
+                                  <m:sty m:val="p"/>
+                                </m:rPr>
+                                <a:rPr lang="el-GR" sz="2400" i="1">
+                                  <a:latin typeface="Cambria Math" panose="02040503050406030204" pitchFamily="18" charset="0"/>
+                                  <a:ea typeface="Cambria Math" panose="02040503050406030204" pitchFamily="18" charset="0"/>
+                                </a:rPr>
+                                <m:t>Γ</m:t>
+                              </m:r>
+                              <m:r>
+                                <a:rPr lang="en-US" sz="2400" i="1">
+                                  <a:latin typeface="Cambria Math" panose="02040503050406030204" pitchFamily="18" charset="0"/>
+                                  <a:ea typeface="Cambria Math" panose="02040503050406030204" pitchFamily="18" charset="0"/>
+                                </a:rPr>
+                                <m:t>𝜏</m:t>
+                              </m:r>
+                            </m:sup>
+                          </m:sSup>
+                          <m:sSub>
+                            <m:sSubPr>
+                              <m:ctrlPr>
+                                <a:rPr lang="en-US" sz="2400" i="1">
+                                  <a:latin typeface="Cambria Math" panose="02040503050406030204" pitchFamily="18" charset="0"/>
+                                </a:rPr>
+                              </m:ctrlPr>
+                            </m:sSubPr>
+                            <m:e>
+                              <m:r>
+                                <a:rPr lang="en-US" sz="2400" i="1">
+                                  <a:latin typeface="Cambria Math" panose="02040503050406030204" pitchFamily="18" charset="0"/>
+                                </a:rPr>
+                                <m:t>𝐽</m:t>
+                              </m:r>
+                            </m:e>
+                            <m:sub>
+                              <m:r>
+                                <a:rPr lang="en-US" sz="2400" i="1">
+                                  <a:latin typeface="Cambria Math" panose="02040503050406030204" pitchFamily="18" charset="0"/>
+                                </a:rPr>
+                                <m:t>0</m:t>
+                              </m:r>
+                            </m:sub>
+                          </m:sSub>
+                          <m:d>
+                            <m:dPr>
+                              <m:ctrlPr>
+                                <a:rPr lang="en-US" sz="2400" i="1">
+                                  <a:latin typeface="Cambria Math" panose="02040503050406030204" pitchFamily="18" charset="0"/>
+                                </a:rPr>
+                              </m:ctrlPr>
+                            </m:dPr>
+                            <m:e>
+                              <m:sSub>
+                                <m:sSubPr>
+                                  <m:ctrlPr>
+                                    <a:rPr lang="en-US" sz="2400" i="1">
+                                      <a:latin typeface="Cambria Math" panose="02040503050406030204" pitchFamily="18" charset="0"/>
+                                      <a:ea typeface="Cambria Math" panose="02040503050406030204" pitchFamily="18" charset="0"/>
+                                    </a:rPr>
+                                  </m:ctrlPr>
+                                </m:sSubPr>
+                                <m:e>
+                                  <m:r>
+                                    <a:rPr lang="en-US" sz="2400" i="1">
+                                      <a:latin typeface="Cambria Math" panose="02040503050406030204" pitchFamily="18" charset="0"/>
+                                      <a:ea typeface="Cambria Math" panose="02040503050406030204" pitchFamily="18" charset="0"/>
+                                    </a:rPr>
+                                    <m:t>𝜃</m:t>
+                                  </m:r>
+                                </m:e>
+                                <m:sub>
+                                  <m:r>
+                                    <a:rPr lang="en-US" sz="2400" i="1">
+                                      <a:latin typeface="Cambria Math" panose="02040503050406030204" pitchFamily="18" charset="0"/>
+                                      <a:ea typeface="Cambria Math" panose="02040503050406030204" pitchFamily="18" charset="0"/>
+                                    </a:rPr>
+                                    <m:t>𝑚𝑎𝑥</m:t>
+                                  </m:r>
+                                </m:sub>
+                              </m:sSub>
+                            </m:e>
+                          </m:d>
+                        </m:e>
+                      </m:d>
+                    </m:oMath>
+                  </m:oMathPara>
+                </a14:m>
+                <a:endParaRPr lang="en-US" sz="2400" dirty="0"/>
+              </a:p>
+            </p:txBody>
+          </p:sp>
+        </mc:Choice>
+        <mc:Fallback>
+          <p:sp>
+            <p:nvSpPr>
+              <p:cNvPr id="3" name="Rectangle 2"/>
+              <p:cNvSpPr>
+                <a:spLocks noRot="1" noChangeAspect="1" noMove="1" noResize="1" noEditPoints="1" noAdjustHandles="1" noChangeArrowheads="1" noChangeShapeType="1" noTextEdit="1"/>
+              </p:cNvSpPr>
+              <p:nvPr/>
+            </p:nvSpPr>
+            <p:spPr>
+              <a:xfrm>
+                <a:off x="1356401" y="5505908"/>
+                <a:ext cx="4366773" cy="1153136"/>
+              </a:xfrm>
+              <a:prstGeom prst="rect">
+                <a:avLst/>
+              </a:prstGeom>
+              <a:blipFill>
+                <a:blip r:embed="rId19"/>
+                <a:stretch>
+                  <a:fillRect l="-1816" t="-4233" r="-1536"/>
+                </a:stretch>
+              </a:blipFill>
+            </p:spPr>
+            <p:txBody>
+              <a:bodyPr/>
+              <a:lstStyle/>
+              <a:p>
+                <a:r>
+                  <a:rPr lang="en-US">
+                    <a:noFill/>
+                  </a:rPr>
+                  <a:t> </a:t>
+                </a:r>
+              </a:p>
+            </p:txBody>
+          </p:sp>
+        </mc:Fallback>
+      </mc:AlternateContent>
+      <p:sp>
+        <p:nvSpPr>
+          <p:cNvPr id="37" name="Rounded Rectangle 36"/>
+          <p:cNvSpPr/>
+          <p:nvPr/>
+        </p:nvSpPr>
+        <p:spPr>
+          <a:xfrm>
+            <a:off x="1309031" y="5495970"/>
+            <a:ext cx="4478740" cy="1153136"/>
+          </a:xfrm>
+          <a:prstGeom prst="roundRect">
+            <a:avLst/>
+          </a:prstGeom>
+          <a:noFill/>
+        </p:spPr>
+        <p:style>
+          <a:lnRef idx="2">
+            <a:schemeClr val="accent1">
+              <a:shade val="50000"/>
+            </a:schemeClr>
+          </a:lnRef>
+          <a:fillRef idx="1">
+            <a:schemeClr val="accent1"/>
+          </a:fillRef>
+          <a:effectRef idx="0">
+            <a:schemeClr val="accent1"/>
+          </a:effectRef>
+          <a:fontRef idx="minor">
+            <a:schemeClr val="lt1"/>
+          </a:fontRef>
+        </p:style>
+        <p:txBody>
+          <a:bodyPr rtlCol="0" anchor="ctr"/>
+          <a:lstStyle/>
+          <a:p>
+            <a:pPr marL="0" marR="0" lvl="0" indent="0" algn="ctr" defTabSz="914400" eaLnBrk="1" fontAlgn="auto" latinLnBrk="0" hangingPunct="1">
+              <a:lnSpc>
+                <a:spcPct val="100000"/>
+              </a:lnSpc>
+              <a:spcBef>
+                <a:spcPts val="0"/>
+              </a:spcBef>
+              <a:spcAft>
+                <a:spcPts val="0"/>
+              </a:spcAft>
+              <a:buClrTx/>
+              <a:buSzTx/>
+              <a:buFontTx/>
+              <a:buNone/>
+              <a:tabLst/>
+              <a:defRPr/>
+            </a:pPr>
+            <a:endParaRPr kumimoji="0" lang="en-US" sz="1800" b="0" i="0" u="none" strike="noStrike" kern="0" cap="none" spc="0" normalizeH="0" baseline="0" noProof="0">
+              <a:ln>
+                <a:noFill/>
+              </a:ln>
+              <a:solidFill>
+                <a:sysClr val="windowText" lastClr="000000"/>
+              </a:solidFill>
+              <a:effectLst/>
+              <a:uLnTx/>
+              <a:uFillTx/>
+            </a:endParaRPr>
+          </a:p>
+        </p:txBody>
+      </p:sp>
     </p:spTree>
     <p:extLst>
       <p:ext uri="{BB962C8B-B14F-4D97-AF65-F5344CB8AC3E}">
@@ -18843,13 +19052,6 @@
   <p:clrMapOvr>
     <a:masterClrMapping/>
   </p:clrMapOvr>
-  <p:timing>
-    <p:tnLst>
-      <p:par>
-        <p:cTn id="1" dur="indefinite" restart="never" nodeType="tmRoot"/>
-      </p:par>
-    </p:tnLst>
-  </p:timing>
 </p:sld>
 </file>
 
@@ -18870,6 +19072,296 @@
           <a:chExt cx="0" cy="0"/>
         </a:xfrm>
       </p:grpSpPr>
+      <p:grpSp>
+        <p:nvGrpSpPr>
+          <p:cNvPr id="1047" name="Group 1046"/>
+          <p:cNvGrpSpPr/>
+          <p:nvPr/>
+        </p:nvGrpSpPr>
+        <p:grpSpPr>
+          <a:xfrm>
+            <a:off x="78539" y="2755110"/>
+            <a:ext cx="4862769" cy="2115935"/>
+            <a:chOff x="55460" y="2735475"/>
+            <a:chExt cx="4862769" cy="2115935"/>
+          </a:xfrm>
+        </p:grpSpPr>
+        <p:grpSp>
+          <p:nvGrpSpPr>
+            <p:cNvPr id="20" name="Group 19"/>
+            <p:cNvGrpSpPr>
+              <a:grpSpLocks noChangeAspect="1"/>
+            </p:cNvGrpSpPr>
+            <p:nvPr/>
+          </p:nvGrpSpPr>
+          <p:grpSpPr>
+            <a:xfrm>
+              <a:off x="55460" y="2735475"/>
+              <a:ext cx="4862769" cy="2115935"/>
+              <a:chOff x="55460" y="2948541"/>
+              <a:chExt cx="5136159" cy="2234895"/>
+            </a:xfrm>
+          </p:grpSpPr>
+          <p:pic>
+            <p:nvPicPr>
+              <p:cNvPr id="14" name="Picture 13"/>
+              <p:cNvPicPr>
+                <a:picLocks noChangeAspect="1"/>
+              </p:cNvPicPr>
+              <p:nvPr/>
+            </p:nvPicPr>
+            <p:blipFill>
+              <a:blip r:embed="rId3">
+                <a:extLst>
+                  <a:ext uri="{28A0092B-C50C-407E-A947-70E740481C1C}">
+                    <a14:useLocalDpi xmlns:a14="http://schemas.microsoft.com/office/drawing/2010/main" val="0"/>
+                  </a:ext>
+                </a:extLst>
+              </a:blip>
+              <a:stretch>
+                <a:fillRect/>
+              </a:stretch>
+            </p:blipFill>
+            <p:spPr>
+              <a:xfrm>
+                <a:off x="209349" y="2948541"/>
+                <a:ext cx="4982270" cy="2124371"/>
+              </a:xfrm>
+              <a:prstGeom prst="rect">
+                <a:avLst/>
+              </a:prstGeom>
+            </p:spPr>
+          </p:pic>
+          <mc:AlternateContent xmlns:mc="http://schemas.openxmlformats.org/markup-compatibility/2006" xmlns:a14="http://schemas.microsoft.com/office/drawing/2010/main">
+            <mc:Choice Requires="a14">
+              <p:sp>
+                <p:nvSpPr>
+                  <p:cNvPr id="21" name="TextBox 20"/>
+                  <p:cNvSpPr txBox="1"/>
+                  <p:nvPr/>
+                </p:nvSpPr>
+                <p:spPr>
+                  <a:xfrm rot="16200000">
+                    <a:off x="-175628" y="3796164"/>
+                    <a:ext cx="769954" cy="307777"/>
+                  </a:xfrm>
+                  <a:prstGeom prst="rect">
+                    <a:avLst/>
+                  </a:prstGeom>
+                  <a:noFill/>
+                </p:spPr>
+                <p:txBody>
+                  <a:bodyPr wrap="none" rtlCol="0">
+                    <a:spAutoFit/>
+                  </a:bodyPr>
+                  <a:lstStyle/>
+                  <a:p>
+                    <a14:m>
+                      <m:oMath xmlns:m="http://schemas.openxmlformats.org/officeDocument/2006/math">
+                        <m:d>
+                          <m:dPr>
+                            <m:begChr m:val="⟨"/>
+                            <m:endChr m:val="⟩"/>
+                            <m:ctrlPr>
+                              <a:rPr lang="en-US" sz="1400" i="1" smtClean="0">
+                                <a:latin typeface="Cambria Math" panose="02040503050406030204" pitchFamily="18" charset="0"/>
+                              </a:rPr>
+                            </m:ctrlPr>
+                          </m:dPr>
+                          <m:e>
+                            <m:sSub>
+                              <m:sSubPr>
+                                <m:ctrlPr>
+                                  <a:rPr lang="en-US" sz="1400" b="0" i="1" smtClean="0">
+                                    <a:latin typeface="Cambria Math" panose="02040503050406030204" pitchFamily="18" charset="0"/>
+                                  </a:rPr>
+                                </m:ctrlPr>
+                              </m:sSubPr>
+                              <m:e>
+                                <m:r>
+                                  <a:rPr lang="en-US" sz="1400" b="0" i="1" smtClean="0">
+                                    <a:latin typeface="Cambria Math" panose="02040503050406030204" pitchFamily="18" charset="0"/>
+                                  </a:rPr>
+                                  <m:t>𝑃</m:t>
+                                </m:r>
+                              </m:e>
+                              <m:sub>
+                                <m:r>
+                                  <a:rPr lang="en-US" sz="1400" b="0" i="1" smtClean="0">
+                                    <a:latin typeface="Cambria Math" panose="02040503050406030204" pitchFamily="18" charset="0"/>
+                                    <a:ea typeface="Cambria Math" panose="02040503050406030204" pitchFamily="18" charset="0"/>
+                                  </a:rPr>
+                                  <m:t>↑</m:t>
+                                </m:r>
+                              </m:sub>
+                            </m:sSub>
+                          </m:e>
+                        </m:d>
+                      </m:oMath>
+                    </a14:m>
+                    <a:r>
+                      <a:rPr lang="en-US" sz="1400" dirty="0"/>
+                      <a:t> (%)</a:t>
+                    </a:r>
+                  </a:p>
+                </p:txBody>
+              </p:sp>
+            </mc:Choice>
+            <mc:Fallback xmlns="">
+              <p:sp>
+                <p:nvSpPr>
+                  <p:cNvPr id="21" name="TextBox 20"/>
+                  <p:cNvSpPr txBox="1">
+                    <a:spLocks noRot="1" noChangeAspect="1" noMove="1" noResize="1" noEditPoints="1" noAdjustHandles="1" noChangeArrowheads="1" noChangeShapeType="1" noTextEdit="1"/>
+                  </p:cNvSpPr>
+                  <p:nvPr/>
+                </p:nvSpPr>
+                <p:spPr>
+                  <a:xfrm rot="16200000">
+                    <a:off x="-175628" y="3796164"/>
+                    <a:ext cx="769954" cy="307777"/>
+                  </a:xfrm>
+                  <a:prstGeom prst="rect">
+                    <a:avLst/>
+                  </a:prstGeom>
+                  <a:blipFill>
+                    <a:blip r:embed="rId10"/>
+                    <a:stretch>
+                      <a:fillRect l="-4167" t="-7500" r="-27083"/>
+                    </a:stretch>
+                  </a:blipFill>
+                </p:spPr>
+                <p:txBody>
+                  <a:bodyPr/>
+                  <a:lstStyle/>
+                  <a:p>
+                    <a:r>
+                      <a:rPr lang="en-US">
+                        <a:noFill/>
+                      </a:rPr>
+                      <a:t> </a:t>
+                    </a:r>
+                  </a:p>
+                </p:txBody>
+              </p:sp>
+            </mc:Fallback>
+          </mc:AlternateContent>
+          <mc:AlternateContent xmlns:mc="http://schemas.openxmlformats.org/markup-compatibility/2006" xmlns:a14="http://schemas.microsoft.com/office/drawing/2010/main">
+            <mc:Choice Requires="a14">
+              <p:sp>
+                <p:nvSpPr>
+                  <p:cNvPr id="22" name="TextBox 21"/>
+                  <p:cNvSpPr txBox="1"/>
+                  <p:nvPr/>
+                </p:nvSpPr>
+                <p:spPr>
+                  <a:xfrm>
+                    <a:off x="1376115" y="4875659"/>
+                    <a:ext cx="2648738" cy="307777"/>
+                  </a:xfrm>
+                  <a:prstGeom prst="rect">
+                    <a:avLst/>
+                  </a:prstGeom>
+                  <a:noFill/>
+                </p:spPr>
+                <p:txBody>
+                  <a:bodyPr wrap="none" rtlCol="0">
+                    <a:spAutoFit/>
+                  </a:bodyPr>
+                  <a:lstStyle/>
+                  <a:p>
+                    <a:r>
+                      <a:rPr lang="en-US" sz="1400" dirty="0"/>
+                      <a:t>ODF Difference Frequency </a:t>
+                    </a:r>
+                    <a14:m>
+                      <m:oMath xmlns:m="http://schemas.openxmlformats.org/officeDocument/2006/math">
+                        <m:r>
+                          <a:rPr lang="en-US" sz="1400" b="0" i="1" smtClean="0">
+                            <a:latin typeface="Cambria Math" panose="02040503050406030204" pitchFamily="18" charset="0"/>
+                          </a:rPr>
+                          <m:t>𝜇</m:t>
+                        </m:r>
+                      </m:oMath>
+                    </a14:m>
+                    <a:r>
+                      <a:rPr lang="en-US" sz="1400" dirty="0"/>
+                      <a:t> (kHz)</a:t>
+                    </a:r>
+                  </a:p>
+                </p:txBody>
+              </p:sp>
+            </mc:Choice>
+            <mc:Fallback xmlns="">
+              <p:sp>
+                <p:nvSpPr>
+                  <p:cNvPr id="22" name="TextBox 21"/>
+                  <p:cNvSpPr txBox="1">
+                    <a:spLocks noRot="1" noChangeAspect="1" noMove="1" noResize="1" noEditPoints="1" noAdjustHandles="1" noChangeArrowheads="1" noChangeShapeType="1" noTextEdit="1"/>
+                  </p:cNvSpPr>
+                  <p:nvPr/>
+                </p:nvSpPr>
+                <p:spPr>
+                  <a:xfrm>
+                    <a:off x="1376115" y="4875659"/>
+                    <a:ext cx="2648738" cy="307777"/>
+                  </a:xfrm>
+                  <a:prstGeom prst="rect">
+                    <a:avLst/>
+                  </a:prstGeom>
+                  <a:blipFill>
+                    <a:blip r:embed="rId11"/>
+                    <a:stretch>
+                      <a:fillRect l="-728" t="-4167" r="-5097" b="-27083"/>
+                    </a:stretch>
+                  </a:blipFill>
+                </p:spPr>
+                <p:txBody>
+                  <a:bodyPr/>
+                  <a:lstStyle/>
+                  <a:p>
+                    <a:r>
+                      <a:rPr lang="en-US">
+                        <a:noFill/>
+                      </a:rPr>
+                      <a:t> </a:t>
+                    </a:r>
+                  </a:p>
+                </p:txBody>
+              </p:sp>
+            </mc:Fallback>
+          </mc:AlternateContent>
+        </p:grpSp>
+        <p:sp>
+          <p:nvSpPr>
+            <p:cNvPr id="19" name="TextBox 18"/>
+            <p:cNvSpPr txBox="1"/>
+            <p:nvPr/>
+          </p:nvSpPr>
+          <p:spPr>
+            <a:xfrm>
+              <a:off x="1833921" y="2925126"/>
+              <a:ext cx="2809039" cy="369332"/>
+            </a:xfrm>
+            <a:prstGeom prst="rect">
+              <a:avLst/>
+            </a:prstGeom>
+            <a:noFill/>
+          </p:spPr>
+          <p:txBody>
+            <a:bodyPr wrap="none" rtlCol="0">
+              <a:spAutoFit/>
+            </a:bodyPr>
+            <a:lstStyle/>
+            <a:p>
+              <a:r>
+                <a:rPr lang="en-US" dirty="0"/>
+                <a:t>800 us ODF interaction time</a:t>
+              </a:r>
+            </a:p>
+          </p:txBody>
+        </p:sp>
+      </p:grpSp>
       <p:sp>
         <p:nvSpPr>
           <p:cNvPr id="2" name="Title 1"/>
@@ -18920,7 +19412,7 @@
             <p:nvPr/>
           </p:nvPicPr>
           <p:blipFill>
-            <a:blip r:embed="rId3">
+            <a:blip r:embed="rId12">
               <a:extLst>
                 <a:ext uri="{28A0092B-C50C-407E-A947-70E740481C1C}">
                   <a14:useLocalDpi xmlns:a14="http://schemas.microsoft.com/office/drawing/2010/main" val="0"/>
@@ -19166,7 +19658,7 @@
             <p:nvPr/>
           </p:nvPicPr>
           <p:blipFill>
-            <a:blip r:embed="rId6">
+            <a:blip r:embed="rId13">
               <a:extLst>
                 <a:ext uri="{28A0092B-C50C-407E-A947-70E740481C1C}">
                   <a14:useLocalDpi xmlns:a14="http://schemas.microsoft.com/office/drawing/2010/main" val="0"/>
@@ -19418,296 +19910,6 @@
       </p:sp>
       <p:grpSp>
         <p:nvGrpSpPr>
-          <p:cNvPr id="1047" name="Group 1046"/>
-          <p:cNvGrpSpPr/>
-          <p:nvPr/>
-        </p:nvGrpSpPr>
-        <p:grpSpPr>
-          <a:xfrm>
-            <a:off x="55460" y="2735475"/>
-            <a:ext cx="4862769" cy="2115935"/>
-            <a:chOff x="55460" y="2735475"/>
-            <a:chExt cx="4862769" cy="2115935"/>
-          </a:xfrm>
-        </p:grpSpPr>
-        <p:grpSp>
-          <p:nvGrpSpPr>
-            <p:cNvPr id="20" name="Group 19"/>
-            <p:cNvGrpSpPr>
-              <a:grpSpLocks noChangeAspect="1"/>
-            </p:cNvGrpSpPr>
-            <p:nvPr/>
-          </p:nvGrpSpPr>
-          <p:grpSpPr>
-            <a:xfrm>
-              <a:off x="55460" y="2735475"/>
-              <a:ext cx="4862769" cy="2115935"/>
-              <a:chOff x="55460" y="2948541"/>
-              <a:chExt cx="5136159" cy="2234895"/>
-            </a:xfrm>
-          </p:grpSpPr>
-          <p:pic>
-            <p:nvPicPr>
-              <p:cNvPr id="14" name="Picture 13"/>
-              <p:cNvPicPr>
-                <a:picLocks noChangeAspect="1"/>
-              </p:cNvPicPr>
-              <p:nvPr/>
-            </p:nvPicPr>
-            <p:blipFill>
-              <a:blip r:embed="rId9">
-                <a:extLst>
-                  <a:ext uri="{28A0092B-C50C-407E-A947-70E740481C1C}">
-                    <a14:useLocalDpi xmlns:a14="http://schemas.microsoft.com/office/drawing/2010/main" val="0"/>
-                  </a:ext>
-                </a:extLst>
-              </a:blip>
-              <a:stretch>
-                <a:fillRect/>
-              </a:stretch>
-            </p:blipFill>
-            <p:spPr>
-              <a:xfrm>
-                <a:off x="209349" y="2948541"/>
-                <a:ext cx="4982270" cy="2124371"/>
-              </a:xfrm>
-              <a:prstGeom prst="rect">
-                <a:avLst/>
-              </a:prstGeom>
-            </p:spPr>
-          </p:pic>
-          <mc:AlternateContent xmlns:mc="http://schemas.openxmlformats.org/markup-compatibility/2006" xmlns:a14="http://schemas.microsoft.com/office/drawing/2010/main">
-            <mc:Choice Requires="a14">
-              <p:sp>
-                <p:nvSpPr>
-                  <p:cNvPr id="21" name="TextBox 20"/>
-                  <p:cNvSpPr txBox="1"/>
-                  <p:nvPr/>
-                </p:nvSpPr>
-                <p:spPr>
-                  <a:xfrm rot="16200000">
-                    <a:off x="-175628" y="3796164"/>
-                    <a:ext cx="769954" cy="307777"/>
-                  </a:xfrm>
-                  <a:prstGeom prst="rect">
-                    <a:avLst/>
-                  </a:prstGeom>
-                  <a:noFill/>
-                </p:spPr>
-                <p:txBody>
-                  <a:bodyPr wrap="none" rtlCol="0">
-                    <a:spAutoFit/>
-                  </a:bodyPr>
-                  <a:lstStyle/>
-                  <a:p>
-                    <a14:m>
-                      <m:oMath xmlns:m="http://schemas.openxmlformats.org/officeDocument/2006/math">
-                        <m:d>
-                          <m:dPr>
-                            <m:begChr m:val="⟨"/>
-                            <m:endChr m:val="⟩"/>
-                            <m:ctrlPr>
-                              <a:rPr lang="en-US" sz="1400" i="1" smtClean="0">
-                                <a:latin typeface="Cambria Math" panose="02040503050406030204" pitchFamily="18" charset="0"/>
-                              </a:rPr>
-                            </m:ctrlPr>
-                          </m:dPr>
-                          <m:e>
-                            <m:sSub>
-                              <m:sSubPr>
-                                <m:ctrlPr>
-                                  <a:rPr lang="en-US" sz="1400" b="0" i="1" smtClean="0">
-                                    <a:latin typeface="Cambria Math" panose="02040503050406030204" pitchFamily="18" charset="0"/>
-                                  </a:rPr>
-                                </m:ctrlPr>
-                              </m:sSubPr>
-                              <m:e>
-                                <m:r>
-                                  <a:rPr lang="en-US" sz="1400" b="0" i="1" smtClean="0">
-                                    <a:latin typeface="Cambria Math" panose="02040503050406030204" pitchFamily="18" charset="0"/>
-                                  </a:rPr>
-                                  <m:t>𝑃</m:t>
-                                </m:r>
-                              </m:e>
-                              <m:sub>
-                                <m:r>
-                                  <a:rPr lang="en-US" sz="1400" b="0" i="1" smtClean="0">
-                                    <a:latin typeface="Cambria Math" panose="02040503050406030204" pitchFamily="18" charset="0"/>
-                                    <a:ea typeface="Cambria Math" panose="02040503050406030204" pitchFamily="18" charset="0"/>
-                                  </a:rPr>
-                                  <m:t>↑</m:t>
-                                </m:r>
-                              </m:sub>
-                            </m:sSub>
-                          </m:e>
-                        </m:d>
-                      </m:oMath>
-                    </a14:m>
-                    <a:r>
-                      <a:rPr lang="en-US" sz="1400" dirty="0"/>
-                      <a:t> (%)</a:t>
-                    </a:r>
-                  </a:p>
-                </p:txBody>
-              </p:sp>
-            </mc:Choice>
-            <mc:Fallback xmlns="">
-              <p:sp>
-                <p:nvSpPr>
-                  <p:cNvPr id="21" name="TextBox 20"/>
-                  <p:cNvSpPr txBox="1">
-                    <a:spLocks noRot="1" noChangeAspect="1" noMove="1" noResize="1" noEditPoints="1" noAdjustHandles="1" noChangeArrowheads="1" noChangeShapeType="1" noTextEdit="1"/>
-                  </p:cNvSpPr>
-                  <p:nvPr/>
-                </p:nvSpPr>
-                <p:spPr>
-                  <a:xfrm rot="16200000">
-                    <a:off x="-175628" y="3796164"/>
-                    <a:ext cx="769954" cy="307777"/>
-                  </a:xfrm>
-                  <a:prstGeom prst="rect">
-                    <a:avLst/>
-                  </a:prstGeom>
-                  <a:blipFill>
-                    <a:blip r:embed="rId10"/>
-                    <a:stretch>
-                      <a:fillRect l="-4167" t="-7500" r="-27083"/>
-                    </a:stretch>
-                  </a:blipFill>
-                </p:spPr>
-                <p:txBody>
-                  <a:bodyPr/>
-                  <a:lstStyle/>
-                  <a:p>
-                    <a:r>
-                      <a:rPr lang="en-US">
-                        <a:noFill/>
-                      </a:rPr>
-                      <a:t> </a:t>
-                    </a:r>
-                  </a:p>
-                </p:txBody>
-              </p:sp>
-            </mc:Fallback>
-          </mc:AlternateContent>
-          <mc:AlternateContent xmlns:mc="http://schemas.openxmlformats.org/markup-compatibility/2006" xmlns:a14="http://schemas.microsoft.com/office/drawing/2010/main">
-            <mc:Choice Requires="a14">
-              <p:sp>
-                <p:nvSpPr>
-                  <p:cNvPr id="22" name="TextBox 21"/>
-                  <p:cNvSpPr txBox="1"/>
-                  <p:nvPr/>
-                </p:nvSpPr>
-                <p:spPr>
-                  <a:xfrm>
-                    <a:off x="1376115" y="4875659"/>
-                    <a:ext cx="2648738" cy="307777"/>
-                  </a:xfrm>
-                  <a:prstGeom prst="rect">
-                    <a:avLst/>
-                  </a:prstGeom>
-                  <a:noFill/>
-                </p:spPr>
-                <p:txBody>
-                  <a:bodyPr wrap="none" rtlCol="0">
-                    <a:spAutoFit/>
-                  </a:bodyPr>
-                  <a:lstStyle/>
-                  <a:p>
-                    <a:r>
-                      <a:rPr lang="en-US" sz="1400" dirty="0"/>
-                      <a:t>ODF Difference Frequency </a:t>
-                    </a:r>
-                    <a14:m>
-                      <m:oMath xmlns:m="http://schemas.openxmlformats.org/officeDocument/2006/math">
-                        <m:r>
-                          <a:rPr lang="en-US" sz="1400" b="0" i="1" smtClean="0">
-                            <a:latin typeface="Cambria Math" panose="02040503050406030204" pitchFamily="18" charset="0"/>
-                          </a:rPr>
-                          <m:t>𝜇</m:t>
-                        </m:r>
-                      </m:oMath>
-                    </a14:m>
-                    <a:r>
-                      <a:rPr lang="en-US" sz="1400" dirty="0"/>
-                      <a:t> (kHz)</a:t>
-                    </a:r>
-                  </a:p>
-                </p:txBody>
-              </p:sp>
-            </mc:Choice>
-            <mc:Fallback xmlns="">
-              <p:sp>
-                <p:nvSpPr>
-                  <p:cNvPr id="22" name="TextBox 21"/>
-                  <p:cNvSpPr txBox="1">
-                    <a:spLocks noRot="1" noChangeAspect="1" noMove="1" noResize="1" noEditPoints="1" noAdjustHandles="1" noChangeArrowheads="1" noChangeShapeType="1" noTextEdit="1"/>
-                  </p:cNvSpPr>
-                  <p:nvPr/>
-                </p:nvSpPr>
-                <p:spPr>
-                  <a:xfrm>
-                    <a:off x="1376115" y="4875659"/>
-                    <a:ext cx="2648738" cy="307777"/>
-                  </a:xfrm>
-                  <a:prstGeom prst="rect">
-                    <a:avLst/>
-                  </a:prstGeom>
-                  <a:blipFill>
-                    <a:blip r:embed="rId11"/>
-                    <a:stretch>
-                      <a:fillRect l="-728" t="-4167" r="-5097" b="-27083"/>
-                    </a:stretch>
-                  </a:blipFill>
-                </p:spPr>
-                <p:txBody>
-                  <a:bodyPr/>
-                  <a:lstStyle/>
-                  <a:p>
-                    <a:r>
-                      <a:rPr lang="en-US">
-                        <a:noFill/>
-                      </a:rPr>
-                      <a:t> </a:t>
-                    </a:r>
-                  </a:p>
-                </p:txBody>
-              </p:sp>
-            </mc:Fallback>
-          </mc:AlternateContent>
-        </p:grpSp>
-        <p:sp>
-          <p:nvSpPr>
-            <p:cNvPr id="19" name="TextBox 18"/>
-            <p:cNvSpPr txBox="1"/>
-            <p:nvPr/>
-          </p:nvSpPr>
-          <p:spPr>
-            <a:xfrm>
-              <a:off x="1833921" y="2925126"/>
-              <a:ext cx="2809039" cy="369332"/>
-            </a:xfrm>
-            <a:prstGeom prst="rect">
-              <a:avLst/>
-            </a:prstGeom>
-            <a:noFill/>
-          </p:spPr>
-          <p:txBody>
-            <a:bodyPr wrap="none" rtlCol="0">
-              <a:spAutoFit/>
-            </a:bodyPr>
-            <a:lstStyle/>
-            <a:p>
-              <a:r>
-                <a:rPr lang="en-US" dirty="0"/>
-                <a:t>800 us ODF interaction time</a:t>
-              </a:r>
-            </a:p>
-          </p:txBody>
-        </p:sp>
-      </p:grpSp>
-      <p:grpSp>
-        <p:nvGrpSpPr>
           <p:cNvPr id="1048" name="Group 1047"/>
           <p:cNvGrpSpPr/>
           <p:nvPr/>
@@ -19745,7 +19947,7 @@
               <p:nvPr/>
             </p:nvPicPr>
             <p:blipFill>
-              <a:blip r:embed="rId12">
+              <a:blip r:embed="rId14">
                 <a:extLst>
                   <a:ext uri="{28A0092B-C50C-407E-A947-70E740481C1C}">
                     <a14:useLocalDpi xmlns:a14="http://schemas.microsoft.com/office/drawing/2010/main" val="0"/>
@@ -19830,7 +20032,7 @@
                     <a:avLst/>
                   </a:prstGeom>
                   <a:blipFill>
-                    <a:blip r:embed="rId13"/>
+                    <a:blip r:embed="rId15"/>
                     <a:stretch>
                       <a:fillRect l="-691" t="-1961" b="-19608"/>
                     </a:stretch>
@@ -19944,7 +20146,7 @@
                     <a:avLst/>
                   </a:prstGeom>
                   <a:blipFill>
-                    <a:blip r:embed="rId14"/>
+                    <a:blip r:embed="rId16"/>
                     <a:stretch>
                       <a:fillRect l="-4000" t="-1575" r="-20000"/>
                     </a:stretch>
@@ -20748,8 +20950,8 @@
             </a:prstGeom>
           </p:spPr>
         </p:pic>
-        <mc:AlternateContent xmlns:mc="http://schemas.openxmlformats.org/markup-compatibility/2006">
-          <mc:Choice xmlns:a14="http://schemas.microsoft.com/office/drawing/2010/main" Requires="a14">
+        <mc:AlternateContent xmlns:mc="http://schemas.openxmlformats.org/markup-compatibility/2006" xmlns:a14="http://schemas.microsoft.com/office/drawing/2010/main">
+          <mc:Choice Requires="a14">
             <p:sp>
               <p:nvSpPr>
                 <p:cNvPr id="3" name="TextBox 2"/>
@@ -20855,7 +21057,7 @@
               </p:txBody>
             </p:sp>
           </mc:Choice>
-          <mc:Fallback>
+          <mc:Fallback xmlns="">
             <p:sp>
               <p:nvSpPr>
                 <p:cNvPr id="3" name="TextBox 2"/>
@@ -22256,8 +22458,8 @@
             </p:nvSpPr>
             <p:spPr>
               <a:xfrm>
-                <a:off x="7420708" y="4758673"/>
-                <a:ext cx="4200771" cy="646331"/>
+                <a:off x="7420708" y="4659924"/>
+                <a:ext cx="4200771" cy="707886"/>
               </a:xfrm>
               <a:prstGeom prst="rect">
                 <a:avLst/>
@@ -22272,7 +22474,7 @@
               <a:p>
                 <a:pPr algn="ctr"/>
                 <a:r>
-                  <a:rPr lang="en-US" dirty="0"/>
+                  <a:rPr lang="en-US" sz="2000" dirty="0"/>
                   <a:t>Our scheme is second order sensitive to </a:t>
                 </a:r>
                 <a14:m>
@@ -22280,14 +22482,14 @@
                     <m:sSub>
                       <m:sSubPr>
                         <m:ctrlPr>
-                          <a:rPr lang="en-US" b="0" i="1" smtClean="0">
+                          <a:rPr lang="en-US" sz="2000" b="0" i="1" smtClean="0">
                             <a:latin typeface="Cambria Math" panose="02040503050406030204" pitchFamily="18" charset="0"/>
                           </a:rPr>
                         </m:ctrlPr>
                       </m:sSubPr>
                       <m:e>
                         <m:r>
-                          <a:rPr lang="en-US" b="0" i="1" smtClean="0">
+                          <a:rPr lang="en-US" sz="2000" b="0" i="1" smtClean="0">
                             <a:latin typeface="Cambria Math" panose="02040503050406030204" pitchFamily="18" charset="0"/>
                           </a:rPr>
                           <m:t>𝑍</m:t>
@@ -22295,7 +22497,7 @@
                       </m:e>
                       <m:sub>
                         <m:r>
-                          <a:rPr lang="en-US" b="0" i="1" smtClean="0">
+                          <a:rPr lang="en-US" sz="2000" b="0" i="1" smtClean="0">
                             <a:latin typeface="Cambria Math" panose="02040503050406030204" pitchFamily="18" charset="0"/>
                           </a:rPr>
                           <m:t>𝑐</m:t>
@@ -22305,7 +22507,7 @@
                   </m:oMath>
                 </a14:m>
                 <a:r>
-                  <a:rPr lang="en-US" dirty="0"/>
+                  <a:rPr lang="en-US" sz="2000" dirty="0"/>
                   <a:t> i.e. we measure </a:t>
                 </a:r>
                 <a14:m>
@@ -22313,14 +22515,14 @@
                     <m:sSubSup>
                       <m:sSubSupPr>
                         <m:ctrlPr>
-                          <a:rPr lang="en-US" b="0" i="1" smtClean="0">
+                          <a:rPr lang="en-US" sz="2000" b="0" i="1" smtClean="0">
                             <a:latin typeface="Cambria Math" panose="02040503050406030204" pitchFamily="18" charset="0"/>
                           </a:rPr>
                         </m:ctrlPr>
                       </m:sSubSupPr>
                       <m:e>
                         <m:r>
-                          <a:rPr lang="en-US" i="1">
+                          <a:rPr lang="en-US" sz="2000" i="1">
                             <a:latin typeface="Cambria Math" panose="02040503050406030204" pitchFamily="18" charset="0"/>
                           </a:rPr>
                           <m:t>𝑍</m:t>
@@ -22328,7 +22530,7 @@
                       </m:e>
                       <m:sub>
                         <m:r>
-                          <a:rPr lang="en-US" i="1">
+                          <a:rPr lang="en-US" sz="2000" i="1">
                             <a:latin typeface="Cambria Math" panose="02040503050406030204" pitchFamily="18" charset="0"/>
                           </a:rPr>
                           <m:t>𝑐</m:t>
@@ -22336,7 +22538,7 @@
                       </m:sub>
                       <m:sup>
                         <m:r>
-                          <a:rPr lang="en-US" b="0" i="1" smtClean="0">
+                          <a:rPr lang="en-US" sz="2000" b="0" i="1" smtClean="0">
                             <a:latin typeface="Cambria Math" panose="02040503050406030204" pitchFamily="18" charset="0"/>
                           </a:rPr>
                           <m:t>2</m:t>
@@ -22345,7 +22547,7 @@
                     </m:sSubSup>
                   </m:oMath>
                 </a14:m>
-                <a:endParaRPr lang="en-US" dirty="0"/>
+                <a:endParaRPr lang="en-US" sz="2000" dirty="0"/>
               </a:p>
             </p:txBody>
           </p:sp>
@@ -22361,8 +22563,8 @@
             </p:nvSpPr>
             <p:spPr>
               <a:xfrm>
-                <a:off x="7420708" y="4758673"/>
-                <a:ext cx="4200771" cy="646331"/>
+                <a:off x="7420708" y="4659924"/>
+                <a:ext cx="4200771" cy="707886"/>
               </a:xfrm>
               <a:prstGeom prst="rect">
                 <a:avLst/>
@@ -22370,7 +22572,7 @@
               <a:blipFill>
                 <a:blip r:embed="rId15"/>
                 <a:stretch>
-                  <a:fillRect l="-726" t="-5660" b="-14151"/>
+                  <a:fillRect t="-4274" r="-726" b="-13675"/>
                 </a:stretch>
               </a:blipFill>
             </p:spPr>
@@ -22848,7 +23050,7 @@
         </p:blipFill>
         <p:spPr>
           <a:xfrm>
-            <a:off x="363984" y="2410423"/>
+            <a:off x="405129" y="2443064"/>
             <a:ext cx="6509478" cy="4339651"/>
           </a:xfrm>
           <a:prstGeom prst="rect">
@@ -22864,7 +23066,7 @@
         </p:nvSpPr>
         <p:spPr>
           <a:xfrm>
-            <a:off x="3212305" y="4416504"/>
+            <a:off x="3252061" y="4436382"/>
             <a:ext cx="2993229" cy="1750514"/>
           </a:xfrm>
           <a:custGeom>
@@ -23779,12 +23981,15 @@
           <a:lstStyle/>
           <a:p>
             <a:pPr algn="ctr"/>
-            <a:endParaRPr lang="en-US"/>
+            <a:r>
+              <a:rPr lang="en-US" dirty="0"/>
+              <a:t>`</a:t>
+            </a:r>
           </a:p>
         </p:txBody>
       </p:sp>
-      <mc:AlternateContent xmlns:mc="http://schemas.openxmlformats.org/markup-compatibility/2006">
-        <mc:Choice xmlns:a14="http://schemas.microsoft.com/office/drawing/2010/main" Requires="a14">
+      <mc:AlternateContent xmlns:mc="http://schemas.openxmlformats.org/markup-compatibility/2006" xmlns:a14="http://schemas.microsoft.com/office/drawing/2010/main">
+        <mc:Choice Requires="a14">
           <p:sp>
             <p:nvSpPr>
               <p:cNvPr id="84" name="TextBox 83"/>
@@ -23850,7 +24055,7 @@
             </p:txBody>
           </p:sp>
         </mc:Choice>
-        <mc:Fallback>
+        <mc:Fallback xmlns="">
           <p:sp>
             <p:nvSpPr>
               <p:cNvPr id="84" name="TextBox 83"/>
@@ -23899,8 +24104,8 @@
             </p:nvSpPr>
             <p:spPr>
               <a:xfrm>
-                <a:off x="7570131" y="5745604"/>
-                <a:ext cx="3825534" cy="374270"/>
+                <a:off x="7487384" y="5511734"/>
+                <a:ext cx="4230325" cy="1179425"/>
               </a:xfrm>
               <a:prstGeom prst="rect">
                 <a:avLst/>
@@ -23912,6 +24117,7 @@
               </a:bodyPr>
               <a:lstStyle/>
               <a:p>
+                <a:pPr/>
                 <a14:m>
                   <m:oMathPara xmlns:m="http://schemas.openxmlformats.org/officeDocument/2006/math">
                     <m:oMathParaPr>
@@ -23921,14 +24127,14 @@
                       <m:sSub>
                         <m:sSubPr>
                           <m:ctrlPr>
-                            <a:rPr lang="en-US" i="1" smtClean="0">
+                            <a:rPr lang="en-US" sz="2000" i="1" smtClean="0">
                               <a:latin typeface="Cambria Math" panose="02040503050406030204" pitchFamily="18" charset="0"/>
                             </a:rPr>
                           </m:ctrlPr>
                         </m:sSubPr>
                         <m:e>
                           <m:r>
-                            <a:rPr lang="en-US" i="1">
+                            <a:rPr lang="en-US" sz="2000" i="1">
                               <a:latin typeface="Cambria Math" panose="02040503050406030204" pitchFamily="18" charset="0"/>
                             </a:rPr>
                             <m:t>𝐽</m:t>
@@ -23936,7 +24142,7 @@
                         </m:e>
                         <m:sub>
                           <m:r>
-                            <a:rPr lang="en-US" i="1">
+                            <a:rPr lang="en-US" sz="2000" i="1">
                               <a:latin typeface="Cambria Math" panose="02040503050406030204" pitchFamily="18" charset="0"/>
                             </a:rPr>
                             <m:t>0</m:t>
@@ -23946,7 +24152,7 @@
                       <m:d>
                         <m:dPr>
                           <m:ctrlPr>
-                            <a:rPr lang="en-US" i="1">
+                            <a:rPr lang="en-US" sz="2000" i="1">
                               <a:latin typeface="Cambria Math" panose="02040503050406030204" pitchFamily="18" charset="0"/>
                             </a:rPr>
                           </m:ctrlPr>
@@ -23955,7 +24161,7 @@
                           <m:sSub>
                             <m:sSubPr>
                               <m:ctrlPr>
-                                <a:rPr lang="en-US" i="1">
+                                <a:rPr lang="en-US" sz="2000" i="1">
                                   <a:latin typeface="Cambria Math" panose="02040503050406030204" pitchFamily="18" charset="0"/>
                                   <a:ea typeface="Cambria Math" panose="02040503050406030204" pitchFamily="18" charset="0"/>
                                 </a:rPr>
@@ -23963,7 +24169,7 @@
                             </m:sSubPr>
                             <m:e>
                               <m:r>
-                                <a:rPr lang="en-US" i="1">
+                                <a:rPr lang="en-US" sz="2000" i="1">
                                   <a:latin typeface="Cambria Math" panose="02040503050406030204" pitchFamily="18" charset="0"/>
                                   <a:ea typeface="Cambria Math" panose="02040503050406030204" pitchFamily="18" charset="0"/>
                                 </a:rPr>
@@ -23972,7 +24178,7 @@
                             </m:e>
                             <m:sub>
                               <m:r>
-                                <a:rPr lang="en-US" i="1">
+                                <a:rPr lang="en-US" sz="2000" i="1">
                                   <a:latin typeface="Cambria Math" panose="02040503050406030204" pitchFamily="18" charset="0"/>
                                   <a:ea typeface="Cambria Math" panose="02040503050406030204" pitchFamily="18" charset="0"/>
                                 </a:rPr>
@@ -23983,7 +24189,7 @@
                         </m:e>
                       </m:d>
                       <m:r>
-                        <a:rPr lang="en-US" b="0" i="1" smtClean="0">
+                        <a:rPr lang="en-US" sz="2000" b="0" i="1" smtClean="0">
                           <a:latin typeface="Cambria Math" panose="02040503050406030204" pitchFamily="18" charset="0"/>
                           <a:ea typeface="Cambria Math" panose="02040503050406030204" pitchFamily="18" charset="0"/>
                         </a:rPr>
@@ -23992,14 +24198,14 @@
                       <m:sSup>
                         <m:sSupPr>
                           <m:ctrlPr>
-                            <a:rPr lang="en-US" i="1">
+                            <a:rPr lang="en-US" sz="2000" i="1">
                               <a:latin typeface="Cambria Math" panose="02040503050406030204" pitchFamily="18" charset="0"/>
                             </a:rPr>
                           </m:ctrlPr>
                         </m:sSupPr>
                         <m:e>
                           <m:r>
-                            <a:rPr lang="en-US" i="1">
+                            <a:rPr lang="en-US" sz="2000" i="1">
                               <a:latin typeface="Cambria Math" panose="02040503050406030204" pitchFamily="18" charset="0"/>
                             </a:rPr>
                             <m:t>𝑒</m:t>
@@ -24010,14 +24216,14 @@
                             <m:rPr>
                               <m:sty m:val="p"/>
                             </m:rPr>
-                            <a:rPr lang="el-GR" i="1">
+                            <a:rPr lang="el-GR" sz="2000" i="1">
                               <a:latin typeface="Cambria Math" panose="02040503050406030204" pitchFamily="18" charset="0"/>
                               <a:ea typeface="Cambria Math" panose="02040503050406030204" pitchFamily="18" charset="0"/>
                             </a:rPr>
                             <m:t>Γ</m:t>
                           </m:r>
                           <m:r>
-                            <a:rPr lang="en-US" i="1">
+                            <a:rPr lang="en-US" sz="2000" i="1">
                               <a:latin typeface="Cambria Math" panose="02040503050406030204" pitchFamily="18" charset="0"/>
                               <a:ea typeface="Cambria Math" panose="02040503050406030204" pitchFamily="18" charset="0"/>
                             </a:rPr>
@@ -24026,7 +24232,7 @@
                         </m:sup>
                       </m:sSup>
                       <m:r>
-                        <a:rPr lang="en-US" b="0" i="1" smtClean="0">
+                        <a:rPr lang="en-US" sz="2000" b="0" i="1" smtClean="0">
                           <a:latin typeface="Cambria Math" panose="02040503050406030204" pitchFamily="18" charset="0"/>
                           <a:ea typeface="Cambria Math" panose="02040503050406030204" pitchFamily="18" charset="0"/>
                         </a:rPr>
@@ -24037,7 +24243,7 @@
                           <m:begChr m:val="⟨"/>
                           <m:endChr m:val="⟩"/>
                           <m:ctrlPr>
-                            <a:rPr lang="en-US" i="1">
+                            <a:rPr lang="en-US" sz="2000" i="1">
                               <a:latin typeface="Cambria Math" panose="02040503050406030204" pitchFamily="18" charset="0"/>
                             </a:rPr>
                           </m:ctrlPr>
@@ -24046,14 +24252,14 @@
                           <m:sSub>
                             <m:sSubPr>
                               <m:ctrlPr>
-                                <a:rPr lang="en-US" i="1">
+                                <a:rPr lang="en-US" sz="2000" i="1">
                                   <a:latin typeface="Cambria Math" panose="02040503050406030204" pitchFamily="18" charset="0"/>
                                 </a:rPr>
                               </m:ctrlPr>
                             </m:sSubPr>
                             <m:e>
                               <m:r>
-                                <a:rPr lang="en-US" i="1">
+                                <a:rPr lang="en-US" sz="2000" i="1">
                                   <a:latin typeface="Cambria Math" panose="02040503050406030204" pitchFamily="18" charset="0"/>
                                 </a:rPr>
                                 <m:t>𝑃</m:t>
@@ -24061,7 +24267,7 @@
                             </m:e>
                             <m:sub>
                               <m:r>
-                                <a:rPr lang="en-US" i="1">
+                                <a:rPr lang="en-US" sz="2000" i="1">
                                   <a:latin typeface="Cambria Math" panose="02040503050406030204" pitchFamily="18" charset="0"/>
                                   <a:ea typeface="Cambria Math" panose="02040503050406030204" pitchFamily="18" charset="0"/>
                                 </a:rPr>
@@ -24072,7 +24278,7 @@
                         </m:e>
                       </m:d>
                       <m:r>
-                        <a:rPr lang="en-US" b="0" i="1" smtClean="0">
+                        <a:rPr lang="en-US" sz="2000" b="0" i="1" smtClean="0">
                           <a:latin typeface="Cambria Math" panose="02040503050406030204" pitchFamily="18" charset="0"/>
                           <a:ea typeface="Cambria Math" panose="02040503050406030204" pitchFamily="18" charset="0"/>
                         </a:rPr>
@@ -24081,7 +24287,7 @@
                       <m:sSub>
                         <m:sSubPr>
                           <m:ctrlPr>
-                            <a:rPr lang="en-US" b="0" i="1" smtClean="0">
+                            <a:rPr lang="en-US" sz="2000" b="0" i="1" smtClean="0">
                               <a:latin typeface="Cambria Math" panose="02040503050406030204" pitchFamily="18" charset="0"/>
                               <a:ea typeface="Cambria Math" panose="02040503050406030204" pitchFamily="18" charset="0"/>
                             </a:rPr>
@@ -24093,7 +24299,7 @@
                               <m:begChr m:val="⟨"/>
                               <m:endChr m:val="⟩"/>
                               <m:ctrlPr>
-                                <a:rPr lang="en-US" i="1">
+                                <a:rPr lang="en-US" sz="2000" i="1">
                                   <a:latin typeface="Cambria Math" panose="02040503050406030204" pitchFamily="18" charset="0"/>
                                 </a:rPr>
                               </m:ctrlPr>
@@ -24102,14 +24308,14 @@
                               <m:sSub>
                                 <m:sSubPr>
                                   <m:ctrlPr>
-                                    <a:rPr lang="en-US" i="1">
+                                    <a:rPr lang="en-US" sz="2000" i="1">
                                       <a:latin typeface="Cambria Math" panose="02040503050406030204" pitchFamily="18" charset="0"/>
                                     </a:rPr>
                                   </m:ctrlPr>
                                 </m:sSubPr>
                                 <m:e>
                                   <m:r>
-                                    <a:rPr lang="en-US" i="1">
+                                    <a:rPr lang="en-US" sz="2000" i="1">
                                       <a:latin typeface="Cambria Math" panose="02040503050406030204" pitchFamily="18" charset="0"/>
                                     </a:rPr>
                                     <m:t>𝑃</m:t>
@@ -24117,7 +24323,7 @@
                                 </m:e>
                                 <m:sub>
                                   <m:r>
-                                    <a:rPr lang="en-US" i="1">
+                                    <a:rPr lang="en-US" sz="2000" i="1">
                                       <a:latin typeface="Cambria Math" panose="02040503050406030204" pitchFamily="18" charset="0"/>
                                       <a:ea typeface="Cambria Math" panose="02040503050406030204" pitchFamily="18" charset="0"/>
                                     </a:rPr>
@@ -24130,7 +24336,7 @@
                         </m:e>
                         <m:sub>
                           <m:r>
-                            <a:rPr lang="en-US" b="0" i="1" smtClean="0">
+                            <a:rPr lang="en-US" sz="2000" b="0" i="1" smtClean="0">
                               <a:latin typeface="Cambria Math" panose="02040503050406030204" pitchFamily="18" charset="0"/>
                               <a:ea typeface="Cambria Math" panose="02040503050406030204" pitchFamily="18" charset="0"/>
                             </a:rPr>
@@ -24139,7 +24345,7 @@
                         </m:sub>
                       </m:sSub>
                       <m:r>
-                        <a:rPr lang="en-US" b="0" i="1" smtClean="0">
+                        <a:rPr lang="en-US" sz="2000" b="0" i="1" smtClean="0">
                           <a:latin typeface="Cambria Math" panose="02040503050406030204" pitchFamily="18" charset="0"/>
                           <a:ea typeface="Cambria Math" panose="02040503050406030204" pitchFamily="18" charset="0"/>
                         </a:rPr>
@@ -24148,7 +24354,261 @@
                     </m:oMath>
                   </m:oMathPara>
                 </a14:m>
+                <a:endParaRPr lang="en-US" sz="2000" dirty="0"/>
+              </a:p>
+              <a:p>
+                <a:pPr/>
                 <a:endParaRPr lang="en-US" dirty="0"/>
+              </a:p>
+              <a:p>
+                <a:pPr/>
+                <a14:m>
+                  <m:oMath xmlns:m="http://schemas.openxmlformats.org/officeDocument/2006/math">
+                    <m:r>
+                      <a:rPr lang="en-US" sz="2000" b="0" i="1" smtClean="0">
+                        <a:latin typeface="Cambria Math" panose="02040503050406030204" pitchFamily="18" charset="0"/>
+                      </a:rPr>
+                      <m:t>𝛿</m:t>
+                    </m:r>
+                    <m:sSub>
+                      <m:sSubPr>
+                        <m:ctrlPr>
+                          <a:rPr lang="en-US" sz="2000" i="1">
+                            <a:latin typeface="Cambria Math" panose="02040503050406030204" pitchFamily="18" charset="0"/>
+                            <a:ea typeface="Cambria Math" panose="02040503050406030204" pitchFamily="18" charset="0"/>
+                          </a:rPr>
+                        </m:ctrlPr>
+                      </m:sSubPr>
+                      <m:e>
+                        <m:r>
+                          <a:rPr lang="en-US" sz="2000" i="1">
+                            <a:latin typeface="Cambria Math" panose="02040503050406030204" pitchFamily="18" charset="0"/>
+                            <a:ea typeface="Cambria Math" panose="02040503050406030204" pitchFamily="18" charset="0"/>
+                          </a:rPr>
+                          <m:t>𝜃</m:t>
+                        </m:r>
+                      </m:e>
+                      <m:sub>
+                        <m:r>
+                          <a:rPr lang="en-US" sz="2000" i="1">
+                            <a:latin typeface="Cambria Math" panose="02040503050406030204" pitchFamily="18" charset="0"/>
+                            <a:ea typeface="Cambria Math" panose="02040503050406030204" pitchFamily="18" charset="0"/>
+                          </a:rPr>
+                          <m:t>𝑚𝑎𝑥</m:t>
+                        </m:r>
+                      </m:sub>
+                    </m:sSub>
+                    <m:r>
+                      <a:rPr lang="en-US" sz="2000" b="0" i="1" smtClean="0">
+                        <a:latin typeface="Cambria Math" panose="02040503050406030204" pitchFamily="18" charset="0"/>
+                        <a:ea typeface="Cambria Math" panose="02040503050406030204" pitchFamily="18" charset="0"/>
+                      </a:rPr>
+                      <m:t>=</m:t>
+                    </m:r>
+                    <m:r>
+                      <a:rPr lang="en-US" sz="2000" i="1">
+                        <a:latin typeface="Cambria Math" panose="02040503050406030204" pitchFamily="18" charset="0"/>
+                        <a:ea typeface="Cambria Math" panose="02040503050406030204" pitchFamily="18" charset="0"/>
+                      </a:rPr>
+                      <m:t>𝛿</m:t>
+                    </m:r>
+                    <m:sSub>
+                      <m:sSubPr>
+                        <m:ctrlPr>
+                          <a:rPr lang="en-US" sz="2000" i="1">
+                            <a:latin typeface="Cambria Math" panose="02040503050406030204" pitchFamily="18" charset="0"/>
+                          </a:rPr>
+                        </m:ctrlPr>
+                      </m:sSubPr>
+                      <m:e>
+                        <m:r>
+                          <a:rPr lang="en-US" sz="2000" i="1">
+                            <a:latin typeface="Cambria Math" panose="02040503050406030204" pitchFamily="18" charset="0"/>
+                          </a:rPr>
+                          <m:t>𝐽</m:t>
+                        </m:r>
+                      </m:e>
+                      <m:sub>
+                        <m:r>
+                          <a:rPr lang="en-US" sz="2000" i="1">
+                            <a:latin typeface="Cambria Math" panose="02040503050406030204" pitchFamily="18" charset="0"/>
+                          </a:rPr>
+                          <m:t>0</m:t>
+                        </m:r>
+                      </m:sub>
+                    </m:sSub>
+                    <m:d>
+                      <m:dPr>
+                        <m:ctrlPr>
+                          <a:rPr lang="en-US" sz="2000" i="1">
+                            <a:latin typeface="Cambria Math" panose="02040503050406030204" pitchFamily="18" charset="0"/>
+                          </a:rPr>
+                        </m:ctrlPr>
+                      </m:dPr>
+                      <m:e>
+                        <m:sSub>
+                          <m:sSubPr>
+                            <m:ctrlPr>
+                              <a:rPr lang="en-US" sz="2000" i="1">
+                                <a:latin typeface="Cambria Math" panose="02040503050406030204" pitchFamily="18" charset="0"/>
+                                <a:ea typeface="Cambria Math" panose="02040503050406030204" pitchFamily="18" charset="0"/>
+                              </a:rPr>
+                            </m:ctrlPr>
+                          </m:sSubPr>
+                          <m:e>
+                            <m:r>
+                              <a:rPr lang="en-US" sz="2000" i="1">
+                                <a:latin typeface="Cambria Math" panose="02040503050406030204" pitchFamily="18" charset="0"/>
+                                <a:ea typeface="Cambria Math" panose="02040503050406030204" pitchFamily="18" charset="0"/>
+                              </a:rPr>
+                              <m:t>𝜃</m:t>
+                            </m:r>
+                          </m:e>
+                          <m:sub>
+                            <m:r>
+                              <a:rPr lang="en-US" sz="2000" i="1">
+                                <a:latin typeface="Cambria Math" panose="02040503050406030204" pitchFamily="18" charset="0"/>
+                                <a:ea typeface="Cambria Math" panose="02040503050406030204" pitchFamily="18" charset="0"/>
+                              </a:rPr>
+                              <m:t>𝑚𝑎𝑥</m:t>
+                            </m:r>
+                          </m:sub>
+                        </m:sSub>
+                      </m:e>
+                    </m:d>
+                    <m:r>
+                      <a:rPr lang="en-US" sz="2000" b="0" i="1" smtClean="0">
+                        <a:latin typeface="Cambria Math" panose="02040503050406030204" pitchFamily="18" charset="0"/>
+                        <a:ea typeface="Cambria Math" panose="02040503050406030204" pitchFamily="18" charset="0"/>
+                      </a:rPr>
+                      <m:t>/(</m:t>
+                    </m:r>
+                    <m:f>
+                      <m:fPr>
+                        <m:ctrlPr>
+                          <a:rPr lang="en-US" sz="2000" i="1">
+                            <a:latin typeface="Cambria Math" panose="02040503050406030204" pitchFamily="18" charset="0"/>
+                            <a:ea typeface="Cambria Math" panose="02040503050406030204" pitchFamily="18" charset="0"/>
+                          </a:rPr>
+                        </m:ctrlPr>
+                      </m:fPr>
+                      <m:num>
+                        <m:r>
+                          <a:rPr lang="en-US" sz="2000" i="1">
+                            <a:latin typeface="Cambria Math" panose="02040503050406030204" pitchFamily="18" charset="0"/>
+                            <a:ea typeface="Cambria Math" panose="02040503050406030204" pitchFamily="18" charset="0"/>
+                          </a:rPr>
+                          <m:t>𝑑</m:t>
+                        </m:r>
+                        <m:sSub>
+                          <m:sSubPr>
+                            <m:ctrlPr>
+                              <a:rPr lang="en-US" sz="2000" i="1">
+                                <a:latin typeface="Cambria Math" panose="02040503050406030204" pitchFamily="18" charset="0"/>
+                              </a:rPr>
+                            </m:ctrlPr>
+                          </m:sSubPr>
+                          <m:e>
+                            <m:r>
+                              <a:rPr lang="en-US" sz="2000" i="1">
+                                <a:latin typeface="Cambria Math" panose="02040503050406030204" pitchFamily="18" charset="0"/>
+                              </a:rPr>
+                              <m:t>𝐽</m:t>
+                            </m:r>
+                          </m:e>
+                          <m:sub>
+                            <m:r>
+                              <a:rPr lang="en-US" sz="2000" i="1">
+                                <a:latin typeface="Cambria Math" panose="02040503050406030204" pitchFamily="18" charset="0"/>
+                              </a:rPr>
+                              <m:t>0</m:t>
+                            </m:r>
+                          </m:sub>
+                        </m:sSub>
+                        <m:d>
+                          <m:dPr>
+                            <m:ctrlPr>
+                              <a:rPr lang="en-US" sz="2000" i="1">
+                                <a:latin typeface="Cambria Math" panose="02040503050406030204" pitchFamily="18" charset="0"/>
+                              </a:rPr>
+                            </m:ctrlPr>
+                          </m:dPr>
+                          <m:e>
+                            <m:sSub>
+                              <m:sSubPr>
+                                <m:ctrlPr>
+                                  <a:rPr lang="en-US" sz="2000" i="1">
+                                    <a:latin typeface="Cambria Math" panose="02040503050406030204" pitchFamily="18" charset="0"/>
+                                    <a:ea typeface="Cambria Math" panose="02040503050406030204" pitchFamily="18" charset="0"/>
+                                  </a:rPr>
+                                </m:ctrlPr>
+                              </m:sSubPr>
+                              <m:e>
+                                <m:r>
+                                  <a:rPr lang="en-US" sz="2000" i="1">
+                                    <a:latin typeface="Cambria Math" panose="02040503050406030204" pitchFamily="18" charset="0"/>
+                                    <a:ea typeface="Cambria Math" panose="02040503050406030204" pitchFamily="18" charset="0"/>
+                                  </a:rPr>
+                                  <m:t>𝜃</m:t>
+                                </m:r>
+                              </m:e>
+                              <m:sub>
+                                <m:r>
+                                  <a:rPr lang="en-US" sz="2000" i="1">
+                                    <a:latin typeface="Cambria Math" panose="02040503050406030204" pitchFamily="18" charset="0"/>
+                                    <a:ea typeface="Cambria Math" panose="02040503050406030204" pitchFamily="18" charset="0"/>
+                                  </a:rPr>
+                                  <m:t>𝑚𝑎𝑥</m:t>
+                                </m:r>
+                              </m:sub>
+                            </m:sSub>
+                          </m:e>
+                        </m:d>
+                      </m:num>
+                      <m:den>
+                        <m:r>
+                          <a:rPr lang="en-US" sz="2000" i="1">
+                            <a:latin typeface="Cambria Math" panose="02040503050406030204" pitchFamily="18" charset="0"/>
+                            <a:ea typeface="Cambria Math" panose="02040503050406030204" pitchFamily="18" charset="0"/>
+                          </a:rPr>
+                          <m:t>𝑑</m:t>
+                        </m:r>
+                        <m:sSub>
+                          <m:sSubPr>
+                            <m:ctrlPr>
+                              <a:rPr lang="en-US" sz="2000" i="1">
+                                <a:latin typeface="Cambria Math" panose="02040503050406030204" pitchFamily="18" charset="0"/>
+                                <a:ea typeface="Cambria Math" panose="02040503050406030204" pitchFamily="18" charset="0"/>
+                              </a:rPr>
+                            </m:ctrlPr>
+                          </m:sSubPr>
+                          <m:e>
+                            <m:r>
+                              <a:rPr lang="en-US" sz="2000" i="1">
+                                <a:latin typeface="Cambria Math" panose="02040503050406030204" pitchFamily="18" charset="0"/>
+                                <a:ea typeface="Cambria Math" panose="02040503050406030204" pitchFamily="18" charset="0"/>
+                              </a:rPr>
+                              <m:t>𝜃</m:t>
+                            </m:r>
+                          </m:e>
+                          <m:sub>
+                            <m:r>
+                              <a:rPr lang="en-US" sz="2000" i="1">
+                                <a:latin typeface="Cambria Math" panose="02040503050406030204" pitchFamily="18" charset="0"/>
+                                <a:ea typeface="Cambria Math" panose="02040503050406030204" pitchFamily="18" charset="0"/>
+                              </a:rPr>
+                              <m:t>𝑚𝑎𝑥</m:t>
+                            </m:r>
+                          </m:sub>
+                        </m:sSub>
+                      </m:den>
+                    </m:f>
+                  </m:oMath>
+                </a14:m>
+                <a:r>
+                  <a:rPr lang="en-US" sz="2000" dirty="0"/>
+                  <a:t>) </a:t>
+                </a:r>
               </a:p>
             </p:txBody>
           </p:sp>
@@ -24164,8 +24624,8 @@
             </p:nvSpPr>
             <p:spPr>
               <a:xfrm>
-                <a:off x="7570131" y="5745604"/>
-                <a:ext cx="3825534" cy="374270"/>
+                <a:off x="7487384" y="5511734"/>
+                <a:ext cx="4230325" cy="1179425"/>
               </a:xfrm>
               <a:prstGeom prst="rect">
                 <a:avLst/>
@@ -24173,7 +24633,7 @@
               <a:blipFill>
                 <a:blip r:embed="rId23"/>
                 <a:stretch>
-                  <a:fillRect b="-13115"/>
+                  <a:fillRect/>
                 </a:stretch>
               </a:blipFill>
             </p:spPr>
@@ -26038,24 +26498,31 @@
                 </a:r>
                 <a14:m>
                   <m:oMath xmlns:m="http://schemas.openxmlformats.org/officeDocument/2006/math">
-                    <m:r>
-                      <a:rPr lang="en-US" b="0" i="1" smtClean="0">
-                        <a:latin typeface="Cambria Math" panose="02040503050406030204" pitchFamily="18" charset="0"/>
-                      </a:rPr>
-                      <m:t>𝑍</m:t>
-                    </m:r>
-                    <m:r>
-                      <a:rPr lang="en-US" b="0" i="1" smtClean="0">
-                        <a:latin typeface="Cambria Math" panose="02040503050406030204" pitchFamily="18" charset="0"/>
-                      </a:rPr>
-                      <m:t>_</m:t>
-                    </m:r>
-                    <m:r>
-                      <a:rPr lang="en-US" b="0" i="1" smtClean="0">
-                        <a:latin typeface="Cambria Math" panose="02040503050406030204" pitchFamily="18" charset="0"/>
-                      </a:rPr>
-                      <m:t>𝑐</m:t>
-                    </m:r>
+                    <m:sSub>
+                      <m:sSubPr>
+                        <m:ctrlPr>
+                          <a:rPr lang="en-US" b="0" i="1" smtClean="0">
+                            <a:latin typeface="Cambria Math" panose="02040503050406030204" pitchFamily="18" charset="0"/>
+                          </a:rPr>
+                        </m:ctrlPr>
+                      </m:sSubPr>
+                      <m:e>
+                        <m:r>
+                          <a:rPr lang="en-US" b="0" i="1" smtClean="0">
+                            <a:latin typeface="Cambria Math" panose="02040503050406030204" pitchFamily="18" charset="0"/>
+                          </a:rPr>
+                          <m:t>𝑍</m:t>
+                        </m:r>
+                      </m:e>
+                      <m:sub>
+                        <m:r>
+                          <a:rPr lang="en-US" b="0" i="1" smtClean="0">
+                            <a:latin typeface="Cambria Math" panose="02040503050406030204" pitchFamily="18" charset="0"/>
+                          </a:rPr>
+                          <m:t>𝑐</m:t>
+                        </m:r>
+                      </m:sub>
+                    </m:sSub>
                   </m:oMath>
                 </a14:m>
                 <a:endParaRPr lang="en-US" dirty="0"/>
@@ -26265,13 +26732,6 @@
   <p:clrMapOvr>
     <a:masterClrMapping/>
   </p:clrMapOvr>
-  <p:timing>
-    <p:tnLst>
-      <p:par>
-        <p:cTn id="1" dur="indefinite" restart="never" nodeType="tmRoot"/>
-      </p:par>
-    </p:tnLst>
-  </p:timing>
 </p:sld>
 </file>
 
@@ -27523,13 +27983,6 @@
   <p:clrMapOvr>
     <a:masterClrMapping/>
   </p:clrMapOvr>
-  <p:timing>
-    <p:tnLst>
-      <p:par>
-        <p:cTn id="1" dur="indefinite" restart="never" nodeType="tmRoot"/>
-      </p:par>
-    </p:tnLst>
-  </p:timing>
 </p:sld>
 </file>
 
